--- a/AguaClara Water Treatment Plant Design/Diagrams.pptx
+++ b/AguaClara Water Treatment Plant Design/Diagrams.pptx
@@ -8,23 +8,24 @@
     <p:sldId id="256" r:id="rId2"/>
     <p:sldId id="275" r:id="rId3"/>
     <p:sldId id="273" r:id="rId4"/>
-    <p:sldId id="276" r:id="rId5"/>
-    <p:sldId id="274" r:id="rId6"/>
-    <p:sldId id="270" r:id="rId7"/>
-    <p:sldId id="257" r:id="rId8"/>
-    <p:sldId id="258" r:id="rId9"/>
-    <p:sldId id="266" r:id="rId10"/>
-    <p:sldId id="259" r:id="rId11"/>
-    <p:sldId id="263" r:id="rId12"/>
-    <p:sldId id="269" r:id="rId13"/>
-    <p:sldId id="264" r:id="rId14"/>
-    <p:sldId id="265" r:id="rId15"/>
-    <p:sldId id="267" r:id="rId16"/>
-    <p:sldId id="271" r:id="rId17"/>
-    <p:sldId id="268" r:id="rId18"/>
-    <p:sldId id="261" r:id="rId19"/>
-    <p:sldId id="272" r:id="rId20"/>
-    <p:sldId id="262" r:id="rId21"/>
+    <p:sldId id="277" r:id="rId5"/>
+    <p:sldId id="276" r:id="rId6"/>
+    <p:sldId id="274" r:id="rId7"/>
+    <p:sldId id="270" r:id="rId8"/>
+    <p:sldId id="257" r:id="rId9"/>
+    <p:sldId id="258" r:id="rId10"/>
+    <p:sldId id="266" r:id="rId11"/>
+    <p:sldId id="259" r:id="rId12"/>
+    <p:sldId id="263" r:id="rId13"/>
+    <p:sldId id="269" r:id="rId14"/>
+    <p:sldId id="264" r:id="rId15"/>
+    <p:sldId id="265" r:id="rId16"/>
+    <p:sldId id="267" r:id="rId17"/>
+    <p:sldId id="271" r:id="rId18"/>
+    <p:sldId id="268" r:id="rId19"/>
+    <p:sldId id="261" r:id="rId20"/>
+    <p:sldId id="272" r:id="rId21"/>
+    <p:sldId id="262" r:id="rId22"/>
   </p:sldIdLst>
   <p:sldSz cx="12192000" cy="6858000"/>
   <p:notesSz cx="6858000" cy="9144000"/>
@@ -289,7 +290,7 @@
           <a:p>
             <a:fld id="{21D1E3DE-262E-49AD-8F92-4417FBCF3DA3}" type="datetimeFigureOut">
               <a:rPr lang="en-US" smtClean="0"/>
-              <a:t>5/2/2018</a:t>
+              <a:t>5/6/2018</a:t>
             </a:fld>
             <a:endParaRPr lang="en-US"/>
           </a:p>
@@ -487,7 +488,7 @@
           <a:p>
             <a:fld id="{21D1E3DE-262E-49AD-8F92-4417FBCF3DA3}" type="datetimeFigureOut">
               <a:rPr lang="en-US" smtClean="0"/>
-              <a:t>5/2/2018</a:t>
+              <a:t>5/6/2018</a:t>
             </a:fld>
             <a:endParaRPr lang="en-US"/>
           </a:p>
@@ -695,7 +696,7 @@
           <a:p>
             <a:fld id="{21D1E3DE-262E-49AD-8F92-4417FBCF3DA3}" type="datetimeFigureOut">
               <a:rPr lang="en-US" smtClean="0"/>
-              <a:t>5/2/2018</a:t>
+              <a:t>5/6/2018</a:t>
             </a:fld>
             <a:endParaRPr lang="en-US"/>
           </a:p>
@@ -893,7 +894,7 @@
           <a:p>
             <a:fld id="{21D1E3DE-262E-49AD-8F92-4417FBCF3DA3}" type="datetimeFigureOut">
               <a:rPr lang="en-US" smtClean="0"/>
-              <a:t>5/2/2018</a:t>
+              <a:t>5/6/2018</a:t>
             </a:fld>
             <a:endParaRPr lang="en-US"/>
           </a:p>
@@ -1168,7 +1169,7 @@
           <a:p>
             <a:fld id="{21D1E3DE-262E-49AD-8F92-4417FBCF3DA3}" type="datetimeFigureOut">
               <a:rPr lang="en-US" smtClean="0"/>
-              <a:t>5/2/2018</a:t>
+              <a:t>5/6/2018</a:t>
             </a:fld>
             <a:endParaRPr lang="en-US"/>
           </a:p>
@@ -1433,7 +1434,7 @@
           <a:p>
             <a:fld id="{21D1E3DE-262E-49AD-8F92-4417FBCF3DA3}" type="datetimeFigureOut">
               <a:rPr lang="en-US" smtClean="0"/>
-              <a:t>5/2/2018</a:t>
+              <a:t>5/6/2018</a:t>
             </a:fld>
             <a:endParaRPr lang="en-US"/>
           </a:p>
@@ -1845,7 +1846,7 @@
           <a:p>
             <a:fld id="{21D1E3DE-262E-49AD-8F92-4417FBCF3DA3}" type="datetimeFigureOut">
               <a:rPr lang="en-US" smtClean="0"/>
-              <a:t>5/2/2018</a:t>
+              <a:t>5/6/2018</a:t>
             </a:fld>
             <a:endParaRPr lang="en-US"/>
           </a:p>
@@ -1986,7 +1987,7 @@
           <a:p>
             <a:fld id="{21D1E3DE-262E-49AD-8F92-4417FBCF3DA3}" type="datetimeFigureOut">
               <a:rPr lang="en-US" smtClean="0"/>
-              <a:t>5/2/2018</a:t>
+              <a:t>5/6/2018</a:t>
             </a:fld>
             <a:endParaRPr lang="en-US"/>
           </a:p>
@@ -2099,7 +2100,7 @@
           <a:p>
             <a:fld id="{21D1E3DE-262E-49AD-8F92-4417FBCF3DA3}" type="datetimeFigureOut">
               <a:rPr lang="en-US" smtClean="0"/>
-              <a:t>5/2/2018</a:t>
+              <a:t>5/6/2018</a:t>
             </a:fld>
             <a:endParaRPr lang="en-US"/>
           </a:p>
@@ -2410,7 +2411,7 @@
           <a:p>
             <a:fld id="{21D1E3DE-262E-49AD-8F92-4417FBCF3DA3}" type="datetimeFigureOut">
               <a:rPr lang="en-US" smtClean="0"/>
-              <a:t>5/2/2018</a:t>
+              <a:t>5/6/2018</a:t>
             </a:fld>
             <a:endParaRPr lang="en-US"/>
           </a:p>
@@ -2698,7 +2699,7 @@
           <a:p>
             <a:fld id="{21D1E3DE-262E-49AD-8F92-4417FBCF3DA3}" type="datetimeFigureOut">
               <a:rPr lang="en-US" smtClean="0"/>
-              <a:t>5/2/2018</a:t>
+              <a:t>5/6/2018</a:t>
             </a:fld>
             <a:endParaRPr lang="en-US"/>
           </a:p>
@@ -2939,7 +2940,7 @@
           <a:p>
             <a:fld id="{21D1E3DE-262E-49AD-8F92-4417FBCF3DA3}" type="datetimeFigureOut">
               <a:rPr lang="en-US" smtClean="0"/>
-              <a:t>5/2/2018</a:t>
+              <a:t>5/6/2018</a:t>
             </a:fld>
             <a:endParaRPr lang="en-US"/>
           </a:p>
@@ -4929,6 +4930,1900 @@
       </p:grpSpPr>
       <p:grpSp>
         <p:nvGrpSpPr>
+          <p:cNvPr id="10" name="Group 9">
+            <a:extLst>
+              <a:ext uri="{FF2B5EF4-FFF2-40B4-BE49-F238E27FC236}">
+                <a16:creationId xmlns:a16="http://schemas.microsoft.com/office/drawing/2014/main" id="{E4C31397-41E4-4C43-9199-CADC3A56F215}"/>
+              </a:ext>
+            </a:extLst>
+          </p:cNvPr>
+          <p:cNvGrpSpPr/>
+          <p:nvPr/>
+        </p:nvGrpSpPr>
+        <p:grpSpPr>
+          <a:xfrm>
+            <a:off x="166688" y="1795463"/>
+            <a:ext cx="8153457" cy="4805362"/>
+            <a:chOff x="166688" y="1795463"/>
+            <a:chExt cx="8153457" cy="4805362"/>
+          </a:xfrm>
+        </p:grpSpPr>
+        <p:sp>
+          <p:nvSpPr>
+            <p:cNvPr id="31" name="Freeform 37">
+              <a:extLst>
+                <a:ext uri="{FF2B5EF4-FFF2-40B4-BE49-F238E27FC236}">
+                  <a16:creationId xmlns:a16="http://schemas.microsoft.com/office/drawing/2014/main" id="{3FC6C672-AFEB-4A98-8475-DD6E25FD5599}"/>
+                </a:ext>
+              </a:extLst>
+            </p:cNvPr>
+            <p:cNvSpPr>
+              <a:spLocks/>
+            </p:cNvSpPr>
+            <p:nvPr/>
+          </p:nvSpPr>
+          <p:spPr bwMode="auto">
+            <a:xfrm>
+              <a:off x="1066800" y="1890713"/>
+              <a:ext cx="5616575" cy="1360487"/>
+            </a:xfrm>
+            <a:custGeom>
+              <a:avLst/>
+              <a:gdLst/>
+              <a:ahLst/>
+              <a:cxnLst>
+                <a:cxn ang="0">
+                  <a:pos x="0" y="0"/>
+                </a:cxn>
+                <a:cxn ang="0">
+                  <a:pos x="0" y="528"/>
+                </a:cxn>
+                <a:cxn ang="0">
+                  <a:pos x="3216" y="528"/>
+                </a:cxn>
+                <a:cxn ang="0">
+                  <a:pos x="3216" y="0"/>
+                </a:cxn>
+              </a:cxnLst>
+              <a:rect l="0" t="0" r="r" b="b"/>
+              <a:pathLst>
+                <a:path w="3216" h="528">
+                  <a:moveTo>
+                    <a:pt x="0" y="0"/>
+                  </a:moveTo>
+                  <a:lnTo>
+                    <a:pt x="0" y="528"/>
+                  </a:lnTo>
+                  <a:lnTo>
+                    <a:pt x="3216" y="528"/>
+                  </a:lnTo>
+                  <a:lnTo>
+                    <a:pt x="3216" y="0"/>
+                  </a:lnTo>
+                </a:path>
+              </a:pathLst>
+            </a:custGeom>
+            <a:noFill/>
+            <a:ln w="57150" cap="flat" cmpd="sng">
+              <a:solidFill>
+                <a:schemeClr val="tx1"/>
+              </a:solidFill>
+              <a:prstDash val="solid"/>
+              <a:round/>
+              <a:headEnd type="none" w="lg" len="med"/>
+              <a:tailEnd type="none" w="lg" len="med"/>
+            </a:ln>
+            <a:effectLst/>
+          </p:spPr>
+          <p:txBody>
+            <a:bodyPr anchor="ctr">
+              <a:spAutoFit/>
+            </a:bodyPr>
+            <a:lstStyle/>
+            <a:p>
+              <a:endParaRPr lang="en-US"/>
+            </a:p>
+          </p:txBody>
+        </p:sp>
+        <p:sp>
+          <p:nvSpPr>
+            <p:cNvPr id="33" name="Freeform 4">
+              <a:extLst>
+                <a:ext uri="{FF2B5EF4-FFF2-40B4-BE49-F238E27FC236}">
+                  <a16:creationId xmlns:a16="http://schemas.microsoft.com/office/drawing/2014/main" id="{3924E613-6C97-4B64-BF4F-99836069CB4C}"/>
+                </a:ext>
+              </a:extLst>
+            </p:cNvPr>
+            <p:cNvSpPr>
+              <a:spLocks/>
+            </p:cNvSpPr>
+            <p:nvPr/>
+          </p:nvSpPr>
+          <p:spPr bwMode="auto">
+            <a:xfrm>
+              <a:off x="1066800" y="1890713"/>
+              <a:ext cx="5616575" cy="1360487"/>
+            </a:xfrm>
+            <a:custGeom>
+              <a:avLst/>
+              <a:gdLst/>
+              <a:ahLst/>
+              <a:cxnLst>
+                <a:cxn ang="0">
+                  <a:pos x="0" y="0"/>
+                </a:cxn>
+                <a:cxn ang="0">
+                  <a:pos x="0" y="528"/>
+                </a:cxn>
+                <a:cxn ang="0">
+                  <a:pos x="3216" y="528"/>
+                </a:cxn>
+                <a:cxn ang="0">
+                  <a:pos x="3216" y="0"/>
+                </a:cxn>
+              </a:cxnLst>
+              <a:rect l="0" t="0" r="r" b="b"/>
+              <a:pathLst>
+                <a:path w="3216" h="528">
+                  <a:moveTo>
+                    <a:pt x="0" y="0"/>
+                  </a:moveTo>
+                  <a:lnTo>
+                    <a:pt x="0" y="528"/>
+                  </a:lnTo>
+                  <a:lnTo>
+                    <a:pt x="3216" y="528"/>
+                  </a:lnTo>
+                  <a:lnTo>
+                    <a:pt x="3216" y="0"/>
+                  </a:lnTo>
+                </a:path>
+              </a:pathLst>
+            </a:custGeom>
+            <a:solidFill>
+              <a:schemeClr val="hlink"/>
+            </a:solidFill>
+            <a:ln w="57150" cap="flat" cmpd="sng">
+              <a:solidFill>
+                <a:schemeClr val="tx1"/>
+              </a:solidFill>
+              <a:prstDash val="solid"/>
+              <a:round/>
+              <a:headEnd type="none" w="lg" len="med"/>
+              <a:tailEnd type="none" w="lg" len="med"/>
+            </a:ln>
+            <a:effectLst/>
+          </p:spPr>
+          <p:txBody>
+            <a:bodyPr anchor="ctr">
+              <a:spAutoFit/>
+            </a:bodyPr>
+            <a:lstStyle/>
+            <a:p>
+              <a:endParaRPr lang="en-US"/>
+            </a:p>
+          </p:txBody>
+        </p:sp>
+        <p:sp>
+          <p:nvSpPr>
+            <p:cNvPr id="34" name="Rectangle 8">
+              <a:extLst>
+                <a:ext uri="{FF2B5EF4-FFF2-40B4-BE49-F238E27FC236}">
+                  <a16:creationId xmlns:a16="http://schemas.microsoft.com/office/drawing/2014/main" id="{12745584-EEB1-40F3-BD29-9B67EE03B037}"/>
+                </a:ext>
+              </a:extLst>
+            </p:cNvPr>
+            <p:cNvSpPr>
+              <a:spLocks noChangeArrowheads="1"/>
+            </p:cNvSpPr>
+            <p:nvPr/>
+          </p:nvSpPr>
+          <p:spPr bwMode="auto">
+            <a:xfrm>
+              <a:off x="1082675" y="1795463"/>
+              <a:ext cx="5578475" cy="365125"/>
+            </a:xfrm>
+            <a:prstGeom prst="rect">
+              <a:avLst/>
+            </a:prstGeom>
+            <a:solidFill>
+              <a:schemeClr val="bg1"/>
+            </a:solidFill>
+            <a:ln w="12700">
+              <a:noFill/>
+              <a:miter lim="800000"/>
+              <a:headEnd type="none" w="lg" len="med"/>
+              <a:tailEnd type="none" w="lg" len="med"/>
+            </a:ln>
+            <a:effectLst/>
+          </p:spPr>
+          <p:txBody>
+            <a:bodyPr anchor="ctr">
+              <a:spAutoFit/>
+            </a:bodyPr>
+            <a:lstStyle/>
+            <a:p>
+              <a:endParaRPr lang="en-US"/>
+            </a:p>
+          </p:txBody>
+        </p:sp>
+        <p:sp>
+          <p:nvSpPr>
+            <p:cNvPr id="35" name="Rectangle 10">
+              <a:extLst>
+                <a:ext uri="{FF2B5EF4-FFF2-40B4-BE49-F238E27FC236}">
+                  <a16:creationId xmlns:a16="http://schemas.microsoft.com/office/drawing/2014/main" id="{A75773BA-A0A6-48DD-9837-017BE24008FA}"/>
+                </a:ext>
+              </a:extLst>
+            </p:cNvPr>
+            <p:cNvSpPr>
+              <a:spLocks noChangeArrowheads="1"/>
+            </p:cNvSpPr>
+            <p:nvPr/>
+          </p:nvSpPr>
+          <p:spPr bwMode="auto">
+            <a:xfrm>
+              <a:off x="3638550" y="2125663"/>
+              <a:ext cx="257175" cy="1335087"/>
+            </a:xfrm>
+            <a:prstGeom prst="rect">
+              <a:avLst/>
+            </a:prstGeom>
+            <a:solidFill>
+              <a:schemeClr val="bg1"/>
+            </a:solidFill>
+            <a:ln w="12700">
+              <a:noFill/>
+              <a:miter lim="800000"/>
+              <a:headEnd type="none" w="lg" len="med"/>
+              <a:tailEnd type="none" w="lg" len="med"/>
+            </a:ln>
+            <a:effectLst/>
+          </p:spPr>
+          <p:txBody>
+            <a:bodyPr wrap="none" anchor="ctr">
+              <a:spAutoFit/>
+            </a:bodyPr>
+            <a:lstStyle/>
+            <a:p>
+              <a:endParaRPr lang="en-US"/>
+            </a:p>
+          </p:txBody>
+        </p:sp>
+        <p:sp>
+          <p:nvSpPr>
+            <p:cNvPr id="36" name="Line 11">
+              <a:extLst>
+                <a:ext uri="{FF2B5EF4-FFF2-40B4-BE49-F238E27FC236}">
+                  <a16:creationId xmlns:a16="http://schemas.microsoft.com/office/drawing/2014/main" id="{DF617A71-B458-49E3-8A49-C5CF4D83D826}"/>
+                </a:ext>
+              </a:extLst>
+            </p:cNvPr>
+            <p:cNvSpPr>
+              <a:spLocks noChangeShapeType="1"/>
+            </p:cNvSpPr>
+            <p:nvPr/>
+          </p:nvSpPr>
+          <p:spPr bwMode="auto">
+            <a:xfrm>
+              <a:off x="3621088" y="2198688"/>
+              <a:ext cx="0" cy="2339975"/>
+            </a:xfrm>
+            <a:prstGeom prst="line">
+              <a:avLst/>
+            </a:prstGeom>
+            <a:noFill/>
+            <a:ln w="38100">
+              <a:solidFill>
+                <a:schemeClr val="tx1"/>
+              </a:solidFill>
+              <a:round/>
+              <a:headEnd type="none" w="lg" len="med"/>
+              <a:tailEnd type="none" w="lg" len="med"/>
+            </a:ln>
+            <a:effectLst/>
+          </p:spPr>
+          <p:txBody>
+            <a:bodyPr wrap="none" anchor="ctr">
+              <a:spAutoFit/>
+            </a:bodyPr>
+            <a:lstStyle/>
+            <a:p>
+              <a:endParaRPr lang="en-US"/>
+            </a:p>
+          </p:txBody>
+        </p:sp>
+        <p:sp>
+          <p:nvSpPr>
+            <p:cNvPr id="37" name="Line 12">
+              <a:extLst>
+                <a:ext uri="{FF2B5EF4-FFF2-40B4-BE49-F238E27FC236}">
+                  <a16:creationId xmlns:a16="http://schemas.microsoft.com/office/drawing/2014/main" id="{4FE0D342-BBF2-4760-95E3-87BB9C7AAF8C}"/>
+                </a:ext>
+              </a:extLst>
+            </p:cNvPr>
+            <p:cNvSpPr>
+              <a:spLocks noChangeShapeType="1"/>
+            </p:cNvSpPr>
+            <p:nvPr/>
+          </p:nvSpPr>
+          <p:spPr bwMode="auto">
+            <a:xfrm>
+              <a:off x="3886200" y="2198688"/>
+              <a:ext cx="0" cy="2339975"/>
+            </a:xfrm>
+            <a:prstGeom prst="line">
+              <a:avLst/>
+            </a:prstGeom>
+            <a:noFill/>
+            <a:ln w="38100">
+              <a:solidFill>
+                <a:schemeClr val="tx1"/>
+              </a:solidFill>
+              <a:round/>
+              <a:headEnd type="none" w="lg" len="med"/>
+              <a:tailEnd type="none" w="lg" len="med"/>
+            </a:ln>
+            <a:effectLst/>
+          </p:spPr>
+          <p:txBody>
+            <a:bodyPr wrap="none" anchor="ctr">
+              <a:spAutoFit/>
+            </a:bodyPr>
+            <a:lstStyle/>
+            <a:p>
+              <a:endParaRPr lang="en-US"/>
+            </a:p>
+          </p:txBody>
+        </p:sp>
+        <p:sp>
+          <p:nvSpPr>
+            <p:cNvPr id="38" name="Rectangle 14">
+              <a:extLst>
+                <a:ext uri="{FF2B5EF4-FFF2-40B4-BE49-F238E27FC236}">
+                  <a16:creationId xmlns:a16="http://schemas.microsoft.com/office/drawing/2014/main" id="{86C3D52E-6511-4067-92AE-4711E5FE2273}"/>
+                </a:ext>
+              </a:extLst>
+            </p:cNvPr>
+            <p:cNvSpPr>
+              <a:spLocks noChangeArrowheads="1"/>
+            </p:cNvSpPr>
+            <p:nvPr/>
+          </p:nvSpPr>
+          <p:spPr bwMode="auto">
+            <a:xfrm>
+              <a:off x="5699125" y="3189288"/>
+              <a:ext cx="160338" cy="2692400"/>
+            </a:xfrm>
+            <a:prstGeom prst="rect">
+              <a:avLst/>
+            </a:prstGeom>
+            <a:solidFill>
+              <a:schemeClr val="hlink"/>
+            </a:solidFill>
+            <a:ln w="12700">
+              <a:noFill/>
+              <a:miter lim="800000"/>
+              <a:headEnd type="none" w="lg" len="med"/>
+              <a:tailEnd type="none" w="lg" len="med"/>
+            </a:ln>
+            <a:effectLst/>
+          </p:spPr>
+          <p:txBody>
+            <a:bodyPr anchor="ctr">
+              <a:spAutoFit/>
+            </a:bodyPr>
+            <a:lstStyle/>
+            <a:p>
+              <a:endParaRPr lang="en-US"/>
+            </a:p>
+          </p:txBody>
+        </p:sp>
+        <p:sp>
+          <p:nvSpPr>
+            <p:cNvPr id="39" name="Line 15">
+              <a:extLst>
+                <a:ext uri="{FF2B5EF4-FFF2-40B4-BE49-F238E27FC236}">
+                  <a16:creationId xmlns:a16="http://schemas.microsoft.com/office/drawing/2014/main" id="{84FE23B3-FB3D-4875-96EC-4B29DD547CB2}"/>
+                </a:ext>
+              </a:extLst>
+            </p:cNvPr>
+            <p:cNvSpPr>
+              <a:spLocks noChangeShapeType="1"/>
+            </p:cNvSpPr>
+            <p:nvPr/>
+          </p:nvSpPr>
+          <p:spPr bwMode="auto">
+            <a:xfrm>
+              <a:off x="5686425" y="3186113"/>
+              <a:ext cx="0" cy="2670175"/>
+            </a:xfrm>
+            <a:prstGeom prst="line">
+              <a:avLst/>
+            </a:prstGeom>
+            <a:noFill/>
+            <a:ln w="38100">
+              <a:solidFill>
+                <a:schemeClr val="tx1"/>
+              </a:solidFill>
+              <a:round/>
+              <a:headEnd type="none" w="lg" len="med"/>
+              <a:tailEnd type="none" w="lg" len="med"/>
+            </a:ln>
+            <a:effectLst/>
+          </p:spPr>
+          <p:txBody>
+            <a:bodyPr wrap="none" anchor="ctr">
+              <a:spAutoFit/>
+            </a:bodyPr>
+            <a:lstStyle/>
+            <a:p>
+              <a:endParaRPr lang="en-US"/>
+            </a:p>
+          </p:txBody>
+        </p:sp>
+        <p:sp>
+          <p:nvSpPr>
+            <p:cNvPr id="40" name="Line 16">
+              <a:extLst>
+                <a:ext uri="{FF2B5EF4-FFF2-40B4-BE49-F238E27FC236}">
+                  <a16:creationId xmlns:a16="http://schemas.microsoft.com/office/drawing/2014/main" id="{B23DDFC0-B804-4CDD-A82B-5A16032F0FE0}"/>
+                </a:ext>
+              </a:extLst>
+            </p:cNvPr>
+            <p:cNvSpPr>
+              <a:spLocks noChangeShapeType="1"/>
+            </p:cNvSpPr>
+            <p:nvPr/>
+          </p:nvSpPr>
+          <p:spPr bwMode="auto">
+            <a:xfrm>
+              <a:off x="5859463" y="3186113"/>
+              <a:ext cx="0" cy="2670175"/>
+            </a:xfrm>
+            <a:prstGeom prst="line">
+              <a:avLst/>
+            </a:prstGeom>
+            <a:noFill/>
+            <a:ln w="38100">
+              <a:solidFill>
+                <a:schemeClr val="tx1"/>
+              </a:solidFill>
+              <a:round/>
+              <a:headEnd type="none" w="lg" len="med"/>
+              <a:tailEnd type="none" w="lg" len="med"/>
+            </a:ln>
+            <a:effectLst/>
+          </p:spPr>
+          <p:txBody>
+            <a:bodyPr wrap="none" anchor="ctr">
+              <a:spAutoFit/>
+            </a:bodyPr>
+            <a:lstStyle/>
+            <a:p>
+              <a:endParaRPr lang="en-US"/>
+            </a:p>
+          </p:txBody>
+        </p:sp>
+        <p:sp>
+          <p:nvSpPr>
+            <p:cNvPr id="41" name="Line 17">
+              <a:extLst>
+                <a:ext uri="{FF2B5EF4-FFF2-40B4-BE49-F238E27FC236}">
+                  <a16:creationId xmlns:a16="http://schemas.microsoft.com/office/drawing/2014/main" id="{6E17A796-CE80-464E-A90E-1D7753897FE9}"/>
+                </a:ext>
+              </a:extLst>
+            </p:cNvPr>
+            <p:cNvSpPr>
+              <a:spLocks noChangeShapeType="1"/>
+            </p:cNvSpPr>
+            <p:nvPr/>
+          </p:nvSpPr>
+          <p:spPr bwMode="auto">
+            <a:xfrm flipV="1">
+              <a:off x="5780088" y="4751388"/>
+              <a:ext cx="0" cy="695325"/>
+            </a:xfrm>
+            <a:prstGeom prst="line">
+              <a:avLst/>
+            </a:prstGeom>
+            <a:noFill/>
+            <a:ln w="12700">
+              <a:solidFill>
+                <a:schemeClr val="tx1"/>
+              </a:solidFill>
+              <a:round/>
+              <a:headEnd type="none" w="lg" len="med"/>
+              <a:tailEnd type="triangle" w="lg" len="med"/>
+            </a:ln>
+            <a:effectLst/>
+          </p:spPr>
+          <p:txBody>
+            <a:bodyPr wrap="none" anchor="ctr">
+              <a:spAutoFit/>
+            </a:bodyPr>
+            <a:lstStyle/>
+            <a:p>
+              <a:endParaRPr lang="en-US"/>
+            </a:p>
+          </p:txBody>
+        </p:sp>
+        <p:sp>
+          <p:nvSpPr>
+            <p:cNvPr id="42" name="Line 18">
+              <a:extLst>
+                <a:ext uri="{FF2B5EF4-FFF2-40B4-BE49-F238E27FC236}">
+                  <a16:creationId xmlns:a16="http://schemas.microsoft.com/office/drawing/2014/main" id="{057D35D4-E631-46A1-91D1-DAF52E0EE1C5}"/>
+                </a:ext>
+              </a:extLst>
+            </p:cNvPr>
+            <p:cNvSpPr>
+              <a:spLocks noChangeShapeType="1"/>
+            </p:cNvSpPr>
+            <p:nvPr/>
+          </p:nvSpPr>
+          <p:spPr bwMode="auto">
+            <a:xfrm>
+              <a:off x="3733800" y="4024313"/>
+              <a:ext cx="0" cy="609600"/>
+            </a:xfrm>
+            <a:prstGeom prst="line">
+              <a:avLst/>
+            </a:prstGeom>
+            <a:noFill/>
+            <a:ln w="12700">
+              <a:solidFill>
+                <a:schemeClr val="tx1"/>
+              </a:solidFill>
+              <a:round/>
+              <a:headEnd type="none" w="lg" len="med"/>
+              <a:tailEnd type="triangle" w="lg" len="med"/>
+            </a:ln>
+            <a:effectLst/>
+          </p:spPr>
+          <p:txBody>
+            <a:bodyPr wrap="none" anchor="ctr">
+              <a:spAutoFit/>
+            </a:bodyPr>
+            <a:lstStyle/>
+            <a:p>
+              <a:endParaRPr lang="en-US"/>
+            </a:p>
+          </p:txBody>
+        </p:sp>
+        <p:sp>
+          <p:nvSpPr>
+            <p:cNvPr id="43" name="Rectangle 20">
+              <a:extLst>
+                <a:ext uri="{FF2B5EF4-FFF2-40B4-BE49-F238E27FC236}">
+                  <a16:creationId xmlns:a16="http://schemas.microsoft.com/office/drawing/2014/main" id="{E33CBF34-9C1F-458A-B093-21F098453680}"/>
+                </a:ext>
+              </a:extLst>
+            </p:cNvPr>
+            <p:cNvSpPr>
+              <a:spLocks noChangeArrowheads="1"/>
+            </p:cNvSpPr>
+            <p:nvPr/>
+          </p:nvSpPr>
+          <p:spPr bwMode="auto">
+            <a:xfrm>
+              <a:off x="1447800" y="3219450"/>
+              <a:ext cx="304800" cy="90488"/>
+            </a:xfrm>
+            <a:prstGeom prst="rect">
+              <a:avLst/>
+            </a:prstGeom>
+            <a:solidFill>
+              <a:schemeClr val="bg1"/>
+            </a:solidFill>
+            <a:ln w="12700">
+              <a:noFill/>
+              <a:miter lim="800000"/>
+              <a:headEnd type="none" w="lg" len="med"/>
+              <a:tailEnd type="none" w="lg" len="med"/>
+            </a:ln>
+            <a:effectLst/>
+          </p:spPr>
+          <p:txBody>
+            <a:bodyPr anchor="ctr">
+              <a:spAutoFit/>
+            </a:bodyPr>
+            <a:lstStyle/>
+            <a:p>
+              <a:endParaRPr lang="en-US"/>
+            </a:p>
+          </p:txBody>
+        </p:sp>
+        <p:sp>
+          <p:nvSpPr>
+            <p:cNvPr id="44" name="Freeform 21">
+              <a:extLst>
+                <a:ext uri="{FF2B5EF4-FFF2-40B4-BE49-F238E27FC236}">
+                  <a16:creationId xmlns:a16="http://schemas.microsoft.com/office/drawing/2014/main" id="{E0B8B8F8-BC5D-4E3A-95B9-0F8D83BE4D6E}"/>
+                </a:ext>
+              </a:extLst>
+            </p:cNvPr>
+            <p:cNvSpPr>
+              <a:spLocks/>
+            </p:cNvSpPr>
+            <p:nvPr/>
+          </p:nvSpPr>
+          <p:spPr bwMode="auto">
+            <a:xfrm>
+              <a:off x="609600" y="5167313"/>
+              <a:ext cx="2078038" cy="1358900"/>
+            </a:xfrm>
+            <a:custGeom>
+              <a:avLst/>
+              <a:gdLst/>
+              <a:ahLst/>
+              <a:cxnLst>
+                <a:cxn ang="0">
+                  <a:pos x="0" y="0"/>
+                </a:cxn>
+                <a:cxn ang="0">
+                  <a:pos x="0" y="856"/>
+                </a:cxn>
+                <a:cxn ang="0">
+                  <a:pos x="1309" y="856"/>
+                </a:cxn>
+                <a:cxn ang="0">
+                  <a:pos x="1309" y="0"/>
+                </a:cxn>
+              </a:cxnLst>
+              <a:rect l="0" t="0" r="r" b="b"/>
+              <a:pathLst>
+                <a:path w="1309" h="856">
+                  <a:moveTo>
+                    <a:pt x="0" y="0"/>
+                  </a:moveTo>
+                  <a:lnTo>
+                    <a:pt x="0" y="856"/>
+                  </a:lnTo>
+                  <a:lnTo>
+                    <a:pt x="1309" y="856"/>
+                  </a:lnTo>
+                  <a:lnTo>
+                    <a:pt x="1309" y="0"/>
+                  </a:lnTo>
+                </a:path>
+              </a:pathLst>
+            </a:custGeom>
+            <a:noFill/>
+            <a:ln w="12700" cap="flat" cmpd="sng">
+              <a:solidFill>
+                <a:schemeClr val="tx1"/>
+              </a:solidFill>
+              <a:prstDash val="solid"/>
+              <a:round/>
+              <a:headEnd type="none" w="lg" len="med"/>
+              <a:tailEnd type="none" w="lg" len="med"/>
+            </a:ln>
+            <a:effectLst/>
+          </p:spPr>
+          <p:txBody>
+            <a:bodyPr wrap="none" anchor="ctr">
+              <a:spAutoFit/>
+            </a:bodyPr>
+            <a:lstStyle/>
+            <a:p>
+              <a:endParaRPr lang="en-US"/>
+            </a:p>
+          </p:txBody>
+        </p:sp>
+        <p:sp>
+          <p:nvSpPr>
+            <p:cNvPr id="45" name="Freeform 22">
+              <a:extLst>
+                <a:ext uri="{FF2B5EF4-FFF2-40B4-BE49-F238E27FC236}">
+                  <a16:creationId xmlns:a16="http://schemas.microsoft.com/office/drawing/2014/main" id="{E0477034-4944-480D-A0C0-9E8582D4FC8E}"/>
+                </a:ext>
+              </a:extLst>
+            </p:cNvPr>
+            <p:cNvSpPr>
+              <a:spLocks/>
+            </p:cNvSpPr>
+            <p:nvPr/>
+          </p:nvSpPr>
+          <p:spPr bwMode="auto">
+            <a:xfrm>
+              <a:off x="609600" y="5776913"/>
+              <a:ext cx="2078038" cy="749300"/>
+            </a:xfrm>
+            <a:custGeom>
+              <a:avLst/>
+              <a:gdLst/>
+              <a:ahLst/>
+              <a:cxnLst>
+                <a:cxn ang="0">
+                  <a:pos x="0" y="0"/>
+                </a:cxn>
+                <a:cxn ang="0">
+                  <a:pos x="0" y="856"/>
+                </a:cxn>
+                <a:cxn ang="0">
+                  <a:pos x="1309" y="856"/>
+                </a:cxn>
+                <a:cxn ang="0">
+                  <a:pos x="1309" y="0"/>
+                </a:cxn>
+              </a:cxnLst>
+              <a:rect l="0" t="0" r="r" b="b"/>
+              <a:pathLst>
+                <a:path w="1309" h="856">
+                  <a:moveTo>
+                    <a:pt x="0" y="0"/>
+                  </a:moveTo>
+                  <a:lnTo>
+                    <a:pt x="0" y="856"/>
+                  </a:lnTo>
+                  <a:lnTo>
+                    <a:pt x="1309" y="856"/>
+                  </a:lnTo>
+                  <a:lnTo>
+                    <a:pt x="1309" y="0"/>
+                  </a:lnTo>
+                </a:path>
+              </a:pathLst>
+            </a:custGeom>
+            <a:solidFill>
+              <a:schemeClr val="hlink"/>
+            </a:solidFill>
+            <a:ln w="12700" cap="flat" cmpd="sng">
+              <a:solidFill>
+                <a:schemeClr val="tx1"/>
+              </a:solidFill>
+              <a:prstDash val="solid"/>
+              <a:round/>
+              <a:headEnd type="none" w="lg" len="med"/>
+              <a:tailEnd type="none" w="lg" len="med"/>
+            </a:ln>
+            <a:effectLst/>
+          </p:spPr>
+          <p:txBody>
+            <a:bodyPr anchor="ctr">
+              <a:spAutoFit/>
+            </a:bodyPr>
+            <a:lstStyle/>
+            <a:p>
+              <a:endParaRPr lang="en-US"/>
+            </a:p>
+          </p:txBody>
+        </p:sp>
+        <p:grpSp>
+          <p:nvGrpSpPr>
+            <p:cNvPr id="46" name="Group 27">
+              <a:extLst>
+                <a:ext uri="{FF2B5EF4-FFF2-40B4-BE49-F238E27FC236}">
+                  <a16:creationId xmlns:a16="http://schemas.microsoft.com/office/drawing/2014/main" id="{A0E2905A-F8D7-43C8-983A-DBF95CB6BF74}"/>
+                </a:ext>
+              </a:extLst>
+            </p:cNvPr>
+            <p:cNvGrpSpPr>
+              <a:grpSpLocks/>
+            </p:cNvGrpSpPr>
+            <p:nvPr/>
+          </p:nvGrpSpPr>
+          <p:grpSpPr bwMode="auto">
+            <a:xfrm>
+              <a:off x="5230813" y="5614988"/>
+              <a:ext cx="631825" cy="871537"/>
+              <a:chOff x="2308" y="3372"/>
+              <a:chExt cx="232" cy="320"/>
+            </a:xfrm>
+          </p:grpSpPr>
+          <p:sp>
+            <p:nvSpPr>
+              <p:cNvPr id="47" name="Oval 28">
+                <a:extLst>
+                  <a:ext uri="{FF2B5EF4-FFF2-40B4-BE49-F238E27FC236}">
+                    <a16:creationId xmlns:a16="http://schemas.microsoft.com/office/drawing/2014/main" id="{C2623302-22F8-45D2-B75A-2C20865D9F22}"/>
+                  </a:ext>
+                </a:extLst>
+              </p:cNvPr>
+              <p:cNvSpPr>
+                <a:spLocks noChangeArrowheads="1"/>
+              </p:cNvSpPr>
+              <p:nvPr/>
+            </p:nvSpPr>
+            <p:spPr bwMode="auto">
+              <a:xfrm>
+                <a:off x="2308" y="3372"/>
+                <a:ext cx="232" cy="232"/>
+              </a:xfrm>
+              <a:prstGeom prst="ellipse">
+                <a:avLst/>
+              </a:prstGeom>
+              <a:solidFill>
+                <a:schemeClr val="accent1"/>
+              </a:solidFill>
+              <a:ln w="12700">
+                <a:solidFill>
+                  <a:schemeClr val="tx1"/>
+                </a:solidFill>
+                <a:round/>
+                <a:headEnd/>
+                <a:tailEnd/>
+              </a:ln>
+              <a:effectLst/>
+            </p:spPr>
+            <p:txBody>
+              <a:bodyPr wrap="none" anchor="ctr"/>
+              <a:lstStyle/>
+              <a:p>
+                <a:endParaRPr lang="en-US"/>
+              </a:p>
+            </p:txBody>
+          </p:sp>
+          <p:sp>
+            <p:nvSpPr>
+              <p:cNvPr id="48" name="AutoShape 29">
+                <a:extLst>
+                  <a:ext uri="{FF2B5EF4-FFF2-40B4-BE49-F238E27FC236}">
+                    <a16:creationId xmlns:a16="http://schemas.microsoft.com/office/drawing/2014/main" id="{53B2BFE2-484C-4B70-9572-A4387F9E0C9D}"/>
+                  </a:ext>
+                </a:extLst>
+              </p:cNvPr>
+              <p:cNvSpPr>
+                <a:spLocks noChangeArrowheads="1"/>
+              </p:cNvSpPr>
+              <p:nvPr/>
+            </p:nvSpPr>
+            <p:spPr bwMode="auto">
+              <a:xfrm flipV="1">
+                <a:off x="2308" y="3604"/>
+                <a:ext cx="232" cy="88"/>
+              </a:xfrm>
+              <a:custGeom>
+                <a:avLst/>
+                <a:gdLst>
+                  <a:gd name="G0" fmla="+- 5399 0 0"/>
+                  <a:gd name="G1" fmla="+- 21600 0 5399"/>
+                  <a:gd name="G2" fmla="*/ 5399 1 2"/>
+                  <a:gd name="G3" fmla="+- 21600 0 G2"/>
+                  <a:gd name="G4" fmla="+/ 5399 21600 2"/>
+                  <a:gd name="G5" fmla="+/ G1 0 2"/>
+                  <a:gd name="G6" fmla="*/ 21600 21600 5399"/>
+                  <a:gd name="G7" fmla="*/ G6 1 2"/>
+                  <a:gd name="G8" fmla="+- 21600 0 G7"/>
+                  <a:gd name="G9" fmla="*/ 21600 1 2"/>
+                  <a:gd name="G10" fmla="+- 5399 0 G9"/>
+                  <a:gd name="G11" fmla="?: G10 G8 0"/>
+                  <a:gd name="G12" fmla="?: G10 G7 21600"/>
+                  <a:gd name="T0" fmla="*/ 18900 w 21600"/>
+                  <a:gd name="T1" fmla="*/ 10800 h 21600"/>
+                  <a:gd name="T2" fmla="*/ 10800 w 21600"/>
+                  <a:gd name="T3" fmla="*/ 21600 h 21600"/>
+                  <a:gd name="T4" fmla="*/ 2700 w 21600"/>
+                  <a:gd name="T5" fmla="*/ 10800 h 21600"/>
+                  <a:gd name="T6" fmla="*/ 10800 w 21600"/>
+                  <a:gd name="T7" fmla="*/ 0 h 21600"/>
+                  <a:gd name="T8" fmla="*/ 4500 w 21600"/>
+                  <a:gd name="T9" fmla="*/ 4500 h 21600"/>
+                  <a:gd name="T10" fmla="*/ 17100 w 21600"/>
+                  <a:gd name="T11" fmla="*/ 17100 h 21600"/>
+                </a:gdLst>
+                <a:ahLst/>
+                <a:cxnLst>
+                  <a:cxn ang="0">
+                    <a:pos x="T0" y="T1"/>
+                  </a:cxn>
+                  <a:cxn ang="0">
+                    <a:pos x="T2" y="T3"/>
+                  </a:cxn>
+                  <a:cxn ang="0">
+                    <a:pos x="T4" y="T5"/>
+                  </a:cxn>
+                  <a:cxn ang="0">
+                    <a:pos x="T6" y="T7"/>
+                  </a:cxn>
+                </a:cxnLst>
+                <a:rect l="T8" t="T9" r="T10" b="T11"/>
+                <a:pathLst>
+                  <a:path w="21600" h="21600">
+                    <a:moveTo>
+                      <a:pt x="0" y="0"/>
+                    </a:moveTo>
+                    <a:lnTo>
+                      <a:pt x="5399" y="21600"/>
+                    </a:lnTo>
+                    <a:lnTo>
+                      <a:pt x="16201" y="21600"/>
+                    </a:lnTo>
+                    <a:lnTo>
+                      <a:pt x="21600" y="0"/>
+                    </a:lnTo>
+                    <a:close/>
+                  </a:path>
+                </a:pathLst>
+              </a:custGeom>
+              <a:solidFill>
+                <a:schemeClr val="accent1"/>
+              </a:solidFill>
+              <a:ln w="12700">
+                <a:solidFill>
+                  <a:schemeClr val="tx1"/>
+                </a:solidFill>
+                <a:miter lim="800000"/>
+                <a:headEnd/>
+                <a:tailEnd/>
+              </a:ln>
+              <a:effectLst/>
+            </p:spPr>
+            <p:txBody>
+              <a:bodyPr wrap="none" anchor="ctr"/>
+              <a:lstStyle/>
+              <a:p>
+                <a:endParaRPr lang="en-US"/>
+              </a:p>
+            </p:txBody>
+          </p:sp>
+        </p:grpSp>
+        <p:grpSp>
+          <p:nvGrpSpPr>
+            <p:cNvPr id="49" name="Group 31">
+              <a:extLst>
+                <a:ext uri="{FF2B5EF4-FFF2-40B4-BE49-F238E27FC236}">
+                  <a16:creationId xmlns:a16="http://schemas.microsoft.com/office/drawing/2014/main" id="{E23D5A23-8B74-42DF-91EB-6E3506B2727F}"/>
+                </a:ext>
+              </a:extLst>
+            </p:cNvPr>
+            <p:cNvGrpSpPr>
+              <a:grpSpLocks/>
+            </p:cNvGrpSpPr>
+            <p:nvPr/>
+          </p:nvGrpSpPr>
+          <p:grpSpPr bwMode="auto">
+            <a:xfrm rot="5400000">
+              <a:off x="4606926" y="5075237"/>
+              <a:ext cx="158750" cy="1781175"/>
+              <a:chOff x="3663" y="2007"/>
+              <a:chExt cx="144" cy="1488"/>
+            </a:xfrm>
+          </p:grpSpPr>
+          <p:sp>
+            <p:nvSpPr>
+              <p:cNvPr id="57" name="Rectangle 32">
+                <a:extLst>
+                  <a:ext uri="{FF2B5EF4-FFF2-40B4-BE49-F238E27FC236}">
+                    <a16:creationId xmlns:a16="http://schemas.microsoft.com/office/drawing/2014/main" id="{86A4452B-4046-4B34-961B-33820C8F2D05}"/>
+                  </a:ext>
+                </a:extLst>
+              </p:cNvPr>
+              <p:cNvSpPr>
+                <a:spLocks noChangeArrowheads="1"/>
+              </p:cNvSpPr>
+              <p:nvPr/>
+            </p:nvSpPr>
+            <p:spPr bwMode="auto">
+              <a:xfrm>
+                <a:off x="3674" y="2009"/>
+                <a:ext cx="133" cy="1486"/>
+              </a:xfrm>
+              <a:prstGeom prst="rect">
+                <a:avLst/>
+              </a:prstGeom>
+              <a:solidFill>
+                <a:schemeClr val="hlink"/>
+              </a:solidFill>
+              <a:ln w="12700">
+                <a:noFill/>
+                <a:miter lim="800000"/>
+                <a:headEnd type="none" w="lg" len="med"/>
+                <a:tailEnd type="none" w="lg" len="med"/>
+              </a:ln>
+              <a:effectLst/>
+            </p:spPr>
+            <p:txBody>
+              <a:bodyPr anchor="ctr">
+                <a:spAutoFit/>
+              </a:bodyPr>
+              <a:lstStyle/>
+              <a:p>
+                <a:endParaRPr lang="en-US"/>
+              </a:p>
+            </p:txBody>
+          </p:sp>
+          <p:sp>
+            <p:nvSpPr>
+              <p:cNvPr id="61" name="Line 33">
+                <a:extLst>
+                  <a:ext uri="{FF2B5EF4-FFF2-40B4-BE49-F238E27FC236}">
+                    <a16:creationId xmlns:a16="http://schemas.microsoft.com/office/drawing/2014/main" id="{F3B8A870-6E34-4F0B-B87B-FC02452698D7}"/>
+                  </a:ext>
+                </a:extLst>
+              </p:cNvPr>
+              <p:cNvSpPr>
+                <a:spLocks noChangeShapeType="1"/>
+              </p:cNvSpPr>
+              <p:nvPr/>
+            </p:nvSpPr>
+            <p:spPr bwMode="auto">
+              <a:xfrm>
+                <a:off x="3663" y="2007"/>
+                <a:ext cx="0" cy="1474"/>
+              </a:xfrm>
+              <a:prstGeom prst="line">
+                <a:avLst/>
+              </a:prstGeom>
+              <a:noFill/>
+              <a:ln w="38100">
+                <a:solidFill>
+                  <a:schemeClr val="tx1"/>
+                </a:solidFill>
+                <a:round/>
+                <a:headEnd type="none" w="lg" len="med"/>
+                <a:tailEnd type="none" w="lg" len="med"/>
+              </a:ln>
+              <a:effectLst/>
+            </p:spPr>
+            <p:txBody>
+              <a:bodyPr wrap="none" anchor="ctr">
+                <a:spAutoFit/>
+              </a:bodyPr>
+              <a:lstStyle/>
+              <a:p>
+                <a:endParaRPr lang="en-US"/>
+              </a:p>
+            </p:txBody>
+          </p:sp>
+          <p:sp>
+            <p:nvSpPr>
+              <p:cNvPr id="62" name="Line 34">
+                <a:extLst>
+                  <a:ext uri="{FF2B5EF4-FFF2-40B4-BE49-F238E27FC236}">
+                    <a16:creationId xmlns:a16="http://schemas.microsoft.com/office/drawing/2014/main" id="{8437025E-B736-4781-BAD2-2B67C15FDE04}"/>
+                  </a:ext>
+                </a:extLst>
+              </p:cNvPr>
+              <p:cNvSpPr>
+                <a:spLocks noChangeShapeType="1"/>
+              </p:cNvSpPr>
+              <p:nvPr/>
+            </p:nvSpPr>
+            <p:spPr bwMode="auto">
+              <a:xfrm>
+                <a:off x="3807" y="2007"/>
+                <a:ext cx="0" cy="1474"/>
+              </a:xfrm>
+              <a:prstGeom prst="line">
+                <a:avLst/>
+              </a:prstGeom>
+              <a:noFill/>
+              <a:ln w="38100">
+                <a:solidFill>
+                  <a:schemeClr val="tx1"/>
+                </a:solidFill>
+                <a:round/>
+                <a:headEnd type="none" w="lg" len="med"/>
+                <a:tailEnd type="none" w="lg" len="med"/>
+              </a:ln>
+              <a:effectLst/>
+            </p:spPr>
+            <p:txBody>
+              <a:bodyPr wrap="none" anchor="ctr">
+                <a:spAutoFit/>
+              </a:bodyPr>
+              <a:lstStyle/>
+              <a:p>
+                <a:endParaRPr lang="en-US"/>
+              </a:p>
+            </p:txBody>
+          </p:sp>
+          <p:sp>
+            <p:nvSpPr>
+              <p:cNvPr id="63" name="Line 35">
+                <a:extLst>
+                  <a:ext uri="{FF2B5EF4-FFF2-40B4-BE49-F238E27FC236}">
+                    <a16:creationId xmlns:a16="http://schemas.microsoft.com/office/drawing/2014/main" id="{51DC1F68-57DF-406A-B6EA-CB5FDF547D38}"/>
+                  </a:ext>
+                </a:extLst>
+              </p:cNvPr>
+              <p:cNvSpPr>
+                <a:spLocks noChangeShapeType="1"/>
+              </p:cNvSpPr>
+              <p:nvPr/>
+            </p:nvSpPr>
+            <p:spPr bwMode="auto">
+              <a:xfrm flipV="1">
+                <a:off x="3741" y="2871"/>
+                <a:ext cx="0" cy="384"/>
+              </a:xfrm>
+              <a:prstGeom prst="line">
+                <a:avLst/>
+              </a:prstGeom>
+              <a:noFill/>
+              <a:ln w="12700">
+                <a:solidFill>
+                  <a:schemeClr val="tx1"/>
+                </a:solidFill>
+                <a:round/>
+                <a:headEnd type="none" w="lg" len="med"/>
+                <a:tailEnd type="triangle" w="lg" len="med"/>
+              </a:ln>
+              <a:effectLst/>
+            </p:spPr>
+            <p:txBody>
+              <a:bodyPr wrap="none" anchor="ctr">
+                <a:spAutoFit/>
+              </a:bodyPr>
+              <a:lstStyle/>
+              <a:p>
+                <a:endParaRPr lang="en-US"/>
+              </a:p>
+            </p:txBody>
+          </p:sp>
+        </p:grpSp>
+        <p:sp>
+          <p:nvSpPr>
+            <p:cNvPr id="64" name="Freeform 25">
+              <a:extLst>
+                <a:ext uri="{FF2B5EF4-FFF2-40B4-BE49-F238E27FC236}">
+                  <a16:creationId xmlns:a16="http://schemas.microsoft.com/office/drawing/2014/main" id="{E2082270-1F22-4A40-908C-E453F3BE7498}"/>
+                </a:ext>
+              </a:extLst>
+            </p:cNvPr>
+            <p:cNvSpPr>
+              <a:spLocks/>
+            </p:cNvSpPr>
+            <p:nvPr/>
+          </p:nvSpPr>
+          <p:spPr bwMode="auto">
+            <a:xfrm>
+              <a:off x="2971800" y="5167313"/>
+              <a:ext cx="2078038" cy="1358900"/>
+            </a:xfrm>
+            <a:custGeom>
+              <a:avLst/>
+              <a:gdLst/>
+              <a:ahLst/>
+              <a:cxnLst>
+                <a:cxn ang="0">
+                  <a:pos x="0" y="0"/>
+                </a:cxn>
+                <a:cxn ang="0">
+                  <a:pos x="0" y="856"/>
+                </a:cxn>
+                <a:cxn ang="0">
+                  <a:pos x="1309" y="856"/>
+                </a:cxn>
+                <a:cxn ang="0">
+                  <a:pos x="1309" y="0"/>
+                </a:cxn>
+              </a:cxnLst>
+              <a:rect l="0" t="0" r="r" b="b"/>
+              <a:pathLst>
+                <a:path w="1309" h="856">
+                  <a:moveTo>
+                    <a:pt x="0" y="0"/>
+                  </a:moveTo>
+                  <a:lnTo>
+                    <a:pt x="0" y="856"/>
+                  </a:lnTo>
+                  <a:lnTo>
+                    <a:pt x="1309" y="856"/>
+                  </a:lnTo>
+                  <a:lnTo>
+                    <a:pt x="1309" y="0"/>
+                  </a:lnTo>
+                </a:path>
+              </a:pathLst>
+            </a:custGeom>
+            <a:noFill/>
+            <a:ln w="12700" cap="flat" cmpd="sng">
+              <a:solidFill>
+                <a:schemeClr val="tx1"/>
+              </a:solidFill>
+              <a:prstDash val="solid"/>
+              <a:round/>
+              <a:headEnd type="none" w="lg" len="med"/>
+              <a:tailEnd type="none" w="lg" len="med"/>
+            </a:ln>
+            <a:effectLst/>
+          </p:spPr>
+          <p:txBody>
+            <a:bodyPr wrap="none" anchor="ctr">
+              <a:spAutoFit/>
+            </a:bodyPr>
+            <a:lstStyle/>
+            <a:p>
+              <a:endParaRPr lang="en-US"/>
+            </a:p>
+          </p:txBody>
+        </p:sp>
+        <p:sp>
+          <p:nvSpPr>
+            <p:cNvPr id="65" name="Freeform 26">
+              <a:extLst>
+                <a:ext uri="{FF2B5EF4-FFF2-40B4-BE49-F238E27FC236}">
+                  <a16:creationId xmlns:a16="http://schemas.microsoft.com/office/drawing/2014/main" id="{5E4568B4-6CD4-40E9-8437-FC9D334434F1}"/>
+                </a:ext>
+              </a:extLst>
+            </p:cNvPr>
+            <p:cNvSpPr>
+              <a:spLocks/>
+            </p:cNvSpPr>
+            <p:nvPr/>
+          </p:nvSpPr>
+          <p:spPr bwMode="auto">
+            <a:xfrm>
+              <a:off x="2971800" y="5776913"/>
+              <a:ext cx="2078038" cy="749300"/>
+            </a:xfrm>
+            <a:custGeom>
+              <a:avLst/>
+              <a:gdLst/>
+              <a:ahLst/>
+              <a:cxnLst>
+                <a:cxn ang="0">
+                  <a:pos x="0" y="0"/>
+                </a:cxn>
+                <a:cxn ang="0">
+                  <a:pos x="0" y="856"/>
+                </a:cxn>
+                <a:cxn ang="0">
+                  <a:pos x="1309" y="856"/>
+                </a:cxn>
+                <a:cxn ang="0">
+                  <a:pos x="1309" y="0"/>
+                </a:cxn>
+              </a:cxnLst>
+              <a:rect l="0" t="0" r="r" b="b"/>
+              <a:pathLst>
+                <a:path w="1309" h="856">
+                  <a:moveTo>
+                    <a:pt x="0" y="0"/>
+                  </a:moveTo>
+                  <a:lnTo>
+                    <a:pt x="0" y="856"/>
+                  </a:lnTo>
+                  <a:lnTo>
+                    <a:pt x="1309" y="856"/>
+                  </a:lnTo>
+                  <a:lnTo>
+                    <a:pt x="1309" y="0"/>
+                  </a:lnTo>
+                </a:path>
+              </a:pathLst>
+            </a:custGeom>
+            <a:solidFill>
+              <a:schemeClr val="hlink"/>
+            </a:solidFill>
+            <a:ln w="12700" cap="flat" cmpd="sng">
+              <a:solidFill>
+                <a:schemeClr val="tx1"/>
+              </a:solidFill>
+              <a:prstDash val="solid"/>
+              <a:round/>
+              <a:headEnd type="none" w="lg" len="med"/>
+              <a:tailEnd type="none" w="lg" len="med"/>
+            </a:ln>
+            <a:effectLst/>
+          </p:spPr>
+          <p:txBody>
+            <a:bodyPr anchor="ctr">
+              <a:spAutoFit/>
+            </a:bodyPr>
+            <a:lstStyle/>
+            <a:p>
+              <a:endParaRPr lang="en-US"/>
+            </a:p>
+          </p:txBody>
+        </p:sp>
+        <p:sp>
+          <p:nvSpPr>
+            <p:cNvPr id="66" name="Freeform 36">
+              <a:extLst>
+                <a:ext uri="{FF2B5EF4-FFF2-40B4-BE49-F238E27FC236}">
+                  <a16:creationId xmlns:a16="http://schemas.microsoft.com/office/drawing/2014/main" id="{181E441F-D912-4DCD-847C-AD33A17F473D}"/>
+                </a:ext>
+              </a:extLst>
+            </p:cNvPr>
+            <p:cNvSpPr>
+              <a:spLocks/>
+            </p:cNvSpPr>
+            <p:nvPr/>
+          </p:nvSpPr>
+          <p:spPr bwMode="auto">
+            <a:xfrm>
+              <a:off x="3786188" y="2065338"/>
+              <a:ext cx="117475" cy="4535487"/>
+            </a:xfrm>
+            <a:custGeom>
+              <a:avLst/>
+              <a:gdLst/>
+              <a:ahLst/>
+              <a:cxnLst>
+                <a:cxn ang="0">
+                  <a:pos x="74" y="56"/>
+                </a:cxn>
+                <a:cxn ang="0">
+                  <a:pos x="15" y="187"/>
+                </a:cxn>
+                <a:cxn ang="0">
+                  <a:pos x="6" y="2474"/>
+                </a:cxn>
+                <a:cxn ang="0">
+                  <a:pos x="50" y="2483"/>
+                </a:cxn>
+                <a:cxn ang="0">
+                  <a:pos x="59" y="1549"/>
+                </a:cxn>
+                <a:cxn ang="0">
+                  <a:pos x="50" y="100"/>
+                </a:cxn>
+              </a:cxnLst>
+              <a:rect l="0" t="0" r="r" b="b"/>
+              <a:pathLst>
+                <a:path w="74" h="2857">
+                  <a:moveTo>
+                    <a:pt x="74" y="56"/>
+                  </a:moveTo>
+                  <a:cubicBezTo>
+                    <a:pt x="64" y="78"/>
+                    <a:pt x="14" y="0"/>
+                    <a:pt x="15" y="187"/>
+                  </a:cubicBezTo>
+                  <a:cubicBezTo>
+                    <a:pt x="16" y="374"/>
+                    <a:pt x="0" y="2091"/>
+                    <a:pt x="6" y="2474"/>
+                  </a:cubicBezTo>
+                  <a:cubicBezTo>
+                    <a:pt x="12" y="2857"/>
+                    <a:pt x="41" y="2637"/>
+                    <a:pt x="50" y="2483"/>
+                  </a:cubicBezTo>
+                  <a:cubicBezTo>
+                    <a:pt x="59" y="2329"/>
+                    <a:pt x="59" y="1946"/>
+                    <a:pt x="59" y="1549"/>
+                  </a:cubicBezTo>
+                  <a:cubicBezTo>
+                    <a:pt x="59" y="1152"/>
+                    <a:pt x="58" y="626"/>
+                    <a:pt x="50" y="100"/>
+                  </a:cubicBezTo>
+                </a:path>
+              </a:pathLst>
+            </a:custGeom>
+            <a:solidFill>
+              <a:schemeClr val="hlink"/>
+            </a:solidFill>
+            <a:ln w="12700" cap="flat" cmpd="sng">
+              <a:noFill/>
+              <a:prstDash val="solid"/>
+              <a:round/>
+              <a:headEnd type="none" w="lg" len="med"/>
+              <a:tailEnd type="none" w="lg" len="med"/>
+            </a:ln>
+            <a:effectLst/>
+          </p:spPr>
+          <p:txBody>
+            <a:bodyPr wrap="none" anchor="ctr">
+              <a:spAutoFit/>
+            </a:bodyPr>
+            <a:lstStyle/>
+            <a:p>
+              <a:endParaRPr lang="en-US"/>
+            </a:p>
+          </p:txBody>
+        </p:sp>
+        <p:sp>
+          <p:nvSpPr>
+            <p:cNvPr id="67" name="Oval 5">
+              <a:extLst>
+                <a:ext uri="{FF2B5EF4-FFF2-40B4-BE49-F238E27FC236}">
+                  <a16:creationId xmlns:a16="http://schemas.microsoft.com/office/drawing/2014/main" id="{9399AD9D-705D-4CA9-8C08-4A0DB15DB463}"/>
+                </a:ext>
+              </a:extLst>
+            </p:cNvPr>
+            <p:cNvSpPr>
+              <a:spLocks noChangeArrowheads="1"/>
+            </p:cNvSpPr>
+            <p:nvPr/>
+          </p:nvSpPr>
+          <p:spPr bwMode="auto">
+            <a:xfrm>
+              <a:off x="1419225" y="3033713"/>
+              <a:ext cx="341313" cy="341312"/>
+            </a:xfrm>
+            <a:prstGeom prst="ellipse">
+              <a:avLst/>
+            </a:prstGeom>
+            <a:solidFill>
+              <a:schemeClr val="hlink"/>
+            </a:solidFill>
+            <a:ln w="12700">
+              <a:noFill/>
+              <a:round/>
+              <a:headEnd type="none" w="lg" len="med"/>
+              <a:tailEnd type="none" w="lg" len="med"/>
+            </a:ln>
+            <a:effectLst/>
+          </p:spPr>
+          <p:txBody>
+            <a:bodyPr anchor="ctr">
+              <a:spAutoFit/>
+            </a:bodyPr>
+            <a:lstStyle/>
+            <a:p>
+              <a:endParaRPr lang="en-US"/>
+            </a:p>
+          </p:txBody>
+        </p:sp>
+        <p:grpSp>
+          <p:nvGrpSpPr>
+            <p:cNvPr id="72" name="Group 48">
+              <a:extLst>
+                <a:ext uri="{FF2B5EF4-FFF2-40B4-BE49-F238E27FC236}">
+                  <a16:creationId xmlns:a16="http://schemas.microsoft.com/office/drawing/2014/main" id="{B3058D45-D64D-4080-9679-601329DC15CA}"/>
+                </a:ext>
+              </a:extLst>
+            </p:cNvPr>
+            <p:cNvGrpSpPr>
+              <a:grpSpLocks/>
+            </p:cNvGrpSpPr>
+            <p:nvPr/>
+          </p:nvGrpSpPr>
+          <p:grpSpPr bwMode="auto">
+            <a:xfrm>
+              <a:off x="166688" y="2147888"/>
+              <a:ext cx="747712" cy="1093787"/>
+              <a:chOff x="105" y="1353"/>
+              <a:chExt cx="471" cy="689"/>
+            </a:xfrm>
+          </p:grpSpPr>
+          <p:sp>
+            <p:nvSpPr>
+              <p:cNvPr id="77" name="Line 43">
+                <a:extLst>
+                  <a:ext uri="{FF2B5EF4-FFF2-40B4-BE49-F238E27FC236}">
+                    <a16:creationId xmlns:a16="http://schemas.microsoft.com/office/drawing/2014/main" id="{C47BA9D3-18C0-45F5-A24D-43A0AA2BB400}"/>
+                  </a:ext>
+                </a:extLst>
+              </p:cNvPr>
+              <p:cNvSpPr>
+                <a:spLocks noChangeShapeType="1"/>
+              </p:cNvSpPr>
+              <p:nvPr/>
+            </p:nvSpPr>
+            <p:spPr bwMode="auto">
+              <a:xfrm flipH="1">
+                <a:off x="105" y="1353"/>
+                <a:ext cx="471" cy="0"/>
+              </a:xfrm>
+              <a:prstGeom prst="line">
+                <a:avLst/>
+              </a:prstGeom>
+              <a:noFill/>
+              <a:ln w="12700">
+                <a:solidFill>
+                  <a:schemeClr val="tx1"/>
+                </a:solidFill>
+                <a:round/>
+                <a:headEnd type="none" w="lg" len="med"/>
+                <a:tailEnd type="none" w="lg" len="med"/>
+              </a:ln>
+              <a:effectLst/>
+            </p:spPr>
+            <p:txBody>
+              <a:bodyPr wrap="none" anchor="ctr">
+                <a:spAutoFit/>
+              </a:bodyPr>
+              <a:lstStyle/>
+              <a:p>
+                <a:endParaRPr lang="en-US"/>
+              </a:p>
+            </p:txBody>
+          </p:sp>
+          <p:sp>
+            <p:nvSpPr>
+              <p:cNvPr id="78" name="Line 44">
+                <a:extLst>
+                  <a:ext uri="{FF2B5EF4-FFF2-40B4-BE49-F238E27FC236}">
+                    <a16:creationId xmlns:a16="http://schemas.microsoft.com/office/drawing/2014/main" id="{F025C81E-7D00-4DE0-9299-EC4B38E8E1B5}"/>
+                  </a:ext>
+                </a:extLst>
+              </p:cNvPr>
+              <p:cNvSpPr>
+                <a:spLocks noChangeShapeType="1"/>
+              </p:cNvSpPr>
+              <p:nvPr/>
+            </p:nvSpPr>
+            <p:spPr bwMode="auto">
+              <a:xfrm flipH="1">
+                <a:off x="105" y="2042"/>
+                <a:ext cx="471" cy="0"/>
+              </a:xfrm>
+              <a:prstGeom prst="line">
+                <a:avLst/>
+              </a:prstGeom>
+              <a:noFill/>
+              <a:ln w="12700">
+                <a:solidFill>
+                  <a:schemeClr val="tx1"/>
+                </a:solidFill>
+                <a:round/>
+                <a:headEnd type="none" w="lg" len="med"/>
+                <a:tailEnd type="none" w="lg" len="med"/>
+              </a:ln>
+              <a:effectLst/>
+            </p:spPr>
+            <p:txBody>
+              <a:bodyPr wrap="none" anchor="ctr">
+                <a:spAutoFit/>
+              </a:bodyPr>
+              <a:lstStyle/>
+              <a:p>
+                <a:endParaRPr lang="en-US"/>
+              </a:p>
+            </p:txBody>
+          </p:sp>
+          <p:sp>
+            <p:nvSpPr>
+              <p:cNvPr id="79" name="Line 45">
+                <a:extLst>
+                  <a:ext uri="{FF2B5EF4-FFF2-40B4-BE49-F238E27FC236}">
+                    <a16:creationId xmlns:a16="http://schemas.microsoft.com/office/drawing/2014/main" id="{035E9A87-6C7F-4A86-BD28-B33E46D4A991}"/>
+                  </a:ext>
+                </a:extLst>
+              </p:cNvPr>
+              <p:cNvSpPr>
+                <a:spLocks noChangeShapeType="1"/>
+              </p:cNvSpPr>
+              <p:nvPr/>
+            </p:nvSpPr>
+            <p:spPr bwMode="auto">
+              <a:xfrm flipV="1">
+                <a:off x="297" y="1353"/>
+                <a:ext cx="0" cy="680"/>
+              </a:xfrm>
+              <a:prstGeom prst="line">
+                <a:avLst/>
+              </a:prstGeom>
+              <a:noFill/>
+              <a:ln w="12700">
+                <a:solidFill>
+                  <a:schemeClr val="tx1"/>
+                </a:solidFill>
+                <a:round/>
+                <a:headEnd type="triangle" w="lg" len="med"/>
+                <a:tailEnd type="triangle" w="lg" len="med"/>
+              </a:ln>
+              <a:effectLst/>
+            </p:spPr>
+            <p:txBody>
+              <a:bodyPr wrap="none" anchor="ctr">
+                <a:spAutoFit/>
+              </a:bodyPr>
+              <a:lstStyle/>
+              <a:p>
+                <a:endParaRPr lang="en-US"/>
+              </a:p>
+            </p:txBody>
+          </p:sp>
+        </p:grpSp>
+        <p:pic>
+          <p:nvPicPr>
+            <p:cNvPr id="7" name="Picture 6">
+              <a:extLst>
+                <a:ext uri="{FF2B5EF4-FFF2-40B4-BE49-F238E27FC236}">
+                  <a16:creationId xmlns:a16="http://schemas.microsoft.com/office/drawing/2014/main" id="{E71175AA-FE09-4AE4-8E34-E58F7D6CA1D1}"/>
+                </a:ext>
+              </a:extLst>
+            </p:cNvPr>
+            <p:cNvPicPr>
+              <a:picLocks noChangeAspect="1"/>
+            </p:cNvPicPr>
+            <p:nvPr>
+              <p:custDataLst>
+                <p:tags r:id="rId1"/>
+              </p:custDataLst>
+            </p:nvPr>
+          </p:nvPicPr>
+          <p:blipFill>
+            <a:blip r:embed="rId3">
+              <a:extLst>
+                <a:ext uri="{28A0092B-C50C-407E-A947-70E740481C1C}">
+                  <a14:useLocalDpi xmlns:a14="http://schemas.microsoft.com/office/drawing/2010/main" val="0"/>
+                </a:ext>
+              </a:extLst>
+            </a:blip>
+            <a:stretch>
+              <a:fillRect/>
+            </a:stretch>
+          </p:blipFill>
+          <p:spPr>
+            <a:xfrm>
+              <a:off x="261716" y="2503257"/>
+              <a:ext cx="338286" cy="184381"/>
+            </a:xfrm>
+            <a:prstGeom prst="rect">
+              <a:avLst/>
+            </a:prstGeom>
+            <a:solidFill>
+              <a:schemeClr val="bg1"/>
+            </a:solidFill>
+          </p:spPr>
+        </p:pic>
+        <p:sp>
+          <p:nvSpPr>
+            <p:cNvPr id="85" name="Text Box 2448">
+              <a:extLst>
+                <a:ext uri="{FF2B5EF4-FFF2-40B4-BE49-F238E27FC236}">
+                  <a16:creationId xmlns:a16="http://schemas.microsoft.com/office/drawing/2014/main" id="{FD7123F0-A8C5-484F-87FA-964A8D592DCE}"/>
+                </a:ext>
+              </a:extLst>
+            </p:cNvPr>
+            <p:cNvSpPr txBox="1">
+              <a:spLocks noChangeArrowheads="1"/>
+            </p:cNvSpPr>
+            <p:nvPr/>
+          </p:nvSpPr>
+          <p:spPr bwMode="auto">
+            <a:xfrm>
+              <a:off x="5680480" y="5951508"/>
+              <a:ext cx="1214319" cy="400110"/>
+            </a:xfrm>
+            <a:prstGeom prst="rect">
+              <a:avLst/>
+            </a:prstGeom>
+            <a:noFill/>
+            <a:ln w="12700">
+              <a:noFill/>
+              <a:miter lim="800000"/>
+              <a:headEnd type="none" w="lg" len="med"/>
+              <a:tailEnd type="none" w="lg" len="med"/>
+            </a:ln>
+            <a:effectLst/>
+          </p:spPr>
+          <p:txBody>
+            <a:bodyPr>
+              <a:spAutoFit/>
+            </a:bodyPr>
+            <a:lstStyle/>
+            <a:p>
+              <a:pPr algn="ctr"/>
+              <a:r>
+                <a:rPr lang="en-US" sz="2000" dirty="0">
+                  <a:latin typeface="Times New Roman" panose="02020603050405020304" pitchFamily="18" charset="0"/>
+                  <a:cs typeface="Times New Roman" panose="02020603050405020304" pitchFamily="18" charset="0"/>
+                </a:rPr>
+                <a:t>Pump</a:t>
+              </a:r>
+            </a:p>
+          </p:txBody>
+        </p:sp>
+        <p:sp>
+          <p:nvSpPr>
+            <p:cNvPr id="87" name="Left Brace 86">
+              <a:extLst>
+                <a:ext uri="{FF2B5EF4-FFF2-40B4-BE49-F238E27FC236}">
+                  <a16:creationId xmlns:a16="http://schemas.microsoft.com/office/drawing/2014/main" id="{90DCA8FE-FC87-49CF-8A41-E754C33CEAE4}"/>
+                </a:ext>
+              </a:extLst>
+            </p:cNvPr>
+            <p:cNvSpPr/>
+            <p:nvPr/>
+          </p:nvSpPr>
+          <p:spPr>
+            <a:xfrm rot="10800000">
+              <a:off x="6767119" y="1890712"/>
+              <a:ext cx="337767" cy="1360486"/>
+            </a:xfrm>
+            <a:prstGeom prst="leftBrace">
+              <a:avLst>
+                <a:gd name="adj1" fmla="val 32109"/>
+                <a:gd name="adj2" fmla="val 49563"/>
+              </a:avLst>
+            </a:prstGeom>
+            <a:ln w="28575">
+              <a:solidFill>
+                <a:schemeClr val="tx1"/>
+              </a:solidFill>
+            </a:ln>
+          </p:spPr>
+          <p:style>
+            <a:lnRef idx="1">
+              <a:schemeClr val="accent1"/>
+            </a:lnRef>
+            <a:fillRef idx="0">
+              <a:schemeClr val="accent1"/>
+            </a:fillRef>
+            <a:effectRef idx="0">
+              <a:schemeClr val="accent1"/>
+            </a:effectRef>
+            <a:fontRef idx="minor">
+              <a:schemeClr val="tx1"/>
+            </a:fontRef>
+          </p:style>
+          <p:txBody>
+            <a:bodyPr rtlCol="0" anchor="ctr"/>
+            <a:lstStyle/>
+            <a:p>
+              <a:pPr algn="ctr"/>
+              <a:endParaRPr lang="en-US" dirty="0"/>
+            </a:p>
+          </p:txBody>
+        </p:sp>
+        <p:sp>
+          <p:nvSpPr>
+            <p:cNvPr id="88" name="Text Box 2448">
+              <a:extLst>
+                <a:ext uri="{FF2B5EF4-FFF2-40B4-BE49-F238E27FC236}">
+                  <a16:creationId xmlns:a16="http://schemas.microsoft.com/office/drawing/2014/main" id="{877D2C1E-88CC-4F60-85B6-4483039C0E2A}"/>
+                </a:ext>
+              </a:extLst>
+            </p:cNvPr>
+            <p:cNvSpPr txBox="1">
+              <a:spLocks noChangeArrowheads="1"/>
+            </p:cNvSpPr>
+            <p:nvPr/>
+          </p:nvSpPr>
+          <p:spPr bwMode="auto">
+            <a:xfrm>
+              <a:off x="7105826" y="2160588"/>
+              <a:ext cx="1214319" cy="707886"/>
+            </a:xfrm>
+            <a:prstGeom prst="rect">
+              <a:avLst/>
+            </a:prstGeom>
+            <a:noFill/>
+            <a:ln w="12700">
+              <a:noFill/>
+              <a:miter lim="800000"/>
+              <a:headEnd type="none" w="lg" len="med"/>
+              <a:tailEnd type="none" w="lg" len="med"/>
+            </a:ln>
+            <a:effectLst/>
+          </p:spPr>
+          <p:txBody>
+            <a:bodyPr>
+              <a:spAutoFit/>
+            </a:bodyPr>
+            <a:lstStyle/>
+            <a:p>
+              <a:pPr algn="ctr"/>
+              <a:r>
+                <a:rPr lang="en-US" sz="2000" dirty="0">
+                  <a:latin typeface="Times New Roman" panose="02020603050405020304" pitchFamily="18" charset="0"/>
+                  <a:cs typeface="Times New Roman" panose="02020603050405020304" pitchFamily="18" charset="0"/>
+                </a:rPr>
+                <a:t>Overhead Tank</a:t>
+              </a:r>
+            </a:p>
+          </p:txBody>
+        </p:sp>
+        <p:sp>
+          <p:nvSpPr>
+            <p:cNvPr id="100" name="Text Box 2448">
+              <a:extLst>
+                <a:ext uri="{FF2B5EF4-FFF2-40B4-BE49-F238E27FC236}">
+                  <a16:creationId xmlns:a16="http://schemas.microsoft.com/office/drawing/2014/main" id="{2289FC86-9B52-473A-BF61-5327FEA8CD5F}"/>
+                </a:ext>
+              </a:extLst>
+            </p:cNvPr>
+            <p:cNvSpPr txBox="1">
+              <a:spLocks noChangeArrowheads="1"/>
+            </p:cNvSpPr>
+            <p:nvPr/>
+          </p:nvSpPr>
+          <p:spPr bwMode="auto">
+            <a:xfrm>
+              <a:off x="842305" y="3325157"/>
+              <a:ext cx="1457207" cy="707886"/>
+            </a:xfrm>
+            <a:prstGeom prst="rect">
+              <a:avLst/>
+            </a:prstGeom>
+            <a:noFill/>
+            <a:ln w="12700">
+              <a:noFill/>
+              <a:miter lim="800000"/>
+              <a:headEnd type="none" w="lg" len="med"/>
+              <a:tailEnd type="none" w="lg" len="med"/>
+            </a:ln>
+            <a:effectLst/>
+          </p:spPr>
+          <p:txBody>
+            <a:bodyPr wrap="square">
+              <a:spAutoFit/>
+            </a:bodyPr>
+            <a:lstStyle/>
+            <a:p>
+              <a:pPr algn="ctr"/>
+              <a:r>
+                <a:rPr lang="en-US" sz="2000" dirty="0">
+                  <a:latin typeface="Times New Roman" panose="02020603050405020304" pitchFamily="18" charset="0"/>
+                  <a:cs typeface="Times New Roman" panose="02020603050405020304" pitchFamily="18" charset="0"/>
+                </a:rPr>
+                <a:t>Constant head orifice</a:t>
+              </a:r>
+            </a:p>
+          </p:txBody>
+        </p:sp>
+        <p:sp>
+          <p:nvSpPr>
+            <p:cNvPr id="101" name="Text Box 2448">
+              <a:extLst>
+                <a:ext uri="{FF2B5EF4-FFF2-40B4-BE49-F238E27FC236}">
+                  <a16:creationId xmlns:a16="http://schemas.microsoft.com/office/drawing/2014/main" id="{2955576C-26D7-4DD9-8DEF-D13667EDBFAC}"/>
+                </a:ext>
+              </a:extLst>
+            </p:cNvPr>
+            <p:cNvSpPr txBox="1">
+              <a:spLocks noChangeArrowheads="1"/>
+            </p:cNvSpPr>
+            <p:nvPr/>
+          </p:nvSpPr>
+          <p:spPr bwMode="auto">
+            <a:xfrm>
+              <a:off x="3710301" y="3640207"/>
+              <a:ext cx="1457207" cy="707886"/>
+            </a:xfrm>
+            <a:prstGeom prst="rect">
+              <a:avLst/>
+            </a:prstGeom>
+            <a:noFill/>
+            <a:ln w="12700">
+              <a:noFill/>
+              <a:miter lim="800000"/>
+              <a:headEnd type="none" w="lg" len="med"/>
+              <a:tailEnd type="none" w="lg" len="med"/>
+            </a:ln>
+            <a:effectLst/>
+          </p:spPr>
+          <p:txBody>
+            <a:bodyPr wrap="square">
+              <a:spAutoFit/>
+            </a:bodyPr>
+            <a:lstStyle/>
+            <a:p>
+              <a:pPr algn="ctr"/>
+              <a:r>
+                <a:rPr lang="en-US" sz="2000" dirty="0">
+                  <a:latin typeface="Times New Roman" panose="02020603050405020304" pitchFamily="18" charset="0"/>
+                  <a:cs typeface="Times New Roman" panose="02020603050405020304" pitchFamily="18" charset="0"/>
+                </a:rPr>
+                <a:t>Overflow pipe</a:t>
+              </a:r>
+            </a:p>
+          </p:txBody>
+        </p:sp>
+      </p:grpSp>
+    </p:spTree>
+    <p:extLst>
+      <p:ext uri="{BB962C8B-B14F-4D97-AF65-F5344CB8AC3E}">
+        <p14:creationId xmlns:p14="http://schemas.microsoft.com/office/powerpoint/2010/main" val="535246718"/>
+      </p:ext>
+    </p:extLst>
+  </p:cSld>
+  <p:clrMapOvr>
+    <a:masterClrMapping/>
+  </p:clrMapOvr>
+</p:sld>
+</file>
+
+<file path=ppt/slides/slide11.xml><?xml version="1.0" encoding="utf-8"?>
+<p:sld xmlns:a="http://schemas.openxmlformats.org/drawingml/2006/main" xmlns:r="http://schemas.openxmlformats.org/officeDocument/2006/relationships" xmlns:p="http://schemas.openxmlformats.org/presentationml/2006/main">
+  <p:cSld>
+    <p:spTree>
+      <p:nvGrpSpPr>
+        <p:cNvPr id="1" name=""/>
+        <p:cNvGrpSpPr/>
+        <p:nvPr/>
+      </p:nvGrpSpPr>
+      <p:grpSpPr>
+        <a:xfrm>
+          <a:off x="0" y="0"/>
+          <a:ext cx="0" cy="0"/>
+          <a:chOff x="0" y="0"/>
+          <a:chExt cx="0" cy="0"/>
+        </a:xfrm>
+      </p:grpSpPr>
+      <p:grpSp>
+        <p:nvGrpSpPr>
           <p:cNvPr id="40" name="Group 39">
             <a:extLst>
               <a:ext uri="{FF2B5EF4-FFF2-40B4-BE49-F238E27FC236}">
@@ -6160,7 +8055,7 @@
 </p:sld>
 </file>
 
-<file path=ppt/slides/slide11.xml><?xml version="1.0" encoding="utf-8"?>
+<file path=ppt/slides/slide12.xml><?xml version="1.0" encoding="utf-8"?>
 <p:sld xmlns:a="http://schemas.openxmlformats.org/drawingml/2006/main" xmlns:r="http://schemas.openxmlformats.org/officeDocument/2006/relationships" xmlns:p="http://schemas.openxmlformats.org/presentationml/2006/main">
   <p:cSld>
     <p:spTree>
@@ -7978,7 +9873,7 @@
 </p:sld>
 </file>
 
-<file path=ppt/slides/slide12.xml><?xml version="1.0" encoding="utf-8"?>
+<file path=ppt/slides/slide13.xml><?xml version="1.0" encoding="utf-8"?>
 <p:sld xmlns:a="http://schemas.openxmlformats.org/drawingml/2006/main" xmlns:r="http://schemas.openxmlformats.org/officeDocument/2006/relationships" xmlns:p="http://schemas.openxmlformats.org/presentationml/2006/main">
   <p:cSld>
     <p:spTree>
@@ -8244,7 +10139,7 @@
 </p:sld>
 </file>
 
-<file path=ppt/slides/slide13.xml><?xml version="1.0" encoding="utf-8"?>
+<file path=ppt/slides/slide14.xml><?xml version="1.0" encoding="utf-8"?>
 <p:sld xmlns:a="http://schemas.openxmlformats.org/drawingml/2006/main" xmlns:r="http://schemas.openxmlformats.org/officeDocument/2006/relationships" xmlns:p="http://schemas.openxmlformats.org/presentationml/2006/main">
   <p:cSld>
     <p:spTree>
@@ -9360,7 +11255,7 @@
 </p:sld>
 </file>
 
-<file path=ppt/slides/slide14.xml><?xml version="1.0" encoding="utf-8"?>
+<file path=ppt/slides/slide15.xml><?xml version="1.0" encoding="utf-8"?>
 <p:sld xmlns:a="http://schemas.openxmlformats.org/drawingml/2006/main" xmlns:r="http://schemas.openxmlformats.org/officeDocument/2006/relationships" xmlns:p="http://schemas.openxmlformats.org/presentationml/2006/main">
   <p:cSld>
     <p:spTree>
@@ -12530,7 +14425,7 @@
 </p:sld>
 </file>
 
-<file path=ppt/slides/slide15.xml><?xml version="1.0" encoding="utf-8"?>
+<file path=ppt/slides/slide16.xml><?xml version="1.0" encoding="utf-8"?>
 <p:sld xmlns:a="http://schemas.openxmlformats.org/drawingml/2006/main" xmlns:r="http://schemas.openxmlformats.org/officeDocument/2006/relationships" xmlns:p="http://schemas.openxmlformats.org/presentationml/2006/main">
   <p:cSld>
     <p:spTree>
@@ -14180,7 +16075,7 @@
 </p:sld>
 </file>
 
-<file path=ppt/slides/slide16.xml><?xml version="1.0" encoding="utf-8"?>
+<file path=ppt/slides/slide17.xml><?xml version="1.0" encoding="utf-8"?>
 <p:sld xmlns:a="http://schemas.openxmlformats.org/drawingml/2006/main" xmlns:r="http://schemas.openxmlformats.org/officeDocument/2006/relationships" xmlns:p="http://schemas.openxmlformats.org/presentationml/2006/main">
   <p:cSld>
     <p:spTree>
@@ -14721,7 +16616,7 @@
 </p:sld>
 </file>
 
-<file path=ppt/slides/slide17.xml><?xml version="1.0" encoding="utf-8"?>
+<file path=ppt/slides/slide18.xml><?xml version="1.0" encoding="utf-8"?>
 <p:sld xmlns:a="http://schemas.openxmlformats.org/drawingml/2006/main" xmlns:r="http://schemas.openxmlformats.org/officeDocument/2006/relationships" xmlns:p="http://schemas.openxmlformats.org/presentationml/2006/main">
   <p:cSld>
     <p:spTree>
@@ -15296,7 +17191,7 @@
 </p:sld>
 </file>
 
-<file path=ppt/slides/slide18.xml><?xml version="1.0" encoding="utf-8"?>
+<file path=ppt/slides/slide19.xml><?xml version="1.0" encoding="utf-8"?>
 <p:sld xmlns:a="http://schemas.openxmlformats.org/drawingml/2006/main" xmlns:r="http://schemas.openxmlformats.org/officeDocument/2006/relationships" xmlns:p="http://schemas.openxmlformats.org/presentationml/2006/main">
   <p:cSld>
     <p:spTree>
@@ -16889,7 +18784,279 @@
 </p:sld>
 </file>
 
-<file path=ppt/slides/slide19.xml><?xml version="1.0" encoding="utf-8"?>
+<file path=ppt/slides/slide2.xml><?xml version="1.0" encoding="utf-8"?>
+<p:sld xmlns:a="http://schemas.openxmlformats.org/drawingml/2006/main" xmlns:r="http://schemas.openxmlformats.org/officeDocument/2006/relationships" xmlns:p="http://schemas.openxmlformats.org/presentationml/2006/main">
+  <p:cSld>
+    <p:spTree>
+      <p:nvGrpSpPr>
+        <p:cNvPr id="1" name=""/>
+        <p:cNvGrpSpPr/>
+        <p:nvPr/>
+      </p:nvGrpSpPr>
+      <p:grpSpPr>
+        <a:xfrm>
+          <a:off x="0" y="0"/>
+          <a:ext cx="0" cy="0"/>
+          <a:chOff x="0" y="0"/>
+          <a:chExt cx="0" cy="0"/>
+        </a:xfrm>
+      </p:grpSpPr>
+      <p:grpSp>
+        <p:nvGrpSpPr>
+          <p:cNvPr id="20" name="Group 19">
+            <a:extLst>
+              <a:ext uri="{FF2B5EF4-FFF2-40B4-BE49-F238E27FC236}">
+                <a16:creationId xmlns:a16="http://schemas.microsoft.com/office/drawing/2014/main" id="{B5407F98-0D20-44A6-921A-53DCF5994BAE}"/>
+              </a:ext>
+            </a:extLst>
+          </p:cNvPr>
+          <p:cNvGrpSpPr/>
+          <p:nvPr/>
+        </p:nvGrpSpPr>
+        <p:grpSpPr>
+          <a:xfrm>
+            <a:off x="1389411" y="1151792"/>
+            <a:ext cx="11607104" cy="4737639"/>
+            <a:chOff x="1389411" y="1151792"/>
+            <a:chExt cx="11607104" cy="4737639"/>
+          </a:xfrm>
+        </p:grpSpPr>
+        <p:grpSp>
+          <p:nvGrpSpPr>
+            <p:cNvPr id="19" name="Group 18">
+              <a:extLst>
+                <a:ext uri="{FF2B5EF4-FFF2-40B4-BE49-F238E27FC236}">
+                  <a16:creationId xmlns:a16="http://schemas.microsoft.com/office/drawing/2014/main" id="{A7EFCD2C-C2B8-46E2-A8F8-7825DF9BBF33}"/>
+                </a:ext>
+              </a:extLst>
+            </p:cNvPr>
+            <p:cNvGrpSpPr/>
+            <p:nvPr/>
+          </p:nvGrpSpPr>
+          <p:grpSpPr>
+            <a:xfrm>
+              <a:off x="1389411" y="1151792"/>
+              <a:ext cx="11607104" cy="4737639"/>
+              <a:chOff x="1389411" y="1151792"/>
+              <a:chExt cx="11607104" cy="4737639"/>
+            </a:xfrm>
+          </p:grpSpPr>
+          <p:pic>
+            <p:nvPicPr>
+              <p:cNvPr id="53" name="Picture 10">
+                <a:extLst>
+                  <a:ext uri="{FF2B5EF4-FFF2-40B4-BE49-F238E27FC236}">
+                    <a16:creationId xmlns:a16="http://schemas.microsoft.com/office/drawing/2014/main" id="{A7E1E977-894B-4500-B376-7D87B82B366F}"/>
+                  </a:ext>
+                </a:extLst>
+              </p:cNvPr>
+              <p:cNvPicPr>
+                <a:picLocks noChangeAspect="1" noChangeArrowheads="1"/>
+              </p:cNvPicPr>
+              <p:nvPr/>
+            </p:nvPicPr>
+            <p:blipFill>
+              <a:blip r:embed="rId5" cstate="print"/>
+              <a:srcRect/>
+              <a:stretch>
+                <a:fillRect/>
+              </a:stretch>
+            </p:blipFill>
+            <p:spPr bwMode="auto">
+              <a:xfrm>
+                <a:off x="1389411" y="1151792"/>
+                <a:ext cx="6438328" cy="4737639"/>
+              </a:xfrm>
+              <a:prstGeom prst="rect">
+                <a:avLst/>
+              </a:prstGeom>
+              <a:noFill/>
+              <a:ln w="9525">
+                <a:noFill/>
+                <a:miter lim="800000"/>
+                <a:headEnd/>
+                <a:tailEnd/>
+              </a:ln>
+              <a:effectLst/>
+            </p:spPr>
+          </p:pic>
+          <p:sp>
+            <p:nvSpPr>
+              <p:cNvPr id="55" name="TextBox 54">
+                <a:extLst>
+                  <a:ext uri="{FF2B5EF4-FFF2-40B4-BE49-F238E27FC236}">
+                    <a16:creationId xmlns:a16="http://schemas.microsoft.com/office/drawing/2014/main" id="{AB797F76-A35C-4397-9DD8-05A84436EBC5}"/>
+                  </a:ext>
+                </a:extLst>
+              </p:cNvPr>
+              <p:cNvSpPr txBox="1"/>
+              <p:nvPr/>
+            </p:nvSpPr>
+            <p:spPr>
+              <a:xfrm>
+                <a:off x="4483292" y="1452983"/>
+                <a:ext cx="3722110" cy="627249"/>
+              </a:xfrm>
+              <a:prstGeom prst="rect">
+                <a:avLst/>
+              </a:prstGeom>
+              <a:noFill/>
+            </p:spPr>
+            <p:txBody>
+              <a:bodyPr wrap="none" rtlCol="0">
+                <a:spAutoFit/>
+              </a:bodyPr>
+              <a:lstStyle/>
+              <a:p>
+                <a:r>
+                  <a:rPr lang="en-US" sz="1800" dirty="0"/>
+                  <a:t>Calibrate at max flow</a:t>
+                </a:r>
+              </a:p>
+            </p:txBody>
+          </p:sp>
+          <p:pic>
+            <p:nvPicPr>
+              <p:cNvPr id="6" name="Picture 5">
+                <a:extLst>
+                  <a:ext uri="{FF2B5EF4-FFF2-40B4-BE49-F238E27FC236}">
+                    <a16:creationId xmlns:a16="http://schemas.microsoft.com/office/drawing/2014/main" id="{CFDA14B1-F340-47CF-8065-A1F9A79AD517}"/>
+                  </a:ext>
+                </a:extLst>
+              </p:cNvPr>
+              <p:cNvPicPr>
+                <a:picLocks noChangeAspect="1"/>
+              </p:cNvPicPr>
+              <p:nvPr>
+                <p:custDataLst>
+                  <p:tags r:id="rId2"/>
+                </p:custDataLst>
+              </p:nvPr>
+            </p:nvPicPr>
+            <p:blipFill>
+              <a:blip r:embed="rId6">
+                <a:extLst>
+                  <a:ext uri="{28A0092B-C50C-407E-A947-70E740481C1C}">
+                    <a14:useLocalDpi xmlns:a14="http://schemas.microsoft.com/office/drawing/2010/main" val="0"/>
+                  </a:ext>
+                </a:extLst>
+              </a:blip>
+              <a:stretch>
+                <a:fillRect/>
+              </a:stretch>
+            </p:blipFill>
+            <p:spPr>
+              <a:xfrm>
+                <a:off x="8060271" y="2841501"/>
+                <a:ext cx="4376599" cy="627249"/>
+              </a:xfrm>
+              <a:prstGeom prst="rect">
+                <a:avLst/>
+              </a:prstGeom>
+              <a:ln w="38100">
+                <a:noFill/>
+              </a:ln>
+            </p:spPr>
+          </p:pic>
+          <p:pic>
+            <p:nvPicPr>
+              <p:cNvPr id="18" name="Picture 17">
+                <a:extLst>
+                  <a:ext uri="{FF2B5EF4-FFF2-40B4-BE49-F238E27FC236}">
+                    <a16:creationId xmlns:a16="http://schemas.microsoft.com/office/drawing/2014/main" id="{ADF4A84B-D92A-42C1-BF7F-EB141229FF19}"/>
+                  </a:ext>
+                </a:extLst>
+              </p:cNvPr>
+              <p:cNvPicPr>
+                <a:picLocks noChangeAspect="1"/>
+              </p:cNvPicPr>
+              <p:nvPr>
+                <p:custDataLst>
+                  <p:tags r:id="rId3"/>
+                </p:custDataLst>
+              </p:nvPr>
+            </p:nvPicPr>
+            <p:blipFill>
+              <a:blip r:embed="rId7">
+                <a:extLst>
+                  <a:ext uri="{28A0092B-C50C-407E-A947-70E740481C1C}">
+                    <a14:useLocalDpi xmlns:a14="http://schemas.microsoft.com/office/drawing/2010/main" val="0"/>
+                  </a:ext>
+                </a:extLst>
+              </a:blip>
+              <a:stretch>
+                <a:fillRect/>
+              </a:stretch>
+            </p:blipFill>
+            <p:spPr>
+              <a:xfrm>
+                <a:off x="8060274" y="3892281"/>
+                <a:ext cx="4936241" cy="627249"/>
+              </a:xfrm>
+              <a:prstGeom prst="rect">
+                <a:avLst/>
+              </a:prstGeom>
+              <a:ln w="38100">
+                <a:noFill/>
+              </a:ln>
+            </p:spPr>
+          </p:pic>
+        </p:grpSp>
+        <p:pic>
+          <p:nvPicPr>
+            <p:cNvPr id="3" name="Picture 2">
+              <a:extLst>
+                <a:ext uri="{FF2B5EF4-FFF2-40B4-BE49-F238E27FC236}">
+                  <a16:creationId xmlns:a16="http://schemas.microsoft.com/office/drawing/2014/main" id="{2A9E1866-009F-4603-A572-7F563F716B07}"/>
+                </a:ext>
+              </a:extLst>
+            </p:cNvPr>
+            <p:cNvPicPr>
+              <a:picLocks noChangeAspect="1"/>
+            </p:cNvPicPr>
+            <p:nvPr>
+              <p:custDataLst>
+                <p:tags r:id="rId1"/>
+              </p:custDataLst>
+            </p:nvPr>
+          </p:nvPicPr>
+          <p:blipFill>
+            <a:blip r:embed="rId8">
+              <a:extLst>
+                <a:ext uri="{28A0092B-C50C-407E-A947-70E740481C1C}">
+                  <a14:useLocalDpi xmlns:a14="http://schemas.microsoft.com/office/drawing/2010/main" val="0"/>
+                </a:ext>
+              </a:extLst>
+            </a:blip>
+            <a:stretch>
+              <a:fillRect/>
+            </a:stretch>
+          </p:blipFill>
+          <p:spPr>
+            <a:xfrm>
+              <a:off x="8060272" y="1917039"/>
+              <a:ext cx="1618749" cy="627202"/>
+            </a:xfrm>
+            <a:prstGeom prst="rect">
+              <a:avLst/>
+            </a:prstGeom>
+          </p:spPr>
+        </p:pic>
+      </p:grpSp>
+    </p:spTree>
+    <p:extLst>
+      <p:ext uri="{BB962C8B-B14F-4D97-AF65-F5344CB8AC3E}">
+        <p14:creationId xmlns:p14="http://schemas.microsoft.com/office/powerpoint/2010/main" val="858243599"/>
+      </p:ext>
+    </p:extLst>
+  </p:cSld>
+  <p:clrMapOvr>
+    <a:masterClrMapping/>
+  </p:clrMapOvr>
+</p:sld>
+</file>
+
+<file path=ppt/slides/slide20.xml><?xml version="1.0" encoding="utf-8"?>
 <p:sld xmlns:a="http://schemas.openxmlformats.org/drawingml/2006/main" xmlns:r="http://schemas.openxmlformats.org/officeDocument/2006/relationships" xmlns:p="http://schemas.openxmlformats.org/presentationml/2006/main">
   <p:cSld>
     <p:spTree>
@@ -17136,257 +19303,7 @@
 </p:sld>
 </file>
 
-<file path=ppt/slides/slide2.xml><?xml version="1.0" encoding="utf-8"?>
-<p:sld xmlns:a="http://schemas.openxmlformats.org/drawingml/2006/main" xmlns:r="http://schemas.openxmlformats.org/officeDocument/2006/relationships" xmlns:p="http://schemas.openxmlformats.org/presentationml/2006/main">
-  <p:cSld>
-    <p:spTree>
-      <p:nvGrpSpPr>
-        <p:cNvPr id="1" name=""/>
-        <p:cNvGrpSpPr/>
-        <p:nvPr/>
-      </p:nvGrpSpPr>
-      <p:grpSpPr>
-        <a:xfrm>
-          <a:off x="0" y="0"/>
-          <a:ext cx="0" cy="0"/>
-          <a:chOff x="0" y="0"/>
-          <a:chExt cx="0" cy="0"/>
-        </a:xfrm>
-      </p:grpSpPr>
-      <p:grpSp>
-        <p:nvGrpSpPr>
-          <p:cNvPr id="39" name="Group 38">
-            <a:extLst>
-              <a:ext uri="{FF2B5EF4-FFF2-40B4-BE49-F238E27FC236}">
-                <a16:creationId xmlns:a16="http://schemas.microsoft.com/office/drawing/2014/main" id="{D497F467-7931-4C1D-B1F6-952FB7B632C3}"/>
-              </a:ext>
-            </a:extLst>
-          </p:cNvPr>
-          <p:cNvGrpSpPr/>
-          <p:nvPr/>
-        </p:nvGrpSpPr>
-        <p:grpSpPr>
-          <a:xfrm>
-            <a:off x="1389411" y="1151792"/>
-            <a:ext cx="7754589" cy="5706208"/>
-            <a:chOff x="4577999" y="3498112"/>
-            <a:chExt cx="4566001" cy="3359888"/>
-          </a:xfrm>
-        </p:grpSpPr>
-        <p:pic>
-          <p:nvPicPr>
-            <p:cNvPr id="53" name="Picture 10">
-              <a:extLst>
-                <a:ext uri="{FF2B5EF4-FFF2-40B4-BE49-F238E27FC236}">
-                  <a16:creationId xmlns:a16="http://schemas.microsoft.com/office/drawing/2014/main" id="{A7E1E977-894B-4500-B376-7D87B82B366F}"/>
-                </a:ext>
-              </a:extLst>
-            </p:cNvPr>
-            <p:cNvPicPr>
-              <a:picLocks noChangeAspect="1" noChangeArrowheads="1"/>
-            </p:cNvPicPr>
-            <p:nvPr/>
-          </p:nvPicPr>
-          <p:blipFill>
-            <a:blip r:embed="rId4" cstate="print"/>
-            <a:srcRect/>
-            <a:stretch>
-              <a:fillRect/>
-            </a:stretch>
-          </p:blipFill>
-          <p:spPr bwMode="auto">
-            <a:xfrm>
-              <a:off x="4577999" y="3498112"/>
-              <a:ext cx="4566001" cy="3359888"/>
-            </a:xfrm>
-            <a:prstGeom prst="rect">
-              <a:avLst/>
-            </a:prstGeom>
-            <a:noFill/>
-            <a:ln w="9525">
-              <a:noFill/>
-              <a:miter lim="800000"/>
-              <a:headEnd/>
-              <a:tailEnd/>
-            </a:ln>
-            <a:effectLst/>
-          </p:spPr>
-        </p:pic>
-        <p:sp>
-          <p:nvSpPr>
-            <p:cNvPr id="55" name="TextBox 54">
-              <a:extLst>
-                <a:ext uri="{FF2B5EF4-FFF2-40B4-BE49-F238E27FC236}">
-                  <a16:creationId xmlns:a16="http://schemas.microsoft.com/office/drawing/2014/main" id="{AB797F76-A35C-4397-9DD8-05A84436EBC5}"/>
-                </a:ext>
-              </a:extLst>
-            </p:cNvPr>
-            <p:cNvSpPr txBox="1"/>
-            <p:nvPr/>
-          </p:nvSpPr>
-          <p:spPr>
-            <a:xfrm>
-              <a:off x="6399716" y="3675457"/>
-              <a:ext cx="2191626" cy="369332"/>
-            </a:xfrm>
-            <a:prstGeom prst="rect">
-              <a:avLst/>
-            </a:prstGeom>
-            <a:noFill/>
-          </p:spPr>
-          <p:txBody>
-            <a:bodyPr wrap="none" rtlCol="0">
-              <a:spAutoFit/>
-            </a:bodyPr>
-            <a:lstStyle/>
-            <a:p>
-              <a:r>
-                <a:rPr lang="en-US" sz="1800" dirty="0"/>
-                <a:t>Calibrate at max flow</a:t>
-              </a:r>
-            </a:p>
-          </p:txBody>
-        </p:sp>
-        <p:cxnSp>
-          <p:nvCxnSpPr>
-            <p:cNvPr id="56" name="Straight Arrow Connector 55">
-              <a:extLst>
-                <a:ext uri="{FF2B5EF4-FFF2-40B4-BE49-F238E27FC236}">
-                  <a16:creationId xmlns:a16="http://schemas.microsoft.com/office/drawing/2014/main" id="{75D68BC6-29E9-4C3B-B84D-3A84EBFF1732}"/>
-                </a:ext>
-              </a:extLst>
-            </p:cNvPr>
-            <p:cNvCxnSpPr/>
-            <p:nvPr/>
-          </p:nvCxnSpPr>
-          <p:spPr bwMode="auto">
-            <a:xfrm flipV="1">
-              <a:off x="8506047" y="3668234"/>
-              <a:ext cx="414669" cy="170119"/>
-            </a:xfrm>
-            <a:prstGeom prst="straightConnector1">
-              <a:avLst/>
-            </a:prstGeom>
-            <a:solidFill>
-              <a:schemeClr val="accent1"/>
-            </a:solidFill>
-            <a:ln w="12700" cap="flat" cmpd="sng" algn="ctr">
-              <a:solidFill>
-                <a:schemeClr val="tx1"/>
-              </a:solidFill>
-              <a:prstDash val="solid"/>
-              <a:round/>
-              <a:headEnd type="none" w="lg" len="med"/>
-              <a:tailEnd type="arrow"/>
-            </a:ln>
-            <a:effectLst/>
-          </p:spPr>
-        </p:cxnSp>
-        <p:pic>
-          <p:nvPicPr>
-            <p:cNvPr id="57" name="Picture 56">
-              <a:extLst>
-                <a:ext uri="{FF2B5EF4-FFF2-40B4-BE49-F238E27FC236}">
-                  <a16:creationId xmlns:a16="http://schemas.microsoft.com/office/drawing/2014/main" id="{98F574C6-D6D3-438A-A215-BFFB1363DC5F}"/>
-                </a:ext>
-              </a:extLst>
-            </p:cNvPr>
-            <p:cNvPicPr>
-              <a:picLocks noChangeAspect="1"/>
-            </p:cNvPicPr>
-            <p:nvPr>
-              <p:custDataLst>
-                <p:tags r:id="rId1"/>
-              </p:custDataLst>
-            </p:nvPr>
-          </p:nvPicPr>
-          <p:blipFill>
-            <a:blip r:embed="rId5" cstate="print">
-              <a:extLst>
-                <a:ext uri="{28A0092B-C50C-407E-A947-70E740481C1C}">
-                  <a14:useLocalDpi xmlns:a14="http://schemas.microsoft.com/office/drawing/2010/main" val="0"/>
-                </a:ext>
-              </a:extLst>
-            </a:blip>
-            <a:stretch>
-              <a:fillRect/>
-            </a:stretch>
-          </p:blipFill>
-          <p:spPr>
-            <a:xfrm>
-              <a:off x="5192783" y="4277218"/>
-              <a:ext cx="1912971" cy="274165"/>
-            </a:xfrm>
-            <a:prstGeom prst="rect">
-              <a:avLst/>
-            </a:prstGeom>
-            <a:ln w="38100">
-              <a:solidFill>
-                <a:srgbClr val="0000FF"/>
-              </a:solidFill>
-            </a:ln>
-          </p:spPr>
-        </p:pic>
-        <p:pic>
-          <p:nvPicPr>
-            <p:cNvPr id="58" name="Picture 57">
-              <a:extLst>
-                <a:ext uri="{FF2B5EF4-FFF2-40B4-BE49-F238E27FC236}">
-                  <a16:creationId xmlns:a16="http://schemas.microsoft.com/office/drawing/2014/main" id="{0A1D9E0B-FB20-4D21-ABAF-CCC47760697D}"/>
-                </a:ext>
-              </a:extLst>
-            </p:cNvPr>
-            <p:cNvPicPr>
-              <a:picLocks noChangeAspect="1"/>
-            </p:cNvPicPr>
-            <p:nvPr>
-              <p:custDataLst>
-                <p:tags r:id="rId2"/>
-              </p:custDataLst>
-            </p:nvPr>
-          </p:nvPicPr>
-          <p:blipFill>
-            <a:blip r:embed="rId6" cstate="print">
-              <a:extLst>
-                <a:ext uri="{28A0092B-C50C-407E-A947-70E740481C1C}">
-                  <a14:useLocalDpi xmlns:a14="http://schemas.microsoft.com/office/drawing/2010/main" val="0"/>
-                </a:ext>
-              </a:extLst>
-            </a:blip>
-            <a:stretch>
-              <a:fillRect/>
-            </a:stretch>
-          </p:blipFill>
-          <p:spPr>
-            <a:xfrm>
-              <a:off x="6467912" y="5926856"/>
-              <a:ext cx="2432814" cy="309138"/>
-            </a:xfrm>
-            <a:prstGeom prst="rect">
-              <a:avLst/>
-            </a:prstGeom>
-            <a:ln w="38100">
-              <a:solidFill>
-                <a:srgbClr val="01FF01"/>
-              </a:solidFill>
-            </a:ln>
-          </p:spPr>
-        </p:pic>
-      </p:grpSp>
-    </p:spTree>
-    <p:extLst>
-      <p:ext uri="{BB962C8B-B14F-4D97-AF65-F5344CB8AC3E}">
-        <p14:creationId xmlns:p14="http://schemas.microsoft.com/office/powerpoint/2010/main" val="858243599"/>
-      </p:ext>
-    </p:extLst>
-  </p:cSld>
-  <p:clrMapOvr>
-    <a:masterClrMapping/>
-  </p:clrMapOvr>
-</p:sld>
-</file>
-
-<file path=ppt/slides/slide20.xml><?xml version="1.0" encoding="utf-8"?>
+<file path=ppt/slides/slide21.xml><?xml version="1.0" encoding="utf-8"?>
 <p:sld xmlns:a="http://schemas.openxmlformats.org/drawingml/2006/main" xmlns:r="http://schemas.openxmlformats.org/officeDocument/2006/relationships" xmlns:p="http://schemas.openxmlformats.org/presentationml/2006/main">
   <p:cSld>
     <p:spTree>
@@ -32312,10 +34229,315 @@
       </p:grpSpPr>
       <p:grpSp>
         <p:nvGrpSpPr>
-          <p:cNvPr id="12" name="Group 11">
+          <p:cNvPr id="13" name="Group 12">
             <a:extLst>
               <a:ext uri="{FF2B5EF4-FFF2-40B4-BE49-F238E27FC236}">
-                <a16:creationId xmlns:a16="http://schemas.microsoft.com/office/drawing/2014/main" id="{58947A75-FB78-4F67-B9AC-2734389EEB3B}"/>
+                <a16:creationId xmlns:a16="http://schemas.microsoft.com/office/drawing/2014/main" id="{764635BE-4226-4F09-AC30-C38657320793}"/>
+              </a:ext>
+            </a:extLst>
+          </p:cNvPr>
+          <p:cNvGrpSpPr/>
+          <p:nvPr/>
+        </p:nvGrpSpPr>
+        <p:grpSpPr>
+          <a:xfrm>
+            <a:off x="2788284" y="1747269"/>
+            <a:ext cx="8468157" cy="3055763"/>
+            <a:chOff x="2788284" y="1747269"/>
+            <a:chExt cx="8468157" cy="3055763"/>
+          </a:xfrm>
+        </p:grpSpPr>
+        <p:pic>
+          <p:nvPicPr>
+            <p:cNvPr id="146" name="Picture 32">
+              <a:extLst>
+                <a:ext uri="{FF2B5EF4-FFF2-40B4-BE49-F238E27FC236}">
+                  <a16:creationId xmlns:a16="http://schemas.microsoft.com/office/drawing/2014/main" id="{0981C400-ADFE-404F-B1F5-89D756505300}"/>
+                </a:ext>
+              </a:extLst>
+            </p:cNvPr>
+            <p:cNvPicPr>
+              <a:picLocks noChangeAspect="1" noChangeArrowheads="1"/>
+            </p:cNvPicPr>
+            <p:nvPr/>
+          </p:nvPicPr>
+          <p:blipFill>
+            <a:blip r:embed="rId4" cstate="print"/>
+            <a:srcRect/>
+            <a:stretch>
+              <a:fillRect/>
+            </a:stretch>
+          </p:blipFill>
+          <p:spPr bwMode="auto">
+            <a:xfrm>
+              <a:off x="2788284" y="1747269"/>
+              <a:ext cx="4114800" cy="3055763"/>
+            </a:xfrm>
+            <a:prstGeom prst="rect">
+              <a:avLst/>
+            </a:prstGeom>
+            <a:noFill/>
+            <a:ln w="9525">
+              <a:noFill/>
+              <a:miter lim="800000"/>
+              <a:headEnd/>
+              <a:tailEnd/>
+            </a:ln>
+            <a:effectLst/>
+          </p:spPr>
+        </p:pic>
+        <p:pic>
+          <p:nvPicPr>
+            <p:cNvPr id="147" name="Picture 34">
+              <a:extLst>
+                <a:ext uri="{FF2B5EF4-FFF2-40B4-BE49-F238E27FC236}">
+                  <a16:creationId xmlns:a16="http://schemas.microsoft.com/office/drawing/2014/main" id="{DE2502DD-E510-4A24-855C-0DDDD70A779B}"/>
+                </a:ext>
+              </a:extLst>
+            </p:cNvPr>
+            <p:cNvPicPr>
+              <a:picLocks noChangeAspect="1" noChangeArrowheads="1"/>
+            </p:cNvPicPr>
+            <p:nvPr/>
+          </p:nvPicPr>
+          <p:blipFill>
+            <a:blip r:embed="rId5" cstate="print"/>
+            <a:srcRect/>
+            <a:stretch>
+              <a:fillRect/>
+            </a:stretch>
+          </p:blipFill>
+          <p:spPr bwMode="auto">
+            <a:xfrm>
+              <a:off x="9403716" y="3429000"/>
+              <a:ext cx="1519947" cy="1257510"/>
+            </a:xfrm>
+            <a:prstGeom prst="rect">
+              <a:avLst/>
+            </a:prstGeom>
+            <a:noFill/>
+            <a:ln w="9525">
+              <a:noFill/>
+              <a:miter lim="800000"/>
+              <a:headEnd/>
+              <a:tailEnd/>
+            </a:ln>
+            <a:effectLst/>
+          </p:spPr>
+        </p:pic>
+        <p:pic>
+          <p:nvPicPr>
+            <p:cNvPr id="7" name="Picture 6">
+              <a:extLst>
+                <a:ext uri="{FF2B5EF4-FFF2-40B4-BE49-F238E27FC236}">
+                  <a16:creationId xmlns:a16="http://schemas.microsoft.com/office/drawing/2014/main" id="{1F2E9FE1-0871-451D-866F-C95DF7B0B53E}"/>
+                </a:ext>
+              </a:extLst>
+            </p:cNvPr>
+            <p:cNvPicPr>
+              <a:picLocks noChangeAspect="1"/>
+            </p:cNvPicPr>
+            <p:nvPr>
+              <p:custDataLst>
+                <p:tags r:id="rId1"/>
+              </p:custDataLst>
+            </p:nvPr>
+          </p:nvPicPr>
+          <p:blipFill>
+            <a:blip r:embed="rId6">
+              <a:extLst>
+                <a:ext uri="{28A0092B-C50C-407E-A947-70E740481C1C}">
+                  <a14:useLocalDpi xmlns:a14="http://schemas.microsoft.com/office/drawing/2010/main" val="0"/>
+                </a:ext>
+              </a:extLst>
+            </a:blip>
+            <a:stretch>
+              <a:fillRect/>
+            </a:stretch>
+          </p:blipFill>
+          <p:spPr>
+            <a:xfrm>
+              <a:off x="6775159" y="2866292"/>
+              <a:ext cx="4481282" cy="484399"/>
+            </a:xfrm>
+            <a:prstGeom prst="rect">
+              <a:avLst/>
+            </a:prstGeom>
+          </p:spPr>
+        </p:pic>
+        <p:pic>
+          <p:nvPicPr>
+            <p:cNvPr id="9" name="Picture 8">
+              <a:extLst>
+                <a:ext uri="{FF2B5EF4-FFF2-40B4-BE49-F238E27FC236}">
+                  <a16:creationId xmlns:a16="http://schemas.microsoft.com/office/drawing/2014/main" id="{74B806D9-6DFE-4D75-A720-F40406F2C396}"/>
+                </a:ext>
+              </a:extLst>
+            </p:cNvPr>
+            <p:cNvPicPr>
+              <a:picLocks noChangeAspect="1"/>
+            </p:cNvPicPr>
+            <p:nvPr>
+              <p:custDataLst>
+                <p:tags r:id="rId2"/>
+              </p:custDataLst>
+            </p:nvPr>
+          </p:nvPicPr>
+          <p:blipFill>
+            <a:blip r:embed="rId7">
+              <a:extLst>
+                <a:ext uri="{28A0092B-C50C-407E-A947-70E740481C1C}">
+                  <a14:useLocalDpi xmlns:a14="http://schemas.microsoft.com/office/drawing/2010/main" val="0"/>
+                </a:ext>
+              </a:extLst>
+            </a:blip>
+            <a:stretch>
+              <a:fillRect/>
+            </a:stretch>
+          </p:blipFill>
+          <p:spPr>
+            <a:xfrm>
+              <a:off x="6775159" y="2064318"/>
+              <a:ext cx="3828364" cy="484926"/>
+            </a:xfrm>
+            <a:prstGeom prst="rect">
+              <a:avLst/>
+            </a:prstGeom>
+          </p:spPr>
+        </p:pic>
+        <p:sp>
+          <p:nvSpPr>
+            <p:cNvPr id="11" name="Oval 10">
+              <a:extLst>
+                <a:ext uri="{FF2B5EF4-FFF2-40B4-BE49-F238E27FC236}">
+                  <a16:creationId xmlns:a16="http://schemas.microsoft.com/office/drawing/2014/main" id="{79035506-7E3C-47BE-97D2-8275C7ABCA14}"/>
+                </a:ext>
+              </a:extLst>
+            </p:cNvPr>
+            <p:cNvSpPr/>
+            <p:nvPr/>
+          </p:nvSpPr>
+          <p:spPr bwMode="auto">
+            <a:xfrm>
+              <a:off x="9403716" y="3894992"/>
+              <a:ext cx="733815" cy="342900"/>
+            </a:xfrm>
+            <a:prstGeom prst="ellipse">
+              <a:avLst/>
+            </a:prstGeom>
+            <a:noFill/>
+            <a:ln w="38100">
+              <a:solidFill>
+                <a:schemeClr val="tx1"/>
+              </a:solidFill>
+              <a:miter lim="800000"/>
+              <a:headEnd type="none" w="lg" len="med"/>
+              <a:tailEnd type="none" w="lg" len="med"/>
+            </a:ln>
+            <a:effectLst/>
+          </p:spPr>
+          <p:txBody>
+            <a:bodyPr rtlCol="0" anchor="ctr">
+              <a:spAutoFit/>
+            </a:bodyPr>
+            <a:lstStyle/>
+            <a:p>
+              <a:pPr algn="l"/>
+              <a:endParaRPr lang="en-US" dirty="0"/>
+            </a:p>
+          </p:txBody>
+        </p:sp>
+        <p:sp>
+          <p:nvSpPr>
+            <p:cNvPr id="12" name="Arc 11">
+              <a:extLst>
+                <a:ext uri="{FF2B5EF4-FFF2-40B4-BE49-F238E27FC236}">
+                  <a16:creationId xmlns:a16="http://schemas.microsoft.com/office/drawing/2014/main" id="{8B8264D7-08A8-4334-8440-E9E002FD4DAC}"/>
+                </a:ext>
+              </a:extLst>
+            </p:cNvPr>
+            <p:cNvSpPr/>
+            <p:nvPr/>
+          </p:nvSpPr>
+          <p:spPr>
+            <a:xfrm>
+              <a:off x="9403716" y="3024660"/>
+              <a:ext cx="580293" cy="1028700"/>
+            </a:xfrm>
+            <a:prstGeom prst="arc">
+              <a:avLst>
+                <a:gd name="adj1" fmla="val 16200000"/>
+                <a:gd name="adj2" fmla="val 3602783"/>
+              </a:avLst>
+            </a:prstGeom>
+            <a:ln w="28575">
+              <a:solidFill>
+                <a:schemeClr val="tx1"/>
+              </a:solidFill>
+              <a:headEnd type="triangle"/>
+              <a:tailEnd type="none"/>
+            </a:ln>
+          </p:spPr>
+          <p:style>
+            <a:lnRef idx="1">
+              <a:schemeClr val="accent1"/>
+            </a:lnRef>
+            <a:fillRef idx="0">
+              <a:schemeClr val="accent1"/>
+            </a:fillRef>
+            <a:effectRef idx="0">
+              <a:schemeClr val="accent1"/>
+            </a:effectRef>
+            <a:fontRef idx="minor">
+              <a:schemeClr val="tx1"/>
+            </a:fontRef>
+          </p:style>
+          <p:txBody>
+            <a:bodyPr rtlCol="0" anchor="ctr"/>
+            <a:lstStyle/>
+            <a:p>
+              <a:pPr algn="ctr"/>
+              <a:endParaRPr lang="en-US"/>
+            </a:p>
+          </p:txBody>
+        </p:sp>
+      </p:grpSp>
+    </p:spTree>
+    <p:extLst>
+      <p:ext uri="{BB962C8B-B14F-4D97-AF65-F5344CB8AC3E}">
+        <p14:creationId xmlns:p14="http://schemas.microsoft.com/office/powerpoint/2010/main" val="4146178590"/>
+      </p:ext>
+    </p:extLst>
+  </p:cSld>
+  <p:clrMapOvr>
+    <a:masterClrMapping/>
+  </p:clrMapOvr>
+</p:sld>
+</file>
+
+<file path=ppt/slides/slide5.xml><?xml version="1.0" encoding="utf-8"?>
+<p:sld xmlns:a="http://schemas.openxmlformats.org/drawingml/2006/main" xmlns:r="http://schemas.openxmlformats.org/officeDocument/2006/relationships" xmlns:p="http://schemas.openxmlformats.org/presentationml/2006/main">
+  <p:cSld>
+    <p:spTree>
+      <p:nvGrpSpPr>
+        <p:cNvPr id="1" name=""/>
+        <p:cNvGrpSpPr/>
+        <p:nvPr/>
+      </p:nvGrpSpPr>
+      <p:grpSpPr>
+        <a:xfrm>
+          <a:off x="0" y="0"/>
+          <a:ext cx="0" cy="0"/>
+          <a:chOff x="0" y="0"/>
+          <a:chExt cx="0" cy="0"/>
+        </a:xfrm>
+      </p:grpSpPr>
+      <p:grpSp>
+        <p:nvGrpSpPr>
+          <p:cNvPr id="8" name="Group 7">
+            <a:extLst>
+              <a:ext uri="{FF2B5EF4-FFF2-40B4-BE49-F238E27FC236}">
+                <a16:creationId xmlns:a16="http://schemas.microsoft.com/office/drawing/2014/main" id="{12BB5D29-55B3-4ABF-A6D6-F8ABCE294739}"/>
               </a:ext>
             </a:extLst>
           </p:cNvPr>
@@ -32325,9 +34547,9 @@
         <p:grpSpPr>
           <a:xfrm>
             <a:off x="1925610" y="1308427"/>
-            <a:ext cx="6082091" cy="3427099"/>
+            <a:ext cx="8579987" cy="3144993"/>
             <a:chOff x="1925610" y="1308427"/>
-            <a:chExt cx="6082091" cy="3427099"/>
+            <a:chExt cx="8579987" cy="3144993"/>
           </a:xfrm>
         </p:grpSpPr>
         <p:pic>
@@ -32345,7 +34567,7 @@
             <p:nvPr/>
           </p:nvPicPr>
           <p:blipFill>
-            <a:blip r:embed="rId6" cstate="print"/>
+            <a:blip r:embed="rId8" cstate="print"/>
             <a:srcRect/>
             <a:stretch>
               <a:fillRect/>
@@ -32384,7 +34606,7 @@
             <p:nvPr/>
           </p:nvPicPr>
           <p:blipFill>
-            <a:blip r:embed="rId7" cstate="print"/>
+            <a:blip r:embed="rId9" cstate="print"/>
             <a:srcRect/>
             <a:stretch>
               <a:fillRect/>
@@ -32392,14 +34614,14 @@
           </p:blipFill>
           <p:spPr bwMode="auto">
             <a:xfrm>
-              <a:off x="5938733" y="3275524"/>
+              <a:off x="5938733" y="2993418"/>
               <a:ext cx="1764698" cy="1460002"/>
             </a:xfrm>
             <a:prstGeom prst="rect">
               <a:avLst/>
             </a:prstGeom>
             <a:noFill/>
-            <a:ln w="22225">
+            <a:ln w="41275">
               <a:solidFill>
                 <a:srgbClr val="008000"/>
               </a:solidFill>
@@ -32429,7 +34651,7 @@
             </p:nvPr>
           </p:nvPicPr>
           <p:blipFill>
-            <a:blip r:embed="rId8">
+            <a:blip r:embed="rId10">
               <a:extLst>
                 <a:ext uri="{28A0092B-C50C-407E-A947-70E740481C1C}">
                   <a14:useLocalDpi xmlns:a14="http://schemas.microsoft.com/office/drawing/2010/main" val="0"/>
@@ -32442,7 +34664,7 @@
           </p:blipFill>
           <p:spPr>
             <a:xfrm>
-              <a:off x="6578860" y="2547864"/>
+              <a:off x="9105738" y="2547864"/>
               <a:ext cx="1124571" cy="214857"/>
             </a:xfrm>
             <a:prstGeom prst="rect">
@@ -32469,7 +34691,7 @@
             </p:nvPr>
           </p:nvPicPr>
           <p:blipFill>
-            <a:blip r:embed="rId9">
+            <a:blip r:embed="rId11">
               <a:extLst>
                 <a:ext uri="{28A0092B-C50C-407E-A947-70E740481C1C}">
                   <a14:useLocalDpi xmlns:a14="http://schemas.microsoft.com/office/drawing/2010/main" val="0"/>
@@ -32482,7 +34704,7 @@
           </p:blipFill>
           <p:spPr>
             <a:xfrm>
-              <a:off x="6040410" y="2913564"/>
+              <a:off x="9114359" y="2889388"/>
               <a:ext cx="1391238" cy="213333"/>
             </a:xfrm>
             <a:prstGeom prst="rect">
@@ -32509,7 +34731,7 @@
             </p:nvPr>
           </p:nvPicPr>
           <p:blipFill>
-            <a:blip r:embed="rId10">
+            <a:blip r:embed="rId12">
               <a:extLst>
                 <a:ext uri="{28A0092B-C50C-407E-A947-70E740481C1C}">
                   <a14:useLocalDpi xmlns:a14="http://schemas.microsoft.com/office/drawing/2010/main" val="0"/>
@@ -32522,7 +34744,7 @@
           </p:blipFill>
           <p:spPr>
             <a:xfrm>
-              <a:off x="6651511" y="1957564"/>
+              <a:off x="9115390" y="1957564"/>
               <a:ext cx="1356190" cy="559238"/>
             </a:xfrm>
             <a:prstGeom prst="rect">
@@ -32549,7 +34771,7 @@
             </p:nvPr>
           </p:nvPicPr>
           <p:blipFill>
-            <a:blip r:embed="rId11">
+            <a:blip r:embed="rId13">
               <a:extLst>
                 <a:ext uri="{28A0092B-C50C-407E-A947-70E740481C1C}">
                   <a14:useLocalDpi xmlns:a14="http://schemas.microsoft.com/office/drawing/2010/main" val="0"/>
@@ -32562,8 +34784,88 @@
           </p:blipFill>
           <p:spPr>
             <a:xfrm>
-              <a:off x="6031789" y="1679888"/>
+              <a:off x="9105738" y="1679888"/>
               <a:ext cx="1168762" cy="355048"/>
+            </a:xfrm>
+            <a:prstGeom prst="rect">
+              <a:avLst/>
+            </a:prstGeom>
+          </p:spPr>
+        </p:pic>
+        <p:pic>
+          <p:nvPicPr>
+            <p:cNvPr id="3" name="Picture 2">
+              <a:extLst>
+                <a:ext uri="{FF2B5EF4-FFF2-40B4-BE49-F238E27FC236}">
+                  <a16:creationId xmlns:a16="http://schemas.microsoft.com/office/drawing/2014/main" id="{870DCB0A-DB0A-487E-BAEE-6C22D6BB8612}"/>
+                </a:ext>
+              </a:extLst>
+            </p:cNvPr>
+            <p:cNvPicPr>
+              <a:picLocks noChangeAspect="1"/>
+            </p:cNvPicPr>
+            <p:nvPr>
+              <p:custDataLst>
+                <p:tags r:id="rId5"/>
+              </p:custDataLst>
+            </p:nvPr>
+          </p:nvPicPr>
+          <p:blipFill>
+            <a:blip r:embed="rId14">
+              <a:extLst>
+                <a:ext uri="{28A0092B-C50C-407E-A947-70E740481C1C}">
+                  <a14:useLocalDpi xmlns:a14="http://schemas.microsoft.com/office/drawing/2010/main" val="0"/>
+                </a:ext>
+              </a:extLst>
+            </a:blip>
+            <a:stretch>
+              <a:fillRect/>
+            </a:stretch>
+          </p:blipFill>
+          <p:spPr>
+            <a:xfrm>
+              <a:off x="5851677" y="2151548"/>
+              <a:ext cx="3056981" cy="629578"/>
+            </a:xfrm>
+            <a:prstGeom prst="rect">
+              <a:avLst/>
+            </a:prstGeom>
+          </p:spPr>
+        </p:pic>
+        <p:pic>
+          <p:nvPicPr>
+            <p:cNvPr id="6" name="Picture 5">
+              <a:extLst>
+                <a:ext uri="{FF2B5EF4-FFF2-40B4-BE49-F238E27FC236}">
+                  <a16:creationId xmlns:a16="http://schemas.microsoft.com/office/drawing/2014/main" id="{DF1E2703-51D8-4C0B-8D70-6737E6DF7221}"/>
+                </a:ext>
+              </a:extLst>
+            </p:cNvPr>
+            <p:cNvPicPr>
+              <a:picLocks noChangeAspect="1"/>
+            </p:cNvPicPr>
+            <p:nvPr>
+              <p:custDataLst>
+                <p:tags r:id="rId6"/>
+              </p:custDataLst>
+            </p:nvPr>
+          </p:nvPicPr>
+          <p:blipFill>
+            <a:blip r:embed="rId15">
+              <a:extLst>
+                <a:ext uri="{28A0092B-C50C-407E-A947-70E740481C1C}">
+                  <a14:useLocalDpi xmlns:a14="http://schemas.microsoft.com/office/drawing/2010/main" val="0"/>
+                </a:ext>
+              </a:extLst>
+            </a:blip>
+            <a:stretch>
+              <a:fillRect/>
+            </a:stretch>
+          </p:blipFill>
+          <p:spPr>
+            <a:xfrm>
+              <a:off x="5851677" y="1493836"/>
+              <a:ext cx="2660025" cy="505432"/>
             </a:xfrm>
             <a:prstGeom prst="rect">
               <a:avLst/>
@@ -32584,7 +34886,7 @@
 </p:sld>
 </file>
 
-<file path=ppt/slides/slide5.xml><?xml version="1.0" encoding="utf-8"?>
+<file path=ppt/slides/slide6.xml><?xml version="1.0" encoding="utf-8"?>
 <p:sld xmlns:a="http://schemas.openxmlformats.org/drawingml/2006/main" xmlns:r="http://schemas.openxmlformats.org/officeDocument/2006/relationships" xmlns:p="http://schemas.openxmlformats.org/presentationml/2006/main">
   <p:cSld>
     <p:spTree>
@@ -33334,7 +35636,7 @@
 </p:sld>
 </file>
 
-<file path=ppt/slides/slide6.xml><?xml version="1.0" encoding="utf-8"?>
+<file path=ppt/slides/slide7.xml><?xml version="1.0" encoding="utf-8"?>
 <p:sld xmlns:a="http://schemas.openxmlformats.org/drawingml/2006/main" xmlns:r="http://schemas.openxmlformats.org/officeDocument/2006/relationships" xmlns:p="http://schemas.openxmlformats.org/presentationml/2006/main">
   <p:cSld>
     <p:spTree>
@@ -38931,7 +41233,7 @@
 </p:sld>
 </file>
 
-<file path=ppt/slides/slide7.xml><?xml version="1.0" encoding="utf-8"?>
+<file path=ppt/slides/slide8.xml><?xml version="1.0" encoding="utf-8"?>
 <p:sld xmlns:a="http://schemas.openxmlformats.org/drawingml/2006/main" xmlns:r="http://schemas.openxmlformats.org/officeDocument/2006/relationships" xmlns:p="http://schemas.openxmlformats.org/presentationml/2006/main">
   <p:cSld>
     <p:spTree>
@@ -40747,7 +43049,7 @@
 </p:sld>
 </file>
 
-<file path=ppt/slides/slide8.xml><?xml version="1.0" encoding="utf-8"?>
+<file path=ppt/slides/slide9.xml><?xml version="1.0" encoding="utf-8"?>
 <p:sld xmlns:a="http://schemas.openxmlformats.org/drawingml/2006/main" xmlns:r="http://schemas.openxmlformats.org/officeDocument/2006/relationships" xmlns:p="http://schemas.openxmlformats.org/presentationml/2006/main">
   <p:cSld>
     <p:spTree>
@@ -42227,1908 +44529,14 @@
 </p:sld>
 </file>
 
-<file path=ppt/slides/slide9.xml><?xml version="1.0" encoding="utf-8"?>
-<p:sld xmlns:a="http://schemas.openxmlformats.org/drawingml/2006/main" xmlns:r="http://schemas.openxmlformats.org/officeDocument/2006/relationships" xmlns:p="http://schemas.openxmlformats.org/presentationml/2006/main">
-  <p:cSld>
-    <p:spTree>
-      <p:nvGrpSpPr>
-        <p:cNvPr id="1" name=""/>
-        <p:cNvGrpSpPr/>
-        <p:nvPr/>
-      </p:nvGrpSpPr>
-      <p:grpSpPr>
-        <a:xfrm>
-          <a:off x="0" y="0"/>
-          <a:ext cx="0" cy="0"/>
-          <a:chOff x="0" y="0"/>
-          <a:chExt cx="0" cy="0"/>
-        </a:xfrm>
-      </p:grpSpPr>
-      <p:grpSp>
-        <p:nvGrpSpPr>
-          <p:cNvPr id="10" name="Group 9">
-            <a:extLst>
-              <a:ext uri="{FF2B5EF4-FFF2-40B4-BE49-F238E27FC236}">
-                <a16:creationId xmlns:a16="http://schemas.microsoft.com/office/drawing/2014/main" id="{E4C31397-41E4-4C43-9199-CADC3A56F215}"/>
-              </a:ext>
-            </a:extLst>
-          </p:cNvPr>
-          <p:cNvGrpSpPr/>
-          <p:nvPr/>
-        </p:nvGrpSpPr>
-        <p:grpSpPr>
-          <a:xfrm>
-            <a:off x="166688" y="1795463"/>
-            <a:ext cx="8153457" cy="4805362"/>
-            <a:chOff x="166688" y="1795463"/>
-            <a:chExt cx="8153457" cy="4805362"/>
-          </a:xfrm>
-        </p:grpSpPr>
-        <p:sp>
-          <p:nvSpPr>
-            <p:cNvPr id="31" name="Freeform 37">
-              <a:extLst>
-                <a:ext uri="{FF2B5EF4-FFF2-40B4-BE49-F238E27FC236}">
-                  <a16:creationId xmlns:a16="http://schemas.microsoft.com/office/drawing/2014/main" id="{3FC6C672-AFEB-4A98-8475-DD6E25FD5599}"/>
-                </a:ext>
-              </a:extLst>
-            </p:cNvPr>
-            <p:cNvSpPr>
-              <a:spLocks/>
-            </p:cNvSpPr>
-            <p:nvPr/>
-          </p:nvSpPr>
-          <p:spPr bwMode="auto">
-            <a:xfrm>
-              <a:off x="1066800" y="1890713"/>
-              <a:ext cx="5616575" cy="1360487"/>
-            </a:xfrm>
-            <a:custGeom>
-              <a:avLst/>
-              <a:gdLst/>
-              <a:ahLst/>
-              <a:cxnLst>
-                <a:cxn ang="0">
-                  <a:pos x="0" y="0"/>
-                </a:cxn>
-                <a:cxn ang="0">
-                  <a:pos x="0" y="528"/>
-                </a:cxn>
-                <a:cxn ang="0">
-                  <a:pos x="3216" y="528"/>
-                </a:cxn>
-                <a:cxn ang="0">
-                  <a:pos x="3216" y="0"/>
-                </a:cxn>
-              </a:cxnLst>
-              <a:rect l="0" t="0" r="r" b="b"/>
-              <a:pathLst>
-                <a:path w="3216" h="528">
-                  <a:moveTo>
-                    <a:pt x="0" y="0"/>
-                  </a:moveTo>
-                  <a:lnTo>
-                    <a:pt x="0" y="528"/>
-                  </a:lnTo>
-                  <a:lnTo>
-                    <a:pt x="3216" y="528"/>
-                  </a:lnTo>
-                  <a:lnTo>
-                    <a:pt x="3216" y="0"/>
-                  </a:lnTo>
-                </a:path>
-              </a:pathLst>
-            </a:custGeom>
-            <a:noFill/>
-            <a:ln w="57150" cap="flat" cmpd="sng">
-              <a:solidFill>
-                <a:schemeClr val="tx1"/>
-              </a:solidFill>
-              <a:prstDash val="solid"/>
-              <a:round/>
-              <a:headEnd type="none" w="lg" len="med"/>
-              <a:tailEnd type="none" w="lg" len="med"/>
-            </a:ln>
-            <a:effectLst/>
-          </p:spPr>
-          <p:txBody>
-            <a:bodyPr anchor="ctr">
-              <a:spAutoFit/>
-            </a:bodyPr>
-            <a:lstStyle/>
-            <a:p>
-              <a:endParaRPr lang="en-US"/>
-            </a:p>
-          </p:txBody>
-        </p:sp>
-        <p:sp>
-          <p:nvSpPr>
-            <p:cNvPr id="33" name="Freeform 4">
-              <a:extLst>
-                <a:ext uri="{FF2B5EF4-FFF2-40B4-BE49-F238E27FC236}">
-                  <a16:creationId xmlns:a16="http://schemas.microsoft.com/office/drawing/2014/main" id="{3924E613-6C97-4B64-BF4F-99836069CB4C}"/>
-                </a:ext>
-              </a:extLst>
-            </p:cNvPr>
-            <p:cNvSpPr>
-              <a:spLocks/>
-            </p:cNvSpPr>
-            <p:nvPr/>
-          </p:nvSpPr>
-          <p:spPr bwMode="auto">
-            <a:xfrm>
-              <a:off x="1066800" y="1890713"/>
-              <a:ext cx="5616575" cy="1360487"/>
-            </a:xfrm>
-            <a:custGeom>
-              <a:avLst/>
-              <a:gdLst/>
-              <a:ahLst/>
-              <a:cxnLst>
-                <a:cxn ang="0">
-                  <a:pos x="0" y="0"/>
-                </a:cxn>
-                <a:cxn ang="0">
-                  <a:pos x="0" y="528"/>
-                </a:cxn>
-                <a:cxn ang="0">
-                  <a:pos x="3216" y="528"/>
-                </a:cxn>
-                <a:cxn ang="0">
-                  <a:pos x="3216" y="0"/>
-                </a:cxn>
-              </a:cxnLst>
-              <a:rect l="0" t="0" r="r" b="b"/>
-              <a:pathLst>
-                <a:path w="3216" h="528">
-                  <a:moveTo>
-                    <a:pt x="0" y="0"/>
-                  </a:moveTo>
-                  <a:lnTo>
-                    <a:pt x="0" y="528"/>
-                  </a:lnTo>
-                  <a:lnTo>
-                    <a:pt x="3216" y="528"/>
-                  </a:lnTo>
-                  <a:lnTo>
-                    <a:pt x="3216" y="0"/>
-                  </a:lnTo>
-                </a:path>
-              </a:pathLst>
-            </a:custGeom>
-            <a:solidFill>
-              <a:schemeClr val="hlink"/>
-            </a:solidFill>
-            <a:ln w="57150" cap="flat" cmpd="sng">
-              <a:solidFill>
-                <a:schemeClr val="tx1"/>
-              </a:solidFill>
-              <a:prstDash val="solid"/>
-              <a:round/>
-              <a:headEnd type="none" w="lg" len="med"/>
-              <a:tailEnd type="none" w="lg" len="med"/>
-            </a:ln>
-            <a:effectLst/>
-          </p:spPr>
-          <p:txBody>
-            <a:bodyPr anchor="ctr">
-              <a:spAutoFit/>
-            </a:bodyPr>
-            <a:lstStyle/>
-            <a:p>
-              <a:endParaRPr lang="en-US"/>
-            </a:p>
-          </p:txBody>
-        </p:sp>
-        <p:sp>
-          <p:nvSpPr>
-            <p:cNvPr id="34" name="Rectangle 8">
-              <a:extLst>
-                <a:ext uri="{FF2B5EF4-FFF2-40B4-BE49-F238E27FC236}">
-                  <a16:creationId xmlns:a16="http://schemas.microsoft.com/office/drawing/2014/main" id="{12745584-EEB1-40F3-BD29-9B67EE03B037}"/>
-                </a:ext>
-              </a:extLst>
-            </p:cNvPr>
-            <p:cNvSpPr>
-              <a:spLocks noChangeArrowheads="1"/>
-            </p:cNvSpPr>
-            <p:nvPr/>
-          </p:nvSpPr>
-          <p:spPr bwMode="auto">
-            <a:xfrm>
-              <a:off x="1082675" y="1795463"/>
-              <a:ext cx="5578475" cy="365125"/>
-            </a:xfrm>
-            <a:prstGeom prst="rect">
-              <a:avLst/>
-            </a:prstGeom>
-            <a:solidFill>
-              <a:schemeClr val="bg1"/>
-            </a:solidFill>
-            <a:ln w="12700">
-              <a:noFill/>
-              <a:miter lim="800000"/>
-              <a:headEnd type="none" w="lg" len="med"/>
-              <a:tailEnd type="none" w="lg" len="med"/>
-            </a:ln>
-            <a:effectLst/>
-          </p:spPr>
-          <p:txBody>
-            <a:bodyPr anchor="ctr">
-              <a:spAutoFit/>
-            </a:bodyPr>
-            <a:lstStyle/>
-            <a:p>
-              <a:endParaRPr lang="en-US"/>
-            </a:p>
-          </p:txBody>
-        </p:sp>
-        <p:sp>
-          <p:nvSpPr>
-            <p:cNvPr id="35" name="Rectangle 10">
-              <a:extLst>
-                <a:ext uri="{FF2B5EF4-FFF2-40B4-BE49-F238E27FC236}">
-                  <a16:creationId xmlns:a16="http://schemas.microsoft.com/office/drawing/2014/main" id="{A75773BA-A0A6-48DD-9837-017BE24008FA}"/>
-                </a:ext>
-              </a:extLst>
-            </p:cNvPr>
-            <p:cNvSpPr>
-              <a:spLocks noChangeArrowheads="1"/>
-            </p:cNvSpPr>
-            <p:nvPr/>
-          </p:nvSpPr>
-          <p:spPr bwMode="auto">
-            <a:xfrm>
-              <a:off x="3638550" y="2125663"/>
-              <a:ext cx="257175" cy="1335087"/>
-            </a:xfrm>
-            <a:prstGeom prst="rect">
-              <a:avLst/>
-            </a:prstGeom>
-            <a:solidFill>
-              <a:schemeClr val="bg1"/>
-            </a:solidFill>
-            <a:ln w="12700">
-              <a:noFill/>
-              <a:miter lim="800000"/>
-              <a:headEnd type="none" w="lg" len="med"/>
-              <a:tailEnd type="none" w="lg" len="med"/>
-            </a:ln>
-            <a:effectLst/>
-          </p:spPr>
-          <p:txBody>
-            <a:bodyPr wrap="none" anchor="ctr">
-              <a:spAutoFit/>
-            </a:bodyPr>
-            <a:lstStyle/>
-            <a:p>
-              <a:endParaRPr lang="en-US"/>
-            </a:p>
-          </p:txBody>
-        </p:sp>
-        <p:sp>
-          <p:nvSpPr>
-            <p:cNvPr id="36" name="Line 11">
-              <a:extLst>
-                <a:ext uri="{FF2B5EF4-FFF2-40B4-BE49-F238E27FC236}">
-                  <a16:creationId xmlns:a16="http://schemas.microsoft.com/office/drawing/2014/main" id="{DF617A71-B458-49E3-8A49-C5CF4D83D826}"/>
-                </a:ext>
-              </a:extLst>
-            </p:cNvPr>
-            <p:cNvSpPr>
-              <a:spLocks noChangeShapeType="1"/>
-            </p:cNvSpPr>
-            <p:nvPr/>
-          </p:nvSpPr>
-          <p:spPr bwMode="auto">
-            <a:xfrm>
-              <a:off x="3621088" y="2198688"/>
-              <a:ext cx="0" cy="2339975"/>
-            </a:xfrm>
-            <a:prstGeom prst="line">
-              <a:avLst/>
-            </a:prstGeom>
-            <a:noFill/>
-            <a:ln w="38100">
-              <a:solidFill>
-                <a:schemeClr val="tx1"/>
-              </a:solidFill>
-              <a:round/>
-              <a:headEnd type="none" w="lg" len="med"/>
-              <a:tailEnd type="none" w="lg" len="med"/>
-            </a:ln>
-            <a:effectLst/>
-          </p:spPr>
-          <p:txBody>
-            <a:bodyPr wrap="none" anchor="ctr">
-              <a:spAutoFit/>
-            </a:bodyPr>
-            <a:lstStyle/>
-            <a:p>
-              <a:endParaRPr lang="en-US"/>
-            </a:p>
-          </p:txBody>
-        </p:sp>
-        <p:sp>
-          <p:nvSpPr>
-            <p:cNvPr id="37" name="Line 12">
-              <a:extLst>
-                <a:ext uri="{FF2B5EF4-FFF2-40B4-BE49-F238E27FC236}">
-                  <a16:creationId xmlns:a16="http://schemas.microsoft.com/office/drawing/2014/main" id="{4FE0D342-BBF2-4760-95E3-87BB9C7AAF8C}"/>
-                </a:ext>
-              </a:extLst>
-            </p:cNvPr>
-            <p:cNvSpPr>
-              <a:spLocks noChangeShapeType="1"/>
-            </p:cNvSpPr>
-            <p:nvPr/>
-          </p:nvSpPr>
-          <p:spPr bwMode="auto">
-            <a:xfrm>
-              <a:off x="3886200" y="2198688"/>
-              <a:ext cx="0" cy="2339975"/>
-            </a:xfrm>
-            <a:prstGeom prst="line">
-              <a:avLst/>
-            </a:prstGeom>
-            <a:noFill/>
-            <a:ln w="38100">
-              <a:solidFill>
-                <a:schemeClr val="tx1"/>
-              </a:solidFill>
-              <a:round/>
-              <a:headEnd type="none" w="lg" len="med"/>
-              <a:tailEnd type="none" w="lg" len="med"/>
-            </a:ln>
-            <a:effectLst/>
-          </p:spPr>
-          <p:txBody>
-            <a:bodyPr wrap="none" anchor="ctr">
-              <a:spAutoFit/>
-            </a:bodyPr>
-            <a:lstStyle/>
-            <a:p>
-              <a:endParaRPr lang="en-US"/>
-            </a:p>
-          </p:txBody>
-        </p:sp>
-        <p:sp>
-          <p:nvSpPr>
-            <p:cNvPr id="38" name="Rectangle 14">
-              <a:extLst>
-                <a:ext uri="{FF2B5EF4-FFF2-40B4-BE49-F238E27FC236}">
-                  <a16:creationId xmlns:a16="http://schemas.microsoft.com/office/drawing/2014/main" id="{86C3D52E-6511-4067-92AE-4711E5FE2273}"/>
-                </a:ext>
-              </a:extLst>
-            </p:cNvPr>
-            <p:cNvSpPr>
-              <a:spLocks noChangeArrowheads="1"/>
-            </p:cNvSpPr>
-            <p:nvPr/>
-          </p:nvSpPr>
-          <p:spPr bwMode="auto">
-            <a:xfrm>
-              <a:off x="5699125" y="3189288"/>
-              <a:ext cx="160338" cy="2692400"/>
-            </a:xfrm>
-            <a:prstGeom prst="rect">
-              <a:avLst/>
-            </a:prstGeom>
-            <a:solidFill>
-              <a:schemeClr val="hlink"/>
-            </a:solidFill>
-            <a:ln w="12700">
-              <a:noFill/>
-              <a:miter lim="800000"/>
-              <a:headEnd type="none" w="lg" len="med"/>
-              <a:tailEnd type="none" w="lg" len="med"/>
-            </a:ln>
-            <a:effectLst/>
-          </p:spPr>
-          <p:txBody>
-            <a:bodyPr anchor="ctr">
-              <a:spAutoFit/>
-            </a:bodyPr>
-            <a:lstStyle/>
-            <a:p>
-              <a:endParaRPr lang="en-US"/>
-            </a:p>
-          </p:txBody>
-        </p:sp>
-        <p:sp>
-          <p:nvSpPr>
-            <p:cNvPr id="39" name="Line 15">
-              <a:extLst>
-                <a:ext uri="{FF2B5EF4-FFF2-40B4-BE49-F238E27FC236}">
-                  <a16:creationId xmlns:a16="http://schemas.microsoft.com/office/drawing/2014/main" id="{84FE23B3-FB3D-4875-96EC-4B29DD547CB2}"/>
-                </a:ext>
-              </a:extLst>
-            </p:cNvPr>
-            <p:cNvSpPr>
-              <a:spLocks noChangeShapeType="1"/>
-            </p:cNvSpPr>
-            <p:nvPr/>
-          </p:nvSpPr>
-          <p:spPr bwMode="auto">
-            <a:xfrm>
-              <a:off x="5686425" y="3186113"/>
-              <a:ext cx="0" cy="2670175"/>
-            </a:xfrm>
-            <a:prstGeom prst="line">
-              <a:avLst/>
-            </a:prstGeom>
-            <a:noFill/>
-            <a:ln w="38100">
-              <a:solidFill>
-                <a:schemeClr val="tx1"/>
-              </a:solidFill>
-              <a:round/>
-              <a:headEnd type="none" w="lg" len="med"/>
-              <a:tailEnd type="none" w="lg" len="med"/>
-            </a:ln>
-            <a:effectLst/>
-          </p:spPr>
-          <p:txBody>
-            <a:bodyPr wrap="none" anchor="ctr">
-              <a:spAutoFit/>
-            </a:bodyPr>
-            <a:lstStyle/>
-            <a:p>
-              <a:endParaRPr lang="en-US"/>
-            </a:p>
-          </p:txBody>
-        </p:sp>
-        <p:sp>
-          <p:nvSpPr>
-            <p:cNvPr id="40" name="Line 16">
-              <a:extLst>
-                <a:ext uri="{FF2B5EF4-FFF2-40B4-BE49-F238E27FC236}">
-                  <a16:creationId xmlns:a16="http://schemas.microsoft.com/office/drawing/2014/main" id="{B23DDFC0-B804-4CDD-A82B-5A16032F0FE0}"/>
-                </a:ext>
-              </a:extLst>
-            </p:cNvPr>
-            <p:cNvSpPr>
-              <a:spLocks noChangeShapeType="1"/>
-            </p:cNvSpPr>
-            <p:nvPr/>
-          </p:nvSpPr>
-          <p:spPr bwMode="auto">
-            <a:xfrm>
-              <a:off x="5859463" y="3186113"/>
-              <a:ext cx="0" cy="2670175"/>
-            </a:xfrm>
-            <a:prstGeom prst="line">
-              <a:avLst/>
-            </a:prstGeom>
-            <a:noFill/>
-            <a:ln w="38100">
-              <a:solidFill>
-                <a:schemeClr val="tx1"/>
-              </a:solidFill>
-              <a:round/>
-              <a:headEnd type="none" w="lg" len="med"/>
-              <a:tailEnd type="none" w="lg" len="med"/>
-            </a:ln>
-            <a:effectLst/>
-          </p:spPr>
-          <p:txBody>
-            <a:bodyPr wrap="none" anchor="ctr">
-              <a:spAutoFit/>
-            </a:bodyPr>
-            <a:lstStyle/>
-            <a:p>
-              <a:endParaRPr lang="en-US"/>
-            </a:p>
-          </p:txBody>
-        </p:sp>
-        <p:sp>
-          <p:nvSpPr>
-            <p:cNvPr id="41" name="Line 17">
-              <a:extLst>
-                <a:ext uri="{FF2B5EF4-FFF2-40B4-BE49-F238E27FC236}">
-                  <a16:creationId xmlns:a16="http://schemas.microsoft.com/office/drawing/2014/main" id="{6E17A796-CE80-464E-A90E-1D7753897FE9}"/>
-                </a:ext>
-              </a:extLst>
-            </p:cNvPr>
-            <p:cNvSpPr>
-              <a:spLocks noChangeShapeType="1"/>
-            </p:cNvSpPr>
-            <p:nvPr/>
-          </p:nvSpPr>
-          <p:spPr bwMode="auto">
-            <a:xfrm flipV="1">
-              <a:off x="5780088" y="4751388"/>
-              <a:ext cx="0" cy="695325"/>
-            </a:xfrm>
-            <a:prstGeom prst="line">
-              <a:avLst/>
-            </a:prstGeom>
-            <a:noFill/>
-            <a:ln w="12700">
-              <a:solidFill>
-                <a:schemeClr val="tx1"/>
-              </a:solidFill>
-              <a:round/>
-              <a:headEnd type="none" w="lg" len="med"/>
-              <a:tailEnd type="triangle" w="lg" len="med"/>
-            </a:ln>
-            <a:effectLst/>
-          </p:spPr>
-          <p:txBody>
-            <a:bodyPr wrap="none" anchor="ctr">
-              <a:spAutoFit/>
-            </a:bodyPr>
-            <a:lstStyle/>
-            <a:p>
-              <a:endParaRPr lang="en-US"/>
-            </a:p>
-          </p:txBody>
-        </p:sp>
-        <p:sp>
-          <p:nvSpPr>
-            <p:cNvPr id="42" name="Line 18">
-              <a:extLst>
-                <a:ext uri="{FF2B5EF4-FFF2-40B4-BE49-F238E27FC236}">
-                  <a16:creationId xmlns:a16="http://schemas.microsoft.com/office/drawing/2014/main" id="{057D35D4-E631-46A1-91D1-DAF52E0EE1C5}"/>
-                </a:ext>
-              </a:extLst>
-            </p:cNvPr>
-            <p:cNvSpPr>
-              <a:spLocks noChangeShapeType="1"/>
-            </p:cNvSpPr>
-            <p:nvPr/>
-          </p:nvSpPr>
-          <p:spPr bwMode="auto">
-            <a:xfrm>
-              <a:off x="3733800" y="4024313"/>
-              <a:ext cx="0" cy="609600"/>
-            </a:xfrm>
-            <a:prstGeom prst="line">
-              <a:avLst/>
-            </a:prstGeom>
-            <a:noFill/>
-            <a:ln w="12700">
-              <a:solidFill>
-                <a:schemeClr val="tx1"/>
-              </a:solidFill>
-              <a:round/>
-              <a:headEnd type="none" w="lg" len="med"/>
-              <a:tailEnd type="triangle" w="lg" len="med"/>
-            </a:ln>
-            <a:effectLst/>
-          </p:spPr>
-          <p:txBody>
-            <a:bodyPr wrap="none" anchor="ctr">
-              <a:spAutoFit/>
-            </a:bodyPr>
-            <a:lstStyle/>
-            <a:p>
-              <a:endParaRPr lang="en-US"/>
-            </a:p>
-          </p:txBody>
-        </p:sp>
-        <p:sp>
-          <p:nvSpPr>
-            <p:cNvPr id="43" name="Rectangle 20">
-              <a:extLst>
-                <a:ext uri="{FF2B5EF4-FFF2-40B4-BE49-F238E27FC236}">
-                  <a16:creationId xmlns:a16="http://schemas.microsoft.com/office/drawing/2014/main" id="{E33CBF34-9C1F-458A-B093-21F098453680}"/>
-                </a:ext>
-              </a:extLst>
-            </p:cNvPr>
-            <p:cNvSpPr>
-              <a:spLocks noChangeArrowheads="1"/>
-            </p:cNvSpPr>
-            <p:nvPr/>
-          </p:nvSpPr>
-          <p:spPr bwMode="auto">
-            <a:xfrm>
-              <a:off x="1447800" y="3219450"/>
-              <a:ext cx="304800" cy="90488"/>
-            </a:xfrm>
-            <a:prstGeom prst="rect">
-              <a:avLst/>
-            </a:prstGeom>
-            <a:solidFill>
-              <a:schemeClr val="bg1"/>
-            </a:solidFill>
-            <a:ln w="12700">
-              <a:noFill/>
-              <a:miter lim="800000"/>
-              <a:headEnd type="none" w="lg" len="med"/>
-              <a:tailEnd type="none" w="lg" len="med"/>
-            </a:ln>
-            <a:effectLst/>
-          </p:spPr>
-          <p:txBody>
-            <a:bodyPr anchor="ctr">
-              <a:spAutoFit/>
-            </a:bodyPr>
-            <a:lstStyle/>
-            <a:p>
-              <a:endParaRPr lang="en-US"/>
-            </a:p>
-          </p:txBody>
-        </p:sp>
-        <p:sp>
-          <p:nvSpPr>
-            <p:cNvPr id="44" name="Freeform 21">
-              <a:extLst>
-                <a:ext uri="{FF2B5EF4-FFF2-40B4-BE49-F238E27FC236}">
-                  <a16:creationId xmlns:a16="http://schemas.microsoft.com/office/drawing/2014/main" id="{E0B8B8F8-BC5D-4E3A-95B9-0F8D83BE4D6E}"/>
-                </a:ext>
-              </a:extLst>
-            </p:cNvPr>
-            <p:cNvSpPr>
-              <a:spLocks/>
-            </p:cNvSpPr>
-            <p:nvPr/>
-          </p:nvSpPr>
-          <p:spPr bwMode="auto">
-            <a:xfrm>
-              <a:off x="609600" y="5167313"/>
-              <a:ext cx="2078038" cy="1358900"/>
-            </a:xfrm>
-            <a:custGeom>
-              <a:avLst/>
-              <a:gdLst/>
-              <a:ahLst/>
-              <a:cxnLst>
-                <a:cxn ang="0">
-                  <a:pos x="0" y="0"/>
-                </a:cxn>
-                <a:cxn ang="0">
-                  <a:pos x="0" y="856"/>
-                </a:cxn>
-                <a:cxn ang="0">
-                  <a:pos x="1309" y="856"/>
-                </a:cxn>
-                <a:cxn ang="0">
-                  <a:pos x="1309" y="0"/>
-                </a:cxn>
-              </a:cxnLst>
-              <a:rect l="0" t="0" r="r" b="b"/>
-              <a:pathLst>
-                <a:path w="1309" h="856">
-                  <a:moveTo>
-                    <a:pt x="0" y="0"/>
-                  </a:moveTo>
-                  <a:lnTo>
-                    <a:pt x="0" y="856"/>
-                  </a:lnTo>
-                  <a:lnTo>
-                    <a:pt x="1309" y="856"/>
-                  </a:lnTo>
-                  <a:lnTo>
-                    <a:pt x="1309" y="0"/>
-                  </a:lnTo>
-                </a:path>
-              </a:pathLst>
-            </a:custGeom>
-            <a:noFill/>
-            <a:ln w="12700" cap="flat" cmpd="sng">
-              <a:solidFill>
-                <a:schemeClr val="tx1"/>
-              </a:solidFill>
-              <a:prstDash val="solid"/>
-              <a:round/>
-              <a:headEnd type="none" w="lg" len="med"/>
-              <a:tailEnd type="none" w="lg" len="med"/>
-            </a:ln>
-            <a:effectLst/>
-          </p:spPr>
-          <p:txBody>
-            <a:bodyPr wrap="none" anchor="ctr">
-              <a:spAutoFit/>
-            </a:bodyPr>
-            <a:lstStyle/>
-            <a:p>
-              <a:endParaRPr lang="en-US"/>
-            </a:p>
-          </p:txBody>
-        </p:sp>
-        <p:sp>
-          <p:nvSpPr>
-            <p:cNvPr id="45" name="Freeform 22">
-              <a:extLst>
-                <a:ext uri="{FF2B5EF4-FFF2-40B4-BE49-F238E27FC236}">
-                  <a16:creationId xmlns:a16="http://schemas.microsoft.com/office/drawing/2014/main" id="{E0477034-4944-480D-A0C0-9E8582D4FC8E}"/>
-                </a:ext>
-              </a:extLst>
-            </p:cNvPr>
-            <p:cNvSpPr>
-              <a:spLocks/>
-            </p:cNvSpPr>
-            <p:nvPr/>
-          </p:nvSpPr>
-          <p:spPr bwMode="auto">
-            <a:xfrm>
-              <a:off x="609600" y="5776913"/>
-              <a:ext cx="2078038" cy="749300"/>
-            </a:xfrm>
-            <a:custGeom>
-              <a:avLst/>
-              <a:gdLst/>
-              <a:ahLst/>
-              <a:cxnLst>
-                <a:cxn ang="0">
-                  <a:pos x="0" y="0"/>
-                </a:cxn>
-                <a:cxn ang="0">
-                  <a:pos x="0" y="856"/>
-                </a:cxn>
-                <a:cxn ang="0">
-                  <a:pos x="1309" y="856"/>
-                </a:cxn>
-                <a:cxn ang="0">
-                  <a:pos x="1309" y="0"/>
-                </a:cxn>
-              </a:cxnLst>
-              <a:rect l="0" t="0" r="r" b="b"/>
-              <a:pathLst>
-                <a:path w="1309" h="856">
-                  <a:moveTo>
-                    <a:pt x="0" y="0"/>
-                  </a:moveTo>
-                  <a:lnTo>
-                    <a:pt x="0" y="856"/>
-                  </a:lnTo>
-                  <a:lnTo>
-                    <a:pt x="1309" y="856"/>
-                  </a:lnTo>
-                  <a:lnTo>
-                    <a:pt x="1309" y="0"/>
-                  </a:lnTo>
-                </a:path>
-              </a:pathLst>
-            </a:custGeom>
-            <a:solidFill>
-              <a:schemeClr val="hlink"/>
-            </a:solidFill>
-            <a:ln w="12700" cap="flat" cmpd="sng">
-              <a:solidFill>
-                <a:schemeClr val="tx1"/>
-              </a:solidFill>
-              <a:prstDash val="solid"/>
-              <a:round/>
-              <a:headEnd type="none" w="lg" len="med"/>
-              <a:tailEnd type="none" w="lg" len="med"/>
-            </a:ln>
-            <a:effectLst/>
-          </p:spPr>
-          <p:txBody>
-            <a:bodyPr anchor="ctr">
-              <a:spAutoFit/>
-            </a:bodyPr>
-            <a:lstStyle/>
-            <a:p>
-              <a:endParaRPr lang="en-US"/>
-            </a:p>
-          </p:txBody>
-        </p:sp>
-        <p:grpSp>
-          <p:nvGrpSpPr>
-            <p:cNvPr id="46" name="Group 27">
-              <a:extLst>
-                <a:ext uri="{FF2B5EF4-FFF2-40B4-BE49-F238E27FC236}">
-                  <a16:creationId xmlns:a16="http://schemas.microsoft.com/office/drawing/2014/main" id="{A0E2905A-F8D7-43C8-983A-DBF95CB6BF74}"/>
-                </a:ext>
-              </a:extLst>
-            </p:cNvPr>
-            <p:cNvGrpSpPr>
-              <a:grpSpLocks/>
-            </p:cNvGrpSpPr>
-            <p:nvPr/>
-          </p:nvGrpSpPr>
-          <p:grpSpPr bwMode="auto">
-            <a:xfrm>
-              <a:off x="5230813" y="5614988"/>
-              <a:ext cx="631825" cy="871537"/>
-              <a:chOff x="2308" y="3372"/>
-              <a:chExt cx="232" cy="320"/>
-            </a:xfrm>
-          </p:grpSpPr>
-          <p:sp>
-            <p:nvSpPr>
-              <p:cNvPr id="47" name="Oval 28">
-                <a:extLst>
-                  <a:ext uri="{FF2B5EF4-FFF2-40B4-BE49-F238E27FC236}">
-                    <a16:creationId xmlns:a16="http://schemas.microsoft.com/office/drawing/2014/main" id="{C2623302-22F8-45D2-B75A-2C20865D9F22}"/>
-                  </a:ext>
-                </a:extLst>
-              </p:cNvPr>
-              <p:cNvSpPr>
-                <a:spLocks noChangeArrowheads="1"/>
-              </p:cNvSpPr>
-              <p:nvPr/>
-            </p:nvSpPr>
-            <p:spPr bwMode="auto">
-              <a:xfrm>
-                <a:off x="2308" y="3372"/>
-                <a:ext cx="232" cy="232"/>
-              </a:xfrm>
-              <a:prstGeom prst="ellipse">
-                <a:avLst/>
-              </a:prstGeom>
-              <a:solidFill>
-                <a:schemeClr val="accent1"/>
-              </a:solidFill>
-              <a:ln w="12700">
-                <a:solidFill>
-                  <a:schemeClr val="tx1"/>
-                </a:solidFill>
-                <a:round/>
-                <a:headEnd/>
-                <a:tailEnd/>
-              </a:ln>
-              <a:effectLst/>
-            </p:spPr>
-            <p:txBody>
-              <a:bodyPr wrap="none" anchor="ctr"/>
-              <a:lstStyle/>
-              <a:p>
-                <a:endParaRPr lang="en-US"/>
-              </a:p>
-            </p:txBody>
-          </p:sp>
-          <p:sp>
-            <p:nvSpPr>
-              <p:cNvPr id="48" name="AutoShape 29">
-                <a:extLst>
-                  <a:ext uri="{FF2B5EF4-FFF2-40B4-BE49-F238E27FC236}">
-                    <a16:creationId xmlns:a16="http://schemas.microsoft.com/office/drawing/2014/main" id="{53B2BFE2-484C-4B70-9572-A4387F9E0C9D}"/>
-                  </a:ext>
-                </a:extLst>
-              </p:cNvPr>
-              <p:cNvSpPr>
-                <a:spLocks noChangeArrowheads="1"/>
-              </p:cNvSpPr>
-              <p:nvPr/>
-            </p:nvSpPr>
-            <p:spPr bwMode="auto">
-              <a:xfrm flipV="1">
-                <a:off x="2308" y="3604"/>
-                <a:ext cx="232" cy="88"/>
-              </a:xfrm>
-              <a:custGeom>
-                <a:avLst/>
-                <a:gdLst>
-                  <a:gd name="G0" fmla="+- 5399 0 0"/>
-                  <a:gd name="G1" fmla="+- 21600 0 5399"/>
-                  <a:gd name="G2" fmla="*/ 5399 1 2"/>
-                  <a:gd name="G3" fmla="+- 21600 0 G2"/>
-                  <a:gd name="G4" fmla="+/ 5399 21600 2"/>
-                  <a:gd name="G5" fmla="+/ G1 0 2"/>
-                  <a:gd name="G6" fmla="*/ 21600 21600 5399"/>
-                  <a:gd name="G7" fmla="*/ G6 1 2"/>
-                  <a:gd name="G8" fmla="+- 21600 0 G7"/>
-                  <a:gd name="G9" fmla="*/ 21600 1 2"/>
-                  <a:gd name="G10" fmla="+- 5399 0 G9"/>
-                  <a:gd name="G11" fmla="?: G10 G8 0"/>
-                  <a:gd name="G12" fmla="?: G10 G7 21600"/>
-                  <a:gd name="T0" fmla="*/ 18900 w 21600"/>
-                  <a:gd name="T1" fmla="*/ 10800 h 21600"/>
-                  <a:gd name="T2" fmla="*/ 10800 w 21600"/>
-                  <a:gd name="T3" fmla="*/ 21600 h 21600"/>
-                  <a:gd name="T4" fmla="*/ 2700 w 21600"/>
-                  <a:gd name="T5" fmla="*/ 10800 h 21600"/>
-                  <a:gd name="T6" fmla="*/ 10800 w 21600"/>
-                  <a:gd name="T7" fmla="*/ 0 h 21600"/>
-                  <a:gd name="T8" fmla="*/ 4500 w 21600"/>
-                  <a:gd name="T9" fmla="*/ 4500 h 21600"/>
-                  <a:gd name="T10" fmla="*/ 17100 w 21600"/>
-                  <a:gd name="T11" fmla="*/ 17100 h 21600"/>
-                </a:gdLst>
-                <a:ahLst/>
-                <a:cxnLst>
-                  <a:cxn ang="0">
-                    <a:pos x="T0" y="T1"/>
-                  </a:cxn>
-                  <a:cxn ang="0">
-                    <a:pos x="T2" y="T3"/>
-                  </a:cxn>
-                  <a:cxn ang="0">
-                    <a:pos x="T4" y="T5"/>
-                  </a:cxn>
-                  <a:cxn ang="0">
-                    <a:pos x="T6" y="T7"/>
-                  </a:cxn>
-                </a:cxnLst>
-                <a:rect l="T8" t="T9" r="T10" b="T11"/>
-                <a:pathLst>
-                  <a:path w="21600" h="21600">
-                    <a:moveTo>
-                      <a:pt x="0" y="0"/>
-                    </a:moveTo>
-                    <a:lnTo>
-                      <a:pt x="5399" y="21600"/>
-                    </a:lnTo>
-                    <a:lnTo>
-                      <a:pt x="16201" y="21600"/>
-                    </a:lnTo>
-                    <a:lnTo>
-                      <a:pt x="21600" y="0"/>
-                    </a:lnTo>
-                    <a:close/>
-                  </a:path>
-                </a:pathLst>
-              </a:custGeom>
-              <a:solidFill>
-                <a:schemeClr val="accent1"/>
-              </a:solidFill>
-              <a:ln w="12700">
-                <a:solidFill>
-                  <a:schemeClr val="tx1"/>
-                </a:solidFill>
-                <a:miter lim="800000"/>
-                <a:headEnd/>
-                <a:tailEnd/>
-              </a:ln>
-              <a:effectLst/>
-            </p:spPr>
-            <p:txBody>
-              <a:bodyPr wrap="none" anchor="ctr"/>
-              <a:lstStyle/>
-              <a:p>
-                <a:endParaRPr lang="en-US"/>
-              </a:p>
-            </p:txBody>
-          </p:sp>
-        </p:grpSp>
-        <p:grpSp>
-          <p:nvGrpSpPr>
-            <p:cNvPr id="49" name="Group 31">
-              <a:extLst>
-                <a:ext uri="{FF2B5EF4-FFF2-40B4-BE49-F238E27FC236}">
-                  <a16:creationId xmlns:a16="http://schemas.microsoft.com/office/drawing/2014/main" id="{E23D5A23-8B74-42DF-91EB-6E3506B2727F}"/>
-                </a:ext>
-              </a:extLst>
-            </p:cNvPr>
-            <p:cNvGrpSpPr>
-              <a:grpSpLocks/>
-            </p:cNvGrpSpPr>
-            <p:nvPr/>
-          </p:nvGrpSpPr>
-          <p:grpSpPr bwMode="auto">
-            <a:xfrm rot="5400000">
-              <a:off x="4606926" y="5075237"/>
-              <a:ext cx="158750" cy="1781175"/>
-              <a:chOff x="3663" y="2007"/>
-              <a:chExt cx="144" cy="1488"/>
-            </a:xfrm>
-          </p:grpSpPr>
-          <p:sp>
-            <p:nvSpPr>
-              <p:cNvPr id="57" name="Rectangle 32">
-                <a:extLst>
-                  <a:ext uri="{FF2B5EF4-FFF2-40B4-BE49-F238E27FC236}">
-                    <a16:creationId xmlns:a16="http://schemas.microsoft.com/office/drawing/2014/main" id="{86A4452B-4046-4B34-961B-33820C8F2D05}"/>
-                  </a:ext>
-                </a:extLst>
-              </p:cNvPr>
-              <p:cNvSpPr>
-                <a:spLocks noChangeArrowheads="1"/>
-              </p:cNvSpPr>
-              <p:nvPr/>
-            </p:nvSpPr>
-            <p:spPr bwMode="auto">
-              <a:xfrm>
-                <a:off x="3674" y="2009"/>
-                <a:ext cx="133" cy="1486"/>
-              </a:xfrm>
-              <a:prstGeom prst="rect">
-                <a:avLst/>
-              </a:prstGeom>
-              <a:solidFill>
-                <a:schemeClr val="hlink"/>
-              </a:solidFill>
-              <a:ln w="12700">
-                <a:noFill/>
-                <a:miter lim="800000"/>
-                <a:headEnd type="none" w="lg" len="med"/>
-                <a:tailEnd type="none" w="lg" len="med"/>
-              </a:ln>
-              <a:effectLst/>
-            </p:spPr>
-            <p:txBody>
-              <a:bodyPr anchor="ctr">
-                <a:spAutoFit/>
-              </a:bodyPr>
-              <a:lstStyle/>
-              <a:p>
-                <a:endParaRPr lang="en-US"/>
-              </a:p>
-            </p:txBody>
-          </p:sp>
-          <p:sp>
-            <p:nvSpPr>
-              <p:cNvPr id="61" name="Line 33">
-                <a:extLst>
-                  <a:ext uri="{FF2B5EF4-FFF2-40B4-BE49-F238E27FC236}">
-                    <a16:creationId xmlns:a16="http://schemas.microsoft.com/office/drawing/2014/main" id="{F3B8A870-6E34-4F0B-B87B-FC02452698D7}"/>
-                  </a:ext>
-                </a:extLst>
-              </p:cNvPr>
-              <p:cNvSpPr>
-                <a:spLocks noChangeShapeType="1"/>
-              </p:cNvSpPr>
-              <p:nvPr/>
-            </p:nvSpPr>
-            <p:spPr bwMode="auto">
-              <a:xfrm>
-                <a:off x="3663" y="2007"/>
-                <a:ext cx="0" cy="1474"/>
-              </a:xfrm>
-              <a:prstGeom prst="line">
-                <a:avLst/>
-              </a:prstGeom>
-              <a:noFill/>
-              <a:ln w="38100">
-                <a:solidFill>
-                  <a:schemeClr val="tx1"/>
-                </a:solidFill>
-                <a:round/>
-                <a:headEnd type="none" w="lg" len="med"/>
-                <a:tailEnd type="none" w="lg" len="med"/>
-              </a:ln>
-              <a:effectLst/>
-            </p:spPr>
-            <p:txBody>
-              <a:bodyPr wrap="none" anchor="ctr">
-                <a:spAutoFit/>
-              </a:bodyPr>
-              <a:lstStyle/>
-              <a:p>
-                <a:endParaRPr lang="en-US"/>
-              </a:p>
-            </p:txBody>
-          </p:sp>
-          <p:sp>
-            <p:nvSpPr>
-              <p:cNvPr id="62" name="Line 34">
-                <a:extLst>
-                  <a:ext uri="{FF2B5EF4-FFF2-40B4-BE49-F238E27FC236}">
-                    <a16:creationId xmlns:a16="http://schemas.microsoft.com/office/drawing/2014/main" id="{8437025E-B736-4781-BAD2-2B67C15FDE04}"/>
-                  </a:ext>
-                </a:extLst>
-              </p:cNvPr>
-              <p:cNvSpPr>
-                <a:spLocks noChangeShapeType="1"/>
-              </p:cNvSpPr>
-              <p:nvPr/>
-            </p:nvSpPr>
-            <p:spPr bwMode="auto">
-              <a:xfrm>
-                <a:off x="3807" y="2007"/>
-                <a:ext cx="0" cy="1474"/>
-              </a:xfrm>
-              <a:prstGeom prst="line">
-                <a:avLst/>
-              </a:prstGeom>
-              <a:noFill/>
-              <a:ln w="38100">
-                <a:solidFill>
-                  <a:schemeClr val="tx1"/>
-                </a:solidFill>
-                <a:round/>
-                <a:headEnd type="none" w="lg" len="med"/>
-                <a:tailEnd type="none" w="lg" len="med"/>
-              </a:ln>
-              <a:effectLst/>
-            </p:spPr>
-            <p:txBody>
-              <a:bodyPr wrap="none" anchor="ctr">
-                <a:spAutoFit/>
-              </a:bodyPr>
-              <a:lstStyle/>
-              <a:p>
-                <a:endParaRPr lang="en-US"/>
-              </a:p>
-            </p:txBody>
-          </p:sp>
-          <p:sp>
-            <p:nvSpPr>
-              <p:cNvPr id="63" name="Line 35">
-                <a:extLst>
-                  <a:ext uri="{FF2B5EF4-FFF2-40B4-BE49-F238E27FC236}">
-                    <a16:creationId xmlns:a16="http://schemas.microsoft.com/office/drawing/2014/main" id="{51DC1F68-57DF-406A-B6EA-CB5FDF547D38}"/>
-                  </a:ext>
-                </a:extLst>
-              </p:cNvPr>
-              <p:cNvSpPr>
-                <a:spLocks noChangeShapeType="1"/>
-              </p:cNvSpPr>
-              <p:nvPr/>
-            </p:nvSpPr>
-            <p:spPr bwMode="auto">
-              <a:xfrm flipV="1">
-                <a:off x="3741" y="2871"/>
-                <a:ext cx="0" cy="384"/>
-              </a:xfrm>
-              <a:prstGeom prst="line">
-                <a:avLst/>
-              </a:prstGeom>
-              <a:noFill/>
-              <a:ln w="12700">
-                <a:solidFill>
-                  <a:schemeClr val="tx1"/>
-                </a:solidFill>
-                <a:round/>
-                <a:headEnd type="none" w="lg" len="med"/>
-                <a:tailEnd type="triangle" w="lg" len="med"/>
-              </a:ln>
-              <a:effectLst/>
-            </p:spPr>
-            <p:txBody>
-              <a:bodyPr wrap="none" anchor="ctr">
-                <a:spAutoFit/>
-              </a:bodyPr>
-              <a:lstStyle/>
-              <a:p>
-                <a:endParaRPr lang="en-US"/>
-              </a:p>
-            </p:txBody>
-          </p:sp>
-        </p:grpSp>
-        <p:sp>
-          <p:nvSpPr>
-            <p:cNvPr id="64" name="Freeform 25">
-              <a:extLst>
-                <a:ext uri="{FF2B5EF4-FFF2-40B4-BE49-F238E27FC236}">
-                  <a16:creationId xmlns:a16="http://schemas.microsoft.com/office/drawing/2014/main" id="{E2082270-1F22-4A40-908C-E453F3BE7498}"/>
-                </a:ext>
-              </a:extLst>
-            </p:cNvPr>
-            <p:cNvSpPr>
-              <a:spLocks/>
-            </p:cNvSpPr>
-            <p:nvPr/>
-          </p:nvSpPr>
-          <p:spPr bwMode="auto">
-            <a:xfrm>
-              <a:off x="2971800" y="5167313"/>
-              <a:ext cx="2078038" cy="1358900"/>
-            </a:xfrm>
-            <a:custGeom>
-              <a:avLst/>
-              <a:gdLst/>
-              <a:ahLst/>
-              <a:cxnLst>
-                <a:cxn ang="0">
-                  <a:pos x="0" y="0"/>
-                </a:cxn>
-                <a:cxn ang="0">
-                  <a:pos x="0" y="856"/>
-                </a:cxn>
-                <a:cxn ang="0">
-                  <a:pos x="1309" y="856"/>
-                </a:cxn>
-                <a:cxn ang="0">
-                  <a:pos x="1309" y="0"/>
-                </a:cxn>
-              </a:cxnLst>
-              <a:rect l="0" t="0" r="r" b="b"/>
-              <a:pathLst>
-                <a:path w="1309" h="856">
-                  <a:moveTo>
-                    <a:pt x="0" y="0"/>
-                  </a:moveTo>
-                  <a:lnTo>
-                    <a:pt x="0" y="856"/>
-                  </a:lnTo>
-                  <a:lnTo>
-                    <a:pt x="1309" y="856"/>
-                  </a:lnTo>
-                  <a:lnTo>
-                    <a:pt x="1309" y="0"/>
-                  </a:lnTo>
-                </a:path>
-              </a:pathLst>
-            </a:custGeom>
-            <a:noFill/>
-            <a:ln w="12700" cap="flat" cmpd="sng">
-              <a:solidFill>
-                <a:schemeClr val="tx1"/>
-              </a:solidFill>
-              <a:prstDash val="solid"/>
-              <a:round/>
-              <a:headEnd type="none" w="lg" len="med"/>
-              <a:tailEnd type="none" w="lg" len="med"/>
-            </a:ln>
-            <a:effectLst/>
-          </p:spPr>
-          <p:txBody>
-            <a:bodyPr wrap="none" anchor="ctr">
-              <a:spAutoFit/>
-            </a:bodyPr>
-            <a:lstStyle/>
-            <a:p>
-              <a:endParaRPr lang="en-US"/>
-            </a:p>
-          </p:txBody>
-        </p:sp>
-        <p:sp>
-          <p:nvSpPr>
-            <p:cNvPr id="65" name="Freeform 26">
-              <a:extLst>
-                <a:ext uri="{FF2B5EF4-FFF2-40B4-BE49-F238E27FC236}">
-                  <a16:creationId xmlns:a16="http://schemas.microsoft.com/office/drawing/2014/main" id="{5E4568B4-6CD4-40E9-8437-FC9D334434F1}"/>
-                </a:ext>
-              </a:extLst>
-            </p:cNvPr>
-            <p:cNvSpPr>
-              <a:spLocks/>
-            </p:cNvSpPr>
-            <p:nvPr/>
-          </p:nvSpPr>
-          <p:spPr bwMode="auto">
-            <a:xfrm>
-              <a:off x="2971800" y="5776913"/>
-              <a:ext cx="2078038" cy="749300"/>
-            </a:xfrm>
-            <a:custGeom>
-              <a:avLst/>
-              <a:gdLst/>
-              <a:ahLst/>
-              <a:cxnLst>
-                <a:cxn ang="0">
-                  <a:pos x="0" y="0"/>
-                </a:cxn>
-                <a:cxn ang="0">
-                  <a:pos x="0" y="856"/>
-                </a:cxn>
-                <a:cxn ang="0">
-                  <a:pos x="1309" y="856"/>
-                </a:cxn>
-                <a:cxn ang="0">
-                  <a:pos x="1309" y="0"/>
-                </a:cxn>
-              </a:cxnLst>
-              <a:rect l="0" t="0" r="r" b="b"/>
-              <a:pathLst>
-                <a:path w="1309" h="856">
-                  <a:moveTo>
-                    <a:pt x="0" y="0"/>
-                  </a:moveTo>
-                  <a:lnTo>
-                    <a:pt x="0" y="856"/>
-                  </a:lnTo>
-                  <a:lnTo>
-                    <a:pt x="1309" y="856"/>
-                  </a:lnTo>
-                  <a:lnTo>
-                    <a:pt x="1309" y="0"/>
-                  </a:lnTo>
-                </a:path>
-              </a:pathLst>
-            </a:custGeom>
-            <a:solidFill>
-              <a:schemeClr val="hlink"/>
-            </a:solidFill>
-            <a:ln w="12700" cap="flat" cmpd="sng">
-              <a:solidFill>
-                <a:schemeClr val="tx1"/>
-              </a:solidFill>
-              <a:prstDash val="solid"/>
-              <a:round/>
-              <a:headEnd type="none" w="lg" len="med"/>
-              <a:tailEnd type="none" w="lg" len="med"/>
-            </a:ln>
-            <a:effectLst/>
-          </p:spPr>
-          <p:txBody>
-            <a:bodyPr anchor="ctr">
-              <a:spAutoFit/>
-            </a:bodyPr>
-            <a:lstStyle/>
-            <a:p>
-              <a:endParaRPr lang="en-US"/>
-            </a:p>
-          </p:txBody>
-        </p:sp>
-        <p:sp>
-          <p:nvSpPr>
-            <p:cNvPr id="66" name="Freeform 36">
-              <a:extLst>
-                <a:ext uri="{FF2B5EF4-FFF2-40B4-BE49-F238E27FC236}">
-                  <a16:creationId xmlns:a16="http://schemas.microsoft.com/office/drawing/2014/main" id="{181E441F-D912-4DCD-847C-AD33A17F473D}"/>
-                </a:ext>
-              </a:extLst>
-            </p:cNvPr>
-            <p:cNvSpPr>
-              <a:spLocks/>
-            </p:cNvSpPr>
-            <p:nvPr/>
-          </p:nvSpPr>
-          <p:spPr bwMode="auto">
-            <a:xfrm>
-              <a:off x="3786188" y="2065338"/>
-              <a:ext cx="117475" cy="4535487"/>
-            </a:xfrm>
-            <a:custGeom>
-              <a:avLst/>
-              <a:gdLst/>
-              <a:ahLst/>
-              <a:cxnLst>
-                <a:cxn ang="0">
-                  <a:pos x="74" y="56"/>
-                </a:cxn>
-                <a:cxn ang="0">
-                  <a:pos x="15" y="187"/>
-                </a:cxn>
-                <a:cxn ang="0">
-                  <a:pos x="6" y="2474"/>
-                </a:cxn>
-                <a:cxn ang="0">
-                  <a:pos x="50" y="2483"/>
-                </a:cxn>
-                <a:cxn ang="0">
-                  <a:pos x="59" y="1549"/>
-                </a:cxn>
-                <a:cxn ang="0">
-                  <a:pos x="50" y="100"/>
-                </a:cxn>
-              </a:cxnLst>
-              <a:rect l="0" t="0" r="r" b="b"/>
-              <a:pathLst>
-                <a:path w="74" h="2857">
-                  <a:moveTo>
-                    <a:pt x="74" y="56"/>
-                  </a:moveTo>
-                  <a:cubicBezTo>
-                    <a:pt x="64" y="78"/>
-                    <a:pt x="14" y="0"/>
-                    <a:pt x="15" y="187"/>
-                  </a:cubicBezTo>
-                  <a:cubicBezTo>
-                    <a:pt x="16" y="374"/>
-                    <a:pt x="0" y="2091"/>
-                    <a:pt x="6" y="2474"/>
-                  </a:cubicBezTo>
-                  <a:cubicBezTo>
-                    <a:pt x="12" y="2857"/>
-                    <a:pt x="41" y="2637"/>
-                    <a:pt x="50" y="2483"/>
-                  </a:cubicBezTo>
-                  <a:cubicBezTo>
-                    <a:pt x="59" y="2329"/>
-                    <a:pt x="59" y="1946"/>
-                    <a:pt x="59" y="1549"/>
-                  </a:cubicBezTo>
-                  <a:cubicBezTo>
-                    <a:pt x="59" y="1152"/>
-                    <a:pt x="58" y="626"/>
-                    <a:pt x="50" y="100"/>
-                  </a:cubicBezTo>
-                </a:path>
-              </a:pathLst>
-            </a:custGeom>
-            <a:solidFill>
-              <a:schemeClr val="hlink"/>
-            </a:solidFill>
-            <a:ln w="12700" cap="flat" cmpd="sng">
-              <a:noFill/>
-              <a:prstDash val="solid"/>
-              <a:round/>
-              <a:headEnd type="none" w="lg" len="med"/>
-              <a:tailEnd type="none" w="lg" len="med"/>
-            </a:ln>
-            <a:effectLst/>
-          </p:spPr>
-          <p:txBody>
-            <a:bodyPr wrap="none" anchor="ctr">
-              <a:spAutoFit/>
-            </a:bodyPr>
-            <a:lstStyle/>
-            <a:p>
-              <a:endParaRPr lang="en-US"/>
-            </a:p>
-          </p:txBody>
-        </p:sp>
-        <p:sp>
-          <p:nvSpPr>
-            <p:cNvPr id="67" name="Oval 5">
-              <a:extLst>
-                <a:ext uri="{FF2B5EF4-FFF2-40B4-BE49-F238E27FC236}">
-                  <a16:creationId xmlns:a16="http://schemas.microsoft.com/office/drawing/2014/main" id="{9399AD9D-705D-4CA9-8C08-4A0DB15DB463}"/>
-                </a:ext>
-              </a:extLst>
-            </p:cNvPr>
-            <p:cNvSpPr>
-              <a:spLocks noChangeArrowheads="1"/>
-            </p:cNvSpPr>
-            <p:nvPr/>
-          </p:nvSpPr>
-          <p:spPr bwMode="auto">
-            <a:xfrm>
-              <a:off x="1419225" y="3033713"/>
-              <a:ext cx="341313" cy="341312"/>
-            </a:xfrm>
-            <a:prstGeom prst="ellipse">
-              <a:avLst/>
-            </a:prstGeom>
-            <a:solidFill>
-              <a:schemeClr val="hlink"/>
-            </a:solidFill>
-            <a:ln w="12700">
-              <a:noFill/>
-              <a:round/>
-              <a:headEnd type="none" w="lg" len="med"/>
-              <a:tailEnd type="none" w="lg" len="med"/>
-            </a:ln>
-            <a:effectLst/>
-          </p:spPr>
-          <p:txBody>
-            <a:bodyPr anchor="ctr">
-              <a:spAutoFit/>
-            </a:bodyPr>
-            <a:lstStyle/>
-            <a:p>
-              <a:endParaRPr lang="en-US"/>
-            </a:p>
-          </p:txBody>
-        </p:sp>
-        <p:grpSp>
-          <p:nvGrpSpPr>
-            <p:cNvPr id="72" name="Group 48">
-              <a:extLst>
-                <a:ext uri="{FF2B5EF4-FFF2-40B4-BE49-F238E27FC236}">
-                  <a16:creationId xmlns:a16="http://schemas.microsoft.com/office/drawing/2014/main" id="{B3058D45-D64D-4080-9679-601329DC15CA}"/>
-                </a:ext>
-              </a:extLst>
-            </p:cNvPr>
-            <p:cNvGrpSpPr>
-              <a:grpSpLocks/>
-            </p:cNvGrpSpPr>
-            <p:nvPr/>
-          </p:nvGrpSpPr>
-          <p:grpSpPr bwMode="auto">
-            <a:xfrm>
-              <a:off x="166688" y="2147888"/>
-              <a:ext cx="747712" cy="1093787"/>
-              <a:chOff x="105" y="1353"/>
-              <a:chExt cx="471" cy="689"/>
-            </a:xfrm>
-          </p:grpSpPr>
-          <p:sp>
-            <p:nvSpPr>
-              <p:cNvPr id="77" name="Line 43">
-                <a:extLst>
-                  <a:ext uri="{FF2B5EF4-FFF2-40B4-BE49-F238E27FC236}">
-                    <a16:creationId xmlns:a16="http://schemas.microsoft.com/office/drawing/2014/main" id="{C47BA9D3-18C0-45F5-A24D-43A0AA2BB400}"/>
-                  </a:ext>
-                </a:extLst>
-              </p:cNvPr>
-              <p:cNvSpPr>
-                <a:spLocks noChangeShapeType="1"/>
-              </p:cNvSpPr>
-              <p:nvPr/>
-            </p:nvSpPr>
-            <p:spPr bwMode="auto">
-              <a:xfrm flipH="1">
-                <a:off x="105" y="1353"/>
-                <a:ext cx="471" cy="0"/>
-              </a:xfrm>
-              <a:prstGeom prst="line">
-                <a:avLst/>
-              </a:prstGeom>
-              <a:noFill/>
-              <a:ln w="12700">
-                <a:solidFill>
-                  <a:schemeClr val="tx1"/>
-                </a:solidFill>
-                <a:round/>
-                <a:headEnd type="none" w="lg" len="med"/>
-                <a:tailEnd type="none" w="lg" len="med"/>
-              </a:ln>
-              <a:effectLst/>
-            </p:spPr>
-            <p:txBody>
-              <a:bodyPr wrap="none" anchor="ctr">
-                <a:spAutoFit/>
-              </a:bodyPr>
-              <a:lstStyle/>
-              <a:p>
-                <a:endParaRPr lang="en-US"/>
-              </a:p>
-            </p:txBody>
-          </p:sp>
-          <p:sp>
-            <p:nvSpPr>
-              <p:cNvPr id="78" name="Line 44">
-                <a:extLst>
-                  <a:ext uri="{FF2B5EF4-FFF2-40B4-BE49-F238E27FC236}">
-                    <a16:creationId xmlns:a16="http://schemas.microsoft.com/office/drawing/2014/main" id="{F025C81E-7D00-4DE0-9299-EC4B38E8E1B5}"/>
-                  </a:ext>
-                </a:extLst>
-              </p:cNvPr>
-              <p:cNvSpPr>
-                <a:spLocks noChangeShapeType="1"/>
-              </p:cNvSpPr>
-              <p:nvPr/>
-            </p:nvSpPr>
-            <p:spPr bwMode="auto">
-              <a:xfrm flipH="1">
-                <a:off x="105" y="2042"/>
-                <a:ext cx="471" cy="0"/>
-              </a:xfrm>
-              <a:prstGeom prst="line">
-                <a:avLst/>
-              </a:prstGeom>
-              <a:noFill/>
-              <a:ln w="12700">
-                <a:solidFill>
-                  <a:schemeClr val="tx1"/>
-                </a:solidFill>
-                <a:round/>
-                <a:headEnd type="none" w="lg" len="med"/>
-                <a:tailEnd type="none" w="lg" len="med"/>
-              </a:ln>
-              <a:effectLst/>
-            </p:spPr>
-            <p:txBody>
-              <a:bodyPr wrap="none" anchor="ctr">
-                <a:spAutoFit/>
-              </a:bodyPr>
-              <a:lstStyle/>
-              <a:p>
-                <a:endParaRPr lang="en-US"/>
-              </a:p>
-            </p:txBody>
-          </p:sp>
-          <p:sp>
-            <p:nvSpPr>
-              <p:cNvPr id="79" name="Line 45">
-                <a:extLst>
-                  <a:ext uri="{FF2B5EF4-FFF2-40B4-BE49-F238E27FC236}">
-                    <a16:creationId xmlns:a16="http://schemas.microsoft.com/office/drawing/2014/main" id="{035E9A87-6C7F-4A86-BD28-B33E46D4A991}"/>
-                  </a:ext>
-                </a:extLst>
-              </p:cNvPr>
-              <p:cNvSpPr>
-                <a:spLocks noChangeShapeType="1"/>
-              </p:cNvSpPr>
-              <p:nvPr/>
-            </p:nvSpPr>
-            <p:spPr bwMode="auto">
-              <a:xfrm flipV="1">
-                <a:off x="297" y="1353"/>
-                <a:ext cx="0" cy="680"/>
-              </a:xfrm>
-              <a:prstGeom prst="line">
-                <a:avLst/>
-              </a:prstGeom>
-              <a:noFill/>
-              <a:ln w="12700">
-                <a:solidFill>
-                  <a:schemeClr val="tx1"/>
-                </a:solidFill>
-                <a:round/>
-                <a:headEnd type="triangle" w="lg" len="med"/>
-                <a:tailEnd type="triangle" w="lg" len="med"/>
-              </a:ln>
-              <a:effectLst/>
-            </p:spPr>
-            <p:txBody>
-              <a:bodyPr wrap="none" anchor="ctr">
-                <a:spAutoFit/>
-              </a:bodyPr>
-              <a:lstStyle/>
-              <a:p>
-                <a:endParaRPr lang="en-US"/>
-              </a:p>
-            </p:txBody>
-          </p:sp>
-        </p:grpSp>
-        <p:pic>
-          <p:nvPicPr>
-            <p:cNvPr id="7" name="Picture 6">
-              <a:extLst>
-                <a:ext uri="{FF2B5EF4-FFF2-40B4-BE49-F238E27FC236}">
-                  <a16:creationId xmlns:a16="http://schemas.microsoft.com/office/drawing/2014/main" id="{E71175AA-FE09-4AE4-8E34-E58F7D6CA1D1}"/>
-                </a:ext>
-              </a:extLst>
-            </p:cNvPr>
-            <p:cNvPicPr>
-              <a:picLocks noChangeAspect="1"/>
-            </p:cNvPicPr>
-            <p:nvPr>
-              <p:custDataLst>
-                <p:tags r:id="rId1"/>
-              </p:custDataLst>
-            </p:nvPr>
-          </p:nvPicPr>
-          <p:blipFill>
-            <a:blip r:embed="rId3">
-              <a:extLst>
-                <a:ext uri="{28A0092B-C50C-407E-A947-70E740481C1C}">
-                  <a14:useLocalDpi xmlns:a14="http://schemas.microsoft.com/office/drawing/2010/main" val="0"/>
-                </a:ext>
-              </a:extLst>
-            </a:blip>
-            <a:stretch>
-              <a:fillRect/>
-            </a:stretch>
-          </p:blipFill>
-          <p:spPr>
-            <a:xfrm>
-              <a:off x="261716" y="2503257"/>
-              <a:ext cx="338286" cy="184381"/>
-            </a:xfrm>
-            <a:prstGeom prst="rect">
-              <a:avLst/>
-            </a:prstGeom>
-            <a:solidFill>
-              <a:schemeClr val="bg1"/>
-            </a:solidFill>
-          </p:spPr>
-        </p:pic>
-        <p:sp>
-          <p:nvSpPr>
-            <p:cNvPr id="85" name="Text Box 2448">
-              <a:extLst>
-                <a:ext uri="{FF2B5EF4-FFF2-40B4-BE49-F238E27FC236}">
-                  <a16:creationId xmlns:a16="http://schemas.microsoft.com/office/drawing/2014/main" id="{FD7123F0-A8C5-484F-87FA-964A8D592DCE}"/>
-                </a:ext>
-              </a:extLst>
-            </p:cNvPr>
-            <p:cNvSpPr txBox="1">
-              <a:spLocks noChangeArrowheads="1"/>
-            </p:cNvSpPr>
-            <p:nvPr/>
-          </p:nvSpPr>
-          <p:spPr bwMode="auto">
-            <a:xfrm>
-              <a:off x="5680480" y="5951508"/>
-              <a:ext cx="1214319" cy="400110"/>
-            </a:xfrm>
-            <a:prstGeom prst="rect">
-              <a:avLst/>
-            </a:prstGeom>
-            <a:noFill/>
-            <a:ln w="12700">
-              <a:noFill/>
-              <a:miter lim="800000"/>
-              <a:headEnd type="none" w="lg" len="med"/>
-              <a:tailEnd type="none" w="lg" len="med"/>
-            </a:ln>
-            <a:effectLst/>
-          </p:spPr>
-          <p:txBody>
-            <a:bodyPr>
-              <a:spAutoFit/>
-            </a:bodyPr>
-            <a:lstStyle/>
-            <a:p>
-              <a:pPr algn="ctr"/>
-              <a:r>
-                <a:rPr lang="en-US" sz="2000" dirty="0">
-                  <a:latin typeface="Times New Roman" panose="02020603050405020304" pitchFamily="18" charset="0"/>
-                  <a:cs typeface="Times New Roman" panose="02020603050405020304" pitchFamily="18" charset="0"/>
-                </a:rPr>
-                <a:t>Pump</a:t>
-              </a:r>
-            </a:p>
-          </p:txBody>
-        </p:sp>
-        <p:sp>
-          <p:nvSpPr>
-            <p:cNvPr id="87" name="Left Brace 86">
-              <a:extLst>
-                <a:ext uri="{FF2B5EF4-FFF2-40B4-BE49-F238E27FC236}">
-                  <a16:creationId xmlns:a16="http://schemas.microsoft.com/office/drawing/2014/main" id="{90DCA8FE-FC87-49CF-8A41-E754C33CEAE4}"/>
-                </a:ext>
-              </a:extLst>
-            </p:cNvPr>
-            <p:cNvSpPr/>
-            <p:nvPr/>
-          </p:nvSpPr>
-          <p:spPr>
-            <a:xfrm rot="10800000">
-              <a:off x="6767119" y="1890712"/>
-              <a:ext cx="337767" cy="1360486"/>
-            </a:xfrm>
-            <a:prstGeom prst="leftBrace">
-              <a:avLst>
-                <a:gd name="adj1" fmla="val 32109"/>
-                <a:gd name="adj2" fmla="val 49563"/>
-              </a:avLst>
-            </a:prstGeom>
-            <a:ln w="28575">
-              <a:solidFill>
-                <a:schemeClr val="tx1"/>
-              </a:solidFill>
-            </a:ln>
-          </p:spPr>
-          <p:style>
-            <a:lnRef idx="1">
-              <a:schemeClr val="accent1"/>
-            </a:lnRef>
-            <a:fillRef idx="0">
-              <a:schemeClr val="accent1"/>
-            </a:fillRef>
-            <a:effectRef idx="0">
-              <a:schemeClr val="accent1"/>
-            </a:effectRef>
-            <a:fontRef idx="minor">
-              <a:schemeClr val="tx1"/>
-            </a:fontRef>
-          </p:style>
-          <p:txBody>
-            <a:bodyPr rtlCol="0" anchor="ctr"/>
-            <a:lstStyle/>
-            <a:p>
-              <a:pPr algn="ctr"/>
-              <a:endParaRPr lang="en-US" dirty="0"/>
-            </a:p>
-          </p:txBody>
-        </p:sp>
-        <p:sp>
-          <p:nvSpPr>
-            <p:cNvPr id="88" name="Text Box 2448">
-              <a:extLst>
-                <a:ext uri="{FF2B5EF4-FFF2-40B4-BE49-F238E27FC236}">
-                  <a16:creationId xmlns:a16="http://schemas.microsoft.com/office/drawing/2014/main" id="{877D2C1E-88CC-4F60-85B6-4483039C0E2A}"/>
-                </a:ext>
-              </a:extLst>
-            </p:cNvPr>
-            <p:cNvSpPr txBox="1">
-              <a:spLocks noChangeArrowheads="1"/>
-            </p:cNvSpPr>
-            <p:nvPr/>
-          </p:nvSpPr>
-          <p:spPr bwMode="auto">
-            <a:xfrm>
-              <a:off x="7105826" y="2160588"/>
-              <a:ext cx="1214319" cy="707886"/>
-            </a:xfrm>
-            <a:prstGeom prst="rect">
-              <a:avLst/>
-            </a:prstGeom>
-            <a:noFill/>
-            <a:ln w="12700">
-              <a:noFill/>
-              <a:miter lim="800000"/>
-              <a:headEnd type="none" w="lg" len="med"/>
-              <a:tailEnd type="none" w="lg" len="med"/>
-            </a:ln>
-            <a:effectLst/>
-          </p:spPr>
-          <p:txBody>
-            <a:bodyPr>
-              <a:spAutoFit/>
-            </a:bodyPr>
-            <a:lstStyle/>
-            <a:p>
-              <a:pPr algn="ctr"/>
-              <a:r>
-                <a:rPr lang="en-US" sz="2000" dirty="0">
-                  <a:latin typeface="Times New Roman" panose="02020603050405020304" pitchFamily="18" charset="0"/>
-                  <a:cs typeface="Times New Roman" panose="02020603050405020304" pitchFamily="18" charset="0"/>
-                </a:rPr>
-                <a:t>Overhead Tank</a:t>
-              </a:r>
-            </a:p>
-          </p:txBody>
-        </p:sp>
-        <p:sp>
-          <p:nvSpPr>
-            <p:cNvPr id="100" name="Text Box 2448">
-              <a:extLst>
-                <a:ext uri="{FF2B5EF4-FFF2-40B4-BE49-F238E27FC236}">
-                  <a16:creationId xmlns:a16="http://schemas.microsoft.com/office/drawing/2014/main" id="{2289FC86-9B52-473A-BF61-5327FEA8CD5F}"/>
-                </a:ext>
-              </a:extLst>
-            </p:cNvPr>
-            <p:cNvSpPr txBox="1">
-              <a:spLocks noChangeArrowheads="1"/>
-            </p:cNvSpPr>
-            <p:nvPr/>
-          </p:nvSpPr>
-          <p:spPr bwMode="auto">
-            <a:xfrm>
-              <a:off x="842305" y="3325157"/>
-              <a:ext cx="1457207" cy="707886"/>
-            </a:xfrm>
-            <a:prstGeom prst="rect">
-              <a:avLst/>
-            </a:prstGeom>
-            <a:noFill/>
-            <a:ln w="12700">
-              <a:noFill/>
-              <a:miter lim="800000"/>
-              <a:headEnd type="none" w="lg" len="med"/>
-              <a:tailEnd type="none" w="lg" len="med"/>
-            </a:ln>
-            <a:effectLst/>
-          </p:spPr>
-          <p:txBody>
-            <a:bodyPr wrap="square">
-              <a:spAutoFit/>
-            </a:bodyPr>
-            <a:lstStyle/>
-            <a:p>
-              <a:pPr algn="ctr"/>
-              <a:r>
-                <a:rPr lang="en-US" sz="2000" dirty="0">
-                  <a:latin typeface="Times New Roman" panose="02020603050405020304" pitchFamily="18" charset="0"/>
-                  <a:cs typeface="Times New Roman" panose="02020603050405020304" pitchFamily="18" charset="0"/>
-                </a:rPr>
-                <a:t>Constant head orifice</a:t>
-              </a:r>
-            </a:p>
-          </p:txBody>
-        </p:sp>
-        <p:sp>
-          <p:nvSpPr>
-            <p:cNvPr id="101" name="Text Box 2448">
-              <a:extLst>
-                <a:ext uri="{FF2B5EF4-FFF2-40B4-BE49-F238E27FC236}">
-                  <a16:creationId xmlns:a16="http://schemas.microsoft.com/office/drawing/2014/main" id="{2955576C-26D7-4DD9-8DEF-D13667EDBFAC}"/>
-                </a:ext>
-              </a:extLst>
-            </p:cNvPr>
-            <p:cNvSpPr txBox="1">
-              <a:spLocks noChangeArrowheads="1"/>
-            </p:cNvSpPr>
-            <p:nvPr/>
-          </p:nvSpPr>
-          <p:spPr bwMode="auto">
-            <a:xfrm>
-              <a:off x="3710301" y="3640207"/>
-              <a:ext cx="1457207" cy="707886"/>
-            </a:xfrm>
-            <a:prstGeom prst="rect">
-              <a:avLst/>
-            </a:prstGeom>
-            <a:noFill/>
-            <a:ln w="12700">
-              <a:noFill/>
-              <a:miter lim="800000"/>
-              <a:headEnd type="none" w="lg" len="med"/>
-              <a:tailEnd type="none" w="lg" len="med"/>
-            </a:ln>
-            <a:effectLst/>
-          </p:spPr>
-          <p:txBody>
-            <a:bodyPr wrap="square">
-              <a:spAutoFit/>
-            </a:bodyPr>
-            <a:lstStyle/>
-            <a:p>
-              <a:pPr algn="ctr"/>
-              <a:r>
-                <a:rPr lang="en-US" sz="2000" dirty="0">
-                  <a:latin typeface="Times New Roman" panose="02020603050405020304" pitchFamily="18" charset="0"/>
-                  <a:cs typeface="Times New Roman" panose="02020603050405020304" pitchFamily="18" charset="0"/>
-                </a:rPr>
-                <a:t>Overflow pipe</a:t>
-              </a:r>
-            </a:p>
-          </p:txBody>
-        </p:sp>
-      </p:grpSp>
-    </p:spTree>
-    <p:extLst>
-      <p:ext uri="{BB962C8B-B14F-4D97-AF65-F5344CB8AC3E}">
-        <p14:creationId xmlns:p14="http://schemas.microsoft.com/office/powerpoint/2010/main" val="535246718"/>
-      </p:ext>
-    </p:extLst>
-  </p:cSld>
-  <p:clrMapOvr>
-    <a:masterClrMapping/>
-  </p:clrMapOvr>
-</p:sld>
-</file>
-
 <file path=ppt/tags/tag1.xml><?xml version="1.0" encoding="utf-8"?>
 <p:tagLst xmlns:a="http://schemas.openxmlformats.org/drawingml/2006/main" xmlns:r="http://schemas.openxmlformats.org/officeDocument/2006/relationships" xmlns:p="http://schemas.openxmlformats.org/presentationml/2006/main">
   <p:tag name="OUTPUTDPI" val="1200"/>
-  <p:tag name="ORIGINALHEIGHT" val="299.2126"/>
-  <p:tag name="ORIGINALWIDTH" val="2087.739"/>
-  <p:tag name="LATEXADDIN" val="\documentclass{article}&#10;\usepackage{amsmath}&#10;\pagestyle{empty}&#10;\begin{document}&#10;&#10;&#10;$$h_L(Q) = \left( \frac{128\nu L}{g \pi D^4} + \frac{8Q}{g \pi ^2 D^4} \sum{K_e} \right) Q $$&#10;&#10;\end{document}"/>
+  <p:tag name="ORIGINALHEIGHT" val="282.7147"/>
+  <p:tag name="ORIGINALWIDTH" val="729.6588"/>
+  <p:tag name="LATEXADDIN" val="\documentclass{article}&#10;\usepackage{amsmath}&#10;\usepackage{xcolor}&#10;\pagestyle{empty}&#10;\begin{document}&#10;&#10;\definecolor{Monred}{RGB}{172,0,0}&#10;&#10;&#10;$$\color{red}{&#10;  h_{\rm{f}} = \frac{128\nu LQ}{g\pi D^4}&#10;  }$$&#10;&#10;\end{document}"/>
   <p:tag name="IGUANATEXSIZE" val="20"/>
-  <p:tag name="IGUANATEXCURSOR" val="175"/>
+  <p:tag name="IGUANATEXCURSOR" val="200"/>
   <p:tag name="TRANSPARENCY" val="True"/>
   <p:tag name="FILENAME" val=""/>
   <p:tag name="LATEXENGINEID" val="0"/>
@@ -44141,6 +44549,82 @@
 </file>
 
 <file path=ppt/tags/tag10.xml><?xml version="1.0" encoding="utf-8"?>
+<p:tagLst xmlns:a="http://schemas.openxmlformats.org/drawingml/2006/main" xmlns:r="http://schemas.openxmlformats.org/officeDocument/2006/relationships" xmlns:p="http://schemas.openxmlformats.org/presentationml/2006/main">
+  <p:tag name="OUTPUTDPI" val="1200"/>
+  <p:tag name="ORIGINALHEIGHT" val="347.9565"/>
+  <p:tag name="ORIGINALWIDTH" val="1689.539"/>
+  <p:tag name="LATEXADDIN" val="\documentclass{article}&#10;\usepackage{amsmath}&#10;\usepackage{xcolor}&#10;\pagestyle{empty}&#10;\begin{document}&#10;&#10;\definecolor{Monred}{RGB}{172,0,0}&#10;&#10;$$\color{blue}{&#10;D_{Min, \, Error} = \left[ \frac{8 Q^2 \sum K_e}{\Pi_{Error} h_l g \pi^2} \right]^{\frac{1}{4}}&#10;}$$&#10;&#10;&#10;\end{document}"/>
+  <p:tag name="IGUANATEXSIZE" val="20"/>
+  <p:tag name="IGUANATEXCURSOR" val="252"/>
+  <p:tag name="TRANSPARENCY" val="True"/>
+  <p:tag name="FILENAME" val=""/>
+  <p:tag name="LATEXENGINEID" val="0"/>
+  <p:tag name="TEMPFOLDER" val="c:\temp\"/>
+  <p:tag name="LATEXFORMHEIGHT" val="312"/>
+  <p:tag name="LATEXFORMWIDTH" val="384"/>
+  <p:tag name="LATEXFORMWRAP" val="True"/>
+  <p:tag name="BITMAPVECTOR" val="0"/>
+</p:tagLst>
+</file>
+
+<file path=ppt/tags/tag11.xml><?xml version="1.0" encoding="utf-8"?>
+<p:tagLst xmlns:a="http://schemas.openxmlformats.org/drawingml/2006/main" xmlns:r="http://schemas.openxmlformats.org/officeDocument/2006/relationships" xmlns:p="http://schemas.openxmlformats.org/presentationml/2006/main">
+  <p:tag name="OUTPUTDPI" val="1200"/>
+  <p:tag name="ORIGINALHEIGHT" val="276.7154"/>
+  <p:tag name="ORIGINALWIDTH" val="1456.318"/>
+  <p:tag name="LATEXADDIN" val="\documentclass{article}&#10;\usepackage{amsmath}&#10;\usepackage{xcolor}&#10;\pagestyle{empty}&#10;\begin{document}&#10;&#10;\definecolor{Monred}{RGB}{172,0,0}&#10;&#10;$$\color{red}{&#10;D_{Min, \, Laminar} = \frac{4 Q_{Max}}{\pi \nu {\rm{Re}}_{Max}}&#10;}$$&#10;&#10;&#10;\end{document}"/>
+  <p:tag name="IGUANATEXSIZE" val="20"/>
+  <p:tag name="IGUANATEXCURSOR" val="219"/>
+  <p:tag name="TRANSPARENCY" val="True"/>
+  <p:tag name="FILENAME" val=""/>
+  <p:tag name="LATEXENGINEID" val="0"/>
+  <p:tag name="TEMPFOLDER" val="c:\temp\"/>
+  <p:tag name="LATEXFORMHEIGHT" val="312"/>
+  <p:tag name="LATEXFORMWIDTH" val="384"/>
+  <p:tag name="LATEXFORMWRAP" val="True"/>
+  <p:tag name="BITMAPVECTOR" val="0"/>
+</p:tagLst>
+</file>
+
+<file path=ppt/tags/tag12.xml><?xml version="1.0" encoding="utf-8"?>
+<p:tagLst xmlns:a="http://schemas.openxmlformats.org/drawingml/2006/main" xmlns:r="http://schemas.openxmlformats.org/officeDocument/2006/relationships" xmlns:p="http://schemas.openxmlformats.org/presentationml/2006/main">
+  <p:tag name="OUTPUTDPI" val="1200"/>
+  <p:tag name="ORIGINALHEIGHT" val="104.9868"/>
+  <p:tag name="ORIGINALWIDTH" val="128.2339"/>
+  <p:tag name="LATEXADDIN" val="\documentclass{article}&#10;\usepackage{amsmath}&#10;\usepackage{xcolor}&#10;\pagestyle{empty}&#10;\begin{document}&#10;&#10;\definecolor{Monred}{RGB}{172,0,0}&#10;&#10;$$h_L$$&#10;&#10;&#10;\end{document}"/>
+  <p:tag name="IGUANATEXSIZE" val="20"/>
+  <p:tag name="IGUANATEXCURSOR" val="144"/>
+  <p:tag name="TRANSPARENCY" val="True"/>
+  <p:tag name="FILENAME" val=""/>
+  <p:tag name="LATEXENGINEID" val="0"/>
+  <p:tag name="TEMPFOLDER" val="c:\temp\"/>
+  <p:tag name="LATEXFORMHEIGHT" val="312"/>
+  <p:tag name="LATEXFORMWIDTH" val="384"/>
+  <p:tag name="LATEXFORMWRAP" val="True"/>
+  <p:tag name="BITMAPVECTOR" val="0"/>
+</p:tagLst>
+</file>
+
+<file path=ppt/tags/tag13.xml><?xml version="1.0" encoding="utf-8"?>
+<p:tagLst xmlns:a="http://schemas.openxmlformats.org/drawingml/2006/main" xmlns:r="http://schemas.openxmlformats.org/officeDocument/2006/relationships" xmlns:p="http://schemas.openxmlformats.org/presentationml/2006/main">
+  <p:tag name="OUTPUTDPI" val="1200"/>
+  <p:tag name="ORIGINALHEIGHT" val="122.9846"/>
+  <p:tag name="ORIGINALWIDTH" val="118.4852"/>
+  <p:tag name="LATEXADDIN" val="\documentclass{article}&#10;\usepackage{amsmath}&#10;\usepackage{xcolor}&#10;\pagestyle{empty}&#10;\begin{document}&#10;&#10;\definecolor{Monred}{RGB}{172,0,0}&#10;&#10;&#10;$$h_f$$&#10;&#10;\end{document}"/>
+  <p:tag name="IGUANATEXSIZE" val="20"/>
+  <p:tag name="IGUANATEXCURSOR" val="145"/>
+  <p:tag name="TRANSPARENCY" val="True"/>
+  <p:tag name="FILENAME" val=""/>
+  <p:tag name="LATEXENGINEID" val="0"/>
+  <p:tag name="TEMPFOLDER" val="c:\temp\"/>
+  <p:tag name="LATEXFORMHEIGHT" val="312"/>
+  <p:tag name="LATEXFORMWIDTH" val="384"/>
+  <p:tag name="LATEXFORMWRAP" val="True"/>
+  <p:tag name="BITMAPVECTOR" val="0"/>
+</p:tagLst>
+</file>
+
+<file path=ppt/tags/tag14.xml><?xml version="1.0" encoding="utf-8"?>
 <p:tagLst xmlns:a="http://schemas.openxmlformats.org/drawingml/2006/main" xmlns:r="http://schemas.openxmlformats.org/officeDocument/2006/relationships" xmlns:p="http://schemas.openxmlformats.org/presentationml/2006/main">
   <p:tag name="OUTPUTDPI" val="1200"/>
   <p:tag name="ORIGINALHEIGHT" val="90.73866"/>
@@ -44159,7 +44643,7 @@
 </p:tagLst>
 </file>
 
-<file path=ppt/tags/tag11.xml><?xml version="1.0" encoding="utf-8"?>
+<file path=ppt/tags/tag15.xml><?xml version="1.0" encoding="utf-8"?>
 <p:tagLst xmlns:a="http://schemas.openxmlformats.org/drawingml/2006/main" xmlns:r="http://schemas.openxmlformats.org/officeDocument/2006/relationships" xmlns:p="http://schemas.openxmlformats.org/presentationml/2006/main">
   <p:tag name="OUTPUTDPI" val="1200"/>
   <p:tag name="ORIGINALHEIGHT" val="90.73866"/>
@@ -44178,7 +44662,26 @@
 </p:tagLst>
 </file>
 
-<file path=ppt/tags/tag12.xml><?xml version="1.0" encoding="utf-8"?>
+<file path=ppt/tags/tag16.xml><?xml version="1.0" encoding="utf-8"?>
+<p:tagLst xmlns:a="http://schemas.openxmlformats.org/drawingml/2006/main" xmlns:r="http://schemas.openxmlformats.org/officeDocument/2006/relationships" xmlns:p="http://schemas.openxmlformats.org/presentationml/2006/main">
+  <p:tag name="OUTPUTDPI" val="1200"/>
+  <p:tag name="ORIGINALHEIGHT" val="90.73866"/>
+  <p:tag name="ORIGINALWIDTH" val="166.4792"/>
+  <p:tag name="LATEXADDIN" val="\documentclass{article}&#10;\usepackage{amsmath}&#10;\usepackage{xcolor}&#10;\pagestyle{empty}&#10;\begin{document}&#10;&#10;\definecolor{Monred}{RGB}{172,0,0}&#10;&#10;&#10;$$\Delta h$$&#10;&#10;\end{document}"/>
+  <p:tag name="IGUANATEXSIZE" val="20"/>
+  <p:tag name="IGUANATEXCURSOR" val="150"/>
+  <p:tag name="TRANSPARENCY" val="True"/>
+  <p:tag name="FILENAME" val=""/>
+  <p:tag name="LATEXENGINEID" val="0"/>
+  <p:tag name="TEMPFOLDER" val="c:\temp\"/>
+  <p:tag name="LATEXFORMHEIGHT" val="312"/>
+  <p:tag name="LATEXFORMWIDTH" val="384"/>
+  <p:tag name="LATEXFORMWRAP" val="True"/>
+  <p:tag name="BITMAPVECTOR" val="0"/>
+</p:tagLst>
+</file>
+
+<file path=ppt/tags/tag17.xml><?xml version="1.0" encoding="utf-8"?>
 <p:tagLst xmlns:a="http://schemas.openxmlformats.org/drawingml/2006/main" xmlns:r="http://schemas.openxmlformats.org/officeDocument/2006/relationships" xmlns:p="http://schemas.openxmlformats.org/presentationml/2006/main">
   <p:tag name="OUTPUTDPI" val="1200"/>
   <p:tag name="ORIGINALHEIGHT" val="121.4848"/>
@@ -44197,7 +44700,7 @@
 </p:tagLst>
 </file>
 
-<file path=ppt/tags/tag13.xml><?xml version="1.0" encoding="utf-8"?>
+<file path=ppt/tags/tag18.xml><?xml version="1.0" encoding="utf-8"?>
 <p:tagLst xmlns:a="http://schemas.openxmlformats.org/drawingml/2006/main" xmlns:r="http://schemas.openxmlformats.org/officeDocument/2006/relationships" xmlns:p="http://schemas.openxmlformats.org/presentationml/2006/main">
   <p:tag name="OUTPUTDPI" val="1200"/>
   <p:tag name="ORIGINALHEIGHT" val="104.237"/>
@@ -44216,7 +44719,7 @@
 </p:tagLst>
 </file>
 
-<file path=ppt/tags/tag14.xml><?xml version="1.0" encoding="utf-8"?>
+<file path=ppt/tags/tag19.xml><?xml version="1.0" encoding="utf-8"?>
 <p:tagLst xmlns:a="http://schemas.openxmlformats.org/drawingml/2006/main" xmlns:r="http://schemas.openxmlformats.org/officeDocument/2006/relationships" xmlns:p="http://schemas.openxmlformats.org/presentationml/2006/main">
   <p:tag name="OUTPUTDPI" val="1200"/>
   <p:tag name="ORIGINALHEIGHT" val="120.7349"/>
@@ -44235,7 +44738,26 @@
 </p:tagLst>
 </file>
 
-<file path=ppt/tags/tag15.xml><?xml version="1.0" encoding="utf-8"?>
+<file path=ppt/tags/tag2.xml><?xml version="1.0" encoding="utf-8"?>
+<p:tagLst xmlns:a="http://schemas.openxmlformats.org/drawingml/2006/main" xmlns:r="http://schemas.openxmlformats.org/officeDocument/2006/relationships" xmlns:p="http://schemas.openxmlformats.org/presentationml/2006/main">
+  <p:tag name="OUTPUTDPI" val="1200"/>
+  <p:tag name="ORIGINALHEIGHT" val="299.2126"/>
+  <p:tag name="ORIGINALWIDTH" val="2087.739"/>
+  <p:tag name="LATEXADDIN" val="\documentclass{article}&#10;\usepackage{amsmath}&#10;\usepackage{xcolor}&#10;\pagestyle{empty}&#10;\begin{document}&#10;&#10;&#10;$$\color{blue}{&#10;h_L(Q) = \left( \frac{128\nu L}{g \pi D^4} + \frac{8Q}{g \pi ^2 D^4} \sum{K_e} \right) Q &#10;}$$&#10;&#10;\end{document}"/>
+  <p:tag name="IGUANATEXSIZE" val="20"/>
+  <p:tag name="IGUANATEXCURSOR" val="64"/>
+  <p:tag name="TRANSPARENCY" val="True"/>
+  <p:tag name="FILENAME" val=""/>
+  <p:tag name="LATEXENGINEID" val="0"/>
+  <p:tag name="TEMPFOLDER" val="c:\temp\"/>
+  <p:tag name="LATEXFORMHEIGHT" val="312"/>
+  <p:tag name="LATEXFORMWIDTH" val="384"/>
+  <p:tag name="LATEXFORMWRAP" val="True"/>
+  <p:tag name="BITMAPVECTOR" val="0"/>
+</p:tagLst>
+</file>
+
+<file path=ppt/tags/tag20.xml><?xml version="1.0" encoding="utf-8"?>
 <p:tagLst xmlns:a="http://schemas.openxmlformats.org/drawingml/2006/main" xmlns:r="http://schemas.openxmlformats.org/officeDocument/2006/relationships" xmlns:p="http://schemas.openxmlformats.org/presentationml/2006/main">
   <p:tag name="OUTPUTDPI" val="1200"/>
   <p:tag name="ORIGINALHEIGHT" val="103.4871"/>
@@ -44254,7 +44776,7 @@
 </p:tagLst>
 </file>
 
-<file path=ppt/tags/tag16.xml><?xml version="1.0" encoding="utf-8"?>
+<file path=ppt/tags/tag21.xml><?xml version="1.0" encoding="utf-8"?>
 <p:tagLst xmlns:a="http://schemas.openxmlformats.org/drawingml/2006/main" xmlns:r="http://schemas.openxmlformats.org/officeDocument/2006/relationships" xmlns:p="http://schemas.openxmlformats.org/presentationml/2006/main">
   <p:tag name="OUTPUTDPI" val="1200"/>
   <p:tag name="ORIGINALHEIGHT" val="104.237"/>
@@ -44273,7 +44795,7 @@
 </p:tagLst>
 </file>
 
-<file path=ppt/tags/tag17.xml><?xml version="1.0" encoding="utf-8"?>
+<file path=ppt/tags/tag22.xml><?xml version="1.0" encoding="utf-8"?>
 <p:tagLst xmlns:a="http://schemas.openxmlformats.org/drawingml/2006/main" xmlns:r="http://schemas.openxmlformats.org/officeDocument/2006/relationships" xmlns:p="http://schemas.openxmlformats.org/presentationml/2006/main">
   <p:tag name="OUTPUTDPI" val="1200"/>
   <p:tag name="ORIGINALHEIGHT" val="336.7079"/>
@@ -44292,7 +44814,7 @@
 </p:tagLst>
 </file>
 
-<file path=ppt/tags/tag18.xml><?xml version="1.0" encoding="utf-8"?>
+<file path=ppt/tags/tag23.xml><?xml version="1.0" encoding="utf-8"?>
 <p:tagLst xmlns:a="http://schemas.openxmlformats.org/drawingml/2006/main" xmlns:r="http://schemas.openxmlformats.org/officeDocument/2006/relationships" xmlns:p="http://schemas.openxmlformats.org/presentationml/2006/main">
   <p:tag name="OUTPUTDPI" val="1200"/>
   <p:tag name="ORIGINALHEIGHT" val="90.73866"/>
@@ -44311,33 +44833,14 @@
 </p:tagLst>
 </file>
 
-<file path=ppt/tags/tag19.xml><?xml version="1.0" encoding="utf-8"?>
+<file path=ppt/tags/tag24.xml><?xml version="1.0" encoding="utf-8"?>
 <p:tagLst xmlns:a="http://schemas.openxmlformats.org/drawingml/2006/main" xmlns:r="http://schemas.openxmlformats.org/officeDocument/2006/relationships" xmlns:p="http://schemas.openxmlformats.org/presentationml/2006/main">
   <p:tag name="SELECTIONNAME" val="Group 5"/>
   <p:tag name="LAYER" val="2"/>
 </p:tagLst>
 </file>
 
-<file path=ppt/tags/tag2.xml><?xml version="1.0" encoding="utf-8"?>
-<p:tagLst xmlns:a="http://schemas.openxmlformats.org/drawingml/2006/main" xmlns:r="http://schemas.openxmlformats.org/officeDocument/2006/relationships" xmlns:p="http://schemas.openxmlformats.org/presentationml/2006/main">
-  <p:tag name="OUTPUTDPI" val="1200"/>
-  <p:tag name="ORIGINALHEIGHT" val="299.2126"/>
-  <p:tag name="ORIGINALWIDTH" val="2354.706"/>
-  <p:tag name="LATEXADDIN" val="\documentclass{article}&#10;\usepackage{amsmath}&#10;\pagestyle{empty}&#10;\begin{document}&#10;&#10;&#10;$$h_{L_{linear}}(Q) = \left( \frac{128\nu L}{g \pi D^4} + \frac{8Q_{max}}{g \pi ^2 D^4} \sum{K_e} \right) Q $$&#10;&#10;\end{document}"/>
-  <p:tag name="IGUANATEXSIZE" val="20"/>
-  <p:tag name="IGUANATEXCURSOR" val="98"/>
-  <p:tag name="TRANSPARENCY" val="True"/>
-  <p:tag name="FILENAME" val=""/>
-  <p:tag name="LATEXENGINEID" val="0"/>
-  <p:tag name="TEMPFOLDER" val="c:\temp\"/>
-  <p:tag name="LATEXFORMHEIGHT" val="312"/>
-  <p:tag name="LATEXFORMWIDTH" val="384"/>
-  <p:tag name="LATEXFORMWRAP" val="True"/>
-  <p:tag name="BITMAPVECTOR" val="0"/>
-</p:tagLst>
-</file>
-
-<file path=ppt/tags/tag20.xml><?xml version="1.0" encoding="utf-8"?>
+<file path=ppt/tags/tag25.xml><?xml version="1.0" encoding="utf-8"?>
 <p:tagLst xmlns:a="http://schemas.openxmlformats.org/drawingml/2006/main" xmlns:r="http://schemas.openxmlformats.org/officeDocument/2006/relationships" xmlns:p="http://schemas.openxmlformats.org/presentationml/2006/main">
   <p:tag name="OUTPUTDPI" val="1200"/>
   <p:tag name="ORIGINALHEIGHT" val="90.73866"/>
@@ -44356,7 +44859,7 @@
 </p:tagLst>
 </file>
 
-<file path=ppt/tags/tag21.xml><?xml version="1.0" encoding="utf-8"?>
+<file path=ppt/tags/tag26.xml><?xml version="1.0" encoding="utf-8"?>
 <p:tagLst xmlns:a="http://schemas.openxmlformats.org/drawingml/2006/main" xmlns:r="http://schemas.openxmlformats.org/officeDocument/2006/relationships" xmlns:p="http://schemas.openxmlformats.org/presentationml/2006/main">
   <p:tag name="OUTPUTDPI" val="1200"/>
   <p:tag name="ORIGINALHEIGHT" val="299.2126"/>
@@ -44375,7 +44878,7 @@
 </p:tagLst>
 </file>
 
-<file path=ppt/tags/tag22.xml><?xml version="1.0" encoding="utf-8"?>
+<file path=ppt/tags/tag27.xml><?xml version="1.0" encoding="utf-8"?>
 <p:tagLst xmlns:a="http://schemas.openxmlformats.org/drawingml/2006/main" xmlns:r="http://schemas.openxmlformats.org/officeDocument/2006/relationships" xmlns:p="http://schemas.openxmlformats.org/presentationml/2006/main">
   <p:tag name="OUTPUTDPI" val="1200"/>
   <p:tag name="ORIGINALHEIGHT" val="299.2126"/>
@@ -44394,7 +44897,7 @@
 </p:tagLst>
 </file>
 
-<file path=ppt/tags/tag23.xml><?xml version="1.0" encoding="utf-8"?>
+<file path=ppt/tags/tag28.xml><?xml version="1.0" encoding="utf-8"?>
 <p:tagLst xmlns:a="http://schemas.openxmlformats.org/drawingml/2006/main" xmlns:r="http://schemas.openxmlformats.org/officeDocument/2006/relationships" xmlns:p="http://schemas.openxmlformats.org/presentationml/2006/main">
   <p:tag name="OUTPUTDPI" val="1200"/>
   <p:tag name="ORIGINALHEIGHT" val="299.2126"/>
@@ -44413,7 +44916,7 @@
 </p:tagLst>
 </file>
 
-<file path=ppt/tags/tag24.xml><?xml version="1.0" encoding="utf-8"?>
+<file path=ppt/tags/tag29.xml><?xml version="1.0" encoding="utf-8"?>
 <p:tagLst xmlns:a="http://schemas.openxmlformats.org/drawingml/2006/main" xmlns:r="http://schemas.openxmlformats.org/officeDocument/2006/relationships" xmlns:p="http://schemas.openxmlformats.org/presentationml/2006/main">
   <p:tag name="OUTPUTDPI" val="1200"/>
   <p:tag name="ORIGINALHEIGHT" val="299.2126"/>
@@ -44432,7 +44935,26 @@
 </p:tagLst>
 </file>
 
-<file path=ppt/tags/tag25.xml><?xml version="1.0" encoding="utf-8"?>
+<file path=ppt/tags/tag3.xml><?xml version="1.0" encoding="utf-8"?>
+<p:tagLst xmlns:a="http://schemas.openxmlformats.org/drawingml/2006/main" xmlns:r="http://schemas.openxmlformats.org/officeDocument/2006/relationships" xmlns:p="http://schemas.openxmlformats.org/presentationml/2006/main">
+  <p:tag name="OUTPUTDPI" val="1200"/>
+  <p:tag name="ORIGINALHEIGHT" val="299.2126"/>
+  <p:tag name="ORIGINALWIDTH" val="2354.706"/>
+  <p:tag name="LATEXADDIN" val="\documentclass{article}&#10;\usepackage{amsmath}&#10;\usepackage{xcolor}&#10;\pagestyle{empty}&#10;\begin{document}&#10;&#10;\definecolor{DarkishGreen}{RGB}{0,180,0}&#10;&#10;$$\color{DarkishGreen}{&#10;h_{L_{linear}}(Q) = \left( \frac{128\nu L}{g \pi D^4} + \frac{8Q_{max}}{g \pi ^2 D^4} \sum{K_e} \right) Q&#10;}$$&#10;&#10;\end{document}"/>
+  <p:tag name="IGUANATEXSIZE" val="20"/>
+  <p:tag name="IGUANATEXCURSOR" val="137"/>
+  <p:tag name="TRANSPARENCY" val="True"/>
+  <p:tag name="FILENAME" val=""/>
+  <p:tag name="LATEXENGINEID" val="0"/>
+  <p:tag name="TEMPFOLDER" val="c:\temp\"/>
+  <p:tag name="LATEXFORMHEIGHT" val="312"/>
+  <p:tag name="LATEXFORMWIDTH" val="384"/>
+  <p:tag name="LATEXFORMWRAP" val="True"/>
+  <p:tag name="BITMAPVECTOR" val="0"/>
+</p:tagLst>
+</file>
+
+<file path=ppt/tags/tag30.xml><?xml version="1.0" encoding="utf-8"?>
 <p:tagLst xmlns:a="http://schemas.openxmlformats.org/drawingml/2006/main" xmlns:r="http://schemas.openxmlformats.org/officeDocument/2006/relationships" xmlns:p="http://schemas.openxmlformats.org/presentationml/2006/main">
   <p:tag name="OUTPUTDPI" val="1200"/>
   <p:tag name="ORIGINALHEIGHT" val="299.2126"/>
@@ -44451,7 +44973,7 @@
 </p:tagLst>
 </file>
 
-<file path=ppt/tags/tag26.xml><?xml version="1.0" encoding="utf-8"?>
+<file path=ppt/tags/tag31.xml><?xml version="1.0" encoding="utf-8"?>
 <p:tagLst xmlns:a="http://schemas.openxmlformats.org/drawingml/2006/main" xmlns:r="http://schemas.openxmlformats.org/officeDocument/2006/relationships" xmlns:p="http://schemas.openxmlformats.org/presentationml/2006/main">
   <p:tag name="OUTPUTDPI" val="1200"/>
   <p:tag name="ORIGINALHEIGHT" val="125.9843"/>
@@ -44470,7 +44992,7 @@
 </p:tagLst>
 </file>
 
-<file path=ppt/tags/tag27.xml><?xml version="1.0" encoding="utf-8"?>
+<file path=ppt/tags/tag32.xml><?xml version="1.0" encoding="utf-8"?>
 <p:tagLst xmlns:a="http://schemas.openxmlformats.org/drawingml/2006/main" xmlns:r="http://schemas.openxmlformats.org/officeDocument/2006/relationships" xmlns:p="http://schemas.openxmlformats.org/presentationml/2006/main">
   <p:tag name="OUTPUTDPI" val="1200"/>
   <p:tag name="ORIGINALHEIGHT" val="107.9865"/>
@@ -44489,7 +45011,7 @@
 </p:tagLst>
 </file>
 
-<file path=ppt/tags/tag28.xml><?xml version="1.0" encoding="utf-8"?>
+<file path=ppt/tags/tag33.xml><?xml version="1.0" encoding="utf-8"?>
 <p:tagLst xmlns:a="http://schemas.openxmlformats.org/drawingml/2006/main" xmlns:r="http://schemas.openxmlformats.org/officeDocument/2006/relationships" xmlns:p="http://schemas.openxmlformats.org/presentationml/2006/main">
   <p:tag name="OUTPUTDPI" val="1200"/>
   <p:tag name="ORIGINALHEIGHT" val="275.9655"/>
@@ -44508,7 +45030,7 @@
 </p:tagLst>
 </file>
 
-<file path=ppt/tags/tag29.xml><?xml version="1.0" encoding="utf-8"?>
+<file path=ppt/tags/tag34.xml><?xml version="1.0" encoding="utf-8"?>
 <p:tagLst xmlns:a="http://schemas.openxmlformats.org/drawingml/2006/main" xmlns:r="http://schemas.openxmlformats.org/officeDocument/2006/relationships" xmlns:p="http://schemas.openxmlformats.org/presentationml/2006/main">
   <p:tag name="OUTPUTDPI" val="1200"/>
   <p:tag name="ORIGINALHEIGHT" val="275.9655"/>
@@ -44527,7 +45049,197 @@
 </p:tagLst>
 </file>
 
-<file path=ppt/tags/tag3.xml><?xml version="1.0" encoding="utf-8"?>
+<file path=ppt/tags/tag35.xml><?xml version="1.0" encoding="utf-8"?>
+<p:tagLst xmlns:a="http://schemas.openxmlformats.org/drawingml/2006/main" xmlns:r="http://schemas.openxmlformats.org/officeDocument/2006/relationships" xmlns:p="http://schemas.openxmlformats.org/presentationml/2006/main">
+  <p:tag name="OUTPUTDPI" val="1200"/>
+  <p:tag name="ORIGINALHEIGHT" val="260.2175"/>
+  <p:tag name="ORIGINALWIDTH" val="3640.045"/>
+  <p:tag name="LATEXADDIN" val="\documentclass{article}&#10;\usepackage{amsmath}&#10;\usepackage{xcolor}&#10;\pagestyle{empty}&#10;\begin{document}&#10;&#10;\definecolor{Monred}{RGB}{172,0,0}&#10;&#10;$t_{Design}$ = Time it would take to drain the tank if flow was held \\ constant at $Q_0$&#10;&#10;&#10;\end{document}"/>
+  <p:tag name="IGUANATEXSIZE" val="20"/>
+  <p:tag name="IGUANATEXCURSOR" val="208"/>
+  <p:tag name="TRANSPARENCY" val="True"/>
+  <p:tag name="FILENAME" val=""/>
+  <p:tag name="LATEXENGINEID" val="0"/>
+  <p:tag name="TEMPFOLDER" val="c:\temp\"/>
+  <p:tag name="LATEXFORMHEIGHT" val="312"/>
+  <p:tag name="LATEXFORMWIDTH" val="384"/>
+  <p:tag name="LATEXFORMWRAP" val="True"/>
+  <p:tag name="BITMAPVECTOR" val="0"/>
+</p:tagLst>
+</file>
+
+<file path=ppt/tags/tag36.xml><?xml version="1.0" encoding="utf-8"?>
+<p:tagLst xmlns:a="http://schemas.openxmlformats.org/drawingml/2006/main" xmlns:r="http://schemas.openxmlformats.org/officeDocument/2006/relationships" xmlns:p="http://schemas.openxmlformats.org/presentationml/2006/main">
+  <p:tag name="OUTPUTDPI" val="1200"/>
+  <p:tag name="ORIGINALHEIGHT" val="105.7368"/>
+  <p:tag name="ORIGINALWIDTH" val="302.2122"/>
+  <p:tag name="LATEXADDIN" val="\documentclass{article}&#10;\usepackage{amsmath}&#10;\usepackage{xcolor}&#10;\pagestyle{empty}&#10;\begin{document}&#10;&#10;\definecolor{Monred}{RGB}{172,0,0}&#10;&#10;$$h_{Tank}$$&#10;&#10;&#10;\end{document}"/>
+  <p:tag name="IGUANATEXSIZE" val="20"/>
+  <p:tag name="IGUANATEXCURSOR" val="147"/>
+  <p:tag name="TRANSPARENCY" val="True"/>
+  <p:tag name="FILENAME" val=""/>
+  <p:tag name="LATEXENGINEID" val="0"/>
+  <p:tag name="TEMPFOLDER" val="c:\temp\"/>
+  <p:tag name="LATEXFORMHEIGHT" val="312"/>
+  <p:tag name="LATEXFORMWIDTH" val="384"/>
+  <p:tag name="LATEXFORMWRAP" val="True"/>
+  <p:tag name="BITMAPVECTOR" val="0"/>
+</p:tagLst>
+</file>
+
+<file path=ppt/tags/tag37.xml><?xml version="1.0" encoding="utf-8"?>
+<p:tagLst xmlns:a="http://schemas.openxmlformats.org/drawingml/2006/main" xmlns:r="http://schemas.openxmlformats.org/officeDocument/2006/relationships" xmlns:p="http://schemas.openxmlformats.org/presentationml/2006/main">
+  <p:tag name="OUTPUTDPI" val="1200"/>
+  <p:tag name="ORIGINALHEIGHT" val="113.2358"/>
+  <p:tag name="ORIGINALWIDTH" val="3247.094"/>
+  <p:tag name="LATEXADDIN" val="\documentclass{article}&#10;\usepackage{amsmath}&#10;\usepackage{xcolor}&#10;\pagestyle{empty}&#10;\begin{document}&#10;&#10;\definecolor{Monred}{RGB}{172,0,0}&#10;&#10;$Q_0$ = Initial flow rate of hypochlorite solution at time $t = 0$&#10;&#10;&#10;\end{document}"/>
+  <p:tag name="IGUANATEXSIZE" val="20"/>
+  <p:tag name="IGUANATEXCURSOR" val="203"/>
+  <p:tag name="TRANSPARENCY" val="True"/>
+  <p:tag name="FILENAME" val=""/>
+  <p:tag name="LATEXENGINEID" val="0"/>
+  <p:tag name="TEMPFOLDER" val="c:\temp\"/>
+  <p:tag name="LATEXFORMHEIGHT" val="312"/>
+  <p:tag name="LATEXFORMWIDTH" val="384"/>
+  <p:tag name="LATEXFORMWRAP" val="True"/>
+  <p:tag name="BITMAPVECTOR" val="0"/>
+</p:tagLst>
+</file>
+
+<file path=ppt/tags/tag38.xml><?xml version="1.0" encoding="utf-8"?>
+<p:tagLst xmlns:a="http://schemas.openxmlformats.org/drawingml/2006/main" xmlns:r="http://schemas.openxmlformats.org/officeDocument/2006/relationships" xmlns:p="http://schemas.openxmlformats.org/presentationml/2006/main">
+  <p:tag name="OUTPUTDPI" val="1200"/>
+  <p:tag name="ORIGINALHEIGHT" val="106.4867"/>
+  <p:tag name="ORIGINALWIDTH" val="110.2362"/>
+  <p:tag name="LATEXADDIN" val="\documentclass{article}&#10;\usepackage{amsmath}&#10;\usepackage{xcolor}&#10;\pagestyle{empty}&#10;\begin{document}&#10;&#10;\definecolor{Monred}{RGB}{172,0,0}&#10;&#10;$$h_0$$&#10;&#10;&#10;\end{document}"/>
+  <p:tag name="IGUANATEXSIZE" val="20"/>
+  <p:tag name="IGUANATEXCURSOR" val="144"/>
+  <p:tag name="TRANSPARENCY" val="True"/>
+  <p:tag name="FILENAME" val=""/>
+  <p:tag name="LATEXENGINEID" val="0"/>
+  <p:tag name="TEMPFOLDER" val="c:\temp\"/>
+  <p:tag name="LATEXFORMHEIGHT" val="312"/>
+  <p:tag name="LATEXFORMWIDTH" val="384"/>
+  <p:tag name="LATEXFORMWRAP" val="True"/>
+  <p:tag name="BITMAPVECTOR" val="0"/>
+</p:tagLst>
+</file>
+
+<file path=ppt/tags/tag39.xml><?xml version="1.0" encoding="utf-8"?>
+<p:tagLst xmlns:a="http://schemas.openxmlformats.org/drawingml/2006/main" xmlns:r="http://schemas.openxmlformats.org/officeDocument/2006/relationships" xmlns:p="http://schemas.openxmlformats.org/presentationml/2006/main">
+  <p:tag name="OUTPUTDPI" val="1200"/>
+  <p:tag name="ORIGINALHEIGHT" val="260.2175"/>
+  <p:tag name="ORIGINALWIDTH" val="3640.045"/>
+  <p:tag name="LATEXADDIN" val="\documentclass{article}&#10;\usepackage{amsmath}&#10;\usepackage{xcolor}&#10;\pagestyle{empty}&#10;\begin{document}&#10;&#10;\definecolor{Monred}{RGB}{172,0,0}&#10;&#10;$t_{Design}$ = Time it would take to drain the tank if flow was held \\ constant at $Q_0$&#10;&#10;&#10;\end{document}"/>
+  <p:tag name="IGUANATEXSIZE" val="20"/>
+  <p:tag name="IGUANATEXCURSOR" val="208"/>
+  <p:tag name="TRANSPARENCY" val="True"/>
+  <p:tag name="FILENAME" val=""/>
+  <p:tag name="LATEXENGINEID" val="0"/>
+  <p:tag name="TEMPFOLDER" val="c:\temp\"/>
+  <p:tag name="LATEXFORMHEIGHT" val="312"/>
+  <p:tag name="LATEXFORMWIDTH" val="384"/>
+  <p:tag name="LATEXFORMWRAP" val="True"/>
+  <p:tag name="BITMAPVECTOR" val="0"/>
+</p:tagLst>
+</file>
+
+<file path=ppt/tags/tag4.xml><?xml version="1.0" encoding="utf-8"?>
+<p:tagLst xmlns:a="http://schemas.openxmlformats.org/drawingml/2006/main" xmlns:r="http://schemas.openxmlformats.org/officeDocument/2006/relationships" xmlns:p="http://schemas.openxmlformats.org/presentationml/2006/main">
+  <p:tag name="OUTPUTDPI" val="1200"/>
+  <p:tag name="ORIGINALHEIGHT" val="307.4616"/>
+  <p:tag name="ORIGINALWIDTH" val="2844.394"/>
+  <p:tag name="LATEXADDIN" val="\documentclass{article}&#10;\usepackage{amsmath}&#10;\usepackage{xcolor}&#10;\pagestyle{empty}&#10;\begin{document}&#10;&#10;\definecolor{Monred}{RGB}{172,0,0}&#10;\definecolor{DarkGreen}{RGB}{0,120,0}&#10;&#10;$$\textcolor{DarkGreen}{&#10;L_{Min, \, head loss} = L = \left( \frac{g h_{L_{Max}} \pi D^4}{128 \nu Q_{Max}} - \frac{Q_{Max}}{16 \pi \nu} \sum{K_e} \right)&#10;}$$&#10;&#10;&#10;\end{document}"/>
+  <p:tag name="IGUANATEXSIZE" val="20"/>
+  <p:tag name="IGUANATEXCURSOR" val="169"/>
+  <p:tag name="TRANSPARENCY" val="True"/>
+  <p:tag name="FILENAME" val=""/>
+  <p:tag name="LATEXENGINEID" val="0"/>
+  <p:tag name="TEMPFOLDER" val="c:\temp\"/>
+  <p:tag name="LATEXFORMHEIGHT" val="312"/>
+  <p:tag name="LATEXFORMWIDTH" val="384"/>
+  <p:tag name="LATEXFORMWRAP" val="True"/>
+  <p:tag name="BITMAPVECTOR" val="0"/>
+</p:tagLst>
+</file>
+
+<file path=ppt/tags/tag40.xml><?xml version="1.0" encoding="utf-8"?>
+<p:tagLst xmlns:a="http://schemas.openxmlformats.org/drawingml/2006/main" xmlns:r="http://schemas.openxmlformats.org/officeDocument/2006/relationships" xmlns:p="http://schemas.openxmlformats.org/presentationml/2006/main">
+  <p:tag name="OUTPUTDPI" val="1200"/>
+  <p:tag name="ORIGINALHEIGHT" val="105.7368"/>
+  <p:tag name="ORIGINALWIDTH" val="302.2122"/>
+  <p:tag name="LATEXADDIN" val="\documentclass{article}&#10;\usepackage{amsmath}&#10;\usepackage{xcolor}&#10;\pagestyle{empty}&#10;\begin{document}&#10;&#10;\definecolor{Monred}{RGB}{172,0,0}&#10;&#10;$$h_{Tank}$$&#10;&#10;&#10;\end{document}"/>
+  <p:tag name="IGUANATEXSIZE" val="20"/>
+  <p:tag name="IGUANATEXCURSOR" val="147"/>
+  <p:tag name="TRANSPARENCY" val="True"/>
+  <p:tag name="FILENAME" val=""/>
+  <p:tag name="LATEXENGINEID" val="0"/>
+  <p:tag name="TEMPFOLDER" val="c:\temp\"/>
+  <p:tag name="LATEXFORMHEIGHT" val="312"/>
+  <p:tag name="LATEXFORMWIDTH" val="384"/>
+  <p:tag name="LATEXFORMWRAP" val="True"/>
+  <p:tag name="BITMAPVECTOR" val="0"/>
+</p:tagLst>
+</file>
+
+<file path=ppt/tags/tag41.xml><?xml version="1.0" encoding="utf-8"?>
+<p:tagLst xmlns:a="http://schemas.openxmlformats.org/drawingml/2006/main" xmlns:r="http://schemas.openxmlformats.org/officeDocument/2006/relationships" xmlns:p="http://schemas.openxmlformats.org/presentationml/2006/main">
+  <p:tag name="OUTPUTDPI" val="1200"/>
+  <p:tag name="ORIGINALHEIGHT" val="113.2358"/>
+  <p:tag name="ORIGINALWIDTH" val="3247.094"/>
+  <p:tag name="LATEXADDIN" val="\documentclass{article}&#10;\usepackage{amsmath}&#10;\usepackage{xcolor}&#10;\pagestyle{empty}&#10;\begin{document}&#10;&#10;\definecolor{Monred}{RGB}{172,0,0}&#10;&#10;$Q_0$ = Initial flow rate of hypochlorite solution at time $t = 0$&#10;&#10;&#10;\end{document}"/>
+  <p:tag name="IGUANATEXSIZE" val="20"/>
+  <p:tag name="IGUANATEXCURSOR" val="203"/>
+  <p:tag name="TRANSPARENCY" val="True"/>
+  <p:tag name="FILENAME" val=""/>
+  <p:tag name="LATEXENGINEID" val="0"/>
+  <p:tag name="TEMPFOLDER" val="c:\temp\"/>
+  <p:tag name="LATEXFORMHEIGHT" val="312"/>
+  <p:tag name="LATEXFORMWIDTH" val="384"/>
+  <p:tag name="LATEXFORMWRAP" val="True"/>
+  <p:tag name="BITMAPVECTOR" val="0"/>
+</p:tagLst>
+</file>
+
+<file path=ppt/tags/tag42.xml><?xml version="1.0" encoding="utf-8"?>
+<p:tagLst xmlns:a="http://schemas.openxmlformats.org/drawingml/2006/main" xmlns:r="http://schemas.openxmlformats.org/officeDocument/2006/relationships" xmlns:p="http://schemas.openxmlformats.org/presentationml/2006/main">
+  <p:tag name="OUTPUTDPI" val="1200"/>
+  <p:tag name="ORIGINALHEIGHT" val="106.4867"/>
+  <p:tag name="ORIGINALWIDTH" val="110.2362"/>
+  <p:tag name="LATEXADDIN" val="\documentclass{article}&#10;\usepackage{amsmath}&#10;\usepackage{xcolor}&#10;\pagestyle{empty}&#10;\begin{document}&#10;&#10;\definecolor{Monred}{RGB}{172,0,0}&#10;&#10;$$h_0$$&#10;&#10;&#10;\end{document}"/>
+  <p:tag name="IGUANATEXSIZE" val="20"/>
+  <p:tag name="IGUANATEXCURSOR" val="144"/>
+  <p:tag name="TRANSPARENCY" val="True"/>
+  <p:tag name="FILENAME" val=""/>
+  <p:tag name="LATEXENGINEID" val="0"/>
+  <p:tag name="TEMPFOLDER" val="c:\temp\"/>
+  <p:tag name="LATEXFORMHEIGHT" val="312"/>
+  <p:tag name="LATEXFORMWIDTH" val="384"/>
+  <p:tag name="LATEXFORMWRAP" val="True"/>
+  <p:tag name="BITMAPVECTOR" val="0"/>
+</p:tagLst>
+</file>
+
+<file path=ppt/tags/tag5.xml><?xml version="1.0" encoding="utf-8"?>
+<p:tagLst xmlns:a="http://schemas.openxmlformats.org/drawingml/2006/main" xmlns:r="http://schemas.openxmlformats.org/officeDocument/2006/relationships" xmlns:p="http://schemas.openxmlformats.org/presentationml/2006/main">
+  <p:tag name="OUTPUTDPI" val="1200"/>
+  <p:tag name="ORIGINALHEIGHT" val="299.2126"/>
+  <p:tag name="ORIGINALWIDTH" val="2362.205"/>
+  <p:tag name="LATEXADDIN" val="\documentclass{article}&#10;\usepackage{amsmath}&#10;\usepackage{xcolor}&#10;\pagestyle{empty}&#10;\begin{document}&#10;&#10;\definecolor{Monred}{RGB}{172,0,0}&#10;&#10;&#10;$$\color{red}{&#10;  L_{Min, \, \Pi_{Error}} = \left( \frac{1 - \Pi_{Error}}{\Pi_{Error}} \right) \frac{Q_{Max}}{16 \nu \pi} \sum{K_e} &#10;  }$$&#10;&#10;\end{document}"/>
+  <p:tag name="IGUANATEXSIZE" val="20"/>
+  <p:tag name="IGUANATEXCURSOR" val="275"/>
+  <p:tag name="TRANSPARENCY" val="True"/>
+  <p:tag name="FILENAME" val=""/>
+  <p:tag name="LATEXENGINEID" val="0"/>
+  <p:tag name="TEMPFOLDER" val="c:\temp\"/>
+  <p:tag name="LATEXFORMHEIGHT" val="312"/>
+  <p:tag name="LATEXFORMWIDTH" val="384"/>
+  <p:tag name="LATEXFORMWRAP" val="True"/>
+  <p:tag name="BITMAPVECTOR" val="0"/>
+</p:tagLst>
+</file>
+
+<file path=ppt/tags/tag6.xml><?xml version="1.0" encoding="utf-8"?>
 <p:tagLst xmlns:a="http://schemas.openxmlformats.org/drawingml/2006/main" xmlns:r="http://schemas.openxmlformats.org/officeDocument/2006/relationships" xmlns:p="http://schemas.openxmlformats.org/presentationml/2006/main">
   <p:tag name="OUTPUTDPI" val="1200"/>
   <p:tag name="ORIGINALHEIGHT" val="105.7368"/>
@@ -44546,159 +45258,7 @@
 </p:tagLst>
 </file>
 
-<file path=ppt/tags/tag30.xml><?xml version="1.0" encoding="utf-8"?>
-<p:tagLst xmlns:a="http://schemas.openxmlformats.org/drawingml/2006/main" xmlns:r="http://schemas.openxmlformats.org/officeDocument/2006/relationships" xmlns:p="http://schemas.openxmlformats.org/presentationml/2006/main">
-  <p:tag name="OUTPUTDPI" val="1200"/>
-  <p:tag name="ORIGINALHEIGHT" val="260.2175"/>
-  <p:tag name="ORIGINALWIDTH" val="3640.045"/>
-  <p:tag name="LATEXADDIN" val="\documentclass{article}&#10;\usepackage{amsmath}&#10;\usepackage{xcolor}&#10;\pagestyle{empty}&#10;\begin{document}&#10;&#10;\definecolor{Monred}{RGB}{172,0,0}&#10;&#10;$t_{Design}$ = Time it would take to drain the tank if flow was held \\ constant at $Q_0$&#10;&#10;&#10;\end{document}"/>
-  <p:tag name="IGUANATEXSIZE" val="20"/>
-  <p:tag name="IGUANATEXCURSOR" val="208"/>
-  <p:tag name="TRANSPARENCY" val="True"/>
-  <p:tag name="FILENAME" val=""/>
-  <p:tag name="LATEXENGINEID" val="0"/>
-  <p:tag name="TEMPFOLDER" val="c:\temp\"/>
-  <p:tag name="LATEXFORMHEIGHT" val="312"/>
-  <p:tag name="LATEXFORMWIDTH" val="384"/>
-  <p:tag name="LATEXFORMWRAP" val="True"/>
-  <p:tag name="BITMAPVECTOR" val="0"/>
-</p:tagLst>
-</file>
-
-<file path=ppt/tags/tag31.xml><?xml version="1.0" encoding="utf-8"?>
-<p:tagLst xmlns:a="http://schemas.openxmlformats.org/drawingml/2006/main" xmlns:r="http://schemas.openxmlformats.org/officeDocument/2006/relationships" xmlns:p="http://schemas.openxmlformats.org/presentationml/2006/main">
-  <p:tag name="OUTPUTDPI" val="1200"/>
-  <p:tag name="ORIGINALHEIGHT" val="105.7368"/>
-  <p:tag name="ORIGINALWIDTH" val="302.2122"/>
-  <p:tag name="LATEXADDIN" val="\documentclass{article}&#10;\usepackage{amsmath}&#10;\usepackage{xcolor}&#10;\pagestyle{empty}&#10;\begin{document}&#10;&#10;\definecolor{Monred}{RGB}{172,0,0}&#10;&#10;$$h_{Tank}$$&#10;&#10;&#10;\end{document}"/>
-  <p:tag name="IGUANATEXSIZE" val="20"/>
-  <p:tag name="IGUANATEXCURSOR" val="147"/>
-  <p:tag name="TRANSPARENCY" val="True"/>
-  <p:tag name="FILENAME" val=""/>
-  <p:tag name="LATEXENGINEID" val="0"/>
-  <p:tag name="TEMPFOLDER" val="c:\temp\"/>
-  <p:tag name="LATEXFORMHEIGHT" val="312"/>
-  <p:tag name="LATEXFORMWIDTH" val="384"/>
-  <p:tag name="LATEXFORMWRAP" val="True"/>
-  <p:tag name="BITMAPVECTOR" val="0"/>
-</p:tagLst>
-</file>
-
-<file path=ppt/tags/tag32.xml><?xml version="1.0" encoding="utf-8"?>
-<p:tagLst xmlns:a="http://schemas.openxmlformats.org/drawingml/2006/main" xmlns:r="http://schemas.openxmlformats.org/officeDocument/2006/relationships" xmlns:p="http://schemas.openxmlformats.org/presentationml/2006/main">
-  <p:tag name="OUTPUTDPI" val="1200"/>
-  <p:tag name="ORIGINALHEIGHT" val="113.2358"/>
-  <p:tag name="ORIGINALWIDTH" val="3247.094"/>
-  <p:tag name="LATEXADDIN" val="\documentclass{article}&#10;\usepackage{amsmath}&#10;\usepackage{xcolor}&#10;\pagestyle{empty}&#10;\begin{document}&#10;&#10;\definecolor{Monred}{RGB}{172,0,0}&#10;&#10;$Q_0$ = Initial flow rate of hypochlorite solution at time $t = 0$&#10;&#10;&#10;\end{document}"/>
-  <p:tag name="IGUANATEXSIZE" val="20"/>
-  <p:tag name="IGUANATEXCURSOR" val="203"/>
-  <p:tag name="TRANSPARENCY" val="True"/>
-  <p:tag name="FILENAME" val=""/>
-  <p:tag name="LATEXENGINEID" val="0"/>
-  <p:tag name="TEMPFOLDER" val="c:\temp\"/>
-  <p:tag name="LATEXFORMHEIGHT" val="312"/>
-  <p:tag name="LATEXFORMWIDTH" val="384"/>
-  <p:tag name="LATEXFORMWRAP" val="True"/>
-  <p:tag name="BITMAPVECTOR" val="0"/>
-</p:tagLst>
-</file>
-
-<file path=ppt/tags/tag33.xml><?xml version="1.0" encoding="utf-8"?>
-<p:tagLst xmlns:a="http://schemas.openxmlformats.org/drawingml/2006/main" xmlns:r="http://schemas.openxmlformats.org/officeDocument/2006/relationships" xmlns:p="http://schemas.openxmlformats.org/presentationml/2006/main">
-  <p:tag name="OUTPUTDPI" val="1200"/>
-  <p:tag name="ORIGINALHEIGHT" val="106.4867"/>
-  <p:tag name="ORIGINALWIDTH" val="110.2362"/>
-  <p:tag name="LATEXADDIN" val="\documentclass{article}&#10;\usepackage{amsmath}&#10;\usepackage{xcolor}&#10;\pagestyle{empty}&#10;\begin{document}&#10;&#10;\definecolor{Monred}{RGB}{172,0,0}&#10;&#10;$$h_0$$&#10;&#10;&#10;\end{document}"/>
-  <p:tag name="IGUANATEXSIZE" val="20"/>
-  <p:tag name="IGUANATEXCURSOR" val="144"/>
-  <p:tag name="TRANSPARENCY" val="True"/>
-  <p:tag name="FILENAME" val=""/>
-  <p:tag name="LATEXENGINEID" val="0"/>
-  <p:tag name="TEMPFOLDER" val="c:\temp\"/>
-  <p:tag name="LATEXFORMHEIGHT" val="312"/>
-  <p:tag name="LATEXFORMWIDTH" val="384"/>
-  <p:tag name="LATEXFORMWRAP" val="True"/>
-  <p:tag name="BITMAPVECTOR" val="0"/>
-</p:tagLst>
-</file>
-
-<file path=ppt/tags/tag34.xml><?xml version="1.0" encoding="utf-8"?>
-<p:tagLst xmlns:a="http://schemas.openxmlformats.org/drawingml/2006/main" xmlns:r="http://schemas.openxmlformats.org/officeDocument/2006/relationships" xmlns:p="http://schemas.openxmlformats.org/presentationml/2006/main">
-  <p:tag name="OUTPUTDPI" val="1200"/>
-  <p:tag name="ORIGINALHEIGHT" val="260.2175"/>
-  <p:tag name="ORIGINALWIDTH" val="3640.045"/>
-  <p:tag name="LATEXADDIN" val="\documentclass{article}&#10;\usepackage{amsmath}&#10;\usepackage{xcolor}&#10;\pagestyle{empty}&#10;\begin{document}&#10;&#10;\definecolor{Monred}{RGB}{172,0,0}&#10;&#10;$t_{Design}$ = Time it would take to drain the tank if flow was held \\ constant at $Q_0$&#10;&#10;&#10;\end{document}"/>
-  <p:tag name="IGUANATEXSIZE" val="20"/>
-  <p:tag name="IGUANATEXCURSOR" val="208"/>
-  <p:tag name="TRANSPARENCY" val="True"/>
-  <p:tag name="FILENAME" val=""/>
-  <p:tag name="LATEXENGINEID" val="0"/>
-  <p:tag name="TEMPFOLDER" val="c:\temp\"/>
-  <p:tag name="LATEXFORMHEIGHT" val="312"/>
-  <p:tag name="LATEXFORMWIDTH" val="384"/>
-  <p:tag name="LATEXFORMWRAP" val="True"/>
-  <p:tag name="BITMAPVECTOR" val="0"/>
-</p:tagLst>
-</file>
-
-<file path=ppt/tags/tag35.xml><?xml version="1.0" encoding="utf-8"?>
-<p:tagLst xmlns:a="http://schemas.openxmlformats.org/drawingml/2006/main" xmlns:r="http://schemas.openxmlformats.org/officeDocument/2006/relationships" xmlns:p="http://schemas.openxmlformats.org/presentationml/2006/main">
-  <p:tag name="OUTPUTDPI" val="1200"/>
-  <p:tag name="ORIGINALHEIGHT" val="105.7368"/>
-  <p:tag name="ORIGINALWIDTH" val="302.2122"/>
-  <p:tag name="LATEXADDIN" val="\documentclass{article}&#10;\usepackage{amsmath}&#10;\usepackage{xcolor}&#10;\pagestyle{empty}&#10;\begin{document}&#10;&#10;\definecolor{Monred}{RGB}{172,0,0}&#10;&#10;$$h_{Tank}$$&#10;&#10;&#10;\end{document}"/>
-  <p:tag name="IGUANATEXSIZE" val="20"/>
-  <p:tag name="IGUANATEXCURSOR" val="147"/>
-  <p:tag name="TRANSPARENCY" val="True"/>
-  <p:tag name="FILENAME" val=""/>
-  <p:tag name="LATEXENGINEID" val="0"/>
-  <p:tag name="TEMPFOLDER" val="c:\temp\"/>
-  <p:tag name="LATEXFORMHEIGHT" val="312"/>
-  <p:tag name="LATEXFORMWIDTH" val="384"/>
-  <p:tag name="LATEXFORMWRAP" val="True"/>
-  <p:tag name="BITMAPVECTOR" val="0"/>
-</p:tagLst>
-</file>
-
-<file path=ppt/tags/tag36.xml><?xml version="1.0" encoding="utf-8"?>
-<p:tagLst xmlns:a="http://schemas.openxmlformats.org/drawingml/2006/main" xmlns:r="http://schemas.openxmlformats.org/officeDocument/2006/relationships" xmlns:p="http://schemas.openxmlformats.org/presentationml/2006/main">
-  <p:tag name="OUTPUTDPI" val="1200"/>
-  <p:tag name="ORIGINALHEIGHT" val="113.2358"/>
-  <p:tag name="ORIGINALWIDTH" val="3247.094"/>
-  <p:tag name="LATEXADDIN" val="\documentclass{article}&#10;\usepackage{amsmath}&#10;\usepackage{xcolor}&#10;\pagestyle{empty}&#10;\begin{document}&#10;&#10;\definecolor{Monred}{RGB}{172,0,0}&#10;&#10;$Q_0$ = Initial flow rate of hypochlorite solution at time $t = 0$&#10;&#10;&#10;\end{document}"/>
-  <p:tag name="IGUANATEXSIZE" val="20"/>
-  <p:tag name="IGUANATEXCURSOR" val="203"/>
-  <p:tag name="TRANSPARENCY" val="True"/>
-  <p:tag name="FILENAME" val=""/>
-  <p:tag name="LATEXENGINEID" val="0"/>
-  <p:tag name="TEMPFOLDER" val="c:\temp\"/>
-  <p:tag name="LATEXFORMHEIGHT" val="312"/>
-  <p:tag name="LATEXFORMWIDTH" val="384"/>
-  <p:tag name="LATEXFORMWRAP" val="True"/>
-  <p:tag name="BITMAPVECTOR" val="0"/>
-</p:tagLst>
-</file>
-
-<file path=ppt/tags/tag37.xml><?xml version="1.0" encoding="utf-8"?>
-<p:tagLst xmlns:a="http://schemas.openxmlformats.org/drawingml/2006/main" xmlns:r="http://schemas.openxmlformats.org/officeDocument/2006/relationships" xmlns:p="http://schemas.openxmlformats.org/presentationml/2006/main">
-  <p:tag name="OUTPUTDPI" val="1200"/>
-  <p:tag name="ORIGINALHEIGHT" val="106.4867"/>
-  <p:tag name="ORIGINALWIDTH" val="110.2362"/>
-  <p:tag name="LATEXADDIN" val="\documentclass{article}&#10;\usepackage{amsmath}&#10;\usepackage{xcolor}&#10;\pagestyle{empty}&#10;\begin{document}&#10;&#10;\definecolor{Monred}{RGB}{172,0,0}&#10;&#10;$$h_0$$&#10;&#10;&#10;\end{document}"/>
-  <p:tag name="IGUANATEXSIZE" val="20"/>
-  <p:tag name="IGUANATEXCURSOR" val="144"/>
-  <p:tag name="TRANSPARENCY" val="True"/>
-  <p:tag name="FILENAME" val=""/>
-  <p:tag name="LATEXENGINEID" val="0"/>
-  <p:tag name="TEMPFOLDER" val="c:\temp\"/>
-  <p:tag name="LATEXFORMHEIGHT" val="312"/>
-  <p:tag name="LATEXFORMWIDTH" val="384"/>
-  <p:tag name="LATEXFORMWRAP" val="True"/>
-  <p:tag name="BITMAPVECTOR" val="0"/>
-</p:tagLst>
-</file>
-
-<file path=ppt/tags/tag4.xml><?xml version="1.0" encoding="utf-8"?>
+<file path=ppt/tags/tag7.xml><?xml version="1.0" encoding="utf-8"?>
 <p:tagLst xmlns:a="http://schemas.openxmlformats.org/drawingml/2006/main" xmlns:r="http://schemas.openxmlformats.org/officeDocument/2006/relationships" xmlns:p="http://schemas.openxmlformats.org/presentationml/2006/main">
   <p:tag name="OUTPUTDPI" val="1200"/>
   <p:tag name="ORIGINALHEIGHT" val="104.9868"/>
@@ -44717,7 +45277,7 @@
 </p:tagLst>
 </file>
 
-<file path=ppt/tags/tag5.xml><?xml version="1.0" encoding="utf-8"?>
+<file path=ppt/tags/tag8.xml><?xml version="1.0" encoding="utf-8"?>
 <p:tagLst xmlns:a="http://schemas.openxmlformats.org/drawingml/2006/main" xmlns:r="http://schemas.openxmlformats.org/officeDocument/2006/relationships" xmlns:p="http://schemas.openxmlformats.org/presentationml/2006/main">
   <p:tag name="OUTPUTDPI" val="1200"/>
   <p:tag name="ORIGINALHEIGHT" val="275.2156"/>
@@ -44736,7 +45296,7 @@
 </p:tagLst>
 </file>
 
-<file path=ppt/tags/tag6.xml><?xml version="1.0" encoding="utf-8"?>
+<file path=ppt/tags/tag9.xml><?xml version="1.0" encoding="utf-8"?>
 <p:tagLst xmlns:a="http://schemas.openxmlformats.org/drawingml/2006/main" xmlns:r="http://schemas.openxmlformats.org/officeDocument/2006/relationships" xmlns:p="http://schemas.openxmlformats.org/presentationml/2006/main">
   <p:tag name="OUTPUTDPI" val="1200"/>
   <p:tag name="ORIGINALHEIGHT" val="174.7282"/>
@@ -44744,63 +45304,6 @@
   <p:tag name="LATEXADDIN" val="\documentclass{article}&#10;\usepackage{amsmath}&#10;\usepackage{xcolor}&#10;\pagestyle{empty}&#10;\begin{document}&#10;&#10;\definecolor{Monred}{RGB}{172,0,0}&#10;&#10;&#10;$$\sum K_e = 2$$&#10;&#10;\end{document}"/>
   <p:tag name="IGUANATEXSIZE" val="20"/>
   <p:tag name="IGUANATEXCURSOR" val="152"/>
-  <p:tag name="TRANSPARENCY" val="True"/>
-  <p:tag name="FILENAME" val=""/>
-  <p:tag name="LATEXENGINEID" val="0"/>
-  <p:tag name="TEMPFOLDER" val="c:\temp\"/>
-  <p:tag name="LATEXFORMHEIGHT" val="312"/>
-  <p:tag name="LATEXFORMWIDTH" val="384"/>
-  <p:tag name="LATEXFORMWRAP" val="True"/>
-  <p:tag name="BITMAPVECTOR" val="0"/>
-</p:tagLst>
-</file>
-
-<file path=ppt/tags/tag7.xml><?xml version="1.0" encoding="utf-8"?>
-<p:tagLst xmlns:a="http://schemas.openxmlformats.org/drawingml/2006/main" xmlns:r="http://schemas.openxmlformats.org/officeDocument/2006/relationships" xmlns:p="http://schemas.openxmlformats.org/presentationml/2006/main">
-  <p:tag name="OUTPUTDPI" val="1200"/>
-  <p:tag name="ORIGINALHEIGHT" val="104.9868"/>
-  <p:tag name="ORIGINALWIDTH" val="128.2339"/>
-  <p:tag name="LATEXADDIN" val="\documentclass{article}&#10;\usepackage{amsmath}&#10;\usepackage{xcolor}&#10;\pagestyle{empty}&#10;\begin{document}&#10;&#10;\definecolor{Monred}{RGB}{172,0,0}&#10;&#10;$$h_L$$&#10;&#10;&#10;\end{document}"/>
-  <p:tag name="IGUANATEXSIZE" val="20"/>
-  <p:tag name="IGUANATEXCURSOR" val="144"/>
-  <p:tag name="TRANSPARENCY" val="True"/>
-  <p:tag name="FILENAME" val=""/>
-  <p:tag name="LATEXENGINEID" val="0"/>
-  <p:tag name="TEMPFOLDER" val="c:\temp\"/>
-  <p:tag name="LATEXFORMHEIGHT" val="312"/>
-  <p:tag name="LATEXFORMWIDTH" val="384"/>
-  <p:tag name="LATEXFORMWRAP" val="True"/>
-  <p:tag name="BITMAPVECTOR" val="0"/>
-</p:tagLst>
-</file>
-
-<file path=ppt/tags/tag8.xml><?xml version="1.0" encoding="utf-8"?>
-<p:tagLst xmlns:a="http://schemas.openxmlformats.org/drawingml/2006/main" xmlns:r="http://schemas.openxmlformats.org/officeDocument/2006/relationships" xmlns:p="http://schemas.openxmlformats.org/presentationml/2006/main">
-  <p:tag name="OUTPUTDPI" val="1200"/>
-  <p:tag name="ORIGINALHEIGHT" val="122.9846"/>
-  <p:tag name="ORIGINALWIDTH" val="118.4852"/>
-  <p:tag name="LATEXADDIN" val="\documentclass{article}&#10;\usepackage{amsmath}&#10;\usepackage{xcolor}&#10;\pagestyle{empty}&#10;\begin{document}&#10;&#10;\definecolor{Monred}{RGB}{172,0,0}&#10;&#10;&#10;$$h_f$$&#10;&#10;\end{document}"/>
-  <p:tag name="IGUANATEXSIZE" val="20"/>
-  <p:tag name="IGUANATEXCURSOR" val="145"/>
-  <p:tag name="TRANSPARENCY" val="True"/>
-  <p:tag name="FILENAME" val=""/>
-  <p:tag name="LATEXENGINEID" val="0"/>
-  <p:tag name="TEMPFOLDER" val="c:\temp\"/>
-  <p:tag name="LATEXFORMHEIGHT" val="312"/>
-  <p:tag name="LATEXFORMWIDTH" val="384"/>
-  <p:tag name="LATEXFORMWRAP" val="True"/>
-  <p:tag name="BITMAPVECTOR" val="0"/>
-</p:tagLst>
-</file>
-
-<file path=ppt/tags/tag9.xml><?xml version="1.0" encoding="utf-8"?>
-<p:tagLst xmlns:a="http://schemas.openxmlformats.org/drawingml/2006/main" xmlns:r="http://schemas.openxmlformats.org/officeDocument/2006/relationships" xmlns:p="http://schemas.openxmlformats.org/presentationml/2006/main">
-  <p:tag name="OUTPUTDPI" val="1200"/>
-  <p:tag name="ORIGINALHEIGHT" val="90.73866"/>
-  <p:tag name="ORIGINALWIDTH" val="166.4792"/>
-  <p:tag name="LATEXADDIN" val="\documentclass{article}&#10;\usepackage{amsmath}&#10;\usepackage{xcolor}&#10;\pagestyle{empty}&#10;\begin{document}&#10;&#10;\definecolor{Monred}{RGB}{172,0,0}&#10;&#10;&#10;$$\Delta h$$&#10;&#10;\end{document}"/>
-  <p:tag name="IGUANATEXSIZE" val="20"/>
-  <p:tag name="IGUANATEXCURSOR" val="150"/>
   <p:tag name="TRANSPARENCY" val="True"/>
   <p:tag name="FILENAME" val=""/>
   <p:tag name="LATEXENGINEID" val="0"/>

--- a/AguaClara Water Treatment Plant Design/Diagrams.pptx
+++ b/AguaClara Water Treatment Plant Design/Diagrams.pptx
@@ -18816,9 +18816,9 @@
         <p:grpSpPr>
           <a:xfrm>
             <a:off x="1389411" y="1151792"/>
-            <a:ext cx="11607104" cy="4737639"/>
+            <a:ext cx="12757256" cy="4737639"/>
             <a:chOff x="1389411" y="1151792"/>
-            <a:chExt cx="11607104" cy="4737639"/>
+            <a:chExt cx="12757256" cy="4737639"/>
           </a:xfrm>
         </p:grpSpPr>
         <p:grpSp>
@@ -18836,9 +18836,9 @@
           <p:grpSpPr>
             <a:xfrm>
               <a:off x="1389411" y="1151792"/>
-              <a:ext cx="11607104" cy="4737639"/>
+              <a:ext cx="12757256" cy="4737639"/>
               <a:chOff x="1389411" y="1151792"/>
-              <a:chExt cx="11607104" cy="4737639"/>
+              <a:chExt cx="12757256" cy="4737639"/>
             </a:xfrm>
           </p:grpSpPr>
           <p:pic>
@@ -18948,7 +18948,7 @@
             <p:spPr>
               <a:xfrm>
                 <a:off x="8060271" y="2841501"/>
-                <a:ext cx="4376599" cy="627249"/>
+                <a:ext cx="5396360" cy="773400"/>
               </a:xfrm>
               <a:prstGeom prst="rect">
                 <a:avLst/>
@@ -18990,8 +18990,8 @@
             </p:blipFill>
             <p:spPr>
               <a:xfrm>
-                <a:off x="8060274" y="3892281"/>
-                <a:ext cx="4936241" cy="627249"/>
+                <a:off x="8060274" y="3869336"/>
+                <a:ext cx="6086393" cy="773399"/>
               </a:xfrm>
               <a:prstGeom prst="rect">
                 <a:avLst/>
@@ -19034,8 +19034,8 @@
           </p:blipFill>
           <p:spPr>
             <a:xfrm>
-              <a:off x="8060272" y="1917039"/>
-              <a:ext cx="1618749" cy="627202"/>
+              <a:off x="8060272" y="1813666"/>
+              <a:ext cx="1996072" cy="773400"/>
             </a:xfrm>
             <a:prstGeom prst="rect">
               <a:avLst/>
@@ -34229,10 +34229,10 @@
       </p:grpSpPr>
       <p:grpSp>
         <p:nvGrpSpPr>
-          <p:cNvPr id="13" name="Group 12">
+          <p:cNvPr id="2" name="Group 1">
             <a:extLst>
               <a:ext uri="{FF2B5EF4-FFF2-40B4-BE49-F238E27FC236}">
-                <a16:creationId xmlns:a16="http://schemas.microsoft.com/office/drawing/2014/main" id="{764635BE-4226-4F09-AC30-C38657320793}"/>
+                <a16:creationId xmlns:a16="http://schemas.microsoft.com/office/drawing/2014/main" id="{51B2798E-6D79-4BE4-8DAC-D3229AE96453}"/>
               </a:ext>
             </a:extLst>
           </p:cNvPr>
@@ -34241,10 +34241,10 @@
         </p:nvGrpSpPr>
         <p:grpSpPr>
           <a:xfrm>
-            <a:off x="2788284" y="1747269"/>
-            <a:ext cx="8468157" cy="3055763"/>
-            <a:chOff x="2788284" y="1747269"/>
-            <a:chExt cx="8468157" cy="3055763"/>
+            <a:off x="767460" y="1216917"/>
+            <a:ext cx="9167651" cy="3055763"/>
+            <a:chOff x="767460" y="1216917"/>
+            <a:chExt cx="9167651" cy="3055763"/>
           </a:xfrm>
         </p:grpSpPr>
         <p:pic>
@@ -34270,7 +34270,7 @@
           </p:blipFill>
           <p:spPr bwMode="auto">
             <a:xfrm>
-              <a:off x="2788284" y="1747269"/>
+              <a:off x="767460" y="1216917"/>
               <a:ext cx="4114800" cy="3055763"/>
             </a:xfrm>
             <a:prstGeom prst="rect">
@@ -34309,7 +34309,7 @@
           </p:blipFill>
           <p:spPr bwMode="auto">
             <a:xfrm>
-              <a:off x="9403716" y="3429000"/>
+              <a:off x="7777005" y="2895950"/>
               <a:ext cx="1519947" cy="1257510"/>
             </a:xfrm>
             <a:prstGeom prst="rect">
@@ -34357,8 +34357,8 @@
           </p:blipFill>
           <p:spPr>
             <a:xfrm>
-              <a:off x="6775159" y="2866292"/>
-              <a:ext cx="4481282" cy="484399"/>
+              <a:off x="4754335" y="2335940"/>
+              <a:ext cx="5180776" cy="560010"/>
             </a:xfrm>
             <a:prstGeom prst="rect">
               <a:avLst/>
@@ -34397,8 +34397,8 @@
           </p:blipFill>
           <p:spPr>
             <a:xfrm>
-              <a:off x="6775159" y="2064318"/>
-              <a:ext cx="3828364" cy="484926"/>
+              <a:off x="4754334" y="1405950"/>
+              <a:ext cx="4421133" cy="560010"/>
             </a:xfrm>
             <a:prstGeom prst="rect">
               <a:avLst/>
@@ -34419,7 +34419,7 @@
           </p:nvSpPr>
           <p:spPr bwMode="auto">
             <a:xfrm>
-              <a:off x="9403716" y="3894992"/>
+              <a:off x="7777005" y="3361942"/>
               <a:ext cx="733815" cy="342900"/>
             </a:xfrm>
             <a:prstGeom prst="ellipse">
@@ -34461,7 +34461,7 @@
           </p:nvSpPr>
           <p:spPr>
             <a:xfrm>
-              <a:off x="9403716" y="3024660"/>
+              <a:off x="7777005" y="2491610"/>
               <a:ext cx="580293" cy="1028700"/>
             </a:xfrm>
             <a:prstGeom prst="arc">

--- a/AguaClara Water Treatment Plant Design/Diagrams.pptx
+++ b/AguaClara Water Treatment Plant Design/Diagrams.pptx
@@ -8,24 +8,25 @@
     <p:sldId id="256" r:id="rId2"/>
     <p:sldId id="275" r:id="rId3"/>
     <p:sldId id="273" r:id="rId4"/>
-    <p:sldId id="277" r:id="rId5"/>
-    <p:sldId id="276" r:id="rId6"/>
-    <p:sldId id="274" r:id="rId7"/>
-    <p:sldId id="270" r:id="rId8"/>
-    <p:sldId id="257" r:id="rId9"/>
-    <p:sldId id="258" r:id="rId10"/>
-    <p:sldId id="266" r:id="rId11"/>
-    <p:sldId id="259" r:id="rId12"/>
-    <p:sldId id="263" r:id="rId13"/>
-    <p:sldId id="269" r:id="rId14"/>
-    <p:sldId id="264" r:id="rId15"/>
-    <p:sldId id="265" r:id="rId16"/>
-    <p:sldId id="267" r:id="rId17"/>
-    <p:sldId id="271" r:id="rId18"/>
-    <p:sldId id="268" r:id="rId19"/>
-    <p:sldId id="261" r:id="rId20"/>
-    <p:sldId id="272" r:id="rId21"/>
-    <p:sldId id="262" r:id="rId22"/>
+    <p:sldId id="278" r:id="rId5"/>
+    <p:sldId id="277" r:id="rId6"/>
+    <p:sldId id="276" r:id="rId7"/>
+    <p:sldId id="274" r:id="rId8"/>
+    <p:sldId id="270" r:id="rId9"/>
+    <p:sldId id="257" r:id="rId10"/>
+    <p:sldId id="258" r:id="rId11"/>
+    <p:sldId id="266" r:id="rId12"/>
+    <p:sldId id="259" r:id="rId13"/>
+    <p:sldId id="263" r:id="rId14"/>
+    <p:sldId id="269" r:id="rId15"/>
+    <p:sldId id="264" r:id="rId16"/>
+    <p:sldId id="265" r:id="rId17"/>
+    <p:sldId id="267" r:id="rId18"/>
+    <p:sldId id="271" r:id="rId19"/>
+    <p:sldId id="268" r:id="rId20"/>
+    <p:sldId id="261" r:id="rId21"/>
+    <p:sldId id="272" r:id="rId22"/>
+    <p:sldId id="262" r:id="rId23"/>
   </p:sldIdLst>
   <p:sldSz cx="12192000" cy="6858000"/>
   <p:notesSz cx="6858000" cy="9144000"/>
@@ -290,7 +291,7 @@
           <a:p>
             <a:fld id="{21D1E3DE-262E-49AD-8F92-4417FBCF3DA3}" type="datetimeFigureOut">
               <a:rPr lang="en-US" smtClean="0"/>
-              <a:t>5/6/2018</a:t>
+              <a:t>5/8/2018</a:t>
             </a:fld>
             <a:endParaRPr lang="en-US"/>
           </a:p>
@@ -488,7 +489,7 @@
           <a:p>
             <a:fld id="{21D1E3DE-262E-49AD-8F92-4417FBCF3DA3}" type="datetimeFigureOut">
               <a:rPr lang="en-US" smtClean="0"/>
-              <a:t>5/6/2018</a:t>
+              <a:t>5/8/2018</a:t>
             </a:fld>
             <a:endParaRPr lang="en-US"/>
           </a:p>
@@ -696,7 +697,7 @@
           <a:p>
             <a:fld id="{21D1E3DE-262E-49AD-8F92-4417FBCF3DA3}" type="datetimeFigureOut">
               <a:rPr lang="en-US" smtClean="0"/>
-              <a:t>5/6/2018</a:t>
+              <a:t>5/8/2018</a:t>
             </a:fld>
             <a:endParaRPr lang="en-US"/>
           </a:p>
@@ -894,7 +895,7 @@
           <a:p>
             <a:fld id="{21D1E3DE-262E-49AD-8F92-4417FBCF3DA3}" type="datetimeFigureOut">
               <a:rPr lang="en-US" smtClean="0"/>
-              <a:t>5/6/2018</a:t>
+              <a:t>5/8/2018</a:t>
             </a:fld>
             <a:endParaRPr lang="en-US"/>
           </a:p>
@@ -1169,7 +1170,7 @@
           <a:p>
             <a:fld id="{21D1E3DE-262E-49AD-8F92-4417FBCF3DA3}" type="datetimeFigureOut">
               <a:rPr lang="en-US" smtClean="0"/>
-              <a:t>5/6/2018</a:t>
+              <a:t>5/8/2018</a:t>
             </a:fld>
             <a:endParaRPr lang="en-US"/>
           </a:p>
@@ -1434,7 +1435,7 @@
           <a:p>
             <a:fld id="{21D1E3DE-262E-49AD-8F92-4417FBCF3DA3}" type="datetimeFigureOut">
               <a:rPr lang="en-US" smtClean="0"/>
-              <a:t>5/6/2018</a:t>
+              <a:t>5/8/2018</a:t>
             </a:fld>
             <a:endParaRPr lang="en-US"/>
           </a:p>
@@ -1846,7 +1847,7 @@
           <a:p>
             <a:fld id="{21D1E3DE-262E-49AD-8F92-4417FBCF3DA3}" type="datetimeFigureOut">
               <a:rPr lang="en-US" smtClean="0"/>
-              <a:t>5/6/2018</a:t>
+              <a:t>5/8/2018</a:t>
             </a:fld>
             <a:endParaRPr lang="en-US"/>
           </a:p>
@@ -1987,7 +1988,7 @@
           <a:p>
             <a:fld id="{21D1E3DE-262E-49AD-8F92-4417FBCF3DA3}" type="datetimeFigureOut">
               <a:rPr lang="en-US" smtClean="0"/>
-              <a:t>5/6/2018</a:t>
+              <a:t>5/8/2018</a:t>
             </a:fld>
             <a:endParaRPr lang="en-US"/>
           </a:p>
@@ -2100,7 +2101,7 @@
           <a:p>
             <a:fld id="{21D1E3DE-262E-49AD-8F92-4417FBCF3DA3}" type="datetimeFigureOut">
               <a:rPr lang="en-US" smtClean="0"/>
-              <a:t>5/6/2018</a:t>
+              <a:t>5/8/2018</a:t>
             </a:fld>
             <a:endParaRPr lang="en-US"/>
           </a:p>
@@ -2411,7 +2412,7 @@
           <a:p>
             <a:fld id="{21D1E3DE-262E-49AD-8F92-4417FBCF3DA3}" type="datetimeFigureOut">
               <a:rPr lang="en-US" smtClean="0"/>
-              <a:t>5/6/2018</a:t>
+              <a:t>5/8/2018</a:t>
             </a:fld>
             <a:endParaRPr lang="en-US"/>
           </a:p>
@@ -2699,7 +2700,7 @@
           <a:p>
             <a:fld id="{21D1E3DE-262E-49AD-8F92-4417FBCF3DA3}" type="datetimeFigureOut">
               <a:rPr lang="en-US" smtClean="0"/>
-              <a:t>5/6/2018</a:t>
+              <a:t>5/8/2018</a:t>
             </a:fld>
             <a:endParaRPr lang="en-US"/>
           </a:p>
@@ -2940,7 +2941,7 @@
           <a:p>
             <a:fld id="{21D1E3DE-262E-49AD-8F92-4417FBCF3DA3}" type="datetimeFigureOut">
               <a:rPr lang="en-US" smtClean="0"/>
-              <a:t>5/6/2018</a:t>
+              <a:t>5/8/2018</a:t>
             </a:fld>
             <a:endParaRPr lang="en-US"/>
           </a:p>
@@ -4930,6 +4931,1486 @@
       </p:grpSpPr>
       <p:grpSp>
         <p:nvGrpSpPr>
+          <p:cNvPr id="2" name="Group 1">
+            <a:extLst>
+              <a:ext uri="{FF2B5EF4-FFF2-40B4-BE49-F238E27FC236}">
+                <a16:creationId xmlns:a16="http://schemas.microsoft.com/office/drawing/2014/main" id="{74B9016D-11DB-4CD8-9118-27CFF251A34E}"/>
+              </a:ext>
+            </a:extLst>
+          </p:cNvPr>
+          <p:cNvGrpSpPr/>
+          <p:nvPr/>
+        </p:nvGrpSpPr>
+        <p:grpSpPr>
+          <a:xfrm>
+            <a:off x="990600" y="1557798"/>
+            <a:ext cx="8633936" cy="4004802"/>
+            <a:chOff x="990600" y="1534669"/>
+            <a:chExt cx="8633936" cy="4004802"/>
+          </a:xfrm>
+        </p:grpSpPr>
+        <p:sp>
+          <p:nvSpPr>
+            <p:cNvPr id="50" name="Freeform 6">
+              <a:extLst>
+                <a:ext uri="{FF2B5EF4-FFF2-40B4-BE49-F238E27FC236}">
+                  <a16:creationId xmlns:a16="http://schemas.microsoft.com/office/drawing/2014/main" id="{2B4BD6E5-C3A2-459A-9050-3C2BBC98649B}"/>
+                </a:ext>
+              </a:extLst>
+            </p:cNvPr>
+            <p:cNvSpPr>
+              <a:spLocks/>
+            </p:cNvSpPr>
+            <p:nvPr/>
+          </p:nvSpPr>
+          <p:spPr bwMode="auto">
+            <a:xfrm>
+              <a:off x="1722572" y="2339071"/>
+              <a:ext cx="3336367" cy="1828800"/>
+            </a:xfrm>
+            <a:custGeom>
+              <a:avLst/>
+              <a:gdLst/>
+              <a:ahLst/>
+              <a:cxnLst>
+                <a:cxn ang="0">
+                  <a:pos x="0" y="0"/>
+                </a:cxn>
+                <a:cxn ang="0">
+                  <a:pos x="0" y="528"/>
+                </a:cxn>
+                <a:cxn ang="0">
+                  <a:pos x="3216" y="528"/>
+                </a:cxn>
+                <a:cxn ang="0">
+                  <a:pos x="3216" y="0"/>
+                </a:cxn>
+              </a:cxnLst>
+              <a:rect l="0" t="0" r="r" b="b"/>
+              <a:pathLst>
+                <a:path w="3216" h="528">
+                  <a:moveTo>
+                    <a:pt x="0" y="0"/>
+                  </a:moveTo>
+                  <a:lnTo>
+                    <a:pt x="0" y="528"/>
+                  </a:lnTo>
+                  <a:lnTo>
+                    <a:pt x="3216" y="528"/>
+                  </a:lnTo>
+                  <a:lnTo>
+                    <a:pt x="3216" y="0"/>
+                  </a:lnTo>
+                </a:path>
+              </a:pathLst>
+            </a:custGeom>
+            <a:solidFill>
+              <a:schemeClr val="hlink"/>
+            </a:solidFill>
+            <a:ln w="57150" cap="flat" cmpd="sng">
+              <a:solidFill>
+                <a:schemeClr val="tx1"/>
+              </a:solidFill>
+              <a:prstDash val="solid"/>
+              <a:round/>
+              <a:headEnd type="none" w="lg" len="med"/>
+              <a:tailEnd type="none" w="lg" len="med"/>
+            </a:ln>
+            <a:effectLst/>
+          </p:spPr>
+          <p:txBody>
+            <a:bodyPr wrap="square" anchor="ctr">
+              <a:spAutoFit/>
+            </a:bodyPr>
+            <a:lstStyle/>
+            <a:p>
+              <a:endParaRPr lang="en-US" dirty="0"/>
+            </a:p>
+          </p:txBody>
+        </p:sp>
+        <p:sp>
+          <p:nvSpPr>
+            <p:cNvPr id="51" name="AutoShape 13">
+              <a:extLst>
+                <a:ext uri="{FF2B5EF4-FFF2-40B4-BE49-F238E27FC236}">
+                  <a16:creationId xmlns:a16="http://schemas.microsoft.com/office/drawing/2014/main" id="{22C7A6E7-4D39-45FE-B38C-2EC620390B32}"/>
+                </a:ext>
+              </a:extLst>
+            </p:cNvPr>
+            <p:cNvSpPr>
+              <a:spLocks noChangeArrowheads="1"/>
+            </p:cNvSpPr>
+            <p:nvPr/>
+          </p:nvSpPr>
+          <p:spPr bwMode="auto">
+            <a:xfrm>
+              <a:off x="3163177" y="4065967"/>
+              <a:ext cx="728663" cy="1399032"/>
+            </a:xfrm>
+            <a:custGeom>
+              <a:avLst/>
+              <a:gdLst>
+                <a:gd name="G0" fmla="+- 6871 0 0"/>
+                <a:gd name="G1" fmla="+- 21600 0 6871"/>
+                <a:gd name="G2" fmla="*/ 6871 1 2"/>
+                <a:gd name="G3" fmla="+- 21600 0 G2"/>
+                <a:gd name="G4" fmla="+/ 6871 21600 2"/>
+                <a:gd name="G5" fmla="+/ G1 0 2"/>
+                <a:gd name="G6" fmla="*/ 21600 21600 6871"/>
+                <a:gd name="G7" fmla="*/ G6 1 2"/>
+                <a:gd name="G8" fmla="+- 21600 0 G7"/>
+                <a:gd name="G9" fmla="*/ 21600 1 2"/>
+                <a:gd name="G10" fmla="+- 6871 0 G9"/>
+                <a:gd name="G11" fmla="?: G10 G8 0"/>
+                <a:gd name="G12" fmla="?: G10 G7 21600"/>
+                <a:gd name="T0" fmla="*/ 18164 w 21600"/>
+                <a:gd name="T1" fmla="*/ 10800 h 21600"/>
+                <a:gd name="T2" fmla="*/ 10800 w 21600"/>
+                <a:gd name="T3" fmla="*/ 21600 h 21600"/>
+                <a:gd name="T4" fmla="*/ 3436 w 21600"/>
+                <a:gd name="T5" fmla="*/ 10800 h 21600"/>
+                <a:gd name="T6" fmla="*/ 10800 w 21600"/>
+                <a:gd name="T7" fmla="*/ 0 h 21600"/>
+                <a:gd name="T8" fmla="*/ 5236 w 21600"/>
+                <a:gd name="T9" fmla="*/ 5236 h 21600"/>
+                <a:gd name="T10" fmla="*/ 16364 w 21600"/>
+                <a:gd name="T11" fmla="*/ 16364 h 21600"/>
+              </a:gdLst>
+              <a:ahLst/>
+              <a:cxnLst>
+                <a:cxn ang="0">
+                  <a:pos x="T0" y="T1"/>
+                </a:cxn>
+                <a:cxn ang="0">
+                  <a:pos x="T2" y="T3"/>
+                </a:cxn>
+                <a:cxn ang="0">
+                  <a:pos x="T4" y="T5"/>
+                </a:cxn>
+                <a:cxn ang="0">
+                  <a:pos x="T6" y="T7"/>
+                </a:cxn>
+              </a:cxnLst>
+              <a:rect l="T8" t="T9" r="T10" b="T11"/>
+              <a:pathLst>
+                <a:path w="21600" h="21600">
+                  <a:moveTo>
+                    <a:pt x="0" y="0"/>
+                  </a:moveTo>
+                  <a:lnTo>
+                    <a:pt x="6871" y="21600"/>
+                  </a:lnTo>
+                  <a:lnTo>
+                    <a:pt x="14729" y="21600"/>
+                  </a:lnTo>
+                  <a:lnTo>
+                    <a:pt x="21600" y="0"/>
+                  </a:lnTo>
+                  <a:close/>
+                </a:path>
+              </a:pathLst>
+            </a:custGeom>
+            <a:solidFill>
+              <a:schemeClr val="hlink"/>
+            </a:solidFill>
+            <a:ln w="12700">
+              <a:noFill/>
+              <a:miter lim="800000"/>
+              <a:headEnd type="none" w="lg" len="med"/>
+              <a:tailEnd type="none" w="lg" len="med"/>
+            </a:ln>
+            <a:effectLst/>
+          </p:spPr>
+          <p:txBody>
+            <a:bodyPr anchor="ctr">
+              <a:spAutoFit/>
+            </a:bodyPr>
+            <a:lstStyle/>
+            <a:p>
+              <a:endParaRPr lang="en-US"/>
+            </a:p>
+          </p:txBody>
+        </p:sp>
+        <p:grpSp>
+          <p:nvGrpSpPr>
+            <p:cNvPr id="52" name="Group 27">
+              <a:extLst>
+                <a:ext uri="{FF2B5EF4-FFF2-40B4-BE49-F238E27FC236}">
+                  <a16:creationId xmlns:a16="http://schemas.microsoft.com/office/drawing/2014/main" id="{41A131C8-E9EB-4199-8BA2-4A411504E6F5}"/>
+                </a:ext>
+              </a:extLst>
+            </p:cNvPr>
+            <p:cNvGrpSpPr>
+              <a:grpSpLocks/>
+            </p:cNvGrpSpPr>
+            <p:nvPr/>
+          </p:nvGrpSpPr>
+          <p:grpSpPr bwMode="auto">
+            <a:xfrm>
+              <a:off x="3151176" y="4150993"/>
+              <a:ext cx="740664" cy="1316736"/>
+              <a:chOff x="2480" y="2033"/>
+              <a:chExt cx="459" cy="1395"/>
+            </a:xfrm>
+          </p:grpSpPr>
+          <p:sp>
+            <p:nvSpPr>
+              <p:cNvPr id="75" name="Freeform 8">
+                <a:extLst>
+                  <a:ext uri="{FF2B5EF4-FFF2-40B4-BE49-F238E27FC236}">
+                    <a16:creationId xmlns:a16="http://schemas.microsoft.com/office/drawing/2014/main" id="{0A55DB3D-9497-42C7-9EE3-8BB33652273C}"/>
+                  </a:ext>
+                </a:extLst>
+              </p:cNvPr>
+              <p:cNvSpPr>
+                <a:spLocks/>
+              </p:cNvSpPr>
+              <p:nvPr/>
+            </p:nvSpPr>
+            <p:spPr bwMode="auto">
+              <a:xfrm>
+                <a:off x="2480" y="2033"/>
+                <a:ext cx="147" cy="1395"/>
+              </a:xfrm>
+              <a:custGeom>
+                <a:avLst/>
+                <a:gdLst/>
+                <a:ahLst/>
+                <a:cxnLst>
+                  <a:cxn ang="0">
+                    <a:pos x="0" y="0"/>
+                  </a:cxn>
+                  <a:cxn ang="0">
+                    <a:pos x="111" y="232"/>
+                  </a:cxn>
+                  <a:cxn ang="0">
+                    <a:pos x="141" y="1395"/>
+                  </a:cxn>
+                </a:cxnLst>
+                <a:rect l="0" t="0" r="r" b="b"/>
+                <a:pathLst>
+                  <a:path w="147" h="1395">
+                    <a:moveTo>
+                      <a:pt x="0" y="0"/>
+                    </a:moveTo>
+                    <a:cubicBezTo>
+                      <a:pt x="87" y="0"/>
+                      <a:pt x="106" y="174"/>
+                      <a:pt x="111" y="232"/>
+                    </a:cubicBezTo>
+                    <a:cubicBezTo>
+                      <a:pt x="116" y="290"/>
+                      <a:pt x="147" y="1084"/>
+                      <a:pt x="141" y="1395"/>
+                    </a:cubicBezTo>
+                  </a:path>
+                </a:pathLst>
+              </a:custGeom>
+              <a:solidFill>
+                <a:schemeClr val="bg1"/>
+              </a:solidFill>
+              <a:ln w="12700" cap="flat" cmpd="sng">
+                <a:solidFill>
+                  <a:schemeClr val="hlink"/>
+                </a:solidFill>
+                <a:prstDash val="solid"/>
+                <a:round/>
+                <a:headEnd type="none" w="lg" len="med"/>
+                <a:tailEnd type="none" w="lg" len="med"/>
+              </a:ln>
+              <a:effectLst/>
+            </p:spPr>
+            <p:txBody>
+              <a:bodyPr wrap="none" anchor="ctr">
+                <a:spAutoFit/>
+              </a:bodyPr>
+              <a:lstStyle/>
+              <a:p>
+                <a:endParaRPr lang="en-US"/>
+              </a:p>
+            </p:txBody>
+          </p:sp>
+          <p:sp>
+            <p:nvSpPr>
+              <p:cNvPr id="76" name="Freeform 15">
+                <a:extLst>
+                  <a:ext uri="{FF2B5EF4-FFF2-40B4-BE49-F238E27FC236}">
+                    <a16:creationId xmlns:a16="http://schemas.microsoft.com/office/drawing/2014/main" id="{EAE13F74-1D37-4B6E-A647-D005203F749D}"/>
+                  </a:ext>
+                </a:extLst>
+              </p:cNvPr>
+              <p:cNvSpPr>
+                <a:spLocks/>
+              </p:cNvSpPr>
+              <p:nvPr/>
+            </p:nvSpPr>
+            <p:spPr bwMode="auto">
+              <a:xfrm flipH="1">
+                <a:off x="2792" y="2033"/>
+                <a:ext cx="147" cy="1395"/>
+              </a:xfrm>
+              <a:custGeom>
+                <a:avLst/>
+                <a:gdLst/>
+                <a:ahLst/>
+                <a:cxnLst>
+                  <a:cxn ang="0">
+                    <a:pos x="0" y="0"/>
+                  </a:cxn>
+                  <a:cxn ang="0">
+                    <a:pos x="111" y="232"/>
+                  </a:cxn>
+                  <a:cxn ang="0">
+                    <a:pos x="141" y="1395"/>
+                  </a:cxn>
+                </a:cxnLst>
+                <a:rect l="0" t="0" r="r" b="b"/>
+                <a:pathLst>
+                  <a:path w="147" h="1395">
+                    <a:moveTo>
+                      <a:pt x="0" y="0"/>
+                    </a:moveTo>
+                    <a:cubicBezTo>
+                      <a:pt x="87" y="0"/>
+                      <a:pt x="106" y="174"/>
+                      <a:pt x="111" y="232"/>
+                    </a:cubicBezTo>
+                    <a:cubicBezTo>
+                      <a:pt x="116" y="290"/>
+                      <a:pt x="147" y="1084"/>
+                      <a:pt x="141" y="1395"/>
+                    </a:cubicBezTo>
+                  </a:path>
+                </a:pathLst>
+              </a:custGeom>
+              <a:solidFill>
+                <a:schemeClr val="bg1"/>
+              </a:solidFill>
+              <a:ln w="12700" cap="flat" cmpd="sng">
+                <a:solidFill>
+                  <a:schemeClr val="hlink"/>
+                </a:solidFill>
+                <a:prstDash val="solid"/>
+                <a:round/>
+                <a:headEnd type="none" w="lg" len="med"/>
+                <a:tailEnd type="none" w="lg" len="med"/>
+              </a:ln>
+              <a:effectLst/>
+            </p:spPr>
+            <p:txBody>
+              <a:bodyPr wrap="none" anchor="ctr">
+                <a:spAutoFit/>
+              </a:bodyPr>
+              <a:lstStyle/>
+              <a:p>
+                <a:endParaRPr lang="en-US"/>
+              </a:p>
+            </p:txBody>
+          </p:sp>
+        </p:grpSp>
+        <p:sp>
+          <p:nvSpPr>
+            <p:cNvPr id="53" name="Freeform 6">
+              <a:extLst>
+                <a:ext uri="{FF2B5EF4-FFF2-40B4-BE49-F238E27FC236}">
+                  <a16:creationId xmlns:a16="http://schemas.microsoft.com/office/drawing/2014/main" id="{4651E136-A48F-44D0-BF34-93C34B553D6D}"/>
+                </a:ext>
+              </a:extLst>
+            </p:cNvPr>
+            <p:cNvSpPr>
+              <a:spLocks/>
+            </p:cNvSpPr>
+            <p:nvPr/>
+          </p:nvSpPr>
+          <p:spPr bwMode="auto">
+            <a:xfrm>
+              <a:off x="5534888" y="2339071"/>
+              <a:ext cx="2152192" cy="3200400"/>
+            </a:xfrm>
+            <a:custGeom>
+              <a:avLst/>
+              <a:gdLst/>
+              <a:ahLst/>
+              <a:cxnLst>
+                <a:cxn ang="0">
+                  <a:pos x="0" y="0"/>
+                </a:cxn>
+                <a:cxn ang="0">
+                  <a:pos x="0" y="528"/>
+                </a:cxn>
+                <a:cxn ang="0">
+                  <a:pos x="3216" y="528"/>
+                </a:cxn>
+                <a:cxn ang="0">
+                  <a:pos x="3216" y="0"/>
+                </a:cxn>
+              </a:cxnLst>
+              <a:rect l="0" t="0" r="r" b="b"/>
+              <a:pathLst>
+                <a:path w="3216" h="528">
+                  <a:moveTo>
+                    <a:pt x="0" y="0"/>
+                  </a:moveTo>
+                  <a:lnTo>
+                    <a:pt x="0" y="528"/>
+                  </a:lnTo>
+                  <a:lnTo>
+                    <a:pt x="3216" y="528"/>
+                  </a:lnTo>
+                  <a:lnTo>
+                    <a:pt x="3216" y="0"/>
+                  </a:lnTo>
+                </a:path>
+              </a:pathLst>
+            </a:custGeom>
+            <a:solidFill>
+              <a:schemeClr val="hlink"/>
+            </a:solidFill>
+            <a:ln w="57150" cap="flat" cmpd="sng">
+              <a:solidFill>
+                <a:schemeClr val="tx1"/>
+              </a:solidFill>
+              <a:prstDash val="solid"/>
+              <a:round/>
+              <a:headEnd type="none" w="lg" len="med"/>
+              <a:tailEnd type="none" w="lg" len="med"/>
+            </a:ln>
+            <a:effectLst/>
+          </p:spPr>
+          <p:txBody>
+            <a:bodyPr wrap="square" anchor="ctr">
+              <a:spAutoFit/>
+            </a:bodyPr>
+            <a:lstStyle/>
+            <a:p>
+              <a:endParaRPr lang="en-US"/>
+            </a:p>
+          </p:txBody>
+        </p:sp>
+        <p:sp>
+          <p:nvSpPr>
+            <p:cNvPr id="54" name="AutoShape 13">
+              <a:extLst>
+                <a:ext uri="{FF2B5EF4-FFF2-40B4-BE49-F238E27FC236}">
+                  <a16:creationId xmlns:a16="http://schemas.microsoft.com/office/drawing/2014/main" id="{3C67FF5C-F25E-4E25-AA9C-D5770CF3A11F}"/>
+                </a:ext>
+              </a:extLst>
+            </p:cNvPr>
+            <p:cNvSpPr>
+              <a:spLocks noChangeArrowheads="1"/>
+            </p:cNvSpPr>
+            <p:nvPr/>
+          </p:nvSpPr>
+          <p:spPr bwMode="auto">
+            <a:xfrm rot="16200000">
+              <a:off x="7611832" y="3829374"/>
+              <a:ext cx="749808" cy="694944"/>
+            </a:xfrm>
+            <a:custGeom>
+              <a:avLst/>
+              <a:gdLst>
+                <a:gd name="G0" fmla="+- 6871 0 0"/>
+                <a:gd name="G1" fmla="+- 21600 0 6871"/>
+                <a:gd name="G2" fmla="*/ 6871 1 2"/>
+                <a:gd name="G3" fmla="+- 21600 0 G2"/>
+                <a:gd name="G4" fmla="+/ 6871 21600 2"/>
+                <a:gd name="G5" fmla="+/ G1 0 2"/>
+                <a:gd name="G6" fmla="*/ 21600 21600 6871"/>
+                <a:gd name="G7" fmla="*/ G6 1 2"/>
+                <a:gd name="G8" fmla="+- 21600 0 G7"/>
+                <a:gd name="G9" fmla="*/ 21600 1 2"/>
+                <a:gd name="G10" fmla="+- 6871 0 G9"/>
+                <a:gd name="G11" fmla="?: G10 G8 0"/>
+                <a:gd name="G12" fmla="?: G10 G7 21600"/>
+                <a:gd name="T0" fmla="*/ 18164 w 21600"/>
+                <a:gd name="T1" fmla="*/ 10800 h 21600"/>
+                <a:gd name="T2" fmla="*/ 10800 w 21600"/>
+                <a:gd name="T3" fmla="*/ 21600 h 21600"/>
+                <a:gd name="T4" fmla="*/ 3436 w 21600"/>
+                <a:gd name="T5" fmla="*/ 10800 h 21600"/>
+                <a:gd name="T6" fmla="*/ 10800 w 21600"/>
+                <a:gd name="T7" fmla="*/ 0 h 21600"/>
+                <a:gd name="T8" fmla="*/ 5236 w 21600"/>
+                <a:gd name="T9" fmla="*/ 5236 h 21600"/>
+                <a:gd name="T10" fmla="*/ 16364 w 21600"/>
+                <a:gd name="T11" fmla="*/ 16364 h 21600"/>
+              </a:gdLst>
+              <a:ahLst/>
+              <a:cxnLst>
+                <a:cxn ang="0">
+                  <a:pos x="T0" y="T1"/>
+                </a:cxn>
+                <a:cxn ang="0">
+                  <a:pos x="T2" y="T3"/>
+                </a:cxn>
+                <a:cxn ang="0">
+                  <a:pos x="T4" y="T5"/>
+                </a:cxn>
+                <a:cxn ang="0">
+                  <a:pos x="T6" y="T7"/>
+                </a:cxn>
+              </a:cxnLst>
+              <a:rect l="T8" t="T9" r="T10" b="T11"/>
+              <a:pathLst>
+                <a:path w="21600" h="21600">
+                  <a:moveTo>
+                    <a:pt x="0" y="0"/>
+                  </a:moveTo>
+                  <a:lnTo>
+                    <a:pt x="6871" y="21600"/>
+                  </a:lnTo>
+                  <a:lnTo>
+                    <a:pt x="14729" y="21600"/>
+                  </a:lnTo>
+                  <a:lnTo>
+                    <a:pt x="21600" y="0"/>
+                  </a:lnTo>
+                  <a:close/>
+                </a:path>
+              </a:pathLst>
+            </a:custGeom>
+            <a:solidFill>
+              <a:schemeClr val="hlink"/>
+            </a:solidFill>
+            <a:ln w="12700">
+              <a:noFill/>
+              <a:miter lim="800000"/>
+              <a:headEnd type="none" w="lg" len="med"/>
+              <a:tailEnd type="none" w="lg" len="med"/>
+            </a:ln>
+            <a:effectLst/>
+          </p:spPr>
+          <p:txBody>
+            <a:bodyPr wrap="square" anchor="ctr">
+              <a:spAutoFit/>
+            </a:bodyPr>
+            <a:lstStyle/>
+            <a:p>
+              <a:endParaRPr lang="en-US"/>
+            </a:p>
+          </p:txBody>
+        </p:sp>
+        <p:grpSp>
+          <p:nvGrpSpPr>
+            <p:cNvPr id="55" name="Group 54">
+              <a:extLst>
+                <a:ext uri="{FF2B5EF4-FFF2-40B4-BE49-F238E27FC236}">
+                  <a16:creationId xmlns:a16="http://schemas.microsoft.com/office/drawing/2014/main" id="{4B6B3EE2-B7C9-43C7-992D-79CF64825B17}"/>
+                </a:ext>
+              </a:extLst>
+            </p:cNvPr>
+            <p:cNvGrpSpPr>
+              <a:grpSpLocks/>
+            </p:cNvGrpSpPr>
+            <p:nvPr/>
+          </p:nvGrpSpPr>
+          <p:grpSpPr bwMode="auto">
+            <a:xfrm rot="16200000">
+              <a:off x="8231064" y="3207794"/>
+              <a:ext cx="740664" cy="1924262"/>
+              <a:chOff x="2480" y="2033"/>
+              <a:chExt cx="459" cy="1395"/>
+            </a:xfrm>
+          </p:grpSpPr>
+          <p:sp>
+            <p:nvSpPr>
+              <p:cNvPr id="73" name="Freeform 8">
+                <a:extLst>
+                  <a:ext uri="{FF2B5EF4-FFF2-40B4-BE49-F238E27FC236}">
+                    <a16:creationId xmlns:a16="http://schemas.microsoft.com/office/drawing/2014/main" id="{94CBC85D-A3DA-4070-A99B-6710ED3D26C2}"/>
+                  </a:ext>
+                </a:extLst>
+              </p:cNvPr>
+              <p:cNvSpPr>
+                <a:spLocks/>
+              </p:cNvSpPr>
+              <p:nvPr/>
+            </p:nvSpPr>
+            <p:spPr bwMode="auto">
+              <a:xfrm>
+                <a:off x="2480" y="2033"/>
+                <a:ext cx="147" cy="1395"/>
+              </a:xfrm>
+              <a:custGeom>
+                <a:avLst/>
+                <a:gdLst/>
+                <a:ahLst/>
+                <a:cxnLst>
+                  <a:cxn ang="0">
+                    <a:pos x="0" y="0"/>
+                  </a:cxn>
+                  <a:cxn ang="0">
+                    <a:pos x="111" y="232"/>
+                  </a:cxn>
+                  <a:cxn ang="0">
+                    <a:pos x="141" y="1395"/>
+                  </a:cxn>
+                </a:cxnLst>
+                <a:rect l="0" t="0" r="r" b="b"/>
+                <a:pathLst>
+                  <a:path w="147" h="1395">
+                    <a:moveTo>
+                      <a:pt x="0" y="0"/>
+                    </a:moveTo>
+                    <a:cubicBezTo>
+                      <a:pt x="87" y="0"/>
+                      <a:pt x="106" y="174"/>
+                      <a:pt x="111" y="232"/>
+                    </a:cubicBezTo>
+                    <a:cubicBezTo>
+                      <a:pt x="116" y="290"/>
+                      <a:pt x="147" y="1084"/>
+                      <a:pt x="141" y="1395"/>
+                    </a:cubicBezTo>
+                  </a:path>
+                </a:pathLst>
+              </a:custGeom>
+              <a:solidFill>
+                <a:schemeClr val="bg1"/>
+              </a:solidFill>
+              <a:ln w="12700" cap="flat" cmpd="sng">
+                <a:solidFill>
+                  <a:schemeClr val="hlink"/>
+                </a:solidFill>
+                <a:prstDash val="solid"/>
+                <a:round/>
+                <a:headEnd type="none" w="lg" len="med"/>
+                <a:tailEnd type="none" w="lg" len="med"/>
+              </a:ln>
+              <a:effectLst/>
+            </p:spPr>
+            <p:txBody>
+              <a:bodyPr wrap="none" anchor="ctr">
+                <a:spAutoFit/>
+              </a:bodyPr>
+              <a:lstStyle/>
+              <a:p>
+                <a:endParaRPr lang="en-US"/>
+              </a:p>
+            </p:txBody>
+          </p:sp>
+          <p:sp>
+            <p:nvSpPr>
+              <p:cNvPr id="74" name="Freeform 15">
+                <a:extLst>
+                  <a:ext uri="{FF2B5EF4-FFF2-40B4-BE49-F238E27FC236}">
+                    <a16:creationId xmlns:a16="http://schemas.microsoft.com/office/drawing/2014/main" id="{D0D98E8B-EC8A-4D7A-B4B4-48B18931FBC4}"/>
+                  </a:ext>
+                </a:extLst>
+              </p:cNvPr>
+              <p:cNvSpPr>
+                <a:spLocks/>
+              </p:cNvSpPr>
+              <p:nvPr/>
+            </p:nvSpPr>
+            <p:spPr bwMode="auto">
+              <a:xfrm flipH="1">
+                <a:off x="2792" y="2033"/>
+                <a:ext cx="147" cy="1395"/>
+              </a:xfrm>
+              <a:custGeom>
+                <a:avLst/>
+                <a:gdLst/>
+                <a:ahLst/>
+                <a:cxnLst>
+                  <a:cxn ang="0">
+                    <a:pos x="0" y="0"/>
+                  </a:cxn>
+                  <a:cxn ang="0">
+                    <a:pos x="111" y="232"/>
+                  </a:cxn>
+                  <a:cxn ang="0">
+                    <a:pos x="141" y="1395"/>
+                  </a:cxn>
+                </a:cxnLst>
+                <a:rect l="0" t="0" r="r" b="b"/>
+                <a:pathLst>
+                  <a:path w="147" h="1395">
+                    <a:moveTo>
+                      <a:pt x="0" y="0"/>
+                    </a:moveTo>
+                    <a:cubicBezTo>
+                      <a:pt x="87" y="0"/>
+                      <a:pt x="106" y="174"/>
+                      <a:pt x="111" y="232"/>
+                    </a:cubicBezTo>
+                    <a:cubicBezTo>
+                      <a:pt x="116" y="290"/>
+                      <a:pt x="147" y="1084"/>
+                      <a:pt x="141" y="1395"/>
+                    </a:cubicBezTo>
+                  </a:path>
+                </a:pathLst>
+              </a:custGeom>
+              <a:solidFill>
+                <a:schemeClr val="bg1"/>
+              </a:solidFill>
+              <a:ln w="12700" cap="flat" cmpd="sng">
+                <a:solidFill>
+                  <a:schemeClr val="hlink"/>
+                </a:solidFill>
+                <a:prstDash val="solid"/>
+                <a:round/>
+                <a:headEnd type="none" w="lg" len="med"/>
+                <a:tailEnd type="none" w="lg" len="med"/>
+              </a:ln>
+              <a:effectLst/>
+            </p:spPr>
+            <p:txBody>
+              <a:bodyPr wrap="none" anchor="ctr">
+                <a:spAutoFit/>
+              </a:bodyPr>
+              <a:lstStyle/>
+              <a:p>
+                <a:endParaRPr lang="en-US"/>
+              </a:p>
+            </p:txBody>
+          </p:sp>
+        </p:grpSp>
+        <p:sp>
+          <p:nvSpPr>
+            <p:cNvPr id="56" name="Rectangle 55">
+              <a:extLst>
+                <a:ext uri="{FF2B5EF4-FFF2-40B4-BE49-F238E27FC236}">
+                  <a16:creationId xmlns:a16="http://schemas.microsoft.com/office/drawing/2014/main" id="{9B57DFC6-A94D-41B5-9872-9D95AD63F3AC}"/>
+                </a:ext>
+              </a:extLst>
+            </p:cNvPr>
+            <p:cNvSpPr/>
+            <p:nvPr/>
+          </p:nvSpPr>
+          <p:spPr>
+            <a:xfrm>
+              <a:off x="8218961" y="3898121"/>
+              <a:ext cx="1405575" cy="508920"/>
+            </a:xfrm>
+            <a:prstGeom prst="rect">
+              <a:avLst/>
+            </a:prstGeom>
+            <a:solidFill>
+              <a:schemeClr val="bg1"/>
+            </a:solidFill>
+            <a:ln>
+              <a:solidFill>
+                <a:schemeClr val="bg1"/>
+              </a:solidFill>
+            </a:ln>
+          </p:spPr>
+          <p:style>
+            <a:lnRef idx="2">
+              <a:schemeClr val="accent1">
+                <a:shade val="50000"/>
+              </a:schemeClr>
+            </a:lnRef>
+            <a:fillRef idx="1">
+              <a:schemeClr val="accent1"/>
+            </a:fillRef>
+            <a:effectRef idx="0">
+              <a:schemeClr val="accent1"/>
+            </a:effectRef>
+            <a:fontRef idx="minor">
+              <a:schemeClr val="lt1"/>
+            </a:fontRef>
+          </p:style>
+          <p:txBody>
+            <a:bodyPr rtlCol="0" anchor="ctr"/>
+            <a:lstStyle/>
+            <a:p>
+              <a:pPr algn="ctr"/>
+              <a:endParaRPr lang="en-US">
+                <a:ln>
+                  <a:solidFill>
+                    <a:schemeClr val="bg1"/>
+                  </a:solidFill>
+                </a:ln>
+                <a:solidFill>
+                  <a:schemeClr val="bg1"/>
+                </a:solidFill>
+              </a:endParaRPr>
+            </a:p>
+          </p:txBody>
+        </p:sp>
+        <p:cxnSp>
+          <p:nvCxnSpPr>
+            <p:cNvPr id="58" name="Straight Arrow Connector 57">
+              <a:extLst>
+                <a:ext uri="{FF2B5EF4-FFF2-40B4-BE49-F238E27FC236}">
+                  <a16:creationId xmlns:a16="http://schemas.microsoft.com/office/drawing/2014/main" id="{D4BD617D-3288-4169-ADB3-D92AB3B31030}"/>
+                </a:ext>
+              </a:extLst>
+            </p:cNvPr>
+            <p:cNvCxnSpPr>
+              <a:cxnSpLocks/>
+            </p:cNvCxnSpPr>
+            <p:nvPr/>
+          </p:nvCxnSpPr>
+          <p:spPr>
+            <a:xfrm>
+              <a:off x="8795767" y="2339071"/>
+              <a:ext cx="0" cy="1804248"/>
+            </a:xfrm>
+            <a:prstGeom prst="straightConnector1">
+              <a:avLst/>
+            </a:prstGeom>
+            <a:ln w="19050">
+              <a:solidFill>
+                <a:schemeClr val="tx1"/>
+              </a:solidFill>
+              <a:headEnd type="triangle" w="lg" len="lg"/>
+              <a:tailEnd type="triangle" w="lg" len="lg"/>
+            </a:ln>
+          </p:spPr>
+          <p:style>
+            <a:lnRef idx="1">
+              <a:schemeClr val="accent1"/>
+            </a:lnRef>
+            <a:fillRef idx="0">
+              <a:schemeClr val="accent1"/>
+            </a:fillRef>
+            <a:effectRef idx="0">
+              <a:schemeClr val="accent1"/>
+            </a:effectRef>
+            <a:fontRef idx="minor">
+              <a:schemeClr val="tx1"/>
+            </a:fontRef>
+          </p:style>
+        </p:cxnSp>
+        <p:sp>
+          <p:nvSpPr>
+            <p:cNvPr id="59" name="TextBox 58">
+              <a:extLst>
+                <a:ext uri="{FF2B5EF4-FFF2-40B4-BE49-F238E27FC236}">
+                  <a16:creationId xmlns:a16="http://schemas.microsoft.com/office/drawing/2014/main" id="{884573FD-8786-4177-8F32-C956445D5B87}"/>
+                </a:ext>
+              </a:extLst>
+            </p:cNvPr>
+            <p:cNvSpPr txBox="1"/>
+            <p:nvPr/>
+          </p:nvSpPr>
+          <p:spPr>
+            <a:xfrm>
+              <a:off x="1916405" y="1534669"/>
+              <a:ext cx="2951689" cy="477054"/>
+            </a:xfrm>
+            <a:prstGeom prst="rect">
+              <a:avLst/>
+            </a:prstGeom>
+            <a:solidFill>
+              <a:schemeClr val="bg1"/>
+            </a:solidFill>
+          </p:spPr>
+          <p:txBody>
+            <a:bodyPr wrap="square" rtlCol="0">
+              <a:spAutoFit/>
+            </a:bodyPr>
+            <a:lstStyle/>
+            <a:p>
+              <a:pPr algn="ctr"/>
+              <a:r>
+                <a:rPr lang="en-US" sz="2500" dirty="0">
+                  <a:latin typeface="Times New Roman" panose="02020603050405020304" pitchFamily="18" charset="0"/>
+                  <a:cs typeface="Times New Roman" panose="02020603050405020304" pitchFamily="18" charset="0"/>
+                </a:rPr>
+                <a:t>Horizontal orifice</a:t>
+              </a:r>
+            </a:p>
+          </p:txBody>
+        </p:sp>
+        <p:sp>
+          <p:nvSpPr>
+            <p:cNvPr id="60" name="TextBox 59">
+              <a:extLst>
+                <a:ext uri="{FF2B5EF4-FFF2-40B4-BE49-F238E27FC236}">
+                  <a16:creationId xmlns:a16="http://schemas.microsoft.com/office/drawing/2014/main" id="{DAFFEBE5-AB30-4BAD-848E-87F1B73C8433}"/>
+                </a:ext>
+              </a:extLst>
+            </p:cNvPr>
+            <p:cNvSpPr txBox="1"/>
+            <p:nvPr/>
+          </p:nvSpPr>
+          <p:spPr>
+            <a:xfrm>
+              <a:off x="5442054" y="1540428"/>
+              <a:ext cx="2496237" cy="477054"/>
+            </a:xfrm>
+            <a:prstGeom prst="rect">
+              <a:avLst/>
+            </a:prstGeom>
+            <a:solidFill>
+              <a:schemeClr val="bg1"/>
+            </a:solidFill>
+          </p:spPr>
+          <p:txBody>
+            <a:bodyPr wrap="square" rtlCol="0">
+              <a:spAutoFit/>
+            </a:bodyPr>
+            <a:lstStyle/>
+            <a:p>
+              <a:pPr algn="ctr"/>
+              <a:r>
+                <a:rPr lang="en-US" sz="2500" dirty="0">
+                  <a:latin typeface="Times New Roman" panose="02020603050405020304" pitchFamily="18" charset="0"/>
+                  <a:cs typeface="Times New Roman" panose="02020603050405020304" pitchFamily="18" charset="0"/>
+                </a:rPr>
+                <a:t>Vertical orifice</a:t>
+              </a:r>
+            </a:p>
+          </p:txBody>
+        </p:sp>
+        <p:grpSp>
+          <p:nvGrpSpPr>
+            <p:cNvPr id="8" name="Group 7">
+              <a:extLst>
+                <a:ext uri="{FF2B5EF4-FFF2-40B4-BE49-F238E27FC236}">
+                  <a16:creationId xmlns:a16="http://schemas.microsoft.com/office/drawing/2014/main" id="{2B0845DE-7AC3-4897-A89C-5E3297D4E5AA}"/>
+                </a:ext>
+              </a:extLst>
+            </p:cNvPr>
+            <p:cNvGrpSpPr/>
+            <p:nvPr/>
+          </p:nvGrpSpPr>
+          <p:grpSpPr>
+            <a:xfrm>
+              <a:off x="4372957" y="2103464"/>
+              <a:ext cx="482269" cy="420455"/>
+              <a:chOff x="4446109" y="2103464"/>
+              <a:chExt cx="482269" cy="420455"/>
+            </a:xfrm>
+          </p:grpSpPr>
+          <p:sp>
+            <p:nvSpPr>
+              <p:cNvPr id="91" name="AutoShape 174">
+                <a:extLst>
+                  <a:ext uri="{FF2B5EF4-FFF2-40B4-BE49-F238E27FC236}">
+                    <a16:creationId xmlns:a16="http://schemas.microsoft.com/office/drawing/2014/main" id="{69E636F4-8E86-460E-ACC5-4EBFD600D818}"/>
+                  </a:ext>
+                </a:extLst>
+              </p:cNvPr>
+              <p:cNvSpPr>
+                <a:spLocks noChangeArrowheads="1"/>
+              </p:cNvSpPr>
+              <p:nvPr/>
+            </p:nvSpPr>
+            <p:spPr bwMode="auto">
+              <a:xfrm flipV="1">
+                <a:off x="4506392" y="2103464"/>
+                <a:ext cx="361702" cy="228043"/>
+              </a:xfrm>
+              <a:prstGeom prst="triangle">
+                <a:avLst>
+                  <a:gd name="adj" fmla="val 50000"/>
+                </a:avLst>
+              </a:prstGeom>
+              <a:noFill/>
+              <a:ln w="12700">
+                <a:solidFill>
+                  <a:schemeClr val="tx1"/>
+                </a:solidFill>
+                <a:miter lim="800000"/>
+                <a:headEnd type="none" w="lg" len="med"/>
+                <a:tailEnd type="none" w="lg" len="med"/>
+              </a:ln>
+              <a:effectLst/>
+            </p:spPr>
+            <p:txBody>
+              <a:bodyPr anchor="ctr">
+                <a:spAutoFit/>
+              </a:bodyPr>
+              <a:lstStyle/>
+              <a:p>
+                <a:endParaRPr lang="en-US"/>
+              </a:p>
+            </p:txBody>
+          </p:sp>
+          <p:sp>
+            <p:nvSpPr>
+              <p:cNvPr id="92" name="Line 175">
+                <a:extLst>
+                  <a:ext uri="{FF2B5EF4-FFF2-40B4-BE49-F238E27FC236}">
+                    <a16:creationId xmlns:a16="http://schemas.microsoft.com/office/drawing/2014/main" id="{78221ED4-5F24-4459-8402-5BB4FF04BACA}"/>
+                  </a:ext>
+                </a:extLst>
+              </p:cNvPr>
+              <p:cNvSpPr>
+                <a:spLocks noChangeShapeType="1"/>
+              </p:cNvSpPr>
+              <p:nvPr/>
+            </p:nvSpPr>
+            <p:spPr bwMode="auto">
+              <a:xfrm>
+                <a:off x="4446109" y="2395643"/>
+                <a:ext cx="482269" cy="0"/>
+              </a:xfrm>
+              <a:prstGeom prst="line">
+                <a:avLst/>
+              </a:prstGeom>
+              <a:noFill/>
+              <a:ln w="12700">
+                <a:solidFill>
+                  <a:schemeClr val="tx1"/>
+                </a:solidFill>
+                <a:round/>
+                <a:headEnd type="none" w="lg" len="med"/>
+                <a:tailEnd type="none" w="lg" len="med"/>
+              </a:ln>
+              <a:effectLst/>
+            </p:spPr>
+            <p:txBody>
+              <a:bodyPr anchor="ctr">
+                <a:spAutoFit/>
+              </a:bodyPr>
+              <a:lstStyle/>
+              <a:p>
+                <a:endParaRPr lang="en-US"/>
+              </a:p>
+            </p:txBody>
+          </p:sp>
+          <p:sp>
+            <p:nvSpPr>
+              <p:cNvPr id="93" name="Line 176">
+                <a:extLst>
+                  <a:ext uri="{FF2B5EF4-FFF2-40B4-BE49-F238E27FC236}">
+                    <a16:creationId xmlns:a16="http://schemas.microsoft.com/office/drawing/2014/main" id="{C8C1CD32-B047-419B-94C1-94468C09BF49}"/>
+                  </a:ext>
+                </a:extLst>
+              </p:cNvPr>
+              <p:cNvSpPr>
+                <a:spLocks noChangeShapeType="1"/>
+              </p:cNvSpPr>
+              <p:nvPr/>
+            </p:nvSpPr>
+            <p:spPr bwMode="auto">
+              <a:xfrm>
+                <a:off x="4506392" y="2459782"/>
+                <a:ext cx="361702" cy="0"/>
+              </a:xfrm>
+              <a:prstGeom prst="line">
+                <a:avLst/>
+              </a:prstGeom>
+              <a:noFill/>
+              <a:ln w="12700">
+                <a:solidFill>
+                  <a:schemeClr val="tx1"/>
+                </a:solidFill>
+                <a:round/>
+                <a:headEnd type="none" w="lg" len="med"/>
+                <a:tailEnd type="none" w="lg" len="med"/>
+              </a:ln>
+              <a:effectLst/>
+            </p:spPr>
+            <p:txBody>
+              <a:bodyPr anchor="ctr">
+                <a:spAutoFit/>
+              </a:bodyPr>
+              <a:lstStyle/>
+              <a:p>
+                <a:endParaRPr lang="en-US"/>
+              </a:p>
+            </p:txBody>
+          </p:sp>
+          <p:sp>
+            <p:nvSpPr>
+              <p:cNvPr id="94" name="Line 177">
+                <a:extLst>
+                  <a:ext uri="{FF2B5EF4-FFF2-40B4-BE49-F238E27FC236}">
+                    <a16:creationId xmlns:a16="http://schemas.microsoft.com/office/drawing/2014/main" id="{0263AA5E-82E0-4DE5-B1A8-97B6DF03F435}"/>
+                  </a:ext>
+                </a:extLst>
+              </p:cNvPr>
+              <p:cNvSpPr>
+                <a:spLocks noChangeShapeType="1"/>
+              </p:cNvSpPr>
+              <p:nvPr/>
+            </p:nvSpPr>
+            <p:spPr bwMode="auto">
+              <a:xfrm>
+                <a:off x="4576723" y="2523919"/>
+                <a:ext cx="218529" cy="0"/>
+              </a:xfrm>
+              <a:prstGeom prst="line">
+                <a:avLst/>
+              </a:prstGeom>
+              <a:noFill/>
+              <a:ln w="12700">
+                <a:solidFill>
+                  <a:schemeClr val="tx1"/>
+                </a:solidFill>
+                <a:round/>
+                <a:headEnd type="none" w="lg" len="med"/>
+                <a:tailEnd type="none" w="lg" len="med"/>
+              </a:ln>
+              <a:effectLst/>
+            </p:spPr>
+            <p:txBody>
+              <a:bodyPr anchor="ctr">
+                <a:spAutoFit/>
+              </a:bodyPr>
+              <a:lstStyle/>
+              <a:p>
+                <a:endParaRPr lang="en-US"/>
+              </a:p>
+            </p:txBody>
+          </p:sp>
+        </p:grpSp>
+        <p:grpSp>
+          <p:nvGrpSpPr>
+            <p:cNvPr id="95" name="Group 94">
+              <a:extLst>
+                <a:ext uri="{FF2B5EF4-FFF2-40B4-BE49-F238E27FC236}">
+                  <a16:creationId xmlns:a16="http://schemas.microsoft.com/office/drawing/2014/main" id="{6C4BA349-FCC3-4204-8DC3-465EE17CFE92}"/>
+                </a:ext>
+              </a:extLst>
+            </p:cNvPr>
+            <p:cNvGrpSpPr/>
+            <p:nvPr/>
+          </p:nvGrpSpPr>
+          <p:grpSpPr>
+            <a:xfrm>
+              <a:off x="6579535" y="2107587"/>
+              <a:ext cx="482269" cy="420455"/>
+              <a:chOff x="4446109" y="2103464"/>
+              <a:chExt cx="482269" cy="420455"/>
+            </a:xfrm>
+          </p:grpSpPr>
+          <p:sp>
+            <p:nvSpPr>
+              <p:cNvPr id="96" name="AutoShape 174">
+                <a:extLst>
+                  <a:ext uri="{FF2B5EF4-FFF2-40B4-BE49-F238E27FC236}">
+                    <a16:creationId xmlns:a16="http://schemas.microsoft.com/office/drawing/2014/main" id="{B67FDA00-7D32-4A45-B280-91AF61E2E3AE}"/>
+                  </a:ext>
+                </a:extLst>
+              </p:cNvPr>
+              <p:cNvSpPr>
+                <a:spLocks noChangeArrowheads="1"/>
+              </p:cNvSpPr>
+              <p:nvPr/>
+            </p:nvSpPr>
+            <p:spPr bwMode="auto">
+              <a:xfrm flipV="1">
+                <a:off x="4506392" y="2103464"/>
+                <a:ext cx="361702" cy="228043"/>
+              </a:xfrm>
+              <a:prstGeom prst="triangle">
+                <a:avLst>
+                  <a:gd name="adj" fmla="val 50000"/>
+                </a:avLst>
+              </a:prstGeom>
+              <a:noFill/>
+              <a:ln w="12700">
+                <a:solidFill>
+                  <a:schemeClr val="tx1"/>
+                </a:solidFill>
+                <a:miter lim="800000"/>
+                <a:headEnd type="none" w="lg" len="med"/>
+                <a:tailEnd type="none" w="lg" len="med"/>
+              </a:ln>
+              <a:effectLst/>
+            </p:spPr>
+            <p:txBody>
+              <a:bodyPr anchor="ctr">
+                <a:spAutoFit/>
+              </a:bodyPr>
+              <a:lstStyle/>
+              <a:p>
+                <a:endParaRPr lang="en-US"/>
+              </a:p>
+            </p:txBody>
+          </p:sp>
+          <p:sp>
+            <p:nvSpPr>
+              <p:cNvPr id="97" name="Line 175">
+                <a:extLst>
+                  <a:ext uri="{FF2B5EF4-FFF2-40B4-BE49-F238E27FC236}">
+                    <a16:creationId xmlns:a16="http://schemas.microsoft.com/office/drawing/2014/main" id="{BD67BEF0-245C-4DD2-A331-8F0F40097A5D}"/>
+                  </a:ext>
+                </a:extLst>
+              </p:cNvPr>
+              <p:cNvSpPr>
+                <a:spLocks noChangeShapeType="1"/>
+              </p:cNvSpPr>
+              <p:nvPr/>
+            </p:nvSpPr>
+            <p:spPr bwMode="auto">
+              <a:xfrm>
+                <a:off x="4446109" y="2395643"/>
+                <a:ext cx="482269" cy="0"/>
+              </a:xfrm>
+              <a:prstGeom prst="line">
+                <a:avLst/>
+              </a:prstGeom>
+              <a:noFill/>
+              <a:ln w="12700">
+                <a:solidFill>
+                  <a:schemeClr val="tx1"/>
+                </a:solidFill>
+                <a:round/>
+                <a:headEnd type="none" w="lg" len="med"/>
+                <a:tailEnd type="none" w="lg" len="med"/>
+              </a:ln>
+              <a:effectLst/>
+            </p:spPr>
+            <p:txBody>
+              <a:bodyPr anchor="ctr">
+                <a:spAutoFit/>
+              </a:bodyPr>
+              <a:lstStyle/>
+              <a:p>
+                <a:endParaRPr lang="en-US"/>
+              </a:p>
+            </p:txBody>
+          </p:sp>
+          <p:sp>
+            <p:nvSpPr>
+              <p:cNvPr id="98" name="Line 176">
+                <a:extLst>
+                  <a:ext uri="{FF2B5EF4-FFF2-40B4-BE49-F238E27FC236}">
+                    <a16:creationId xmlns:a16="http://schemas.microsoft.com/office/drawing/2014/main" id="{CDA58CEC-D77F-42E4-BBC9-2E0878949CA3}"/>
+                  </a:ext>
+                </a:extLst>
+              </p:cNvPr>
+              <p:cNvSpPr>
+                <a:spLocks noChangeShapeType="1"/>
+              </p:cNvSpPr>
+              <p:nvPr/>
+            </p:nvSpPr>
+            <p:spPr bwMode="auto">
+              <a:xfrm>
+                <a:off x="4506392" y="2459782"/>
+                <a:ext cx="361702" cy="0"/>
+              </a:xfrm>
+              <a:prstGeom prst="line">
+                <a:avLst/>
+              </a:prstGeom>
+              <a:noFill/>
+              <a:ln w="12700">
+                <a:solidFill>
+                  <a:schemeClr val="tx1"/>
+                </a:solidFill>
+                <a:round/>
+                <a:headEnd type="none" w="lg" len="med"/>
+                <a:tailEnd type="none" w="lg" len="med"/>
+              </a:ln>
+              <a:effectLst/>
+            </p:spPr>
+            <p:txBody>
+              <a:bodyPr anchor="ctr">
+                <a:spAutoFit/>
+              </a:bodyPr>
+              <a:lstStyle/>
+              <a:p>
+                <a:endParaRPr lang="en-US"/>
+              </a:p>
+            </p:txBody>
+          </p:sp>
+          <p:sp>
+            <p:nvSpPr>
+              <p:cNvPr id="99" name="Line 177">
+                <a:extLst>
+                  <a:ext uri="{FF2B5EF4-FFF2-40B4-BE49-F238E27FC236}">
+                    <a16:creationId xmlns:a16="http://schemas.microsoft.com/office/drawing/2014/main" id="{CE6C1985-F32A-4982-9E33-25EA74480922}"/>
+                  </a:ext>
+                </a:extLst>
+              </p:cNvPr>
+              <p:cNvSpPr>
+                <a:spLocks noChangeShapeType="1"/>
+              </p:cNvSpPr>
+              <p:nvPr/>
+            </p:nvSpPr>
+            <p:spPr bwMode="auto">
+              <a:xfrm>
+                <a:off x="4576723" y="2523919"/>
+                <a:ext cx="218529" cy="0"/>
+              </a:xfrm>
+              <a:prstGeom prst="line">
+                <a:avLst/>
+              </a:prstGeom>
+              <a:noFill/>
+              <a:ln w="12700">
+                <a:solidFill>
+                  <a:schemeClr val="tx1"/>
+                </a:solidFill>
+                <a:round/>
+                <a:headEnd type="none" w="lg" len="med"/>
+                <a:tailEnd type="none" w="lg" len="med"/>
+              </a:ln>
+              <a:effectLst/>
+            </p:spPr>
+            <p:txBody>
+              <a:bodyPr anchor="ctr">
+                <a:spAutoFit/>
+              </a:bodyPr>
+              <a:lstStyle/>
+              <a:p>
+                <a:endParaRPr lang="en-US"/>
+              </a:p>
+            </p:txBody>
+          </p:sp>
+        </p:grpSp>
+        <p:cxnSp>
+          <p:nvCxnSpPr>
+            <p:cNvPr id="89" name="Straight Connector 88">
+              <a:extLst>
+                <a:ext uri="{FF2B5EF4-FFF2-40B4-BE49-F238E27FC236}">
+                  <a16:creationId xmlns:a16="http://schemas.microsoft.com/office/drawing/2014/main" id="{309567E7-E245-4769-BFDF-A09579D30AE6}"/>
+                </a:ext>
+              </a:extLst>
+            </p:cNvPr>
+            <p:cNvCxnSpPr>
+              <a:cxnSpLocks/>
+            </p:cNvCxnSpPr>
+            <p:nvPr/>
+          </p:nvCxnSpPr>
+          <p:spPr>
+            <a:xfrm>
+              <a:off x="999071" y="2331507"/>
+              <a:ext cx="7954404" cy="0"/>
+            </a:xfrm>
+            <a:prstGeom prst="line">
+              <a:avLst/>
+            </a:prstGeom>
+            <a:ln w="28575">
+              <a:solidFill>
+                <a:srgbClr val="C00000"/>
+              </a:solidFill>
+              <a:prstDash val="dash"/>
+            </a:ln>
+          </p:spPr>
+          <p:style>
+            <a:lnRef idx="1">
+              <a:schemeClr val="accent1"/>
+            </a:lnRef>
+            <a:fillRef idx="0">
+              <a:schemeClr val="accent1"/>
+            </a:fillRef>
+            <a:effectRef idx="0">
+              <a:schemeClr val="accent1"/>
+            </a:effectRef>
+            <a:fontRef idx="minor">
+              <a:schemeClr val="tx1"/>
+            </a:fontRef>
+          </p:style>
+        </p:cxnSp>
+        <p:cxnSp>
+          <p:nvCxnSpPr>
+            <p:cNvPr id="90" name="Straight Connector 89">
+              <a:extLst>
+                <a:ext uri="{FF2B5EF4-FFF2-40B4-BE49-F238E27FC236}">
+                  <a16:creationId xmlns:a16="http://schemas.microsoft.com/office/drawing/2014/main" id="{39E989BD-75D4-4639-B8A1-E3411758DF3F}"/>
+                </a:ext>
+              </a:extLst>
+            </p:cNvPr>
+            <p:cNvCxnSpPr>
+              <a:cxnSpLocks/>
+            </p:cNvCxnSpPr>
+            <p:nvPr/>
+          </p:nvCxnSpPr>
+          <p:spPr>
+            <a:xfrm>
+              <a:off x="990600" y="4150993"/>
+              <a:ext cx="7954404" cy="0"/>
+            </a:xfrm>
+            <a:prstGeom prst="line">
+              <a:avLst/>
+            </a:prstGeom>
+            <a:ln w="28575">
+              <a:solidFill>
+                <a:srgbClr val="C00000"/>
+              </a:solidFill>
+              <a:prstDash val="dash"/>
+            </a:ln>
+          </p:spPr>
+          <p:style>
+            <a:lnRef idx="1">
+              <a:schemeClr val="accent1"/>
+            </a:lnRef>
+            <a:fillRef idx="0">
+              <a:schemeClr val="accent1"/>
+            </a:fillRef>
+            <a:effectRef idx="0">
+              <a:schemeClr val="accent1"/>
+            </a:effectRef>
+            <a:fontRef idx="minor">
+              <a:schemeClr val="tx1"/>
+            </a:fontRef>
+          </p:style>
+        </p:cxnSp>
+      </p:grpSp>
+      <p:pic>
+        <p:nvPicPr>
+          <p:cNvPr id="4" name="Picture 3">
+            <a:extLst>
+              <a:ext uri="{FF2B5EF4-FFF2-40B4-BE49-F238E27FC236}">
+                <a16:creationId xmlns:a16="http://schemas.microsoft.com/office/drawing/2014/main" id="{356C6010-969E-494B-BD12-9E61C82A5CC7}"/>
+              </a:ext>
+            </a:extLst>
+          </p:cNvPr>
+          <p:cNvPicPr>
+            <a:picLocks noChangeAspect="1"/>
+          </p:cNvPicPr>
+          <p:nvPr>
+            <p:custDataLst>
+              <p:tags r:id="rId1"/>
+            </p:custDataLst>
+          </p:nvPr>
+        </p:nvPicPr>
+        <p:blipFill>
+          <a:blip r:embed="rId3">
+            <a:extLst>
+              <a:ext uri="{28A0092B-C50C-407E-A947-70E740481C1C}">
+                <a14:useLocalDpi xmlns:a14="http://schemas.microsoft.com/office/drawing/2010/main" val="0"/>
+              </a:ext>
+            </a:extLst>
+          </a:blip>
+          <a:stretch>
+            <a:fillRect/>
+          </a:stretch>
+        </p:blipFill>
+        <p:spPr>
+          <a:xfrm>
+            <a:off x="8382000" y="2977438"/>
+            <a:ext cx="702967" cy="383148"/>
+          </a:xfrm>
+          <a:prstGeom prst="rect">
+            <a:avLst/>
+          </a:prstGeom>
+          <a:solidFill>
+            <a:schemeClr val="bg1"/>
+          </a:solidFill>
+        </p:spPr>
+      </p:pic>
+    </p:spTree>
+    <p:extLst>
+      <p:ext uri="{BB962C8B-B14F-4D97-AF65-F5344CB8AC3E}">
+        <p14:creationId xmlns:p14="http://schemas.microsoft.com/office/powerpoint/2010/main" val="4131344128"/>
+      </p:ext>
+    </p:extLst>
+  </p:cSld>
+  <p:clrMapOvr>
+    <a:masterClrMapping/>
+  </p:clrMapOvr>
+</p:sld>
+</file>
+
+<file path=ppt/slides/slide11.xml><?xml version="1.0" encoding="utf-8"?>
+<p:sld xmlns:a="http://schemas.openxmlformats.org/drawingml/2006/main" xmlns:r="http://schemas.openxmlformats.org/officeDocument/2006/relationships" xmlns:p="http://schemas.openxmlformats.org/presentationml/2006/main">
+  <p:cSld>
+    <p:spTree>
+      <p:nvGrpSpPr>
+        <p:cNvPr id="1" name=""/>
+        <p:cNvGrpSpPr/>
+        <p:nvPr/>
+      </p:nvGrpSpPr>
+      <p:grpSpPr>
+        <a:xfrm>
+          <a:off x="0" y="0"/>
+          <a:ext cx="0" cy="0"/>
+          <a:chOff x="0" y="0"/>
+          <a:chExt cx="0" cy="0"/>
+        </a:xfrm>
+      </p:grpSpPr>
+      <p:grpSp>
+        <p:nvGrpSpPr>
           <p:cNvPr id="10" name="Group 9">
             <a:extLst>
               <a:ext uri="{FF2B5EF4-FFF2-40B4-BE49-F238E27FC236}">
@@ -6805,7 +8286,7 @@
 </p:sld>
 </file>
 
-<file path=ppt/slides/slide11.xml><?xml version="1.0" encoding="utf-8"?>
+<file path=ppt/slides/slide12.xml><?xml version="1.0" encoding="utf-8"?>
 <p:sld xmlns:a="http://schemas.openxmlformats.org/drawingml/2006/main" xmlns:r="http://schemas.openxmlformats.org/officeDocument/2006/relationships" xmlns:p="http://schemas.openxmlformats.org/presentationml/2006/main">
   <p:cSld>
     <p:spTree>
@@ -8055,7 +9536,7 @@
 </p:sld>
 </file>
 
-<file path=ppt/slides/slide12.xml><?xml version="1.0" encoding="utf-8"?>
+<file path=ppt/slides/slide13.xml><?xml version="1.0" encoding="utf-8"?>
 <p:sld xmlns:a="http://schemas.openxmlformats.org/drawingml/2006/main" xmlns:r="http://schemas.openxmlformats.org/officeDocument/2006/relationships" xmlns:p="http://schemas.openxmlformats.org/presentationml/2006/main">
   <p:cSld>
     <p:spTree>
@@ -9873,7 +11354,7 @@
 </p:sld>
 </file>
 
-<file path=ppt/slides/slide13.xml><?xml version="1.0" encoding="utf-8"?>
+<file path=ppt/slides/slide14.xml><?xml version="1.0" encoding="utf-8"?>
 <p:sld xmlns:a="http://schemas.openxmlformats.org/drawingml/2006/main" xmlns:r="http://schemas.openxmlformats.org/officeDocument/2006/relationships" xmlns:p="http://schemas.openxmlformats.org/presentationml/2006/main">
   <p:cSld>
     <p:spTree>
@@ -10139,7 +11620,7 @@
 </p:sld>
 </file>
 
-<file path=ppt/slides/slide14.xml><?xml version="1.0" encoding="utf-8"?>
+<file path=ppt/slides/slide15.xml><?xml version="1.0" encoding="utf-8"?>
 <p:sld xmlns:a="http://schemas.openxmlformats.org/drawingml/2006/main" xmlns:r="http://schemas.openxmlformats.org/officeDocument/2006/relationships" xmlns:p="http://schemas.openxmlformats.org/presentationml/2006/main">
   <p:cSld>
     <p:spTree>
@@ -11255,7 +12736,7 @@
 </p:sld>
 </file>
 
-<file path=ppt/slides/slide15.xml><?xml version="1.0" encoding="utf-8"?>
+<file path=ppt/slides/slide16.xml><?xml version="1.0" encoding="utf-8"?>
 <p:sld xmlns:a="http://schemas.openxmlformats.org/drawingml/2006/main" xmlns:r="http://schemas.openxmlformats.org/officeDocument/2006/relationships" xmlns:p="http://schemas.openxmlformats.org/presentationml/2006/main">
   <p:cSld>
     <p:spTree>
@@ -14425,7 +15906,7 @@
 </p:sld>
 </file>
 
-<file path=ppt/slides/slide16.xml><?xml version="1.0" encoding="utf-8"?>
+<file path=ppt/slides/slide17.xml><?xml version="1.0" encoding="utf-8"?>
 <p:sld xmlns:a="http://schemas.openxmlformats.org/drawingml/2006/main" xmlns:r="http://schemas.openxmlformats.org/officeDocument/2006/relationships" xmlns:p="http://schemas.openxmlformats.org/presentationml/2006/main">
   <p:cSld>
     <p:spTree>
@@ -16075,7 +17556,7 @@
 </p:sld>
 </file>
 
-<file path=ppt/slides/slide17.xml><?xml version="1.0" encoding="utf-8"?>
+<file path=ppt/slides/slide18.xml><?xml version="1.0" encoding="utf-8"?>
 <p:sld xmlns:a="http://schemas.openxmlformats.org/drawingml/2006/main" xmlns:r="http://schemas.openxmlformats.org/officeDocument/2006/relationships" xmlns:p="http://schemas.openxmlformats.org/presentationml/2006/main">
   <p:cSld>
     <p:spTree>
@@ -16616,7 +18097,7 @@
 </p:sld>
 </file>
 
-<file path=ppt/slides/slide18.xml><?xml version="1.0" encoding="utf-8"?>
+<file path=ppt/slides/slide19.xml><?xml version="1.0" encoding="utf-8"?>
 <p:sld xmlns:a="http://schemas.openxmlformats.org/drawingml/2006/main" xmlns:r="http://schemas.openxmlformats.org/officeDocument/2006/relationships" xmlns:p="http://schemas.openxmlformats.org/presentationml/2006/main">
   <p:cSld>
     <p:spTree>
@@ -17191,7 +18672,279 @@
 </p:sld>
 </file>
 
-<file path=ppt/slides/slide19.xml><?xml version="1.0" encoding="utf-8"?>
+<file path=ppt/slides/slide2.xml><?xml version="1.0" encoding="utf-8"?>
+<p:sld xmlns:a="http://schemas.openxmlformats.org/drawingml/2006/main" xmlns:r="http://schemas.openxmlformats.org/officeDocument/2006/relationships" xmlns:p="http://schemas.openxmlformats.org/presentationml/2006/main">
+  <p:cSld>
+    <p:spTree>
+      <p:nvGrpSpPr>
+        <p:cNvPr id="1" name=""/>
+        <p:cNvGrpSpPr/>
+        <p:nvPr/>
+      </p:nvGrpSpPr>
+      <p:grpSpPr>
+        <a:xfrm>
+          <a:off x="0" y="0"/>
+          <a:ext cx="0" cy="0"/>
+          <a:chOff x="0" y="0"/>
+          <a:chExt cx="0" cy="0"/>
+        </a:xfrm>
+      </p:grpSpPr>
+      <p:grpSp>
+        <p:nvGrpSpPr>
+          <p:cNvPr id="20" name="Group 19">
+            <a:extLst>
+              <a:ext uri="{FF2B5EF4-FFF2-40B4-BE49-F238E27FC236}">
+                <a16:creationId xmlns:a16="http://schemas.microsoft.com/office/drawing/2014/main" id="{B5407F98-0D20-44A6-921A-53DCF5994BAE}"/>
+              </a:ext>
+            </a:extLst>
+          </p:cNvPr>
+          <p:cNvGrpSpPr/>
+          <p:nvPr/>
+        </p:nvGrpSpPr>
+        <p:grpSpPr>
+          <a:xfrm>
+            <a:off x="1389411" y="1151792"/>
+            <a:ext cx="12757256" cy="4737639"/>
+            <a:chOff x="1389411" y="1151792"/>
+            <a:chExt cx="12757256" cy="4737639"/>
+          </a:xfrm>
+        </p:grpSpPr>
+        <p:grpSp>
+          <p:nvGrpSpPr>
+            <p:cNvPr id="19" name="Group 18">
+              <a:extLst>
+                <a:ext uri="{FF2B5EF4-FFF2-40B4-BE49-F238E27FC236}">
+                  <a16:creationId xmlns:a16="http://schemas.microsoft.com/office/drawing/2014/main" id="{A7EFCD2C-C2B8-46E2-A8F8-7825DF9BBF33}"/>
+                </a:ext>
+              </a:extLst>
+            </p:cNvPr>
+            <p:cNvGrpSpPr/>
+            <p:nvPr/>
+          </p:nvGrpSpPr>
+          <p:grpSpPr>
+            <a:xfrm>
+              <a:off x="1389411" y="1151792"/>
+              <a:ext cx="12757256" cy="4737639"/>
+              <a:chOff x="1389411" y="1151792"/>
+              <a:chExt cx="12757256" cy="4737639"/>
+            </a:xfrm>
+          </p:grpSpPr>
+          <p:pic>
+            <p:nvPicPr>
+              <p:cNvPr id="53" name="Picture 10">
+                <a:extLst>
+                  <a:ext uri="{FF2B5EF4-FFF2-40B4-BE49-F238E27FC236}">
+                    <a16:creationId xmlns:a16="http://schemas.microsoft.com/office/drawing/2014/main" id="{A7E1E977-894B-4500-B376-7D87B82B366F}"/>
+                  </a:ext>
+                </a:extLst>
+              </p:cNvPr>
+              <p:cNvPicPr>
+                <a:picLocks noChangeAspect="1" noChangeArrowheads="1"/>
+              </p:cNvPicPr>
+              <p:nvPr/>
+            </p:nvPicPr>
+            <p:blipFill>
+              <a:blip r:embed="rId5" cstate="print"/>
+              <a:srcRect/>
+              <a:stretch>
+                <a:fillRect/>
+              </a:stretch>
+            </p:blipFill>
+            <p:spPr bwMode="auto">
+              <a:xfrm>
+                <a:off x="1389411" y="1151792"/>
+                <a:ext cx="6438328" cy="4737639"/>
+              </a:xfrm>
+              <a:prstGeom prst="rect">
+                <a:avLst/>
+              </a:prstGeom>
+              <a:noFill/>
+              <a:ln w="9525">
+                <a:noFill/>
+                <a:miter lim="800000"/>
+                <a:headEnd/>
+                <a:tailEnd/>
+              </a:ln>
+              <a:effectLst/>
+            </p:spPr>
+          </p:pic>
+          <p:sp>
+            <p:nvSpPr>
+              <p:cNvPr id="55" name="TextBox 54">
+                <a:extLst>
+                  <a:ext uri="{FF2B5EF4-FFF2-40B4-BE49-F238E27FC236}">
+                    <a16:creationId xmlns:a16="http://schemas.microsoft.com/office/drawing/2014/main" id="{AB797F76-A35C-4397-9DD8-05A84436EBC5}"/>
+                  </a:ext>
+                </a:extLst>
+              </p:cNvPr>
+              <p:cNvSpPr txBox="1"/>
+              <p:nvPr/>
+            </p:nvSpPr>
+            <p:spPr>
+              <a:xfrm>
+                <a:off x="4483292" y="1452983"/>
+                <a:ext cx="3722110" cy="627249"/>
+              </a:xfrm>
+              <a:prstGeom prst="rect">
+                <a:avLst/>
+              </a:prstGeom>
+              <a:noFill/>
+            </p:spPr>
+            <p:txBody>
+              <a:bodyPr wrap="none" rtlCol="0">
+                <a:spAutoFit/>
+              </a:bodyPr>
+              <a:lstStyle/>
+              <a:p>
+                <a:r>
+                  <a:rPr lang="en-US" sz="1800" dirty="0"/>
+                  <a:t>Calibrate at max flow</a:t>
+                </a:r>
+              </a:p>
+            </p:txBody>
+          </p:sp>
+          <p:pic>
+            <p:nvPicPr>
+              <p:cNvPr id="6" name="Picture 5">
+                <a:extLst>
+                  <a:ext uri="{FF2B5EF4-FFF2-40B4-BE49-F238E27FC236}">
+                    <a16:creationId xmlns:a16="http://schemas.microsoft.com/office/drawing/2014/main" id="{CFDA14B1-F340-47CF-8065-A1F9A79AD517}"/>
+                  </a:ext>
+                </a:extLst>
+              </p:cNvPr>
+              <p:cNvPicPr>
+                <a:picLocks noChangeAspect="1"/>
+              </p:cNvPicPr>
+              <p:nvPr>
+                <p:custDataLst>
+                  <p:tags r:id="rId2"/>
+                </p:custDataLst>
+              </p:nvPr>
+            </p:nvPicPr>
+            <p:blipFill>
+              <a:blip r:embed="rId6">
+                <a:extLst>
+                  <a:ext uri="{28A0092B-C50C-407E-A947-70E740481C1C}">
+                    <a14:useLocalDpi xmlns:a14="http://schemas.microsoft.com/office/drawing/2010/main" val="0"/>
+                  </a:ext>
+                </a:extLst>
+              </a:blip>
+              <a:stretch>
+                <a:fillRect/>
+              </a:stretch>
+            </p:blipFill>
+            <p:spPr>
+              <a:xfrm>
+                <a:off x="8060271" y="2841501"/>
+                <a:ext cx="5396360" cy="773400"/>
+              </a:xfrm>
+              <a:prstGeom prst="rect">
+                <a:avLst/>
+              </a:prstGeom>
+              <a:ln w="38100">
+                <a:noFill/>
+              </a:ln>
+            </p:spPr>
+          </p:pic>
+          <p:pic>
+            <p:nvPicPr>
+              <p:cNvPr id="18" name="Picture 17">
+                <a:extLst>
+                  <a:ext uri="{FF2B5EF4-FFF2-40B4-BE49-F238E27FC236}">
+                    <a16:creationId xmlns:a16="http://schemas.microsoft.com/office/drawing/2014/main" id="{ADF4A84B-D92A-42C1-BF7F-EB141229FF19}"/>
+                  </a:ext>
+                </a:extLst>
+              </p:cNvPr>
+              <p:cNvPicPr>
+                <a:picLocks noChangeAspect="1"/>
+              </p:cNvPicPr>
+              <p:nvPr>
+                <p:custDataLst>
+                  <p:tags r:id="rId3"/>
+                </p:custDataLst>
+              </p:nvPr>
+            </p:nvPicPr>
+            <p:blipFill>
+              <a:blip r:embed="rId7">
+                <a:extLst>
+                  <a:ext uri="{28A0092B-C50C-407E-A947-70E740481C1C}">
+                    <a14:useLocalDpi xmlns:a14="http://schemas.microsoft.com/office/drawing/2010/main" val="0"/>
+                  </a:ext>
+                </a:extLst>
+              </a:blip>
+              <a:stretch>
+                <a:fillRect/>
+              </a:stretch>
+            </p:blipFill>
+            <p:spPr>
+              <a:xfrm>
+                <a:off x="8060274" y="3869336"/>
+                <a:ext cx="6086393" cy="773399"/>
+              </a:xfrm>
+              <a:prstGeom prst="rect">
+                <a:avLst/>
+              </a:prstGeom>
+              <a:ln w="38100">
+                <a:noFill/>
+              </a:ln>
+            </p:spPr>
+          </p:pic>
+        </p:grpSp>
+        <p:pic>
+          <p:nvPicPr>
+            <p:cNvPr id="3" name="Picture 2">
+              <a:extLst>
+                <a:ext uri="{FF2B5EF4-FFF2-40B4-BE49-F238E27FC236}">
+                  <a16:creationId xmlns:a16="http://schemas.microsoft.com/office/drawing/2014/main" id="{2A9E1866-009F-4603-A572-7F563F716B07}"/>
+                </a:ext>
+              </a:extLst>
+            </p:cNvPr>
+            <p:cNvPicPr>
+              <a:picLocks noChangeAspect="1"/>
+            </p:cNvPicPr>
+            <p:nvPr>
+              <p:custDataLst>
+                <p:tags r:id="rId1"/>
+              </p:custDataLst>
+            </p:nvPr>
+          </p:nvPicPr>
+          <p:blipFill>
+            <a:blip r:embed="rId8">
+              <a:extLst>
+                <a:ext uri="{28A0092B-C50C-407E-A947-70E740481C1C}">
+                  <a14:useLocalDpi xmlns:a14="http://schemas.microsoft.com/office/drawing/2010/main" val="0"/>
+                </a:ext>
+              </a:extLst>
+            </a:blip>
+            <a:stretch>
+              <a:fillRect/>
+            </a:stretch>
+          </p:blipFill>
+          <p:spPr>
+            <a:xfrm>
+              <a:off x="8060272" y="1813666"/>
+              <a:ext cx="1996072" cy="773400"/>
+            </a:xfrm>
+            <a:prstGeom prst="rect">
+              <a:avLst/>
+            </a:prstGeom>
+          </p:spPr>
+        </p:pic>
+      </p:grpSp>
+    </p:spTree>
+    <p:extLst>
+      <p:ext uri="{BB962C8B-B14F-4D97-AF65-F5344CB8AC3E}">
+        <p14:creationId xmlns:p14="http://schemas.microsoft.com/office/powerpoint/2010/main" val="858243599"/>
+      </p:ext>
+    </p:extLst>
+  </p:cSld>
+  <p:clrMapOvr>
+    <a:masterClrMapping/>
+  </p:clrMapOvr>
+</p:sld>
+</file>
+
+<file path=ppt/slides/slide20.xml><?xml version="1.0" encoding="utf-8"?>
 <p:sld xmlns:a="http://schemas.openxmlformats.org/drawingml/2006/main" xmlns:r="http://schemas.openxmlformats.org/officeDocument/2006/relationships" xmlns:p="http://schemas.openxmlformats.org/presentationml/2006/main">
   <p:cSld>
     <p:spTree>
@@ -18784,279 +20537,7 @@
 </p:sld>
 </file>
 
-<file path=ppt/slides/slide2.xml><?xml version="1.0" encoding="utf-8"?>
-<p:sld xmlns:a="http://schemas.openxmlformats.org/drawingml/2006/main" xmlns:r="http://schemas.openxmlformats.org/officeDocument/2006/relationships" xmlns:p="http://schemas.openxmlformats.org/presentationml/2006/main">
-  <p:cSld>
-    <p:spTree>
-      <p:nvGrpSpPr>
-        <p:cNvPr id="1" name=""/>
-        <p:cNvGrpSpPr/>
-        <p:nvPr/>
-      </p:nvGrpSpPr>
-      <p:grpSpPr>
-        <a:xfrm>
-          <a:off x="0" y="0"/>
-          <a:ext cx="0" cy="0"/>
-          <a:chOff x="0" y="0"/>
-          <a:chExt cx="0" cy="0"/>
-        </a:xfrm>
-      </p:grpSpPr>
-      <p:grpSp>
-        <p:nvGrpSpPr>
-          <p:cNvPr id="20" name="Group 19">
-            <a:extLst>
-              <a:ext uri="{FF2B5EF4-FFF2-40B4-BE49-F238E27FC236}">
-                <a16:creationId xmlns:a16="http://schemas.microsoft.com/office/drawing/2014/main" id="{B5407F98-0D20-44A6-921A-53DCF5994BAE}"/>
-              </a:ext>
-            </a:extLst>
-          </p:cNvPr>
-          <p:cNvGrpSpPr/>
-          <p:nvPr/>
-        </p:nvGrpSpPr>
-        <p:grpSpPr>
-          <a:xfrm>
-            <a:off x="1389411" y="1151792"/>
-            <a:ext cx="12757256" cy="4737639"/>
-            <a:chOff x="1389411" y="1151792"/>
-            <a:chExt cx="12757256" cy="4737639"/>
-          </a:xfrm>
-        </p:grpSpPr>
-        <p:grpSp>
-          <p:nvGrpSpPr>
-            <p:cNvPr id="19" name="Group 18">
-              <a:extLst>
-                <a:ext uri="{FF2B5EF4-FFF2-40B4-BE49-F238E27FC236}">
-                  <a16:creationId xmlns:a16="http://schemas.microsoft.com/office/drawing/2014/main" id="{A7EFCD2C-C2B8-46E2-A8F8-7825DF9BBF33}"/>
-                </a:ext>
-              </a:extLst>
-            </p:cNvPr>
-            <p:cNvGrpSpPr/>
-            <p:nvPr/>
-          </p:nvGrpSpPr>
-          <p:grpSpPr>
-            <a:xfrm>
-              <a:off x="1389411" y="1151792"/>
-              <a:ext cx="12757256" cy="4737639"/>
-              <a:chOff x="1389411" y="1151792"/>
-              <a:chExt cx="12757256" cy="4737639"/>
-            </a:xfrm>
-          </p:grpSpPr>
-          <p:pic>
-            <p:nvPicPr>
-              <p:cNvPr id="53" name="Picture 10">
-                <a:extLst>
-                  <a:ext uri="{FF2B5EF4-FFF2-40B4-BE49-F238E27FC236}">
-                    <a16:creationId xmlns:a16="http://schemas.microsoft.com/office/drawing/2014/main" id="{A7E1E977-894B-4500-B376-7D87B82B366F}"/>
-                  </a:ext>
-                </a:extLst>
-              </p:cNvPr>
-              <p:cNvPicPr>
-                <a:picLocks noChangeAspect="1" noChangeArrowheads="1"/>
-              </p:cNvPicPr>
-              <p:nvPr/>
-            </p:nvPicPr>
-            <p:blipFill>
-              <a:blip r:embed="rId5" cstate="print"/>
-              <a:srcRect/>
-              <a:stretch>
-                <a:fillRect/>
-              </a:stretch>
-            </p:blipFill>
-            <p:spPr bwMode="auto">
-              <a:xfrm>
-                <a:off x="1389411" y="1151792"/>
-                <a:ext cx="6438328" cy="4737639"/>
-              </a:xfrm>
-              <a:prstGeom prst="rect">
-                <a:avLst/>
-              </a:prstGeom>
-              <a:noFill/>
-              <a:ln w="9525">
-                <a:noFill/>
-                <a:miter lim="800000"/>
-                <a:headEnd/>
-                <a:tailEnd/>
-              </a:ln>
-              <a:effectLst/>
-            </p:spPr>
-          </p:pic>
-          <p:sp>
-            <p:nvSpPr>
-              <p:cNvPr id="55" name="TextBox 54">
-                <a:extLst>
-                  <a:ext uri="{FF2B5EF4-FFF2-40B4-BE49-F238E27FC236}">
-                    <a16:creationId xmlns:a16="http://schemas.microsoft.com/office/drawing/2014/main" id="{AB797F76-A35C-4397-9DD8-05A84436EBC5}"/>
-                  </a:ext>
-                </a:extLst>
-              </p:cNvPr>
-              <p:cNvSpPr txBox="1"/>
-              <p:nvPr/>
-            </p:nvSpPr>
-            <p:spPr>
-              <a:xfrm>
-                <a:off x="4483292" y="1452983"/>
-                <a:ext cx="3722110" cy="627249"/>
-              </a:xfrm>
-              <a:prstGeom prst="rect">
-                <a:avLst/>
-              </a:prstGeom>
-              <a:noFill/>
-            </p:spPr>
-            <p:txBody>
-              <a:bodyPr wrap="none" rtlCol="0">
-                <a:spAutoFit/>
-              </a:bodyPr>
-              <a:lstStyle/>
-              <a:p>
-                <a:r>
-                  <a:rPr lang="en-US" sz="1800" dirty="0"/>
-                  <a:t>Calibrate at max flow</a:t>
-                </a:r>
-              </a:p>
-            </p:txBody>
-          </p:sp>
-          <p:pic>
-            <p:nvPicPr>
-              <p:cNvPr id="6" name="Picture 5">
-                <a:extLst>
-                  <a:ext uri="{FF2B5EF4-FFF2-40B4-BE49-F238E27FC236}">
-                    <a16:creationId xmlns:a16="http://schemas.microsoft.com/office/drawing/2014/main" id="{CFDA14B1-F340-47CF-8065-A1F9A79AD517}"/>
-                  </a:ext>
-                </a:extLst>
-              </p:cNvPr>
-              <p:cNvPicPr>
-                <a:picLocks noChangeAspect="1"/>
-              </p:cNvPicPr>
-              <p:nvPr>
-                <p:custDataLst>
-                  <p:tags r:id="rId2"/>
-                </p:custDataLst>
-              </p:nvPr>
-            </p:nvPicPr>
-            <p:blipFill>
-              <a:blip r:embed="rId6">
-                <a:extLst>
-                  <a:ext uri="{28A0092B-C50C-407E-A947-70E740481C1C}">
-                    <a14:useLocalDpi xmlns:a14="http://schemas.microsoft.com/office/drawing/2010/main" val="0"/>
-                  </a:ext>
-                </a:extLst>
-              </a:blip>
-              <a:stretch>
-                <a:fillRect/>
-              </a:stretch>
-            </p:blipFill>
-            <p:spPr>
-              <a:xfrm>
-                <a:off x="8060271" y="2841501"/>
-                <a:ext cx="5396360" cy="773400"/>
-              </a:xfrm>
-              <a:prstGeom prst="rect">
-                <a:avLst/>
-              </a:prstGeom>
-              <a:ln w="38100">
-                <a:noFill/>
-              </a:ln>
-            </p:spPr>
-          </p:pic>
-          <p:pic>
-            <p:nvPicPr>
-              <p:cNvPr id="18" name="Picture 17">
-                <a:extLst>
-                  <a:ext uri="{FF2B5EF4-FFF2-40B4-BE49-F238E27FC236}">
-                    <a16:creationId xmlns:a16="http://schemas.microsoft.com/office/drawing/2014/main" id="{ADF4A84B-D92A-42C1-BF7F-EB141229FF19}"/>
-                  </a:ext>
-                </a:extLst>
-              </p:cNvPr>
-              <p:cNvPicPr>
-                <a:picLocks noChangeAspect="1"/>
-              </p:cNvPicPr>
-              <p:nvPr>
-                <p:custDataLst>
-                  <p:tags r:id="rId3"/>
-                </p:custDataLst>
-              </p:nvPr>
-            </p:nvPicPr>
-            <p:blipFill>
-              <a:blip r:embed="rId7">
-                <a:extLst>
-                  <a:ext uri="{28A0092B-C50C-407E-A947-70E740481C1C}">
-                    <a14:useLocalDpi xmlns:a14="http://schemas.microsoft.com/office/drawing/2010/main" val="0"/>
-                  </a:ext>
-                </a:extLst>
-              </a:blip>
-              <a:stretch>
-                <a:fillRect/>
-              </a:stretch>
-            </p:blipFill>
-            <p:spPr>
-              <a:xfrm>
-                <a:off x="8060274" y="3869336"/>
-                <a:ext cx="6086393" cy="773399"/>
-              </a:xfrm>
-              <a:prstGeom prst="rect">
-                <a:avLst/>
-              </a:prstGeom>
-              <a:ln w="38100">
-                <a:noFill/>
-              </a:ln>
-            </p:spPr>
-          </p:pic>
-        </p:grpSp>
-        <p:pic>
-          <p:nvPicPr>
-            <p:cNvPr id="3" name="Picture 2">
-              <a:extLst>
-                <a:ext uri="{FF2B5EF4-FFF2-40B4-BE49-F238E27FC236}">
-                  <a16:creationId xmlns:a16="http://schemas.microsoft.com/office/drawing/2014/main" id="{2A9E1866-009F-4603-A572-7F563F716B07}"/>
-                </a:ext>
-              </a:extLst>
-            </p:cNvPr>
-            <p:cNvPicPr>
-              <a:picLocks noChangeAspect="1"/>
-            </p:cNvPicPr>
-            <p:nvPr>
-              <p:custDataLst>
-                <p:tags r:id="rId1"/>
-              </p:custDataLst>
-            </p:nvPr>
-          </p:nvPicPr>
-          <p:blipFill>
-            <a:blip r:embed="rId8">
-              <a:extLst>
-                <a:ext uri="{28A0092B-C50C-407E-A947-70E740481C1C}">
-                  <a14:useLocalDpi xmlns:a14="http://schemas.microsoft.com/office/drawing/2010/main" val="0"/>
-                </a:ext>
-              </a:extLst>
-            </a:blip>
-            <a:stretch>
-              <a:fillRect/>
-            </a:stretch>
-          </p:blipFill>
-          <p:spPr>
-            <a:xfrm>
-              <a:off x="8060272" y="1813666"/>
-              <a:ext cx="1996072" cy="773400"/>
-            </a:xfrm>
-            <a:prstGeom prst="rect">
-              <a:avLst/>
-            </a:prstGeom>
-          </p:spPr>
-        </p:pic>
-      </p:grpSp>
-    </p:spTree>
-    <p:extLst>
-      <p:ext uri="{BB962C8B-B14F-4D97-AF65-F5344CB8AC3E}">
-        <p14:creationId xmlns:p14="http://schemas.microsoft.com/office/powerpoint/2010/main" val="858243599"/>
-      </p:ext>
-    </p:extLst>
-  </p:cSld>
-  <p:clrMapOvr>
-    <a:masterClrMapping/>
-  </p:clrMapOvr>
-</p:sld>
-</file>
-
-<file path=ppt/slides/slide20.xml><?xml version="1.0" encoding="utf-8"?>
+<file path=ppt/slides/slide21.xml><?xml version="1.0" encoding="utf-8"?>
 <p:sld xmlns:a="http://schemas.openxmlformats.org/drawingml/2006/main" xmlns:r="http://schemas.openxmlformats.org/officeDocument/2006/relationships" xmlns:p="http://schemas.openxmlformats.org/presentationml/2006/main">
   <p:cSld>
     <p:spTree>
@@ -19303,7 +20784,7 @@
 </p:sld>
 </file>
 
-<file path=ppt/slides/slide21.xml><?xml version="1.0" encoding="utf-8"?>
+<file path=ppt/slides/slide22.xml><?xml version="1.0" encoding="utf-8"?>
 <p:sld xmlns:a="http://schemas.openxmlformats.org/drawingml/2006/main" xmlns:r="http://schemas.openxmlformats.org/officeDocument/2006/relationships" xmlns:p="http://schemas.openxmlformats.org/presentationml/2006/main">
   <p:cSld>
     <p:spTree>
@@ -34229,6 +35710,815 @@
       </p:grpSpPr>
       <p:grpSp>
         <p:nvGrpSpPr>
+          <p:cNvPr id="43" name="Group 42">
+            <a:extLst>
+              <a:ext uri="{FF2B5EF4-FFF2-40B4-BE49-F238E27FC236}">
+                <a16:creationId xmlns:a16="http://schemas.microsoft.com/office/drawing/2014/main" id="{4B8A7A9B-D81C-4DAC-8311-C14DC08A08AA}"/>
+              </a:ext>
+            </a:extLst>
+          </p:cNvPr>
+          <p:cNvGrpSpPr/>
+          <p:nvPr/>
+        </p:nvGrpSpPr>
+        <p:grpSpPr>
+          <a:xfrm>
+            <a:off x="4137563" y="2208179"/>
+            <a:ext cx="6074380" cy="3338936"/>
+            <a:chOff x="4137563" y="2208179"/>
+            <a:chExt cx="6074380" cy="3338936"/>
+          </a:xfrm>
+        </p:grpSpPr>
+        <p:grpSp>
+          <p:nvGrpSpPr>
+            <p:cNvPr id="40" name="Group 39">
+              <a:extLst>
+                <a:ext uri="{FF2B5EF4-FFF2-40B4-BE49-F238E27FC236}">
+                  <a16:creationId xmlns:a16="http://schemas.microsoft.com/office/drawing/2014/main" id="{9389994F-A2FA-4A50-AC50-9A5DBF11F3DF}"/>
+                </a:ext>
+              </a:extLst>
+            </p:cNvPr>
+            <p:cNvGrpSpPr/>
+            <p:nvPr/>
+          </p:nvGrpSpPr>
+          <p:grpSpPr>
+            <a:xfrm>
+              <a:off x="4137563" y="2208179"/>
+              <a:ext cx="6074380" cy="2471238"/>
+              <a:chOff x="4137563" y="2208179"/>
+              <a:chExt cx="6074380" cy="2471238"/>
+            </a:xfrm>
+          </p:grpSpPr>
+          <p:grpSp>
+            <p:nvGrpSpPr>
+              <p:cNvPr id="29" name="Group 28">
+                <a:extLst>
+                  <a:ext uri="{FF2B5EF4-FFF2-40B4-BE49-F238E27FC236}">
+                    <a16:creationId xmlns:a16="http://schemas.microsoft.com/office/drawing/2014/main" id="{755997E5-7653-4977-8159-DB756A189839}"/>
+                  </a:ext>
+                </a:extLst>
+              </p:cNvPr>
+              <p:cNvGrpSpPr/>
+              <p:nvPr/>
+            </p:nvGrpSpPr>
+            <p:grpSpPr>
+              <a:xfrm>
+                <a:off x="5457560" y="2208179"/>
+                <a:ext cx="4754383" cy="2471238"/>
+                <a:chOff x="5457560" y="2208179"/>
+                <a:chExt cx="4754383" cy="2471238"/>
+              </a:xfrm>
+            </p:grpSpPr>
+            <p:grpSp>
+              <p:nvGrpSpPr>
+                <p:cNvPr id="28" name="Group 27">
+                  <a:extLst>
+                    <a:ext uri="{FF2B5EF4-FFF2-40B4-BE49-F238E27FC236}">
+                      <a16:creationId xmlns:a16="http://schemas.microsoft.com/office/drawing/2014/main" id="{495D0E31-B370-4AF2-BAF2-690843EB8E5E}"/>
+                    </a:ext>
+                  </a:extLst>
+                </p:cNvPr>
+                <p:cNvGrpSpPr/>
+                <p:nvPr>
+                  <p:custDataLst>
+                    <p:tags r:id="rId4"/>
+                  </p:custDataLst>
+                </p:nvPr>
+              </p:nvGrpSpPr>
+              <p:grpSpPr>
+                <a:xfrm>
+                  <a:off x="5457560" y="2208179"/>
+                  <a:ext cx="4174659" cy="2471238"/>
+                  <a:chOff x="5457560" y="2208179"/>
+                  <a:chExt cx="4174659" cy="2471238"/>
+                </a:xfrm>
+              </p:grpSpPr>
+              <p:sp>
+                <p:nvSpPr>
+                  <p:cNvPr id="146" name="Freeform 6">
+                    <a:extLst>
+                      <a:ext uri="{FF2B5EF4-FFF2-40B4-BE49-F238E27FC236}">
+                        <a16:creationId xmlns:a16="http://schemas.microsoft.com/office/drawing/2014/main" id="{FA4C244B-A379-46FB-8D77-CBCCC0D813CE}"/>
+                      </a:ext>
+                    </a:extLst>
+                  </p:cNvPr>
+                  <p:cNvSpPr>
+                    <a:spLocks/>
+                  </p:cNvSpPr>
+                  <p:nvPr/>
+                </p:nvSpPr>
+                <p:spPr bwMode="auto">
+                  <a:xfrm>
+                    <a:off x="5467721" y="2712396"/>
+                    <a:ext cx="3744373" cy="1792920"/>
+                  </a:xfrm>
+                  <a:custGeom>
+                    <a:avLst/>
+                    <a:gdLst/>
+                    <a:ahLst/>
+                    <a:cxnLst>
+                      <a:cxn ang="0">
+                        <a:pos x="0" y="0"/>
+                      </a:cxn>
+                      <a:cxn ang="0">
+                        <a:pos x="0" y="528"/>
+                      </a:cxn>
+                      <a:cxn ang="0">
+                        <a:pos x="3216" y="528"/>
+                      </a:cxn>
+                      <a:cxn ang="0">
+                        <a:pos x="3216" y="0"/>
+                      </a:cxn>
+                    </a:cxnLst>
+                    <a:rect l="0" t="0" r="r" b="b"/>
+                    <a:pathLst>
+                      <a:path w="3216" h="528">
+                        <a:moveTo>
+                          <a:pt x="0" y="0"/>
+                        </a:moveTo>
+                        <a:lnTo>
+                          <a:pt x="0" y="528"/>
+                        </a:lnTo>
+                        <a:lnTo>
+                          <a:pt x="3216" y="528"/>
+                        </a:lnTo>
+                        <a:lnTo>
+                          <a:pt x="3216" y="0"/>
+                        </a:lnTo>
+                      </a:path>
+                    </a:pathLst>
+                  </a:custGeom>
+                  <a:solidFill>
+                    <a:schemeClr val="hlink"/>
+                  </a:solidFill>
+                  <a:ln w="57150" cap="flat" cmpd="sng">
+                    <a:noFill/>
+                    <a:prstDash val="solid"/>
+                    <a:round/>
+                    <a:headEnd type="none" w="lg" len="med"/>
+                    <a:tailEnd type="none" w="lg" len="med"/>
+                  </a:ln>
+                  <a:effectLst/>
+                </p:spPr>
+                <p:txBody>
+                  <a:bodyPr wrap="square" anchor="ctr">
+                    <a:noAutofit/>
+                  </a:bodyPr>
+                  <a:lstStyle/>
+                  <a:p>
+                    <a:endParaRPr lang="en-US" dirty="0"/>
+                  </a:p>
+                </p:txBody>
+              </p:sp>
+              <p:sp>
+                <p:nvSpPr>
+                  <p:cNvPr id="147" name="Arrow: Right 146">
+                    <a:extLst>
+                      <a:ext uri="{FF2B5EF4-FFF2-40B4-BE49-F238E27FC236}">
+                        <a16:creationId xmlns:a16="http://schemas.microsoft.com/office/drawing/2014/main" id="{8696CB20-E458-49CC-9834-69D913A0D8E6}"/>
+                      </a:ext>
+                    </a:extLst>
+                  </p:cNvPr>
+                  <p:cNvSpPr/>
+                  <p:nvPr/>
+                </p:nvSpPr>
+                <p:spPr bwMode="auto">
+                  <a:xfrm>
+                    <a:off x="5463072" y="2208179"/>
+                    <a:ext cx="4169147" cy="774865"/>
+                  </a:xfrm>
+                  <a:prstGeom prst="rightArrow">
+                    <a:avLst>
+                      <a:gd name="adj1" fmla="val 50000"/>
+                      <a:gd name="adj2" fmla="val 55594"/>
+                    </a:avLst>
+                  </a:prstGeom>
+                  <a:solidFill>
+                    <a:srgbClr val="002060"/>
+                  </a:solidFill>
+                  <a:ln w="12700">
+                    <a:solidFill>
+                      <a:srgbClr val="002060"/>
+                    </a:solidFill>
+                    <a:miter lim="800000"/>
+                    <a:headEnd type="none" w="lg" len="med"/>
+                    <a:tailEnd type="none" w="lg" len="med"/>
+                  </a:ln>
+                  <a:effectLst/>
+                </p:spPr>
+                <p:txBody>
+                  <a:bodyPr rtlCol="0" anchor="ctr">
+                    <a:noAutofit/>
+                  </a:bodyPr>
+                  <a:lstStyle/>
+                  <a:p>
+                    <a:pPr algn="l"/>
+                    <a:endParaRPr lang="en-US" dirty="0"/>
+                  </a:p>
+                </p:txBody>
+              </p:sp>
+              <p:sp>
+                <p:nvSpPr>
+                  <p:cNvPr id="148" name="Arrow: Right 147">
+                    <a:extLst>
+                      <a:ext uri="{FF2B5EF4-FFF2-40B4-BE49-F238E27FC236}">
+                        <a16:creationId xmlns:a16="http://schemas.microsoft.com/office/drawing/2014/main" id="{BDC0AF5E-6EAB-4726-8381-50BE4D86F379}"/>
+                      </a:ext>
+                    </a:extLst>
+                  </p:cNvPr>
+                  <p:cNvSpPr/>
+                  <p:nvPr/>
+                </p:nvSpPr>
+                <p:spPr bwMode="auto">
+                  <a:xfrm>
+                    <a:off x="5472800" y="3045046"/>
+                    <a:ext cx="3259720" cy="605840"/>
+                  </a:xfrm>
+                  <a:prstGeom prst="rightArrow">
+                    <a:avLst>
+                      <a:gd name="adj1" fmla="val 50000"/>
+                      <a:gd name="adj2" fmla="val 55594"/>
+                    </a:avLst>
+                  </a:prstGeom>
+                  <a:solidFill>
+                    <a:srgbClr val="002060"/>
+                  </a:solidFill>
+                  <a:ln w="12700">
+                    <a:solidFill>
+                      <a:srgbClr val="002060"/>
+                    </a:solidFill>
+                    <a:miter lim="800000"/>
+                    <a:headEnd type="none" w="lg" len="med"/>
+                    <a:tailEnd type="none" w="lg" len="med"/>
+                  </a:ln>
+                  <a:effectLst/>
+                </p:spPr>
+                <p:txBody>
+                  <a:bodyPr rtlCol="0" anchor="ctr">
+                    <a:noAutofit/>
+                  </a:bodyPr>
+                  <a:lstStyle/>
+                  <a:p>
+                    <a:pPr algn="l"/>
+                    <a:endParaRPr lang="en-US" dirty="0"/>
+                  </a:p>
+                </p:txBody>
+              </p:sp>
+              <p:sp>
+                <p:nvSpPr>
+                  <p:cNvPr id="149" name="Arrow: Right 148">
+                    <a:extLst>
+                      <a:ext uri="{FF2B5EF4-FFF2-40B4-BE49-F238E27FC236}">
+                        <a16:creationId xmlns:a16="http://schemas.microsoft.com/office/drawing/2014/main" id="{A8537530-20A7-4154-8067-AA7DD37566C4}"/>
+                      </a:ext>
+                    </a:extLst>
+                  </p:cNvPr>
+                  <p:cNvSpPr/>
+                  <p:nvPr/>
+                </p:nvSpPr>
+                <p:spPr bwMode="auto">
+                  <a:xfrm>
+                    <a:off x="5472800" y="3689531"/>
+                    <a:ext cx="2566299" cy="476964"/>
+                  </a:xfrm>
+                  <a:prstGeom prst="rightArrow">
+                    <a:avLst>
+                      <a:gd name="adj1" fmla="val 50000"/>
+                      <a:gd name="adj2" fmla="val 55594"/>
+                    </a:avLst>
+                  </a:prstGeom>
+                  <a:solidFill>
+                    <a:srgbClr val="002060"/>
+                  </a:solidFill>
+                  <a:ln w="12700">
+                    <a:solidFill>
+                      <a:srgbClr val="002060"/>
+                    </a:solidFill>
+                    <a:miter lim="800000"/>
+                    <a:headEnd type="none" w="lg" len="med"/>
+                    <a:tailEnd type="none" w="lg" len="med"/>
+                  </a:ln>
+                  <a:effectLst/>
+                </p:spPr>
+                <p:txBody>
+                  <a:bodyPr rtlCol="0" anchor="ctr">
+                    <a:noAutofit/>
+                  </a:bodyPr>
+                  <a:lstStyle/>
+                  <a:p>
+                    <a:pPr algn="l"/>
+                    <a:endParaRPr lang="en-US" dirty="0"/>
+                  </a:p>
+                </p:txBody>
+              </p:sp>
+              <p:sp>
+                <p:nvSpPr>
+                  <p:cNvPr id="150" name="Arrow: Right 149">
+                    <a:extLst>
+                      <a:ext uri="{FF2B5EF4-FFF2-40B4-BE49-F238E27FC236}">
+                        <a16:creationId xmlns:a16="http://schemas.microsoft.com/office/drawing/2014/main" id="{5CB277BC-F2CC-447C-A9C6-4CB892079EB7}"/>
+                      </a:ext>
+                    </a:extLst>
+                  </p:cNvPr>
+                  <p:cNvSpPr/>
+                  <p:nvPr/>
+                </p:nvSpPr>
+                <p:spPr bwMode="auto">
+                  <a:xfrm>
+                    <a:off x="5457560" y="4330981"/>
+                    <a:ext cx="1874769" cy="348436"/>
+                  </a:xfrm>
+                  <a:prstGeom prst="rightArrow">
+                    <a:avLst>
+                      <a:gd name="adj1" fmla="val 50000"/>
+                      <a:gd name="adj2" fmla="val 55594"/>
+                    </a:avLst>
+                  </a:prstGeom>
+                  <a:solidFill>
+                    <a:srgbClr val="002060"/>
+                  </a:solidFill>
+                  <a:ln w="12700">
+                    <a:solidFill>
+                      <a:srgbClr val="002060"/>
+                    </a:solidFill>
+                    <a:miter lim="800000"/>
+                    <a:headEnd type="none" w="lg" len="med"/>
+                    <a:tailEnd type="none" w="lg" len="med"/>
+                  </a:ln>
+                  <a:effectLst/>
+                </p:spPr>
+                <p:txBody>
+                  <a:bodyPr rtlCol="0" anchor="ctr">
+                    <a:noAutofit/>
+                  </a:bodyPr>
+                  <a:lstStyle/>
+                  <a:p>
+                    <a:pPr algn="l"/>
+                    <a:endParaRPr lang="en-US" dirty="0"/>
+                  </a:p>
+                </p:txBody>
+              </p:sp>
+              <p:cxnSp>
+                <p:nvCxnSpPr>
+                  <p:cNvPr id="10" name="Straight Connector 9">
+                    <a:extLst>
+                      <a:ext uri="{FF2B5EF4-FFF2-40B4-BE49-F238E27FC236}">
+                        <a16:creationId xmlns:a16="http://schemas.microsoft.com/office/drawing/2014/main" id="{B79CD57F-775C-464D-9F71-D473455A593F}"/>
+                      </a:ext>
+                    </a:extLst>
+                  </p:cNvPr>
+                  <p:cNvCxnSpPr>
+                    <a:cxnSpLocks/>
+                    <a:endCxn id="147" idx="3"/>
+                  </p:cNvCxnSpPr>
+                  <p:nvPr/>
+                </p:nvCxnSpPr>
+                <p:spPr>
+                  <a:xfrm flipV="1">
+                    <a:off x="7299960" y="2595612"/>
+                    <a:ext cx="2332259" cy="1945584"/>
+                  </a:xfrm>
+                  <a:prstGeom prst="line">
+                    <a:avLst/>
+                  </a:prstGeom>
+                  <a:ln w="19050">
+                    <a:solidFill>
+                      <a:schemeClr val="tx1"/>
+                    </a:solidFill>
+                  </a:ln>
+                </p:spPr>
+                <p:style>
+                  <a:lnRef idx="1">
+                    <a:schemeClr val="accent1"/>
+                  </a:lnRef>
+                  <a:fillRef idx="0">
+                    <a:schemeClr val="accent1"/>
+                  </a:fillRef>
+                  <a:effectRef idx="0">
+                    <a:schemeClr val="accent1"/>
+                  </a:effectRef>
+                  <a:fontRef idx="minor">
+                    <a:schemeClr val="tx1"/>
+                  </a:fontRef>
+                </p:style>
+              </p:cxnSp>
+              <p:pic>
+                <p:nvPicPr>
+                  <p:cNvPr id="27" name="Picture 26">
+                    <a:extLst>
+                      <a:ext uri="{FF2B5EF4-FFF2-40B4-BE49-F238E27FC236}">
+                        <a16:creationId xmlns:a16="http://schemas.microsoft.com/office/drawing/2014/main" id="{92DD69F7-C64E-407B-89A0-AB93C2A5A8B8}"/>
+                      </a:ext>
+                    </a:extLst>
+                  </p:cNvPr>
+                  <p:cNvPicPr>
+                    <a:picLocks noChangeAspect="1"/>
+                  </p:cNvPicPr>
+                  <p:nvPr>
+                    <p:custDataLst>
+                      <p:tags r:id="rId6"/>
+                    </p:custDataLst>
+                  </p:nvPr>
+                </p:nvPicPr>
+                <p:blipFill>
+                  <a:blip r:embed="rId8">
+                    <a:extLst>
+                      <a:ext uri="{28A0092B-C50C-407E-A947-70E740481C1C}">
+                        <a14:useLocalDpi xmlns:a14="http://schemas.microsoft.com/office/drawing/2010/main" val="0"/>
+                      </a:ext>
+                    </a:extLst>
+                  </a:blip>
+                  <a:stretch>
+                    <a:fillRect/>
+                  </a:stretch>
+                </p:blipFill>
+                <p:spPr>
+                  <a:xfrm>
+                    <a:off x="7396589" y="2442538"/>
+                    <a:ext cx="326341" cy="308583"/>
+                  </a:xfrm>
+                  <a:prstGeom prst="rect">
+                    <a:avLst/>
+                  </a:prstGeom>
+                  <a:solidFill>
+                    <a:srgbClr val="002060"/>
+                  </a:solidFill>
+                </p:spPr>
+              </p:pic>
+            </p:grpSp>
+            <p:cxnSp>
+              <p:nvCxnSpPr>
+                <p:cNvPr id="155" name="Straight Connector 154">
+                  <a:extLst>
+                    <a:ext uri="{FF2B5EF4-FFF2-40B4-BE49-F238E27FC236}">
+                      <a16:creationId xmlns:a16="http://schemas.microsoft.com/office/drawing/2014/main" id="{341FC3B8-EDB4-43DE-9693-B5C9AE14849D}"/>
+                    </a:ext>
+                  </a:extLst>
+                </p:cNvPr>
+                <p:cNvCxnSpPr>
+                  <a:cxnSpLocks/>
+                  <a:stCxn id="147" idx="3"/>
+                </p:cNvCxnSpPr>
+                <p:nvPr/>
+              </p:nvCxnSpPr>
+              <p:spPr bwMode="auto">
+                <a:xfrm>
+                  <a:off x="9632219" y="2595612"/>
+                  <a:ext cx="456661" cy="0"/>
+                </a:xfrm>
+                <a:prstGeom prst="line">
+                  <a:avLst/>
+                </a:prstGeom>
+                <a:solidFill>
+                  <a:schemeClr val="accent1"/>
+                </a:solidFill>
+                <a:ln w="12700" cap="flat" cmpd="sng" algn="ctr">
+                  <a:solidFill>
+                    <a:schemeClr val="tx1"/>
+                  </a:solidFill>
+                  <a:prstDash val="sysDash"/>
+                  <a:round/>
+                  <a:headEnd type="none" w="lg" len="med"/>
+                  <a:tailEnd type="none" w="lg" len="med"/>
+                </a:ln>
+                <a:effectLst/>
+              </p:spPr>
+            </p:cxnSp>
+            <p:sp>
+              <p:nvSpPr>
+                <p:cNvPr id="153" name="Line 49">
+                  <a:extLst>
+                    <a:ext uri="{FF2B5EF4-FFF2-40B4-BE49-F238E27FC236}">
+                      <a16:creationId xmlns:a16="http://schemas.microsoft.com/office/drawing/2014/main" id="{AA690214-C3B4-4066-87B6-4FAEBC0823A4}"/>
+                    </a:ext>
+                  </a:extLst>
+                </p:cNvPr>
+                <p:cNvSpPr>
+                  <a:spLocks noChangeShapeType="1"/>
+                </p:cNvSpPr>
+                <p:nvPr/>
+              </p:nvSpPr>
+              <p:spPr bwMode="auto">
+                <a:xfrm rot="16200000" flipH="1">
+                  <a:off x="8967312" y="3550464"/>
+                  <a:ext cx="1909704" cy="0"/>
+                </a:xfrm>
+                <a:prstGeom prst="line">
+                  <a:avLst/>
+                </a:prstGeom>
+                <a:noFill/>
+                <a:ln w="38100">
+                  <a:solidFill>
+                    <a:schemeClr val="tx1"/>
+                  </a:solidFill>
+                  <a:round/>
+                  <a:headEnd type="triangle" w="lg" len="med"/>
+                  <a:tailEnd type="triangle" w="lg" len="med"/>
+                </a:ln>
+                <a:effectLst/>
+              </p:spPr>
+              <p:txBody>
+                <a:bodyPr wrap="square" anchor="ctr">
+                  <a:spAutoFit/>
+                </a:bodyPr>
+                <a:lstStyle/>
+                <a:p>
+                  <a:endParaRPr lang="en-US"/>
+                </a:p>
+              </p:txBody>
+            </p:sp>
+            <p:pic>
+              <p:nvPicPr>
+                <p:cNvPr id="154" name="Picture 153">
+                  <a:extLst>
+                    <a:ext uri="{FF2B5EF4-FFF2-40B4-BE49-F238E27FC236}">
+                      <a16:creationId xmlns:a16="http://schemas.microsoft.com/office/drawing/2014/main" id="{05AC23A6-4001-4F02-A448-A59798898C9A}"/>
+                    </a:ext>
+                  </a:extLst>
+                </p:cNvPr>
+                <p:cNvPicPr>
+                  <a:picLocks noChangeAspect="1"/>
+                </p:cNvPicPr>
+                <p:nvPr>
+                  <p:custDataLst>
+                    <p:tags r:id="rId5"/>
+                  </p:custDataLst>
+                </p:nvPr>
+              </p:nvPicPr>
+              <p:blipFill>
+                <a:blip r:embed="rId9">
+                  <a:extLst>
+                    <a:ext uri="{28A0092B-C50C-407E-A947-70E740481C1C}">
+                      <a14:useLocalDpi xmlns:a14="http://schemas.microsoft.com/office/drawing/2010/main" val="0"/>
+                    </a:ext>
+                  </a:extLst>
+                </a:blip>
+                <a:stretch>
+                  <a:fillRect/>
+                </a:stretch>
+              </p:blipFill>
+              <p:spPr>
+                <a:xfrm>
+                  <a:off x="9581579" y="3224476"/>
+                  <a:ext cx="630364" cy="343578"/>
+                </a:xfrm>
+                <a:prstGeom prst="rect">
+                  <a:avLst/>
+                </a:prstGeom>
+                <a:solidFill>
+                  <a:schemeClr val="bg1"/>
+                </a:solidFill>
+              </p:spPr>
+            </p:pic>
+          </p:grpSp>
+          <p:pic>
+            <p:nvPicPr>
+              <p:cNvPr id="31" name="Picture 30">
+                <a:extLst>
+                  <a:ext uri="{FF2B5EF4-FFF2-40B4-BE49-F238E27FC236}">
+                    <a16:creationId xmlns:a16="http://schemas.microsoft.com/office/drawing/2014/main" id="{12F5476C-7D67-43FB-9BF4-EBC2FC9F4DAE}"/>
+                  </a:ext>
+                </a:extLst>
+              </p:cNvPr>
+              <p:cNvPicPr>
+                <a:picLocks noChangeAspect="1"/>
+              </p:cNvPicPr>
+              <p:nvPr>
+                <p:custDataLst>
+                  <p:tags r:id="rId2"/>
+                </p:custDataLst>
+              </p:nvPr>
+            </p:nvPicPr>
+            <p:blipFill>
+              <a:blip r:embed="rId10">
+                <a:extLst>
+                  <a:ext uri="{28A0092B-C50C-407E-A947-70E740481C1C}">
+                    <a14:useLocalDpi xmlns:a14="http://schemas.microsoft.com/office/drawing/2010/main" val="0"/>
+                  </a:ext>
+                </a:extLst>
+              </a:blip>
+              <a:stretch>
+                <a:fillRect/>
+              </a:stretch>
+            </p:blipFill>
+            <p:spPr>
+              <a:xfrm>
+                <a:off x="6347942" y="4421468"/>
+                <a:ext cx="162930" cy="158373"/>
+              </a:xfrm>
+              <a:prstGeom prst="rect">
+                <a:avLst/>
+              </a:prstGeom>
+              <a:solidFill>
+                <a:srgbClr val="002060"/>
+              </a:solidFill>
+            </p:spPr>
+          </p:pic>
+          <p:cxnSp>
+            <p:nvCxnSpPr>
+              <p:cNvPr id="158" name="Straight Connector 157">
+                <a:extLst>
+                  <a:ext uri="{FF2B5EF4-FFF2-40B4-BE49-F238E27FC236}">
+                    <a16:creationId xmlns:a16="http://schemas.microsoft.com/office/drawing/2014/main" id="{D4999709-EB32-49AB-A750-D75D0119647D}"/>
+                  </a:ext>
+                </a:extLst>
+              </p:cNvPr>
+              <p:cNvCxnSpPr>
+                <a:cxnSpLocks/>
+              </p:cNvCxnSpPr>
+              <p:nvPr/>
+            </p:nvCxnSpPr>
+            <p:spPr bwMode="auto">
+              <a:xfrm>
+                <a:off x="7332329" y="4499653"/>
+                <a:ext cx="2825131" cy="0"/>
+              </a:xfrm>
+              <a:prstGeom prst="line">
+                <a:avLst/>
+              </a:prstGeom>
+              <a:solidFill>
+                <a:schemeClr val="accent1"/>
+              </a:solidFill>
+              <a:ln w="12700" cap="flat" cmpd="sng" algn="ctr">
+                <a:solidFill>
+                  <a:schemeClr val="tx1"/>
+                </a:solidFill>
+                <a:prstDash val="sysDash"/>
+                <a:round/>
+                <a:headEnd type="none" w="lg" len="med"/>
+                <a:tailEnd type="none" w="lg" len="med"/>
+              </a:ln>
+              <a:effectLst/>
+            </p:spPr>
+          </p:cxnSp>
+          <p:sp>
+            <p:nvSpPr>
+              <p:cNvPr id="36" name="Left Brace 35">
+                <a:extLst>
+                  <a:ext uri="{FF2B5EF4-FFF2-40B4-BE49-F238E27FC236}">
+                    <a16:creationId xmlns:a16="http://schemas.microsoft.com/office/drawing/2014/main" id="{B6399ED5-9AC3-42F5-86B1-7EE50BA9D4EB}"/>
+                  </a:ext>
+                </a:extLst>
+              </p:cNvPr>
+              <p:cNvSpPr/>
+              <p:nvPr/>
+            </p:nvSpPr>
+            <p:spPr>
+              <a:xfrm>
+                <a:off x="4932319" y="2595611"/>
+                <a:ext cx="460978" cy="1909705"/>
+              </a:xfrm>
+              <a:prstGeom prst="leftBrace">
+                <a:avLst>
+                  <a:gd name="adj1" fmla="val 0"/>
+                  <a:gd name="adj2" fmla="val 50000"/>
+                </a:avLst>
+              </a:prstGeom>
+              <a:ln w="38100">
+                <a:solidFill>
+                  <a:schemeClr val="tx1"/>
+                </a:solidFill>
+              </a:ln>
+            </p:spPr>
+            <p:style>
+              <a:lnRef idx="1">
+                <a:schemeClr val="accent1"/>
+              </a:lnRef>
+              <a:fillRef idx="0">
+                <a:schemeClr val="accent1"/>
+              </a:fillRef>
+              <a:effectRef idx="0">
+                <a:schemeClr val="accent1"/>
+              </a:effectRef>
+              <a:fontRef idx="minor">
+                <a:schemeClr val="tx1"/>
+              </a:fontRef>
+            </p:style>
+            <p:txBody>
+              <a:bodyPr rtlCol="0" anchor="ctr"/>
+              <a:lstStyle/>
+              <a:p>
+                <a:pPr algn="ctr"/>
+                <a:endParaRPr lang="en-US"/>
+              </a:p>
+            </p:txBody>
+          </p:sp>
+          <p:pic>
+            <p:nvPicPr>
+              <p:cNvPr id="38" name="Picture 37">
+                <a:extLst>
+                  <a:ext uri="{FF2B5EF4-FFF2-40B4-BE49-F238E27FC236}">
+                    <a16:creationId xmlns:a16="http://schemas.microsoft.com/office/drawing/2014/main" id="{8FD1AFDD-B892-4A56-814F-77ADE8CC2C8C}"/>
+                  </a:ext>
+                </a:extLst>
+              </p:cNvPr>
+              <p:cNvPicPr>
+                <a:picLocks noChangeAspect="1"/>
+              </p:cNvPicPr>
+              <p:nvPr>
+                <p:custDataLst>
+                  <p:tags r:id="rId3"/>
+                </p:custDataLst>
+              </p:nvPr>
+            </p:nvPicPr>
+            <p:blipFill>
+              <a:blip r:embed="rId11">
+                <a:extLst>
+                  <a:ext uri="{28A0092B-C50C-407E-A947-70E740481C1C}">
+                    <a14:useLocalDpi xmlns:a14="http://schemas.microsoft.com/office/drawing/2010/main" val="0"/>
+                  </a:ext>
+                </a:extLst>
+              </a:blip>
+              <a:stretch>
+                <a:fillRect/>
+              </a:stretch>
+            </p:blipFill>
+            <p:spPr>
+              <a:xfrm>
+                <a:off x="4137563" y="3387999"/>
+                <a:ext cx="735425" cy="346418"/>
+              </a:xfrm>
+              <a:prstGeom prst="rect">
+                <a:avLst/>
+              </a:prstGeom>
+              <a:solidFill>
+                <a:schemeClr val="bg1"/>
+              </a:solidFill>
+            </p:spPr>
+          </p:pic>
+        </p:grpSp>
+        <p:pic>
+          <p:nvPicPr>
+            <p:cNvPr id="42" name="Picture 41">
+              <a:extLst>
+                <a:ext uri="{FF2B5EF4-FFF2-40B4-BE49-F238E27FC236}">
+                  <a16:creationId xmlns:a16="http://schemas.microsoft.com/office/drawing/2014/main" id="{9D5A3102-7087-474F-B7F1-B851DF5ED736}"/>
+                </a:ext>
+              </a:extLst>
+            </p:cNvPr>
+            <p:cNvPicPr>
+              <a:picLocks noChangeAspect="1"/>
+            </p:cNvPicPr>
+            <p:nvPr>
+              <p:custDataLst>
+                <p:tags r:id="rId1"/>
+              </p:custDataLst>
+            </p:nvPr>
+          </p:nvPicPr>
+          <p:blipFill>
+            <a:blip r:embed="rId12">
+              <a:extLst>
+                <a:ext uri="{28A0092B-C50C-407E-A947-70E740481C1C}">
+                  <a14:useLocalDpi xmlns:a14="http://schemas.microsoft.com/office/drawing/2010/main" val="0"/>
+                </a:ext>
+              </a:extLst>
+            </a:blip>
+            <a:stretch>
+              <a:fillRect/>
+            </a:stretch>
+          </p:blipFill>
+          <p:spPr>
+            <a:xfrm>
+              <a:off x="6394944" y="4823707"/>
+              <a:ext cx="1327986" cy="723408"/>
+            </a:xfrm>
+            <a:prstGeom prst="rect">
+              <a:avLst/>
+            </a:prstGeom>
+          </p:spPr>
+        </p:pic>
+      </p:grpSp>
+    </p:spTree>
+    <p:extLst>
+      <p:ext uri="{BB962C8B-B14F-4D97-AF65-F5344CB8AC3E}">
+        <p14:creationId xmlns:p14="http://schemas.microsoft.com/office/powerpoint/2010/main" val="1888378921"/>
+      </p:ext>
+    </p:extLst>
+  </p:cSld>
+  <p:clrMapOvr>
+    <a:masterClrMapping/>
+  </p:clrMapOvr>
+</p:sld>
+</file>
+
+<file path=ppt/slides/slide5.xml><?xml version="1.0" encoding="utf-8"?>
+<p:sld xmlns:a="http://schemas.openxmlformats.org/drawingml/2006/main" xmlns:r="http://schemas.openxmlformats.org/officeDocument/2006/relationships" xmlns:p="http://schemas.openxmlformats.org/presentationml/2006/main">
+  <p:cSld>
+    <p:spTree>
+      <p:nvGrpSpPr>
+        <p:cNvPr id="1" name=""/>
+        <p:cNvGrpSpPr/>
+        <p:nvPr/>
+      </p:nvGrpSpPr>
+      <p:grpSpPr>
+        <a:xfrm>
+          <a:off x="0" y="0"/>
+          <a:ext cx="0" cy="0"/>
+          <a:chOff x="0" y="0"/>
+          <a:chExt cx="0" cy="0"/>
+        </a:xfrm>
+      </p:grpSpPr>
+      <p:grpSp>
+        <p:nvGrpSpPr>
           <p:cNvPr id="2" name="Group 1">
             <a:extLst>
               <a:ext uri="{FF2B5EF4-FFF2-40B4-BE49-F238E27FC236}">
@@ -34515,7 +36805,7 @@
 </p:sld>
 </file>
 
-<file path=ppt/slides/slide5.xml><?xml version="1.0" encoding="utf-8"?>
+<file path=ppt/slides/slide6.xml><?xml version="1.0" encoding="utf-8"?>
 <p:sld xmlns:a="http://schemas.openxmlformats.org/drawingml/2006/main" xmlns:r="http://schemas.openxmlformats.org/officeDocument/2006/relationships" xmlns:p="http://schemas.openxmlformats.org/presentationml/2006/main">
   <p:cSld>
     <p:spTree>
@@ -34886,7 +37176,7 @@
 </p:sld>
 </file>
 
-<file path=ppt/slides/slide6.xml><?xml version="1.0" encoding="utf-8"?>
+<file path=ppt/slides/slide7.xml><?xml version="1.0" encoding="utf-8"?>
 <p:sld xmlns:a="http://schemas.openxmlformats.org/drawingml/2006/main" xmlns:r="http://schemas.openxmlformats.org/officeDocument/2006/relationships" xmlns:p="http://schemas.openxmlformats.org/presentationml/2006/main">
   <p:cSld>
     <p:spTree>
@@ -35636,7 +37926,7 @@
 </p:sld>
 </file>
 
-<file path=ppt/slides/slide7.xml><?xml version="1.0" encoding="utf-8"?>
+<file path=ppt/slides/slide8.xml><?xml version="1.0" encoding="utf-8"?>
 <p:sld xmlns:a="http://schemas.openxmlformats.org/drawingml/2006/main" xmlns:r="http://schemas.openxmlformats.org/officeDocument/2006/relationships" xmlns:p="http://schemas.openxmlformats.org/presentationml/2006/main">
   <p:cSld>
     <p:spTree>
@@ -41233,7 +43523,7 @@
 </p:sld>
 </file>
 
-<file path=ppt/slides/slide8.xml><?xml version="1.0" encoding="utf-8"?>
+<file path=ppt/slides/slide9.xml><?xml version="1.0" encoding="utf-8"?>
 <p:sld xmlns:a="http://schemas.openxmlformats.org/drawingml/2006/main" xmlns:r="http://schemas.openxmlformats.org/officeDocument/2006/relationships" xmlns:p="http://schemas.openxmlformats.org/presentationml/2006/main">
   <p:cSld>
     <p:spTree>
@@ -43049,1486 +45339,6 @@
 </p:sld>
 </file>
 
-<file path=ppt/slides/slide9.xml><?xml version="1.0" encoding="utf-8"?>
-<p:sld xmlns:a="http://schemas.openxmlformats.org/drawingml/2006/main" xmlns:r="http://schemas.openxmlformats.org/officeDocument/2006/relationships" xmlns:p="http://schemas.openxmlformats.org/presentationml/2006/main">
-  <p:cSld>
-    <p:spTree>
-      <p:nvGrpSpPr>
-        <p:cNvPr id="1" name=""/>
-        <p:cNvGrpSpPr/>
-        <p:nvPr/>
-      </p:nvGrpSpPr>
-      <p:grpSpPr>
-        <a:xfrm>
-          <a:off x="0" y="0"/>
-          <a:ext cx="0" cy="0"/>
-          <a:chOff x="0" y="0"/>
-          <a:chExt cx="0" cy="0"/>
-        </a:xfrm>
-      </p:grpSpPr>
-      <p:grpSp>
-        <p:nvGrpSpPr>
-          <p:cNvPr id="2" name="Group 1">
-            <a:extLst>
-              <a:ext uri="{FF2B5EF4-FFF2-40B4-BE49-F238E27FC236}">
-                <a16:creationId xmlns:a16="http://schemas.microsoft.com/office/drawing/2014/main" id="{74B9016D-11DB-4CD8-9118-27CFF251A34E}"/>
-              </a:ext>
-            </a:extLst>
-          </p:cNvPr>
-          <p:cNvGrpSpPr/>
-          <p:nvPr/>
-        </p:nvGrpSpPr>
-        <p:grpSpPr>
-          <a:xfrm>
-            <a:off x="990600" y="1557798"/>
-            <a:ext cx="8633936" cy="4004802"/>
-            <a:chOff x="990600" y="1534669"/>
-            <a:chExt cx="8633936" cy="4004802"/>
-          </a:xfrm>
-        </p:grpSpPr>
-        <p:sp>
-          <p:nvSpPr>
-            <p:cNvPr id="50" name="Freeform 6">
-              <a:extLst>
-                <a:ext uri="{FF2B5EF4-FFF2-40B4-BE49-F238E27FC236}">
-                  <a16:creationId xmlns:a16="http://schemas.microsoft.com/office/drawing/2014/main" id="{2B4BD6E5-C3A2-459A-9050-3C2BBC98649B}"/>
-                </a:ext>
-              </a:extLst>
-            </p:cNvPr>
-            <p:cNvSpPr>
-              <a:spLocks/>
-            </p:cNvSpPr>
-            <p:nvPr/>
-          </p:nvSpPr>
-          <p:spPr bwMode="auto">
-            <a:xfrm>
-              <a:off x="1722572" y="2339071"/>
-              <a:ext cx="3336367" cy="1828800"/>
-            </a:xfrm>
-            <a:custGeom>
-              <a:avLst/>
-              <a:gdLst/>
-              <a:ahLst/>
-              <a:cxnLst>
-                <a:cxn ang="0">
-                  <a:pos x="0" y="0"/>
-                </a:cxn>
-                <a:cxn ang="0">
-                  <a:pos x="0" y="528"/>
-                </a:cxn>
-                <a:cxn ang="0">
-                  <a:pos x="3216" y="528"/>
-                </a:cxn>
-                <a:cxn ang="0">
-                  <a:pos x="3216" y="0"/>
-                </a:cxn>
-              </a:cxnLst>
-              <a:rect l="0" t="0" r="r" b="b"/>
-              <a:pathLst>
-                <a:path w="3216" h="528">
-                  <a:moveTo>
-                    <a:pt x="0" y="0"/>
-                  </a:moveTo>
-                  <a:lnTo>
-                    <a:pt x="0" y="528"/>
-                  </a:lnTo>
-                  <a:lnTo>
-                    <a:pt x="3216" y="528"/>
-                  </a:lnTo>
-                  <a:lnTo>
-                    <a:pt x="3216" y="0"/>
-                  </a:lnTo>
-                </a:path>
-              </a:pathLst>
-            </a:custGeom>
-            <a:solidFill>
-              <a:schemeClr val="hlink"/>
-            </a:solidFill>
-            <a:ln w="57150" cap="flat" cmpd="sng">
-              <a:solidFill>
-                <a:schemeClr val="tx1"/>
-              </a:solidFill>
-              <a:prstDash val="solid"/>
-              <a:round/>
-              <a:headEnd type="none" w="lg" len="med"/>
-              <a:tailEnd type="none" w="lg" len="med"/>
-            </a:ln>
-            <a:effectLst/>
-          </p:spPr>
-          <p:txBody>
-            <a:bodyPr wrap="square" anchor="ctr">
-              <a:spAutoFit/>
-            </a:bodyPr>
-            <a:lstStyle/>
-            <a:p>
-              <a:endParaRPr lang="en-US"/>
-            </a:p>
-          </p:txBody>
-        </p:sp>
-        <p:sp>
-          <p:nvSpPr>
-            <p:cNvPr id="51" name="AutoShape 13">
-              <a:extLst>
-                <a:ext uri="{FF2B5EF4-FFF2-40B4-BE49-F238E27FC236}">
-                  <a16:creationId xmlns:a16="http://schemas.microsoft.com/office/drawing/2014/main" id="{22C7A6E7-4D39-45FE-B38C-2EC620390B32}"/>
-                </a:ext>
-              </a:extLst>
-            </p:cNvPr>
-            <p:cNvSpPr>
-              <a:spLocks noChangeArrowheads="1"/>
-            </p:cNvSpPr>
-            <p:nvPr/>
-          </p:nvSpPr>
-          <p:spPr bwMode="auto">
-            <a:xfrm>
-              <a:off x="3163177" y="4065967"/>
-              <a:ext cx="728663" cy="1399032"/>
-            </a:xfrm>
-            <a:custGeom>
-              <a:avLst/>
-              <a:gdLst>
-                <a:gd name="G0" fmla="+- 6871 0 0"/>
-                <a:gd name="G1" fmla="+- 21600 0 6871"/>
-                <a:gd name="G2" fmla="*/ 6871 1 2"/>
-                <a:gd name="G3" fmla="+- 21600 0 G2"/>
-                <a:gd name="G4" fmla="+/ 6871 21600 2"/>
-                <a:gd name="G5" fmla="+/ G1 0 2"/>
-                <a:gd name="G6" fmla="*/ 21600 21600 6871"/>
-                <a:gd name="G7" fmla="*/ G6 1 2"/>
-                <a:gd name="G8" fmla="+- 21600 0 G7"/>
-                <a:gd name="G9" fmla="*/ 21600 1 2"/>
-                <a:gd name="G10" fmla="+- 6871 0 G9"/>
-                <a:gd name="G11" fmla="?: G10 G8 0"/>
-                <a:gd name="G12" fmla="?: G10 G7 21600"/>
-                <a:gd name="T0" fmla="*/ 18164 w 21600"/>
-                <a:gd name="T1" fmla="*/ 10800 h 21600"/>
-                <a:gd name="T2" fmla="*/ 10800 w 21600"/>
-                <a:gd name="T3" fmla="*/ 21600 h 21600"/>
-                <a:gd name="T4" fmla="*/ 3436 w 21600"/>
-                <a:gd name="T5" fmla="*/ 10800 h 21600"/>
-                <a:gd name="T6" fmla="*/ 10800 w 21600"/>
-                <a:gd name="T7" fmla="*/ 0 h 21600"/>
-                <a:gd name="T8" fmla="*/ 5236 w 21600"/>
-                <a:gd name="T9" fmla="*/ 5236 h 21600"/>
-                <a:gd name="T10" fmla="*/ 16364 w 21600"/>
-                <a:gd name="T11" fmla="*/ 16364 h 21600"/>
-              </a:gdLst>
-              <a:ahLst/>
-              <a:cxnLst>
-                <a:cxn ang="0">
-                  <a:pos x="T0" y="T1"/>
-                </a:cxn>
-                <a:cxn ang="0">
-                  <a:pos x="T2" y="T3"/>
-                </a:cxn>
-                <a:cxn ang="0">
-                  <a:pos x="T4" y="T5"/>
-                </a:cxn>
-                <a:cxn ang="0">
-                  <a:pos x="T6" y="T7"/>
-                </a:cxn>
-              </a:cxnLst>
-              <a:rect l="T8" t="T9" r="T10" b="T11"/>
-              <a:pathLst>
-                <a:path w="21600" h="21600">
-                  <a:moveTo>
-                    <a:pt x="0" y="0"/>
-                  </a:moveTo>
-                  <a:lnTo>
-                    <a:pt x="6871" y="21600"/>
-                  </a:lnTo>
-                  <a:lnTo>
-                    <a:pt x="14729" y="21600"/>
-                  </a:lnTo>
-                  <a:lnTo>
-                    <a:pt x="21600" y="0"/>
-                  </a:lnTo>
-                  <a:close/>
-                </a:path>
-              </a:pathLst>
-            </a:custGeom>
-            <a:solidFill>
-              <a:schemeClr val="hlink"/>
-            </a:solidFill>
-            <a:ln w="12700">
-              <a:noFill/>
-              <a:miter lim="800000"/>
-              <a:headEnd type="none" w="lg" len="med"/>
-              <a:tailEnd type="none" w="lg" len="med"/>
-            </a:ln>
-            <a:effectLst/>
-          </p:spPr>
-          <p:txBody>
-            <a:bodyPr anchor="ctr">
-              <a:spAutoFit/>
-            </a:bodyPr>
-            <a:lstStyle/>
-            <a:p>
-              <a:endParaRPr lang="en-US"/>
-            </a:p>
-          </p:txBody>
-        </p:sp>
-        <p:grpSp>
-          <p:nvGrpSpPr>
-            <p:cNvPr id="52" name="Group 27">
-              <a:extLst>
-                <a:ext uri="{FF2B5EF4-FFF2-40B4-BE49-F238E27FC236}">
-                  <a16:creationId xmlns:a16="http://schemas.microsoft.com/office/drawing/2014/main" id="{41A131C8-E9EB-4199-8BA2-4A411504E6F5}"/>
-                </a:ext>
-              </a:extLst>
-            </p:cNvPr>
-            <p:cNvGrpSpPr>
-              <a:grpSpLocks/>
-            </p:cNvGrpSpPr>
-            <p:nvPr/>
-          </p:nvGrpSpPr>
-          <p:grpSpPr bwMode="auto">
-            <a:xfrm>
-              <a:off x="3151176" y="4150993"/>
-              <a:ext cx="740664" cy="1316736"/>
-              <a:chOff x="2480" y="2033"/>
-              <a:chExt cx="459" cy="1395"/>
-            </a:xfrm>
-          </p:grpSpPr>
-          <p:sp>
-            <p:nvSpPr>
-              <p:cNvPr id="75" name="Freeform 8">
-                <a:extLst>
-                  <a:ext uri="{FF2B5EF4-FFF2-40B4-BE49-F238E27FC236}">
-                    <a16:creationId xmlns:a16="http://schemas.microsoft.com/office/drawing/2014/main" id="{0A55DB3D-9497-42C7-9EE3-8BB33652273C}"/>
-                  </a:ext>
-                </a:extLst>
-              </p:cNvPr>
-              <p:cNvSpPr>
-                <a:spLocks/>
-              </p:cNvSpPr>
-              <p:nvPr/>
-            </p:nvSpPr>
-            <p:spPr bwMode="auto">
-              <a:xfrm>
-                <a:off x="2480" y="2033"/>
-                <a:ext cx="147" cy="1395"/>
-              </a:xfrm>
-              <a:custGeom>
-                <a:avLst/>
-                <a:gdLst/>
-                <a:ahLst/>
-                <a:cxnLst>
-                  <a:cxn ang="0">
-                    <a:pos x="0" y="0"/>
-                  </a:cxn>
-                  <a:cxn ang="0">
-                    <a:pos x="111" y="232"/>
-                  </a:cxn>
-                  <a:cxn ang="0">
-                    <a:pos x="141" y="1395"/>
-                  </a:cxn>
-                </a:cxnLst>
-                <a:rect l="0" t="0" r="r" b="b"/>
-                <a:pathLst>
-                  <a:path w="147" h="1395">
-                    <a:moveTo>
-                      <a:pt x="0" y="0"/>
-                    </a:moveTo>
-                    <a:cubicBezTo>
-                      <a:pt x="87" y="0"/>
-                      <a:pt x="106" y="174"/>
-                      <a:pt x="111" y="232"/>
-                    </a:cubicBezTo>
-                    <a:cubicBezTo>
-                      <a:pt x="116" y="290"/>
-                      <a:pt x="147" y="1084"/>
-                      <a:pt x="141" y="1395"/>
-                    </a:cubicBezTo>
-                  </a:path>
-                </a:pathLst>
-              </a:custGeom>
-              <a:solidFill>
-                <a:schemeClr val="bg1"/>
-              </a:solidFill>
-              <a:ln w="12700" cap="flat" cmpd="sng">
-                <a:solidFill>
-                  <a:schemeClr val="hlink"/>
-                </a:solidFill>
-                <a:prstDash val="solid"/>
-                <a:round/>
-                <a:headEnd type="none" w="lg" len="med"/>
-                <a:tailEnd type="none" w="lg" len="med"/>
-              </a:ln>
-              <a:effectLst/>
-            </p:spPr>
-            <p:txBody>
-              <a:bodyPr wrap="none" anchor="ctr">
-                <a:spAutoFit/>
-              </a:bodyPr>
-              <a:lstStyle/>
-              <a:p>
-                <a:endParaRPr lang="en-US"/>
-              </a:p>
-            </p:txBody>
-          </p:sp>
-          <p:sp>
-            <p:nvSpPr>
-              <p:cNvPr id="76" name="Freeform 15">
-                <a:extLst>
-                  <a:ext uri="{FF2B5EF4-FFF2-40B4-BE49-F238E27FC236}">
-                    <a16:creationId xmlns:a16="http://schemas.microsoft.com/office/drawing/2014/main" id="{EAE13F74-1D37-4B6E-A647-D005203F749D}"/>
-                  </a:ext>
-                </a:extLst>
-              </p:cNvPr>
-              <p:cNvSpPr>
-                <a:spLocks/>
-              </p:cNvSpPr>
-              <p:nvPr/>
-            </p:nvSpPr>
-            <p:spPr bwMode="auto">
-              <a:xfrm flipH="1">
-                <a:off x="2792" y="2033"/>
-                <a:ext cx="147" cy="1395"/>
-              </a:xfrm>
-              <a:custGeom>
-                <a:avLst/>
-                <a:gdLst/>
-                <a:ahLst/>
-                <a:cxnLst>
-                  <a:cxn ang="0">
-                    <a:pos x="0" y="0"/>
-                  </a:cxn>
-                  <a:cxn ang="0">
-                    <a:pos x="111" y="232"/>
-                  </a:cxn>
-                  <a:cxn ang="0">
-                    <a:pos x="141" y="1395"/>
-                  </a:cxn>
-                </a:cxnLst>
-                <a:rect l="0" t="0" r="r" b="b"/>
-                <a:pathLst>
-                  <a:path w="147" h="1395">
-                    <a:moveTo>
-                      <a:pt x="0" y="0"/>
-                    </a:moveTo>
-                    <a:cubicBezTo>
-                      <a:pt x="87" y="0"/>
-                      <a:pt x="106" y="174"/>
-                      <a:pt x="111" y="232"/>
-                    </a:cubicBezTo>
-                    <a:cubicBezTo>
-                      <a:pt x="116" y="290"/>
-                      <a:pt x="147" y="1084"/>
-                      <a:pt x="141" y="1395"/>
-                    </a:cubicBezTo>
-                  </a:path>
-                </a:pathLst>
-              </a:custGeom>
-              <a:solidFill>
-                <a:schemeClr val="bg1"/>
-              </a:solidFill>
-              <a:ln w="12700" cap="flat" cmpd="sng">
-                <a:solidFill>
-                  <a:schemeClr val="hlink"/>
-                </a:solidFill>
-                <a:prstDash val="solid"/>
-                <a:round/>
-                <a:headEnd type="none" w="lg" len="med"/>
-                <a:tailEnd type="none" w="lg" len="med"/>
-              </a:ln>
-              <a:effectLst/>
-            </p:spPr>
-            <p:txBody>
-              <a:bodyPr wrap="none" anchor="ctr">
-                <a:spAutoFit/>
-              </a:bodyPr>
-              <a:lstStyle/>
-              <a:p>
-                <a:endParaRPr lang="en-US"/>
-              </a:p>
-            </p:txBody>
-          </p:sp>
-        </p:grpSp>
-        <p:sp>
-          <p:nvSpPr>
-            <p:cNvPr id="53" name="Freeform 6">
-              <a:extLst>
-                <a:ext uri="{FF2B5EF4-FFF2-40B4-BE49-F238E27FC236}">
-                  <a16:creationId xmlns:a16="http://schemas.microsoft.com/office/drawing/2014/main" id="{4651E136-A48F-44D0-BF34-93C34B553D6D}"/>
-                </a:ext>
-              </a:extLst>
-            </p:cNvPr>
-            <p:cNvSpPr>
-              <a:spLocks/>
-            </p:cNvSpPr>
-            <p:nvPr/>
-          </p:nvSpPr>
-          <p:spPr bwMode="auto">
-            <a:xfrm>
-              <a:off x="5534888" y="2339071"/>
-              <a:ext cx="2152192" cy="3200400"/>
-            </a:xfrm>
-            <a:custGeom>
-              <a:avLst/>
-              <a:gdLst/>
-              <a:ahLst/>
-              <a:cxnLst>
-                <a:cxn ang="0">
-                  <a:pos x="0" y="0"/>
-                </a:cxn>
-                <a:cxn ang="0">
-                  <a:pos x="0" y="528"/>
-                </a:cxn>
-                <a:cxn ang="0">
-                  <a:pos x="3216" y="528"/>
-                </a:cxn>
-                <a:cxn ang="0">
-                  <a:pos x="3216" y="0"/>
-                </a:cxn>
-              </a:cxnLst>
-              <a:rect l="0" t="0" r="r" b="b"/>
-              <a:pathLst>
-                <a:path w="3216" h="528">
-                  <a:moveTo>
-                    <a:pt x="0" y="0"/>
-                  </a:moveTo>
-                  <a:lnTo>
-                    <a:pt x="0" y="528"/>
-                  </a:lnTo>
-                  <a:lnTo>
-                    <a:pt x="3216" y="528"/>
-                  </a:lnTo>
-                  <a:lnTo>
-                    <a:pt x="3216" y="0"/>
-                  </a:lnTo>
-                </a:path>
-              </a:pathLst>
-            </a:custGeom>
-            <a:solidFill>
-              <a:schemeClr val="hlink"/>
-            </a:solidFill>
-            <a:ln w="57150" cap="flat" cmpd="sng">
-              <a:solidFill>
-                <a:schemeClr val="tx1"/>
-              </a:solidFill>
-              <a:prstDash val="solid"/>
-              <a:round/>
-              <a:headEnd type="none" w="lg" len="med"/>
-              <a:tailEnd type="none" w="lg" len="med"/>
-            </a:ln>
-            <a:effectLst/>
-          </p:spPr>
-          <p:txBody>
-            <a:bodyPr wrap="square" anchor="ctr">
-              <a:spAutoFit/>
-            </a:bodyPr>
-            <a:lstStyle/>
-            <a:p>
-              <a:endParaRPr lang="en-US"/>
-            </a:p>
-          </p:txBody>
-        </p:sp>
-        <p:sp>
-          <p:nvSpPr>
-            <p:cNvPr id="54" name="AutoShape 13">
-              <a:extLst>
-                <a:ext uri="{FF2B5EF4-FFF2-40B4-BE49-F238E27FC236}">
-                  <a16:creationId xmlns:a16="http://schemas.microsoft.com/office/drawing/2014/main" id="{3C67FF5C-F25E-4E25-AA9C-D5770CF3A11F}"/>
-                </a:ext>
-              </a:extLst>
-            </p:cNvPr>
-            <p:cNvSpPr>
-              <a:spLocks noChangeArrowheads="1"/>
-            </p:cNvSpPr>
-            <p:nvPr/>
-          </p:nvSpPr>
-          <p:spPr bwMode="auto">
-            <a:xfrm rot="16200000">
-              <a:off x="7611832" y="3829374"/>
-              <a:ext cx="749808" cy="694944"/>
-            </a:xfrm>
-            <a:custGeom>
-              <a:avLst/>
-              <a:gdLst>
-                <a:gd name="G0" fmla="+- 6871 0 0"/>
-                <a:gd name="G1" fmla="+- 21600 0 6871"/>
-                <a:gd name="G2" fmla="*/ 6871 1 2"/>
-                <a:gd name="G3" fmla="+- 21600 0 G2"/>
-                <a:gd name="G4" fmla="+/ 6871 21600 2"/>
-                <a:gd name="G5" fmla="+/ G1 0 2"/>
-                <a:gd name="G6" fmla="*/ 21600 21600 6871"/>
-                <a:gd name="G7" fmla="*/ G6 1 2"/>
-                <a:gd name="G8" fmla="+- 21600 0 G7"/>
-                <a:gd name="G9" fmla="*/ 21600 1 2"/>
-                <a:gd name="G10" fmla="+- 6871 0 G9"/>
-                <a:gd name="G11" fmla="?: G10 G8 0"/>
-                <a:gd name="G12" fmla="?: G10 G7 21600"/>
-                <a:gd name="T0" fmla="*/ 18164 w 21600"/>
-                <a:gd name="T1" fmla="*/ 10800 h 21600"/>
-                <a:gd name="T2" fmla="*/ 10800 w 21600"/>
-                <a:gd name="T3" fmla="*/ 21600 h 21600"/>
-                <a:gd name="T4" fmla="*/ 3436 w 21600"/>
-                <a:gd name="T5" fmla="*/ 10800 h 21600"/>
-                <a:gd name="T6" fmla="*/ 10800 w 21600"/>
-                <a:gd name="T7" fmla="*/ 0 h 21600"/>
-                <a:gd name="T8" fmla="*/ 5236 w 21600"/>
-                <a:gd name="T9" fmla="*/ 5236 h 21600"/>
-                <a:gd name="T10" fmla="*/ 16364 w 21600"/>
-                <a:gd name="T11" fmla="*/ 16364 h 21600"/>
-              </a:gdLst>
-              <a:ahLst/>
-              <a:cxnLst>
-                <a:cxn ang="0">
-                  <a:pos x="T0" y="T1"/>
-                </a:cxn>
-                <a:cxn ang="0">
-                  <a:pos x="T2" y="T3"/>
-                </a:cxn>
-                <a:cxn ang="0">
-                  <a:pos x="T4" y="T5"/>
-                </a:cxn>
-                <a:cxn ang="0">
-                  <a:pos x="T6" y="T7"/>
-                </a:cxn>
-              </a:cxnLst>
-              <a:rect l="T8" t="T9" r="T10" b="T11"/>
-              <a:pathLst>
-                <a:path w="21600" h="21600">
-                  <a:moveTo>
-                    <a:pt x="0" y="0"/>
-                  </a:moveTo>
-                  <a:lnTo>
-                    <a:pt x="6871" y="21600"/>
-                  </a:lnTo>
-                  <a:lnTo>
-                    <a:pt x="14729" y="21600"/>
-                  </a:lnTo>
-                  <a:lnTo>
-                    <a:pt x="21600" y="0"/>
-                  </a:lnTo>
-                  <a:close/>
-                </a:path>
-              </a:pathLst>
-            </a:custGeom>
-            <a:solidFill>
-              <a:schemeClr val="hlink"/>
-            </a:solidFill>
-            <a:ln w="12700">
-              <a:noFill/>
-              <a:miter lim="800000"/>
-              <a:headEnd type="none" w="lg" len="med"/>
-              <a:tailEnd type="none" w="lg" len="med"/>
-            </a:ln>
-            <a:effectLst/>
-          </p:spPr>
-          <p:txBody>
-            <a:bodyPr wrap="square" anchor="ctr">
-              <a:spAutoFit/>
-            </a:bodyPr>
-            <a:lstStyle/>
-            <a:p>
-              <a:endParaRPr lang="en-US"/>
-            </a:p>
-          </p:txBody>
-        </p:sp>
-        <p:grpSp>
-          <p:nvGrpSpPr>
-            <p:cNvPr id="55" name="Group 54">
-              <a:extLst>
-                <a:ext uri="{FF2B5EF4-FFF2-40B4-BE49-F238E27FC236}">
-                  <a16:creationId xmlns:a16="http://schemas.microsoft.com/office/drawing/2014/main" id="{4B6B3EE2-B7C9-43C7-992D-79CF64825B17}"/>
-                </a:ext>
-              </a:extLst>
-            </p:cNvPr>
-            <p:cNvGrpSpPr>
-              <a:grpSpLocks/>
-            </p:cNvGrpSpPr>
-            <p:nvPr/>
-          </p:nvGrpSpPr>
-          <p:grpSpPr bwMode="auto">
-            <a:xfrm rot="16200000">
-              <a:off x="8231064" y="3207794"/>
-              <a:ext cx="740664" cy="1924262"/>
-              <a:chOff x="2480" y="2033"/>
-              <a:chExt cx="459" cy="1395"/>
-            </a:xfrm>
-          </p:grpSpPr>
-          <p:sp>
-            <p:nvSpPr>
-              <p:cNvPr id="73" name="Freeform 8">
-                <a:extLst>
-                  <a:ext uri="{FF2B5EF4-FFF2-40B4-BE49-F238E27FC236}">
-                    <a16:creationId xmlns:a16="http://schemas.microsoft.com/office/drawing/2014/main" id="{94CBC85D-A3DA-4070-A99B-6710ED3D26C2}"/>
-                  </a:ext>
-                </a:extLst>
-              </p:cNvPr>
-              <p:cNvSpPr>
-                <a:spLocks/>
-              </p:cNvSpPr>
-              <p:nvPr/>
-            </p:nvSpPr>
-            <p:spPr bwMode="auto">
-              <a:xfrm>
-                <a:off x="2480" y="2033"/>
-                <a:ext cx="147" cy="1395"/>
-              </a:xfrm>
-              <a:custGeom>
-                <a:avLst/>
-                <a:gdLst/>
-                <a:ahLst/>
-                <a:cxnLst>
-                  <a:cxn ang="0">
-                    <a:pos x="0" y="0"/>
-                  </a:cxn>
-                  <a:cxn ang="0">
-                    <a:pos x="111" y="232"/>
-                  </a:cxn>
-                  <a:cxn ang="0">
-                    <a:pos x="141" y="1395"/>
-                  </a:cxn>
-                </a:cxnLst>
-                <a:rect l="0" t="0" r="r" b="b"/>
-                <a:pathLst>
-                  <a:path w="147" h="1395">
-                    <a:moveTo>
-                      <a:pt x="0" y="0"/>
-                    </a:moveTo>
-                    <a:cubicBezTo>
-                      <a:pt x="87" y="0"/>
-                      <a:pt x="106" y="174"/>
-                      <a:pt x="111" y="232"/>
-                    </a:cubicBezTo>
-                    <a:cubicBezTo>
-                      <a:pt x="116" y="290"/>
-                      <a:pt x="147" y="1084"/>
-                      <a:pt x="141" y="1395"/>
-                    </a:cubicBezTo>
-                  </a:path>
-                </a:pathLst>
-              </a:custGeom>
-              <a:solidFill>
-                <a:schemeClr val="bg1"/>
-              </a:solidFill>
-              <a:ln w="12700" cap="flat" cmpd="sng">
-                <a:solidFill>
-                  <a:schemeClr val="hlink"/>
-                </a:solidFill>
-                <a:prstDash val="solid"/>
-                <a:round/>
-                <a:headEnd type="none" w="lg" len="med"/>
-                <a:tailEnd type="none" w="lg" len="med"/>
-              </a:ln>
-              <a:effectLst/>
-            </p:spPr>
-            <p:txBody>
-              <a:bodyPr wrap="none" anchor="ctr">
-                <a:spAutoFit/>
-              </a:bodyPr>
-              <a:lstStyle/>
-              <a:p>
-                <a:endParaRPr lang="en-US"/>
-              </a:p>
-            </p:txBody>
-          </p:sp>
-          <p:sp>
-            <p:nvSpPr>
-              <p:cNvPr id="74" name="Freeform 15">
-                <a:extLst>
-                  <a:ext uri="{FF2B5EF4-FFF2-40B4-BE49-F238E27FC236}">
-                    <a16:creationId xmlns:a16="http://schemas.microsoft.com/office/drawing/2014/main" id="{D0D98E8B-EC8A-4D7A-B4B4-48B18931FBC4}"/>
-                  </a:ext>
-                </a:extLst>
-              </p:cNvPr>
-              <p:cNvSpPr>
-                <a:spLocks/>
-              </p:cNvSpPr>
-              <p:nvPr/>
-            </p:nvSpPr>
-            <p:spPr bwMode="auto">
-              <a:xfrm flipH="1">
-                <a:off x="2792" y="2033"/>
-                <a:ext cx="147" cy="1395"/>
-              </a:xfrm>
-              <a:custGeom>
-                <a:avLst/>
-                <a:gdLst/>
-                <a:ahLst/>
-                <a:cxnLst>
-                  <a:cxn ang="0">
-                    <a:pos x="0" y="0"/>
-                  </a:cxn>
-                  <a:cxn ang="0">
-                    <a:pos x="111" y="232"/>
-                  </a:cxn>
-                  <a:cxn ang="0">
-                    <a:pos x="141" y="1395"/>
-                  </a:cxn>
-                </a:cxnLst>
-                <a:rect l="0" t="0" r="r" b="b"/>
-                <a:pathLst>
-                  <a:path w="147" h="1395">
-                    <a:moveTo>
-                      <a:pt x="0" y="0"/>
-                    </a:moveTo>
-                    <a:cubicBezTo>
-                      <a:pt x="87" y="0"/>
-                      <a:pt x="106" y="174"/>
-                      <a:pt x="111" y="232"/>
-                    </a:cubicBezTo>
-                    <a:cubicBezTo>
-                      <a:pt x="116" y="290"/>
-                      <a:pt x="147" y="1084"/>
-                      <a:pt x="141" y="1395"/>
-                    </a:cubicBezTo>
-                  </a:path>
-                </a:pathLst>
-              </a:custGeom>
-              <a:solidFill>
-                <a:schemeClr val="bg1"/>
-              </a:solidFill>
-              <a:ln w="12700" cap="flat" cmpd="sng">
-                <a:solidFill>
-                  <a:schemeClr val="hlink"/>
-                </a:solidFill>
-                <a:prstDash val="solid"/>
-                <a:round/>
-                <a:headEnd type="none" w="lg" len="med"/>
-                <a:tailEnd type="none" w="lg" len="med"/>
-              </a:ln>
-              <a:effectLst/>
-            </p:spPr>
-            <p:txBody>
-              <a:bodyPr wrap="none" anchor="ctr">
-                <a:spAutoFit/>
-              </a:bodyPr>
-              <a:lstStyle/>
-              <a:p>
-                <a:endParaRPr lang="en-US"/>
-              </a:p>
-            </p:txBody>
-          </p:sp>
-        </p:grpSp>
-        <p:sp>
-          <p:nvSpPr>
-            <p:cNvPr id="56" name="Rectangle 55">
-              <a:extLst>
-                <a:ext uri="{FF2B5EF4-FFF2-40B4-BE49-F238E27FC236}">
-                  <a16:creationId xmlns:a16="http://schemas.microsoft.com/office/drawing/2014/main" id="{9B57DFC6-A94D-41B5-9872-9D95AD63F3AC}"/>
-                </a:ext>
-              </a:extLst>
-            </p:cNvPr>
-            <p:cNvSpPr/>
-            <p:nvPr/>
-          </p:nvSpPr>
-          <p:spPr>
-            <a:xfrm>
-              <a:off x="8218961" y="3898121"/>
-              <a:ext cx="1405575" cy="508920"/>
-            </a:xfrm>
-            <a:prstGeom prst="rect">
-              <a:avLst/>
-            </a:prstGeom>
-            <a:solidFill>
-              <a:schemeClr val="bg1"/>
-            </a:solidFill>
-            <a:ln>
-              <a:solidFill>
-                <a:schemeClr val="bg1"/>
-              </a:solidFill>
-            </a:ln>
-          </p:spPr>
-          <p:style>
-            <a:lnRef idx="2">
-              <a:schemeClr val="accent1">
-                <a:shade val="50000"/>
-              </a:schemeClr>
-            </a:lnRef>
-            <a:fillRef idx="1">
-              <a:schemeClr val="accent1"/>
-            </a:fillRef>
-            <a:effectRef idx="0">
-              <a:schemeClr val="accent1"/>
-            </a:effectRef>
-            <a:fontRef idx="minor">
-              <a:schemeClr val="lt1"/>
-            </a:fontRef>
-          </p:style>
-          <p:txBody>
-            <a:bodyPr rtlCol="0" anchor="ctr"/>
-            <a:lstStyle/>
-            <a:p>
-              <a:pPr algn="ctr"/>
-              <a:endParaRPr lang="en-US">
-                <a:ln>
-                  <a:solidFill>
-                    <a:schemeClr val="bg1"/>
-                  </a:solidFill>
-                </a:ln>
-                <a:solidFill>
-                  <a:schemeClr val="bg1"/>
-                </a:solidFill>
-              </a:endParaRPr>
-            </a:p>
-          </p:txBody>
-        </p:sp>
-        <p:cxnSp>
-          <p:nvCxnSpPr>
-            <p:cNvPr id="58" name="Straight Arrow Connector 57">
-              <a:extLst>
-                <a:ext uri="{FF2B5EF4-FFF2-40B4-BE49-F238E27FC236}">
-                  <a16:creationId xmlns:a16="http://schemas.microsoft.com/office/drawing/2014/main" id="{D4BD617D-3288-4169-ADB3-D92AB3B31030}"/>
-                </a:ext>
-              </a:extLst>
-            </p:cNvPr>
-            <p:cNvCxnSpPr>
-              <a:cxnSpLocks/>
-            </p:cNvCxnSpPr>
-            <p:nvPr/>
-          </p:nvCxnSpPr>
-          <p:spPr>
-            <a:xfrm>
-              <a:off x="8795767" y="2339071"/>
-              <a:ext cx="0" cy="1804248"/>
-            </a:xfrm>
-            <a:prstGeom prst="straightConnector1">
-              <a:avLst/>
-            </a:prstGeom>
-            <a:ln w="19050">
-              <a:solidFill>
-                <a:schemeClr val="tx1"/>
-              </a:solidFill>
-              <a:headEnd type="triangle" w="lg" len="lg"/>
-              <a:tailEnd type="triangle" w="lg" len="lg"/>
-            </a:ln>
-          </p:spPr>
-          <p:style>
-            <a:lnRef idx="1">
-              <a:schemeClr val="accent1"/>
-            </a:lnRef>
-            <a:fillRef idx="0">
-              <a:schemeClr val="accent1"/>
-            </a:fillRef>
-            <a:effectRef idx="0">
-              <a:schemeClr val="accent1"/>
-            </a:effectRef>
-            <a:fontRef idx="minor">
-              <a:schemeClr val="tx1"/>
-            </a:fontRef>
-          </p:style>
-        </p:cxnSp>
-        <p:sp>
-          <p:nvSpPr>
-            <p:cNvPr id="59" name="TextBox 58">
-              <a:extLst>
-                <a:ext uri="{FF2B5EF4-FFF2-40B4-BE49-F238E27FC236}">
-                  <a16:creationId xmlns:a16="http://schemas.microsoft.com/office/drawing/2014/main" id="{884573FD-8786-4177-8F32-C956445D5B87}"/>
-                </a:ext>
-              </a:extLst>
-            </p:cNvPr>
-            <p:cNvSpPr txBox="1"/>
-            <p:nvPr/>
-          </p:nvSpPr>
-          <p:spPr>
-            <a:xfrm>
-              <a:off x="1916405" y="1534669"/>
-              <a:ext cx="2951689" cy="477054"/>
-            </a:xfrm>
-            <a:prstGeom prst="rect">
-              <a:avLst/>
-            </a:prstGeom>
-            <a:solidFill>
-              <a:schemeClr val="bg1"/>
-            </a:solidFill>
-          </p:spPr>
-          <p:txBody>
-            <a:bodyPr wrap="square" rtlCol="0">
-              <a:spAutoFit/>
-            </a:bodyPr>
-            <a:lstStyle/>
-            <a:p>
-              <a:pPr algn="ctr"/>
-              <a:r>
-                <a:rPr lang="en-US" sz="2500" dirty="0">
-                  <a:latin typeface="Times New Roman" panose="02020603050405020304" pitchFamily="18" charset="0"/>
-                  <a:cs typeface="Times New Roman" panose="02020603050405020304" pitchFamily="18" charset="0"/>
-                </a:rPr>
-                <a:t>Horizontal orifice</a:t>
-              </a:r>
-            </a:p>
-          </p:txBody>
-        </p:sp>
-        <p:sp>
-          <p:nvSpPr>
-            <p:cNvPr id="60" name="TextBox 59">
-              <a:extLst>
-                <a:ext uri="{FF2B5EF4-FFF2-40B4-BE49-F238E27FC236}">
-                  <a16:creationId xmlns:a16="http://schemas.microsoft.com/office/drawing/2014/main" id="{DAFFEBE5-AB30-4BAD-848E-87F1B73C8433}"/>
-                </a:ext>
-              </a:extLst>
-            </p:cNvPr>
-            <p:cNvSpPr txBox="1"/>
-            <p:nvPr/>
-          </p:nvSpPr>
-          <p:spPr>
-            <a:xfrm>
-              <a:off x="5442054" y="1540428"/>
-              <a:ext cx="2496237" cy="477054"/>
-            </a:xfrm>
-            <a:prstGeom prst="rect">
-              <a:avLst/>
-            </a:prstGeom>
-            <a:solidFill>
-              <a:schemeClr val="bg1"/>
-            </a:solidFill>
-          </p:spPr>
-          <p:txBody>
-            <a:bodyPr wrap="square" rtlCol="0">
-              <a:spAutoFit/>
-            </a:bodyPr>
-            <a:lstStyle/>
-            <a:p>
-              <a:pPr algn="ctr"/>
-              <a:r>
-                <a:rPr lang="en-US" sz="2500" dirty="0">
-                  <a:latin typeface="Times New Roman" panose="02020603050405020304" pitchFamily="18" charset="0"/>
-                  <a:cs typeface="Times New Roman" panose="02020603050405020304" pitchFamily="18" charset="0"/>
-                </a:rPr>
-                <a:t>Vertical orifice</a:t>
-              </a:r>
-            </a:p>
-          </p:txBody>
-        </p:sp>
-        <p:grpSp>
-          <p:nvGrpSpPr>
-            <p:cNvPr id="8" name="Group 7">
-              <a:extLst>
-                <a:ext uri="{FF2B5EF4-FFF2-40B4-BE49-F238E27FC236}">
-                  <a16:creationId xmlns:a16="http://schemas.microsoft.com/office/drawing/2014/main" id="{2B0845DE-7AC3-4897-A89C-5E3297D4E5AA}"/>
-                </a:ext>
-              </a:extLst>
-            </p:cNvPr>
-            <p:cNvGrpSpPr/>
-            <p:nvPr/>
-          </p:nvGrpSpPr>
-          <p:grpSpPr>
-            <a:xfrm>
-              <a:off x="4372957" y="2103464"/>
-              <a:ext cx="482269" cy="420455"/>
-              <a:chOff x="4446109" y="2103464"/>
-              <a:chExt cx="482269" cy="420455"/>
-            </a:xfrm>
-          </p:grpSpPr>
-          <p:sp>
-            <p:nvSpPr>
-              <p:cNvPr id="91" name="AutoShape 174">
-                <a:extLst>
-                  <a:ext uri="{FF2B5EF4-FFF2-40B4-BE49-F238E27FC236}">
-                    <a16:creationId xmlns:a16="http://schemas.microsoft.com/office/drawing/2014/main" id="{69E636F4-8E86-460E-ACC5-4EBFD600D818}"/>
-                  </a:ext>
-                </a:extLst>
-              </p:cNvPr>
-              <p:cNvSpPr>
-                <a:spLocks noChangeArrowheads="1"/>
-              </p:cNvSpPr>
-              <p:nvPr/>
-            </p:nvSpPr>
-            <p:spPr bwMode="auto">
-              <a:xfrm flipV="1">
-                <a:off x="4506392" y="2103464"/>
-                <a:ext cx="361702" cy="228043"/>
-              </a:xfrm>
-              <a:prstGeom prst="triangle">
-                <a:avLst>
-                  <a:gd name="adj" fmla="val 50000"/>
-                </a:avLst>
-              </a:prstGeom>
-              <a:noFill/>
-              <a:ln w="12700">
-                <a:solidFill>
-                  <a:schemeClr val="tx1"/>
-                </a:solidFill>
-                <a:miter lim="800000"/>
-                <a:headEnd type="none" w="lg" len="med"/>
-                <a:tailEnd type="none" w="lg" len="med"/>
-              </a:ln>
-              <a:effectLst/>
-            </p:spPr>
-            <p:txBody>
-              <a:bodyPr anchor="ctr">
-                <a:spAutoFit/>
-              </a:bodyPr>
-              <a:lstStyle/>
-              <a:p>
-                <a:endParaRPr lang="en-US"/>
-              </a:p>
-            </p:txBody>
-          </p:sp>
-          <p:sp>
-            <p:nvSpPr>
-              <p:cNvPr id="92" name="Line 175">
-                <a:extLst>
-                  <a:ext uri="{FF2B5EF4-FFF2-40B4-BE49-F238E27FC236}">
-                    <a16:creationId xmlns:a16="http://schemas.microsoft.com/office/drawing/2014/main" id="{78221ED4-5F24-4459-8402-5BB4FF04BACA}"/>
-                  </a:ext>
-                </a:extLst>
-              </p:cNvPr>
-              <p:cNvSpPr>
-                <a:spLocks noChangeShapeType="1"/>
-              </p:cNvSpPr>
-              <p:nvPr/>
-            </p:nvSpPr>
-            <p:spPr bwMode="auto">
-              <a:xfrm>
-                <a:off x="4446109" y="2395643"/>
-                <a:ext cx="482269" cy="0"/>
-              </a:xfrm>
-              <a:prstGeom prst="line">
-                <a:avLst/>
-              </a:prstGeom>
-              <a:noFill/>
-              <a:ln w="12700">
-                <a:solidFill>
-                  <a:schemeClr val="tx1"/>
-                </a:solidFill>
-                <a:round/>
-                <a:headEnd type="none" w="lg" len="med"/>
-                <a:tailEnd type="none" w="lg" len="med"/>
-              </a:ln>
-              <a:effectLst/>
-            </p:spPr>
-            <p:txBody>
-              <a:bodyPr anchor="ctr">
-                <a:spAutoFit/>
-              </a:bodyPr>
-              <a:lstStyle/>
-              <a:p>
-                <a:endParaRPr lang="en-US"/>
-              </a:p>
-            </p:txBody>
-          </p:sp>
-          <p:sp>
-            <p:nvSpPr>
-              <p:cNvPr id="93" name="Line 176">
-                <a:extLst>
-                  <a:ext uri="{FF2B5EF4-FFF2-40B4-BE49-F238E27FC236}">
-                    <a16:creationId xmlns:a16="http://schemas.microsoft.com/office/drawing/2014/main" id="{C8C1CD32-B047-419B-94C1-94468C09BF49}"/>
-                  </a:ext>
-                </a:extLst>
-              </p:cNvPr>
-              <p:cNvSpPr>
-                <a:spLocks noChangeShapeType="1"/>
-              </p:cNvSpPr>
-              <p:nvPr/>
-            </p:nvSpPr>
-            <p:spPr bwMode="auto">
-              <a:xfrm>
-                <a:off x="4506392" y="2459782"/>
-                <a:ext cx="361702" cy="0"/>
-              </a:xfrm>
-              <a:prstGeom prst="line">
-                <a:avLst/>
-              </a:prstGeom>
-              <a:noFill/>
-              <a:ln w="12700">
-                <a:solidFill>
-                  <a:schemeClr val="tx1"/>
-                </a:solidFill>
-                <a:round/>
-                <a:headEnd type="none" w="lg" len="med"/>
-                <a:tailEnd type="none" w="lg" len="med"/>
-              </a:ln>
-              <a:effectLst/>
-            </p:spPr>
-            <p:txBody>
-              <a:bodyPr anchor="ctr">
-                <a:spAutoFit/>
-              </a:bodyPr>
-              <a:lstStyle/>
-              <a:p>
-                <a:endParaRPr lang="en-US"/>
-              </a:p>
-            </p:txBody>
-          </p:sp>
-          <p:sp>
-            <p:nvSpPr>
-              <p:cNvPr id="94" name="Line 177">
-                <a:extLst>
-                  <a:ext uri="{FF2B5EF4-FFF2-40B4-BE49-F238E27FC236}">
-                    <a16:creationId xmlns:a16="http://schemas.microsoft.com/office/drawing/2014/main" id="{0263AA5E-82E0-4DE5-B1A8-97B6DF03F435}"/>
-                  </a:ext>
-                </a:extLst>
-              </p:cNvPr>
-              <p:cNvSpPr>
-                <a:spLocks noChangeShapeType="1"/>
-              </p:cNvSpPr>
-              <p:nvPr/>
-            </p:nvSpPr>
-            <p:spPr bwMode="auto">
-              <a:xfrm>
-                <a:off x="4576723" y="2523919"/>
-                <a:ext cx="218529" cy="0"/>
-              </a:xfrm>
-              <a:prstGeom prst="line">
-                <a:avLst/>
-              </a:prstGeom>
-              <a:noFill/>
-              <a:ln w="12700">
-                <a:solidFill>
-                  <a:schemeClr val="tx1"/>
-                </a:solidFill>
-                <a:round/>
-                <a:headEnd type="none" w="lg" len="med"/>
-                <a:tailEnd type="none" w="lg" len="med"/>
-              </a:ln>
-              <a:effectLst/>
-            </p:spPr>
-            <p:txBody>
-              <a:bodyPr anchor="ctr">
-                <a:spAutoFit/>
-              </a:bodyPr>
-              <a:lstStyle/>
-              <a:p>
-                <a:endParaRPr lang="en-US"/>
-              </a:p>
-            </p:txBody>
-          </p:sp>
-        </p:grpSp>
-        <p:grpSp>
-          <p:nvGrpSpPr>
-            <p:cNvPr id="95" name="Group 94">
-              <a:extLst>
-                <a:ext uri="{FF2B5EF4-FFF2-40B4-BE49-F238E27FC236}">
-                  <a16:creationId xmlns:a16="http://schemas.microsoft.com/office/drawing/2014/main" id="{6C4BA349-FCC3-4204-8DC3-465EE17CFE92}"/>
-                </a:ext>
-              </a:extLst>
-            </p:cNvPr>
-            <p:cNvGrpSpPr/>
-            <p:nvPr/>
-          </p:nvGrpSpPr>
-          <p:grpSpPr>
-            <a:xfrm>
-              <a:off x="6579535" y="2107587"/>
-              <a:ext cx="482269" cy="420455"/>
-              <a:chOff x="4446109" y="2103464"/>
-              <a:chExt cx="482269" cy="420455"/>
-            </a:xfrm>
-          </p:grpSpPr>
-          <p:sp>
-            <p:nvSpPr>
-              <p:cNvPr id="96" name="AutoShape 174">
-                <a:extLst>
-                  <a:ext uri="{FF2B5EF4-FFF2-40B4-BE49-F238E27FC236}">
-                    <a16:creationId xmlns:a16="http://schemas.microsoft.com/office/drawing/2014/main" id="{B67FDA00-7D32-4A45-B280-91AF61E2E3AE}"/>
-                  </a:ext>
-                </a:extLst>
-              </p:cNvPr>
-              <p:cNvSpPr>
-                <a:spLocks noChangeArrowheads="1"/>
-              </p:cNvSpPr>
-              <p:nvPr/>
-            </p:nvSpPr>
-            <p:spPr bwMode="auto">
-              <a:xfrm flipV="1">
-                <a:off x="4506392" y="2103464"/>
-                <a:ext cx="361702" cy="228043"/>
-              </a:xfrm>
-              <a:prstGeom prst="triangle">
-                <a:avLst>
-                  <a:gd name="adj" fmla="val 50000"/>
-                </a:avLst>
-              </a:prstGeom>
-              <a:noFill/>
-              <a:ln w="12700">
-                <a:solidFill>
-                  <a:schemeClr val="tx1"/>
-                </a:solidFill>
-                <a:miter lim="800000"/>
-                <a:headEnd type="none" w="lg" len="med"/>
-                <a:tailEnd type="none" w="lg" len="med"/>
-              </a:ln>
-              <a:effectLst/>
-            </p:spPr>
-            <p:txBody>
-              <a:bodyPr anchor="ctr">
-                <a:spAutoFit/>
-              </a:bodyPr>
-              <a:lstStyle/>
-              <a:p>
-                <a:endParaRPr lang="en-US"/>
-              </a:p>
-            </p:txBody>
-          </p:sp>
-          <p:sp>
-            <p:nvSpPr>
-              <p:cNvPr id="97" name="Line 175">
-                <a:extLst>
-                  <a:ext uri="{FF2B5EF4-FFF2-40B4-BE49-F238E27FC236}">
-                    <a16:creationId xmlns:a16="http://schemas.microsoft.com/office/drawing/2014/main" id="{BD67BEF0-245C-4DD2-A331-8F0F40097A5D}"/>
-                  </a:ext>
-                </a:extLst>
-              </p:cNvPr>
-              <p:cNvSpPr>
-                <a:spLocks noChangeShapeType="1"/>
-              </p:cNvSpPr>
-              <p:nvPr/>
-            </p:nvSpPr>
-            <p:spPr bwMode="auto">
-              <a:xfrm>
-                <a:off x="4446109" y="2395643"/>
-                <a:ext cx="482269" cy="0"/>
-              </a:xfrm>
-              <a:prstGeom prst="line">
-                <a:avLst/>
-              </a:prstGeom>
-              <a:noFill/>
-              <a:ln w="12700">
-                <a:solidFill>
-                  <a:schemeClr val="tx1"/>
-                </a:solidFill>
-                <a:round/>
-                <a:headEnd type="none" w="lg" len="med"/>
-                <a:tailEnd type="none" w="lg" len="med"/>
-              </a:ln>
-              <a:effectLst/>
-            </p:spPr>
-            <p:txBody>
-              <a:bodyPr anchor="ctr">
-                <a:spAutoFit/>
-              </a:bodyPr>
-              <a:lstStyle/>
-              <a:p>
-                <a:endParaRPr lang="en-US"/>
-              </a:p>
-            </p:txBody>
-          </p:sp>
-          <p:sp>
-            <p:nvSpPr>
-              <p:cNvPr id="98" name="Line 176">
-                <a:extLst>
-                  <a:ext uri="{FF2B5EF4-FFF2-40B4-BE49-F238E27FC236}">
-                    <a16:creationId xmlns:a16="http://schemas.microsoft.com/office/drawing/2014/main" id="{CDA58CEC-D77F-42E4-BBC9-2E0878949CA3}"/>
-                  </a:ext>
-                </a:extLst>
-              </p:cNvPr>
-              <p:cNvSpPr>
-                <a:spLocks noChangeShapeType="1"/>
-              </p:cNvSpPr>
-              <p:nvPr/>
-            </p:nvSpPr>
-            <p:spPr bwMode="auto">
-              <a:xfrm>
-                <a:off x="4506392" y="2459782"/>
-                <a:ext cx="361702" cy="0"/>
-              </a:xfrm>
-              <a:prstGeom prst="line">
-                <a:avLst/>
-              </a:prstGeom>
-              <a:noFill/>
-              <a:ln w="12700">
-                <a:solidFill>
-                  <a:schemeClr val="tx1"/>
-                </a:solidFill>
-                <a:round/>
-                <a:headEnd type="none" w="lg" len="med"/>
-                <a:tailEnd type="none" w="lg" len="med"/>
-              </a:ln>
-              <a:effectLst/>
-            </p:spPr>
-            <p:txBody>
-              <a:bodyPr anchor="ctr">
-                <a:spAutoFit/>
-              </a:bodyPr>
-              <a:lstStyle/>
-              <a:p>
-                <a:endParaRPr lang="en-US"/>
-              </a:p>
-            </p:txBody>
-          </p:sp>
-          <p:sp>
-            <p:nvSpPr>
-              <p:cNvPr id="99" name="Line 177">
-                <a:extLst>
-                  <a:ext uri="{FF2B5EF4-FFF2-40B4-BE49-F238E27FC236}">
-                    <a16:creationId xmlns:a16="http://schemas.microsoft.com/office/drawing/2014/main" id="{CE6C1985-F32A-4982-9E33-25EA74480922}"/>
-                  </a:ext>
-                </a:extLst>
-              </p:cNvPr>
-              <p:cNvSpPr>
-                <a:spLocks noChangeShapeType="1"/>
-              </p:cNvSpPr>
-              <p:nvPr/>
-            </p:nvSpPr>
-            <p:spPr bwMode="auto">
-              <a:xfrm>
-                <a:off x="4576723" y="2523919"/>
-                <a:ext cx="218529" cy="0"/>
-              </a:xfrm>
-              <a:prstGeom prst="line">
-                <a:avLst/>
-              </a:prstGeom>
-              <a:noFill/>
-              <a:ln w="12700">
-                <a:solidFill>
-                  <a:schemeClr val="tx1"/>
-                </a:solidFill>
-                <a:round/>
-                <a:headEnd type="none" w="lg" len="med"/>
-                <a:tailEnd type="none" w="lg" len="med"/>
-              </a:ln>
-              <a:effectLst/>
-            </p:spPr>
-            <p:txBody>
-              <a:bodyPr anchor="ctr">
-                <a:spAutoFit/>
-              </a:bodyPr>
-              <a:lstStyle/>
-              <a:p>
-                <a:endParaRPr lang="en-US"/>
-              </a:p>
-            </p:txBody>
-          </p:sp>
-        </p:grpSp>
-        <p:cxnSp>
-          <p:nvCxnSpPr>
-            <p:cNvPr id="89" name="Straight Connector 88">
-              <a:extLst>
-                <a:ext uri="{FF2B5EF4-FFF2-40B4-BE49-F238E27FC236}">
-                  <a16:creationId xmlns:a16="http://schemas.microsoft.com/office/drawing/2014/main" id="{309567E7-E245-4769-BFDF-A09579D30AE6}"/>
-                </a:ext>
-              </a:extLst>
-            </p:cNvPr>
-            <p:cNvCxnSpPr>
-              <a:cxnSpLocks/>
-            </p:cNvCxnSpPr>
-            <p:nvPr/>
-          </p:nvCxnSpPr>
-          <p:spPr>
-            <a:xfrm>
-              <a:off x="999071" y="2331507"/>
-              <a:ext cx="7954404" cy="0"/>
-            </a:xfrm>
-            <a:prstGeom prst="line">
-              <a:avLst/>
-            </a:prstGeom>
-            <a:ln w="28575">
-              <a:solidFill>
-                <a:srgbClr val="C00000"/>
-              </a:solidFill>
-              <a:prstDash val="dash"/>
-            </a:ln>
-          </p:spPr>
-          <p:style>
-            <a:lnRef idx="1">
-              <a:schemeClr val="accent1"/>
-            </a:lnRef>
-            <a:fillRef idx="0">
-              <a:schemeClr val="accent1"/>
-            </a:fillRef>
-            <a:effectRef idx="0">
-              <a:schemeClr val="accent1"/>
-            </a:effectRef>
-            <a:fontRef idx="minor">
-              <a:schemeClr val="tx1"/>
-            </a:fontRef>
-          </p:style>
-        </p:cxnSp>
-        <p:cxnSp>
-          <p:nvCxnSpPr>
-            <p:cNvPr id="90" name="Straight Connector 89">
-              <a:extLst>
-                <a:ext uri="{FF2B5EF4-FFF2-40B4-BE49-F238E27FC236}">
-                  <a16:creationId xmlns:a16="http://schemas.microsoft.com/office/drawing/2014/main" id="{39E989BD-75D4-4639-B8A1-E3411758DF3F}"/>
-                </a:ext>
-              </a:extLst>
-            </p:cNvPr>
-            <p:cNvCxnSpPr>
-              <a:cxnSpLocks/>
-            </p:cNvCxnSpPr>
-            <p:nvPr/>
-          </p:nvCxnSpPr>
-          <p:spPr>
-            <a:xfrm>
-              <a:off x="990600" y="4150993"/>
-              <a:ext cx="7954404" cy="0"/>
-            </a:xfrm>
-            <a:prstGeom prst="line">
-              <a:avLst/>
-            </a:prstGeom>
-            <a:ln w="28575">
-              <a:solidFill>
-                <a:srgbClr val="C00000"/>
-              </a:solidFill>
-              <a:prstDash val="dash"/>
-            </a:ln>
-          </p:spPr>
-          <p:style>
-            <a:lnRef idx="1">
-              <a:schemeClr val="accent1"/>
-            </a:lnRef>
-            <a:fillRef idx="0">
-              <a:schemeClr val="accent1"/>
-            </a:fillRef>
-            <a:effectRef idx="0">
-              <a:schemeClr val="accent1"/>
-            </a:effectRef>
-            <a:fontRef idx="minor">
-              <a:schemeClr val="tx1"/>
-            </a:fontRef>
-          </p:style>
-        </p:cxnSp>
-      </p:grpSp>
-      <p:pic>
-        <p:nvPicPr>
-          <p:cNvPr id="4" name="Picture 3">
-            <a:extLst>
-              <a:ext uri="{FF2B5EF4-FFF2-40B4-BE49-F238E27FC236}">
-                <a16:creationId xmlns:a16="http://schemas.microsoft.com/office/drawing/2014/main" id="{356C6010-969E-494B-BD12-9E61C82A5CC7}"/>
-              </a:ext>
-            </a:extLst>
-          </p:cNvPr>
-          <p:cNvPicPr>
-            <a:picLocks noChangeAspect="1"/>
-          </p:cNvPicPr>
-          <p:nvPr>
-            <p:custDataLst>
-              <p:tags r:id="rId1"/>
-            </p:custDataLst>
-          </p:nvPr>
-        </p:nvPicPr>
-        <p:blipFill>
-          <a:blip r:embed="rId3">
-            <a:extLst>
-              <a:ext uri="{28A0092B-C50C-407E-A947-70E740481C1C}">
-                <a14:useLocalDpi xmlns:a14="http://schemas.microsoft.com/office/drawing/2010/main" val="0"/>
-              </a:ext>
-            </a:extLst>
-          </a:blip>
-          <a:stretch>
-            <a:fillRect/>
-          </a:stretch>
-        </p:blipFill>
-        <p:spPr>
-          <a:xfrm>
-            <a:off x="8382000" y="2977438"/>
-            <a:ext cx="702967" cy="383148"/>
-          </a:xfrm>
-          <a:prstGeom prst="rect">
-            <a:avLst/>
-          </a:prstGeom>
-          <a:solidFill>
-            <a:schemeClr val="bg1"/>
-          </a:solidFill>
-        </p:spPr>
-      </p:pic>
-    </p:spTree>
-    <p:extLst>
-      <p:ext uri="{BB962C8B-B14F-4D97-AF65-F5344CB8AC3E}">
-        <p14:creationId xmlns:p14="http://schemas.microsoft.com/office/powerpoint/2010/main" val="4131344128"/>
-      </p:ext>
-    </p:extLst>
-  </p:cSld>
-  <p:clrMapOvr>
-    <a:masterClrMapping/>
-  </p:clrMapOvr>
-</p:sld>
-</file>
-
 <file path=ppt/tags/tag1.xml><?xml version="1.0" encoding="utf-8"?>
 <p:tagLst xmlns:a="http://schemas.openxmlformats.org/drawingml/2006/main" xmlns:r="http://schemas.openxmlformats.org/officeDocument/2006/relationships" xmlns:p="http://schemas.openxmlformats.org/presentationml/2006/main">
   <p:tag name="OUTPUTDPI" val="1200"/>
@@ -44551,6 +45361,120 @@
 <file path=ppt/tags/tag10.xml><?xml version="1.0" encoding="utf-8"?>
 <p:tagLst xmlns:a="http://schemas.openxmlformats.org/drawingml/2006/main" xmlns:r="http://schemas.openxmlformats.org/officeDocument/2006/relationships" xmlns:p="http://schemas.openxmlformats.org/presentationml/2006/main">
   <p:tag name="OUTPUTDPI" val="1200"/>
+  <p:tag name="ORIGINALHEIGHT" val="307.4616"/>
+  <p:tag name="ORIGINALWIDTH" val="2844.394"/>
+  <p:tag name="LATEXADDIN" val="\documentclass{article}&#10;\usepackage{amsmath}&#10;\usepackage{xcolor}&#10;\pagestyle{empty}&#10;\begin{document}&#10;&#10;\definecolor{Monred}{RGB}{172,0,0}&#10;\definecolor{DarkGreen}{RGB}{0,120,0}&#10;&#10;$$\textcolor{DarkGreen}{&#10;L_{Min, \, head loss} = L = \left( \frac{g h_{L_{Max}} \pi D^4}{128 \nu Q_{Max}} - \frac{Q_{Max}}{16 \pi \nu} \sum{K_e} \right)&#10;}$$&#10;&#10;&#10;\end{document}"/>
+  <p:tag name="IGUANATEXSIZE" val="20"/>
+  <p:tag name="IGUANATEXCURSOR" val="169"/>
+  <p:tag name="TRANSPARENCY" val="True"/>
+  <p:tag name="FILENAME" val=""/>
+  <p:tag name="LATEXENGINEID" val="0"/>
+  <p:tag name="TEMPFOLDER" val="c:\temp\"/>
+  <p:tag name="LATEXFORMHEIGHT" val="312"/>
+  <p:tag name="LATEXFORMWIDTH" val="384"/>
+  <p:tag name="LATEXFORMWRAP" val="True"/>
+  <p:tag name="BITMAPVECTOR" val="0"/>
+</p:tagLst>
+</file>
+
+<file path=ppt/tags/tag11.xml><?xml version="1.0" encoding="utf-8"?>
+<p:tagLst xmlns:a="http://schemas.openxmlformats.org/drawingml/2006/main" xmlns:r="http://schemas.openxmlformats.org/officeDocument/2006/relationships" xmlns:p="http://schemas.openxmlformats.org/presentationml/2006/main">
+  <p:tag name="OUTPUTDPI" val="1200"/>
+  <p:tag name="ORIGINALHEIGHT" val="299.2126"/>
+  <p:tag name="ORIGINALWIDTH" val="2362.205"/>
+  <p:tag name="LATEXADDIN" val="\documentclass{article}&#10;\usepackage{amsmath}&#10;\usepackage{xcolor}&#10;\pagestyle{empty}&#10;\begin{document}&#10;&#10;\definecolor{Monred}{RGB}{172,0,0}&#10;&#10;&#10;$$\color{red}{&#10;  L_{Min, \, \Pi_{Error}} = \left( \frac{1 - \Pi_{Error}}{\Pi_{Error}} \right) \frac{Q_{Max}}{16 \nu \pi} \sum{K_e} &#10;  }$$&#10;&#10;\end{document}"/>
+  <p:tag name="IGUANATEXSIZE" val="20"/>
+  <p:tag name="IGUANATEXCURSOR" val="275"/>
+  <p:tag name="TRANSPARENCY" val="True"/>
+  <p:tag name="FILENAME" val=""/>
+  <p:tag name="LATEXENGINEID" val="0"/>
+  <p:tag name="TEMPFOLDER" val="c:\temp\"/>
+  <p:tag name="LATEXFORMHEIGHT" val="312"/>
+  <p:tag name="LATEXFORMWIDTH" val="384"/>
+  <p:tag name="LATEXFORMWRAP" val="True"/>
+  <p:tag name="BITMAPVECTOR" val="0"/>
+</p:tagLst>
+</file>
+
+<file path=ppt/tags/tag12.xml><?xml version="1.0" encoding="utf-8"?>
+<p:tagLst xmlns:a="http://schemas.openxmlformats.org/drawingml/2006/main" xmlns:r="http://schemas.openxmlformats.org/officeDocument/2006/relationships" xmlns:p="http://schemas.openxmlformats.org/presentationml/2006/main">
+  <p:tag name="OUTPUTDPI" val="1200"/>
+  <p:tag name="ORIGINALHEIGHT" val="105.7368"/>
+  <p:tag name="ORIGINALWIDTH" val="553.4308"/>
+  <p:tag name="LATEXADDIN" val="\documentclass{article}&#10;\usepackage{amsmath}&#10;\pagestyle{empty}&#10;\begin{document}&#10;&#10;&#10;$$h_l = 20cm$$&#10;&#10;\end{document}"/>
+  <p:tag name="IGUANATEXSIZE" val="20"/>
+  <p:tag name="IGUANATEXCURSOR" val="96"/>
+  <p:tag name="TRANSPARENCY" val="True"/>
+  <p:tag name="FILENAME" val=""/>
+  <p:tag name="LATEXENGINEID" val="0"/>
+  <p:tag name="TEMPFOLDER" val="c:\temp\"/>
+  <p:tag name="LATEXFORMHEIGHT" val="312"/>
+  <p:tag name="LATEXFORMWIDTH" val="384"/>
+  <p:tag name="LATEXFORMWRAP" val="True"/>
+  <p:tag name="BITMAPVECTOR" val="0"/>
+</p:tagLst>
+</file>
+
+<file path=ppt/tags/tag13.xml><?xml version="1.0" encoding="utf-8"?>
+<p:tagLst xmlns:a="http://schemas.openxmlformats.org/drawingml/2006/main" xmlns:r="http://schemas.openxmlformats.org/officeDocument/2006/relationships" xmlns:p="http://schemas.openxmlformats.org/presentationml/2006/main">
+  <p:tag name="OUTPUTDPI" val="1200"/>
+  <p:tag name="ORIGINALHEIGHT" val="104.9868"/>
+  <p:tag name="ORIGINALWIDTH" val="684.6644"/>
+  <p:tag name="LATEXADDIN" val="\documentclass{article}&#10;\usepackage{amsmath}&#10;\pagestyle{empty}&#10;\begin{document}&#10;&#10;$$\Pi_{Error} = 0.1$$&#10;&#10;&#10;\end{document}"/>
+  <p:tag name="IGUANATEXSIZE" val="20"/>
+  <p:tag name="IGUANATEXCURSOR" val="102"/>
+  <p:tag name="TRANSPARENCY" val="True"/>
+  <p:tag name="FILENAME" val=""/>
+  <p:tag name="LATEXENGINEID" val="0"/>
+  <p:tag name="TEMPFOLDER" val="c:\temp\"/>
+  <p:tag name="LATEXFORMHEIGHT" val="312"/>
+  <p:tag name="LATEXFORMWIDTH" val="384"/>
+  <p:tag name="LATEXFORMWRAP" val="True"/>
+  <p:tag name="BITMAPVECTOR" val="0"/>
+</p:tagLst>
+</file>
+
+<file path=ppt/tags/tag14.xml><?xml version="1.0" encoding="utf-8"?>
+<p:tagLst xmlns:a="http://schemas.openxmlformats.org/drawingml/2006/main" xmlns:r="http://schemas.openxmlformats.org/officeDocument/2006/relationships" xmlns:p="http://schemas.openxmlformats.org/presentationml/2006/main">
+  <p:tag name="OUTPUTDPI" val="1200"/>
+  <p:tag name="ORIGINALHEIGHT" val="275.2156"/>
+  <p:tag name="ORIGINALWIDTH" val="667.4166"/>
+  <p:tag name="LATEXADDIN" val="\documentclass{article}&#10;\usepackage{amsmath}&#10;\usepackage{xcolor}&#10;\pagestyle{empty}&#10;\begin{document}&#10;&#10;\definecolor{Monred}{RGB}{172,0,0}&#10;&#10;$$\nu = 1.0 \rm{\frac{mm^2}{s}}$$&#10;&#10;&#10;&#10;\end{document}"/>
+  <p:tag name="IGUANATEXSIZE" val="20"/>
+  <p:tag name="IGUANATEXCURSOR" val="171"/>
+  <p:tag name="TRANSPARENCY" val="True"/>
+  <p:tag name="FILENAME" val=""/>
+  <p:tag name="LATEXENGINEID" val="0"/>
+  <p:tag name="TEMPFOLDER" val="c:\temp\"/>
+  <p:tag name="LATEXFORMHEIGHT" val="312"/>
+  <p:tag name="LATEXFORMWIDTH" val="384"/>
+  <p:tag name="LATEXFORMWRAP" val="True"/>
+  <p:tag name="BITMAPVECTOR" val="0"/>
+</p:tagLst>
+</file>
+
+<file path=ppt/tags/tag15.xml><?xml version="1.0" encoding="utf-8"?>
+<p:tagLst xmlns:a="http://schemas.openxmlformats.org/drawingml/2006/main" xmlns:r="http://schemas.openxmlformats.org/officeDocument/2006/relationships" xmlns:p="http://schemas.openxmlformats.org/presentationml/2006/main">
+  <p:tag name="OUTPUTDPI" val="1200"/>
+  <p:tag name="ORIGINALHEIGHT" val="174.7282"/>
+  <p:tag name="ORIGINALWIDTH" val="575.1781"/>
+  <p:tag name="LATEXADDIN" val="\documentclass{article}&#10;\usepackage{amsmath}&#10;\usepackage{xcolor}&#10;\pagestyle{empty}&#10;\begin{document}&#10;&#10;\definecolor{Monred}{RGB}{172,0,0}&#10;&#10;&#10;$$\sum K_e = 2$$&#10;&#10;\end{document}"/>
+  <p:tag name="IGUANATEXSIZE" val="20"/>
+  <p:tag name="IGUANATEXCURSOR" val="152"/>
+  <p:tag name="TRANSPARENCY" val="True"/>
+  <p:tag name="FILENAME" val=""/>
+  <p:tag name="LATEXENGINEID" val="0"/>
+  <p:tag name="TEMPFOLDER" val="c:\temp\"/>
+  <p:tag name="LATEXFORMHEIGHT" val="312"/>
+  <p:tag name="LATEXFORMWIDTH" val="384"/>
+  <p:tag name="LATEXFORMWRAP" val="True"/>
+  <p:tag name="BITMAPVECTOR" val="0"/>
+</p:tagLst>
+</file>
+
+<file path=ppt/tags/tag16.xml><?xml version="1.0" encoding="utf-8"?>
+<p:tagLst xmlns:a="http://schemas.openxmlformats.org/drawingml/2006/main" xmlns:r="http://schemas.openxmlformats.org/officeDocument/2006/relationships" xmlns:p="http://schemas.openxmlformats.org/presentationml/2006/main">
+  <p:tag name="OUTPUTDPI" val="1200"/>
   <p:tag name="ORIGINALHEIGHT" val="347.9565"/>
   <p:tag name="ORIGINALWIDTH" val="1689.539"/>
   <p:tag name="LATEXADDIN" val="\documentclass{article}&#10;\usepackage{amsmath}&#10;\usepackage{xcolor}&#10;\pagestyle{empty}&#10;\begin{document}&#10;&#10;\definecolor{Monred}{RGB}{172,0,0}&#10;&#10;$$\color{blue}{&#10;D_{Min, \, Error} = \left[ \frac{8 Q^2 \sum K_e}{\Pi_{Error} h_l g \pi^2} \right]^{\frac{1}{4}}&#10;}$$&#10;&#10;&#10;\end{document}"/>
@@ -44567,7 +45491,7 @@
 </p:tagLst>
 </file>
 
-<file path=ppt/tags/tag11.xml><?xml version="1.0" encoding="utf-8"?>
+<file path=ppt/tags/tag17.xml><?xml version="1.0" encoding="utf-8"?>
 <p:tagLst xmlns:a="http://schemas.openxmlformats.org/drawingml/2006/main" xmlns:r="http://schemas.openxmlformats.org/officeDocument/2006/relationships" xmlns:p="http://schemas.openxmlformats.org/presentationml/2006/main">
   <p:tag name="OUTPUTDPI" val="1200"/>
   <p:tag name="ORIGINALHEIGHT" val="276.7154"/>
@@ -44586,7 +45510,7 @@
 </p:tagLst>
 </file>
 
-<file path=ppt/tags/tag12.xml><?xml version="1.0" encoding="utf-8"?>
+<file path=ppt/tags/tag18.xml><?xml version="1.0" encoding="utf-8"?>
 <p:tagLst xmlns:a="http://schemas.openxmlformats.org/drawingml/2006/main" xmlns:r="http://schemas.openxmlformats.org/officeDocument/2006/relationships" xmlns:p="http://schemas.openxmlformats.org/presentationml/2006/main">
   <p:tag name="OUTPUTDPI" val="1200"/>
   <p:tag name="ORIGINALHEIGHT" val="104.9868"/>
@@ -44605,7 +45529,7 @@
 </p:tagLst>
 </file>
 
-<file path=ppt/tags/tag13.xml><?xml version="1.0" encoding="utf-8"?>
+<file path=ppt/tags/tag19.xml><?xml version="1.0" encoding="utf-8"?>
 <p:tagLst xmlns:a="http://schemas.openxmlformats.org/drawingml/2006/main" xmlns:r="http://schemas.openxmlformats.org/officeDocument/2006/relationships" xmlns:p="http://schemas.openxmlformats.org/presentationml/2006/main">
   <p:tag name="OUTPUTDPI" val="1200"/>
   <p:tag name="ORIGINALHEIGHT" val="122.9846"/>
@@ -44613,120 +45537,6 @@
   <p:tag name="LATEXADDIN" val="\documentclass{article}&#10;\usepackage{amsmath}&#10;\usepackage{xcolor}&#10;\pagestyle{empty}&#10;\begin{document}&#10;&#10;\definecolor{Monred}{RGB}{172,0,0}&#10;&#10;&#10;$$h_f$$&#10;&#10;\end{document}"/>
   <p:tag name="IGUANATEXSIZE" val="20"/>
   <p:tag name="IGUANATEXCURSOR" val="145"/>
-  <p:tag name="TRANSPARENCY" val="True"/>
-  <p:tag name="FILENAME" val=""/>
-  <p:tag name="LATEXENGINEID" val="0"/>
-  <p:tag name="TEMPFOLDER" val="c:\temp\"/>
-  <p:tag name="LATEXFORMHEIGHT" val="312"/>
-  <p:tag name="LATEXFORMWIDTH" val="384"/>
-  <p:tag name="LATEXFORMWRAP" val="True"/>
-  <p:tag name="BITMAPVECTOR" val="0"/>
-</p:tagLst>
-</file>
-
-<file path=ppt/tags/tag14.xml><?xml version="1.0" encoding="utf-8"?>
-<p:tagLst xmlns:a="http://schemas.openxmlformats.org/drawingml/2006/main" xmlns:r="http://schemas.openxmlformats.org/officeDocument/2006/relationships" xmlns:p="http://schemas.openxmlformats.org/presentationml/2006/main">
-  <p:tag name="OUTPUTDPI" val="1200"/>
-  <p:tag name="ORIGINALHEIGHT" val="90.73866"/>
-  <p:tag name="ORIGINALWIDTH" val="166.4792"/>
-  <p:tag name="LATEXADDIN" val="\documentclass{article}&#10;\usepackage{amsmath}&#10;\usepackage{xcolor}&#10;\pagestyle{empty}&#10;\begin{document}&#10;&#10;\definecolor{Monred}{RGB}{172,0,0}&#10;&#10;&#10;$$\Delta h$$&#10;&#10;\end{document}"/>
-  <p:tag name="IGUANATEXSIZE" val="20"/>
-  <p:tag name="IGUANATEXCURSOR" val="150"/>
-  <p:tag name="TRANSPARENCY" val="True"/>
-  <p:tag name="FILENAME" val=""/>
-  <p:tag name="LATEXENGINEID" val="0"/>
-  <p:tag name="TEMPFOLDER" val="c:\temp\"/>
-  <p:tag name="LATEXFORMHEIGHT" val="312"/>
-  <p:tag name="LATEXFORMWIDTH" val="384"/>
-  <p:tag name="LATEXFORMWRAP" val="True"/>
-  <p:tag name="BITMAPVECTOR" val="0"/>
-</p:tagLst>
-</file>
-
-<file path=ppt/tags/tag15.xml><?xml version="1.0" encoding="utf-8"?>
-<p:tagLst xmlns:a="http://schemas.openxmlformats.org/drawingml/2006/main" xmlns:r="http://schemas.openxmlformats.org/officeDocument/2006/relationships" xmlns:p="http://schemas.openxmlformats.org/presentationml/2006/main">
-  <p:tag name="OUTPUTDPI" val="1200"/>
-  <p:tag name="ORIGINALHEIGHT" val="90.73866"/>
-  <p:tag name="ORIGINALWIDTH" val="166.4792"/>
-  <p:tag name="LATEXADDIN" val="\documentclass{article}&#10;\usepackage{amsmath}&#10;\usepackage{xcolor}&#10;\pagestyle{empty}&#10;\begin{document}&#10;&#10;\definecolor{Monred}{RGB}{172,0,0}&#10;&#10;&#10;$$\Delta h$$&#10;&#10;\end{document}"/>
-  <p:tag name="IGUANATEXSIZE" val="20"/>
-  <p:tag name="IGUANATEXCURSOR" val="150"/>
-  <p:tag name="TRANSPARENCY" val="True"/>
-  <p:tag name="FILENAME" val=""/>
-  <p:tag name="LATEXENGINEID" val="0"/>
-  <p:tag name="TEMPFOLDER" val="c:\temp\"/>
-  <p:tag name="LATEXFORMHEIGHT" val="312"/>
-  <p:tag name="LATEXFORMWIDTH" val="384"/>
-  <p:tag name="LATEXFORMWRAP" val="True"/>
-  <p:tag name="BITMAPVECTOR" val="0"/>
-</p:tagLst>
-</file>
-
-<file path=ppt/tags/tag16.xml><?xml version="1.0" encoding="utf-8"?>
-<p:tagLst xmlns:a="http://schemas.openxmlformats.org/drawingml/2006/main" xmlns:r="http://schemas.openxmlformats.org/officeDocument/2006/relationships" xmlns:p="http://schemas.openxmlformats.org/presentationml/2006/main">
-  <p:tag name="OUTPUTDPI" val="1200"/>
-  <p:tag name="ORIGINALHEIGHT" val="90.73866"/>
-  <p:tag name="ORIGINALWIDTH" val="166.4792"/>
-  <p:tag name="LATEXADDIN" val="\documentclass{article}&#10;\usepackage{amsmath}&#10;\usepackage{xcolor}&#10;\pagestyle{empty}&#10;\begin{document}&#10;&#10;\definecolor{Monred}{RGB}{172,0,0}&#10;&#10;&#10;$$\Delta h$$&#10;&#10;\end{document}"/>
-  <p:tag name="IGUANATEXSIZE" val="20"/>
-  <p:tag name="IGUANATEXCURSOR" val="150"/>
-  <p:tag name="TRANSPARENCY" val="True"/>
-  <p:tag name="FILENAME" val=""/>
-  <p:tag name="LATEXENGINEID" val="0"/>
-  <p:tag name="TEMPFOLDER" val="c:\temp\"/>
-  <p:tag name="LATEXFORMHEIGHT" val="312"/>
-  <p:tag name="LATEXFORMWIDTH" val="384"/>
-  <p:tag name="LATEXFORMWRAP" val="True"/>
-  <p:tag name="BITMAPVECTOR" val="0"/>
-</p:tagLst>
-</file>
-
-<file path=ppt/tags/tag17.xml><?xml version="1.0" encoding="utf-8"?>
-<p:tagLst xmlns:a="http://schemas.openxmlformats.org/drawingml/2006/main" xmlns:r="http://schemas.openxmlformats.org/officeDocument/2006/relationships" xmlns:p="http://schemas.openxmlformats.org/presentationml/2006/main">
-  <p:tag name="OUTPUTDPI" val="1200"/>
-  <p:tag name="ORIGINALHEIGHT" val="121.4848"/>
-  <p:tag name="ORIGINALWIDTH" val="413.1983"/>
-  <p:tag name="LATEXADDIN" val="\documentclass{article}&#10;\usepackage{amsmath}&#10;\usepackage{xcolor}&#10;\pagestyle{empty}&#10;\begin{document}&#10;&#10;\definecolor{Monred}{RGB}{172,0,0}&#10;&#10;&#10;$$D_{orifice}$$&#10;&#10;\end{document}"/>
-  <p:tag name="IGUANATEXSIZE" val="20"/>
-  <p:tag name="IGUANATEXCURSOR" val="151"/>
-  <p:tag name="TRANSPARENCY" val="True"/>
-  <p:tag name="FILENAME" val=""/>
-  <p:tag name="LATEXENGINEID" val="0"/>
-  <p:tag name="TEMPFOLDER" val="c:\temp\"/>
-  <p:tag name="LATEXFORMHEIGHT" val="312"/>
-  <p:tag name="LATEXFORMWIDTH" val="384"/>
-  <p:tag name="LATEXFORMWRAP" val="True"/>
-  <p:tag name="BITMAPVECTOR" val="0"/>
-</p:tagLst>
-</file>
-
-<file path=ppt/tags/tag18.xml><?xml version="1.0" encoding="utf-8"?>
-<p:tagLst xmlns:a="http://schemas.openxmlformats.org/drawingml/2006/main" xmlns:r="http://schemas.openxmlformats.org/officeDocument/2006/relationships" xmlns:p="http://schemas.openxmlformats.org/presentationml/2006/main">
-  <p:tag name="OUTPUTDPI" val="1200"/>
-  <p:tag name="ORIGINALHEIGHT" val="104.237"/>
-  <p:tag name="ORIGINALWIDTH" val="194.9756"/>
-  <p:tag name="LATEXADDIN" val="\documentclass{article}&#10;\usepackage{amsmath}&#10;\usepackage{xcolor}&#10;\pagestyle{empty}&#10;\begin{document}&#10;&#10;\definecolor{Monred}{RGB}{172,0,0}&#10;&#10;&#10;$$D_{vc}$$&#10;&#10;\end{document}"/>
-  <p:tag name="IGUANATEXSIZE" val="20"/>
-  <p:tag name="IGUANATEXCURSOR" val="145"/>
-  <p:tag name="TRANSPARENCY" val="True"/>
-  <p:tag name="FILENAME" val=""/>
-  <p:tag name="LATEXENGINEID" val="0"/>
-  <p:tag name="TEMPFOLDER" val="c:\temp\"/>
-  <p:tag name="LATEXFORMHEIGHT" val="312"/>
-  <p:tag name="LATEXFORMWIDTH" val="384"/>
-  <p:tag name="LATEXFORMWRAP" val="True"/>
-  <p:tag name="BITMAPVECTOR" val="0"/>
-</p:tagLst>
-</file>
-
-<file path=ppt/tags/tag19.xml><?xml version="1.0" encoding="utf-8"?>
-<p:tagLst xmlns:a="http://schemas.openxmlformats.org/drawingml/2006/main" xmlns:r="http://schemas.openxmlformats.org/officeDocument/2006/relationships" xmlns:p="http://schemas.openxmlformats.org/presentationml/2006/main">
-  <p:tag name="OUTPUTDPI" val="1200"/>
-  <p:tag name="ORIGINALHEIGHT" val="120.7349"/>
-  <p:tag name="ORIGINALWIDTH" val="305.2118"/>
-  <p:tag name="LATEXADDIN" val="\documentclass{article}&#10;\usepackage{amsmath}&#10;\usepackage{xcolor}&#10;\pagestyle{empty}&#10;\begin{document}&#10;&#10;\definecolor{Monred}{RGB}{172,0,0}&#10;&#10;&#10;$$D_{Pipe}$$&#10;&#10;\end{document}"/>
-  <p:tag name="IGUANATEXSIZE" val="20"/>
-  <p:tag name="IGUANATEXCURSOR" val="150"/>
   <p:tag name="TRANSPARENCY" val="True"/>
   <p:tag name="FILENAME" val=""/>
   <p:tag name="LATEXENGINEID" val="0"/>
@@ -44760,6 +45570,120 @@
 <file path=ppt/tags/tag20.xml><?xml version="1.0" encoding="utf-8"?>
 <p:tagLst xmlns:a="http://schemas.openxmlformats.org/drawingml/2006/main" xmlns:r="http://schemas.openxmlformats.org/officeDocument/2006/relationships" xmlns:p="http://schemas.openxmlformats.org/presentationml/2006/main">
   <p:tag name="OUTPUTDPI" val="1200"/>
+  <p:tag name="ORIGINALHEIGHT" val="90.73866"/>
+  <p:tag name="ORIGINALWIDTH" val="166.4792"/>
+  <p:tag name="LATEXADDIN" val="\documentclass{article}&#10;\usepackage{amsmath}&#10;\usepackage{xcolor}&#10;\pagestyle{empty}&#10;\begin{document}&#10;&#10;\definecolor{Monred}{RGB}{172,0,0}&#10;&#10;&#10;$$\Delta h$$&#10;&#10;\end{document}"/>
+  <p:tag name="IGUANATEXSIZE" val="20"/>
+  <p:tag name="IGUANATEXCURSOR" val="150"/>
+  <p:tag name="TRANSPARENCY" val="True"/>
+  <p:tag name="FILENAME" val=""/>
+  <p:tag name="LATEXENGINEID" val="0"/>
+  <p:tag name="TEMPFOLDER" val="c:\temp\"/>
+  <p:tag name="LATEXFORMHEIGHT" val="312"/>
+  <p:tag name="LATEXFORMWIDTH" val="384"/>
+  <p:tag name="LATEXFORMWRAP" val="True"/>
+  <p:tag name="BITMAPVECTOR" val="0"/>
+</p:tagLst>
+</file>
+
+<file path=ppt/tags/tag21.xml><?xml version="1.0" encoding="utf-8"?>
+<p:tagLst xmlns:a="http://schemas.openxmlformats.org/drawingml/2006/main" xmlns:r="http://schemas.openxmlformats.org/officeDocument/2006/relationships" xmlns:p="http://schemas.openxmlformats.org/presentationml/2006/main">
+  <p:tag name="OUTPUTDPI" val="1200"/>
+  <p:tag name="ORIGINALHEIGHT" val="90.73866"/>
+  <p:tag name="ORIGINALWIDTH" val="166.4792"/>
+  <p:tag name="LATEXADDIN" val="\documentclass{article}&#10;\usepackage{amsmath}&#10;\usepackage{xcolor}&#10;\pagestyle{empty}&#10;\begin{document}&#10;&#10;\definecolor{Monred}{RGB}{172,0,0}&#10;&#10;&#10;$$\Delta h$$&#10;&#10;\end{document}"/>
+  <p:tag name="IGUANATEXSIZE" val="20"/>
+  <p:tag name="IGUANATEXCURSOR" val="150"/>
+  <p:tag name="TRANSPARENCY" val="True"/>
+  <p:tag name="FILENAME" val=""/>
+  <p:tag name="LATEXENGINEID" val="0"/>
+  <p:tag name="TEMPFOLDER" val="c:\temp\"/>
+  <p:tag name="LATEXFORMHEIGHT" val="312"/>
+  <p:tag name="LATEXFORMWIDTH" val="384"/>
+  <p:tag name="LATEXFORMWRAP" val="True"/>
+  <p:tag name="BITMAPVECTOR" val="0"/>
+</p:tagLst>
+</file>
+
+<file path=ppt/tags/tag22.xml><?xml version="1.0" encoding="utf-8"?>
+<p:tagLst xmlns:a="http://schemas.openxmlformats.org/drawingml/2006/main" xmlns:r="http://schemas.openxmlformats.org/officeDocument/2006/relationships" xmlns:p="http://schemas.openxmlformats.org/presentationml/2006/main">
+  <p:tag name="OUTPUTDPI" val="1200"/>
+  <p:tag name="ORIGINALHEIGHT" val="90.73866"/>
+  <p:tag name="ORIGINALWIDTH" val="166.4792"/>
+  <p:tag name="LATEXADDIN" val="\documentclass{article}&#10;\usepackage{amsmath}&#10;\usepackage{xcolor}&#10;\pagestyle{empty}&#10;\begin{document}&#10;&#10;\definecolor{Monred}{RGB}{172,0,0}&#10;&#10;&#10;$$\Delta h$$&#10;&#10;\end{document}"/>
+  <p:tag name="IGUANATEXSIZE" val="20"/>
+  <p:tag name="IGUANATEXCURSOR" val="150"/>
+  <p:tag name="TRANSPARENCY" val="True"/>
+  <p:tag name="FILENAME" val=""/>
+  <p:tag name="LATEXENGINEID" val="0"/>
+  <p:tag name="TEMPFOLDER" val="c:\temp\"/>
+  <p:tag name="LATEXFORMHEIGHT" val="312"/>
+  <p:tag name="LATEXFORMWIDTH" val="384"/>
+  <p:tag name="LATEXFORMWRAP" val="True"/>
+  <p:tag name="BITMAPVECTOR" val="0"/>
+</p:tagLst>
+</file>
+
+<file path=ppt/tags/tag23.xml><?xml version="1.0" encoding="utf-8"?>
+<p:tagLst xmlns:a="http://schemas.openxmlformats.org/drawingml/2006/main" xmlns:r="http://schemas.openxmlformats.org/officeDocument/2006/relationships" xmlns:p="http://schemas.openxmlformats.org/presentationml/2006/main">
+  <p:tag name="OUTPUTDPI" val="1200"/>
+  <p:tag name="ORIGINALHEIGHT" val="121.4848"/>
+  <p:tag name="ORIGINALWIDTH" val="413.1983"/>
+  <p:tag name="LATEXADDIN" val="\documentclass{article}&#10;\usepackage{amsmath}&#10;\usepackage{xcolor}&#10;\pagestyle{empty}&#10;\begin{document}&#10;&#10;\definecolor{Monred}{RGB}{172,0,0}&#10;&#10;&#10;$$D_{orifice}$$&#10;&#10;\end{document}"/>
+  <p:tag name="IGUANATEXSIZE" val="20"/>
+  <p:tag name="IGUANATEXCURSOR" val="151"/>
+  <p:tag name="TRANSPARENCY" val="True"/>
+  <p:tag name="FILENAME" val=""/>
+  <p:tag name="LATEXENGINEID" val="0"/>
+  <p:tag name="TEMPFOLDER" val="c:\temp\"/>
+  <p:tag name="LATEXFORMHEIGHT" val="312"/>
+  <p:tag name="LATEXFORMWIDTH" val="384"/>
+  <p:tag name="LATEXFORMWRAP" val="True"/>
+  <p:tag name="BITMAPVECTOR" val="0"/>
+</p:tagLst>
+</file>
+
+<file path=ppt/tags/tag24.xml><?xml version="1.0" encoding="utf-8"?>
+<p:tagLst xmlns:a="http://schemas.openxmlformats.org/drawingml/2006/main" xmlns:r="http://schemas.openxmlformats.org/officeDocument/2006/relationships" xmlns:p="http://schemas.openxmlformats.org/presentationml/2006/main">
+  <p:tag name="OUTPUTDPI" val="1200"/>
+  <p:tag name="ORIGINALHEIGHT" val="104.237"/>
+  <p:tag name="ORIGINALWIDTH" val="194.9756"/>
+  <p:tag name="LATEXADDIN" val="\documentclass{article}&#10;\usepackage{amsmath}&#10;\usepackage{xcolor}&#10;\pagestyle{empty}&#10;\begin{document}&#10;&#10;\definecolor{Monred}{RGB}{172,0,0}&#10;&#10;&#10;$$D_{vc}$$&#10;&#10;\end{document}"/>
+  <p:tag name="IGUANATEXSIZE" val="20"/>
+  <p:tag name="IGUANATEXCURSOR" val="145"/>
+  <p:tag name="TRANSPARENCY" val="True"/>
+  <p:tag name="FILENAME" val=""/>
+  <p:tag name="LATEXENGINEID" val="0"/>
+  <p:tag name="TEMPFOLDER" val="c:\temp\"/>
+  <p:tag name="LATEXFORMHEIGHT" val="312"/>
+  <p:tag name="LATEXFORMWIDTH" val="384"/>
+  <p:tag name="LATEXFORMWRAP" val="True"/>
+  <p:tag name="BITMAPVECTOR" val="0"/>
+</p:tagLst>
+</file>
+
+<file path=ppt/tags/tag25.xml><?xml version="1.0" encoding="utf-8"?>
+<p:tagLst xmlns:a="http://schemas.openxmlformats.org/drawingml/2006/main" xmlns:r="http://schemas.openxmlformats.org/officeDocument/2006/relationships" xmlns:p="http://schemas.openxmlformats.org/presentationml/2006/main">
+  <p:tag name="OUTPUTDPI" val="1200"/>
+  <p:tag name="ORIGINALHEIGHT" val="120.7349"/>
+  <p:tag name="ORIGINALWIDTH" val="305.2118"/>
+  <p:tag name="LATEXADDIN" val="\documentclass{article}&#10;\usepackage{amsmath}&#10;\usepackage{xcolor}&#10;\pagestyle{empty}&#10;\begin{document}&#10;&#10;\definecolor{Monred}{RGB}{172,0,0}&#10;&#10;&#10;$$D_{Pipe}$$&#10;&#10;\end{document}"/>
+  <p:tag name="IGUANATEXSIZE" val="20"/>
+  <p:tag name="IGUANATEXCURSOR" val="150"/>
+  <p:tag name="TRANSPARENCY" val="True"/>
+  <p:tag name="FILENAME" val=""/>
+  <p:tag name="LATEXENGINEID" val="0"/>
+  <p:tag name="TEMPFOLDER" val="c:\temp\"/>
+  <p:tag name="LATEXFORMHEIGHT" val="312"/>
+  <p:tag name="LATEXFORMWIDTH" val="384"/>
+  <p:tag name="LATEXFORMWRAP" val="True"/>
+  <p:tag name="BITMAPVECTOR" val="0"/>
+</p:tagLst>
+</file>
+
+<file path=ppt/tags/tag26.xml><?xml version="1.0" encoding="utf-8"?>
+<p:tagLst xmlns:a="http://schemas.openxmlformats.org/drawingml/2006/main" xmlns:r="http://schemas.openxmlformats.org/officeDocument/2006/relationships" xmlns:p="http://schemas.openxmlformats.org/presentationml/2006/main">
+  <p:tag name="OUTPUTDPI" val="1200"/>
   <p:tag name="ORIGINALHEIGHT" val="103.4871"/>
   <p:tag name="ORIGINALWIDTH" val="335.958"/>
   <p:tag name="LATEXADDIN" val="\documentclass{article}&#10;\usepackage{amsmath}&#10;\usepackage{xcolor}&#10;\pagestyle{empty}&#10;\begin{document}&#10;&#10;\definecolor{Monred}{RGB}{172,0,0}&#10;&#10;&#10;$$H_{Tank}$$&#10;&#10;\end{document}"/>
@@ -44776,7 +45700,7 @@
 </p:tagLst>
 </file>
 
-<file path=ppt/tags/tag21.xml><?xml version="1.0" encoding="utf-8"?>
+<file path=ppt/tags/tag27.xml><?xml version="1.0" encoding="utf-8"?>
 <p:tagLst xmlns:a="http://schemas.openxmlformats.org/drawingml/2006/main" xmlns:r="http://schemas.openxmlformats.org/officeDocument/2006/relationships" xmlns:p="http://schemas.openxmlformats.org/presentationml/2006/main">
   <p:tag name="OUTPUTDPI" val="1200"/>
   <p:tag name="ORIGINALHEIGHT" val="104.237"/>
@@ -44795,7 +45719,7 @@
 </p:tagLst>
 </file>
 
-<file path=ppt/tags/tag22.xml><?xml version="1.0" encoding="utf-8"?>
+<file path=ppt/tags/tag28.xml><?xml version="1.0" encoding="utf-8"?>
 <p:tagLst xmlns:a="http://schemas.openxmlformats.org/drawingml/2006/main" xmlns:r="http://schemas.openxmlformats.org/officeDocument/2006/relationships" xmlns:p="http://schemas.openxmlformats.org/presentationml/2006/main">
   <p:tag name="OUTPUTDPI" val="1200"/>
   <p:tag name="ORIGINALHEIGHT" val="336.7079"/>
@@ -44814,7 +45738,7 @@
 </p:tagLst>
 </file>
 
-<file path=ppt/tags/tag23.xml><?xml version="1.0" encoding="utf-8"?>
+<file path=ppt/tags/tag29.xml><?xml version="1.0" encoding="utf-8"?>
 <p:tagLst xmlns:a="http://schemas.openxmlformats.org/drawingml/2006/main" xmlns:r="http://schemas.openxmlformats.org/officeDocument/2006/relationships" xmlns:p="http://schemas.openxmlformats.org/presentationml/2006/main">
   <p:tag name="OUTPUTDPI" val="1200"/>
   <p:tag name="ORIGINALHEIGHT" val="90.73866"/>
@@ -44822,108 +45746,6 @@
   <p:tag name="LATEXADDIN" val="\documentclass{article}&#10;\usepackage{amsmath}&#10;\usepackage{xcolor}&#10;\pagestyle{empty}&#10;\begin{document}&#10;&#10;\definecolor{Monred}{RGB}{172,0,0}&#10;&#10;$$\Delta h$$&#10;&#10;&#10;&#10;&#10;\end{document}"/>
   <p:tag name="IGUANATEXSIZE" val="20"/>
   <p:tag name="IGUANATEXCURSOR" val="147"/>
-  <p:tag name="TRANSPARENCY" val="True"/>
-  <p:tag name="FILENAME" val=""/>
-  <p:tag name="LATEXENGINEID" val="0"/>
-  <p:tag name="TEMPFOLDER" val="c:\temp\"/>
-  <p:tag name="LATEXFORMHEIGHT" val="312"/>
-  <p:tag name="LATEXFORMWIDTH" val="384"/>
-  <p:tag name="LATEXFORMWRAP" val="True"/>
-  <p:tag name="BITMAPVECTOR" val="0"/>
-</p:tagLst>
-</file>
-
-<file path=ppt/tags/tag24.xml><?xml version="1.0" encoding="utf-8"?>
-<p:tagLst xmlns:a="http://schemas.openxmlformats.org/drawingml/2006/main" xmlns:r="http://schemas.openxmlformats.org/officeDocument/2006/relationships" xmlns:p="http://schemas.openxmlformats.org/presentationml/2006/main">
-  <p:tag name="SELECTIONNAME" val="Group 5"/>
-  <p:tag name="LAYER" val="2"/>
-</p:tagLst>
-</file>
-
-<file path=ppt/tags/tag25.xml><?xml version="1.0" encoding="utf-8"?>
-<p:tagLst xmlns:a="http://schemas.openxmlformats.org/drawingml/2006/main" xmlns:r="http://schemas.openxmlformats.org/officeDocument/2006/relationships" xmlns:p="http://schemas.openxmlformats.org/presentationml/2006/main">
-  <p:tag name="OUTPUTDPI" val="1200"/>
-  <p:tag name="ORIGINALHEIGHT" val="90.73866"/>
-  <p:tag name="ORIGINALWIDTH" val="166.4792"/>
-  <p:tag name="LATEXADDIN" val="\documentclass{article}&#10;\usepackage{amsmath}&#10;\usepackage{xcolor}&#10;\pagestyle{empty}&#10;\begin{document}&#10;&#10;\definecolor{Monred}{RGB}{172,0,0}&#10;&#10;$$&#10;\Delta h&#10;$$&#10;&#10;&#10;\end{document}"/>
-  <p:tag name="IGUANATEXSIZE" val="20"/>
-  <p:tag name="IGUANATEXCURSOR" val="147"/>
-  <p:tag name="TRANSPARENCY" val="True"/>
-  <p:tag name="FILENAME" val=""/>
-  <p:tag name="LATEXENGINEID" val="0"/>
-  <p:tag name="TEMPFOLDER" val="c:\temp\"/>
-  <p:tag name="LATEXFORMHEIGHT" val="312"/>
-  <p:tag name="LATEXFORMWIDTH" val="384"/>
-  <p:tag name="LATEXFORMWRAP" val="True"/>
-  <p:tag name="BITMAPVECTOR" val="0"/>
-</p:tagLst>
-</file>
-
-<file path=ppt/tags/tag26.xml><?xml version="1.0" encoding="utf-8"?>
-<p:tagLst xmlns:a="http://schemas.openxmlformats.org/drawingml/2006/main" xmlns:r="http://schemas.openxmlformats.org/officeDocument/2006/relationships" xmlns:p="http://schemas.openxmlformats.org/presentationml/2006/main">
-  <p:tag name="OUTPUTDPI" val="1200"/>
-  <p:tag name="ORIGINALHEIGHT" val="299.2126"/>
-  <p:tag name="ORIGINALWIDTH" val="878.1403"/>
-  <p:tag name="LATEXADDIN" val="\documentclass{article}&#10;\usepackage{amsmath}&#10;\usepackage{xcolor}&#10;\pagestyle{empty}&#10;\begin{document}&#10;&#10;\definecolor{Monred}{RGB}{172,0,0}&#10;&#10;&#10;$$\Delta h = \frac{V_{out}^2}{2g} + h_L$$&#10;&#10;\end{document}"/>
-  <p:tag name="IGUANATEXSIZE" val="20"/>
-  <p:tag name="IGUANATEXCURSOR" val="164"/>
-  <p:tag name="TRANSPARENCY" val="True"/>
-  <p:tag name="FILENAME" val=""/>
-  <p:tag name="LATEXENGINEID" val="0"/>
-  <p:tag name="TEMPFOLDER" val="c:\temp\"/>
-  <p:tag name="LATEXFORMHEIGHT" val="312"/>
-  <p:tag name="LATEXFORMWIDTH" val="384"/>
-  <p:tag name="LATEXFORMWRAP" val="True"/>
-  <p:tag name="BITMAPVECTOR" val="0"/>
-</p:tagLst>
-</file>
-
-<file path=ppt/tags/tag27.xml><?xml version="1.0" encoding="utf-8"?>
-<p:tagLst xmlns:a="http://schemas.openxmlformats.org/drawingml/2006/main" xmlns:r="http://schemas.openxmlformats.org/officeDocument/2006/relationships" xmlns:p="http://schemas.openxmlformats.org/presentationml/2006/main">
-  <p:tag name="OUTPUTDPI" val="1200"/>
-  <p:tag name="ORIGINALHEIGHT" val="299.2126"/>
-  <p:tag name="ORIGINALWIDTH" val="1145.107"/>
-  <p:tag name="LATEXADDIN" val="\documentclass{article}&#10;\usepackage{amsmath}&#10;\usepackage{xcolor}&#10;\pagestyle{empty}&#10;\begin{document}&#10;&#10;\definecolor{Monred}{RGB}{172,0,0}&#10;&#10;&#10;$$\Delta h = \frac{V_{out}^2}{2g} + h_e + h_f$$&#10;&#10;\end{document}"/>
-  <p:tag name="IGUANATEXSIZE" val="20"/>
-  <p:tag name="IGUANATEXCURSOR" val="183"/>
-  <p:tag name="TRANSPARENCY" val="True"/>
-  <p:tag name="FILENAME" val=""/>
-  <p:tag name="LATEXENGINEID" val="0"/>
-  <p:tag name="TEMPFOLDER" val="c:\temp\"/>
-  <p:tag name="LATEXFORMHEIGHT" val="312"/>
-  <p:tag name="LATEXFORMWIDTH" val="384"/>
-  <p:tag name="LATEXFORMWRAP" val="True"/>
-  <p:tag name="BITMAPVECTOR" val="0"/>
-</p:tagLst>
-</file>
-
-<file path=ppt/tags/tag28.xml><?xml version="1.0" encoding="utf-8"?>
-<p:tagLst xmlns:a="http://schemas.openxmlformats.org/drawingml/2006/main" xmlns:r="http://schemas.openxmlformats.org/officeDocument/2006/relationships" xmlns:p="http://schemas.openxmlformats.org/presentationml/2006/main">
-  <p:tag name="OUTPUTDPI" val="1200"/>
-  <p:tag name="ORIGINALHEIGHT" val="299.2126"/>
-  <p:tag name="ORIGINALWIDTH" val="1759.28"/>
-  <p:tag name="LATEXADDIN" val="\documentclass{article}&#10;\usepackage{amsmath}&#10;\usepackage{xcolor}&#10;\pagestyle{empty}&#10;\begin{document}&#10;&#10;\definecolor{Monred}{RGB}{172,0,0}&#10;&#10;&#10;$$\Delta h = \frac{V_{out}^2}{2g} + \left( \sum K \right) \frac{V_{out}^2}{2g} + h_f$$&#10;&#10;\end{document}"/>
-  <p:tag name="IGUANATEXSIZE" val="20"/>
-  <p:tag name="IGUANATEXCURSOR" val="196"/>
-  <p:tag name="TRANSPARENCY" val="True"/>
-  <p:tag name="FILENAME" val=""/>
-  <p:tag name="LATEXENGINEID" val="0"/>
-  <p:tag name="TEMPFOLDER" val="c:\temp\"/>
-  <p:tag name="LATEXFORMHEIGHT" val="312"/>
-  <p:tag name="LATEXFORMWIDTH" val="384"/>
-  <p:tag name="LATEXFORMWRAP" val="True"/>
-  <p:tag name="BITMAPVECTOR" val="0"/>
-</p:tagLst>
-</file>
-
-<file path=ppt/tags/tag29.xml><?xml version="1.0" encoding="utf-8"?>
-<p:tagLst xmlns:a="http://schemas.openxmlformats.org/drawingml/2006/main" xmlns:r="http://schemas.openxmlformats.org/officeDocument/2006/relationships" xmlns:p="http://schemas.openxmlformats.org/presentationml/2006/main">
-  <p:tag name="OUTPUTDPI" val="1200"/>
-  <p:tag name="ORIGINALHEIGHT" val="299.2126"/>
-  <p:tag name="ORIGINALWIDTH" val="1567.304"/>
-  <p:tag name="LATEXADDIN" val="\documentclass{article}&#10;\usepackage{amsmath}&#10;\usepackage{xcolor}&#10;\pagestyle{empty}&#10;\begin{document}&#10;&#10;\definecolor{Monred}{RGB}{172,0,0}&#10;&#10;&#10;$$\Delta h = \left( \sum K + 1 \right) \frac{V_{out}^2}{2g} + h_f$$&#10;&#10;\end{document}"/>
-  <p:tag name="IGUANATEXSIZE" val="20"/>
-  <p:tag name="IGUANATEXCURSOR" val="168"/>
   <p:tag name="TRANSPARENCY" val="True"/>
   <p:tag name="FILENAME" val=""/>
   <p:tag name="LATEXENGINEID" val="0"/>
@@ -44956,6 +45778,108 @@
 
 <file path=ppt/tags/tag30.xml><?xml version="1.0" encoding="utf-8"?>
 <p:tagLst xmlns:a="http://schemas.openxmlformats.org/drawingml/2006/main" xmlns:r="http://schemas.openxmlformats.org/officeDocument/2006/relationships" xmlns:p="http://schemas.openxmlformats.org/presentationml/2006/main">
+  <p:tag name="SELECTIONNAME" val="Group 5"/>
+  <p:tag name="LAYER" val="2"/>
+</p:tagLst>
+</file>
+
+<file path=ppt/tags/tag31.xml><?xml version="1.0" encoding="utf-8"?>
+<p:tagLst xmlns:a="http://schemas.openxmlformats.org/drawingml/2006/main" xmlns:r="http://schemas.openxmlformats.org/officeDocument/2006/relationships" xmlns:p="http://schemas.openxmlformats.org/presentationml/2006/main">
+  <p:tag name="OUTPUTDPI" val="1200"/>
+  <p:tag name="ORIGINALHEIGHT" val="90.73866"/>
+  <p:tag name="ORIGINALWIDTH" val="166.4792"/>
+  <p:tag name="LATEXADDIN" val="\documentclass{article}&#10;\usepackage{amsmath}&#10;\usepackage{xcolor}&#10;\pagestyle{empty}&#10;\begin{document}&#10;&#10;\definecolor{Monred}{RGB}{172,0,0}&#10;&#10;$$&#10;\Delta h&#10;$$&#10;&#10;&#10;\end{document}"/>
+  <p:tag name="IGUANATEXSIZE" val="20"/>
+  <p:tag name="IGUANATEXCURSOR" val="147"/>
+  <p:tag name="TRANSPARENCY" val="True"/>
+  <p:tag name="FILENAME" val=""/>
+  <p:tag name="LATEXENGINEID" val="0"/>
+  <p:tag name="TEMPFOLDER" val="c:\temp\"/>
+  <p:tag name="LATEXFORMHEIGHT" val="312"/>
+  <p:tag name="LATEXFORMWIDTH" val="384"/>
+  <p:tag name="LATEXFORMWRAP" val="True"/>
+  <p:tag name="BITMAPVECTOR" val="0"/>
+</p:tagLst>
+</file>
+
+<file path=ppt/tags/tag32.xml><?xml version="1.0" encoding="utf-8"?>
+<p:tagLst xmlns:a="http://schemas.openxmlformats.org/drawingml/2006/main" xmlns:r="http://schemas.openxmlformats.org/officeDocument/2006/relationships" xmlns:p="http://schemas.openxmlformats.org/presentationml/2006/main">
+  <p:tag name="OUTPUTDPI" val="1200"/>
+  <p:tag name="ORIGINALHEIGHT" val="299.2126"/>
+  <p:tag name="ORIGINALWIDTH" val="878.1403"/>
+  <p:tag name="LATEXADDIN" val="\documentclass{article}&#10;\usepackage{amsmath}&#10;\usepackage{xcolor}&#10;\pagestyle{empty}&#10;\begin{document}&#10;&#10;\definecolor{Monred}{RGB}{172,0,0}&#10;&#10;&#10;$$\Delta h = \frac{V_{out}^2}{2g} + h_L$$&#10;&#10;\end{document}"/>
+  <p:tag name="IGUANATEXSIZE" val="20"/>
+  <p:tag name="IGUANATEXCURSOR" val="164"/>
+  <p:tag name="TRANSPARENCY" val="True"/>
+  <p:tag name="FILENAME" val=""/>
+  <p:tag name="LATEXENGINEID" val="0"/>
+  <p:tag name="TEMPFOLDER" val="c:\temp\"/>
+  <p:tag name="LATEXFORMHEIGHT" val="312"/>
+  <p:tag name="LATEXFORMWIDTH" val="384"/>
+  <p:tag name="LATEXFORMWRAP" val="True"/>
+  <p:tag name="BITMAPVECTOR" val="0"/>
+</p:tagLst>
+</file>
+
+<file path=ppt/tags/tag33.xml><?xml version="1.0" encoding="utf-8"?>
+<p:tagLst xmlns:a="http://schemas.openxmlformats.org/drawingml/2006/main" xmlns:r="http://schemas.openxmlformats.org/officeDocument/2006/relationships" xmlns:p="http://schemas.openxmlformats.org/presentationml/2006/main">
+  <p:tag name="OUTPUTDPI" val="1200"/>
+  <p:tag name="ORIGINALHEIGHT" val="299.2126"/>
+  <p:tag name="ORIGINALWIDTH" val="1145.107"/>
+  <p:tag name="LATEXADDIN" val="\documentclass{article}&#10;\usepackage{amsmath}&#10;\usepackage{xcolor}&#10;\pagestyle{empty}&#10;\begin{document}&#10;&#10;\definecolor{Monred}{RGB}{172,0,0}&#10;&#10;&#10;$$\Delta h = \frac{V_{out}^2}{2g} + h_e + h_f$$&#10;&#10;\end{document}"/>
+  <p:tag name="IGUANATEXSIZE" val="20"/>
+  <p:tag name="IGUANATEXCURSOR" val="183"/>
+  <p:tag name="TRANSPARENCY" val="True"/>
+  <p:tag name="FILENAME" val=""/>
+  <p:tag name="LATEXENGINEID" val="0"/>
+  <p:tag name="TEMPFOLDER" val="c:\temp\"/>
+  <p:tag name="LATEXFORMHEIGHT" val="312"/>
+  <p:tag name="LATEXFORMWIDTH" val="384"/>
+  <p:tag name="LATEXFORMWRAP" val="True"/>
+  <p:tag name="BITMAPVECTOR" val="0"/>
+</p:tagLst>
+</file>
+
+<file path=ppt/tags/tag34.xml><?xml version="1.0" encoding="utf-8"?>
+<p:tagLst xmlns:a="http://schemas.openxmlformats.org/drawingml/2006/main" xmlns:r="http://schemas.openxmlformats.org/officeDocument/2006/relationships" xmlns:p="http://schemas.openxmlformats.org/presentationml/2006/main">
+  <p:tag name="OUTPUTDPI" val="1200"/>
+  <p:tag name="ORIGINALHEIGHT" val="299.2126"/>
+  <p:tag name="ORIGINALWIDTH" val="1759.28"/>
+  <p:tag name="LATEXADDIN" val="\documentclass{article}&#10;\usepackage{amsmath}&#10;\usepackage{xcolor}&#10;\pagestyle{empty}&#10;\begin{document}&#10;&#10;\definecolor{Monred}{RGB}{172,0,0}&#10;&#10;&#10;$$\Delta h = \frac{V_{out}^2}{2g} + \left( \sum K \right) \frac{V_{out}^2}{2g} + h_f$$&#10;&#10;\end{document}"/>
+  <p:tag name="IGUANATEXSIZE" val="20"/>
+  <p:tag name="IGUANATEXCURSOR" val="196"/>
+  <p:tag name="TRANSPARENCY" val="True"/>
+  <p:tag name="FILENAME" val=""/>
+  <p:tag name="LATEXENGINEID" val="0"/>
+  <p:tag name="TEMPFOLDER" val="c:\temp\"/>
+  <p:tag name="LATEXFORMHEIGHT" val="312"/>
+  <p:tag name="LATEXFORMWIDTH" val="384"/>
+  <p:tag name="LATEXFORMWRAP" val="True"/>
+  <p:tag name="BITMAPVECTOR" val="0"/>
+</p:tagLst>
+</file>
+
+<file path=ppt/tags/tag35.xml><?xml version="1.0" encoding="utf-8"?>
+<p:tagLst xmlns:a="http://schemas.openxmlformats.org/drawingml/2006/main" xmlns:r="http://schemas.openxmlformats.org/officeDocument/2006/relationships" xmlns:p="http://schemas.openxmlformats.org/presentationml/2006/main">
+  <p:tag name="OUTPUTDPI" val="1200"/>
+  <p:tag name="ORIGINALHEIGHT" val="299.2126"/>
+  <p:tag name="ORIGINALWIDTH" val="1567.304"/>
+  <p:tag name="LATEXADDIN" val="\documentclass{article}&#10;\usepackage{amsmath}&#10;\usepackage{xcolor}&#10;\pagestyle{empty}&#10;\begin{document}&#10;&#10;\definecolor{Monred}{RGB}{172,0,0}&#10;&#10;&#10;$$\Delta h = \left( \sum K + 1 \right) \frac{V_{out}^2}{2g} + h_f$$&#10;&#10;\end{document}"/>
+  <p:tag name="IGUANATEXSIZE" val="20"/>
+  <p:tag name="IGUANATEXCURSOR" val="168"/>
+  <p:tag name="TRANSPARENCY" val="True"/>
+  <p:tag name="FILENAME" val=""/>
+  <p:tag name="LATEXENGINEID" val="0"/>
+  <p:tag name="TEMPFOLDER" val="c:\temp\"/>
+  <p:tag name="LATEXFORMHEIGHT" val="312"/>
+  <p:tag name="LATEXFORMWIDTH" val="384"/>
+  <p:tag name="LATEXFORMWRAP" val="True"/>
+  <p:tag name="BITMAPVECTOR" val="0"/>
+</p:tagLst>
+</file>
+
+<file path=ppt/tags/tag36.xml><?xml version="1.0" encoding="utf-8"?>
+<p:tagLst xmlns:a="http://schemas.openxmlformats.org/drawingml/2006/main" xmlns:r="http://schemas.openxmlformats.org/officeDocument/2006/relationships" xmlns:p="http://schemas.openxmlformats.org/presentationml/2006/main">
   <p:tag name="OUTPUTDPI" val="1200"/>
   <p:tag name="ORIGINALHEIGHT" val="299.2126"/>
   <p:tag name="ORIGINALWIDTH" val="1352.831"/>
@@ -44973,7 +45897,7 @@
 </p:tagLst>
 </file>
 
-<file path=ppt/tags/tag31.xml><?xml version="1.0" encoding="utf-8"?>
+<file path=ppt/tags/tag37.xml><?xml version="1.0" encoding="utf-8"?>
 <p:tagLst xmlns:a="http://schemas.openxmlformats.org/drawingml/2006/main" xmlns:r="http://schemas.openxmlformats.org/officeDocument/2006/relationships" xmlns:p="http://schemas.openxmlformats.org/presentationml/2006/main">
   <p:tag name="OUTPUTDPI" val="1200"/>
   <p:tag name="ORIGINALHEIGHT" val="125.9843"/>
@@ -44992,7 +45916,7 @@
 </p:tagLst>
 </file>
 
-<file path=ppt/tags/tag32.xml><?xml version="1.0" encoding="utf-8"?>
+<file path=ppt/tags/tag38.xml><?xml version="1.0" encoding="utf-8"?>
 <p:tagLst xmlns:a="http://schemas.openxmlformats.org/drawingml/2006/main" xmlns:r="http://schemas.openxmlformats.org/officeDocument/2006/relationships" xmlns:p="http://schemas.openxmlformats.org/presentationml/2006/main">
   <p:tag name="OUTPUTDPI" val="1200"/>
   <p:tag name="ORIGINALHEIGHT" val="107.9865"/>
@@ -45011,7 +45935,7 @@
 </p:tagLst>
 </file>
 
-<file path=ppt/tags/tag33.xml><?xml version="1.0" encoding="utf-8"?>
+<file path=ppt/tags/tag39.xml><?xml version="1.0" encoding="utf-8"?>
 <p:tagLst xmlns:a="http://schemas.openxmlformats.org/drawingml/2006/main" xmlns:r="http://schemas.openxmlformats.org/officeDocument/2006/relationships" xmlns:p="http://schemas.openxmlformats.org/presentationml/2006/main">
   <p:tag name="OUTPUTDPI" val="1200"/>
   <p:tag name="ORIGINALHEIGHT" val="275.9655"/>
@@ -45030,7 +45954,26 @@
 </p:tagLst>
 </file>
 
-<file path=ppt/tags/tag34.xml><?xml version="1.0" encoding="utf-8"?>
+<file path=ppt/tags/tag4.xml><?xml version="1.0" encoding="utf-8"?>
+<p:tagLst xmlns:a="http://schemas.openxmlformats.org/drawingml/2006/main" xmlns:r="http://schemas.openxmlformats.org/officeDocument/2006/relationships" xmlns:p="http://schemas.openxmlformats.org/presentationml/2006/main">
+  <p:tag name="OUTPUTDPI" val="1200"/>
+  <p:tag name="ORIGINALHEIGHT" val="260.2175"/>
+  <p:tag name="ORIGINALWIDTH" val="477.6903"/>
+  <p:tag name="LATEXADDIN" val="\documentclass{article}&#10;\usepackage{amsmath}&#10;\usepackage{xcolor}&#10;\pagestyle{empty}&#10;\begin{document}&#10;&#10;\definecolor{Monred}{RGB}{172,0,0}&#10;&#10;$$&#10;G = \frac{\Delta V}{\Delta h}&#10;$$&#10;&#10;&#10;\end{document}"/>
+  <p:tag name="IGUANATEXSIZE" val="20"/>
+  <p:tag name="IGUANATEXCURSOR" val="169"/>
+  <p:tag name="TRANSPARENCY" val="True"/>
+  <p:tag name="FILENAME" val=""/>
+  <p:tag name="LATEXENGINEID" val="0"/>
+  <p:tag name="TEMPFOLDER" val="c:\temp\"/>
+  <p:tag name="LATEXFORMHEIGHT" val="312"/>
+  <p:tag name="LATEXFORMWIDTH" val="384"/>
+  <p:tag name="LATEXFORMWRAP" val="True"/>
+  <p:tag name="BITMAPVECTOR" val="0"/>
+</p:tagLst>
+</file>
+
+<file path=ppt/tags/tag40.xml><?xml version="1.0" encoding="utf-8"?>
 <p:tagLst xmlns:a="http://schemas.openxmlformats.org/drawingml/2006/main" xmlns:r="http://schemas.openxmlformats.org/officeDocument/2006/relationships" xmlns:p="http://schemas.openxmlformats.org/presentationml/2006/main">
   <p:tag name="OUTPUTDPI" val="1200"/>
   <p:tag name="ORIGINALHEIGHT" val="275.9655"/>
@@ -45049,7 +45992,7 @@
 </p:tagLst>
 </file>
 
-<file path=ppt/tags/tag35.xml><?xml version="1.0" encoding="utf-8"?>
+<file path=ppt/tags/tag41.xml><?xml version="1.0" encoding="utf-8"?>
 <p:tagLst xmlns:a="http://schemas.openxmlformats.org/drawingml/2006/main" xmlns:r="http://schemas.openxmlformats.org/officeDocument/2006/relationships" xmlns:p="http://schemas.openxmlformats.org/presentationml/2006/main">
   <p:tag name="OUTPUTDPI" val="1200"/>
   <p:tag name="ORIGINALHEIGHT" val="260.2175"/>
@@ -45068,7 +46011,7 @@
 </p:tagLst>
 </file>
 
-<file path=ppt/tags/tag36.xml><?xml version="1.0" encoding="utf-8"?>
+<file path=ppt/tags/tag42.xml><?xml version="1.0" encoding="utf-8"?>
 <p:tagLst xmlns:a="http://schemas.openxmlformats.org/drawingml/2006/main" xmlns:r="http://schemas.openxmlformats.org/officeDocument/2006/relationships" xmlns:p="http://schemas.openxmlformats.org/presentationml/2006/main">
   <p:tag name="OUTPUTDPI" val="1200"/>
   <p:tag name="ORIGINALHEIGHT" val="105.7368"/>
@@ -45087,7 +46030,7 @@
 </p:tagLst>
 </file>
 
-<file path=ppt/tags/tag37.xml><?xml version="1.0" encoding="utf-8"?>
+<file path=ppt/tags/tag43.xml><?xml version="1.0" encoding="utf-8"?>
 <p:tagLst xmlns:a="http://schemas.openxmlformats.org/drawingml/2006/main" xmlns:r="http://schemas.openxmlformats.org/officeDocument/2006/relationships" xmlns:p="http://schemas.openxmlformats.org/presentationml/2006/main">
   <p:tag name="OUTPUTDPI" val="1200"/>
   <p:tag name="ORIGINALHEIGHT" val="113.2358"/>
@@ -45106,7 +46049,7 @@
 </p:tagLst>
 </file>
 
-<file path=ppt/tags/tag38.xml><?xml version="1.0" encoding="utf-8"?>
+<file path=ppt/tags/tag44.xml><?xml version="1.0" encoding="utf-8"?>
 <p:tagLst xmlns:a="http://schemas.openxmlformats.org/drawingml/2006/main" xmlns:r="http://schemas.openxmlformats.org/officeDocument/2006/relationships" xmlns:p="http://schemas.openxmlformats.org/presentationml/2006/main">
   <p:tag name="OUTPUTDPI" val="1200"/>
   <p:tag name="ORIGINALHEIGHT" val="106.4867"/>
@@ -45125,7 +46068,7 @@
 </p:tagLst>
 </file>
 
-<file path=ppt/tags/tag39.xml><?xml version="1.0" encoding="utf-8"?>
+<file path=ppt/tags/tag45.xml><?xml version="1.0" encoding="utf-8"?>
 <p:tagLst xmlns:a="http://schemas.openxmlformats.org/drawingml/2006/main" xmlns:r="http://schemas.openxmlformats.org/officeDocument/2006/relationships" xmlns:p="http://schemas.openxmlformats.org/presentationml/2006/main">
   <p:tag name="OUTPUTDPI" val="1200"/>
   <p:tag name="ORIGINALHEIGHT" val="260.2175"/>
@@ -45144,26 +46087,7 @@
 </p:tagLst>
 </file>
 
-<file path=ppt/tags/tag4.xml><?xml version="1.0" encoding="utf-8"?>
-<p:tagLst xmlns:a="http://schemas.openxmlformats.org/drawingml/2006/main" xmlns:r="http://schemas.openxmlformats.org/officeDocument/2006/relationships" xmlns:p="http://schemas.openxmlformats.org/presentationml/2006/main">
-  <p:tag name="OUTPUTDPI" val="1200"/>
-  <p:tag name="ORIGINALHEIGHT" val="307.4616"/>
-  <p:tag name="ORIGINALWIDTH" val="2844.394"/>
-  <p:tag name="LATEXADDIN" val="\documentclass{article}&#10;\usepackage{amsmath}&#10;\usepackage{xcolor}&#10;\pagestyle{empty}&#10;\begin{document}&#10;&#10;\definecolor{Monred}{RGB}{172,0,0}&#10;\definecolor{DarkGreen}{RGB}{0,120,0}&#10;&#10;$$\textcolor{DarkGreen}{&#10;L_{Min, \, head loss} = L = \left( \frac{g h_{L_{Max}} \pi D^4}{128 \nu Q_{Max}} - \frac{Q_{Max}}{16 \pi \nu} \sum{K_e} \right)&#10;}$$&#10;&#10;&#10;\end{document}"/>
-  <p:tag name="IGUANATEXSIZE" val="20"/>
-  <p:tag name="IGUANATEXCURSOR" val="169"/>
-  <p:tag name="TRANSPARENCY" val="True"/>
-  <p:tag name="FILENAME" val=""/>
-  <p:tag name="LATEXENGINEID" val="0"/>
-  <p:tag name="TEMPFOLDER" val="c:\temp\"/>
-  <p:tag name="LATEXFORMHEIGHT" val="312"/>
-  <p:tag name="LATEXFORMWIDTH" val="384"/>
-  <p:tag name="LATEXFORMWRAP" val="True"/>
-  <p:tag name="BITMAPVECTOR" val="0"/>
-</p:tagLst>
-</file>
-
-<file path=ppt/tags/tag40.xml><?xml version="1.0" encoding="utf-8"?>
+<file path=ppt/tags/tag46.xml><?xml version="1.0" encoding="utf-8"?>
 <p:tagLst xmlns:a="http://schemas.openxmlformats.org/drawingml/2006/main" xmlns:r="http://schemas.openxmlformats.org/officeDocument/2006/relationships" xmlns:p="http://schemas.openxmlformats.org/presentationml/2006/main">
   <p:tag name="OUTPUTDPI" val="1200"/>
   <p:tag name="ORIGINALHEIGHT" val="105.7368"/>
@@ -45182,7 +46106,7 @@
 </p:tagLst>
 </file>
 
-<file path=ppt/tags/tag41.xml><?xml version="1.0" encoding="utf-8"?>
+<file path=ppt/tags/tag47.xml><?xml version="1.0" encoding="utf-8"?>
 <p:tagLst xmlns:a="http://schemas.openxmlformats.org/drawingml/2006/main" xmlns:r="http://schemas.openxmlformats.org/officeDocument/2006/relationships" xmlns:p="http://schemas.openxmlformats.org/presentationml/2006/main">
   <p:tag name="OUTPUTDPI" val="1200"/>
   <p:tag name="ORIGINALHEIGHT" val="113.2358"/>
@@ -45201,7 +46125,7 @@
 </p:tagLst>
 </file>
 
-<file path=ppt/tags/tag42.xml><?xml version="1.0" encoding="utf-8"?>
+<file path=ppt/tags/tag48.xml><?xml version="1.0" encoding="utf-8"?>
 <p:tagLst xmlns:a="http://schemas.openxmlformats.org/drawingml/2006/main" xmlns:r="http://schemas.openxmlformats.org/officeDocument/2006/relationships" xmlns:p="http://schemas.openxmlformats.org/presentationml/2006/main">
   <p:tag name="OUTPUTDPI" val="1200"/>
   <p:tag name="ORIGINALHEIGHT" val="106.4867"/>
@@ -45223,11 +46147,11 @@
 <file path=ppt/tags/tag5.xml><?xml version="1.0" encoding="utf-8"?>
 <p:tagLst xmlns:a="http://schemas.openxmlformats.org/drawingml/2006/main" xmlns:r="http://schemas.openxmlformats.org/officeDocument/2006/relationships" xmlns:p="http://schemas.openxmlformats.org/presentationml/2006/main">
   <p:tag name="OUTPUTDPI" val="1200"/>
-  <p:tag name="ORIGINALHEIGHT" val="299.2126"/>
-  <p:tag name="ORIGINALWIDTH" val="2362.205"/>
-  <p:tag name="LATEXADDIN" val="\documentclass{article}&#10;\usepackage{amsmath}&#10;\usepackage{xcolor}&#10;\pagestyle{empty}&#10;\begin{document}&#10;&#10;\definecolor{Monred}{RGB}{172,0,0}&#10;&#10;&#10;$$\color{red}{&#10;  L_{Min, \, \Pi_{Error}} = \left( \frac{1 - \Pi_{Error}}{\Pi_{Error}} \right) \frac{Q_{Max}}{16 \nu \pi} \sum{K_e} &#10;  }$$&#10;&#10;\end{document}"/>
+  <p:tag name="ORIGINALHEIGHT" val="104.237"/>
+  <p:tag name="ORIGINALWIDTH" val="107.2366"/>
+  <p:tag name="LATEXADDIN" val="\documentclass{article}&#10;\usepackage{amsmath}&#10;\usepackage{xcolor}&#10;\pagestyle{empty}&#10;\begin{document}&#10;&#10;\definecolor{Monred}{RGB}{172,0,0}&#10;&#10;$$\color{white}{V_1}$$&#10;&#10;&#10;\end{document}"/>
   <p:tag name="IGUANATEXSIZE" val="20"/>
-  <p:tag name="IGUANATEXCURSOR" val="275"/>
+  <p:tag name="IGUANATEXCURSOR" val="156"/>
   <p:tag name="TRANSPARENCY" val="True"/>
   <p:tag name="FILENAME" val=""/>
   <p:tag name="LATEXENGINEID" val="0"/>
@@ -45242,11 +46166,11 @@
 <file path=ppt/tags/tag6.xml><?xml version="1.0" encoding="utf-8"?>
 <p:tagLst xmlns:a="http://schemas.openxmlformats.org/drawingml/2006/main" xmlns:r="http://schemas.openxmlformats.org/officeDocument/2006/relationships" xmlns:p="http://schemas.openxmlformats.org/presentationml/2006/main">
   <p:tag name="OUTPUTDPI" val="1200"/>
-  <p:tag name="ORIGINALHEIGHT" val="105.7368"/>
-  <p:tag name="ORIGINALWIDTH" val="553.4308"/>
-  <p:tag name="LATEXADDIN" val="\documentclass{article}&#10;\usepackage{amsmath}&#10;\pagestyle{empty}&#10;\begin{document}&#10;&#10;&#10;$$h_l = 20cm$$&#10;&#10;\end{document}"/>
+  <p:tag name="ORIGINALHEIGHT" val="91.48859"/>
+  <p:tag name="ORIGINALWIDTH" val="194.2258"/>
+  <p:tag name="LATEXADDIN" val="\documentclass{article}&#10;\usepackage{amsmath}&#10;\usepackage{xcolor}&#10;\pagestyle{empty}&#10;\begin{document}&#10;&#10;\definecolor{Monred}{RGB}{172,0,0}&#10;&#10;$$&#10;\Delta V&#10;$$&#10;&#10;&#10;\end{document}"/>
   <p:tag name="IGUANATEXSIZE" val="20"/>
-  <p:tag name="IGUANATEXCURSOR" val="96"/>
+  <p:tag name="IGUANATEXCURSOR" val="148"/>
   <p:tag name="TRANSPARENCY" val="True"/>
   <p:tag name="FILENAME" val=""/>
   <p:tag name="LATEXENGINEID" val="0"/>
@@ -45260,31 +46184,19 @@
 
 <file path=ppt/tags/tag7.xml><?xml version="1.0" encoding="utf-8"?>
 <p:tagLst xmlns:a="http://schemas.openxmlformats.org/drawingml/2006/main" xmlns:r="http://schemas.openxmlformats.org/officeDocument/2006/relationships" xmlns:p="http://schemas.openxmlformats.org/presentationml/2006/main">
-  <p:tag name="OUTPUTDPI" val="1200"/>
-  <p:tag name="ORIGINALHEIGHT" val="104.9868"/>
-  <p:tag name="ORIGINALWIDTH" val="684.6644"/>
-  <p:tag name="LATEXADDIN" val="\documentclass{article}&#10;\usepackage{amsmath}&#10;\pagestyle{empty}&#10;\begin{document}&#10;&#10;$$\Pi_{Error} = 0.1$$&#10;&#10;&#10;\end{document}"/>
-  <p:tag name="IGUANATEXSIZE" val="20"/>
-  <p:tag name="IGUANATEXCURSOR" val="102"/>
-  <p:tag name="TRANSPARENCY" val="True"/>
-  <p:tag name="FILENAME" val=""/>
-  <p:tag name="LATEXENGINEID" val="0"/>
-  <p:tag name="TEMPFOLDER" val="c:\temp\"/>
-  <p:tag name="LATEXFORMHEIGHT" val="312"/>
-  <p:tag name="LATEXFORMWIDTH" val="384"/>
-  <p:tag name="LATEXFORMWRAP" val="True"/>
-  <p:tag name="BITMAPVECTOR" val="0"/>
+  <p:tag name="SELECTIONNAME" val="Group 27"/>
+  <p:tag name="LAYER" val="2"/>
 </p:tagLst>
 </file>
 
 <file path=ppt/tags/tag8.xml><?xml version="1.0" encoding="utf-8"?>
 <p:tagLst xmlns:a="http://schemas.openxmlformats.org/drawingml/2006/main" xmlns:r="http://schemas.openxmlformats.org/officeDocument/2006/relationships" xmlns:p="http://schemas.openxmlformats.org/presentationml/2006/main">
   <p:tag name="OUTPUTDPI" val="1200"/>
-  <p:tag name="ORIGINALHEIGHT" val="275.2156"/>
-  <p:tag name="ORIGINALWIDTH" val="667.4166"/>
-  <p:tag name="LATEXADDIN" val="\documentclass{article}&#10;\usepackage{amsmath}&#10;\usepackage{xcolor}&#10;\pagestyle{empty}&#10;\begin{document}&#10;&#10;\definecolor{Monred}{RGB}{172,0,0}&#10;&#10;$$\nu = 1.0 \rm{\frac{mm^2}{s}}$$&#10;&#10;&#10;&#10;\end{document}"/>
+  <p:tag name="ORIGINALHEIGHT" val="90.73866"/>
+  <p:tag name="ORIGINALWIDTH" val="166.4792"/>
+  <p:tag name="LATEXADDIN" val="\documentclass{article}&#10;\usepackage{amsmath}&#10;\usepackage{xcolor}&#10;\pagestyle{empty}&#10;\begin{document}&#10;&#10;\definecolor{Monred}{RGB}{172,0,0}&#10;&#10;$$&#10;\Delta h&#10;$$&#10;&#10;&#10;\end{document}"/>
   <p:tag name="IGUANATEXSIZE" val="20"/>
-  <p:tag name="IGUANATEXCURSOR" val="171"/>
+  <p:tag name="IGUANATEXCURSOR" val="147"/>
   <p:tag name="TRANSPARENCY" val="True"/>
   <p:tag name="FILENAME" val=""/>
   <p:tag name="LATEXENGINEID" val="0"/>
@@ -45299,11 +46211,11 @@
 <file path=ppt/tags/tag9.xml><?xml version="1.0" encoding="utf-8"?>
 <p:tagLst xmlns:a="http://schemas.openxmlformats.org/drawingml/2006/main" xmlns:r="http://schemas.openxmlformats.org/officeDocument/2006/relationships" xmlns:p="http://schemas.openxmlformats.org/presentationml/2006/main">
   <p:tag name="OUTPUTDPI" val="1200"/>
-  <p:tag name="ORIGINALHEIGHT" val="174.7282"/>
-  <p:tag name="ORIGINALWIDTH" val="575.1781"/>
-  <p:tag name="LATEXADDIN" val="\documentclass{article}&#10;\usepackage{amsmath}&#10;\usepackage{xcolor}&#10;\pagestyle{empty}&#10;\begin{document}&#10;&#10;\definecolor{Monred}{RGB}{172,0,0}&#10;&#10;&#10;$$\sum K_e = 2$$&#10;&#10;\end{document}"/>
+  <p:tag name="ORIGINALHEIGHT" val="104.237"/>
+  <p:tag name="ORIGINALWIDTH" val="110.2362"/>
+  <p:tag name="LATEXADDIN" val="\documentclass{article}&#10;\usepackage{amsmath}&#10;\usepackage{xcolor}&#10;\pagestyle{empty}&#10;\begin{document}&#10;&#10;\definecolor{Monred}{RGB}{172,0,0}&#10;&#10;$$\color{white}{V_2}$$&#10;&#10;&#10;\end{document}"/>
   <p:tag name="IGUANATEXSIZE" val="20"/>
-  <p:tag name="IGUANATEXCURSOR" val="152"/>
+  <p:tag name="IGUANATEXCURSOR" val="156"/>
   <p:tag name="TRANSPARENCY" val="True"/>
   <p:tag name="FILENAME" val=""/>
   <p:tag name="LATEXENGINEID" val="0"/>

--- a/AguaClara Water Treatment Plant Design/Diagrams.pptx
+++ b/AguaClara Water Treatment Plant Design/Diagrams.pptx
@@ -35710,10 +35710,10 @@
       </p:grpSpPr>
       <p:grpSp>
         <p:nvGrpSpPr>
-          <p:cNvPr id="43" name="Group 42">
+          <p:cNvPr id="7" name="Group 6">
             <a:extLst>
               <a:ext uri="{FF2B5EF4-FFF2-40B4-BE49-F238E27FC236}">
-                <a16:creationId xmlns:a16="http://schemas.microsoft.com/office/drawing/2014/main" id="{4B8A7A9B-D81C-4DAC-8311-C14DC08A08AA}"/>
+                <a16:creationId xmlns:a16="http://schemas.microsoft.com/office/drawing/2014/main" id="{D9D65AA4-181A-48F5-972D-0911D3F453E1}"/>
               </a:ext>
             </a:extLst>
           </p:cNvPr>
@@ -35723,9 +35723,9 @@
         <p:grpSpPr>
           <a:xfrm>
             <a:off x="4137563" y="2208179"/>
-            <a:ext cx="6074380" cy="3338936"/>
+            <a:ext cx="6074380" cy="3440437"/>
             <a:chOff x="4137563" y="2208179"/>
-            <a:chExt cx="6074380" cy="3338936"/>
+            <a:chExt cx="6074380" cy="3440437"/>
           </a:xfrm>
         </p:grpSpPr>
         <p:grpSp>
@@ -36448,10 +36448,10 @@
         </p:grpSp>
         <p:pic>
           <p:nvPicPr>
-            <p:cNvPr id="42" name="Picture 41">
+            <p:cNvPr id="6" name="Picture 5">
               <a:extLst>
                 <a:ext uri="{FF2B5EF4-FFF2-40B4-BE49-F238E27FC236}">
-                  <a16:creationId xmlns:a16="http://schemas.microsoft.com/office/drawing/2014/main" id="{9D5A3102-7087-474F-B7F1-B851DF5ED736}"/>
+                  <a16:creationId xmlns:a16="http://schemas.microsoft.com/office/drawing/2014/main" id="{1F373B75-F39B-4CDB-91F1-438AC42924E4}"/>
                 </a:ext>
               </a:extLst>
             </p:cNvPr>
@@ -36478,8 +36478,8 @@
           </p:blipFill>
           <p:spPr>
             <a:xfrm>
-              <a:off x="6394944" y="4823707"/>
-              <a:ext cx="1327986" cy="723408"/>
+              <a:off x="5539633" y="4843903"/>
+              <a:ext cx="4357128" cy="804713"/>
             </a:xfrm>
             <a:prstGeom prst="rect">
               <a:avLst/>
@@ -45957,11 +45957,11 @@
 <file path=ppt/tags/tag4.xml><?xml version="1.0" encoding="utf-8"?>
 <p:tagLst xmlns:a="http://schemas.openxmlformats.org/drawingml/2006/main" xmlns:r="http://schemas.openxmlformats.org/officeDocument/2006/relationships" xmlns:p="http://schemas.openxmlformats.org/presentationml/2006/main">
   <p:tag name="OUTPUTDPI" val="1200"/>
-  <p:tag name="ORIGINALHEIGHT" val="260.2175"/>
-  <p:tag name="ORIGINALWIDTH" val="477.6903"/>
-  <p:tag name="LATEXADDIN" val="\documentclass{article}&#10;\usepackage{amsmath}&#10;\usepackage{xcolor}&#10;\pagestyle{empty}&#10;\begin{document}&#10;&#10;\definecolor{Monred}{RGB}{172,0,0}&#10;&#10;$$&#10;G = \frac{\Delta V}{\Delta h}&#10;$$&#10;&#10;&#10;\end{document}"/>
+  <p:tag name="ORIGINALHEIGHT" val="289.4638"/>
+  <p:tag name="ORIGINALWIDTH" val="1567.304"/>
+  <p:tag name="LATEXADDIN" val="\documentclass{article}&#10;\usepackage{amsmath}&#10;\usepackage{xcolor}&#10;\pagestyle{empty}&#10;\begin{document}&#10;&#10;\definecolor{Monred}{RGB}{172,0,0}&#10;&#10;$$&#10;G = \frac{\Delta V}{\Delta h}, \,\,\,\,\, G \, {\rm has \, units \, of \,} \frac{1}{[T]}&#10;$$&#10;&#10;&#10;\end{document}"/>
   <p:tag name="IGUANATEXSIZE" val="20"/>
-  <p:tag name="IGUANATEXCURSOR" val="169"/>
+  <p:tag name="IGUANATEXCURSOR" val="212"/>
   <p:tag name="TRANSPARENCY" val="True"/>
   <p:tag name="FILENAME" val=""/>
   <p:tag name="LATEXENGINEID" val="0"/>

--- a/AguaClara Water Treatment Plant Design/Diagrams.pptx
+++ b/AguaClara Water Treatment Plant Design/Diagrams.pptx
@@ -8,25 +8,26 @@
     <p:sldId id="256" r:id="rId2"/>
     <p:sldId id="275" r:id="rId3"/>
     <p:sldId id="273" r:id="rId4"/>
-    <p:sldId id="278" r:id="rId5"/>
-    <p:sldId id="277" r:id="rId6"/>
-    <p:sldId id="276" r:id="rId7"/>
-    <p:sldId id="274" r:id="rId8"/>
-    <p:sldId id="270" r:id="rId9"/>
-    <p:sldId id="257" r:id="rId10"/>
-    <p:sldId id="258" r:id="rId11"/>
-    <p:sldId id="266" r:id="rId12"/>
-    <p:sldId id="259" r:id="rId13"/>
-    <p:sldId id="263" r:id="rId14"/>
-    <p:sldId id="269" r:id="rId15"/>
-    <p:sldId id="264" r:id="rId16"/>
-    <p:sldId id="265" r:id="rId17"/>
-    <p:sldId id="267" r:id="rId18"/>
-    <p:sldId id="271" r:id="rId19"/>
-    <p:sldId id="268" r:id="rId20"/>
-    <p:sldId id="261" r:id="rId21"/>
-    <p:sldId id="272" r:id="rId22"/>
-    <p:sldId id="262" r:id="rId23"/>
+    <p:sldId id="279" r:id="rId5"/>
+    <p:sldId id="278" r:id="rId6"/>
+    <p:sldId id="277" r:id="rId7"/>
+    <p:sldId id="276" r:id="rId8"/>
+    <p:sldId id="274" r:id="rId9"/>
+    <p:sldId id="270" r:id="rId10"/>
+    <p:sldId id="257" r:id="rId11"/>
+    <p:sldId id="258" r:id="rId12"/>
+    <p:sldId id="266" r:id="rId13"/>
+    <p:sldId id="259" r:id="rId14"/>
+    <p:sldId id="263" r:id="rId15"/>
+    <p:sldId id="269" r:id="rId16"/>
+    <p:sldId id="264" r:id="rId17"/>
+    <p:sldId id="265" r:id="rId18"/>
+    <p:sldId id="267" r:id="rId19"/>
+    <p:sldId id="271" r:id="rId20"/>
+    <p:sldId id="268" r:id="rId21"/>
+    <p:sldId id="261" r:id="rId22"/>
+    <p:sldId id="272" r:id="rId23"/>
+    <p:sldId id="262" r:id="rId24"/>
   </p:sldIdLst>
   <p:sldSz cx="12192000" cy="6858000"/>
   <p:notesSz cx="6858000" cy="9144000"/>
@@ -4931,6 +4932,1822 @@
       </p:grpSpPr>
       <p:grpSp>
         <p:nvGrpSpPr>
+          <p:cNvPr id="5" name="Group 4">
+            <a:extLst>
+              <a:ext uri="{FF2B5EF4-FFF2-40B4-BE49-F238E27FC236}">
+                <a16:creationId xmlns:a16="http://schemas.microsoft.com/office/drawing/2014/main" id="{8BB3DBA1-51AB-47EB-BA39-EB7F3A3B77D6}"/>
+              </a:ext>
+            </a:extLst>
+          </p:cNvPr>
+          <p:cNvGrpSpPr/>
+          <p:nvPr/>
+        </p:nvGrpSpPr>
+        <p:grpSpPr>
+          <a:xfrm>
+            <a:off x="326137" y="1640063"/>
+            <a:ext cx="7421728" cy="1485779"/>
+            <a:chOff x="326137" y="1640063"/>
+            <a:chExt cx="7421728" cy="1485779"/>
+          </a:xfrm>
+        </p:grpSpPr>
+        <p:grpSp>
+          <p:nvGrpSpPr>
+            <p:cNvPr id="3" name="Group 2">
+              <a:extLst>
+                <a:ext uri="{FF2B5EF4-FFF2-40B4-BE49-F238E27FC236}">
+                  <a16:creationId xmlns:a16="http://schemas.microsoft.com/office/drawing/2014/main" id="{6B33F7C9-2F8E-412F-93CB-B2AC963821D5}"/>
+                </a:ext>
+              </a:extLst>
+            </p:cNvPr>
+            <p:cNvGrpSpPr/>
+            <p:nvPr/>
+          </p:nvGrpSpPr>
+          <p:grpSpPr>
+            <a:xfrm>
+              <a:off x="326137" y="1816100"/>
+              <a:ext cx="7421728" cy="1309742"/>
+              <a:chOff x="326137" y="1816100"/>
+              <a:chExt cx="7421728" cy="1309742"/>
+            </a:xfrm>
+          </p:grpSpPr>
+          <p:grpSp>
+            <p:nvGrpSpPr>
+              <p:cNvPr id="2" name="Group 1">
+                <a:extLst>
+                  <a:ext uri="{FF2B5EF4-FFF2-40B4-BE49-F238E27FC236}">
+                    <a16:creationId xmlns:a16="http://schemas.microsoft.com/office/drawing/2014/main" id="{2FD5A4B2-AEFF-4F46-A113-4A7DC3B9A6DE}"/>
+                  </a:ext>
+                </a:extLst>
+              </p:cNvPr>
+              <p:cNvGrpSpPr/>
+              <p:nvPr/>
+            </p:nvGrpSpPr>
+            <p:grpSpPr>
+              <a:xfrm>
+                <a:off x="326137" y="1816100"/>
+                <a:ext cx="7421728" cy="1309742"/>
+                <a:chOff x="326137" y="1816100"/>
+                <a:chExt cx="7421728" cy="1309742"/>
+              </a:xfrm>
+            </p:grpSpPr>
+            <p:sp>
+              <p:nvSpPr>
+                <p:cNvPr id="23" name="Rectangle 24">
+                  <a:extLst>
+                    <a:ext uri="{FF2B5EF4-FFF2-40B4-BE49-F238E27FC236}">
+                      <a16:creationId xmlns:a16="http://schemas.microsoft.com/office/drawing/2014/main" id="{DC1F7809-2FD3-4B9B-BA3C-BB60F4C22CD5}"/>
+                    </a:ext>
+                  </a:extLst>
+                </p:cNvPr>
+                <p:cNvSpPr>
+                  <a:spLocks noChangeArrowheads="1"/>
+                </p:cNvSpPr>
+                <p:nvPr/>
+              </p:nvSpPr>
+              <p:spPr bwMode="auto">
+                <a:xfrm>
+                  <a:off x="3796525" y="2759075"/>
+                  <a:ext cx="362280" cy="366767"/>
+                </a:xfrm>
+                <a:prstGeom prst="rect">
+                  <a:avLst/>
+                </a:prstGeom>
+                <a:noFill/>
+                <a:ln w="12700">
+                  <a:noFill/>
+                  <a:miter lim="800000"/>
+                  <a:headEnd/>
+                  <a:tailEnd/>
+                </a:ln>
+              </p:spPr>
+              <p:txBody>
+                <a:bodyPr wrap="none" lIns="90488" tIns="44450" rIns="90488" bIns="44450">
+                  <a:spAutoFit/>
+                </a:bodyPr>
+                <a:lstStyle/>
+                <a:p>
+                  <a:r>
+                    <a:rPr lang="en-US" sz="1800" dirty="0">
+                      <a:latin typeface="Times New Roman" panose="02020603050405020304" pitchFamily="18" charset="0"/>
+                      <a:cs typeface="Times New Roman" panose="02020603050405020304" pitchFamily="18" charset="0"/>
+                    </a:rPr>
+                    <a:t>in</a:t>
+                  </a:r>
+                </a:p>
+              </p:txBody>
+            </p:sp>
+            <p:sp>
+              <p:nvSpPr>
+                <p:cNvPr id="24" name="Rectangle 25">
+                  <a:extLst>
+                    <a:ext uri="{FF2B5EF4-FFF2-40B4-BE49-F238E27FC236}">
+                      <a16:creationId xmlns:a16="http://schemas.microsoft.com/office/drawing/2014/main" id="{492488D3-6357-43D9-964E-7FFB4DF26363}"/>
+                    </a:ext>
+                  </a:extLst>
+                </p:cNvPr>
+                <p:cNvSpPr>
+                  <a:spLocks noChangeArrowheads="1"/>
+                </p:cNvSpPr>
+                <p:nvPr/>
+              </p:nvSpPr>
+              <p:spPr bwMode="auto">
+                <a:xfrm>
+                  <a:off x="5205413" y="2757488"/>
+                  <a:ext cx="567777" cy="366767"/>
+                </a:xfrm>
+                <a:prstGeom prst="rect">
+                  <a:avLst/>
+                </a:prstGeom>
+                <a:noFill/>
+                <a:ln w="12700">
+                  <a:noFill/>
+                  <a:miter lim="800000"/>
+                  <a:headEnd/>
+                  <a:tailEnd/>
+                </a:ln>
+              </p:spPr>
+              <p:txBody>
+                <a:bodyPr wrap="square" lIns="90488" tIns="44450" rIns="90488" bIns="44450">
+                  <a:spAutoFit/>
+                </a:bodyPr>
+                <a:lstStyle/>
+                <a:p>
+                  <a:r>
+                    <a:rPr lang="en-US" sz="1800" dirty="0">
+                      <a:latin typeface="Times New Roman" panose="02020603050405020304" pitchFamily="18" charset="0"/>
+                      <a:cs typeface="Times New Roman" panose="02020603050405020304" pitchFamily="18" charset="0"/>
+                    </a:rPr>
+                    <a:t>out</a:t>
+                  </a:r>
+                </a:p>
+              </p:txBody>
+            </p:sp>
+            <p:sp>
+              <p:nvSpPr>
+                <p:cNvPr id="25" name="Freeform 23">
+                  <a:extLst>
+                    <a:ext uri="{FF2B5EF4-FFF2-40B4-BE49-F238E27FC236}">
+                      <a16:creationId xmlns:a16="http://schemas.microsoft.com/office/drawing/2014/main" id="{9142750E-6941-46D8-885D-85A33455C45B}"/>
+                    </a:ext>
+                  </a:extLst>
+                </p:cNvPr>
+                <p:cNvSpPr>
+                  <a:spLocks/>
+                </p:cNvSpPr>
+                <p:nvPr/>
+              </p:nvSpPr>
+              <p:spPr bwMode="auto">
+                <a:xfrm>
+                  <a:off x="1676400" y="1816100"/>
+                  <a:ext cx="4406900" cy="774700"/>
+                </a:xfrm>
+                <a:custGeom>
+                  <a:avLst/>
+                  <a:gdLst>
+                    <a:gd name="T0" fmla="*/ 0 w 2776"/>
+                    <a:gd name="T1" fmla="*/ 546100 h 488"/>
+                    <a:gd name="T2" fmla="*/ 2209800 w 2776"/>
+                    <a:gd name="T3" fmla="*/ 546100 h 488"/>
+                    <a:gd name="T4" fmla="*/ 2209800 w 2776"/>
+                    <a:gd name="T5" fmla="*/ 774700 h 488"/>
+                    <a:gd name="T6" fmla="*/ 4406900 w 2776"/>
+                    <a:gd name="T7" fmla="*/ 774700 h 488"/>
+                    <a:gd name="T8" fmla="*/ 4406900 w 2776"/>
+                    <a:gd name="T9" fmla="*/ 0 h 488"/>
+                    <a:gd name="T10" fmla="*/ 2209800 w 2776"/>
+                    <a:gd name="T11" fmla="*/ 0 h 488"/>
+                    <a:gd name="T12" fmla="*/ 2209800 w 2776"/>
+                    <a:gd name="T13" fmla="*/ 241300 h 488"/>
+                    <a:gd name="T14" fmla="*/ 0 w 2776"/>
+                    <a:gd name="T15" fmla="*/ 241300 h 488"/>
+                    <a:gd name="T16" fmla="*/ 0 60000 65536"/>
+                    <a:gd name="T17" fmla="*/ 0 60000 65536"/>
+                    <a:gd name="T18" fmla="*/ 0 60000 65536"/>
+                    <a:gd name="T19" fmla="*/ 0 60000 65536"/>
+                    <a:gd name="T20" fmla="*/ 0 60000 65536"/>
+                    <a:gd name="T21" fmla="*/ 0 60000 65536"/>
+                    <a:gd name="T22" fmla="*/ 0 60000 65536"/>
+                    <a:gd name="T23" fmla="*/ 0 60000 65536"/>
+                    <a:gd name="T24" fmla="*/ 0 w 2776"/>
+                    <a:gd name="T25" fmla="*/ 0 h 488"/>
+                    <a:gd name="T26" fmla="*/ 2776 w 2776"/>
+                    <a:gd name="T27" fmla="*/ 488 h 488"/>
+                  </a:gdLst>
+                  <a:ahLst/>
+                  <a:cxnLst>
+                    <a:cxn ang="T16">
+                      <a:pos x="T0" y="T1"/>
+                    </a:cxn>
+                    <a:cxn ang="T17">
+                      <a:pos x="T2" y="T3"/>
+                    </a:cxn>
+                    <a:cxn ang="T18">
+                      <a:pos x="T4" y="T5"/>
+                    </a:cxn>
+                    <a:cxn ang="T19">
+                      <a:pos x="T6" y="T7"/>
+                    </a:cxn>
+                    <a:cxn ang="T20">
+                      <a:pos x="T8" y="T9"/>
+                    </a:cxn>
+                    <a:cxn ang="T21">
+                      <a:pos x="T10" y="T11"/>
+                    </a:cxn>
+                    <a:cxn ang="T22">
+                      <a:pos x="T12" y="T13"/>
+                    </a:cxn>
+                    <a:cxn ang="T23">
+                      <a:pos x="T14" y="T15"/>
+                    </a:cxn>
+                  </a:cxnLst>
+                  <a:rect l="T24" t="T25" r="T26" b="T27"/>
+                  <a:pathLst>
+                    <a:path w="2776" h="488">
+                      <a:moveTo>
+                        <a:pt x="0" y="344"/>
+                      </a:moveTo>
+                      <a:lnTo>
+                        <a:pt x="1392" y="344"/>
+                      </a:lnTo>
+                      <a:lnTo>
+                        <a:pt x="1392" y="488"/>
+                      </a:lnTo>
+                      <a:lnTo>
+                        <a:pt x="2776" y="488"/>
+                      </a:lnTo>
+                      <a:lnTo>
+                        <a:pt x="2776" y="0"/>
+                      </a:lnTo>
+                      <a:lnTo>
+                        <a:pt x="1392" y="0"/>
+                      </a:lnTo>
+                      <a:lnTo>
+                        <a:pt x="1392" y="152"/>
+                      </a:lnTo>
+                      <a:lnTo>
+                        <a:pt x="0" y="152"/>
+                      </a:lnTo>
+                    </a:path>
+                  </a:pathLst>
+                </a:custGeom>
+                <a:solidFill>
+                  <a:schemeClr val="hlink"/>
+                </a:solidFill>
+                <a:ln w="12700" cap="flat" cmpd="sng">
+                  <a:noFill/>
+                  <a:prstDash val="solid"/>
+                  <a:round/>
+                  <a:headEnd type="none" w="sm" len="sm"/>
+                  <a:tailEnd type="none" w="lg" len="med"/>
+                </a:ln>
+              </p:spPr>
+              <p:txBody>
+                <a:bodyPr wrap="none" anchor="ctr"/>
+                <a:lstStyle/>
+                <a:p>
+                  <a:endParaRPr lang="en-US" dirty="0"/>
+                </a:p>
+              </p:txBody>
+            </p:sp>
+            <p:sp>
+              <p:nvSpPr>
+                <p:cNvPr id="26" name="Line 28">
+                  <a:extLst>
+                    <a:ext uri="{FF2B5EF4-FFF2-40B4-BE49-F238E27FC236}">
+                      <a16:creationId xmlns:a16="http://schemas.microsoft.com/office/drawing/2014/main" id="{2F92B689-95B6-47F0-B671-9E41D2EA5996}"/>
+                    </a:ext>
+                  </a:extLst>
+                </p:cNvPr>
+                <p:cNvSpPr>
+                  <a:spLocks noChangeShapeType="1"/>
+                </p:cNvSpPr>
+                <p:nvPr/>
+              </p:nvSpPr>
+              <p:spPr bwMode="auto">
+                <a:xfrm>
+                  <a:off x="2152650" y="2222500"/>
+                  <a:ext cx="635000" cy="0"/>
+                </a:xfrm>
+                <a:prstGeom prst="line">
+                  <a:avLst/>
+                </a:prstGeom>
+                <a:noFill/>
+                <a:ln w="38100">
+                  <a:solidFill>
+                    <a:schemeClr val="tx1"/>
+                  </a:solidFill>
+                  <a:round/>
+                  <a:headEnd/>
+                  <a:tailEnd type="triangle" w="med" len="med"/>
+                </a:ln>
+              </p:spPr>
+              <p:txBody>
+                <a:bodyPr wrap="none" anchor="ctr"/>
+                <a:lstStyle/>
+                <a:p>
+                  <a:endParaRPr lang="en-US"/>
+                </a:p>
+              </p:txBody>
+            </p:sp>
+            <p:sp>
+              <p:nvSpPr>
+                <p:cNvPr id="27" name="Freeform 29">
+                  <a:extLst>
+                    <a:ext uri="{FF2B5EF4-FFF2-40B4-BE49-F238E27FC236}">
+                      <a16:creationId xmlns:a16="http://schemas.microsoft.com/office/drawing/2014/main" id="{E4DAF995-7794-45D7-9436-E4BCA805B57D}"/>
+                    </a:ext>
+                  </a:extLst>
+                </p:cNvPr>
+                <p:cNvSpPr>
+                  <a:spLocks/>
+                </p:cNvSpPr>
+                <p:nvPr/>
+              </p:nvSpPr>
+              <p:spPr bwMode="auto">
+                <a:xfrm>
+                  <a:off x="1676400" y="1828800"/>
+                  <a:ext cx="4419600" cy="228600"/>
+                </a:xfrm>
+                <a:custGeom>
+                  <a:avLst/>
+                  <a:gdLst>
+                    <a:gd name="T0" fmla="*/ 0 w 2784"/>
+                    <a:gd name="T1" fmla="*/ 228600 h 144"/>
+                    <a:gd name="T2" fmla="*/ 2209800 w 2784"/>
+                    <a:gd name="T3" fmla="*/ 228600 h 144"/>
+                    <a:gd name="T4" fmla="*/ 2209800 w 2784"/>
+                    <a:gd name="T5" fmla="*/ 0 h 144"/>
+                    <a:gd name="T6" fmla="*/ 4419600 w 2784"/>
+                    <a:gd name="T7" fmla="*/ 0 h 144"/>
+                    <a:gd name="T8" fmla="*/ 0 60000 65536"/>
+                    <a:gd name="T9" fmla="*/ 0 60000 65536"/>
+                    <a:gd name="T10" fmla="*/ 0 60000 65536"/>
+                    <a:gd name="T11" fmla="*/ 0 60000 65536"/>
+                    <a:gd name="T12" fmla="*/ 0 w 2784"/>
+                    <a:gd name="T13" fmla="*/ 0 h 144"/>
+                    <a:gd name="T14" fmla="*/ 2784 w 2784"/>
+                    <a:gd name="T15" fmla="*/ 144 h 144"/>
+                  </a:gdLst>
+                  <a:ahLst/>
+                  <a:cxnLst>
+                    <a:cxn ang="T8">
+                      <a:pos x="T0" y="T1"/>
+                    </a:cxn>
+                    <a:cxn ang="T9">
+                      <a:pos x="T2" y="T3"/>
+                    </a:cxn>
+                    <a:cxn ang="T10">
+                      <a:pos x="T4" y="T5"/>
+                    </a:cxn>
+                    <a:cxn ang="T11">
+                      <a:pos x="T6" y="T7"/>
+                    </a:cxn>
+                  </a:cxnLst>
+                  <a:rect l="T12" t="T13" r="T14" b="T15"/>
+                  <a:pathLst>
+                    <a:path w="2784" h="144">
+                      <a:moveTo>
+                        <a:pt x="0" y="144"/>
+                      </a:moveTo>
+                      <a:lnTo>
+                        <a:pt x="1392" y="144"/>
+                      </a:lnTo>
+                      <a:lnTo>
+                        <a:pt x="1392" y="0"/>
+                      </a:lnTo>
+                      <a:lnTo>
+                        <a:pt x="2784" y="0"/>
+                      </a:lnTo>
+                    </a:path>
+                  </a:pathLst>
+                </a:custGeom>
+                <a:noFill/>
+                <a:ln w="28575" cap="flat" cmpd="sng">
+                  <a:solidFill>
+                    <a:schemeClr val="tx1"/>
+                  </a:solidFill>
+                  <a:prstDash val="solid"/>
+                  <a:round/>
+                  <a:headEnd type="none" w="med" len="med"/>
+                  <a:tailEnd type="none" w="med" len="med"/>
+                </a:ln>
+              </p:spPr>
+              <p:txBody>
+                <a:bodyPr wrap="none" anchor="ctr"/>
+                <a:lstStyle/>
+                <a:p>
+                  <a:endParaRPr lang="en-US"/>
+                </a:p>
+              </p:txBody>
+            </p:sp>
+            <p:sp>
+              <p:nvSpPr>
+                <p:cNvPr id="28" name="Freeform 30">
+                  <a:extLst>
+                    <a:ext uri="{FF2B5EF4-FFF2-40B4-BE49-F238E27FC236}">
+                      <a16:creationId xmlns:a16="http://schemas.microsoft.com/office/drawing/2014/main" id="{8C6221E9-57F2-40BE-B725-B777474F1882}"/>
+                    </a:ext>
+                  </a:extLst>
+                </p:cNvPr>
+                <p:cNvSpPr>
+                  <a:spLocks/>
+                </p:cNvSpPr>
+                <p:nvPr/>
+              </p:nvSpPr>
+              <p:spPr bwMode="auto">
+                <a:xfrm flipV="1">
+                  <a:off x="1676400" y="2362200"/>
+                  <a:ext cx="4419600" cy="228600"/>
+                </a:xfrm>
+                <a:custGeom>
+                  <a:avLst/>
+                  <a:gdLst>
+                    <a:gd name="T0" fmla="*/ 0 w 2784"/>
+                    <a:gd name="T1" fmla="*/ 228600 h 144"/>
+                    <a:gd name="T2" fmla="*/ 2209800 w 2784"/>
+                    <a:gd name="T3" fmla="*/ 228600 h 144"/>
+                    <a:gd name="T4" fmla="*/ 2209800 w 2784"/>
+                    <a:gd name="T5" fmla="*/ 0 h 144"/>
+                    <a:gd name="T6" fmla="*/ 4419600 w 2784"/>
+                    <a:gd name="T7" fmla="*/ 0 h 144"/>
+                    <a:gd name="T8" fmla="*/ 0 60000 65536"/>
+                    <a:gd name="T9" fmla="*/ 0 60000 65536"/>
+                    <a:gd name="T10" fmla="*/ 0 60000 65536"/>
+                    <a:gd name="T11" fmla="*/ 0 60000 65536"/>
+                    <a:gd name="T12" fmla="*/ 0 w 2784"/>
+                    <a:gd name="T13" fmla="*/ 0 h 144"/>
+                    <a:gd name="T14" fmla="*/ 2784 w 2784"/>
+                    <a:gd name="T15" fmla="*/ 144 h 144"/>
+                  </a:gdLst>
+                  <a:ahLst/>
+                  <a:cxnLst>
+                    <a:cxn ang="T8">
+                      <a:pos x="T0" y="T1"/>
+                    </a:cxn>
+                    <a:cxn ang="T9">
+                      <a:pos x="T2" y="T3"/>
+                    </a:cxn>
+                    <a:cxn ang="T10">
+                      <a:pos x="T4" y="T5"/>
+                    </a:cxn>
+                    <a:cxn ang="T11">
+                      <a:pos x="T6" y="T7"/>
+                    </a:cxn>
+                  </a:cxnLst>
+                  <a:rect l="T12" t="T13" r="T14" b="T15"/>
+                  <a:pathLst>
+                    <a:path w="2784" h="144">
+                      <a:moveTo>
+                        <a:pt x="0" y="144"/>
+                      </a:moveTo>
+                      <a:lnTo>
+                        <a:pt x="1392" y="144"/>
+                      </a:lnTo>
+                      <a:lnTo>
+                        <a:pt x="1392" y="0"/>
+                      </a:lnTo>
+                      <a:lnTo>
+                        <a:pt x="2784" y="0"/>
+                      </a:lnTo>
+                    </a:path>
+                  </a:pathLst>
+                </a:custGeom>
+                <a:noFill/>
+                <a:ln w="28575" cap="flat" cmpd="sng">
+                  <a:solidFill>
+                    <a:schemeClr val="tx1"/>
+                  </a:solidFill>
+                  <a:prstDash val="solid"/>
+                  <a:round/>
+                  <a:headEnd type="none" w="med" len="med"/>
+                  <a:tailEnd type="none" w="med" len="med"/>
+                </a:ln>
+              </p:spPr>
+              <p:txBody>
+                <a:bodyPr wrap="none" anchor="ctr"/>
+                <a:lstStyle/>
+                <a:p>
+                  <a:endParaRPr lang="en-US"/>
+                </a:p>
+              </p:txBody>
+            </p:sp>
+            <p:grpSp>
+              <p:nvGrpSpPr>
+                <p:cNvPr id="29" name="Group 36">
+                  <a:extLst>
+                    <a:ext uri="{FF2B5EF4-FFF2-40B4-BE49-F238E27FC236}">
+                      <a16:creationId xmlns:a16="http://schemas.microsoft.com/office/drawing/2014/main" id="{DE66AE5E-4D42-4B64-B5E2-80CDE0D9C1DD}"/>
+                    </a:ext>
+                  </a:extLst>
+                </p:cNvPr>
+                <p:cNvGrpSpPr>
+                  <a:grpSpLocks/>
+                </p:cNvGrpSpPr>
+                <p:nvPr/>
+              </p:nvGrpSpPr>
+              <p:grpSpPr bwMode="auto">
+                <a:xfrm>
+                  <a:off x="3886200" y="2347913"/>
+                  <a:ext cx="1460500" cy="238125"/>
+                  <a:chOff x="2448" y="1482"/>
+                  <a:chExt cx="920" cy="150"/>
+                </a:xfrm>
+              </p:grpSpPr>
+              <p:sp>
+                <p:nvSpPr>
+                  <p:cNvPr id="30" name="Freeform 31">
+                    <a:extLst>
+                      <a:ext uri="{FF2B5EF4-FFF2-40B4-BE49-F238E27FC236}">
+                        <a16:creationId xmlns:a16="http://schemas.microsoft.com/office/drawing/2014/main" id="{60319F21-8D99-416C-9F5D-160EB3FB649B}"/>
+                      </a:ext>
+                    </a:extLst>
+                  </p:cNvPr>
+                  <p:cNvSpPr>
+                    <a:spLocks/>
+                  </p:cNvSpPr>
+                  <p:nvPr/>
+                </p:nvSpPr>
+                <p:spPr bwMode="auto">
+                  <a:xfrm>
+                    <a:off x="2448" y="1482"/>
+                    <a:ext cx="920" cy="150"/>
+                  </a:xfrm>
+                  <a:custGeom>
+                    <a:avLst/>
+                    <a:gdLst>
+                      <a:gd name="T0" fmla="*/ 0 w 920"/>
+                      <a:gd name="T1" fmla="*/ 2 h 162"/>
+                      <a:gd name="T2" fmla="*/ 920 w 920"/>
+                      <a:gd name="T3" fmla="*/ 150 h 162"/>
+                      <a:gd name="T4" fmla="*/ 0 w 920"/>
+                      <a:gd name="T5" fmla="*/ 150 h 162"/>
+                      <a:gd name="T6" fmla="*/ 0 w 920"/>
+                      <a:gd name="T7" fmla="*/ 2 h 162"/>
+                      <a:gd name="T8" fmla="*/ 0 60000 65536"/>
+                      <a:gd name="T9" fmla="*/ 0 60000 65536"/>
+                      <a:gd name="T10" fmla="*/ 0 60000 65536"/>
+                      <a:gd name="T11" fmla="*/ 0 60000 65536"/>
+                      <a:gd name="T12" fmla="*/ 0 w 920"/>
+                      <a:gd name="T13" fmla="*/ 0 h 162"/>
+                      <a:gd name="T14" fmla="*/ 920 w 920"/>
+                      <a:gd name="T15" fmla="*/ 162 h 162"/>
+                    </a:gdLst>
+                    <a:ahLst/>
+                    <a:cxnLst>
+                      <a:cxn ang="T8">
+                        <a:pos x="T0" y="T1"/>
+                      </a:cxn>
+                      <a:cxn ang="T9">
+                        <a:pos x="T2" y="T3"/>
+                      </a:cxn>
+                      <a:cxn ang="T10">
+                        <a:pos x="T4" y="T5"/>
+                      </a:cxn>
+                      <a:cxn ang="T11">
+                        <a:pos x="T6" y="T7"/>
+                      </a:cxn>
+                    </a:cxnLst>
+                    <a:rect l="T12" t="T13" r="T14" b="T15"/>
+                    <a:pathLst>
+                      <a:path w="920" h="162">
+                        <a:moveTo>
+                          <a:pt x="0" y="2"/>
+                        </a:moveTo>
+                        <a:cubicBezTo>
+                          <a:pt x="147" y="0"/>
+                          <a:pt x="573" y="48"/>
+                          <a:pt x="920" y="162"/>
+                        </a:cubicBezTo>
+                        <a:cubicBezTo>
+                          <a:pt x="573" y="162"/>
+                          <a:pt x="156" y="162"/>
+                          <a:pt x="0" y="162"/>
+                        </a:cubicBezTo>
+                        <a:cubicBezTo>
+                          <a:pt x="0" y="36"/>
+                          <a:pt x="0" y="126"/>
+                          <a:pt x="0" y="2"/>
+                        </a:cubicBezTo>
+                        <a:close/>
+                      </a:path>
+                    </a:pathLst>
+                  </a:custGeom>
+                  <a:solidFill>
+                    <a:schemeClr val="hlink"/>
+                  </a:solidFill>
+                  <a:ln w="12700" cap="flat" cmpd="sng">
+                    <a:solidFill>
+                      <a:schemeClr val="tx1"/>
+                    </a:solidFill>
+                    <a:prstDash val="solid"/>
+                    <a:round/>
+                    <a:headEnd type="none" w="sm" len="sm"/>
+                    <a:tailEnd type="none" w="lg" len="med"/>
+                  </a:ln>
+                </p:spPr>
+                <p:txBody>
+                  <a:bodyPr wrap="none" anchor="ctr"/>
+                  <a:lstStyle/>
+                  <a:p>
+                    <a:endParaRPr lang="en-US"/>
+                  </a:p>
+                </p:txBody>
+              </p:sp>
+              <p:sp>
+                <p:nvSpPr>
+                  <p:cNvPr id="31" name="Freeform 32">
+                    <a:extLst>
+                      <a:ext uri="{FF2B5EF4-FFF2-40B4-BE49-F238E27FC236}">
+                        <a16:creationId xmlns:a16="http://schemas.microsoft.com/office/drawing/2014/main" id="{C09C5102-6E47-411F-955A-297823347F82}"/>
+                      </a:ext>
+                    </a:extLst>
+                  </p:cNvPr>
+                  <p:cNvSpPr>
+                    <a:spLocks/>
+                  </p:cNvSpPr>
+                  <p:nvPr/>
+                </p:nvSpPr>
+                <p:spPr bwMode="auto">
+                  <a:xfrm>
+                    <a:off x="2790" y="1536"/>
+                    <a:ext cx="155" cy="64"/>
+                  </a:xfrm>
+                  <a:custGeom>
+                    <a:avLst/>
+                    <a:gdLst>
+                      <a:gd name="T0" fmla="*/ 15 w 155"/>
+                      <a:gd name="T1" fmla="*/ 0 h 64"/>
+                      <a:gd name="T2" fmla="*/ 153 w 155"/>
+                      <a:gd name="T3" fmla="*/ 54 h 64"/>
+                      <a:gd name="T4" fmla="*/ 0 w 155"/>
+                      <a:gd name="T5" fmla="*/ 63 h 64"/>
+                      <a:gd name="T6" fmla="*/ 0 60000 65536"/>
+                      <a:gd name="T7" fmla="*/ 0 60000 65536"/>
+                      <a:gd name="T8" fmla="*/ 0 60000 65536"/>
+                      <a:gd name="T9" fmla="*/ 0 w 155"/>
+                      <a:gd name="T10" fmla="*/ 0 h 64"/>
+                      <a:gd name="T11" fmla="*/ 155 w 155"/>
+                      <a:gd name="T12" fmla="*/ 64 h 64"/>
+                    </a:gdLst>
+                    <a:ahLst/>
+                    <a:cxnLst>
+                      <a:cxn ang="T6">
+                        <a:pos x="T0" y="T1"/>
+                      </a:cxn>
+                      <a:cxn ang="T7">
+                        <a:pos x="T2" y="T3"/>
+                      </a:cxn>
+                      <a:cxn ang="T8">
+                        <a:pos x="T4" y="T5"/>
+                      </a:cxn>
+                    </a:cxnLst>
+                    <a:rect l="T9" t="T10" r="T11" b="T12"/>
+                    <a:pathLst>
+                      <a:path w="155" h="64">
+                        <a:moveTo>
+                          <a:pt x="15" y="0"/>
+                        </a:moveTo>
+                        <a:cubicBezTo>
+                          <a:pt x="85" y="22"/>
+                          <a:pt x="155" y="44"/>
+                          <a:pt x="153" y="54"/>
+                        </a:cubicBezTo>
+                        <a:cubicBezTo>
+                          <a:pt x="151" y="64"/>
+                          <a:pt x="75" y="63"/>
+                          <a:pt x="0" y="63"/>
+                        </a:cubicBezTo>
+                      </a:path>
+                    </a:pathLst>
+                  </a:custGeom>
+                  <a:solidFill>
+                    <a:schemeClr val="hlink"/>
+                  </a:solidFill>
+                  <a:ln w="12700" cap="flat" cmpd="sng">
+                    <a:solidFill>
+                      <a:schemeClr val="tx1"/>
+                    </a:solidFill>
+                    <a:prstDash val="solid"/>
+                    <a:round/>
+                    <a:headEnd type="none" w="sm" len="sm"/>
+                    <a:tailEnd type="triangle" w="sm" len="med"/>
+                  </a:ln>
+                </p:spPr>
+                <p:txBody>
+                  <a:bodyPr wrap="none" anchor="ctr"/>
+                  <a:lstStyle/>
+                  <a:p>
+                    <a:endParaRPr lang="en-US" dirty="0"/>
+                  </a:p>
+                </p:txBody>
+              </p:sp>
+              <p:sp>
+                <p:nvSpPr>
+                  <p:cNvPr id="32" name="Freeform 34">
+                    <a:extLst>
+                      <a:ext uri="{FF2B5EF4-FFF2-40B4-BE49-F238E27FC236}">
+                        <a16:creationId xmlns:a16="http://schemas.microsoft.com/office/drawing/2014/main" id="{15D770E8-D5E2-41EE-914F-4B867CAA6553}"/>
+                      </a:ext>
+                    </a:extLst>
+                  </p:cNvPr>
+                  <p:cNvSpPr>
+                    <a:spLocks/>
+                  </p:cNvSpPr>
+                  <p:nvPr/>
+                </p:nvSpPr>
+                <p:spPr bwMode="auto">
+                  <a:xfrm>
+                    <a:off x="2625" y="1518"/>
+                    <a:ext cx="99" cy="90"/>
+                  </a:xfrm>
+                  <a:custGeom>
+                    <a:avLst/>
+                    <a:gdLst>
+                      <a:gd name="T0" fmla="*/ 0 w 99"/>
+                      <a:gd name="T1" fmla="*/ 0 h 90"/>
+                      <a:gd name="T2" fmla="*/ 99 w 99"/>
+                      <a:gd name="T3" fmla="*/ 48 h 90"/>
+                      <a:gd name="T4" fmla="*/ 0 w 99"/>
+                      <a:gd name="T5" fmla="*/ 90 h 90"/>
+                      <a:gd name="T6" fmla="*/ 0 60000 65536"/>
+                      <a:gd name="T7" fmla="*/ 0 60000 65536"/>
+                      <a:gd name="T8" fmla="*/ 0 60000 65536"/>
+                      <a:gd name="T9" fmla="*/ 0 w 99"/>
+                      <a:gd name="T10" fmla="*/ 0 h 90"/>
+                      <a:gd name="T11" fmla="*/ 99 w 99"/>
+                      <a:gd name="T12" fmla="*/ 90 h 90"/>
+                    </a:gdLst>
+                    <a:ahLst/>
+                    <a:cxnLst>
+                      <a:cxn ang="T6">
+                        <a:pos x="T0" y="T1"/>
+                      </a:cxn>
+                      <a:cxn ang="T7">
+                        <a:pos x="T2" y="T3"/>
+                      </a:cxn>
+                      <a:cxn ang="T8">
+                        <a:pos x="T4" y="T5"/>
+                      </a:cxn>
+                    </a:cxnLst>
+                    <a:rect l="T9" t="T10" r="T11" b="T12"/>
+                    <a:pathLst>
+                      <a:path w="99" h="90">
+                        <a:moveTo>
+                          <a:pt x="0" y="0"/>
+                        </a:moveTo>
+                        <a:cubicBezTo>
+                          <a:pt x="16" y="8"/>
+                          <a:pt x="99" y="33"/>
+                          <a:pt x="99" y="48"/>
+                        </a:cubicBezTo>
+                        <a:cubicBezTo>
+                          <a:pt x="99" y="63"/>
+                          <a:pt x="21" y="81"/>
+                          <a:pt x="0" y="90"/>
+                        </a:cubicBezTo>
+                      </a:path>
+                    </a:pathLst>
+                  </a:custGeom>
+                  <a:solidFill>
+                    <a:schemeClr val="hlink"/>
+                  </a:solidFill>
+                  <a:ln w="12700" cap="flat" cmpd="sng">
+                    <a:solidFill>
+                      <a:schemeClr val="tx1"/>
+                    </a:solidFill>
+                    <a:prstDash val="solid"/>
+                    <a:round/>
+                    <a:headEnd type="none" w="sm" len="sm"/>
+                    <a:tailEnd type="triangle" w="sm" len="med"/>
+                  </a:ln>
+                </p:spPr>
+                <p:txBody>
+                  <a:bodyPr wrap="none" anchor="ctr"/>
+                  <a:lstStyle/>
+                  <a:p>
+                    <a:endParaRPr lang="en-US"/>
+                  </a:p>
+                </p:txBody>
+              </p:sp>
+              <p:sp>
+                <p:nvSpPr>
+                  <p:cNvPr id="33" name="Freeform 35">
+                    <a:extLst>
+                      <a:ext uri="{FF2B5EF4-FFF2-40B4-BE49-F238E27FC236}">
+                        <a16:creationId xmlns:a16="http://schemas.microsoft.com/office/drawing/2014/main" id="{82571B74-F3FD-4F62-9CAE-9BBA5167B1B3}"/>
+                      </a:ext>
+                    </a:extLst>
+                  </p:cNvPr>
+                  <p:cNvSpPr>
+                    <a:spLocks/>
+                  </p:cNvSpPr>
+                  <p:nvPr/>
+                </p:nvSpPr>
+                <p:spPr bwMode="auto">
+                  <a:xfrm>
+                    <a:off x="2472" y="1518"/>
+                    <a:ext cx="111" cy="93"/>
+                  </a:xfrm>
+                  <a:custGeom>
+                    <a:avLst/>
+                    <a:gdLst>
+                      <a:gd name="T0" fmla="*/ 108 w 111"/>
+                      <a:gd name="T1" fmla="*/ 89 h 93"/>
+                      <a:gd name="T2" fmla="*/ 21 w 111"/>
+                      <a:gd name="T3" fmla="*/ 81 h 93"/>
+                      <a:gd name="T4" fmla="*/ 15 w 111"/>
+                      <a:gd name="T5" fmla="*/ 18 h 93"/>
+                      <a:gd name="T6" fmla="*/ 111 w 111"/>
+                      <a:gd name="T7" fmla="*/ 0 h 93"/>
+                      <a:gd name="T8" fmla="*/ 0 60000 65536"/>
+                      <a:gd name="T9" fmla="*/ 0 60000 65536"/>
+                      <a:gd name="T10" fmla="*/ 0 60000 65536"/>
+                      <a:gd name="T11" fmla="*/ 0 60000 65536"/>
+                      <a:gd name="T12" fmla="*/ 0 w 111"/>
+                      <a:gd name="T13" fmla="*/ 0 h 93"/>
+                      <a:gd name="T14" fmla="*/ 111 w 111"/>
+                      <a:gd name="T15" fmla="*/ 93 h 93"/>
+                    </a:gdLst>
+                    <a:ahLst/>
+                    <a:cxnLst>
+                      <a:cxn ang="T8">
+                        <a:pos x="T0" y="T1"/>
+                      </a:cxn>
+                      <a:cxn ang="T9">
+                        <a:pos x="T2" y="T3"/>
+                      </a:cxn>
+                      <a:cxn ang="T10">
+                        <a:pos x="T4" y="T5"/>
+                      </a:cxn>
+                      <a:cxn ang="T11">
+                        <a:pos x="T6" y="T7"/>
+                      </a:cxn>
+                    </a:cxnLst>
+                    <a:rect l="T12" t="T13" r="T14" b="T15"/>
+                    <a:pathLst>
+                      <a:path w="111" h="93">
+                        <a:moveTo>
+                          <a:pt x="108" y="89"/>
+                        </a:moveTo>
+                        <a:cubicBezTo>
+                          <a:pt x="94" y="88"/>
+                          <a:pt x="36" y="93"/>
+                          <a:pt x="21" y="81"/>
+                        </a:cubicBezTo>
+                        <a:cubicBezTo>
+                          <a:pt x="6" y="69"/>
+                          <a:pt x="0" y="32"/>
+                          <a:pt x="15" y="18"/>
+                        </a:cubicBezTo>
+                        <a:cubicBezTo>
+                          <a:pt x="30" y="4"/>
+                          <a:pt x="91" y="4"/>
+                          <a:pt x="111" y="0"/>
+                        </a:cubicBezTo>
+                      </a:path>
+                    </a:pathLst>
+                  </a:custGeom>
+                  <a:solidFill>
+                    <a:schemeClr val="hlink"/>
+                  </a:solidFill>
+                  <a:ln w="12700" cap="flat" cmpd="sng">
+                    <a:solidFill>
+                      <a:schemeClr val="tx1"/>
+                    </a:solidFill>
+                    <a:prstDash val="solid"/>
+                    <a:round/>
+                    <a:headEnd type="none" w="sm" len="sm"/>
+                    <a:tailEnd type="triangle" w="sm" len="med"/>
+                  </a:ln>
+                </p:spPr>
+                <p:txBody>
+                  <a:bodyPr wrap="none" anchor="ctr"/>
+                  <a:lstStyle/>
+                  <a:p>
+                    <a:endParaRPr lang="en-US"/>
+                  </a:p>
+                </p:txBody>
+              </p:sp>
+            </p:grpSp>
+            <p:grpSp>
+              <p:nvGrpSpPr>
+                <p:cNvPr id="34" name="Group 37">
+                  <a:extLst>
+                    <a:ext uri="{FF2B5EF4-FFF2-40B4-BE49-F238E27FC236}">
+                      <a16:creationId xmlns:a16="http://schemas.microsoft.com/office/drawing/2014/main" id="{E4E5F70D-5890-4D00-807C-947898717920}"/>
+                    </a:ext>
+                  </a:extLst>
+                </p:cNvPr>
+                <p:cNvGrpSpPr>
+                  <a:grpSpLocks/>
+                </p:cNvGrpSpPr>
+                <p:nvPr/>
+              </p:nvGrpSpPr>
+              <p:grpSpPr bwMode="auto">
+                <a:xfrm flipV="1">
+                  <a:off x="3886200" y="1828800"/>
+                  <a:ext cx="1460500" cy="238125"/>
+                  <a:chOff x="2448" y="1482"/>
+                  <a:chExt cx="920" cy="150"/>
+                </a:xfrm>
+              </p:grpSpPr>
+              <p:sp>
+                <p:nvSpPr>
+                  <p:cNvPr id="35" name="Freeform 38">
+                    <a:extLst>
+                      <a:ext uri="{FF2B5EF4-FFF2-40B4-BE49-F238E27FC236}">
+                        <a16:creationId xmlns:a16="http://schemas.microsoft.com/office/drawing/2014/main" id="{53E00AB9-6A5B-4221-9A78-65CF5013D644}"/>
+                      </a:ext>
+                    </a:extLst>
+                  </p:cNvPr>
+                  <p:cNvSpPr>
+                    <a:spLocks/>
+                  </p:cNvSpPr>
+                  <p:nvPr/>
+                </p:nvSpPr>
+                <p:spPr bwMode="auto">
+                  <a:xfrm>
+                    <a:off x="2448" y="1482"/>
+                    <a:ext cx="920" cy="150"/>
+                  </a:xfrm>
+                  <a:custGeom>
+                    <a:avLst/>
+                    <a:gdLst>
+                      <a:gd name="T0" fmla="*/ 0 w 920"/>
+                      <a:gd name="T1" fmla="*/ 2 h 162"/>
+                      <a:gd name="T2" fmla="*/ 920 w 920"/>
+                      <a:gd name="T3" fmla="*/ 150 h 162"/>
+                      <a:gd name="T4" fmla="*/ 0 w 920"/>
+                      <a:gd name="T5" fmla="*/ 150 h 162"/>
+                      <a:gd name="T6" fmla="*/ 0 w 920"/>
+                      <a:gd name="T7" fmla="*/ 2 h 162"/>
+                      <a:gd name="T8" fmla="*/ 0 60000 65536"/>
+                      <a:gd name="T9" fmla="*/ 0 60000 65536"/>
+                      <a:gd name="T10" fmla="*/ 0 60000 65536"/>
+                      <a:gd name="T11" fmla="*/ 0 60000 65536"/>
+                      <a:gd name="T12" fmla="*/ 0 w 920"/>
+                      <a:gd name="T13" fmla="*/ 0 h 162"/>
+                      <a:gd name="T14" fmla="*/ 920 w 920"/>
+                      <a:gd name="T15" fmla="*/ 162 h 162"/>
+                    </a:gdLst>
+                    <a:ahLst/>
+                    <a:cxnLst>
+                      <a:cxn ang="T8">
+                        <a:pos x="T0" y="T1"/>
+                      </a:cxn>
+                      <a:cxn ang="T9">
+                        <a:pos x="T2" y="T3"/>
+                      </a:cxn>
+                      <a:cxn ang="T10">
+                        <a:pos x="T4" y="T5"/>
+                      </a:cxn>
+                      <a:cxn ang="T11">
+                        <a:pos x="T6" y="T7"/>
+                      </a:cxn>
+                    </a:cxnLst>
+                    <a:rect l="T12" t="T13" r="T14" b="T15"/>
+                    <a:pathLst>
+                      <a:path w="920" h="162">
+                        <a:moveTo>
+                          <a:pt x="0" y="2"/>
+                        </a:moveTo>
+                        <a:cubicBezTo>
+                          <a:pt x="147" y="0"/>
+                          <a:pt x="573" y="48"/>
+                          <a:pt x="920" y="162"/>
+                        </a:cubicBezTo>
+                        <a:cubicBezTo>
+                          <a:pt x="573" y="162"/>
+                          <a:pt x="156" y="162"/>
+                          <a:pt x="0" y="162"/>
+                        </a:cubicBezTo>
+                        <a:cubicBezTo>
+                          <a:pt x="0" y="36"/>
+                          <a:pt x="0" y="126"/>
+                          <a:pt x="0" y="2"/>
+                        </a:cubicBezTo>
+                        <a:close/>
+                      </a:path>
+                    </a:pathLst>
+                  </a:custGeom>
+                  <a:solidFill>
+                    <a:schemeClr val="hlink"/>
+                  </a:solidFill>
+                  <a:ln w="12700" cap="flat" cmpd="sng">
+                    <a:solidFill>
+                      <a:schemeClr val="tx1"/>
+                    </a:solidFill>
+                    <a:prstDash val="solid"/>
+                    <a:round/>
+                    <a:headEnd type="none" w="sm" len="sm"/>
+                    <a:tailEnd type="none" w="lg" len="med"/>
+                  </a:ln>
+                </p:spPr>
+                <p:txBody>
+                  <a:bodyPr wrap="none" anchor="ctr"/>
+                  <a:lstStyle/>
+                  <a:p>
+                    <a:endParaRPr lang="en-US"/>
+                  </a:p>
+                </p:txBody>
+              </p:sp>
+              <p:sp>
+                <p:nvSpPr>
+                  <p:cNvPr id="36" name="Freeform 39">
+                    <a:extLst>
+                      <a:ext uri="{FF2B5EF4-FFF2-40B4-BE49-F238E27FC236}">
+                        <a16:creationId xmlns:a16="http://schemas.microsoft.com/office/drawing/2014/main" id="{7AF1D832-491E-4980-86F7-2EEAB2919188}"/>
+                      </a:ext>
+                    </a:extLst>
+                  </p:cNvPr>
+                  <p:cNvSpPr>
+                    <a:spLocks/>
+                  </p:cNvSpPr>
+                  <p:nvPr/>
+                </p:nvSpPr>
+                <p:spPr bwMode="auto">
+                  <a:xfrm>
+                    <a:off x="2790" y="1536"/>
+                    <a:ext cx="155" cy="64"/>
+                  </a:xfrm>
+                  <a:custGeom>
+                    <a:avLst/>
+                    <a:gdLst>
+                      <a:gd name="T0" fmla="*/ 15 w 155"/>
+                      <a:gd name="T1" fmla="*/ 0 h 64"/>
+                      <a:gd name="T2" fmla="*/ 153 w 155"/>
+                      <a:gd name="T3" fmla="*/ 54 h 64"/>
+                      <a:gd name="T4" fmla="*/ 0 w 155"/>
+                      <a:gd name="T5" fmla="*/ 63 h 64"/>
+                      <a:gd name="T6" fmla="*/ 0 60000 65536"/>
+                      <a:gd name="T7" fmla="*/ 0 60000 65536"/>
+                      <a:gd name="T8" fmla="*/ 0 60000 65536"/>
+                      <a:gd name="T9" fmla="*/ 0 w 155"/>
+                      <a:gd name="T10" fmla="*/ 0 h 64"/>
+                      <a:gd name="T11" fmla="*/ 155 w 155"/>
+                      <a:gd name="T12" fmla="*/ 64 h 64"/>
+                    </a:gdLst>
+                    <a:ahLst/>
+                    <a:cxnLst>
+                      <a:cxn ang="T6">
+                        <a:pos x="T0" y="T1"/>
+                      </a:cxn>
+                      <a:cxn ang="T7">
+                        <a:pos x="T2" y="T3"/>
+                      </a:cxn>
+                      <a:cxn ang="T8">
+                        <a:pos x="T4" y="T5"/>
+                      </a:cxn>
+                    </a:cxnLst>
+                    <a:rect l="T9" t="T10" r="T11" b="T12"/>
+                    <a:pathLst>
+                      <a:path w="155" h="64">
+                        <a:moveTo>
+                          <a:pt x="15" y="0"/>
+                        </a:moveTo>
+                        <a:cubicBezTo>
+                          <a:pt x="85" y="22"/>
+                          <a:pt x="155" y="44"/>
+                          <a:pt x="153" y="54"/>
+                        </a:cubicBezTo>
+                        <a:cubicBezTo>
+                          <a:pt x="151" y="64"/>
+                          <a:pt x="75" y="63"/>
+                          <a:pt x="0" y="63"/>
+                        </a:cubicBezTo>
+                      </a:path>
+                    </a:pathLst>
+                  </a:custGeom>
+                  <a:solidFill>
+                    <a:schemeClr val="hlink"/>
+                  </a:solidFill>
+                  <a:ln w="12700" cap="flat" cmpd="sng">
+                    <a:solidFill>
+                      <a:schemeClr val="tx1"/>
+                    </a:solidFill>
+                    <a:prstDash val="solid"/>
+                    <a:round/>
+                    <a:headEnd type="none" w="sm" len="sm"/>
+                    <a:tailEnd type="triangle" w="sm" len="med"/>
+                  </a:ln>
+                </p:spPr>
+                <p:txBody>
+                  <a:bodyPr wrap="none" anchor="ctr"/>
+                  <a:lstStyle/>
+                  <a:p>
+                    <a:endParaRPr lang="en-US"/>
+                  </a:p>
+                </p:txBody>
+              </p:sp>
+              <p:sp>
+                <p:nvSpPr>
+                  <p:cNvPr id="37" name="Freeform 40">
+                    <a:extLst>
+                      <a:ext uri="{FF2B5EF4-FFF2-40B4-BE49-F238E27FC236}">
+                        <a16:creationId xmlns:a16="http://schemas.microsoft.com/office/drawing/2014/main" id="{5D432A6B-6652-429E-BC5F-38E6EBF400F9}"/>
+                      </a:ext>
+                    </a:extLst>
+                  </p:cNvPr>
+                  <p:cNvSpPr>
+                    <a:spLocks/>
+                  </p:cNvSpPr>
+                  <p:nvPr/>
+                </p:nvSpPr>
+                <p:spPr bwMode="auto">
+                  <a:xfrm>
+                    <a:off x="2625" y="1518"/>
+                    <a:ext cx="99" cy="90"/>
+                  </a:xfrm>
+                  <a:custGeom>
+                    <a:avLst/>
+                    <a:gdLst>
+                      <a:gd name="T0" fmla="*/ 0 w 99"/>
+                      <a:gd name="T1" fmla="*/ 0 h 90"/>
+                      <a:gd name="T2" fmla="*/ 99 w 99"/>
+                      <a:gd name="T3" fmla="*/ 48 h 90"/>
+                      <a:gd name="T4" fmla="*/ 0 w 99"/>
+                      <a:gd name="T5" fmla="*/ 90 h 90"/>
+                      <a:gd name="T6" fmla="*/ 0 60000 65536"/>
+                      <a:gd name="T7" fmla="*/ 0 60000 65536"/>
+                      <a:gd name="T8" fmla="*/ 0 60000 65536"/>
+                      <a:gd name="T9" fmla="*/ 0 w 99"/>
+                      <a:gd name="T10" fmla="*/ 0 h 90"/>
+                      <a:gd name="T11" fmla="*/ 99 w 99"/>
+                      <a:gd name="T12" fmla="*/ 90 h 90"/>
+                    </a:gdLst>
+                    <a:ahLst/>
+                    <a:cxnLst>
+                      <a:cxn ang="T6">
+                        <a:pos x="T0" y="T1"/>
+                      </a:cxn>
+                      <a:cxn ang="T7">
+                        <a:pos x="T2" y="T3"/>
+                      </a:cxn>
+                      <a:cxn ang="T8">
+                        <a:pos x="T4" y="T5"/>
+                      </a:cxn>
+                    </a:cxnLst>
+                    <a:rect l="T9" t="T10" r="T11" b="T12"/>
+                    <a:pathLst>
+                      <a:path w="99" h="90">
+                        <a:moveTo>
+                          <a:pt x="0" y="0"/>
+                        </a:moveTo>
+                        <a:cubicBezTo>
+                          <a:pt x="16" y="8"/>
+                          <a:pt x="99" y="33"/>
+                          <a:pt x="99" y="48"/>
+                        </a:cubicBezTo>
+                        <a:cubicBezTo>
+                          <a:pt x="99" y="63"/>
+                          <a:pt x="21" y="81"/>
+                          <a:pt x="0" y="90"/>
+                        </a:cubicBezTo>
+                      </a:path>
+                    </a:pathLst>
+                  </a:custGeom>
+                  <a:solidFill>
+                    <a:schemeClr val="hlink"/>
+                  </a:solidFill>
+                  <a:ln w="12700" cap="flat" cmpd="sng">
+                    <a:solidFill>
+                      <a:schemeClr val="tx1"/>
+                    </a:solidFill>
+                    <a:prstDash val="solid"/>
+                    <a:round/>
+                    <a:headEnd type="none" w="sm" len="sm"/>
+                    <a:tailEnd type="triangle" w="sm" len="med"/>
+                  </a:ln>
+                </p:spPr>
+                <p:txBody>
+                  <a:bodyPr wrap="none" anchor="ctr"/>
+                  <a:lstStyle/>
+                  <a:p>
+                    <a:endParaRPr lang="en-US"/>
+                  </a:p>
+                </p:txBody>
+              </p:sp>
+              <p:sp>
+                <p:nvSpPr>
+                  <p:cNvPr id="38" name="Freeform 41">
+                    <a:extLst>
+                      <a:ext uri="{FF2B5EF4-FFF2-40B4-BE49-F238E27FC236}">
+                        <a16:creationId xmlns:a16="http://schemas.microsoft.com/office/drawing/2014/main" id="{869ED562-0A32-41A0-B42F-7A8A875CDA70}"/>
+                      </a:ext>
+                    </a:extLst>
+                  </p:cNvPr>
+                  <p:cNvSpPr>
+                    <a:spLocks/>
+                  </p:cNvSpPr>
+                  <p:nvPr/>
+                </p:nvSpPr>
+                <p:spPr bwMode="auto">
+                  <a:xfrm>
+                    <a:off x="2472" y="1518"/>
+                    <a:ext cx="111" cy="93"/>
+                  </a:xfrm>
+                  <a:custGeom>
+                    <a:avLst/>
+                    <a:gdLst>
+                      <a:gd name="T0" fmla="*/ 108 w 111"/>
+                      <a:gd name="T1" fmla="*/ 89 h 93"/>
+                      <a:gd name="T2" fmla="*/ 21 w 111"/>
+                      <a:gd name="T3" fmla="*/ 81 h 93"/>
+                      <a:gd name="T4" fmla="*/ 15 w 111"/>
+                      <a:gd name="T5" fmla="*/ 18 h 93"/>
+                      <a:gd name="T6" fmla="*/ 111 w 111"/>
+                      <a:gd name="T7" fmla="*/ 0 h 93"/>
+                      <a:gd name="T8" fmla="*/ 0 60000 65536"/>
+                      <a:gd name="T9" fmla="*/ 0 60000 65536"/>
+                      <a:gd name="T10" fmla="*/ 0 60000 65536"/>
+                      <a:gd name="T11" fmla="*/ 0 60000 65536"/>
+                      <a:gd name="T12" fmla="*/ 0 w 111"/>
+                      <a:gd name="T13" fmla="*/ 0 h 93"/>
+                      <a:gd name="T14" fmla="*/ 111 w 111"/>
+                      <a:gd name="T15" fmla="*/ 93 h 93"/>
+                    </a:gdLst>
+                    <a:ahLst/>
+                    <a:cxnLst>
+                      <a:cxn ang="T8">
+                        <a:pos x="T0" y="T1"/>
+                      </a:cxn>
+                      <a:cxn ang="T9">
+                        <a:pos x="T2" y="T3"/>
+                      </a:cxn>
+                      <a:cxn ang="T10">
+                        <a:pos x="T4" y="T5"/>
+                      </a:cxn>
+                      <a:cxn ang="T11">
+                        <a:pos x="T6" y="T7"/>
+                      </a:cxn>
+                    </a:cxnLst>
+                    <a:rect l="T12" t="T13" r="T14" b="T15"/>
+                    <a:pathLst>
+                      <a:path w="111" h="93">
+                        <a:moveTo>
+                          <a:pt x="108" y="89"/>
+                        </a:moveTo>
+                        <a:cubicBezTo>
+                          <a:pt x="94" y="88"/>
+                          <a:pt x="36" y="93"/>
+                          <a:pt x="21" y="81"/>
+                        </a:cubicBezTo>
+                        <a:cubicBezTo>
+                          <a:pt x="6" y="69"/>
+                          <a:pt x="0" y="32"/>
+                          <a:pt x="15" y="18"/>
+                        </a:cubicBezTo>
+                        <a:cubicBezTo>
+                          <a:pt x="30" y="4"/>
+                          <a:pt x="91" y="4"/>
+                          <a:pt x="111" y="0"/>
+                        </a:cubicBezTo>
+                      </a:path>
+                    </a:pathLst>
+                  </a:custGeom>
+                  <a:solidFill>
+                    <a:schemeClr val="hlink"/>
+                  </a:solidFill>
+                  <a:ln w="12700" cap="flat" cmpd="sng">
+                    <a:solidFill>
+                      <a:schemeClr val="tx1"/>
+                    </a:solidFill>
+                    <a:prstDash val="solid"/>
+                    <a:round/>
+                    <a:headEnd type="none" w="sm" len="sm"/>
+                    <a:tailEnd type="triangle" w="sm" len="med"/>
+                  </a:ln>
+                </p:spPr>
+                <p:txBody>
+                  <a:bodyPr wrap="none" anchor="ctr"/>
+                  <a:lstStyle/>
+                  <a:p>
+                    <a:endParaRPr lang="en-US"/>
+                  </a:p>
+                </p:txBody>
+              </p:sp>
+            </p:grpSp>
+            <p:sp>
+              <p:nvSpPr>
+                <p:cNvPr id="39" name="Oval 48">
+                  <a:extLst>
+                    <a:ext uri="{FF2B5EF4-FFF2-40B4-BE49-F238E27FC236}">
+                      <a16:creationId xmlns:a16="http://schemas.microsoft.com/office/drawing/2014/main" id="{1E05FAE5-AB89-4F1C-A1A7-17DA30667780}"/>
+                    </a:ext>
+                  </a:extLst>
+                </p:cNvPr>
+                <p:cNvSpPr>
+                  <a:spLocks noChangeArrowheads="1"/>
+                </p:cNvSpPr>
+                <p:nvPr/>
+              </p:nvSpPr>
+              <p:spPr bwMode="auto">
+                <a:xfrm>
+                  <a:off x="432520" y="2066925"/>
+                  <a:ext cx="317500" cy="317500"/>
+                </a:xfrm>
+                <a:prstGeom prst="ellipse">
+                  <a:avLst/>
+                </a:prstGeom>
+                <a:solidFill>
+                  <a:schemeClr val="hlink"/>
+                </a:solidFill>
+                <a:ln w="12700">
+                  <a:solidFill>
+                    <a:schemeClr val="tx1"/>
+                  </a:solidFill>
+                  <a:round/>
+                  <a:headEnd type="none" w="sm" len="sm"/>
+                  <a:tailEnd type="none" w="lg" len="med"/>
+                </a:ln>
+              </p:spPr>
+              <p:txBody>
+                <a:bodyPr wrap="none" anchor="ctr"/>
+                <a:lstStyle/>
+                <a:p>
+                  <a:endParaRPr lang="en-US"/>
+                </a:p>
+              </p:txBody>
+            </p:sp>
+            <p:sp>
+              <p:nvSpPr>
+                <p:cNvPr id="40" name="Text Box 49">
+                  <a:extLst>
+                    <a:ext uri="{FF2B5EF4-FFF2-40B4-BE49-F238E27FC236}">
+                      <a16:creationId xmlns:a16="http://schemas.microsoft.com/office/drawing/2014/main" id="{3347C798-081E-4CEC-BE2F-F02C29EC47CB}"/>
+                    </a:ext>
+                  </a:extLst>
+                </p:cNvPr>
+                <p:cNvSpPr txBox="1">
+                  <a:spLocks noChangeArrowheads="1"/>
+                </p:cNvSpPr>
+                <p:nvPr/>
+              </p:nvSpPr>
+              <p:spPr bwMode="auto">
+                <a:xfrm>
+                  <a:off x="326137" y="2295823"/>
+                  <a:ext cx="567784" cy="461665"/>
+                </a:xfrm>
+                <a:prstGeom prst="rect">
+                  <a:avLst/>
+                </a:prstGeom>
+                <a:noFill/>
+                <a:ln w="12700">
+                  <a:noFill/>
+                  <a:miter lim="800000"/>
+                  <a:headEnd type="none" w="sm" len="sm"/>
+                  <a:tailEnd type="none" w="lg" len="med"/>
+                </a:ln>
+              </p:spPr>
+              <p:txBody>
+                <a:bodyPr wrap="none">
+                  <a:spAutoFit/>
+                </a:bodyPr>
+                <a:lstStyle/>
+                <a:p>
+                  <a:r>
+                    <a:rPr lang="en-US" sz="2400" dirty="0" err="1">
+                      <a:latin typeface="Times New Roman" panose="02020603050405020304" pitchFamily="18" charset="0"/>
+                      <a:cs typeface="Times New Roman" panose="02020603050405020304" pitchFamily="18" charset="0"/>
+                    </a:rPr>
+                    <a:t>A</a:t>
+                  </a:r>
+                  <a:r>
+                    <a:rPr lang="en-US" sz="2400" baseline="-25000" dirty="0" err="1">
+                      <a:latin typeface="Times New Roman" panose="02020603050405020304" pitchFamily="18" charset="0"/>
+                      <a:cs typeface="Times New Roman" panose="02020603050405020304" pitchFamily="18" charset="0"/>
+                    </a:rPr>
+                    <a:t>in</a:t>
+                  </a:r>
+                  <a:endParaRPr lang="en-US" sz="2400" dirty="0">
+                    <a:latin typeface="Times New Roman" panose="02020603050405020304" pitchFamily="18" charset="0"/>
+                    <a:cs typeface="Times New Roman" panose="02020603050405020304" pitchFamily="18" charset="0"/>
+                  </a:endParaRPr>
+                </a:p>
+              </p:txBody>
+            </p:sp>
+            <p:sp>
+              <p:nvSpPr>
+                <p:cNvPr id="41" name="Oval 50">
+                  <a:extLst>
+                    <a:ext uri="{FF2B5EF4-FFF2-40B4-BE49-F238E27FC236}">
+                      <a16:creationId xmlns:a16="http://schemas.microsoft.com/office/drawing/2014/main" id="{7E02EE8F-0E1E-4CDC-9CB7-D60BA82CD8C3}"/>
+                    </a:ext>
+                  </a:extLst>
+                </p:cNvPr>
+                <p:cNvSpPr>
+                  <a:spLocks noChangeArrowheads="1"/>
+                </p:cNvSpPr>
+                <p:nvPr/>
+              </p:nvSpPr>
+              <p:spPr bwMode="auto">
+                <a:xfrm>
+                  <a:off x="6983585" y="1879600"/>
+                  <a:ext cx="749300" cy="749300"/>
+                </a:xfrm>
+                <a:prstGeom prst="ellipse">
+                  <a:avLst/>
+                </a:prstGeom>
+                <a:solidFill>
+                  <a:schemeClr val="hlink"/>
+                </a:solidFill>
+                <a:ln w="12700">
+                  <a:solidFill>
+                    <a:schemeClr val="tx1"/>
+                  </a:solidFill>
+                  <a:round/>
+                  <a:headEnd type="none" w="sm" len="sm"/>
+                  <a:tailEnd type="none" w="lg" len="med"/>
+                </a:ln>
+              </p:spPr>
+              <p:txBody>
+                <a:bodyPr wrap="none" anchor="ctr"/>
+                <a:lstStyle/>
+                <a:p>
+                  <a:endParaRPr lang="en-US" dirty="0"/>
+                </a:p>
+              </p:txBody>
+            </p:sp>
+            <p:sp>
+              <p:nvSpPr>
+                <p:cNvPr id="42" name="Text Box 51">
+                  <a:extLst>
+                    <a:ext uri="{FF2B5EF4-FFF2-40B4-BE49-F238E27FC236}">
+                      <a16:creationId xmlns:a16="http://schemas.microsoft.com/office/drawing/2014/main" id="{16F5FB94-B885-47F2-8BE8-884EB166D73D}"/>
+                    </a:ext>
+                  </a:extLst>
+                </p:cNvPr>
+                <p:cNvSpPr txBox="1">
+                  <a:spLocks noChangeArrowheads="1"/>
+                </p:cNvSpPr>
+                <p:nvPr/>
+              </p:nvSpPr>
+              <p:spPr bwMode="auto">
+                <a:xfrm>
+                  <a:off x="7077489" y="2560638"/>
+                  <a:ext cx="670376" cy="461665"/>
+                </a:xfrm>
+                <a:prstGeom prst="rect">
+                  <a:avLst/>
+                </a:prstGeom>
+                <a:noFill/>
+                <a:ln w="12700">
+                  <a:noFill/>
+                  <a:miter lim="800000"/>
+                  <a:headEnd type="none" w="sm" len="sm"/>
+                  <a:tailEnd type="none" w="lg" len="med"/>
+                </a:ln>
+              </p:spPr>
+              <p:txBody>
+                <a:bodyPr wrap="none">
+                  <a:spAutoFit/>
+                </a:bodyPr>
+                <a:lstStyle/>
+                <a:p>
+                  <a:r>
+                    <a:rPr lang="en-US" sz="2400" dirty="0" err="1">
+                      <a:latin typeface="Times New Roman" panose="02020603050405020304" pitchFamily="18" charset="0"/>
+                      <a:cs typeface="Times New Roman" panose="02020603050405020304" pitchFamily="18" charset="0"/>
+                    </a:rPr>
+                    <a:t>A</a:t>
+                  </a:r>
+                  <a:r>
+                    <a:rPr lang="en-US" sz="2400" baseline="-25000" dirty="0" err="1">
+                      <a:latin typeface="Times New Roman" panose="02020603050405020304" pitchFamily="18" charset="0"/>
+                      <a:cs typeface="Times New Roman" panose="02020603050405020304" pitchFamily="18" charset="0"/>
+                    </a:rPr>
+                    <a:t>out</a:t>
+                  </a:r>
+                  <a:endParaRPr lang="en-US" sz="2400" dirty="0">
+                    <a:latin typeface="Times New Roman" panose="02020603050405020304" pitchFamily="18" charset="0"/>
+                    <a:cs typeface="Times New Roman" panose="02020603050405020304" pitchFamily="18" charset="0"/>
+                  </a:endParaRPr>
+                </a:p>
+              </p:txBody>
+            </p:sp>
+            <p:sp>
+              <p:nvSpPr>
+                <p:cNvPr id="47" name="Text Box 49">
+                  <a:extLst>
+                    <a:ext uri="{FF2B5EF4-FFF2-40B4-BE49-F238E27FC236}">
+                      <a16:creationId xmlns:a16="http://schemas.microsoft.com/office/drawing/2014/main" id="{47F62C1F-11BF-498E-AB48-5132B41AE167}"/>
+                    </a:ext>
+                  </a:extLst>
+                </p:cNvPr>
+                <p:cNvSpPr txBox="1">
+                  <a:spLocks noChangeArrowheads="1"/>
+                </p:cNvSpPr>
+                <p:nvPr/>
+              </p:nvSpPr>
+              <p:spPr bwMode="auto">
+                <a:xfrm>
+                  <a:off x="1139581" y="1969452"/>
+                  <a:ext cx="549318" cy="461665"/>
+                </a:xfrm>
+                <a:prstGeom prst="rect">
+                  <a:avLst/>
+                </a:prstGeom>
+                <a:noFill/>
+                <a:ln w="12700">
+                  <a:noFill/>
+                  <a:miter lim="800000"/>
+                  <a:headEnd type="none" w="sm" len="sm"/>
+                  <a:tailEnd type="none" w="lg" len="med"/>
+                </a:ln>
+              </p:spPr>
+              <p:txBody>
+                <a:bodyPr wrap="none">
+                  <a:spAutoFit/>
+                </a:bodyPr>
+                <a:lstStyle/>
+                <a:p>
+                  <a:r>
+                    <a:rPr lang="en-US" sz="2400" dirty="0">
+                      <a:latin typeface="Times New Roman" panose="02020603050405020304" pitchFamily="18" charset="0"/>
+                      <a:cs typeface="Times New Roman" panose="02020603050405020304" pitchFamily="18" charset="0"/>
+                    </a:rPr>
+                    <a:t>V</a:t>
+                  </a:r>
+                  <a:r>
+                    <a:rPr lang="en-US" sz="2400" baseline="-25000" dirty="0">
+                      <a:latin typeface="Times New Roman" panose="02020603050405020304" pitchFamily="18" charset="0"/>
+                      <a:cs typeface="Times New Roman" panose="02020603050405020304" pitchFamily="18" charset="0"/>
+                    </a:rPr>
+                    <a:t>in</a:t>
+                  </a:r>
+                  <a:endParaRPr lang="en-US" sz="2400" dirty="0">
+                    <a:latin typeface="Times New Roman" panose="02020603050405020304" pitchFamily="18" charset="0"/>
+                    <a:cs typeface="Times New Roman" panose="02020603050405020304" pitchFamily="18" charset="0"/>
+                  </a:endParaRPr>
+                </a:p>
+              </p:txBody>
+            </p:sp>
+            <p:sp>
+              <p:nvSpPr>
+                <p:cNvPr id="49" name="Text Box 49">
+                  <a:extLst>
+                    <a:ext uri="{FF2B5EF4-FFF2-40B4-BE49-F238E27FC236}">
+                      <a16:creationId xmlns:a16="http://schemas.microsoft.com/office/drawing/2014/main" id="{67A3C4D3-DF84-4E9B-97B0-C637EA9F7E65}"/>
+                    </a:ext>
+                  </a:extLst>
+                </p:cNvPr>
+                <p:cNvSpPr txBox="1">
+                  <a:spLocks noChangeArrowheads="1"/>
+                </p:cNvSpPr>
+                <p:nvPr/>
+              </p:nvSpPr>
+              <p:spPr bwMode="auto">
+                <a:xfrm>
+                  <a:off x="6010433" y="1939353"/>
+                  <a:ext cx="630685" cy="461665"/>
+                </a:xfrm>
+                <a:prstGeom prst="rect">
+                  <a:avLst/>
+                </a:prstGeom>
+                <a:noFill/>
+                <a:ln w="12700">
+                  <a:noFill/>
+                  <a:miter lim="800000"/>
+                  <a:headEnd type="none" w="sm" len="sm"/>
+                  <a:tailEnd type="none" w="lg" len="med"/>
+                </a:ln>
+              </p:spPr>
+              <p:txBody>
+                <a:bodyPr wrap="none">
+                  <a:spAutoFit/>
+                </a:bodyPr>
+                <a:lstStyle/>
+                <a:p>
+                  <a:r>
+                    <a:rPr lang="en-US" sz="2400" dirty="0" err="1">
+                      <a:latin typeface="Times New Roman" panose="02020603050405020304" pitchFamily="18" charset="0"/>
+                      <a:cs typeface="Times New Roman" panose="02020603050405020304" pitchFamily="18" charset="0"/>
+                    </a:rPr>
+                    <a:t>V</a:t>
+                  </a:r>
+                  <a:r>
+                    <a:rPr lang="en-US" sz="2400" baseline="-25000" dirty="0" err="1">
+                      <a:latin typeface="Times New Roman" panose="02020603050405020304" pitchFamily="18" charset="0"/>
+                      <a:cs typeface="Times New Roman" panose="02020603050405020304" pitchFamily="18" charset="0"/>
+                    </a:rPr>
+                    <a:t>out</a:t>
+                  </a:r>
+                  <a:endParaRPr lang="en-US" sz="2400" dirty="0">
+                    <a:latin typeface="Times New Roman" panose="02020603050405020304" pitchFamily="18" charset="0"/>
+                    <a:cs typeface="Times New Roman" panose="02020603050405020304" pitchFamily="18" charset="0"/>
+                  </a:endParaRPr>
+                </a:p>
+              </p:txBody>
+            </p:sp>
+          </p:grpSp>
+          <p:sp>
+            <p:nvSpPr>
+              <p:cNvPr id="43" name="Line 52">
+                <a:extLst>
+                  <a:ext uri="{FF2B5EF4-FFF2-40B4-BE49-F238E27FC236}">
+                    <a16:creationId xmlns:a16="http://schemas.microsoft.com/office/drawing/2014/main" id="{BD41063E-C660-418C-8395-7D5BF0007A5C}"/>
+                  </a:ext>
+                </a:extLst>
+              </p:cNvPr>
+              <p:cNvSpPr>
+                <a:spLocks noChangeShapeType="1"/>
+              </p:cNvSpPr>
+              <p:nvPr/>
+            </p:nvSpPr>
+            <p:spPr bwMode="auto">
+              <a:xfrm>
+                <a:off x="1701800" y="2882900"/>
+                <a:ext cx="1435100" cy="0"/>
+              </a:xfrm>
+              <a:prstGeom prst="line">
+                <a:avLst/>
+              </a:prstGeom>
+              <a:noFill/>
+              <a:ln w="12700">
+                <a:solidFill>
+                  <a:schemeClr val="tx1"/>
+                </a:solidFill>
+                <a:round/>
+                <a:headEnd type="none" w="sm" len="sm"/>
+                <a:tailEnd type="triangle" w="lg" len="med"/>
+              </a:ln>
+            </p:spPr>
+            <p:txBody>
+              <a:bodyPr wrap="none" anchor="ctr"/>
+              <a:lstStyle/>
+              <a:p>
+                <a:endParaRPr lang="en-US"/>
+              </a:p>
+            </p:txBody>
+          </p:sp>
+          <p:sp>
+            <p:nvSpPr>
+              <p:cNvPr id="44" name="Text Box 53">
+                <a:extLst>
+                  <a:ext uri="{FF2B5EF4-FFF2-40B4-BE49-F238E27FC236}">
+                    <a16:creationId xmlns:a16="http://schemas.microsoft.com/office/drawing/2014/main" id="{B4953DD4-50DA-4253-A56B-82D173B1C70D}"/>
+                  </a:ext>
+                </a:extLst>
+              </p:cNvPr>
+              <p:cNvSpPr txBox="1">
+                <a:spLocks noChangeArrowheads="1"/>
+              </p:cNvSpPr>
+              <p:nvPr/>
+            </p:nvSpPr>
+            <p:spPr bwMode="auto">
+              <a:xfrm>
+                <a:off x="3209925" y="2619375"/>
+                <a:ext cx="336550" cy="457200"/>
+              </a:xfrm>
+              <a:prstGeom prst="rect">
+                <a:avLst/>
+              </a:prstGeom>
+              <a:noFill/>
+              <a:ln w="12700">
+                <a:noFill/>
+                <a:miter lim="800000"/>
+                <a:headEnd type="none" w="sm" len="sm"/>
+                <a:tailEnd type="none" w="lg" len="med"/>
+              </a:ln>
+            </p:spPr>
+            <p:txBody>
+              <a:bodyPr wrap="none">
+                <a:spAutoFit/>
+              </a:bodyPr>
+              <a:lstStyle/>
+              <a:p>
+                <a:r>
+                  <a:rPr lang="en-US" sz="2400" dirty="0">
+                    <a:latin typeface="Times New Roman" panose="02020603050405020304" pitchFamily="18" charset="0"/>
+                    <a:cs typeface="Times New Roman" panose="02020603050405020304" pitchFamily="18" charset="0"/>
+                  </a:rPr>
+                  <a:t>x</a:t>
+                </a:r>
+              </a:p>
+            </p:txBody>
+          </p:sp>
+        </p:grpSp>
+        <p:cxnSp>
+          <p:nvCxnSpPr>
+            <p:cNvPr id="48" name="Straight Connector 47">
+              <a:extLst>
+                <a:ext uri="{FF2B5EF4-FFF2-40B4-BE49-F238E27FC236}">
+                  <a16:creationId xmlns:a16="http://schemas.microsoft.com/office/drawing/2014/main" id="{1A614854-114F-418E-8A6C-77EE1E88AEFC}"/>
+                </a:ext>
+              </a:extLst>
+            </p:cNvPr>
+            <p:cNvCxnSpPr>
+              <a:cxnSpLocks/>
+            </p:cNvCxnSpPr>
+            <p:nvPr/>
+          </p:nvCxnSpPr>
+          <p:spPr>
+            <a:xfrm>
+              <a:off x="3934840" y="1640063"/>
+              <a:ext cx="0" cy="1164874"/>
+            </a:xfrm>
+            <a:prstGeom prst="line">
+              <a:avLst/>
+            </a:prstGeom>
+            <a:ln w="28575">
+              <a:solidFill>
+                <a:srgbClr val="C00000"/>
+              </a:solidFill>
+              <a:prstDash val="dash"/>
+            </a:ln>
+          </p:spPr>
+          <p:style>
+            <a:lnRef idx="1">
+              <a:schemeClr val="accent1"/>
+            </a:lnRef>
+            <a:fillRef idx="0">
+              <a:schemeClr val="accent1"/>
+            </a:fillRef>
+            <a:effectRef idx="0">
+              <a:schemeClr val="accent1"/>
+            </a:effectRef>
+            <a:fontRef idx="minor">
+              <a:schemeClr val="tx1"/>
+            </a:fontRef>
+          </p:style>
+        </p:cxnSp>
+        <p:cxnSp>
+          <p:nvCxnSpPr>
+            <p:cNvPr id="51" name="Straight Connector 50">
+              <a:extLst>
+                <a:ext uri="{FF2B5EF4-FFF2-40B4-BE49-F238E27FC236}">
+                  <a16:creationId xmlns:a16="http://schemas.microsoft.com/office/drawing/2014/main" id="{5FBF75CD-66DF-40F6-B7FA-8743782FE214}"/>
+                </a:ext>
+              </a:extLst>
+            </p:cNvPr>
+            <p:cNvCxnSpPr>
+              <a:cxnSpLocks/>
+            </p:cNvCxnSpPr>
+            <p:nvPr/>
+          </p:nvCxnSpPr>
+          <p:spPr>
+            <a:xfrm>
+              <a:off x="5410200" y="1640063"/>
+              <a:ext cx="0" cy="1164874"/>
+            </a:xfrm>
+            <a:prstGeom prst="line">
+              <a:avLst/>
+            </a:prstGeom>
+            <a:ln w="28575">
+              <a:solidFill>
+                <a:srgbClr val="C00000"/>
+              </a:solidFill>
+              <a:prstDash val="dash"/>
+            </a:ln>
+          </p:spPr>
+          <p:style>
+            <a:lnRef idx="1">
+              <a:schemeClr val="accent1"/>
+            </a:lnRef>
+            <a:fillRef idx="0">
+              <a:schemeClr val="accent1"/>
+            </a:fillRef>
+            <a:effectRef idx="0">
+              <a:schemeClr val="accent1"/>
+            </a:effectRef>
+            <a:fontRef idx="minor">
+              <a:schemeClr val="tx1"/>
+            </a:fontRef>
+          </p:style>
+        </p:cxnSp>
+      </p:grpSp>
+    </p:spTree>
+    <p:extLst>
+      <p:ext uri="{BB962C8B-B14F-4D97-AF65-F5344CB8AC3E}">
+        <p14:creationId xmlns:p14="http://schemas.microsoft.com/office/powerpoint/2010/main" val="913652694"/>
+      </p:ext>
+    </p:extLst>
+  </p:cSld>
+  <p:clrMapOvr>
+    <a:masterClrMapping/>
+  </p:clrMapOvr>
+</p:sld>
+</file>
+
+<file path=ppt/slides/slide11.xml><?xml version="1.0" encoding="utf-8"?>
+<p:sld xmlns:a="http://schemas.openxmlformats.org/drawingml/2006/main" xmlns:r="http://schemas.openxmlformats.org/officeDocument/2006/relationships" xmlns:p="http://schemas.openxmlformats.org/presentationml/2006/main">
+  <p:cSld>
+    <p:spTree>
+      <p:nvGrpSpPr>
+        <p:cNvPr id="1" name=""/>
+        <p:cNvGrpSpPr/>
+        <p:nvPr/>
+      </p:nvGrpSpPr>
+      <p:grpSpPr>
+        <a:xfrm>
+          <a:off x="0" y="0"/>
+          <a:ext cx="0" cy="0"/>
+          <a:chOff x="0" y="0"/>
+          <a:chExt cx="0" cy="0"/>
+        </a:xfrm>
+      </p:grpSpPr>
+      <p:grpSp>
+        <p:nvGrpSpPr>
           <p:cNvPr id="2" name="Group 1">
             <a:extLst>
               <a:ext uri="{FF2B5EF4-FFF2-40B4-BE49-F238E27FC236}">
@@ -6392,7 +8209,7 @@
 </p:sld>
 </file>
 
-<file path=ppt/slides/slide11.xml><?xml version="1.0" encoding="utf-8"?>
+<file path=ppt/slides/slide12.xml><?xml version="1.0" encoding="utf-8"?>
 <p:sld xmlns:a="http://schemas.openxmlformats.org/drawingml/2006/main" xmlns:r="http://schemas.openxmlformats.org/officeDocument/2006/relationships" xmlns:p="http://schemas.openxmlformats.org/presentationml/2006/main">
   <p:cSld>
     <p:spTree>
@@ -8286,7 +10103,7 @@
 </p:sld>
 </file>
 
-<file path=ppt/slides/slide12.xml><?xml version="1.0" encoding="utf-8"?>
+<file path=ppt/slides/slide13.xml><?xml version="1.0" encoding="utf-8"?>
 <p:sld xmlns:a="http://schemas.openxmlformats.org/drawingml/2006/main" xmlns:r="http://schemas.openxmlformats.org/officeDocument/2006/relationships" xmlns:p="http://schemas.openxmlformats.org/presentationml/2006/main">
   <p:cSld>
     <p:spTree>
@@ -9536,7 +11353,7 @@
 </p:sld>
 </file>
 
-<file path=ppt/slides/slide13.xml><?xml version="1.0" encoding="utf-8"?>
+<file path=ppt/slides/slide14.xml><?xml version="1.0" encoding="utf-8"?>
 <p:sld xmlns:a="http://schemas.openxmlformats.org/drawingml/2006/main" xmlns:r="http://schemas.openxmlformats.org/officeDocument/2006/relationships" xmlns:p="http://schemas.openxmlformats.org/presentationml/2006/main">
   <p:cSld>
     <p:spTree>
@@ -11354,7 +13171,7 @@
 </p:sld>
 </file>
 
-<file path=ppt/slides/slide14.xml><?xml version="1.0" encoding="utf-8"?>
+<file path=ppt/slides/slide15.xml><?xml version="1.0" encoding="utf-8"?>
 <p:sld xmlns:a="http://schemas.openxmlformats.org/drawingml/2006/main" xmlns:r="http://schemas.openxmlformats.org/officeDocument/2006/relationships" xmlns:p="http://schemas.openxmlformats.org/presentationml/2006/main">
   <p:cSld>
     <p:spTree>
@@ -11620,7 +13437,7 @@
 </p:sld>
 </file>
 
-<file path=ppt/slides/slide15.xml><?xml version="1.0" encoding="utf-8"?>
+<file path=ppt/slides/slide16.xml><?xml version="1.0" encoding="utf-8"?>
 <p:sld xmlns:a="http://schemas.openxmlformats.org/drawingml/2006/main" xmlns:r="http://schemas.openxmlformats.org/officeDocument/2006/relationships" xmlns:p="http://schemas.openxmlformats.org/presentationml/2006/main">
   <p:cSld>
     <p:spTree>
@@ -12736,7 +14553,7 @@
 </p:sld>
 </file>
 
-<file path=ppt/slides/slide16.xml><?xml version="1.0" encoding="utf-8"?>
+<file path=ppt/slides/slide17.xml><?xml version="1.0" encoding="utf-8"?>
 <p:sld xmlns:a="http://schemas.openxmlformats.org/drawingml/2006/main" xmlns:r="http://schemas.openxmlformats.org/officeDocument/2006/relationships" xmlns:p="http://schemas.openxmlformats.org/presentationml/2006/main">
   <p:cSld>
     <p:spTree>
@@ -15906,7 +17723,7 @@
 </p:sld>
 </file>
 
-<file path=ppt/slides/slide17.xml><?xml version="1.0" encoding="utf-8"?>
+<file path=ppt/slides/slide18.xml><?xml version="1.0" encoding="utf-8"?>
 <p:sld xmlns:a="http://schemas.openxmlformats.org/drawingml/2006/main" xmlns:r="http://schemas.openxmlformats.org/officeDocument/2006/relationships" xmlns:p="http://schemas.openxmlformats.org/presentationml/2006/main">
   <p:cSld>
     <p:spTree>
@@ -17556,7 +19373,7 @@
 </p:sld>
 </file>
 
-<file path=ppt/slides/slide18.xml><?xml version="1.0" encoding="utf-8"?>
+<file path=ppt/slides/slide19.xml><?xml version="1.0" encoding="utf-8"?>
 <p:sld xmlns:a="http://schemas.openxmlformats.org/drawingml/2006/main" xmlns:r="http://schemas.openxmlformats.org/officeDocument/2006/relationships" xmlns:p="http://schemas.openxmlformats.org/presentationml/2006/main">
   <p:cSld>
     <p:spTree>
@@ -18097,7 +19914,279 @@
 </p:sld>
 </file>
 
-<file path=ppt/slides/slide19.xml><?xml version="1.0" encoding="utf-8"?>
+<file path=ppt/slides/slide2.xml><?xml version="1.0" encoding="utf-8"?>
+<p:sld xmlns:a="http://schemas.openxmlformats.org/drawingml/2006/main" xmlns:r="http://schemas.openxmlformats.org/officeDocument/2006/relationships" xmlns:p="http://schemas.openxmlformats.org/presentationml/2006/main">
+  <p:cSld>
+    <p:spTree>
+      <p:nvGrpSpPr>
+        <p:cNvPr id="1" name=""/>
+        <p:cNvGrpSpPr/>
+        <p:nvPr/>
+      </p:nvGrpSpPr>
+      <p:grpSpPr>
+        <a:xfrm>
+          <a:off x="0" y="0"/>
+          <a:ext cx="0" cy="0"/>
+          <a:chOff x="0" y="0"/>
+          <a:chExt cx="0" cy="0"/>
+        </a:xfrm>
+      </p:grpSpPr>
+      <p:grpSp>
+        <p:nvGrpSpPr>
+          <p:cNvPr id="20" name="Group 19">
+            <a:extLst>
+              <a:ext uri="{FF2B5EF4-FFF2-40B4-BE49-F238E27FC236}">
+                <a16:creationId xmlns:a16="http://schemas.microsoft.com/office/drawing/2014/main" id="{B5407F98-0D20-44A6-921A-53DCF5994BAE}"/>
+              </a:ext>
+            </a:extLst>
+          </p:cNvPr>
+          <p:cNvGrpSpPr/>
+          <p:nvPr/>
+        </p:nvGrpSpPr>
+        <p:grpSpPr>
+          <a:xfrm>
+            <a:off x="1389411" y="1151792"/>
+            <a:ext cx="12757256" cy="4737639"/>
+            <a:chOff x="1389411" y="1151792"/>
+            <a:chExt cx="12757256" cy="4737639"/>
+          </a:xfrm>
+        </p:grpSpPr>
+        <p:grpSp>
+          <p:nvGrpSpPr>
+            <p:cNvPr id="19" name="Group 18">
+              <a:extLst>
+                <a:ext uri="{FF2B5EF4-FFF2-40B4-BE49-F238E27FC236}">
+                  <a16:creationId xmlns:a16="http://schemas.microsoft.com/office/drawing/2014/main" id="{A7EFCD2C-C2B8-46E2-A8F8-7825DF9BBF33}"/>
+                </a:ext>
+              </a:extLst>
+            </p:cNvPr>
+            <p:cNvGrpSpPr/>
+            <p:nvPr/>
+          </p:nvGrpSpPr>
+          <p:grpSpPr>
+            <a:xfrm>
+              <a:off x="1389411" y="1151792"/>
+              <a:ext cx="12757256" cy="4737639"/>
+              <a:chOff x="1389411" y="1151792"/>
+              <a:chExt cx="12757256" cy="4737639"/>
+            </a:xfrm>
+          </p:grpSpPr>
+          <p:pic>
+            <p:nvPicPr>
+              <p:cNvPr id="53" name="Picture 10">
+                <a:extLst>
+                  <a:ext uri="{FF2B5EF4-FFF2-40B4-BE49-F238E27FC236}">
+                    <a16:creationId xmlns:a16="http://schemas.microsoft.com/office/drawing/2014/main" id="{A7E1E977-894B-4500-B376-7D87B82B366F}"/>
+                  </a:ext>
+                </a:extLst>
+              </p:cNvPr>
+              <p:cNvPicPr>
+                <a:picLocks noChangeAspect="1" noChangeArrowheads="1"/>
+              </p:cNvPicPr>
+              <p:nvPr/>
+            </p:nvPicPr>
+            <p:blipFill>
+              <a:blip r:embed="rId5" cstate="print"/>
+              <a:srcRect/>
+              <a:stretch>
+                <a:fillRect/>
+              </a:stretch>
+            </p:blipFill>
+            <p:spPr bwMode="auto">
+              <a:xfrm>
+                <a:off x="1389411" y="1151792"/>
+                <a:ext cx="6438328" cy="4737639"/>
+              </a:xfrm>
+              <a:prstGeom prst="rect">
+                <a:avLst/>
+              </a:prstGeom>
+              <a:noFill/>
+              <a:ln w="9525">
+                <a:noFill/>
+                <a:miter lim="800000"/>
+                <a:headEnd/>
+                <a:tailEnd/>
+              </a:ln>
+              <a:effectLst/>
+            </p:spPr>
+          </p:pic>
+          <p:sp>
+            <p:nvSpPr>
+              <p:cNvPr id="55" name="TextBox 54">
+                <a:extLst>
+                  <a:ext uri="{FF2B5EF4-FFF2-40B4-BE49-F238E27FC236}">
+                    <a16:creationId xmlns:a16="http://schemas.microsoft.com/office/drawing/2014/main" id="{AB797F76-A35C-4397-9DD8-05A84436EBC5}"/>
+                  </a:ext>
+                </a:extLst>
+              </p:cNvPr>
+              <p:cNvSpPr txBox="1"/>
+              <p:nvPr/>
+            </p:nvSpPr>
+            <p:spPr>
+              <a:xfrm>
+                <a:off x="4483292" y="1452983"/>
+                <a:ext cx="3722110" cy="627249"/>
+              </a:xfrm>
+              <a:prstGeom prst="rect">
+                <a:avLst/>
+              </a:prstGeom>
+              <a:noFill/>
+            </p:spPr>
+            <p:txBody>
+              <a:bodyPr wrap="none" rtlCol="0">
+                <a:spAutoFit/>
+              </a:bodyPr>
+              <a:lstStyle/>
+              <a:p>
+                <a:r>
+                  <a:rPr lang="en-US" sz="1800" dirty="0"/>
+                  <a:t>Calibrate at max flow</a:t>
+                </a:r>
+              </a:p>
+            </p:txBody>
+          </p:sp>
+          <p:pic>
+            <p:nvPicPr>
+              <p:cNvPr id="6" name="Picture 5">
+                <a:extLst>
+                  <a:ext uri="{FF2B5EF4-FFF2-40B4-BE49-F238E27FC236}">
+                    <a16:creationId xmlns:a16="http://schemas.microsoft.com/office/drawing/2014/main" id="{CFDA14B1-F340-47CF-8065-A1F9A79AD517}"/>
+                  </a:ext>
+                </a:extLst>
+              </p:cNvPr>
+              <p:cNvPicPr>
+                <a:picLocks noChangeAspect="1"/>
+              </p:cNvPicPr>
+              <p:nvPr>
+                <p:custDataLst>
+                  <p:tags r:id="rId2"/>
+                </p:custDataLst>
+              </p:nvPr>
+            </p:nvPicPr>
+            <p:blipFill>
+              <a:blip r:embed="rId6">
+                <a:extLst>
+                  <a:ext uri="{28A0092B-C50C-407E-A947-70E740481C1C}">
+                    <a14:useLocalDpi xmlns:a14="http://schemas.microsoft.com/office/drawing/2010/main" val="0"/>
+                  </a:ext>
+                </a:extLst>
+              </a:blip>
+              <a:stretch>
+                <a:fillRect/>
+              </a:stretch>
+            </p:blipFill>
+            <p:spPr>
+              <a:xfrm>
+                <a:off x="8060271" y="2841501"/>
+                <a:ext cx="5396360" cy="773400"/>
+              </a:xfrm>
+              <a:prstGeom prst="rect">
+                <a:avLst/>
+              </a:prstGeom>
+              <a:ln w="38100">
+                <a:noFill/>
+              </a:ln>
+            </p:spPr>
+          </p:pic>
+          <p:pic>
+            <p:nvPicPr>
+              <p:cNvPr id="18" name="Picture 17">
+                <a:extLst>
+                  <a:ext uri="{FF2B5EF4-FFF2-40B4-BE49-F238E27FC236}">
+                    <a16:creationId xmlns:a16="http://schemas.microsoft.com/office/drawing/2014/main" id="{ADF4A84B-D92A-42C1-BF7F-EB141229FF19}"/>
+                  </a:ext>
+                </a:extLst>
+              </p:cNvPr>
+              <p:cNvPicPr>
+                <a:picLocks noChangeAspect="1"/>
+              </p:cNvPicPr>
+              <p:nvPr>
+                <p:custDataLst>
+                  <p:tags r:id="rId3"/>
+                </p:custDataLst>
+              </p:nvPr>
+            </p:nvPicPr>
+            <p:blipFill>
+              <a:blip r:embed="rId7">
+                <a:extLst>
+                  <a:ext uri="{28A0092B-C50C-407E-A947-70E740481C1C}">
+                    <a14:useLocalDpi xmlns:a14="http://schemas.microsoft.com/office/drawing/2010/main" val="0"/>
+                  </a:ext>
+                </a:extLst>
+              </a:blip>
+              <a:stretch>
+                <a:fillRect/>
+              </a:stretch>
+            </p:blipFill>
+            <p:spPr>
+              <a:xfrm>
+                <a:off x="8060274" y="3869336"/>
+                <a:ext cx="6086393" cy="773399"/>
+              </a:xfrm>
+              <a:prstGeom prst="rect">
+                <a:avLst/>
+              </a:prstGeom>
+              <a:ln w="38100">
+                <a:noFill/>
+              </a:ln>
+            </p:spPr>
+          </p:pic>
+        </p:grpSp>
+        <p:pic>
+          <p:nvPicPr>
+            <p:cNvPr id="3" name="Picture 2">
+              <a:extLst>
+                <a:ext uri="{FF2B5EF4-FFF2-40B4-BE49-F238E27FC236}">
+                  <a16:creationId xmlns:a16="http://schemas.microsoft.com/office/drawing/2014/main" id="{2A9E1866-009F-4603-A572-7F563F716B07}"/>
+                </a:ext>
+              </a:extLst>
+            </p:cNvPr>
+            <p:cNvPicPr>
+              <a:picLocks noChangeAspect="1"/>
+            </p:cNvPicPr>
+            <p:nvPr>
+              <p:custDataLst>
+                <p:tags r:id="rId1"/>
+              </p:custDataLst>
+            </p:nvPr>
+          </p:nvPicPr>
+          <p:blipFill>
+            <a:blip r:embed="rId8">
+              <a:extLst>
+                <a:ext uri="{28A0092B-C50C-407E-A947-70E740481C1C}">
+                  <a14:useLocalDpi xmlns:a14="http://schemas.microsoft.com/office/drawing/2010/main" val="0"/>
+                </a:ext>
+              </a:extLst>
+            </a:blip>
+            <a:stretch>
+              <a:fillRect/>
+            </a:stretch>
+          </p:blipFill>
+          <p:spPr>
+            <a:xfrm>
+              <a:off x="8060272" y="1813666"/>
+              <a:ext cx="1996072" cy="773400"/>
+            </a:xfrm>
+            <a:prstGeom prst="rect">
+              <a:avLst/>
+            </a:prstGeom>
+          </p:spPr>
+        </p:pic>
+      </p:grpSp>
+    </p:spTree>
+    <p:extLst>
+      <p:ext uri="{BB962C8B-B14F-4D97-AF65-F5344CB8AC3E}">
+        <p14:creationId xmlns:p14="http://schemas.microsoft.com/office/powerpoint/2010/main" val="858243599"/>
+      </p:ext>
+    </p:extLst>
+  </p:cSld>
+  <p:clrMapOvr>
+    <a:masterClrMapping/>
+  </p:clrMapOvr>
+</p:sld>
+</file>
+
+<file path=ppt/slides/slide20.xml><?xml version="1.0" encoding="utf-8"?>
 <p:sld xmlns:a="http://schemas.openxmlformats.org/drawingml/2006/main" xmlns:r="http://schemas.openxmlformats.org/officeDocument/2006/relationships" xmlns:p="http://schemas.openxmlformats.org/presentationml/2006/main">
   <p:cSld>
     <p:spTree>
@@ -18672,279 +20761,7 @@
 </p:sld>
 </file>
 
-<file path=ppt/slides/slide2.xml><?xml version="1.0" encoding="utf-8"?>
-<p:sld xmlns:a="http://schemas.openxmlformats.org/drawingml/2006/main" xmlns:r="http://schemas.openxmlformats.org/officeDocument/2006/relationships" xmlns:p="http://schemas.openxmlformats.org/presentationml/2006/main">
-  <p:cSld>
-    <p:spTree>
-      <p:nvGrpSpPr>
-        <p:cNvPr id="1" name=""/>
-        <p:cNvGrpSpPr/>
-        <p:nvPr/>
-      </p:nvGrpSpPr>
-      <p:grpSpPr>
-        <a:xfrm>
-          <a:off x="0" y="0"/>
-          <a:ext cx="0" cy="0"/>
-          <a:chOff x="0" y="0"/>
-          <a:chExt cx="0" cy="0"/>
-        </a:xfrm>
-      </p:grpSpPr>
-      <p:grpSp>
-        <p:nvGrpSpPr>
-          <p:cNvPr id="20" name="Group 19">
-            <a:extLst>
-              <a:ext uri="{FF2B5EF4-FFF2-40B4-BE49-F238E27FC236}">
-                <a16:creationId xmlns:a16="http://schemas.microsoft.com/office/drawing/2014/main" id="{B5407F98-0D20-44A6-921A-53DCF5994BAE}"/>
-              </a:ext>
-            </a:extLst>
-          </p:cNvPr>
-          <p:cNvGrpSpPr/>
-          <p:nvPr/>
-        </p:nvGrpSpPr>
-        <p:grpSpPr>
-          <a:xfrm>
-            <a:off x="1389411" y="1151792"/>
-            <a:ext cx="12757256" cy="4737639"/>
-            <a:chOff x="1389411" y="1151792"/>
-            <a:chExt cx="12757256" cy="4737639"/>
-          </a:xfrm>
-        </p:grpSpPr>
-        <p:grpSp>
-          <p:nvGrpSpPr>
-            <p:cNvPr id="19" name="Group 18">
-              <a:extLst>
-                <a:ext uri="{FF2B5EF4-FFF2-40B4-BE49-F238E27FC236}">
-                  <a16:creationId xmlns:a16="http://schemas.microsoft.com/office/drawing/2014/main" id="{A7EFCD2C-C2B8-46E2-A8F8-7825DF9BBF33}"/>
-                </a:ext>
-              </a:extLst>
-            </p:cNvPr>
-            <p:cNvGrpSpPr/>
-            <p:nvPr/>
-          </p:nvGrpSpPr>
-          <p:grpSpPr>
-            <a:xfrm>
-              <a:off x="1389411" y="1151792"/>
-              <a:ext cx="12757256" cy="4737639"/>
-              <a:chOff x="1389411" y="1151792"/>
-              <a:chExt cx="12757256" cy="4737639"/>
-            </a:xfrm>
-          </p:grpSpPr>
-          <p:pic>
-            <p:nvPicPr>
-              <p:cNvPr id="53" name="Picture 10">
-                <a:extLst>
-                  <a:ext uri="{FF2B5EF4-FFF2-40B4-BE49-F238E27FC236}">
-                    <a16:creationId xmlns:a16="http://schemas.microsoft.com/office/drawing/2014/main" id="{A7E1E977-894B-4500-B376-7D87B82B366F}"/>
-                  </a:ext>
-                </a:extLst>
-              </p:cNvPr>
-              <p:cNvPicPr>
-                <a:picLocks noChangeAspect="1" noChangeArrowheads="1"/>
-              </p:cNvPicPr>
-              <p:nvPr/>
-            </p:nvPicPr>
-            <p:blipFill>
-              <a:blip r:embed="rId5" cstate="print"/>
-              <a:srcRect/>
-              <a:stretch>
-                <a:fillRect/>
-              </a:stretch>
-            </p:blipFill>
-            <p:spPr bwMode="auto">
-              <a:xfrm>
-                <a:off x="1389411" y="1151792"/>
-                <a:ext cx="6438328" cy="4737639"/>
-              </a:xfrm>
-              <a:prstGeom prst="rect">
-                <a:avLst/>
-              </a:prstGeom>
-              <a:noFill/>
-              <a:ln w="9525">
-                <a:noFill/>
-                <a:miter lim="800000"/>
-                <a:headEnd/>
-                <a:tailEnd/>
-              </a:ln>
-              <a:effectLst/>
-            </p:spPr>
-          </p:pic>
-          <p:sp>
-            <p:nvSpPr>
-              <p:cNvPr id="55" name="TextBox 54">
-                <a:extLst>
-                  <a:ext uri="{FF2B5EF4-FFF2-40B4-BE49-F238E27FC236}">
-                    <a16:creationId xmlns:a16="http://schemas.microsoft.com/office/drawing/2014/main" id="{AB797F76-A35C-4397-9DD8-05A84436EBC5}"/>
-                  </a:ext>
-                </a:extLst>
-              </p:cNvPr>
-              <p:cNvSpPr txBox="1"/>
-              <p:nvPr/>
-            </p:nvSpPr>
-            <p:spPr>
-              <a:xfrm>
-                <a:off x="4483292" y="1452983"/>
-                <a:ext cx="3722110" cy="627249"/>
-              </a:xfrm>
-              <a:prstGeom prst="rect">
-                <a:avLst/>
-              </a:prstGeom>
-              <a:noFill/>
-            </p:spPr>
-            <p:txBody>
-              <a:bodyPr wrap="none" rtlCol="0">
-                <a:spAutoFit/>
-              </a:bodyPr>
-              <a:lstStyle/>
-              <a:p>
-                <a:r>
-                  <a:rPr lang="en-US" sz="1800" dirty="0"/>
-                  <a:t>Calibrate at max flow</a:t>
-                </a:r>
-              </a:p>
-            </p:txBody>
-          </p:sp>
-          <p:pic>
-            <p:nvPicPr>
-              <p:cNvPr id="6" name="Picture 5">
-                <a:extLst>
-                  <a:ext uri="{FF2B5EF4-FFF2-40B4-BE49-F238E27FC236}">
-                    <a16:creationId xmlns:a16="http://schemas.microsoft.com/office/drawing/2014/main" id="{CFDA14B1-F340-47CF-8065-A1F9A79AD517}"/>
-                  </a:ext>
-                </a:extLst>
-              </p:cNvPr>
-              <p:cNvPicPr>
-                <a:picLocks noChangeAspect="1"/>
-              </p:cNvPicPr>
-              <p:nvPr>
-                <p:custDataLst>
-                  <p:tags r:id="rId2"/>
-                </p:custDataLst>
-              </p:nvPr>
-            </p:nvPicPr>
-            <p:blipFill>
-              <a:blip r:embed="rId6">
-                <a:extLst>
-                  <a:ext uri="{28A0092B-C50C-407E-A947-70E740481C1C}">
-                    <a14:useLocalDpi xmlns:a14="http://schemas.microsoft.com/office/drawing/2010/main" val="0"/>
-                  </a:ext>
-                </a:extLst>
-              </a:blip>
-              <a:stretch>
-                <a:fillRect/>
-              </a:stretch>
-            </p:blipFill>
-            <p:spPr>
-              <a:xfrm>
-                <a:off x="8060271" y="2841501"/>
-                <a:ext cx="5396360" cy="773400"/>
-              </a:xfrm>
-              <a:prstGeom prst="rect">
-                <a:avLst/>
-              </a:prstGeom>
-              <a:ln w="38100">
-                <a:noFill/>
-              </a:ln>
-            </p:spPr>
-          </p:pic>
-          <p:pic>
-            <p:nvPicPr>
-              <p:cNvPr id="18" name="Picture 17">
-                <a:extLst>
-                  <a:ext uri="{FF2B5EF4-FFF2-40B4-BE49-F238E27FC236}">
-                    <a16:creationId xmlns:a16="http://schemas.microsoft.com/office/drawing/2014/main" id="{ADF4A84B-D92A-42C1-BF7F-EB141229FF19}"/>
-                  </a:ext>
-                </a:extLst>
-              </p:cNvPr>
-              <p:cNvPicPr>
-                <a:picLocks noChangeAspect="1"/>
-              </p:cNvPicPr>
-              <p:nvPr>
-                <p:custDataLst>
-                  <p:tags r:id="rId3"/>
-                </p:custDataLst>
-              </p:nvPr>
-            </p:nvPicPr>
-            <p:blipFill>
-              <a:blip r:embed="rId7">
-                <a:extLst>
-                  <a:ext uri="{28A0092B-C50C-407E-A947-70E740481C1C}">
-                    <a14:useLocalDpi xmlns:a14="http://schemas.microsoft.com/office/drawing/2010/main" val="0"/>
-                  </a:ext>
-                </a:extLst>
-              </a:blip>
-              <a:stretch>
-                <a:fillRect/>
-              </a:stretch>
-            </p:blipFill>
-            <p:spPr>
-              <a:xfrm>
-                <a:off x="8060274" y="3869336"/>
-                <a:ext cx="6086393" cy="773399"/>
-              </a:xfrm>
-              <a:prstGeom prst="rect">
-                <a:avLst/>
-              </a:prstGeom>
-              <a:ln w="38100">
-                <a:noFill/>
-              </a:ln>
-            </p:spPr>
-          </p:pic>
-        </p:grpSp>
-        <p:pic>
-          <p:nvPicPr>
-            <p:cNvPr id="3" name="Picture 2">
-              <a:extLst>
-                <a:ext uri="{FF2B5EF4-FFF2-40B4-BE49-F238E27FC236}">
-                  <a16:creationId xmlns:a16="http://schemas.microsoft.com/office/drawing/2014/main" id="{2A9E1866-009F-4603-A572-7F563F716B07}"/>
-                </a:ext>
-              </a:extLst>
-            </p:cNvPr>
-            <p:cNvPicPr>
-              <a:picLocks noChangeAspect="1"/>
-            </p:cNvPicPr>
-            <p:nvPr>
-              <p:custDataLst>
-                <p:tags r:id="rId1"/>
-              </p:custDataLst>
-            </p:nvPr>
-          </p:nvPicPr>
-          <p:blipFill>
-            <a:blip r:embed="rId8">
-              <a:extLst>
-                <a:ext uri="{28A0092B-C50C-407E-A947-70E740481C1C}">
-                  <a14:useLocalDpi xmlns:a14="http://schemas.microsoft.com/office/drawing/2010/main" val="0"/>
-                </a:ext>
-              </a:extLst>
-            </a:blip>
-            <a:stretch>
-              <a:fillRect/>
-            </a:stretch>
-          </p:blipFill>
-          <p:spPr>
-            <a:xfrm>
-              <a:off x="8060272" y="1813666"/>
-              <a:ext cx="1996072" cy="773400"/>
-            </a:xfrm>
-            <a:prstGeom prst="rect">
-              <a:avLst/>
-            </a:prstGeom>
-          </p:spPr>
-        </p:pic>
-      </p:grpSp>
-    </p:spTree>
-    <p:extLst>
-      <p:ext uri="{BB962C8B-B14F-4D97-AF65-F5344CB8AC3E}">
-        <p14:creationId xmlns:p14="http://schemas.microsoft.com/office/powerpoint/2010/main" val="858243599"/>
-      </p:ext>
-    </p:extLst>
-  </p:cSld>
-  <p:clrMapOvr>
-    <a:masterClrMapping/>
-  </p:clrMapOvr>
-</p:sld>
-</file>
-
-<file path=ppt/slides/slide20.xml><?xml version="1.0" encoding="utf-8"?>
+<file path=ppt/slides/slide21.xml><?xml version="1.0" encoding="utf-8"?>
 <p:sld xmlns:a="http://schemas.openxmlformats.org/drawingml/2006/main" xmlns:r="http://schemas.openxmlformats.org/officeDocument/2006/relationships" xmlns:p="http://schemas.openxmlformats.org/presentationml/2006/main">
   <p:cSld>
     <p:spTree>
@@ -20537,7 +22354,7 @@
 </p:sld>
 </file>
 
-<file path=ppt/slides/slide21.xml><?xml version="1.0" encoding="utf-8"?>
+<file path=ppt/slides/slide22.xml><?xml version="1.0" encoding="utf-8"?>
 <p:sld xmlns:a="http://schemas.openxmlformats.org/drawingml/2006/main" xmlns:r="http://schemas.openxmlformats.org/officeDocument/2006/relationships" xmlns:p="http://schemas.openxmlformats.org/presentationml/2006/main">
   <p:cSld>
     <p:spTree>
@@ -20784,7 +22601,7 @@
 </p:sld>
 </file>
 
-<file path=ppt/slides/slide22.xml><?xml version="1.0" encoding="utf-8"?>
+<file path=ppt/slides/slide23.xml><?xml version="1.0" encoding="utf-8"?>
 <p:sld xmlns:a="http://schemas.openxmlformats.org/drawingml/2006/main" xmlns:r="http://schemas.openxmlformats.org/officeDocument/2006/relationships" xmlns:p="http://schemas.openxmlformats.org/presentationml/2006/main">
   <p:cSld>
     <p:spTree>
@@ -31781,6 +33598,961 @@
       </p:grpSpPr>
       <p:grpSp>
         <p:nvGrpSpPr>
+          <p:cNvPr id="48" name="Group 47">
+            <a:extLst>
+              <a:ext uri="{FF2B5EF4-FFF2-40B4-BE49-F238E27FC236}">
+                <a16:creationId xmlns:a16="http://schemas.microsoft.com/office/drawing/2014/main" id="{AB93DC19-8C08-4CC4-BBC8-885F42EA5E71}"/>
+              </a:ext>
+            </a:extLst>
+          </p:cNvPr>
+          <p:cNvGrpSpPr/>
+          <p:nvPr/>
+        </p:nvGrpSpPr>
+        <p:grpSpPr>
+          <a:xfrm>
+            <a:off x="2883690" y="399526"/>
+            <a:ext cx="5399920" cy="6181974"/>
+            <a:chOff x="2883690" y="399526"/>
+            <a:chExt cx="5399920" cy="6181974"/>
+          </a:xfrm>
+        </p:grpSpPr>
+        <p:sp>
+          <p:nvSpPr>
+            <p:cNvPr id="146" name="Line 12 1">
+              <a:extLst>
+                <a:ext uri="{FF2B5EF4-FFF2-40B4-BE49-F238E27FC236}">
+                  <a16:creationId xmlns:a16="http://schemas.microsoft.com/office/drawing/2014/main" id="{5F14B9AF-753D-4BD4-B839-617693987685}"/>
+                </a:ext>
+              </a:extLst>
+            </p:cNvPr>
+            <p:cNvSpPr>
+              <a:spLocks noChangeShapeType="1"/>
+            </p:cNvSpPr>
+            <p:nvPr/>
+          </p:nvSpPr>
+          <p:spPr bwMode="auto">
+            <a:xfrm>
+              <a:off x="6595949" y="1962310"/>
+              <a:ext cx="0" cy="2349500"/>
+            </a:xfrm>
+            <a:prstGeom prst="line">
+              <a:avLst/>
+            </a:prstGeom>
+            <a:noFill/>
+            <a:ln w="12700">
+              <a:solidFill>
+                <a:schemeClr val="tx1"/>
+              </a:solidFill>
+              <a:round/>
+              <a:headEnd type="triangle" w="med" len="med"/>
+              <a:tailEnd type="triangle" w="med" len="med"/>
+            </a:ln>
+            <a:effectLst/>
+          </p:spPr>
+          <p:txBody>
+            <a:bodyPr wrap="square" anchor="ctr">
+              <a:spAutoFit/>
+            </a:bodyPr>
+            <a:lstStyle/>
+            <a:p>
+              <a:endParaRPr lang="es-HN"/>
+            </a:p>
+          </p:txBody>
+        </p:sp>
+        <p:sp>
+          <p:nvSpPr>
+            <p:cNvPr id="147" name="Rectangle 146">
+              <a:extLst>
+                <a:ext uri="{FF2B5EF4-FFF2-40B4-BE49-F238E27FC236}">
+                  <a16:creationId xmlns:a16="http://schemas.microsoft.com/office/drawing/2014/main" id="{B602344B-55AD-412B-B76C-708227437477}"/>
+                </a:ext>
+              </a:extLst>
+            </p:cNvPr>
+            <p:cNvSpPr/>
+            <p:nvPr/>
+          </p:nvSpPr>
+          <p:spPr bwMode="auto">
+            <a:xfrm flipH="1">
+              <a:off x="6005137" y="1689460"/>
+              <a:ext cx="2278473" cy="4128097"/>
+            </a:xfrm>
+            <a:prstGeom prst="rect">
+              <a:avLst/>
+            </a:prstGeom>
+            <a:solidFill>
+              <a:srgbClr val="0563C1"/>
+            </a:solidFill>
+            <a:ln w="3175" cap="flat" cmpd="sng" algn="ctr">
+              <a:noFill/>
+              <a:prstDash val="solid"/>
+              <a:round/>
+              <a:headEnd type="none" w="lg" len="med"/>
+              <a:tailEnd type="none" w="lg" len="med"/>
+            </a:ln>
+            <a:effectLst/>
+          </p:spPr>
+          <p:txBody>
+            <a:bodyPr vert="horz" wrap="none" lIns="91440" tIns="45720" rIns="91440" bIns="45720" numCol="1" rtlCol="0" anchor="ctr" anchorCtr="0" compatLnSpc="1">
+              <a:prstTxWarp prst="textNoShape">
+                <a:avLst/>
+              </a:prstTxWarp>
+              <a:noAutofit/>
+            </a:bodyPr>
+            <a:lstStyle/>
+            <a:p>
+              <a:pPr marL="0" marR="0" indent="0" algn="l" defTabSz="914400" rtl="0" eaLnBrk="0" fontAlgn="base" latinLnBrk="0" hangingPunct="0">
+                <a:lnSpc>
+                  <a:spcPct val="100000"/>
+                </a:lnSpc>
+                <a:spcBef>
+                  <a:spcPct val="0"/>
+                </a:spcBef>
+                <a:spcAft>
+                  <a:spcPct val="0"/>
+                </a:spcAft>
+                <a:buClrTx/>
+                <a:buSzTx/>
+                <a:buFontTx/>
+                <a:buNone/>
+                <a:tabLst/>
+              </a:pPr>
+              <a:endParaRPr kumimoji="0" lang="es-GT" sz="2800" b="0" i="0" u="none" strike="noStrike" cap="none" normalizeH="0" baseline="0" dirty="0">
+                <a:ln>
+                  <a:noFill/>
+                </a:ln>
+                <a:solidFill>
+                  <a:schemeClr val="tx1"/>
+                </a:solidFill>
+                <a:effectLst/>
+                <a:latin typeface="Times New Roman" pitchFamily="18" charset="0"/>
+              </a:endParaRPr>
+            </a:p>
+          </p:txBody>
+        </p:sp>
+        <p:cxnSp>
+          <p:nvCxnSpPr>
+            <p:cNvPr id="148" name="Straight Connector 147">
+              <a:extLst>
+                <a:ext uri="{FF2B5EF4-FFF2-40B4-BE49-F238E27FC236}">
+                  <a16:creationId xmlns:a16="http://schemas.microsoft.com/office/drawing/2014/main" id="{834D55D5-2B10-4722-ABE8-783404A535E5}"/>
+                </a:ext>
+              </a:extLst>
+            </p:cNvPr>
+            <p:cNvCxnSpPr/>
+            <p:nvPr/>
+          </p:nvCxnSpPr>
+          <p:spPr bwMode="auto">
+            <a:xfrm flipV="1">
+              <a:off x="6734552" y="829651"/>
+              <a:ext cx="0" cy="3889608"/>
+            </a:xfrm>
+            <a:prstGeom prst="line">
+              <a:avLst/>
+            </a:prstGeom>
+            <a:noFill/>
+            <a:ln w="57150" cap="flat" cmpd="sng" algn="ctr">
+              <a:solidFill>
+                <a:schemeClr val="tx1"/>
+              </a:solidFill>
+              <a:prstDash val="solid"/>
+              <a:round/>
+              <a:headEnd type="none" w="lg" len="med"/>
+              <a:tailEnd type="none" w="lg" len="med"/>
+            </a:ln>
+            <a:effectLst/>
+          </p:spPr>
+        </p:cxnSp>
+        <p:cxnSp>
+          <p:nvCxnSpPr>
+            <p:cNvPr id="149" name="Straight Connector 148">
+              <a:extLst>
+                <a:ext uri="{FF2B5EF4-FFF2-40B4-BE49-F238E27FC236}">
+                  <a16:creationId xmlns:a16="http://schemas.microsoft.com/office/drawing/2014/main" id="{65AB6089-21E9-417F-A160-752B4800AE7C}"/>
+                </a:ext>
+              </a:extLst>
+            </p:cNvPr>
+            <p:cNvCxnSpPr/>
+            <p:nvPr/>
+          </p:nvCxnSpPr>
+          <p:spPr bwMode="auto">
+            <a:xfrm flipH="1" flipV="1">
+              <a:off x="7478393" y="2794929"/>
+              <a:ext cx="0" cy="3043450"/>
+            </a:xfrm>
+            <a:prstGeom prst="line">
+              <a:avLst/>
+            </a:prstGeom>
+            <a:noFill/>
+            <a:ln w="57150" cap="flat" cmpd="sng" algn="ctr">
+              <a:solidFill>
+                <a:schemeClr val="tx1"/>
+              </a:solidFill>
+              <a:prstDash val="solid"/>
+              <a:round/>
+              <a:headEnd type="none" w="lg" len="med"/>
+              <a:tailEnd type="none" w="lg" len="med"/>
+            </a:ln>
+            <a:effectLst/>
+          </p:spPr>
+        </p:cxnSp>
+        <p:sp>
+          <p:nvSpPr>
+            <p:cNvPr id="159" name="Freeform 6">
+              <a:extLst>
+                <a:ext uri="{FF2B5EF4-FFF2-40B4-BE49-F238E27FC236}">
+                  <a16:creationId xmlns:a16="http://schemas.microsoft.com/office/drawing/2014/main" id="{76F12C18-D594-4BC0-BD90-92F9291BEB8A}"/>
+                </a:ext>
+              </a:extLst>
+            </p:cNvPr>
+            <p:cNvSpPr>
+              <a:spLocks/>
+            </p:cNvSpPr>
+            <p:nvPr/>
+          </p:nvSpPr>
+          <p:spPr bwMode="auto">
+            <a:xfrm rot="5400000">
+              <a:off x="4304563" y="426938"/>
+              <a:ext cx="438946" cy="3053163"/>
+            </a:xfrm>
+            <a:custGeom>
+              <a:avLst/>
+              <a:gdLst/>
+              <a:ahLst/>
+              <a:cxnLst>
+                <a:cxn ang="0">
+                  <a:pos x="0" y="0"/>
+                </a:cxn>
+                <a:cxn ang="0">
+                  <a:pos x="0" y="528"/>
+                </a:cxn>
+                <a:cxn ang="0">
+                  <a:pos x="3216" y="528"/>
+                </a:cxn>
+                <a:cxn ang="0">
+                  <a:pos x="3216" y="0"/>
+                </a:cxn>
+              </a:cxnLst>
+              <a:rect l="0" t="0" r="r" b="b"/>
+              <a:pathLst>
+                <a:path w="3216" h="528">
+                  <a:moveTo>
+                    <a:pt x="0" y="0"/>
+                  </a:moveTo>
+                  <a:lnTo>
+                    <a:pt x="0" y="528"/>
+                  </a:lnTo>
+                  <a:lnTo>
+                    <a:pt x="3216" y="528"/>
+                  </a:lnTo>
+                  <a:lnTo>
+                    <a:pt x="3216" y="0"/>
+                  </a:lnTo>
+                </a:path>
+              </a:pathLst>
+            </a:custGeom>
+            <a:solidFill>
+              <a:schemeClr val="hlink"/>
+            </a:solidFill>
+            <a:ln w="57150" cap="flat" cmpd="sng">
+              <a:solidFill>
+                <a:schemeClr val="tx1">
+                  <a:alpha val="78000"/>
+                </a:schemeClr>
+              </a:solidFill>
+              <a:prstDash val="solid"/>
+              <a:round/>
+              <a:headEnd type="none" w="lg" len="med"/>
+              <a:tailEnd type="none" w="lg" len="med"/>
+            </a:ln>
+            <a:effectLst/>
+          </p:spPr>
+          <p:txBody>
+            <a:bodyPr wrap="square" anchor="ctr">
+              <a:spAutoFit/>
+            </a:bodyPr>
+            <a:lstStyle/>
+            <a:p>
+              <a:endParaRPr lang="en-US" dirty="0"/>
+            </a:p>
+          </p:txBody>
+        </p:sp>
+        <p:sp>
+          <p:nvSpPr>
+            <p:cNvPr id="2" name="Rectangle 1">
+              <a:extLst>
+                <a:ext uri="{FF2B5EF4-FFF2-40B4-BE49-F238E27FC236}">
+                  <a16:creationId xmlns:a16="http://schemas.microsoft.com/office/drawing/2014/main" id="{DA4695B2-0867-42A7-A034-CBB8C95C6B42}"/>
+                </a:ext>
+              </a:extLst>
+            </p:cNvPr>
+            <p:cNvSpPr/>
+            <p:nvPr/>
+          </p:nvSpPr>
+          <p:spPr bwMode="auto">
+            <a:xfrm>
+              <a:off x="2883690" y="1627139"/>
+              <a:ext cx="193431" cy="659423"/>
+            </a:xfrm>
+            <a:prstGeom prst="rect">
+              <a:avLst/>
+            </a:prstGeom>
+            <a:solidFill>
+              <a:schemeClr val="bg1"/>
+            </a:solidFill>
+            <a:ln w="12700">
+              <a:solidFill>
+                <a:schemeClr val="bg1"/>
+              </a:solidFill>
+              <a:miter lim="800000"/>
+              <a:headEnd type="none" w="lg" len="med"/>
+              <a:tailEnd type="none" w="lg" len="med"/>
+            </a:ln>
+            <a:effectLst/>
+          </p:spPr>
+          <p:txBody>
+            <a:bodyPr rtlCol="0" anchor="ctr">
+              <a:spAutoFit/>
+            </a:bodyPr>
+            <a:lstStyle/>
+            <a:p>
+              <a:pPr algn="l"/>
+              <a:endParaRPr lang="en-US" dirty="0"/>
+            </a:p>
+          </p:txBody>
+        </p:sp>
+        <p:cxnSp>
+          <p:nvCxnSpPr>
+            <p:cNvPr id="5" name="Straight Arrow Connector 4">
+              <a:extLst>
+                <a:ext uri="{FF2B5EF4-FFF2-40B4-BE49-F238E27FC236}">
+                  <a16:creationId xmlns:a16="http://schemas.microsoft.com/office/drawing/2014/main" id="{7B5B23F2-0C0C-464C-8BF9-21B12BB8612D}"/>
+                </a:ext>
+              </a:extLst>
+            </p:cNvPr>
+            <p:cNvCxnSpPr>
+              <a:cxnSpLocks/>
+            </p:cNvCxnSpPr>
+            <p:nvPr/>
+          </p:nvCxnSpPr>
+          <p:spPr>
+            <a:xfrm>
+              <a:off x="3771713" y="1953519"/>
+              <a:ext cx="1257487" cy="0"/>
+            </a:xfrm>
+            <a:prstGeom prst="straightConnector1">
+              <a:avLst/>
+            </a:prstGeom>
+            <a:ln w="19050">
+              <a:solidFill>
+                <a:schemeClr val="tx1"/>
+              </a:solidFill>
+              <a:tailEnd type="triangle"/>
+            </a:ln>
+          </p:spPr>
+          <p:style>
+            <a:lnRef idx="1">
+              <a:schemeClr val="accent1"/>
+            </a:lnRef>
+            <a:fillRef idx="0">
+              <a:schemeClr val="accent1"/>
+            </a:fillRef>
+            <a:effectRef idx="0">
+              <a:schemeClr val="accent1"/>
+            </a:effectRef>
+            <a:fontRef idx="minor">
+              <a:schemeClr val="tx1"/>
+            </a:fontRef>
+          </p:style>
+        </p:cxnSp>
+        <p:cxnSp>
+          <p:nvCxnSpPr>
+            <p:cNvPr id="160" name="Straight Arrow Connector 159">
+              <a:extLst>
+                <a:ext uri="{FF2B5EF4-FFF2-40B4-BE49-F238E27FC236}">
+                  <a16:creationId xmlns:a16="http://schemas.microsoft.com/office/drawing/2014/main" id="{F9EF4BE7-5E88-4AB0-8F4D-94CA695444A2}"/>
+                </a:ext>
+              </a:extLst>
+            </p:cNvPr>
+            <p:cNvCxnSpPr>
+              <a:cxnSpLocks/>
+            </p:cNvCxnSpPr>
+            <p:nvPr/>
+          </p:nvCxnSpPr>
+          <p:spPr>
+            <a:xfrm>
+              <a:off x="6306829" y="3745151"/>
+              <a:ext cx="0" cy="807396"/>
+            </a:xfrm>
+            <a:prstGeom prst="straightConnector1">
+              <a:avLst/>
+            </a:prstGeom>
+            <a:ln w="19050">
+              <a:solidFill>
+                <a:schemeClr val="tx1"/>
+              </a:solidFill>
+              <a:tailEnd type="triangle"/>
+            </a:ln>
+          </p:spPr>
+          <p:style>
+            <a:lnRef idx="1">
+              <a:schemeClr val="accent1"/>
+            </a:lnRef>
+            <a:fillRef idx="0">
+              <a:schemeClr val="accent1"/>
+            </a:fillRef>
+            <a:effectRef idx="0">
+              <a:schemeClr val="accent1"/>
+            </a:effectRef>
+            <a:fontRef idx="minor">
+              <a:schemeClr val="tx1"/>
+            </a:fontRef>
+          </p:style>
+        </p:cxnSp>
+        <p:sp>
+          <p:nvSpPr>
+            <p:cNvPr id="7" name="Arc 6">
+              <a:extLst>
+                <a:ext uri="{FF2B5EF4-FFF2-40B4-BE49-F238E27FC236}">
+                  <a16:creationId xmlns:a16="http://schemas.microsoft.com/office/drawing/2014/main" id="{557F3CD1-F165-47DF-9E1B-3D0AD6D5AAFA}"/>
+                </a:ext>
+              </a:extLst>
+            </p:cNvPr>
+            <p:cNvSpPr/>
+            <p:nvPr/>
+          </p:nvSpPr>
+          <p:spPr>
+            <a:xfrm>
+              <a:off x="6705667" y="3658161"/>
+              <a:ext cx="593669" cy="1782293"/>
+            </a:xfrm>
+            <a:prstGeom prst="arc">
+              <a:avLst>
+                <a:gd name="adj1" fmla="val 17880345"/>
+                <a:gd name="adj2" fmla="val 10863455"/>
+              </a:avLst>
+            </a:prstGeom>
+            <a:ln w="19050">
+              <a:solidFill>
+                <a:schemeClr val="tx1"/>
+              </a:solidFill>
+              <a:headEnd type="triangle"/>
+              <a:tailEnd type="none"/>
+            </a:ln>
+          </p:spPr>
+          <p:style>
+            <a:lnRef idx="1">
+              <a:schemeClr val="accent1"/>
+            </a:lnRef>
+            <a:fillRef idx="0">
+              <a:schemeClr val="accent1"/>
+            </a:fillRef>
+            <a:effectRef idx="0">
+              <a:schemeClr val="accent1"/>
+            </a:effectRef>
+            <a:fontRef idx="minor">
+              <a:schemeClr val="tx1"/>
+            </a:fontRef>
+          </p:style>
+          <p:txBody>
+            <a:bodyPr rtlCol="0" anchor="ctr"/>
+            <a:lstStyle/>
+            <a:p>
+              <a:pPr algn="ctr"/>
+              <a:endParaRPr lang="en-US"/>
+            </a:p>
+          </p:txBody>
+        </p:sp>
+        <p:cxnSp>
+          <p:nvCxnSpPr>
+            <p:cNvPr id="162" name="Straight Arrow Connector 161">
+              <a:extLst>
+                <a:ext uri="{FF2B5EF4-FFF2-40B4-BE49-F238E27FC236}">
+                  <a16:creationId xmlns:a16="http://schemas.microsoft.com/office/drawing/2014/main" id="{63ADB6EF-4333-44C4-85CF-2DC7BB62545B}"/>
+                </a:ext>
+              </a:extLst>
+            </p:cNvPr>
+            <p:cNvCxnSpPr>
+              <a:cxnSpLocks/>
+            </p:cNvCxnSpPr>
+            <p:nvPr/>
+          </p:nvCxnSpPr>
+          <p:spPr>
+            <a:xfrm>
+              <a:off x="7086070" y="3171217"/>
+              <a:ext cx="115989" cy="674782"/>
+            </a:xfrm>
+            <a:prstGeom prst="straightConnector1">
+              <a:avLst/>
+            </a:prstGeom>
+            <a:ln w="19050">
+              <a:solidFill>
+                <a:schemeClr val="tx1"/>
+              </a:solidFill>
+              <a:headEnd type="triangle"/>
+              <a:tailEnd type="none"/>
+            </a:ln>
+          </p:spPr>
+          <p:style>
+            <a:lnRef idx="1">
+              <a:schemeClr val="accent1"/>
+            </a:lnRef>
+            <a:fillRef idx="0">
+              <a:schemeClr val="accent1"/>
+            </a:fillRef>
+            <a:effectRef idx="0">
+              <a:schemeClr val="accent1"/>
+            </a:effectRef>
+            <a:fontRef idx="minor">
+              <a:schemeClr val="tx1"/>
+            </a:fontRef>
+          </p:style>
+        </p:cxnSp>
+        <p:cxnSp>
+          <p:nvCxnSpPr>
+            <p:cNvPr id="163" name="Straight Connector 162">
+              <a:extLst>
+                <a:ext uri="{FF2B5EF4-FFF2-40B4-BE49-F238E27FC236}">
+                  <a16:creationId xmlns:a16="http://schemas.microsoft.com/office/drawing/2014/main" id="{5A860034-D1AB-4FEB-A9B0-ABD274006DC2}"/>
+                </a:ext>
+              </a:extLst>
+            </p:cNvPr>
+            <p:cNvCxnSpPr/>
+            <p:nvPr/>
+          </p:nvCxnSpPr>
+          <p:spPr bwMode="auto">
+            <a:xfrm flipV="1">
+              <a:off x="8263922" y="829651"/>
+              <a:ext cx="0" cy="3889608"/>
+            </a:xfrm>
+            <a:prstGeom prst="line">
+              <a:avLst/>
+            </a:prstGeom>
+            <a:noFill/>
+            <a:ln w="57150" cap="flat" cmpd="sng" algn="ctr">
+              <a:solidFill>
+                <a:schemeClr val="tx1"/>
+              </a:solidFill>
+              <a:prstDash val="solid"/>
+              <a:round/>
+              <a:headEnd type="none" w="lg" len="med"/>
+              <a:tailEnd type="none" w="lg" len="med"/>
+            </a:ln>
+            <a:effectLst/>
+          </p:spPr>
+        </p:cxnSp>
+        <p:cxnSp>
+          <p:nvCxnSpPr>
+            <p:cNvPr id="164" name="Straight Connector 163">
+              <a:extLst>
+                <a:ext uri="{FF2B5EF4-FFF2-40B4-BE49-F238E27FC236}">
+                  <a16:creationId xmlns:a16="http://schemas.microsoft.com/office/drawing/2014/main" id="{C96F5F88-8EDC-435A-A366-14B43EC2F2A7}"/>
+                </a:ext>
+              </a:extLst>
+            </p:cNvPr>
+            <p:cNvCxnSpPr>
+              <a:cxnSpLocks/>
+            </p:cNvCxnSpPr>
+            <p:nvPr/>
+          </p:nvCxnSpPr>
+          <p:spPr bwMode="auto">
+            <a:xfrm flipV="1">
+              <a:off x="6031162" y="2172993"/>
+              <a:ext cx="0" cy="3644564"/>
+            </a:xfrm>
+            <a:prstGeom prst="line">
+              <a:avLst/>
+            </a:prstGeom>
+            <a:noFill/>
+            <a:ln w="57150" cap="flat" cmpd="sng" algn="ctr">
+              <a:solidFill>
+                <a:schemeClr val="tx1"/>
+              </a:solidFill>
+              <a:prstDash val="solid"/>
+              <a:round/>
+              <a:headEnd type="none" w="lg" len="med"/>
+              <a:tailEnd type="none" w="lg" len="med"/>
+            </a:ln>
+            <a:effectLst/>
+          </p:spPr>
+        </p:cxnSp>
+        <p:cxnSp>
+          <p:nvCxnSpPr>
+            <p:cNvPr id="165" name="Straight Connector 164">
+              <a:extLst>
+                <a:ext uri="{FF2B5EF4-FFF2-40B4-BE49-F238E27FC236}">
+                  <a16:creationId xmlns:a16="http://schemas.microsoft.com/office/drawing/2014/main" id="{2DC23100-491E-4B9A-B38B-9BC4321CEE32}"/>
+                </a:ext>
+              </a:extLst>
+            </p:cNvPr>
+            <p:cNvCxnSpPr>
+              <a:cxnSpLocks/>
+            </p:cNvCxnSpPr>
+            <p:nvPr/>
+          </p:nvCxnSpPr>
+          <p:spPr bwMode="auto">
+            <a:xfrm flipH="1">
+              <a:off x="6005137" y="5817557"/>
+              <a:ext cx="2258785" cy="0"/>
+            </a:xfrm>
+            <a:prstGeom prst="line">
+              <a:avLst/>
+            </a:prstGeom>
+            <a:noFill/>
+            <a:ln w="57150" cap="flat" cmpd="sng" algn="ctr">
+              <a:solidFill>
+                <a:schemeClr val="tx1"/>
+              </a:solidFill>
+              <a:prstDash val="solid"/>
+              <a:round/>
+              <a:headEnd type="none" w="lg" len="med"/>
+              <a:tailEnd type="none" w="lg" len="med"/>
+            </a:ln>
+            <a:effectLst/>
+          </p:spPr>
+        </p:cxnSp>
+        <p:sp>
+          <p:nvSpPr>
+            <p:cNvPr id="183" name="Arc 182">
+              <a:extLst>
+                <a:ext uri="{FF2B5EF4-FFF2-40B4-BE49-F238E27FC236}">
+                  <a16:creationId xmlns:a16="http://schemas.microsoft.com/office/drawing/2014/main" id="{AFFD0B70-E84A-4DA4-BA3A-4AE962411D9A}"/>
+                </a:ext>
+              </a:extLst>
+            </p:cNvPr>
+            <p:cNvSpPr/>
+            <p:nvPr/>
+          </p:nvSpPr>
+          <p:spPr>
+            <a:xfrm rot="10800000">
+              <a:off x="5469048" y="2094765"/>
+              <a:ext cx="847321" cy="1867965"/>
+            </a:xfrm>
+            <a:prstGeom prst="arc">
+              <a:avLst>
+                <a:gd name="adj1" fmla="val 6012849"/>
+                <a:gd name="adj2" fmla="val 13980780"/>
+              </a:avLst>
+            </a:prstGeom>
+            <a:ln w="19050">
+              <a:solidFill>
+                <a:schemeClr val="tx1"/>
+              </a:solidFill>
+              <a:headEnd type="none"/>
+              <a:tailEnd type="triangle"/>
+            </a:ln>
+          </p:spPr>
+          <p:style>
+            <a:lnRef idx="1">
+              <a:schemeClr val="accent1"/>
+            </a:lnRef>
+            <a:fillRef idx="0">
+              <a:schemeClr val="accent1"/>
+            </a:fillRef>
+            <a:effectRef idx="0">
+              <a:schemeClr val="accent1"/>
+            </a:effectRef>
+            <a:fontRef idx="minor">
+              <a:schemeClr val="tx1"/>
+            </a:fontRef>
+          </p:style>
+          <p:txBody>
+            <a:bodyPr rtlCol="0" anchor="ctr"/>
+            <a:lstStyle/>
+            <a:p>
+              <a:pPr algn="ctr"/>
+              <a:endParaRPr lang="en-US"/>
+            </a:p>
+          </p:txBody>
+        </p:sp>
+        <p:sp>
+          <p:nvSpPr>
+            <p:cNvPr id="184" name="Arc 183">
+              <a:extLst>
+                <a:ext uri="{FF2B5EF4-FFF2-40B4-BE49-F238E27FC236}">
+                  <a16:creationId xmlns:a16="http://schemas.microsoft.com/office/drawing/2014/main" id="{D4EB2AE7-EA16-4BD1-BE7C-05259359205B}"/>
+                </a:ext>
+              </a:extLst>
+            </p:cNvPr>
+            <p:cNvSpPr/>
+            <p:nvPr/>
+          </p:nvSpPr>
+          <p:spPr>
+            <a:xfrm flipV="1">
+              <a:off x="7451994" y="1923221"/>
+              <a:ext cx="593669" cy="1783080"/>
+            </a:xfrm>
+            <a:prstGeom prst="arc">
+              <a:avLst>
+                <a:gd name="adj1" fmla="val 17880345"/>
+                <a:gd name="adj2" fmla="val 10863455"/>
+              </a:avLst>
+            </a:prstGeom>
+            <a:ln w="19050">
+              <a:solidFill>
+                <a:schemeClr val="tx1"/>
+              </a:solidFill>
+              <a:headEnd type="triangle"/>
+              <a:tailEnd type="none"/>
+            </a:ln>
+          </p:spPr>
+          <p:style>
+            <a:lnRef idx="1">
+              <a:schemeClr val="accent1"/>
+            </a:lnRef>
+            <a:fillRef idx="0">
+              <a:schemeClr val="accent1"/>
+            </a:fillRef>
+            <a:effectRef idx="0">
+              <a:schemeClr val="accent1"/>
+            </a:effectRef>
+            <a:fontRef idx="minor">
+              <a:schemeClr val="tx1"/>
+            </a:fontRef>
+          </p:style>
+          <p:txBody>
+            <a:bodyPr rtlCol="0" anchor="ctr"/>
+            <a:lstStyle/>
+            <a:p>
+              <a:pPr algn="ctr"/>
+              <a:endParaRPr lang="en-US"/>
+            </a:p>
+          </p:txBody>
+        </p:sp>
+        <p:cxnSp>
+          <p:nvCxnSpPr>
+            <p:cNvPr id="33" name="Straight Arrow Connector 32">
+              <a:extLst>
+                <a:ext uri="{FF2B5EF4-FFF2-40B4-BE49-F238E27FC236}">
+                  <a16:creationId xmlns:a16="http://schemas.microsoft.com/office/drawing/2014/main" id="{67A35DBF-990F-4A09-8AC4-D4C54DC9E174}"/>
+                </a:ext>
+              </a:extLst>
+            </p:cNvPr>
+            <p:cNvCxnSpPr>
+              <a:cxnSpLocks/>
+              <a:stCxn id="35" idx="1"/>
+            </p:cNvCxnSpPr>
+            <p:nvPr/>
+          </p:nvCxnSpPr>
+          <p:spPr>
+            <a:xfrm flipH="1">
+              <a:off x="6734552" y="630359"/>
+              <a:ext cx="244510" cy="178471"/>
+            </a:xfrm>
+            <a:prstGeom prst="straightConnector1">
+              <a:avLst/>
+            </a:prstGeom>
+            <a:ln>
+              <a:tailEnd type="arrow"/>
+            </a:ln>
+          </p:spPr>
+          <p:style>
+            <a:lnRef idx="1">
+              <a:schemeClr val="accent1"/>
+            </a:lnRef>
+            <a:fillRef idx="0">
+              <a:schemeClr val="accent1"/>
+            </a:fillRef>
+            <a:effectRef idx="0">
+              <a:schemeClr val="accent1"/>
+            </a:effectRef>
+            <a:fontRef idx="minor">
+              <a:schemeClr val="tx1"/>
+            </a:fontRef>
+          </p:style>
+        </p:cxnSp>
+        <p:sp>
+          <p:nvSpPr>
+            <p:cNvPr id="35" name="TextBox 34">
+              <a:extLst>
+                <a:ext uri="{FF2B5EF4-FFF2-40B4-BE49-F238E27FC236}">
+                  <a16:creationId xmlns:a16="http://schemas.microsoft.com/office/drawing/2014/main" id="{F4D31A5B-02A0-49F9-A042-DCB6B464727C}"/>
+                </a:ext>
+              </a:extLst>
+            </p:cNvPr>
+            <p:cNvSpPr txBox="1"/>
+            <p:nvPr/>
+          </p:nvSpPr>
+          <p:spPr>
+            <a:xfrm>
+              <a:off x="6979062" y="399526"/>
+              <a:ext cx="1067152" cy="461665"/>
+            </a:xfrm>
+            <a:prstGeom prst="rect">
+              <a:avLst/>
+            </a:prstGeom>
+            <a:noFill/>
+          </p:spPr>
+          <p:txBody>
+            <a:bodyPr wrap="none" rtlCol="0">
+              <a:spAutoFit/>
+            </a:bodyPr>
+            <a:lstStyle/>
+            <a:p>
+              <a:r>
+                <a:rPr lang="en-US" sz="2400" dirty="0">
+                  <a:latin typeface="Times New Roman" panose="02020603050405020304" pitchFamily="18" charset="0"/>
+                  <a:cs typeface="Times New Roman" panose="02020603050405020304" pitchFamily="18" charset="0"/>
+                </a:rPr>
+                <a:t>Baffles</a:t>
+              </a:r>
+            </a:p>
+          </p:txBody>
+        </p:sp>
+        <p:cxnSp>
+          <p:nvCxnSpPr>
+            <p:cNvPr id="185" name="Straight Arrow Connector 184">
+              <a:extLst>
+                <a:ext uri="{FF2B5EF4-FFF2-40B4-BE49-F238E27FC236}">
+                  <a16:creationId xmlns:a16="http://schemas.microsoft.com/office/drawing/2014/main" id="{61495064-7661-4341-A854-C2E9581D7C46}"/>
+                </a:ext>
+              </a:extLst>
+            </p:cNvPr>
+            <p:cNvCxnSpPr>
+              <a:cxnSpLocks/>
+              <a:stCxn id="35" idx="3"/>
+            </p:cNvCxnSpPr>
+            <p:nvPr/>
+          </p:nvCxnSpPr>
+          <p:spPr>
+            <a:xfrm>
+              <a:off x="8046214" y="630359"/>
+              <a:ext cx="217708" cy="147999"/>
+            </a:xfrm>
+            <a:prstGeom prst="straightConnector1">
+              <a:avLst/>
+            </a:prstGeom>
+            <a:ln>
+              <a:tailEnd type="arrow"/>
+            </a:ln>
+          </p:spPr>
+          <p:style>
+            <a:lnRef idx="1">
+              <a:schemeClr val="accent1"/>
+            </a:lnRef>
+            <a:fillRef idx="0">
+              <a:schemeClr val="accent1"/>
+            </a:fillRef>
+            <a:effectRef idx="0">
+              <a:schemeClr val="accent1"/>
+            </a:effectRef>
+            <a:fontRef idx="minor">
+              <a:schemeClr val="tx1"/>
+            </a:fontRef>
+          </p:style>
+        </p:cxnSp>
+        <p:cxnSp>
+          <p:nvCxnSpPr>
+            <p:cNvPr id="186" name="Straight Arrow Connector 185">
+              <a:extLst>
+                <a:ext uri="{FF2B5EF4-FFF2-40B4-BE49-F238E27FC236}">
+                  <a16:creationId xmlns:a16="http://schemas.microsoft.com/office/drawing/2014/main" id="{7BAA5D58-65AB-482F-BDA7-D274E9EAA3D4}"/>
+                </a:ext>
+              </a:extLst>
+            </p:cNvPr>
+            <p:cNvCxnSpPr>
+              <a:cxnSpLocks/>
+              <a:stCxn id="187" idx="0"/>
+            </p:cNvCxnSpPr>
+            <p:nvPr/>
+          </p:nvCxnSpPr>
+          <p:spPr>
+            <a:xfrm flipV="1">
+              <a:off x="7451994" y="5838379"/>
+              <a:ext cx="26399" cy="281456"/>
+            </a:xfrm>
+            <a:prstGeom prst="straightConnector1">
+              <a:avLst/>
+            </a:prstGeom>
+            <a:ln>
+              <a:tailEnd type="arrow"/>
+            </a:ln>
+          </p:spPr>
+          <p:style>
+            <a:lnRef idx="1">
+              <a:schemeClr val="accent1"/>
+            </a:lnRef>
+            <a:fillRef idx="0">
+              <a:schemeClr val="accent1"/>
+            </a:fillRef>
+            <a:effectRef idx="0">
+              <a:schemeClr val="accent1"/>
+            </a:effectRef>
+            <a:fontRef idx="minor">
+              <a:schemeClr val="tx1"/>
+            </a:fontRef>
+          </p:style>
+        </p:cxnSp>
+        <p:sp>
+          <p:nvSpPr>
+            <p:cNvPr id="187" name="TextBox 186">
+              <a:extLst>
+                <a:ext uri="{FF2B5EF4-FFF2-40B4-BE49-F238E27FC236}">
+                  <a16:creationId xmlns:a16="http://schemas.microsoft.com/office/drawing/2014/main" id="{7CFFA9F7-8321-427F-9007-EE2EC74A5537}"/>
+                </a:ext>
+              </a:extLst>
+            </p:cNvPr>
+            <p:cNvSpPr txBox="1"/>
+            <p:nvPr/>
+          </p:nvSpPr>
+          <p:spPr>
+            <a:xfrm>
+              <a:off x="6916413" y="6119835"/>
+              <a:ext cx="1071161" cy="461665"/>
+            </a:xfrm>
+            <a:prstGeom prst="rect">
+              <a:avLst/>
+            </a:prstGeom>
+            <a:noFill/>
+          </p:spPr>
+          <p:txBody>
+            <a:bodyPr wrap="square" rtlCol="0">
+              <a:spAutoFit/>
+            </a:bodyPr>
+            <a:lstStyle/>
+            <a:p>
+              <a:r>
+                <a:rPr lang="en-US" sz="2400" dirty="0">
+                  <a:latin typeface="Times New Roman" panose="02020603050405020304" pitchFamily="18" charset="0"/>
+                  <a:cs typeface="Times New Roman" panose="02020603050405020304" pitchFamily="18" charset="0"/>
+                </a:rPr>
+                <a:t>Baffle</a:t>
+              </a:r>
+            </a:p>
+          </p:txBody>
+        </p:sp>
+      </p:grpSp>
+    </p:spTree>
+    <p:extLst>
+      <p:ext uri="{BB962C8B-B14F-4D97-AF65-F5344CB8AC3E}">
+        <p14:creationId xmlns:p14="http://schemas.microsoft.com/office/powerpoint/2010/main" val="1981074142"/>
+      </p:ext>
+    </p:extLst>
+  </p:cSld>
+  <p:clrMapOvr>
+    <a:masterClrMapping/>
+  </p:clrMapOvr>
+</p:sld>
+</file>
+
+<file path=ppt/slides/slide4.xml><?xml version="1.0" encoding="utf-8"?>
+<p:sld xmlns:a="http://schemas.openxmlformats.org/drawingml/2006/main" xmlns:r="http://schemas.openxmlformats.org/officeDocument/2006/relationships" xmlns:p="http://schemas.openxmlformats.org/presentationml/2006/main">
+  <p:cSld>
+    <p:spTree>
+      <p:nvGrpSpPr>
+        <p:cNvPr id="1" name=""/>
+        <p:cNvGrpSpPr/>
+        <p:nvPr/>
+      </p:nvGrpSpPr>
+      <p:grpSpPr>
+        <a:xfrm>
+          <a:off x="0" y="0"/>
+          <a:ext cx="0" cy="0"/>
+          <a:chOff x="0" y="0"/>
+          <a:chExt cx="0" cy="0"/>
+        </a:xfrm>
+      </p:grpSpPr>
+      <p:grpSp>
+        <p:nvGrpSpPr>
           <p:cNvPr id="18" name="Group 17">
             <a:extLst>
               <a:ext uri="{FF2B5EF4-FFF2-40B4-BE49-F238E27FC236}">
@@ -35681,7 +38453,7 @@
     </p:spTree>
     <p:extLst>
       <p:ext uri="{BB962C8B-B14F-4D97-AF65-F5344CB8AC3E}">
-        <p14:creationId xmlns:p14="http://schemas.microsoft.com/office/powerpoint/2010/main" val="1981074142"/>
+        <p14:creationId xmlns:p14="http://schemas.microsoft.com/office/powerpoint/2010/main" val="1388255079"/>
       </p:ext>
     </p:extLst>
   </p:cSld>
@@ -35691,7 +38463,7 @@
 </p:sld>
 </file>
 
-<file path=ppt/slides/slide4.xml><?xml version="1.0" encoding="utf-8"?>
+<file path=ppt/slides/slide5.xml><?xml version="1.0" encoding="utf-8"?>
 <p:sld xmlns:a="http://schemas.openxmlformats.org/drawingml/2006/main" xmlns:r="http://schemas.openxmlformats.org/officeDocument/2006/relationships" xmlns:p="http://schemas.openxmlformats.org/presentationml/2006/main">
   <p:cSld>
     <p:spTree>
@@ -36500,7 +39272,7 @@
 </p:sld>
 </file>
 
-<file path=ppt/slides/slide5.xml><?xml version="1.0" encoding="utf-8"?>
+<file path=ppt/slides/slide6.xml><?xml version="1.0" encoding="utf-8"?>
 <p:sld xmlns:a="http://schemas.openxmlformats.org/drawingml/2006/main" xmlns:r="http://schemas.openxmlformats.org/officeDocument/2006/relationships" xmlns:p="http://schemas.openxmlformats.org/presentationml/2006/main">
   <p:cSld>
     <p:spTree>
@@ -36805,7 +39577,7 @@
 </p:sld>
 </file>
 
-<file path=ppt/slides/slide6.xml><?xml version="1.0" encoding="utf-8"?>
+<file path=ppt/slides/slide7.xml><?xml version="1.0" encoding="utf-8"?>
 <p:sld xmlns:a="http://schemas.openxmlformats.org/drawingml/2006/main" xmlns:r="http://schemas.openxmlformats.org/officeDocument/2006/relationships" xmlns:p="http://schemas.openxmlformats.org/presentationml/2006/main">
   <p:cSld>
     <p:spTree>
@@ -37176,7 +39948,7 @@
 </p:sld>
 </file>
 
-<file path=ppt/slides/slide7.xml><?xml version="1.0" encoding="utf-8"?>
+<file path=ppt/slides/slide8.xml><?xml version="1.0" encoding="utf-8"?>
 <p:sld xmlns:a="http://schemas.openxmlformats.org/drawingml/2006/main" xmlns:r="http://schemas.openxmlformats.org/officeDocument/2006/relationships" xmlns:p="http://schemas.openxmlformats.org/presentationml/2006/main">
   <p:cSld>
     <p:spTree>
@@ -37926,7 +40698,7 @@
 </p:sld>
 </file>
 
-<file path=ppt/slides/slide8.xml><?xml version="1.0" encoding="utf-8"?>
+<file path=ppt/slides/slide9.xml><?xml version="1.0" encoding="utf-8"?>
 <p:sld xmlns:a="http://schemas.openxmlformats.org/drawingml/2006/main" xmlns:r="http://schemas.openxmlformats.org/officeDocument/2006/relationships" xmlns:p="http://schemas.openxmlformats.org/presentationml/2006/main">
   <p:cSld>
     <p:spTree>
@@ -43523,1822 +46295,6 @@
 </p:sld>
 </file>
 
-<file path=ppt/slides/slide9.xml><?xml version="1.0" encoding="utf-8"?>
-<p:sld xmlns:a="http://schemas.openxmlformats.org/drawingml/2006/main" xmlns:r="http://schemas.openxmlformats.org/officeDocument/2006/relationships" xmlns:p="http://schemas.openxmlformats.org/presentationml/2006/main">
-  <p:cSld>
-    <p:spTree>
-      <p:nvGrpSpPr>
-        <p:cNvPr id="1" name=""/>
-        <p:cNvGrpSpPr/>
-        <p:nvPr/>
-      </p:nvGrpSpPr>
-      <p:grpSpPr>
-        <a:xfrm>
-          <a:off x="0" y="0"/>
-          <a:ext cx="0" cy="0"/>
-          <a:chOff x="0" y="0"/>
-          <a:chExt cx="0" cy="0"/>
-        </a:xfrm>
-      </p:grpSpPr>
-      <p:grpSp>
-        <p:nvGrpSpPr>
-          <p:cNvPr id="5" name="Group 4">
-            <a:extLst>
-              <a:ext uri="{FF2B5EF4-FFF2-40B4-BE49-F238E27FC236}">
-                <a16:creationId xmlns:a16="http://schemas.microsoft.com/office/drawing/2014/main" id="{8BB3DBA1-51AB-47EB-BA39-EB7F3A3B77D6}"/>
-              </a:ext>
-            </a:extLst>
-          </p:cNvPr>
-          <p:cNvGrpSpPr/>
-          <p:nvPr/>
-        </p:nvGrpSpPr>
-        <p:grpSpPr>
-          <a:xfrm>
-            <a:off x="326137" y="1640063"/>
-            <a:ext cx="7421728" cy="1485779"/>
-            <a:chOff x="326137" y="1640063"/>
-            <a:chExt cx="7421728" cy="1485779"/>
-          </a:xfrm>
-        </p:grpSpPr>
-        <p:grpSp>
-          <p:nvGrpSpPr>
-            <p:cNvPr id="3" name="Group 2">
-              <a:extLst>
-                <a:ext uri="{FF2B5EF4-FFF2-40B4-BE49-F238E27FC236}">
-                  <a16:creationId xmlns:a16="http://schemas.microsoft.com/office/drawing/2014/main" id="{6B33F7C9-2F8E-412F-93CB-B2AC963821D5}"/>
-                </a:ext>
-              </a:extLst>
-            </p:cNvPr>
-            <p:cNvGrpSpPr/>
-            <p:nvPr/>
-          </p:nvGrpSpPr>
-          <p:grpSpPr>
-            <a:xfrm>
-              <a:off x="326137" y="1816100"/>
-              <a:ext cx="7421728" cy="1309742"/>
-              <a:chOff x="326137" y="1816100"/>
-              <a:chExt cx="7421728" cy="1309742"/>
-            </a:xfrm>
-          </p:grpSpPr>
-          <p:grpSp>
-            <p:nvGrpSpPr>
-              <p:cNvPr id="2" name="Group 1">
-                <a:extLst>
-                  <a:ext uri="{FF2B5EF4-FFF2-40B4-BE49-F238E27FC236}">
-                    <a16:creationId xmlns:a16="http://schemas.microsoft.com/office/drawing/2014/main" id="{2FD5A4B2-AEFF-4F46-A113-4A7DC3B9A6DE}"/>
-                  </a:ext>
-                </a:extLst>
-              </p:cNvPr>
-              <p:cNvGrpSpPr/>
-              <p:nvPr/>
-            </p:nvGrpSpPr>
-            <p:grpSpPr>
-              <a:xfrm>
-                <a:off x="326137" y="1816100"/>
-                <a:ext cx="7421728" cy="1309742"/>
-                <a:chOff x="326137" y="1816100"/>
-                <a:chExt cx="7421728" cy="1309742"/>
-              </a:xfrm>
-            </p:grpSpPr>
-            <p:sp>
-              <p:nvSpPr>
-                <p:cNvPr id="23" name="Rectangle 24">
-                  <a:extLst>
-                    <a:ext uri="{FF2B5EF4-FFF2-40B4-BE49-F238E27FC236}">
-                      <a16:creationId xmlns:a16="http://schemas.microsoft.com/office/drawing/2014/main" id="{DC1F7809-2FD3-4B9B-BA3C-BB60F4C22CD5}"/>
-                    </a:ext>
-                  </a:extLst>
-                </p:cNvPr>
-                <p:cNvSpPr>
-                  <a:spLocks noChangeArrowheads="1"/>
-                </p:cNvSpPr>
-                <p:nvPr/>
-              </p:nvSpPr>
-              <p:spPr bwMode="auto">
-                <a:xfrm>
-                  <a:off x="3757613" y="2759075"/>
-                  <a:ext cx="362280" cy="366767"/>
-                </a:xfrm>
-                <a:prstGeom prst="rect">
-                  <a:avLst/>
-                </a:prstGeom>
-                <a:noFill/>
-                <a:ln w="12700">
-                  <a:noFill/>
-                  <a:miter lim="800000"/>
-                  <a:headEnd/>
-                  <a:tailEnd/>
-                </a:ln>
-              </p:spPr>
-              <p:txBody>
-                <a:bodyPr wrap="none" lIns="90488" tIns="44450" rIns="90488" bIns="44450">
-                  <a:spAutoFit/>
-                </a:bodyPr>
-                <a:lstStyle/>
-                <a:p>
-                  <a:r>
-                    <a:rPr lang="en-US" sz="1800" dirty="0">
-                      <a:latin typeface="Times New Roman" panose="02020603050405020304" pitchFamily="18" charset="0"/>
-                      <a:cs typeface="Times New Roman" panose="02020603050405020304" pitchFamily="18" charset="0"/>
-                    </a:rPr>
-                    <a:t>in</a:t>
-                  </a:r>
-                </a:p>
-              </p:txBody>
-            </p:sp>
-            <p:sp>
-              <p:nvSpPr>
-                <p:cNvPr id="24" name="Rectangle 25">
-                  <a:extLst>
-                    <a:ext uri="{FF2B5EF4-FFF2-40B4-BE49-F238E27FC236}">
-                      <a16:creationId xmlns:a16="http://schemas.microsoft.com/office/drawing/2014/main" id="{492488D3-6357-43D9-964E-7FFB4DF26363}"/>
-                    </a:ext>
-                  </a:extLst>
-                </p:cNvPr>
-                <p:cNvSpPr>
-                  <a:spLocks noChangeArrowheads="1"/>
-                </p:cNvSpPr>
-                <p:nvPr/>
-              </p:nvSpPr>
-              <p:spPr bwMode="auto">
-                <a:xfrm>
-                  <a:off x="5205413" y="2757488"/>
-                  <a:ext cx="567777" cy="366767"/>
-                </a:xfrm>
-                <a:prstGeom prst="rect">
-                  <a:avLst/>
-                </a:prstGeom>
-                <a:noFill/>
-                <a:ln w="12700">
-                  <a:noFill/>
-                  <a:miter lim="800000"/>
-                  <a:headEnd/>
-                  <a:tailEnd/>
-                </a:ln>
-              </p:spPr>
-              <p:txBody>
-                <a:bodyPr wrap="square" lIns="90488" tIns="44450" rIns="90488" bIns="44450">
-                  <a:spAutoFit/>
-                </a:bodyPr>
-                <a:lstStyle/>
-                <a:p>
-                  <a:r>
-                    <a:rPr lang="en-US" sz="1800" dirty="0">
-                      <a:latin typeface="Times New Roman" panose="02020603050405020304" pitchFamily="18" charset="0"/>
-                      <a:cs typeface="Times New Roman" panose="02020603050405020304" pitchFamily="18" charset="0"/>
-                    </a:rPr>
-                    <a:t>out</a:t>
-                  </a:r>
-                </a:p>
-              </p:txBody>
-            </p:sp>
-            <p:sp>
-              <p:nvSpPr>
-                <p:cNvPr id="25" name="Freeform 23">
-                  <a:extLst>
-                    <a:ext uri="{FF2B5EF4-FFF2-40B4-BE49-F238E27FC236}">
-                      <a16:creationId xmlns:a16="http://schemas.microsoft.com/office/drawing/2014/main" id="{9142750E-6941-46D8-885D-85A33455C45B}"/>
-                    </a:ext>
-                  </a:extLst>
-                </p:cNvPr>
-                <p:cNvSpPr>
-                  <a:spLocks/>
-                </p:cNvSpPr>
-                <p:nvPr/>
-              </p:nvSpPr>
-              <p:spPr bwMode="auto">
-                <a:xfrm>
-                  <a:off x="1676400" y="1816100"/>
-                  <a:ext cx="4406900" cy="774700"/>
-                </a:xfrm>
-                <a:custGeom>
-                  <a:avLst/>
-                  <a:gdLst>
-                    <a:gd name="T0" fmla="*/ 0 w 2776"/>
-                    <a:gd name="T1" fmla="*/ 546100 h 488"/>
-                    <a:gd name="T2" fmla="*/ 2209800 w 2776"/>
-                    <a:gd name="T3" fmla="*/ 546100 h 488"/>
-                    <a:gd name="T4" fmla="*/ 2209800 w 2776"/>
-                    <a:gd name="T5" fmla="*/ 774700 h 488"/>
-                    <a:gd name="T6" fmla="*/ 4406900 w 2776"/>
-                    <a:gd name="T7" fmla="*/ 774700 h 488"/>
-                    <a:gd name="T8" fmla="*/ 4406900 w 2776"/>
-                    <a:gd name="T9" fmla="*/ 0 h 488"/>
-                    <a:gd name="T10" fmla="*/ 2209800 w 2776"/>
-                    <a:gd name="T11" fmla="*/ 0 h 488"/>
-                    <a:gd name="T12" fmla="*/ 2209800 w 2776"/>
-                    <a:gd name="T13" fmla="*/ 241300 h 488"/>
-                    <a:gd name="T14" fmla="*/ 0 w 2776"/>
-                    <a:gd name="T15" fmla="*/ 241300 h 488"/>
-                    <a:gd name="T16" fmla="*/ 0 60000 65536"/>
-                    <a:gd name="T17" fmla="*/ 0 60000 65536"/>
-                    <a:gd name="T18" fmla="*/ 0 60000 65536"/>
-                    <a:gd name="T19" fmla="*/ 0 60000 65536"/>
-                    <a:gd name="T20" fmla="*/ 0 60000 65536"/>
-                    <a:gd name="T21" fmla="*/ 0 60000 65536"/>
-                    <a:gd name="T22" fmla="*/ 0 60000 65536"/>
-                    <a:gd name="T23" fmla="*/ 0 60000 65536"/>
-                    <a:gd name="T24" fmla="*/ 0 w 2776"/>
-                    <a:gd name="T25" fmla="*/ 0 h 488"/>
-                    <a:gd name="T26" fmla="*/ 2776 w 2776"/>
-                    <a:gd name="T27" fmla="*/ 488 h 488"/>
-                  </a:gdLst>
-                  <a:ahLst/>
-                  <a:cxnLst>
-                    <a:cxn ang="T16">
-                      <a:pos x="T0" y="T1"/>
-                    </a:cxn>
-                    <a:cxn ang="T17">
-                      <a:pos x="T2" y="T3"/>
-                    </a:cxn>
-                    <a:cxn ang="T18">
-                      <a:pos x="T4" y="T5"/>
-                    </a:cxn>
-                    <a:cxn ang="T19">
-                      <a:pos x="T6" y="T7"/>
-                    </a:cxn>
-                    <a:cxn ang="T20">
-                      <a:pos x="T8" y="T9"/>
-                    </a:cxn>
-                    <a:cxn ang="T21">
-                      <a:pos x="T10" y="T11"/>
-                    </a:cxn>
-                    <a:cxn ang="T22">
-                      <a:pos x="T12" y="T13"/>
-                    </a:cxn>
-                    <a:cxn ang="T23">
-                      <a:pos x="T14" y="T15"/>
-                    </a:cxn>
-                  </a:cxnLst>
-                  <a:rect l="T24" t="T25" r="T26" b="T27"/>
-                  <a:pathLst>
-                    <a:path w="2776" h="488">
-                      <a:moveTo>
-                        <a:pt x="0" y="344"/>
-                      </a:moveTo>
-                      <a:lnTo>
-                        <a:pt x="1392" y="344"/>
-                      </a:lnTo>
-                      <a:lnTo>
-                        <a:pt x="1392" y="488"/>
-                      </a:lnTo>
-                      <a:lnTo>
-                        <a:pt x="2776" y="488"/>
-                      </a:lnTo>
-                      <a:lnTo>
-                        <a:pt x="2776" y="0"/>
-                      </a:lnTo>
-                      <a:lnTo>
-                        <a:pt x="1392" y="0"/>
-                      </a:lnTo>
-                      <a:lnTo>
-                        <a:pt x="1392" y="152"/>
-                      </a:lnTo>
-                      <a:lnTo>
-                        <a:pt x="0" y="152"/>
-                      </a:lnTo>
-                    </a:path>
-                  </a:pathLst>
-                </a:custGeom>
-                <a:solidFill>
-                  <a:schemeClr val="hlink"/>
-                </a:solidFill>
-                <a:ln w="12700" cap="flat" cmpd="sng">
-                  <a:noFill/>
-                  <a:prstDash val="solid"/>
-                  <a:round/>
-                  <a:headEnd type="none" w="sm" len="sm"/>
-                  <a:tailEnd type="none" w="lg" len="med"/>
-                </a:ln>
-              </p:spPr>
-              <p:txBody>
-                <a:bodyPr wrap="none" anchor="ctr"/>
-                <a:lstStyle/>
-                <a:p>
-                  <a:endParaRPr lang="en-US" dirty="0"/>
-                </a:p>
-              </p:txBody>
-            </p:sp>
-            <p:sp>
-              <p:nvSpPr>
-                <p:cNvPr id="26" name="Line 28">
-                  <a:extLst>
-                    <a:ext uri="{FF2B5EF4-FFF2-40B4-BE49-F238E27FC236}">
-                      <a16:creationId xmlns:a16="http://schemas.microsoft.com/office/drawing/2014/main" id="{2F92B689-95B6-47F0-B671-9E41D2EA5996}"/>
-                    </a:ext>
-                  </a:extLst>
-                </p:cNvPr>
-                <p:cNvSpPr>
-                  <a:spLocks noChangeShapeType="1"/>
-                </p:cNvSpPr>
-                <p:nvPr/>
-              </p:nvSpPr>
-              <p:spPr bwMode="auto">
-                <a:xfrm>
-                  <a:off x="2152650" y="2222500"/>
-                  <a:ext cx="635000" cy="0"/>
-                </a:xfrm>
-                <a:prstGeom prst="line">
-                  <a:avLst/>
-                </a:prstGeom>
-                <a:noFill/>
-                <a:ln w="38100">
-                  <a:solidFill>
-                    <a:schemeClr val="tx1"/>
-                  </a:solidFill>
-                  <a:round/>
-                  <a:headEnd/>
-                  <a:tailEnd type="triangle" w="med" len="med"/>
-                </a:ln>
-              </p:spPr>
-              <p:txBody>
-                <a:bodyPr wrap="none" anchor="ctr"/>
-                <a:lstStyle/>
-                <a:p>
-                  <a:endParaRPr lang="en-US"/>
-                </a:p>
-              </p:txBody>
-            </p:sp>
-            <p:sp>
-              <p:nvSpPr>
-                <p:cNvPr id="27" name="Freeform 29">
-                  <a:extLst>
-                    <a:ext uri="{FF2B5EF4-FFF2-40B4-BE49-F238E27FC236}">
-                      <a16:creationId xmlns:a16="http://schemas.microsoft.com/office/drawing/2014/main" id="{E4DAF995-7794-45D7-9436-E4BCA805B57D}"/>
-                    </a:ext>
-                  </a:extLst>
-                </p:cNvPr>
-                <p:cNvSpPr>
-                  <a:spLocks/>
-                </p:cNvSpPr>
-                <p:nvPr/>
-              </p:nvSpPr>
-              <p:spPr bwMode="auto">
-                <a:xfrm>
-                  <a:off x="1676400" y="1828800"/>
-                  <a:ext cx="4419600" cy="228600"/>
-                </a:xfrm>
-                <a:custGeom>
-                  <a:avLst/>
-                  <a:gdLst>
-                    <a:gd name="T0" fmla="*/ 0 w 2784"/>
-                    <a:gd name="T1" fmla="*/ 228600 h 144"/>
-                    <a:gd name="T2" fmla="*/ 2209800 w 2784"/>
-                    <a:gd name="T3" fmla="*/ 228600 h 144"/>
-                    <a:gd name="T4" fmla="*/ 2209800 w 2784"/>
-                    <a:gd name="T5" fmla="*/ 0 h 144"/>
-                    <a:gd name="T6" fmla="*/ 4419600 w 2784"/>
-                    <a:gd name="T7" fmla="*/ 0 h 144"/>
-                    <a:gd name="T8" fmla="*/ 0 60000 65536"/>
-                    <a:gd name="T9" fmla="*/ 0 60000 65536"/>
-                    <a:gd name="T10" fmla="*/ 0 60000 65536"/>
-                    <a:gd name="T11" fmla="*/ 0 60000 65536"/>
-                    <a:gd name="T12" fmla="*/ 0 w 2784"/>
-                    <a:gd name="T13" fmla="*/ 0 h 144"/>
-                    <a:gd name="T14" fmla="*/ 2784 w 2784"/>
-                    <a:gd name="T15" fmla="*/ 144 h 144"/>
-                  </a:gdLst>
-                  <a:ahLst/>
-                  <a:cxnLst>
-                    <a:cxn ang="T8">
-                      <a:pos x="T0" y="T1"/>
-                    </a:cxn>
-                    <a:cxn ang="T9">
-                      <a:pos x="T2" y="T3"/>
-                    </a:cxn>
-                    <a:cxn ang="T10">
-                      <a:pos x="T4" y="T5"/>
-                    </a:cxn>
-                    <a:cxn ang="T11">
-                      <a:pos x="T6" y="T7"/>
-                    </a:cxn>
-                  </a:cxnLst>
-                  <a:rect l="T12" t="T13" r="T14" b="T15"/>
-                  <a:pathLst>
-                    <a:path w="2784" h="144">
-                      <a:moveTo>
-                        <a:pt x="0" y="144"/>
-                      </a:moveTo>
-                      <a:lnTo>
-                        <a:pt x="1392" y="144"/>
-                      </a:lnTo>
-                      <a:lnTo>
-                        <a:pt x="1392" y="0"/>
-                      </a:lnTo>
-                      <a:lnTo>
-                        <a:pt x="2784" y="0"/>
-                      </a:lnTo>
-                    </a:path>
-                  </a:pathLst>
-                </a:custGeom>
-                <a:noFill/>
-                <a:ln w="28575" cap="flat" cmpd="sng">
-                  <a:solidFill>
-                    <a:schemeClr val="tx1"/>
-                  </a:solidFill>
-                  <a:prstDash val="solid"/>
-                  <a:round/>
-                  <a:headEnd type="none" w="med" len="med"/>
-                  <a:tailEnd type="none" w="med" len="med"/>
-                </a:ln>
-              </p:spPr>
-              <p:txBody>
-                <a:bodyPr wrap="none" anchor="ctr"/>
-                <a:lstStyle/>
-                <a:p>
-                  <a:endParaRPr lang="en-US"/>
-                </a:p>
-              </p:txBody>
-            </p:sp>
-            <p:sp>
-              <p:nvSpPr>
-                <p:cNvPr id="28" name="Freeform 30">
-                  <a:extLst>
-                    <a:ext uri="{FF2B5EF4-FFF2-40B4-BE49-F238E27FC236}">
-                      <a16:creationId xmlns:a16="http://schemas.microsoft.com/office/drawing/2014/main" id="{8C6221E9-57F2-40BE-B725-B777474F1882}"/>
-                    </a:ext>
-                  </a:extLst>
-                </p:cNvPr>
-                <p:cNvSpPr>
-                  <a:spLocks/>
-                </p:cNvSpPr>
-                <p:nvPr/>
-              </p:nvSpPr>
-              <p:spPr bwMode="auto">
-                <a:xfrm flipV="1">
-                  <a:off x="1676400" y="2362200"/>
-                  <a:ext cx="4419600" cy="228600"/>
-                </a:xfrm>
-                <a:custGeom>
-                  <a:avLst/>
-                  <a:gdLst>
-                    <a:gd name="T0" fmla="*/ 0 w 2784"/>
-                    <a:gd name="T1" fmla="*/ 228600 h 144"/>
-                    <a:gd name="T2" fmla="*/ 2209800 w 2784"/>
-                    <a:gd name="T3" fmla="*/ 228600 h 144"/>
-                    <a:gd name="T4" fmla="*/ 2209800 w 2784"/>
-                    <a:gd name="T5" fmla="*/ 0 h 144"/>
-                    <a:gd name="T6" fmla="*/ 4419600 w 2784"/>
-                    <a:gd name="T7" fmla="*/ 0 h 144"/>
-                    <a:gd name="T8" fmla="*/ 0 60000 65536"/>
-                    <a:gd name="T9" fmla="*/ 0 60000 65536"/>
-                    <a:gd name="T10" fmla="*/ 0 60000 65536"/>
-                    <a:gd name="T11" fmla="*/ 0 60000 65536"/>
-                    <a:gd name="T12" fmla="*/ 0 w 2784"/>
-                    <a:gd name="T13" fmla="*/ 0 h 144"/>
-                    <a:gd name="T14" fmla="*/ 2784 w 2784"/>
-                    <a:gd name="T15" fmla="*/ 144 h 144"/>
-                  </a:gdLst>
-                  <a:ahLst/>
-                  <a:cxnLst>
-                    <a:cxn ang="T8">
-                      <a:pos x="T0" y="T1"/>
-                    </a:cxn>
-                    <a:cxn ang="T9">
-                      <a:pos x="T2" y="T3"/>
-                    </a:cxn>
-                    <a:cxn ang="T10">
-                      <a:pos x="T4" y="T5"/>
-                    </a:cxn>
-                    <a:cxn ang="T11">
-                      <a:pos x="T6" y="T7"/>
-                    </a:cxn>
-                  </a:cxnLst>
-                  <a:rect l="T12" t="T13" r="T14" b="T15"/>
-                  <a:pathLst>
-                    <a:path w="2784" h="144">
-                      <a:moveTo>
-                        <a:pt x="0" y="144"/>
-                      </a:moveTo>
-                      <a:lnTo>
-                        <a:pt x="1392" y="144"/>
-                      </a:lnTo>
-                      <a:lnTo>
-                        <a:pt x="1392" y="0"/>
-                      </a:lnTo>
-                      <a:lnTo>
-                        <a:pt x="2784" y="0"/>
-                      </a:lnTo>
-                    </a:path>
-                  </a:pathLst>
-                </a:custGeom>
-                <a:noFill/>
-                <a:ln w="28575" cap="flat" cmpd="sng">
-                  <a:solidFill>
-                    <a:schemeClr val="tx1"/>
-                  </a:solidFill>
-                  <a:prstDash val="solid"/>
-                  <a:round/>
-                  <a:headEnd type="none" w="med" len="med"/>
-                  <a:tailEnd type="none" w="med" len="med"/>
-                </a:ln>
-              </p:spPr>
-              <p:txBody>
-                <a:bodyPr wrap="none" anchor="ctr"/>
-                <a:lstStyle/>
-                <a:p>
-                  <a:endParaRPr lang="en-US"/>
-                </a:p>
-              </p:txBody>
-            </p:sp>
-            <p:grpSp>
-              <p:nvGrpSpPr>
-                <p:cNvPr id="29" name="Group 36">
-                  <a:extLst>
-                    <a:ext uri="{FF2B5EF4-FFF2-40B4-BE49-F238E27FC236}">
-                      <a16:creationId xmlns:a16="http://schemas.microsoft.com/office/drawing/2014/main" id="{DE66AE5E-4D42-4B64-B5E2-80CDE0D9C1DD}"/>
-                    </a:ext>
-                  </a:extLst>
-                </p:cNvPr>
-                <p:cNvGrpSpPr>
-                  <a:grpSpLocks/>
-                </p:cNvGrpSpPr>
-                <p:nvPr/>
-              </p:nvGrpSpPr>
-              <p:grpSpPr bwMode="auto">
-                <a:xfrm>
-                  <a:off x="3886200" y="2347913"/>
-                  <a:ext cx="1460500" cy="238125"/>
-                  <a:chOff x="2448" y="1482"/>
-                  <a:chExt cx="920" cy="150"/>
-                </a:xfrm>
-              </p:grpSpPr>
-              <p:sp>
-                <p:nvSpPr>
-                  <p:cNvPr id="30" name="Freeform 31">
-                    <a:extLst>
-                      <a:ext uri="{FF2B5EF4-FFF2-40B4-BE49-F238E27FC236}">
-                        <a16:creationId xmlns:a16="http://schemas.microsoft.com/office/drawing/2014/main" id="{60319F21-8D99-416C-9F5D-160EB3FB649B}"/>
-                      </a:ext>
-                    </a:extLst>
-                  </p:cNvPr>
-                  <p:cNvSpPr>
-                    <a:spLocks/>
-                  </p:cNvSpPr>
-                  <p:nvPr/>
-                </p:nvSpPr>
-                <p:spPr bwMode="auto">
-                  <a:xfrm>
-                    <a:off x="2448" y="1482"/>
-                    <a:ext cx="920" cy="150"/>
-                  </a:xfrm>
-                  <a:custGeom>
-                    <a:avLst/>
-                    <a:gdLst>
-                      <a:gd name="T0" fmla="*/ 0 w 920"/>
-                      <a:gd name="T1" fmla="*/ 2 h 162"/>
-                      <a:gd name="T2" fmla="*/ 920 w 920"/>
-                      <a:gd name="T3" fmla="*/ 150 h 162"/>
-                      <a:gd name="T4" fmla="*/ 0 w 920"/>
-                      <a:gd name="T5" fmla="*/ 150 h 162"/>
-                      <a:gd name="T6" fmla="*/ 0 w 920"/>
-                      <a:gd name="T7" fmla="*/ 2 h 162"/>
-                      <a:gd name="T8" fmla="*/ 0 60000 65536"/>
-                      <a:gd name="T9" fmla="*/ 0 60000 65536"/>
-                      <a:gd name="T10" fmla="*/ 0 60000 65536"/>
-                      <a:gd name="T11" fmla="*/ 0 60000 65536"/>
-                      <a:gd name="T12" fmla="*/ 0 w 920"/>
-                      <a:gd name="T13" fmla="*/ 0 h 162"/>
-                      <a:gd name="T14" fmla="*/ 920 w 920"/>
-                      <a:gd name="T15" fmla="*/ 162 h 162"/>
-                    </a:gdLst>
-                    <a:ahLst/>
-                    <a:cxnLst>
-                      <a:cxn ang="T8">
-                        <a:pos x="T0" y="T1"/>
-                      </a:cxn>
-                      <a:cxn ang="T9">
-                        <a:pos x="T2" y="T3"/>
-                      </a:cxn>
-                      <a:cxn ang="T10">
-                        <a:pos x="T4" y="T5"/>
-                      </a:cxn>
-                      <a:cxn ang="T11">
-                        <a:pos x="T6" y="T7"/>
-                      </a:cxn>
-                    </a:cxnLst>
-                    <a:rect l="T12" t="T13" r="T14" b="T15"/>
-                    <a:pathLst>
-                      <a:path w="920" h="162">
-                        <a:moveTo>
-                          <a:pt x="0" y="2"/>
-                        </a:moveTo>
-                        <a:cubicBezTo>
-                          <a:pt x="147" y="0"/>
-                          <a:pt x="573" y="48"/>
-                          <a:pt x="920" y="162"/>
-                        </a:cubicBezTo>
-                        <a:cubicBezTo>
-                          <a:pt x="573" y="162"/>
-                          <a:pt x="156" y="162"/>
-                          <a:pt x="0" y="162"/>
-                        </a:cubicBezTo>
-                        <a:cubicBezTo>
-                          <a:pt x="0" y="36"/>
-                          <a:pt x="0" y="126"/>
-                          <a:pt x="0" y="2"/>
-                        </a:cubicBezTo>
-                        <a:close/>
-                      </a:path>
-                    </a:pathLst>
-                  </a:custGeom>
-                  <a:solidFill>
-                    <a:schemeClr val="hlink"/>
-                  </a:solidFill>
-                  <a:ln w="12700" cap="flat" cmpd="sng">
-                    <a:solidFill>
-                      <a:schemeClr val="tx1"/>
-                    </a:solidFill>
-                    <a:prstDash val="solid"/>
-                    <a:round/>
-                    <a:headEnd type="none" w="sm" len="sm"/>
-                    <a:tailEnd type="none" w="lg" len="med"/>
-                  </a:ln>
-                </p:spPr>
-                <p:txBody>
-                  <a:bodyPr wrap="none" anchor="ctr"/>
-                  <a:lstStyle/>
-                  <a:p>
-                    <a:endParaRPr lang="en-US"/>
-                  </a:p>
-                </p:txBody>
-              </p:sp>
-              <p:sp>
-                <p:nvSpPr>
-                  <p:cNvPr id="31" name="Freeform 32">
-                    <a:extLst>
-                      <a:ext uri="{FF2B5EF4-FFF2-40B4-BE49-F238E27FC236}">
-                        <a16:creationId xmlns:a16="http://schemas.microsoft.com/office/drawing/2014/main" id="{C09C5102-6E47-411F-955A-297823347F82}"/>
-                      </a:ext>
-                    </a:extLst>
-                  </p:cNvPr>
-                  <p:cNvSpPr>
-                    <a:spLocks/>
-                  </p:cNvSpPr>
-                  <p:nvPr/>
-                </p:nvSpPr>
-                <p:spPr bwMode="auto">
-                  <a:xfrm>
-                    <a:off x="2790" y="1536"/>
-                    <a:ext cx="155" cy="64"/>
-                  </a:xfrm>
-                  <a:custGeom>
-                    <a:avLst/>
-                    <a:gdLst>
-                      <a:gd name="T0" fmla="*/ 15 w 155"/>
-                      <a:gd name="T1" fmla="*/ 0 h 64"/>
-                      <a:gd name="T2" fmla="*/ 153 w 155"/>
-                      <a:gd name="T3" fmla="*/ 54 h 64"/>
-                      <a:gd name="T4" fmla="*/ 0 w 155"/>
-                      <a:gd name="T5" fmla="*/ 63 h 64"/>
-                      <a:gd name="T6" fmla="*/ 0 60000 65536"/>
-                      <a:gd name="T7" fmla="*/ 0 60000 65536"/>
-                      <a:gd name="T8" fmla="*/ 0 60000 65536"/>
-                      <a:gd name="T9" fmla="*/ 0 w 155"/>
-                      <a:gd name="T10" fmla="*/ 0 h 64"/>
-                      <a:gd name="T11" fmla="*/ 155 w 155"/>
-                      <a:gd name="T12" fmla="*/ 64 h 64"/>
-                    </a:gdLst>
-                    <a:ahLst/>
-                    <a:cxnLst>
-                      <a:cxn ang="T6">
-                        <a:pos x="T0" y="T1"/>
-                      </a:cxn>
-                      <a:cxn ang="T7">
-                        <a:pos x="T2" y="T3"/>
-                      </a:cxn>
-                      <a:cxn ang="T8">
-                        <a:pos x="T4" y="T5"/>
-                      </a:cxn>
-                    </a:cxnLst>
-                    <a:rect l="T9" t="T10" r="T11" b="T12"/>
-                    <a:pathLst>
-                      <a:path w="155" h="64">
-                        <a:moveTo>
-                          <a:pt x="15" y="0"/>
-                        </a:moveTo>
-                        <a:cubicBezTo>
-                          <a:pt x="85" y="22"/>
-                          <a:pt x="155" y="44"/>
-                          <a:pt x="153" y="54"/>
-                        </a:cubicBezTo>
-                        <a:cubicBezTo>
-                          <a:pt x="151" y="64"/>
-                          <a:pt x="75" y="63"/>
-                          <a:pt x="0" y="63"/>
-                        </a:cubicBezTo>
-                      </a:path>
-                    </a:pathLst>
-                  </a:custGeom>
-                  <a:solidFill>
-                    <a:schemeClr val="hlink"/>
-                  </a:solidFill>
-                  <a:ln w="12700" cap="flat" cmpd="sng">
-                    <a:solidFill>
-                      <a:schemeClr val="tx1"/>
-                    </a:solidFill>
-                    <a:prstDash val="solid"/>
-                    <a:round/>
-                    <a:headEnd type="none" w="sm" len="sm"/>
-                    <a:tailEnd type="triangle" w="sm" len="med"/>
-                  </a:ln>
-                </p:spPr>
-                <p:txBody>
-                  <a:bodyPr wrap="none" anchor="ctr"/>
-                  <a:lstStyle/>
-                  <a:p>
-                    <a:endParaRPr lang="en-US" dirty="0"/>
-                  </a:p>
-                </p:txBody>
-              </p:sp>
-              <p:sp>
-                <p:nvSpPr>
-                  <p:cNvPr id="32" name="Freeform 34">
-                    <a:extLst>
-                      <a:ext uri="{FF2B5EF4-FFF2-40B4-BE49-F238E27FC236}">
-                        <a16:creationId xmlns:a16="http://schemas.microsoft.com/office/drawing/2014/main" id="{15D770E8-D5E2-41EE-914F-4B867CAA6553}"/>
-                      </a:ext>
-                    </a:extLst>
-                  </p:cNvPr>
-                  <p:cNvSpPr>
-                    <a:spLocks/>
-                  </p:cNvSpPr>
-                  <p:nvPr/>
-                </p:nvSpPr>
-                <p:spPr bwMode="auto">
-                  <a:xfrm>
-                    <a:off x="2625" y="1518"/>
-                    <a:ext cx="99" cy="90"/>
-                  </a:xfrm>
-                  <a:custGeom>
-                    <a:avLst/>
-                    <a:gdLst>
-                      <a:gd name="T0" fmla="*/ 0 w 99"/>
-                      <a:gd name="T1" fmla="*/ 0 h 90"/>
-                      <a:gd name="T2" fmla="*/ 99 w 99"/>
-                      <a:gd name="T3" fmla="*/ 48 h 90"/>
-                      <a:gd name="T4" fmla="*/ 0 w 99"/>
-                      <a:gd name="T5" fmla="*/ 90 h 90"/>
-                      <a:gd name="T6" fmla="*/ 0 60000 65536"/>
-                      <a:gd name="T7" fmla="*/ 0 60000 65536"/>
-                      <a:gd name="T8" fmla="*/ 0 60000 65536"/>
-                      <a:gd name="T9" fmla="*/ 0 w 99"/>
-                      <a:gd name="T10" fmla="*/ 0 h 90"/>
-                      <a:gd name="T11" fmla="*/ 99 w 99"/>
-                      <a:gd name="T12" fmla="*/ 90 h 90"/>
-                    </a:gdLst>
-                    <a:ahLst/>
-                    <a:cxnLst>
-                      <a:cxn ang="T6">
-                        <a:pos x="T0" y="T1"/>
-                      </a:cxn>
-                      <a:cxn ang="T7">
-                        <a:pos x="T2" y="T3"/>
-                      </a:cxn>
-                      <a:cxn ang="T8">
-                        <a:pos x="T4" y="T5"/>
-                      </a:cxn>
-                    </a:cxnLst>
-                    <a:rect l="T9" t="T10" r="T11" b="T12"/>
-                    <a:pathLst>
-                      <a:path w="99" h="90">
-                        <a:moveTo>
-                          <a:pt x="0" y="0"/>
-                        </a:moveTo>
-                        <a:cubicBezTo>
-                          <a:pt x="16" y="8"/>
-                          <a:pt x="99" y="33"/>
-                          <a:pt x="99" y="48"/>
-                        </a:cubicBezTo>
-                        <a:cubicBezTo>
-                          <a:pt x="99" y="63"/>
-                          <a:pt x="21" y="81"/>
-                          <a:pt x="0" y="90"/>
-                        </a:cubicBezTo>
-                      </a:path>
-                    </a:pathLst>
-                  </a:custGeom>
-                  <a:solidFill>
-                    <a:schemeClr val="hlink"/>
-                  </a:solidFill>
-                  <a:ln w="12700" cap="flat" cmpd="sng">
-                    <a:solidFill>
-                      <a:schemeClr val="tx1"/>
-                    </a:solidFill>
-                    <a:prstDash val="solid"/>
-                    <a:round/>
-                    <a:headEnd type="none" w="sm" len="sm"/>
-                    <a:tailEnd type="triangle" w="sm" len="med"/>
-                  </a:ln>
-                </p:spPr>
-                <p:txBody>
-                  <a:bodyPr wrap="none" anchor="ctr"/>
-                  <a:lstStyle/>
-                  <a:p>
-                    <a:endParaRPr lang="en-US"/>
-                  </a:p>
-                </p:txBody>
-              </p:sp>
-              <p:sp>
-                <p:nvSpPr>
-                  <p:cNvPr id="33" name="Freeform 35">
-                    <a:extLst>
-                      <a:ext uri="{FF2B5EF4-FFF2-40B4-BE49-F238E27FC236}">
-                        <a16:creationId xmlns:a16="http://schemas.microsoft.com/office/drawing/2014/main" id="{82571B74-F3FD-4F62-9CAE-9BBA5167B1B3}"/>
-                      </a:ext>
-                    </a:extLst>
-                  </p:cNvPr>
-                  <p:cNvSpPr>
-                    <a:spLocks/>
-                  </p:cNvSpPr>
-                  <p:nvPr/>
-                </p:nvSpPr>
-                <p:spPr bwMode="auto">
-                  <a:xfrm>
-                    <a:off x="2472" y="1518"/>
-                    <a:ext cx="111" cy="93"/>
-                  </a:xfrm>
-                  <a:custGeom>
-                    <a:avLst/>
-                    <a:gdLst>
-                      <a:gd name="T0" fmla="*/ 108 w 111"/>
-                      <a:gd name="T1" fmla="*/ 89 h 93"/>
-                      <a:gd name="T2" fmla="*/ 21 w 111"/>
-                      <a:gd name="T3" fmla="*/ 81 h 93"/>
-                      <a:gd name="T4" fmla="*/ 15 w 111"/>
-                      <a:gd name="T5" fmla="*/ 18 h 93"/>
-                      <a:gd name="T6" fmla="*/ 111 w 111"/>
-                      <a:gd name="T7" fmla="*/ 0 h 93"/>
-                      <a:gd name="T8" fmla="*/ 0 60000 65536"/>
-                      <a:gd name="T9" fmla="*/ 0 60000 65536"/>
-                      <a:gd name="T10" fmla="*/ 0 60000 65536"/>
-                      <a:gd name="T11" fmla="*/ 0 60000 65536"/>
-                      <a:gd name="T12" fmla="*/ 0 w 111"/>
-                      <a:gd name="T13" fmla="*/ 0 h 93"/>
-                      <a:gd name="T14" fmla="*/ 111 w 111"/>
-                      <a:gd name="T15" fmla="*/ 93 h 93"/>
-                    </a:gdLst>
-                    <a:ahLst/>
-                    <a:cxnLst>
-                      <a:cxn ang="T8">
-                        <a:pos x="T0" y="T1"/>
-                      </a:cxn>
-                      <a:cxn ang="T9">
-                        <a:pos x="T2" y="T3"/>
-                      </a:cxn>
-                      <a:cxn ang="T10">
-                        <a:pos x="T4" y="T5"/>
-                      </a:cxn>
-                      <a:cxn ang="T11">
-                        <a:pos x="T6" y="T7"/>
-                      </a:cxn>
-                    </a:cxnLst>
-                    <a:rect l="T12" t="T13" r="T14" b="T15"/>
-                    <a:pathLst>
-                      <a:path w="111" h="93">
-                        <a:moveTo>
-                          <a:pt x="108" y="89"/>
-                        </a:moveTo>
-                        <a:cubicBezTo>
-                          <a:pt x="94" y="88"/>
-                          <a:pt x="36" y="93"/>
-                          <a:pt x="21" y="81"/>
-                        </a:cubicBezTo>
-                        <a:cubicBezTo>
-                          <a:pt x="6" y="69"/>
-                          <a:pt x="0" y="32"/>
-                          <a:pt x="15" y="18"/>
-                        </a:cubicBezTo>
-                        <a:cubicBezTo>
-                          <a:pt x="30" y="4"/>
-                          <a:pt x="91" y="4"/>
-                          <a:pt x="111" y="0"/>
-                        </a:cubicBezTo>
-                      </a:path>
-                    </a:pathLst>
-                  </a:custGeom>
-                  <a:solidFill>
-                    <a:schemeClr val="hlink"/>
-                  </a:solidFill>
-                  <a:ln w="12700" cap="flat" cmpd="sng">
-                    <a:solidFill>
-                      <a:schemeClr val="tx1"/>
-                    </a:solidFill>
-                    <a:prstDash val="solid"/>
-                    <a:round/>
-                    <a:headEnd type="none" w="sm" len="sm"/>
-                    <a:tailEnd type="triangle" w="sm" len="med"/>
-                  </a:ln>
-                </p:spPr>
-                <p:txBody>
-                  <a:bodyPr wrap="none" anchor="ctr"/>
-                  <a:lstStyle/>
-                  <a:p>
-                    <a:endParaRPr lang="en-US"/>
-                  </a:p>
-                </p:txBody>
-              </p:sp>
-            </p:grpSp>
-            <p:grpSp>
-              <p:nvGrpSpPr>
-                <p:cNvPr id="34" name="Group 37">
-                  <a:extLst>
-                    <a:ext uri="{FF2B5EF4-FFF2-40B4-BE49-F238E27FC236}">
-                      <a16:creationId xmlns:a16="http://schemas.microsoft.com/office/drawing/2014/main" id="{E4E5F70D-5890-4D00-807C-947898717920}"/>
-                    </a:ext>
-                  </a:extLst>
-                </p:cNvPr>
-                <p:cNvGrpSpPr>
-                  <a:grpSpLocks/>
-                </p:cNvGrpSpPr>
-                <p:nvPr/>
-              </p:nvGrpSpPr>
-              <p:grpSpPr bwMode="auto">
-                <a:xfrm flipV="1">
-                  <a:off x="3886200" y="1828800"/>
-                  <a:ext cx="1460500" cy="238125"/>
-                  <a:chOff x="2448" y="1482"/>
-                  <a:chExt cx="920" cy="150"/>
-                </a:xfrm>
-              </p:grpSpPr>
-              <p:sp>
-                <p:nvSpPr>
-                  <p:cNvPr id="35" name="Freeform 38">
-                    <a:extLst>
-                      <a:ext uri="{FF2B5EF4-FFF2-40B4-BE49-F238E27FC236}">
-                        <a16:creationId xmlns:a16="http://schemas.microsoft.com/office/drawing/2014/main" id="{53E00AB9-6A5B-4221-9A78-65CF5013D644}"/>
-                      </a:ext>
-                    </a:extLst>
-                  </p:cNvPr>
-                  <p:cNvSpPr>
-                    <a:spLocks/>
-                  </p:cNvSpPr>
-                  <p:nvPr/>
-                </p:nvSpPr>
-                <p:spPr bwMode="auto">
-                  <a:xfrm>
-                    <a:off x="2448" y="1482"/>
-                    <a:ext cx="920" cy="150"/>
-                  </a:xfrm>
-                  <a:custGeom>
-                    <a:avLst/>
-                    <a:gdLst>
-                      <a:gd name="T0" fmla="*/ 0 w 920"/>
-                      <a:gd name="T1" fmla="*/ 2 h 162"/>
-                      <a:gd name="T2" fmla="*/ 920 w 920"/>
-                      <a:gd name="T3" fmla="*/ 150 h 162"/>
-                      <a:gd name="T4" fmla="*/ 0 w 920"/>
-                      <a:gd name="T5" fmla="*/ 150 h 162"/>
-                      <a:gd name="T6" fmla="*/ 0 w 920"/>
-                      <a:gd name="T7" fmla="*/ 2 h 162"/>
-                      <a:gd name="T8" fmla="*/ 0 60000 65536"/>
-                      <a:gd name="T9" fmla="*/ 0 60000 65536"/>
-                      <a:gd name="T10" fmla="*/ 0 60000 65536"/>
-                      <a:gd name="T11" fmla="*/ 0 60000 65536"/>
-                      <a:gd name="T12" fmla="*/ 0 w 920"/>
-                      <a:gd name="T13" fmla="*/ 0 h 162"/>
-                      <a:gd name="T14" fmla="*/ 920 w 920"/>
-                      <a:gd name="T15" fmla="*/ 162 h 162"/>
-                    </a:gdLst>
-                    <a:ahLst/>
-                    <a:cxnLst>
-                      <a:cxn ang="T8">
-                        <a:pos x="T0" y="T1"/>
-                      </a:cxn>
-                      <a:cxn ang="T9">
-                        <a:pos x="T2" y="T3"/>
-                      </a:cxn>
-                      <a:cxn ang="T10">
-                        <a:pos x="T4" y="T5"/>
-                      </a:cxn>
-                      <a:cxn ang="T11">
-                        <a:pos x="T6" y="T7"/>
-                      </a:cxn>
-                    </a:cxnLst>
-                    <a:rect l="T12" t="T13" r="T14" b="T15"/>
-                    <a:pathLst>
-                      <a:path w="920" h="162">
-                        <a:moveTo>
-                          <a:pt x="0" y="2"/>
-                        </a:moveTo>
-                        <a:cubicBezTo>
-                          <a:pt x="147" y="0"/>
-                          <a:pt x="573" y="48"/>
-                          <a:pt x="920" y="162"/>
-                        </a:cubicBezTo>
-                        <a:cubicBezTo>
-                          <a:pt x="573" y="162"/>
-                          <a:pt x="156" y="162"/>
-                          <a:pt x="0" y="162"/>
-                        </a:cubicBezTo>
-                        <a:cubicBezTo>
-                          <a:pt x="0" y="36"/>
-                          <a:pt x="0" y="126"/>
-                          <a:pt x="0" y="2"/>
-                        </a:cubicBezTo>
-                        <a:close/>
-                      </a:path>
-                    </a:pathLst>
-                  </a:custGeom>
-                  <a:solidFill>
-                    <a:schemeClr val="hlink"/>
-                  </a:solidFill>
-                  <a:ln w="12700" cap="flat" cmpd="sng">
-                    <a:solidFill>
-                      <a:schemeClr val="tx1"/>
-                    </a:solidFill>
-                    <a:prstDash val="solid"/>
-                    <a:round/>
-                    <a:headEnd type="none" w="sm" len="sm"/>
-                    <a:tailEnd type="none" w="lg" len="med"/>
-                  </a:ln>
-                </p:spPr>
-                <p:txBody>
-                  <a:bodyPr wrap="none" anchor="ctr"/>
-                  <a:lstStyle/>
-                  <a:p>
-                    <a:endParaRPr lang="en-US"/>
-                  </a:p>
-                </p:txBody>
-              </p:sp>
-              <p:sp>
-                <p:nvSpPr>
-                  <p:cNvPr id="36" name="Freeform 39">
-                    <a:extLst>
-                      <a:ext uri="{FF2B5EF4-FFF2-40B4-BE49-F238E27FC236}">
-                        <a16:creationId xmlns:a16="http://schemas.microsoft.com/office/drawing/2014/main" id="{7AF1D832-491E-4980-86F7-2EEAB2919188}"/>
-                      </a:ext>
-                    </a:extLst>
-                  </p:cNvPr>
-                  <p:cNvSpPr>
-                    <a:spLocks/>
-                  </p:cNvSpPr>
-                  <p:nvPr/>
-                </p:nvSpPr>
-                <p:spPr bwMode="auto">
-                  <a:xfrm>
-                    <a:off x="2790" y="1536"/>
-                    <a:ext cx="155" cy="64"/>
-                  </a:xfrm>
-                  <a:custGeom>
-                    <a:avLst/>
-                    <a:gdLst>
-                      <a:gd name="T0" fmla="*/ 15 w 155"/>
-                      <a:gd name="T1" fmla="*/ 0 h 64"/>
-                      <a:gd name="T2" fmla="*/ 153 w 155"/>
-                      <a:gd name="T3" fmla="*/ 54 h 64"/>
-                      <a:gd name="T4" fmla="*/ 0 w 155"/>
-                      <a:gd name="T5" fmla="*/ 63 h 64"/>
-                      <a:gd name="T6" fmla="*/ 0 60000 65536"/>
-                      <a:gd name="T7" fmla="*/ 0 60000 65536"/>
-                      <a:gd name="T8" fmla="*/ 0 60000 65536"/>
-                      <a:gd name="T9" fmla="*/ 0 w 155"/>
-                      <a:gd name="T10" fmla="*/ 0 h 64"/>
-                      <a:gd name="T11" fmla="*/ 155 w 155"/>
-                      <a:gd name="T12" fmla="*/ 64 h 64"/>
-                    </a:gdLst>
-                    <a:ahLst/>
-                    <a:cxnLst>
-                      <a:cxn ang="T6">
-                        <a:pos x="T0" y="T1"/>
-                      </a:cxn>
-                      <a:cxn ang="T7">
-                        <a:pos x="T2" y="T3"/>
-                      </a:cxn>
-                      <a:cxn ang="T8">
-                        <a:pos x="T4" y="T5"/>
-                      </a:cxn>
-                    </a:cxnLst>
-                    <a:rect l="T9" t="T10" r="T11" b="T12"/>
-                    <a:pathLst>
-                      <a:path w="155" h="64">
-                        <a:moveTo>
-                          <a:pt x="15" y="0"/>
-                        </a:moveTo>
-                        <a:cubicBezTo>
-                          <a:pt x="85" y="22"/>
-                          <a:pt x="155" y="44"/>
-                          <a:pt x="153" y="54"/>
-                        </a:cubicBezTo>
-                        <a:cubicBezTo>
-                          <a:pt x="151" y="64"/>
-                          <a:pt x="75" y="63"/>
-                          <a:pt x="0" y="63"/>
-                        </a:cubicBezTo>
-                      </a:path>
-                    </a:pathLst>
-                  </a:custGeom>
-                  <a:solidFill>
-                    <a:schemeClr val="hlink"/>
-                  </a:solidFill>
-                  <a:ln w="12700" cap="flat" cmpd="sng">
-                    <a:solidFill>
-                      <a:schemeClr val="tx1"/>
-                    </a:solidFill>
-                    <a:prstDash val="solid"/>
-                    <a:round/>
-                    <a:headEnd type="none" w="sm" len="sm"/>
-                    <a:tailEnd type="triangle" w="sm" len="med"/>
-                  </a:ln>
-                </p:spPr>
-                <p:txBody>
-                  <a:bodyPr wrap="none" anchor="ctr"/>
-                  <a:lstStyle/>
-                  <a:p>
-                    <a:endParaRPr lang="en-US"/>
-                  </a:p>
-                </p:txBody>
-              </p:sp>
-              <p:sp>
-                <p:nvSpPr>
-                  <p:cNvPr id="37" name="Freeform 40">
-                    <a:extLst>
-                      <a:ext uri="{FF2B5EF4-FFF2-40B4-BE49-F238E27FC236}">
-                        <a16:creationId xmlns:a16="http://schemas.microsoft.com/office/drawing/2014/main" id="{5D432A6B-6652-429E-BC5F-38E6EBF400F9}"/>
-                      </a:ext>
-                    </a:extLst>
-                  </p:cNvPr>
-                  <p:cNvSpPr>
-                    <a:spLocks/>
-                  </p:cNvSpPr>
-                  <p:nvPr/>
-                </p:nvSpPr>
-                <p:spPr bwMode="auto">
-                  <a:xfrm>
-                    <a:off x="2625" y="1518"/>
-                    <a:ext cx="99" cy="90"/>
-                  </a:xfrm>
-                  <a:custGeom>
-                    <a:avLst/>
-                    <a:gdLst>
-                      <a:gd name="T0" fmla="*/ 0 w 99"/>
-                      <a:gd name="T1" fmla="*/ 0 h 90"/>
-                      <a:gd name="T2" fmla="*/ 99 w 99"/>
-                      <a:gd name="T3" fmla="*/ 48 h 90"/>
-                      <a:gd name="T4" fmla="*/ 0 w 99"/>
-                      <a:gd name="T5" fmla="*/ 90 h 90"/>
-                      <a:gd name="T6" fmla="*/ 0 60000 65536"/>
-                      <a:gd name="T7" fmla="*/ 0 60000 65536"/>
-                      <a:gd name="T8" fmla="*/ 0 60000 65536"/>
-                      <a:gd name="T9" fmla="*/ 0 w 99"/>
-                      <a:gd name="T10" fmla="*/ 0 h 90"/>
-                      <a:gd name="T11" fmla="*/ 99 w 99"/>
-                      <a:gd name="T12" fmla="*/ 90 h 90"/>
-                    </a:gdLst>
-                    <a:ahLst/>
-                    <a:cxnLst>
-                      <a:cxn ang="T6">
-                        <a:pos x="T0" y="T1"/>
-                      </a:cxn>
-                      <a:cxn ang="T7">
-                        <a:pos x="T2" y="T3"/>
-                      </a:cxn>
-                      <a:cxn ang="T8">
-                        <a:pos x="T4" y="T5"/>
-                      </a:cxn>
-                    </a:cxnLst>
-                    <a:rect l="T9" t="T10" r="T11" b="T12"/>
-                    <a:pathLst>
-                      <a:path w="99" h="90">
-                        <a:moveTo>
-                          <a:pt x="0" y="0"/>
-                        </a:moveTo>
-                        <a:cubicBezTo>
-                          <a:pt x="16" y="8"/>
-                          <a:pt x="99" y="33"/>
-                          <a:pt x="99" y="48"/>
-                        </a:cubicBezTo>
-                        <a:cubicBezTo>
-                          <a:pt x="99" y="63"/>
-                          <a:pt x="21" y="81"/>
-                          <a:pt x="0" y="90"/>
-                        </a:cubicBezTo>
-                      </a:path>
-                    </a:pathLst>
-                  </a:custGeom>
-                  <a:solidFill>
-                    <a:schemeClr val="hlink"/>
-                  </a:solidFill>
-                  <a:ln w="12700" cap="flat" cmpd="sng">
-                    <a:solidFill>
-                      <a:schemeClr val="tx1"/>
-                    </a:solidFill>
-                    <a:prstDash val="solid"/>
-                    <a:round/>
-                    <a:headEnd type="none" w="sm" len="sm"/>
-                    <a:tailEnd type="triangle" w="sm" len="med"/>
-                  </a:ln>
-                </p:spPr>
-                <p:txBody>
-                  <a:bodyPr wrap="none" anchor="ctr"/>
-                  <a:lstStyle/>
-                  <a:p>
-                    <a:endParaRPr lang="en-US"/>
-                  </a:p>
-                </p:txBody>
-              </p:sp>
-              <p:sp>
-                <p:nvSpPr>
-                  <p:cNvPr id="38" name="Freeform 41">
-                    <a:extLst>
-                      <a:ext uri="{FF2B5EF4-FFF2-40B4-BE49-F238E27FC236}">
-                        <a16:creationId xmlns:a16="http://schemas.microsoft.com/office/drawing/2014/main" id="{869ED562-0A32-41A0-B42F-7A8A875CDA70}"/>
-                      </a:ext>
-                    </a:extLst>
-                  </p:cNvPr>
-                  <p:cNvSpPr>
-                    <a:spLocks/>
-                  </p:cNvSpPr>
-                  <p:nvPr/>
-                </p:nvSpPr>
-                <p:spPr bwMode="auto">
-                  <a:xfrm>
-                    <a:off x="2472" y="1518"/>
-                    <a:ext cx="111" cy="93"/>
-                  </a:xfrm>
-                  <a:custGeom>
-                    <a:avLst/>
-                    <a:gdLst>
-                      <a:gd name="T0" fmla="*/ 108 w 111"/>
-                      <a:gd name="T1" fmla="*/ 89 h 93"/>
-                      <a:gd name="T2" fmla="*/ 21 w 111"/>
-                      <a:gd name="T3" fmla="*/ 81 h 93"/>
-                      <a:gd name="T4" fmla="*/ 15 w 111"/>
-                      <a:gd name="T5" fmla="*/ 18 h 93"/>
-                      <a:gd name="T6" fmla="*/ 111 w 111"/>
-                      <a:gd name="T7" fmla="*/ 0 h 93"/>
-                      <a:gd name="T8" fmla="*/ 0 60000 65536"/>
-                      <a:gd name="T9" fmla="*/ 0 60000 65536"/>
-                      <a:gd name="T10" fmla="*/ 0 60000 65536"/>
-                      <a:gd name="T11" fmla="*/ 0 60000 65536"/>
-                      <a:gd name="T12" fmla="*/ 0 w 111"/>
-                      <a:gd name="T13" fmla="*/ 0 h 93"/>
-                      <a:gd name="T14" fmla="*/ 111 w 111"/>
-                      <a:gd name="T15" fmla="*/ 93 h 93"/>
-                    </a:gdLst>
-                    <a:ahLst/>
-                    <a:cxnLst>
-                      <a:cxn ang="T8">
-                        <a:pos x="T0" y="T1"/>
-                      </a:cxn>
-                      <a:cxn ang="T9">
-                        <a:pos x="T2" y="T3"/>
-                      </a:cxn>
-                      <a:cxn ang="T10">
-                        <a:pos x="T4" y="T5"/>
-                      </a:cxn>
-                      <a:cxn ang="T11">
-                        <a:pos x="T6" y="T7"/>
-                      </a:cxn>
-                    </a:cxnLst>
-                    <a:rect l="T12" t="T13" r="T14" b="T15"/>
-                    <a:pathLst>
-                      <a:path w="111" h="93">
-                        <a:moveTo>
-                          <a:pt x="108" y="89"/>
-                        </a:moveTo>
-                        <a:cubicBezTo>
-                          <a:pt x="94" y="88"/>
-                          <a:pt x="36" y="93"/>
-                          <a:pt x="21" y="81"/>
-                        </a:cubicBezTo>
-                        <a:cubicBezTo>
-                          <a:pt x="6" y="69"/>
-                          <a:pt x="0" y="32"/>
-                          <a:pt x="15" y="18"/>
-                        </a:cubicBezTo>
-                        <a:cubicBezTo>
-                          <a:pt x="30" y="4"/>
-                          <a:pt x="91" y="4"/>
-                          <a:pt x="111" y="0"/>
-                        </a:cubicBezTo>
-                      </a:path>
-                    </a:pathLst>
-                  </a:custGeom>
-                  <a:solidFill>
-                    <a:schemeClr val="hlink"/>
-                  </a:solidFill>
-                  <a:ln w="12700" cap="flat" cmpd="sng">
-                    <a:solidFill>
-                      <a:schemeClr val="tx1"/>
-                    </a:solidFill>
-                    <a:prstDash val="solid"/>
-                    <a:round/>
-                    <a:headEnd type="none" w="sm" len="sm"/>
-                    <a:tailEnd type="triangle" w="sm" len="med"/>
-                  </a:ln>
-                </p:spPr>
-                <p:txBody>
-                  <a:bodyPr wrap="none" anchor="ctr"/>
-                  <a:lstStyle/>
-                  <a:p>
-                    <a:endParaRPr lang="en-US"/>
-                  </a:p>
-                </p:txBody>
-              </p:sp>
-            </p:grpSp>
-            <p:sp>
-              <p:nvSpPr>
-                <p:cNvPr id="39" name="Oval 48">
-                  <a:extLst>
-                    <a:ext uri="{FF2B5EF4-FFF2-40B4-BE49-F238E27FC236}">
-                      <a16:creationId xmlns:a16="http://schemas.microsoft.com/office/drawing/2014/main" id="{1E05FAE5-AB89-4F1C-A1A7-17DA30667780}"/>
-                    </a:ext>
-                  </a:extLst>
-                </p:cNvPr>
-                <p:cNvSpPr>
-                  <a:spLocks noChangeArrowheads="1"/>
-                </p:cNvSpPr>
-                <p:nvPr/>
-              </p:nvSpPr>
-              <p:spPr bwMode="auto">
-                <a:xfrm>
-                  <a:off x="432520" y="2066925"/>
-                  <a:ext cx="317500" cy="317500"/>
-                </a:xfrm>
-                <a:prstGeom prst="ellipse">
-                  <a:avLst/>
-                </a:prstGeom>
-                <a:solidFill>
-                  <a:schemeClr val="hlink"/>
-                </a:solidFill>
-                <a:ln w="12700">
-                  <a:solidFill>
-                    <a:schemeClr val="tx1"/>
-                  </a:solidFill>
-                  <a:round/>
-                  <a:headEnd type="none" w="sm" len="sm"/>
-                  <a:tailEnd type="none" w="lg" len="med"/>
-                </a:ln>
-              </p:spPr>
-              <p:txBody>
-                <a:bodyPr wrap="none" anchor="ctr"/>
-                <a:lstStyle/>
-                <a:p>
-                  <a:endParaRPr lang="en-US"/>
-                </a:p>
-              </p:txBody>
-            </p:sp>
-            <p:sp>
-              <p:nvSpPr>
-                <p:cNvPr id="40" name="Text Box 49">
-                  <a:extLst>
-                    <a:ext uri="{FF2B5EF4-FFF2-40B4-BE49-F238E27FC236}">
-                      <a16:creationId xmlns:a16="http://schemas.microsoft.com/office/drawing/2014/main" id="{3347C798-081E-4CEC-BE2F-F02C29EC47CB}"/>
-                    </a:ext>
-                  </a:extLst>
-                </p:cNvPr>
-                <p:cNvSpPr txBox="1">
-                  <a:spLocks noChangeArrowheads="1"/>
-                </p:cNvSpPr>
-                <p:nvPr/>
-              </p:nvSpPr>
-              <p:spPr bwMode="auto">
-                <a:xfrm>
-                  <a:off x="326137" y="2295823"/>
-                  <a:ext cx="567784" cy="461665"/>
-                </a:xfrm>
-                <a:prstGeom prst="rect">
-                  <a:avLst/>
-                </a:prstGeom>
-                <a:noFill/>
-                <a:ln w="12700">
-                  <a:noFill/>
-                  <a:miter lim="800000"/>
-                  <a:headEnd type="none" w="sm" len="sm"/>
-                  <a:tailEnd type="none" w="lg" len="med"/>
-                </a:ln>
-              </p:spPr>
-              <p:txBody>
-                <a:bodyPr wrap="none">
-                  <a:spAutoFit/>
-                </a:bodyPr>
-                <a:lstStyle/>
-                <a:p>
-                  <a:r>
-                    <a:rPr lang="en-US" sz="2400" dirty="0" err="1">
-                      <a:latin typeface="Times New Roman" panose="02020603050405020304" pitchFamily="18" charset="0"/>
-                      <a:cs typeface="Times New Roman" panose="02020603050405020304" pitchFamily="18" charset="0"/>
-                    </a:rPr>
-                    <a:t>A</a:t>
-                  </a:r>
-                  <a:r>
-                    <a:rPr lang="en-US" sz="2400" baseline="-25000" dirty="0" err="1">
-                      <a:latin typeface="Times New Roman" panose="02020603050405020304" pitchFamily="18" charset="0"/>
-                      <a:cs typeface="Times New Roman" panose="02020603050405020304" pitchFamily="18" charset="0"/>
-                    </a:rPr>
-                    <a:t>in</a:t>
-                  </a:r>
-                  <a:endParaRPr lang="en-US" sz="2400" dirty="0">
-                    <a:latin typeface="Times New Roman" panose="02020603050405020304" pitchFamily="18" charset="0"/>
-                    <a:cs typeface="Times New Roman" panose="02020603050405020304" pitchFamily="18" charset="0"/>
-                  </a:endParaRPr>
-                </a:p>
-              </p:txBody>
-            </p:sp>
-            <p:sp>
-              <p:nvSpPr>
-                <p:cNvPr id="41" name="Oval 50">
-                  <a:extLst>
-                    <a:ext uri="{FF2B5EF4-FFF2-40B4-BE49-F238E27FC236}">
-                      <a16:creationId xmlns:a16="http://schemas.microsoft.com/office/drawing/2014/main" id="{7E02EE8F-0E1E-4CDC-9CB7-D60BA82CD8C3}"/>
-                    </a:ext>
-                  </a:extLst>
-                </p:cNvPr>
-                <p:cNvSpPr>
-                  <a:spLocks noChangeArrowheads="1"/>
-                </p:cNvSpPr>
-                <p:nvPr/>
-              </p:nvSpPr>
-              <p:spPr bwMode="auto">
-                <a:xfrm>
-                  <a:off x="6983585" y="1879600"/>
-                  <a:ext cx="749300" cy="749300"/>
-                </a:xfrm>
-                <a:prstGeom prst="ellipse">
-                  <a:avLst/>
-                </a:prstGeom>
-                <a:solidFill>
-                  <a:schemeClr val="hlink"/>
-                </a:solidFill>
-                <a:ln w="12700">
-                  <a:solidFill>
-                    <a:schemeClr val="tx1"/>
-                  </a:solidFill>
-                  <a:round/>
-                  <a:headEnd type="none" w="sm" len="sm"/>
-                  <a:tailEnd type="none" w="lg" len="med"/>
-                </a:ln>
-              </p:spPr>
-              <p:txBody>
-                <a:bodyPr wrap="none" anchor="ctr"/>
-                <a:lstStyle/>
-                <a:p>
-                  <a:endParaRPr lang="en-US" dirty="0"/>
-                </a:p>
-              </p:txBody>
-            </p:sp>
-            <p:sp>
-              <p:nvSpPr>
-                <p:cNvPr id="42" name="Text Box 51">
-                  <a:extLst>
-                    <a:ext uri="{FF2B5EF4-FFF2-40B4-BE49-F238E27FC236}">
-                      <a16:creationId xmlns:a16="http://schemas.microsoft.com/office/drawing/2014/main" id="{16F5FB94-B885-47F2-8BE8-884EB166D73D}"/>
-                    </a:ext>
-                  </a:extLst>
-                </p:cNvPr>
-                <p:cNvSpPr txBox="1">
-                  <a:spLocks noChangeArrowheads="1"/>
-                </p:cNvSpPr>
-                <p:nvPr/>
-              </p:nvSpPr>
-              <p:spPr bwMode="auto">
-                <a:xfrm>
-                  <a:off x="7077489" y="2560638"/>
-                  <a:ext cx="670376" cy="461665"/>
-                </a:xfrm>
-                <a:prstGeom prst="rect">
-                  <a:avLst/>
-                </a:prstGeom>
-                <a:noFill/>
-                <a:ln w="12700">
-                  <a:noFill/>
-                  <a:miter lim="800000"/>
-                  <a:headEnd type="none" w="sm" len="sm"/>
-                  <a:tailEnd type="none" w="lg" len="med"/>
-                </a:ln>
-              </p:spPr>
-              <p:txBody>
-                <a:bodyPr wrap="none">
-                  <a:spAutoFit/>
-                </a:bodyPr>
-                <a:lstStyle/>
-                <a:p>
-                  <a:r>
-                    <a:rPr lang="en-US" sz="2400" dirty="0" err="1">
-                      <a:latin typeface="Times New Roman" panose="02020603050405020304" pitchFamily="18" charset="0"/>
-                      <a:cs typeface="Times New Roman" panose="02020603050405020304" pitchFamily="18" charset="0"/>
-                    </a:rPr>
-                    <a:t>A</a:t>
-                  </a:r>
-                  <a:r>
-                    <a:rPr lang="en-US" sz="2400" baseline="-25000" dirty="0" err="1">
-                      <a:latin typeface="Times New Roman" panose="02020603050405020304" pitchFamily="18" charset="0"/>
-                      <a:cs typeface="Times New Roman" panose="02020603050405020304" pitchFamily="18" charset="0"/>
-                    </a:rPr>
-                    <a:t>out</a:t>
-                  </a:r>
-                  <a:endParaRPr lang="en-US" sz="2400" dirty="0">
-                    <a:latin typeface="Times New Roman" panose="02020603050405020304" pitchFamily="18" charset="0"/>
-                    <a:cs typeface="Times New Roman" panose="02020603050405020304" pitchFamily="18" charset="0"/>
-                  </a:endParaRPr>
-                </a:p>
-              </p:txBody>
-            </p:sp>
-            <p:sp>
-              <p:nvSpPr>
-                <p:cNvPr id="47" name="Text Box 49">
-                  <a:extLst>
-                    <a:ext uri="{FF2B5EF4-FFF2-40B4-BE49-F238E27FC236}">
-                      <a16:creationId xmlns:a16="http://schemas.microsoft.com/office/drawing/2014/main" id="{47F62C1F-11BF-498E-AB48-5132B41AE167}"/>
-                    </a:ext>
-                  </a:extLst>
-                </p:cNvPr>
-                <p:cNvSpPr txBox="1">
-                  <a:spLocks noChangeArrowheads="1"/>
-                </p:cNvSpPr>
-                <p:nvPr/>
-              </p:nvSpPr>
-              <p:spPr bwMode="auto">
-                <a:xfrm>
-                  <a:off x="1139581" y="1969452"/>
-                  <a:ext cx="549318" cy="461665"/>
-                </a:xfrm>
-                <a:prstGeom prst="rect">
-                  <a:avLst/>
-                </a:prstGeom>
-                <a:noFill/>
-                <a:ln w="12700">
-                  <a:noFill/>
-                  <a:miter lim="800000"/>
-                  <a:headEnd type="none" w="sm" len="sm"/>
-                  <a:tailEnd type="none" w="lg" len="med"/>
-                </a:ln>
-              </p:spPr>
-              <p:txBody>
-                <a:bodyPr wrap="none">
-                  <a:spAutoFit/>
-                </a:bodyPr>
-                <a:lstStyle/>
-                <a:p>
-                  <a:r>
-                    <a:rPr lang="en-US" sz="2400" dirty="0">
-                      <a:latin typeface="Times New Roman" panose="02020603050405020304" pitchFamily="18" charset="0"/>
-                      <a:cs typeface="Times New Roman" panose="02020603050405020304" pitchFamily="18" charset="0"/>
-                    </a:rPr>
-                    <a:t>V</a:t>
-                  </a:r>
-                  <a:r>
-                    <a:rPr lang="en-US" sz="2400" baseline="-25000" dirty="0">
-                      <a:latin typeface="Times New Roman" panose="02020603050405020304" pitchFamily="18" charset="0"/>
-                      <a:cs typeface="Times New Roman" panose="02020603050405020304" pitchFamily="18" charset="0"/>
-                    </a:rPr>
-                    <a:t>in</a:t>
-                  </a:r>
-                  <a:endParaRPr lang="en-US" sz="2400" dirty="0">
-                    <a:latin typeface="Times New Roman" panose="02020603050405020304" pitchFamily="18" charset="0"/>
-                    <a:cs typeface="Times New Roman" panose="02020603050405020304" pitchFamily="18" charset="0"/>
-                  </a:endParaRPr>
-                </a:p>
-              </p:txBody>
-            </p:sp>
-            <p:sp>
-              <p:nvSpPr>
-                <p:cNvPr id="49" name="Text Box 49">
-                  <a:extLst>
-                    <a:ext uri="{FF2B5EF4-FFF2-40B4-BE49-F238E27FC236}">
-                      <a16:creationId xmlns:a16="http://schemas.microsoft.com/office/drawing/2014/main" id="{67A3C4D3-DF84-4E9B-97B0-C637EA9F7E65}"/>
-                    </a:ext>
-                  </a:extLst>
-                </p:cNvPr>
-                <p:cNvSpPr txBox="1">
-                  <a:spLocks noChangeArrowheads="1"/>
-                </p:cNvSpPr>
-                <p:nvPr/>
-              </p:nvSpPr>
-              <p:spPr bwMode="auto">
-                <a:xfrm>
-                  <a:off x="6010433" y="1939353"/>
-                  <a:ext cx="630685" cy="461665"/>
-                </a:xfrm>
-                <a:prstGeom prst="rect">
-                  <a:avLst/>
-                </a:prstGeom>
-                <a:noFill/>
-                <a:ln w="12700">
-                  <a:noFill/>
-                  <a:miter lim="800000"/>
-                  <a:headEnd type="none" w="sm" len="sm"/>
-                  <a:tailEnd type="none" w="lg" len="med"/>
-                </a:ln>
-              </p:spPr>
-              <p:txBody>
-                <a:bodyPr wrap="none">
-                  <a:spAutoFit/>
-                </a:bodyPr>
-                <a:lstStyle/>
-                <a:p>
-                  <a:r>
-                    <a:rPr lang="en-US" sz="2400" dirty="0" err="1">
-                      <a:latin typeface="Times New Roman" panose="02020603050405020304" pitchFamily="18" charset="0"/>
-                      <a:cs typeface="Times New Roman" panose="02020603050405020304" pitchFamily="18" charset="0"/>
-                    </a:rPr>
-                    <a:t>V</a:t>
-                  </a:r>
-                  <a:r>
-                    <a:rPr lang="en-US" sz="2400" baseline="-25000" dirty="0" err="1">
-                      <a:latin typeface="Times New Roman" panose="02020603050405020304" pitchFamily="18" charset="0"/>
-                      <a:cs typeface="Times New Roman" panose="02020603050405020304" pitchFamily="18" charset="0"/>
-                    </a:rPr>
-                    <a:t>out</a:t>
-                  </a:r>
-                  <a:endParaRPr lang="en-US" sz="2400" dirty="0">
-                    <a:latin typeface="Times New Roman" panose="02020603050405020304" pitchFamily="18" charset="0"/>
-                    <a:cs typeface="Times New Roman" panose="02020603050405020304" pitchFamily="18" charset="0"/>
-                  </a:endParaRPr>
-                </a:p>
-              </p:txBody>
-            </p:sp>
-          </p:grpSp>
-          <p:sp>
-            <p:nvSpPr>
-              <p:cNvPr id="43" name="Line 52">
-                <a:extLst>
-                  <a:ext uri="{FF2B5EF4-FFF2-40B4-BE49-F238E27FC236}">
-                    <a16:creationId xmlns:a16="http://schemas.microsoft.com/office/drawing/2014/main" id="{BD41063E-C660-418C-8395-7D5BF0007A5C}"/>
-                  </a:ext>
-                </a:extLst>
-              </p:cNvPr>
-              <p:cNvSpPr>
-                <a:spLocks noChangeShapeType="1"/>
-              </p:cNvSpPr>
-              <p:nvPr/>
-            </p:nvSpPr>
-            <p:spPr bwMode="auto">
-              <a:xfrm>
-                <a:off x="1701800" y="2882900"/>
-                <a:ext cx="1435100" cy="0"/>
-              </a:xfrm>
-              <a:prstGeom prst="line">
-                <a:avLst/>
-              </a:prstGeom>
-              <a:noFill/>
-              <a:ln w="12700">
-                <a:solidFill>
-                  <a:schemeClr val="tx1"/>
-                </a:solidFill>
-                <a:round/>
-                <a:headEnd type="none" w="sm" len="sm"/>
-                <a:tailEnd type="triangle" w="lg" len="med"/>
-              </a:ln>
-            </p:spPr>
-            <p:txBody>
-              <a:bodyPr wrap="none" anchor="ctr"/>
-              <a:lstStyle/>
-              <a:p>
-                <a:endParaRPr lang="en-US"/>
-              </a:p>
-            </p:txBody>
-          </p:sp>
-          <p:sp>
-            <p:nvSpPr>
-              <p:cNvPr id="44" name="Text Box 53">
-                <a:extLst>
-                  <a:ext uri="{FF2B5EF4-FFF2-40B4-BE49-F238E27FC236}">
-                    <a16:creationId xmlns:a16="http://schemas.microsoft.com/office/drawing/2014/main" id="{B4953DD4-50DA-4253-A56B-82D173B1C70D}"/>
-                  </a:ext>
-                </a:extLst>
-              </p:cNvPr>
-              <p:cNvSpPr txBox="1">
-                <a:spLocks noChangeArrowheads="1"/>
-              </p:cNvSpPr>
-              <p:nvPr/>
-            </p:nvSpPr>
-            <p:spPr bwMode="auto">
-              <a:xfrm>
-                <a:off x="3209925" y="2619375"/>
-                <a:ext cx="336550" cy="457200"/>
-              </a:xfrm>
-              <a:prstGeom prst="rect">
-                <a:avLst/>
-              </a:prstGeom>
-              <a:noFill/>
-              <a:ln w="12700">
-                <a:noFill/>
-                <a:miter lim="800000"/>
-                <a:headEnd type="none" w="sm" len="sm"/>
-                <a:tailEnd type="none" w="lg" len="med"/>
-              </a:ln>
-            </p:spPr>
-            <p:txBody>
-              <a:bodyPr wrap="none">
-                <a:spAutoFit/>
-              </a:bodyPr>
-              <a:lstStyle/>
-              <a:p>
-                <a:r>
-                  <a:rPr lang="en-US" sz="2400" dirty="0">
-                    <a:latin typeface="Times New Roman" panose="02020603050405020304" pitchFamily="18" charset="0"/>
-                    <a:cs typeface="Times New Roman" panose="02020603050405020304" pitchFamily="18" charset="0"/>
-                  </a:rPr>
-                  <a:t>x</a:t>
-                </a:r>
-              </a:p>
-            </p:txBody>
-          </p:sp>
-        </p:grpSp>
-        <p:cxnSp>
-          <p:nvCxnSpPr>
-            <p:cNvPr id="48" name="Straight Connector 47">
-              <a:extLst>
-                <a:ext uri="{FF2B5EF4-FFF2-40B4-BE49-F238E27FC236}">
-                  <a16:creationId xmlns:a16="http://schemas.microsoft.com/office/drawing/2014/main" id="{1A614854-114F-418E-8A6C-77EE1E88AEFC}"/>
-                </a:ext>
-              </a:extLst>
-            </p:cNvPr>
-            <p:cNvCxnSpPr>
-              <a:cxnSpLocks/>
-            </p:cNvCxnSpPr>
-            <p:nvPr/>
-          </p:nvCxnSpPr>
-          <p:spPr>
-            <a:xfrm>
-              <a:off x="3886200" y="1640063"/>
-              <a:ext cx="0" cy="1164874"/>
-            </a:xfrm>
-            <a:prstGeom prst="line">
-              <a:avLst/>
-            </a:prstGeom>
-            <a:ln w="28575">
-              <a:solidFill>
-                <a:srgbClr val="C00000"/>
-              </a:solidFill>
-              <a:prstDash val="dash"/>
-            </a:ln>
-          </p:spPr>
-          <p:style>
-            <a:lnRef idx="1">
-              <a:schemeClr val="accent1"/>
-            </a:lnRef>
-            <a:fillRef idx="0">
-              <a:schemeClr val="accent1"/>
-            </a:fillRef>
-            <a:effectRef idx="0">
-              <a:schemeClr val="accent1"/>
-            </a:effectRef>
-            <a:fontRef idx="minor">
-              <a:schemeClr val="tx1"/>
-            </a:fontRef>
-          </p:style>
-        </p:cxnSp>
-        <p:cxnSp>
-          <p:nvCxnSpPr>
-            <p:cNvPr id="51" name="Straight Connector 50">
-              <a:extLst>
-                <a:ext uri="{FF2B5EF4-FFF2-40B4-BE49-F238E27FC236}">
-                  <a16:creationId xmlns:a16="http://schemas.microsoft.com/office/drawing/2014/main" id="{5FBF75CD-66DF-40F6-B7FA-8743782FE214}"/>
-                </a:ext>
-              </a:extLst>
-            </p:cNvPr>
-            <p:cNvCxnSpPr>
-              <a:cxnSpLocks/>
-            </p:cNvCxnSpPr>
-            <p:nvPr/>
-          </p:nvCxnSpPr>
-          <p:spPr>
-            <a:xfrm>
-              <a:off x="5410200" y="1640063"/>
-              <a:ext cx="0" cy="1164874"/>
-            </a:xfrm>
-            <a:prstGeom prst="line">
-              <a:avLst/>
-            </a:prstGeom>
-            <a:ln w="28575">
-              <a:solidFill>
-                <a:srgbClr val="C00000"/>
-              </a:solidFill>
-              <a:prstDash val="dash"/>
-            </a:ln>
-          </p:spPr>
-          <p:style>
-            <a:lnRef idx="1">
-              <a:schemeClr val="accent1"/>
-            </a:lnRef>
-            <a:fillRef idx="0">
-              <a:schemeClr val="accent1"/>
-            </a:fillRef>
-            <a:effectRef idx="0">
-              <a:schemeClr val="accent1"/>
-            </a:effectRef>
-            <a:fontRef idx="minor">
-              <a:schemeClr val="tx1"/>
-            </a:fontRef>
-          </p:style>
-        </p:cxnSp>
-      </p:grpSp>
-    </p:spTree>
-    <p:extLst>
-      <p:ext uri="{BB962C8B-B14F-4D97-AF65-F5344CB8AC3E}">
-        <p14:creationId xmlns:p14="http://schemas.microsoft.com/office/powerpoint/2010/main" val="913652694"/>
-      </p:ext>
-    </p:extLst>
-  </p:cSld>
-  <p:clrMapOvr>
-    <a:masterClrMapping/>
-  </p:clrMapOvr>
-</p:sld>
-</file>
-
 <file path=ppt/tags/tag1.xml><?xml version="1.0" encoding="utf-8"?>
 <p:tagLst xmlns:a="http://schemas.openxmlformats.org/drawingml/2006/main" xmlns:r="http://schemas.openxmlformats.org/officeDocument/2006/relationships" xmlns:p="http://schemas.openxmlformats.org/presentationml/2006/main">
   <p:tag name="OUTPUTDPI" val="1200"/>

--- a/AguaClara Water Treatment Plant Design/Diagrams.pptx
+++ b/AguaClara Water Treatment Plant Design/Diagrams.pptx
@@ -9,28 +9,29 @@
     <p:sldId id="280" r:id="rId3"/>
     <p:sldId id="281" r:id="rId4"/>
     <p:sldId id="282" r:id="rId5"/>
-    <p:sldId id="275" r:id="rId6"/>
-    <p:sldId id="273" r:id="rId7"/>
-    <p:sldId id="279" r:id="rId8"/>
-    <p:sldId id="278" r:id="rId9"/>
-    <p:sldId id="277" r:id="rId10"/>
-    <p:sldId id="276" r:id="rId11"/>
-    <p:sldId id="274" r:id="rId12"/>
-    <p:sldId id="270" r:id="rId13"/>
-    <p:sldId id="257" r:id="rId14"/>
-    <p:sldId id="258" r:id="rId15"/>
-    <p:sldId id="266" r:id="rId16"/>
-    <p:sldId id="259" r:id="rId17"/>
-    <p:sldId id="263" r:id="rId18"/>
-    <p:sldId id="269" r:id="rId19"/>
-    <p:sldId id="264" r:id="rId20"/>
-    <p:sldId id="265" r:id="rId21"/>
-    <p:sldId id="267" r:id="rId22"/>
-    <p:sldId id="271" r:id="rId23"/>
-    <p:sldId id="268" r:id="rId24"/>
-    <p:sldId id="261" r:id="rId25"/>
-    <p:sldId id="272" r:id="rId26"/>
-    <p:sldId id="262" r:id="rId27"/>
+    <p:sldId id="283" r:id="rId6"/>
+    <p:sldId id="275" r:id="rId7"/>
+    <p:sldId id="273" r:id="rId8"/>
+    <p:sldId id="279" r:id="rId9"/>
+    <p:sldId id="278" r:id="rId10"/>
+    <p:sldId id="277" r:id="rId11"/>
+    <p:sldId id="276" r:id="rId12"/>
+    <p:sldId id="274" r:id="rId13"/>
+    <p:sldId id="270" r:id="rId14"/>
+    <p:sldId id="257" r:id="rId15"/>
+    <p:sldId id="258" r:id="rId16"/>
+    <p:sldId id="266" r:id="rId17"/>
+    <p:sldId id="259" r:id="rId18"/>
+    <p:sldId id="263" r:id="rId19"/>
+    <p:sldId id="269" r:id="rId20"/>
+    <p:sldId id="264" r:id="rId21"/>
+    <p:sldId id="265" r:id="rId22"/>
+    <p:sldId id="267" r:id="rId23"/>
+    <p:sldId id="271" r:id="rId24"/>
+    <p:sldId id="268" r:id="rId25"/>
+    <p:sldId id="261" r:id="rId26"/>
+    <p:sldId id="272" r:id="rId27"/>
+    <p:sldId id="262" r:id="rId28"/>
   </p:sldIdLst>
   <p:sldSz cx="12192000" cy="6858000"/>
   <p:notesSz cx="6858000" cy="9144000"/>
@@ -4935,6 +4936,311 @@
       </p:grpSpPr>
       <p:grpSp>
         <p:nvGrpSpPr>
+          <p:cNvPr id="2" name="Group 1">
+            <a:extLst>
+              <a:ext uri="{FF2B5EF4-FFF2-40B4-BE49-F238E27FC236}">
+                <a16:creationId xmlns:a16="http://schemas.microsoft.com/office/drawing/2014/main" id="{51B2798E-6D79-4BE4-8DAC-D3229AE96453}"/>
+              </a:ext>
+            </a:extLst>
+          </p:cNvPr>
+          <p:cNvGrpSpPr/>
+          <p:nvPr/>
+        </p:nvGrpSpPr>
+        <p:grpSpPr>
+          <a:xfrm>
+            <a:off x="767460" y="1216917"/>
+            <a:ext cx="9167651" cy="3055763"/>
+            <a:chOff x="767460" y="1216917"/>
+            <a:chExt cx="9167651" cy="3055763"/>
+          </a:xfrm>
+        </p:grpSpPr>
+        <p:pic>
+          <p:nvPicPr>
+            <p:cNvPr id="146" name="Picture 32">
+              <a:extLst>
+                <a:ext uri="{FF2B5EF4-FFF2-40B4-BE49-F238E27FC236}">
+                  <a16:creationId xmlns:a16="http://schemas.microsoft.com/office/drawing/2014/main" id="{0981C400-ADFE-404F-B1F5-89D756505300}"/>
+                </a:ext>
+              </a:extLst>
+            </p:cNvPr>
+            <p:cNvPicPr>
+              <a:picLocks noChangeAspect="1" noChangeArrowheads="1"/>
+            </p:cNvPicPr>
+            <p:nvPr/>
+          </p:nvPicPr>
+          <p:blipFill>
+            <a:blip r:embed="rId4" cstate="print"/>
+            <a:srcRect/>
+            <a:stretch>
+              <a:fillRect/>
+            </a:stretch>
+          </p:blipFill>
+          <p:spPr bwMode="auto">
+            <a:xfrm>
+              <a:off x="767460" y="1216917"/>
+              <a:ext cx="4114800" cy="3055763"/>
+            </a:xfrm>
+            <a:prstGeom prst="rect">
+              <a:avLst/>
+            </a:prstGeom>
+            <a:noFill/>
+            <a:ln w="9525">
+              <a:noFill/>
+              <a:miter lim="800000"/>
+              <a:headEnd/>
+              <a:tailEnd/>
+            </a:ln>
+            <a:effectLst/>
+          </p:spPr>
+        </p:pic>
+        <p:pic>
+          <p:nvPicPr>
+            <p:cNvPr id="147" name="Picture 34">
+              <a:extLst>
+                <a:ext uri="{FF2B5EF4-FFF2-40B4-BE49-F238E27FC236}">
+                  <a16:creationId xmlns:a16="http://schemas.microsoft.com/office/drawing/2014/main" id="{DE2502DD-E510-4A24-855C-0DDDD70A779B}"/>
+                </a:ext>
+              </a:extLst>
+            </p:cNvPr>
+            <p:cNvPicPr>
+              <a:picLocks noChangeAspect="1" noChangeArrowheads="1"/>
+            </p:cNvPicPr>
+            <p:nvPr/>
+          </p:nvPicPr>
+          <p:blipFill>
+            <a:blip r:embed="rId5" cstate="print"/>
+            <a:srcRect/>
+            <a:stretch>
+              <a:fillRect/>
+            </a:stretch>
+          </p:blipFill>
+          <p:spPr bwMode="auto">
+            <a:xfrm>
+              <a:off x="7777005" y="2895950"/>
+              <a:ext cx="1519947" cy="1257510"/>
+            </a:xfrm>
+            <a:prstGeom prst="rect">
+              <a:avLst/>
+            </a:prstGeom>
+            <a:noFill/>
+            <a:ln w="9525">
+              <a:noFill/>
+              <a:miter lim="800000"/>
+              <a:headEnd/>
+              <a:tailEnd/>
+            </a:ln>
+            <a:effectLst/>
+          </p:spPr>
+        </p:pic>
+        <p:pic>
+          <p:nvPicPr>
+            <p:cNvPr id="7" name="Picture 6">
+              <a:extLst>
+                <a:ext uri="{FF2B5EF4-FFF2-40B4-BE49-F238E27FC236}">
+                  <a16:creationId xmlns:a16="http://schemas.microsoft.com/office/drawing/2014/main" id="{1F2E9FE1-0871-451D-866F-C95DF7B0B53E}"/>
+                </a:ext>
+              </a:extLst>
+            </p:cNvPr>
+            <p:cNvPicPr>
+              <a:picLocks noChangeAspect="1"/>
+            </p:cNvPicPr>
+            <p:nvPr>
+              <p:custDataLst>
+                <p:tags r:id="rId1"/>
+              </p:custDataLst>
+            </p:nvPr>
+          </p:nvPicPr>
+          <p:blipFill>
+            <a:blip r:embed="rId6">
+              <a:extLst>
+                <a:ext uri="{28A0092B-C50C-407E-A947-70E740481C1C}">
+                  <a14:useLocalDpi xmlns:a14="http://schemas.microsoft.com/office/drawing/2010/main" val="0"/>
+                </a:ext>
+              </a:extLst>
+            </a:blip>
+            <a:stretch>
+              <a:fillRect/>
+            </a:stretch>
+          </p:blipFill>
+          <p:spPr>
+            <a:xfrm>
+              <a:off x="4754335" y="2335940"/>
+              <a:ext cx="5180776" cy="560010"/>
+            </a:xfrm>
+            <a:prstGeom prst="rect">
+              <a:avLst/>
+            </a:prstGeom>
+          </p:spPr>
+        </p:pic>
+        <p:pic>
+          <p:nvPicPr>
+            <p:cNvPr id="9" name="Picture 8">
+              <a:extLst>
+                <a:ext uri="{FF2B5EF4-FFF2-40B4-BE49-F238E27FC236}">
+                  <a16:creationId xmlns:a16="http://schemas.microsoft.com/office/drawing/2014/main" id="{74B806D9-6DFE-4D75-A720-F40406F2C396}"/>
+                </a:ext>
+              </a:extLst>
+            </p:cNvPr>
+            <p:cNvPicPr>
+              <a:picLocks noChangeAspect="1"/>
+            </p:cNvPicPr>
+            <p:nvPr>
+              <p:custDataLst>
+                <p:tags r:id="rId2"/>
+              </p:custDataLst>
+            </p:nvPr>
+          </p:nvPicPr>
+          <p:blipFill>
+            <a:blip r:embed="rId7">
+              <a:extLst>
+                <a:ext uri="{28A0092B-C50C-407E-A947-70E740481C1C}">
+                  <a14:useLocalDpi xmlns:a14="http://schemas.microsoft.com/office/drawing/2010/main" val="0"/>
+                </a:ext>
+              </a:extLst>
+            </a:blip>
+            <a:stretch>
+              <a:fillRect/>
+            </a:stretch>
+          </p:blipFill>
+          <p:spPr>
+            <a:xfrm>
+              <a:off x="4754334" y="1405950"/>
+              <a:ext cx="4421133" cy="560010"/>
+            </a:xfrm>
+            <a:prstGeom prst="rect">
+              <a:avLst/>
+            </a:prstGeom>
+          </p:spPr>
+        </p:pic>
+        <p:sp>
+          <p:nvSpPr>
+            <p:cNvPr id="11" name="Oval 10">
+              <a:extLst>
+                <a:ext uri="{FF2B5EF4-FFF2-40B4-BE49-F238E27FC236}">
+                  <a16:creationId xmlns:a16="http://schemas.microsoft.com/office/drawing/2014/main" id="{79035506-7E3C-47BE-97D2-8275C7ABCA14}"/>
+                </a:ext>
+              </a:extLst>
+            </p:cNvPr>
+            <p:cNvSpPr/>
+            <p:nvPr/>
+          </p:nvSpPr>
+          <p:spPr bwMode="auto">
+            <a:xfrm>
+              <a:off x="7777005" y="3361942"/>
+              <a:ext cx="733815" cy="342900"/>
+            </a:xfrm>
+            <a:prstGeom prst="ellipse">
+              <a:avLst/>
+            </a:prstGeom>
+            <a:noFill/>
+            <a:ln w="38100">
+              <a:solidFill>
+                <a:schemeClr val="tx1"/>
+              </a:solidFill>
+              <a:miter lim="800000"/>
+              <a:headEnd type="none" w="lg" len="med"/>
+              <a:tailEnd type="none" w="lg" len="med"/>
+            </a:ln>
+            <a:effectLst/>
+          </p:spPr>
+          <p:txBody>
+            <a:bodyPr rtlCol="0" anchor="ctr">
+              <a:spAutoFit/>
+            </a:bodyPr>
+            <a:lstStyle/>
+            <a:p>
+              <a:pPr algn="l"/>
+              <a:endParaRPr lang="en-US" dirty="0"/>
+            </a:p>
+          </p:txBody>
+        </p:sp>
+        <p:sp>
+          <p:nvSpPr>
+            <p:cNvPr id="12" name="Arc 11">
+              <a:extLst>
+                <a:ext uri="{FF2B5EF4-FFF2-40B4-BE49-F238E27FC236}">
+                  <a16:creationId xmlns:a16="http://schemas.microsoft.com/office/drawing/2014/main" id="{8B8264D7-08A8-4334-8440-E9E002FD4DAC}"/>
+                </a:ext>
+              </a:extLst>
+            </p:cNvPr>
+            <p:cNvSpPr/>
+            <p:nvPr/>
+          </p:nvSpPr>
+          <p:spPr>
+            <a:xfrm>
+              <a:off x="7777005" y="2491610"/>
+              <a:ext cx="580293" cy="1028700"/>
+            </a:xfrm>
+            <a:prstGeom prst="arc">
+              <a:avLst>
+                <a:gd name="adj1" fmla="val 16200000"/>
+                <a:gd name="adj2" fmla="val 3602783"/>
+              </a:avLst>
+            </a:prstGeom>
+            <a:ln w="28575">
+              <a:solidFill>
+                <a:schemeClr val="tx1"/>
+              </a:solidFill>
+              <a:headEnd type="triangle"/>
+              <a:tailEnd type="none"/>
+            </a:ln>
+          </p:spPr>
+          <p:style>
+            <a:lnRef idx="1">
+              <a:schemeClr val="accent1"/>
+            </a:lnRef>
+            <a:fillRef idx="0">
+              <a:schemeClr val="accent1"/>
+            </a:fillRef>
+            <a:effectRef idx="0">
+              <a:schemeClr val="accent1"/>
+            </a:effectRef>
+            <a:fontRef idx="minor">
+              <a:schemeClr val="tx1"/>
+            </a:fontRef>
+          </p:style>
+          <p:txBody>
+            <a:bodyPr rtlCol="0" anchor="ctr"/>
+            <a:lstStyle/>
+            <a:p>
+              <a:pPr algn="ctr"/>
+              <a:endParaRPr lang="en-US"/>
+            </a:p>
+          </p:txBody>
+        </p:sp>
+      </p:grpSp>
+    </p:spTree>
+    <p:extLst>
+      <p:ext uri="{BB962C8B-B14F-4D97-AF65-F5344CB8AC3E}">
+        <p14:creationId xmlns:p14="http://schemas.microsoft.com/office/powerpoint/2010/main" val="4146178590"/>
+      </p:ext>
+    </p:extLst>
+  </p:cSld>
+  <p:clrMapOvr>
+    <a:masterClrMapping/>
+  </p:clrMapOvr>
+</p:sld>
+</file>
+
+<file path=ppt/slides/slide11.xml><?xml version="1.0" encoding="utf-8"?>
+<p:sld xmlns:a="http://schemas.openxmlformats.org/drawingml/2006/main" xmlns:r="http://schemas.openxmlformats.org/officeDocument/2006/relationships" xmlns:p="http://schemas.openxmlformats.org/presentationml/2006/main">
+  <p:cSld>
+    <p:spTree>
+      <p:nvGrpSpPr>
+        <p:cNvPr id="1" name=""/>
+        <p:cNvGrpSpPr/>
+        <p:nvPr/>
+      </p:nvGrpSpPr>
+      <p:grpSpPr>
+        <a:xfrm>
+          <a:off x="0" y="0"/>
+          <a:ext cx="0" cy="0"/>
+          <a:chOff x="0" y="0"/>
+          <a:chExt cx="0" cy="0"/>
+        </a:xfrm>
+      </p:grpSpPr>
+      <p:grpSp>
+        <p:nvGrpSpPr>
           <p:cNvPr id="8" name="Group 7">
             <a:extLst>
               <a:ext uri="{FF2B5EF4-FFF2-40B4-BE49-F238E27FC236}">
@@ -5287,7 +5593,7 @@
 </p:sld>
 </file>
 
-<file path=ppt/slides/slide11.xml><?xml version="1.0" encoding="utf-8"?>
+<file path=ppt/slides/slide12.xml><?xml version="1.0" encoding="utf-8"?>
 <p:sld xmlns:a="http://schemas.openxmlformats.org/drawingml/2006/main" xmlns:r="http://schemas.openxmlformats.org/officeDocument/2006/relationships" xmlns:p="http://schemas.openxmlformats.org/presentationml/2006/main">
   <p:cSld>
     <p:spTree>
@@ -6037,7 +6343,7 @@
 </p:sld>
 </file>
 
-<file path=ppt/slides/slide12.xml><?xml version="1.0" encoding="utf-8"?>
+<file path=ppt/slides/slide13.xml><?xml version="1.0" encoding="utf-8"?>
 <p:sld xmlns:a="http://schemas.openxmlformats.org/drawingml/2006/main" xmlns:r="http://schemas.openxmlformats.org/officeDocument/2006/relationships" xmlns:p="http://schemas.openxmlformats.org/presentationml/2006/main">
   <p:cSld>
     <p:spTree>
@@ -11634,7 +11940,7 @@
 </p:sld>
 </file>
 
-<file path=ppt/slides/slide13.xml><?xml version="1.0" encoding="utf-8"?>
+<file path=ppt/slides/slide14.xml><?xml version="1.0" encoding="utf-8"?>
 <p:sld xmlns:a="http://schemas.openxmlformats.org/drawingml/2006/main" xmlns:r="http://schemas.openxmlformats.org/officeDocument/2006/relationships" xmlns:p="http://schemas.openxmlformats.org/presentationml/2006/main">
   <p:cSld>
     <p:spTree>
@@ -13450,7 +13756,7 @@
 </p:sld>
 </file>
 
-<file path=ppt/slides/slide14.xml><?xml version="1.0" encoding="utf-8"?>
+<file path=ppt/slides/slide15.xml><?xml version="1.0" encoding="utf-8"?>
 <p:sld xmlns:a="http://schemas.openxmlformats.org/drawingml/2006/main" xmlns:r="http://schemas.openxmlformats.org/officeDocument/2006/relationships" xmlns:p="http://schemas.openxmlformats.org/presentationml/2006/main">
   <p:cSld>
     <p:spTree>
@@ -14930,7 +15236,7 @@
 </p:sld>
 </file>
 
-<file path=ppt/slides/slide15.xml><?xml version="1.0" encoding="utf-8"?>
+<file path=ppt/slides/slide16.xml><?xml version="1.0" encoding="utf-8"?>
 <p:sld xmlns:a="http://schemas.openxmlformats.org/drawingml/2006/main" xmlns:r="http://schemas.openxmlformats.org/officeDocument/2006/relationships" xmlns:p="http://schemas.openxmlformats.org/presentationml/2006/main">
   <p:cSld>
     <p:spTree>
@@ -16824,7 +17130,7 @@
 </p:sld>
 </file>
 
-<file path=ppt/slides/slide16.xml><?xml version="1.0" encoding="utf-8"?>
+<file path=ppt/slides/slide17.xml><?xml version="1.0" encoding="utf-8"?>
 <p:sld xmlns:a="http://schemas.openxmlformats.org/drawingml/2006/main" xmlns:r="http://schemas.openxmlformats.org/officeDocument/2006/relationships" xmlns:p="http://schemas.openxmlformats.org/presentationml/2006/main">
   <p:cSld>
     <p:spTree>
@@ -18074,7 +18380,7 @@
 </p:sld>
 </file>
 
-<file path=ppt/slides/slide17.xml><?xml version="1.0" encoding="utf-8"?>
+<file path=ppt/slides/slide18.xml><?xml version="1.0" encoding="utf-8"?>
 <p:sld xmlns:a="http://schemas.openxmlformats.org/drawingml/2006/main" xmlns:r="http://schemas.openxmlformats.org/officeDocument/2006/relationships" xmlns:p="http://schemas.openxmlformats.org/presentationml/2006/main">
   <p:cSld>
     <p:spTree>
@@ -19892,7 +20198,7 @@
 </p:sld>
 </file>
 
-<file path=ppt/slides/slide18.xml><?xml version="1.0" encoding="utf-8"?>
+<file path=ppt/slides/slide19.xml><?xml version="1.0" encoding="utf-8"?>
 <p:sld xmlns:a="http://schemas.openxmlformats.org/drawingml/2006/main" xmlns:r="http://schemas.openxmlformats.org/officeDocument/2006/relationships" xmlns:p="http://schemas.openxmlformats.org/presentationml/2006/main">
   <p:cSld>
     <p:spTree>
@@ -20158,7 +20464,814 @@
 </p:sld>
 </file>
 
-<file path=ppt/slides/slide19.xml><?xml version="1.0" encoding="utf-8"?>
+<file path=ppt/slides/slide2.xml><?xml version="1.0" encoding="utf-8"?>
+<p:sld xmlns:a="http://schemas.openxmlformats.org/drawingml/2006/main" xmlns:r="http://schemas.openxmlformats.org/officeDocument/2006/relationships" xmlns:p="http://schemas.openxmlformats.org/presentationml/2006/main">
+  <p:cSld>
+    <p:spTree>
+      <p:nvGrpSpPr>
+        <p:cNvPr id="1" name=""/>
+        <p:cNvGrpSpPr/>
+        <p:nvPr/>
+      </p:nvGrpSpPr>
+      <p:grpSpPr>
+        <a:xfrm>
+          <a:off x="0" y="0"/>
+          <a:ext cx="0" cy="0"/>
+          <a:chOff x="0" y="0"/>
+          <a:chExt cx="0" cy="0"/>
+        </a:xfrm>
+      </p:grpSpPr>
+      <p:grpSp>
+        <p:nvGrpSpPr>
+          <p:cNvPr id="80" name="Group 79">
+            <a:extLst>
+              <a:ext uri="{FF2B5EF4-FFF2-40B4-BE49-F238E27FC236}">
+                <a16:creationId xmlns:a16="http://schemas.microsoft.com/office/drawing/2014/main" id="{464EB1CA-A808-408B-8325-EBBD3418DD57}"/>
+              </a:ext>
+            </a:extLst>
+          </p:cNvPr>
+          <p:cNvGrpSpPr/>
+          <p:nvPr/>
+        </p:nvGrpSpPr>
+        <p:grpSpPr>
+          <a:xfrm>
+            <a:off x="1815829" y="0"/>
+            <a:ext cx="9144001" cy="6858000"/>
+            <a:chOff x="1523999" y="0"/>
+            <a:chExt cx="9144001" cy="6858000"/>
+          </a:xfrm>
+        </p:grpSpPr>
+        <p:pic>
+          <p:nvPicPr>
+            <p:cNvPr id="18" name="Picture 17">
+              <a:extLst>
+                <a:ext uri="{FF2B5EF4-FFF2-40B4-BE49-F238E27FC236}">
+                  <a16:creationId xmlns:a16="http://schemas.microsoft.com/office/drawing/2014/main" id="{D2F6A2D1-F978-474D-B0B4-405BCF316025}"/>
+                </a:ext>
+              </a:extLst>
+            </p:cNvPr>
+            <p:cNvPicPr>
+              <a:picLocks noChangeAspect="1"/>
+            </p:cNvPicPr>
+            <p:nvPr/>
+          </p:nvPicPr>
+          <p:blipFill>
+            <a:blip r:embed="rId2">
+              <a:extLst>
+                <a:ext uri="{28A0092B-C50C-407E-A947-70E740481C1C}">
+                  <a14:useLocalDpi xmlns:a14="http://schemas.microsoft.com/office/drawing/2010/main" val="0"/>
+                </a:ext>
+              </a:extLst>
+            </a:blip>
+            <a:stretch>
+              <a:fillRect/>
+            </a:stretch>
+          </p:blipFill>
+          <p:spPr>
+            <a:xfrm>
+              <a:off x="1524000" y="0"/>
+              <a:ext cx="9144000" cy="6858000"/>
+            </a:xfrm>
+            <a:prstGeom prst="rect">
+              <a:avLst/>
+            </a:prstGeom>
+          </p:spPr>
+        </p:pic>
+        <p:cxnSp>
+          <p:nvCxnSpPr>
+            <p:cNvPr id="20" name="Straight Connector 19">
+              <a:extLst>
+                <a:ext uri="{FF2B5EF4-FFF2-40B4-BE49-F238E27FC236}">
+                  <a16:creationId xmlns:a16="http://schemas.microsoft.com/office/drawing/2014/main" id="{F04E1353-DA68-4BBD-924B-774567660A3D}"/>
+                </a:ext>
+              </a:extLst>
+            </p:cNvPr>
+            <p:cNvCxnSpPr>
+              <a:cxnSpLocks/>
+            </p:cNvCxnSpPr>
+            <p:nvPr/>
+          </p:nvCxnSpPr>
+          <p:spPr>
+            <a:xfrm flipV="1">
+              <a:off x="1524000" y="1732085"/>
+              <a:ext cx="4059115" cy="1059753"/>
+            </a:xfrm>
+            <a:prstGeom prst="line">
+              <a:avLst/>
+            </a:prstGeom>
+            <a:ln w="57150">
+              <a:solidFill>
+                <a:srgbClr val="FFFF00"/>
+              </a:solidFill>
+            </a:ln>
+          </p:spPr>
+          <p:style>
+            <a:lnRef idx="1">
+              <a:schemeClr val="accent1"/>
+            </a:lnRef>
+            <a:fillRef idx="0">
+              <a:schemeClr val="accent1"/>
+            </a:fillRef>
+            <a:effectRef idx="0">
+              <a:schemeClr val="accent1"/>
+            </a:effectRef>
+            <a:fontRef idx="minor">
+              <a:schemeClr val="tx1"/>
+            </a:fontRef>
+          </p:style>
+        </p:cxnSp>
+        <p:cxnSp>
+          <p:nvCxnSpPr>
+            <p:cNvPr id="53" name="Straight Connector 52">
+              <a:extLst>
+                <a:ext uri="{FF2B5EF4-FFF2-40B4-BE49-F238E27FC236}">
+                  <a16:creationId xmlns:a16="http://schemas.microsoft.com/office/drawing/2014/main" id="{6B198857-35CA-4AC3-ABB9-CEAD855FC617}"/>
+                </a:ext>
+              </a:extLst>
+            </p:cNvPr>
+            <p:cNvCxnSpPr>
+              <a:cxnSpLocks/>
+            </p:cNvCxnSpPr>
+            <p:nvPr/>
+          </p:nvCxnSpPr>
+          <p:spPr>
+            <a:xfrm flipH="1" flipV="1">
+              <a:off x="5583115" y="1732085"/>
+              <a:ext cx="4756639" cy="202223"/>
+            </a:xfrm>
+            <a:prstGeom prst="line">
+              <a:avLst/>
+            </a:prstGeom>
+            <a:ln w="57150">
+              <a:solidFill>
+                <a:srgbClr val="FFFF00"/>
+              </a:solidFill>
+            </a:ln>
+          </p:spPr>
+          <p:style>
+            <a:lnRef idx="1">
+              <a:schemeClr val="accent1"/>
+            </a:lnRef>
+            <a:fillRef idx="0">
+              <a:schemeClr val="accent1"/>
+            </a:fillRef>
+            <a:effectRef idx="0">
+              <a:schemeClr val="accent1"/>
+            </a:effectRef>
+            <a:fontRef idx="minor">
+              <a:schemeClr val="tx1"/>
+            </a:fontRef>
+          </p:style>
+        </p:cxnSp>
+        <p:cxnSp>
+          <p:nvCxnSpPr>
+            <p:cNvPr id="55" name="Straight Connector 54">
+              <a:extLst>
+                <a:ext uri="{FF2B5EF4-FFF2-40B4-BE49-F238E27FC236}">
+                  <a16:creationId xmlns:a16="http://schemas.microsoft.com/office/drawing/2014/main" id="{12AA29EC-1465-4E49-914B-F27FED21FDCE}"/>
+                </a:ext>
+              </a:extLst>
+            </p:cNvPr>
+            <p:cNvCxnSpPr>
+              <a:cxnSpLocks/>
+              <a:stCxn id="18" idx="3"/>
+            </p:cNvCxnSpPr>
+            <p:nvPr/>
+          </p:nvCxnSpPr>
+          <p:spPr>
+            <a:xfrm flipH="1" flipV="1">
+              <a:off x="10339756" y="1934310"/>
+              <a:ext cx="328244" cy="1494690"/>
+            </a:xfrm>
+            <a:prstGeom prst="line">
+              <a:avLst/>
+            </a:prstGeom>
+            <a:ln w="57150">
+              <a:solidFill>
+                <a:srgbClr val="FFFF00"/>
+              </a:solidFill>
+            </a:ln>
+          </p:spPr>
+          <p:style>
+            <a:lnRef idx="1">
+              <a:schemeClr val="accent1"/>
+            </a:lnRef>
+            <a:fillRef idx="0">
+              <a:schemeClr val="accent1"/>
+            </a:fillRef>
+            <a:effectRef idx="0">
+              <a:schemeClr val="accent1"/>
+            </a:effectRef>
+            <a:fontRef idx="minor">
+              <a:schemeClr val="tx1"/>
+            </a:fontRef>
+          </p:style>
+        </p:cxnSp>
+        <p:cxnSp>
+          <p:nvCxnSpPr>
+            <p:cNvPr id="56" name="Straight Connector 55">
+              <a:extLst>
+                <a:ext uri="{FF2B5EF4-FFF2-40B4-BE49-F238E27FC236}">
+                  <a16:creationId xmlns:a16="http://schemas.microsoft.com/office/drawing/2014/main" id="{34E67F11-B9BD-4F42-AA51-9FD974C7E622}"/>
+                </a:ext>
+              </a:extLst>
+            </p:cNvPr>
+            <p:cNvCxnSpPr>
+              <a:cxnSpLocks/>
+              <a:endCxn id="18" idx="3"/>
+            </p:cNvCxnSpPr>
+            <p:nvPr/>
+          </p:nvCxnSpPr>
+          <p:spPr>
+            <a:xfrm flipV="1">
+              <a:off x="10668000" y="3429000"/>
+              <a:ext cx="0" cy="3429000"/>
+            </a:xfrm>
+            <a:prstGeom prst="line">
+              <a:avLst/>
+            </a:prstGeom>
+            <a:ln w="57150">
+              <a:solidFill>
+                <a:srgbClr val="FFFF00"/>
+              </a:solidFill>
+            </a:ln>
+          </p:spPr>
+          <p:style>
+            <a:lnRef idx="1">
+              <a:schemeClr val="accent1"/>
+            </a:lnRef>
+            <a:fillRef idx="0">
+              <a:schemeClr val="accent1"/>
+            </a:fillRef>
+            <a:effectRef idx="0">
+              <a:schemeClr val="accent1"/>
+            </a:effectRef>
+            <a:fontRef idx="minor">
+              <a:schemeClr val="tx1"/>
+            </a:fontRef>
+          </p:style>
+        </p:cxnSp>
+        <p:cxnSp>
+          <p:nvCxnSpPr>
+            <p:cNvPr id="57" name="Straight Connector 56">
+              <a:extLst>
+                <a:ext uri="{FF2B5EF4-FFF2-40B4-BE49-F238E27FC236}">
+                  <a16:creationId xmlns:a16="http://schemas.microsoft.com/office/drawing/2014/main" id="{35405777-F13F-4931-9383-20997A03AC4D}"/>
+                </a:ext>
+              </a:extLst>
+            </p:cNvPr>
+            <p:cNvCxnSpPr>
+              <a:cxnSpLocks/>
+            </p:cNvCxnSpPr>
+            <p:nvPr/>
+          </p:nvCxnSpPr>
+          <p:spPr>
+            <a:xfrm flipV="1">
+              <a:off x="1523999" y="2791838"/>
+              <a:ext cx="1" cy="4066162"/>
+            </a:xfrm>
+            <a:prstGeom prst="line">
+              <a:avLst/>
+            </a:prstGeom>
+            <a:ln w="57150">
+              <a:solidFill>
+                <a:srgbClr val="FFFF00"/>
+              </a:solidFill>
+            </a:ln>
+          </p:spPr>
+          <p:style>
+            <a:lnRef idx="1">
+              <a:schemeClr val="accent1"/>
+            </a:lnRef>
+            <a:fillRef idx="0">
+              <a:schemeClr val="accent1"/>
+            </a:fillRef>
+            <a:effectRef idx="0">
+              <a:schemeClr val="accent1"/>
+            </a:effectRef>
+            <a:fontRef idx="minor">
+              <a:schemeClr val="tx1"/>
+            </a:fontRef>
+          </p:style>
+        </p:cxnSp>
+        <p:cxnSp>
+          <p:nvCxnSpPr>
+            <p:cNvPr id="58" name="Straight Connector 57">
+              <a:extLst>
+                <a:ext uri="{FF2B5EF4-FFF2-40B4-BE49-F238E27FC236}">
+                  <a16:creationId xmlns:a16="http://schemas.microsoft.com/office/drawing/2014/main" id="{BF284521-6633-4E6B-88D9-1951DF65A623}"/>
+                </a:ext>
+              </a:extLst>
+            </p:cNvPr>
+            <p:cNvCxnSpPr>
+              <a:cxnSpLocks/>
+            </p:cNvCxnSpPr>
+            <p:nvPr/>
+          </p:nvCxnSpPr>
+          <p:spPr>
+            <a:xfrm>
+              <a:off x="1523999" y="6858000"/>
+              <a:ext cx="9144001" cy="0"/>
+            </a:xfrm>
+            <a:prstGeom prst="line">
+              <a:avLst/>
+            </a:prstGeom>
+            <a:ln w="57150">
+              <a:solidFill>
+                <a:srgbClr val="FFFF00"/>
+              </a:solidFill>
+            </a:ln>
+          </p:spPr>
+          <p:style>
+            <a:lnRef idx="1">
+              <a:schemeClr val="accent1"/>
+            </a:lnRef>
+            <a:fillRef idx="0">
+              <a:schemeClr val="accent1"/>
+            </a:fillRef>
+            <a:effectRef idx="0">
+              <a:schemeClr val="accent1"/>
+            </a:effectRef>
+            <a:fontRef idx="minor">
+              <a:schemeClr val="tx1"/>
+            </a:fontRef>
+          </p:style>
+        </p:cxnSp>
+        <p:sp>
+          <p:nvSpPr>
+            <p:cNvPr id="59" name="TextBox 58">
+              <a:extLst>
+                <a:ext uri="{FF2B5EF4-FFF2-40B4-BE49-F238E27FC236}">
+                  <a16:creationId xmlns:a16="http://schemas.microsoft.com/office/drawing/2014/main" id="{3C07175D-75DB-48E9-8ED5-E724F9B9A6D9}"/>
+                </a:ext>
+              </a:extLst>
+            </p:cNvPr>
+            <p:cNvSpPr txBox="1"/>
+            <p:nvPr/>
+          </p:nvSpPr>
+          <p:spPr>
+            <a:xfrm rot="157074">
+              <a:off x="6220497" y="1263826"/>
+              <a:ext cx="4111831" cy="615553"/>
+            </a:xfrm>
+            <a:prstGeom prst="rect">
+              <a:avLst/>
+            </a:prstGeom>
+            <a:noFill/>
+          </p:spPr>
+          <p:txBody>
+            <a:bodyPr wrap="none" rtlCol="0">
+              <a:spAutoFit/>
+            </a:bodyPr>
+            <a:lstStyle/>
+            <a:p>
+              <a:r>
+                <a:rPr lang="en-US" sz="3400" b="1" dirty="0" err="1"/>
+                <a:t>AguaClara</a:t>
+              </a:r>
+              <a:r>
+                <a:rPr lang="en-US" sz="3400" b="1" dirty="0"/>
+                <a:t> Flocculator</a:t>
+              </a:r>
+            </a:p>
+          </p:txBody>
+        </p:sp>
+        <p:sp>
+          <p:nvSpPr>
+            <p:cNvPr id="60" name="Oval 59">
+              <a:extLst>
+                <a:ext uri="{FF2B5EF4-FFF2-40B4-BE49-F238E27FC236}">
+                  <a16:creationId xmlns:a16="http://schemas.microsoft.com/office/drawing/2014/main" id="{43404AAB-3EE6-460E-87B9-3C152C7557E2}"/>
+                </a:ext>
+              </a:extLst>
+            </p:cNvPr>
+            <p:cNvSpPr/>
+            <p:nvPr/>
+          </p:nvSpPr>
+          <p:spPr bwMode="auto">
+            <a:xfrm rot="668944">
+              <a:off x="6339157" y="4565774"/>
+              <a:ext cx="3874513" cy="773137"/>
+            </a:xfrm>
+            <a:prstGeom prst="ellipse">
+              <a:avLst/>
+            </a:prstGeom>
+            <a:noFill/>
+            <a:ln w="38100">
+              <a:solidFill>
+                <a:srgbClr val="C00000"/>
+              </a:solidFill>
+              <a:miter lim="800000"/>
+              <a:headEnd type="none" w="lg" len="med"/>
+              <a:tailEnd type="none" w="lg" len="med"/>
+            </a:ln>
+            <a:effectLst/>
+          </p:spPr>
+          <p:txBody>
+            <a:bodyPr rtlCol="0" anchor="ctr">
+              <a:spAutoFit/>
+            </a:bodyPr>
+            <a:lstStyle/>
+            <a:p>
+              <a:pPr algn="l"/>
+              <a:endParaRPr lang="en-US" dirty="0"/>
+            </a:p>
+          </p:txBody>
+        </p:sp>
+        <p:sp>
+          <p:nvSpPr>
+            <p:cNvPr id="62" name="Oval 61">
+              <a:extLst>
+                <a:ext uri="{FF2B5EF4-FFF2-40B4-BE49-F238E27FC236}">
+                  <a16:creationId xmlns:a16="http://schemas.microsoft.com/office/drawing/2014/main" id="{F20D069C-8B0D-4D65-A120-B3331FC3C0A0}"/>
+                </a:ext>
+              </a:extLst>
+            </p:cNvPr>
+            <p:cNvSpPr/>
+            <p:nvPr/>
+          </p:nvSpPr>
+          <p:spPr bwMode="auto">
+            <a:xfrm rot="355084">
+              <a:off x="7318193" y="3412658"/>
+              <a:ext cx="2841407" cy="451783"/>
+            </a:xfrm>
+            <a:prstGeom prst="ellipse">
+              <a:avLst/>
+            </a:prstGeom>
+            <a:noFill/>
+            <a:ln w="38100">
+              <a:solidFill>
+                <a:srgbClr val="C00000"/>
+              </a:solidFill>
+              <a:miter lim="800000"/>
+              <a:headEnd type="none" w="lg" len="med"/>
+              <a:tailEnd type="none" w="lg" len="med"/>
+            </a:ln>
+            <a:effectLst/>
+          </p:spPr>
+          <p:txBody>
+            <a:bodyPr rtlCol="0" anchor="ctr">
+              <a:spAutoFit/>
+            </a:bodyPr>
+            <a:lstStyle/>
+            <a:p>
+              <a:pPr algn="l"/>
+              <a:endParaRPr lang="en-US" dirty="0"/>
+            </a:p>
+          </p:txBody>
+        </p:sp>
+        <p:sp>
+          <p:nvSpPr>
+            <p:cNvPr id="63" name="TextBox 62">
+              <a:extLst>
+                <a:ext uri="{FF2B5EF4-FFF2-40B4-BE49-F238E27FC236}">
+                  <a16:creationId xmlns:a16="http://schemas.microsoft.com/office/drawing/2014/main" id="{243FEAA9-4E74-461B-BCD6-1E0B9410256B}"/>
+                </a:ext>
+              </a:extLst>
+            </p:cNvPr>
+            <p:cNvSpPr txBox="1"/>
+            <p:nvPr/>
+          </p:nvSpPr>
+          <p:spPr>
+            <a:xfrm rot="18636225">
+              <a:off x="5960935" y="3506878"/>
+              <a:ext cx="1815625" cy="523220"/>
+            </a:xfrm>
+            <a:prstGeom prst="rect">
+              <a:avLst/>
+            </a:prstGeom>
+            <a:noFill/>
+          </p:spPr>
+          <p:txBody>
+            <a:bodyPr wrap="none" rtlCol="0">
+              <a:spAutoFit/>
+            </a:bodyPr>
+            <a:lstStyle/>
+            <a:p>
+              <a:r>
+                <a:rPr lang="en-US" sz="2800" b="1" dirty="0"/>
+                <a:t>Top Baffles</a:t>
+              </a:r>
+            </a:p>
+          </p:txBody>
+        </p:sp>
+        <p:sp>
+          <p:nvSpPr>
+            <p:cNvPr id="64" name="Oval 63">
+              <a:extLst>
+                <a:ext uri="{FF2B5EF4-FFF2-40B4-BE49-F238E27FC236}">
+                  <a16:creationId xmlns:a16="http://schemas.microsoft.com/office/drawing/2014/main" id="{0207D88D-7674-4D84-831B-CA127B551A4C}"/>
+                </a:ext>
+              </a:extLst>
+            </p:cNvPr>
+            <p:cNvSpPr/>
+            <p:nvPr/>
+          </p:nvSpPr>
+          <p:spPr bwMode="auto">
+            <a:xfrm rot="1246941">
+              <a:off x="2781751" y="4817233"/>
+              <a:ext cx="1894047" cy="706857"/>
+            </a:xfrm>
+            <a:prstGeom prst="ellipse">
+              <a:avLst/>
+            </a:prstGeom>
+            <a:noFill/>
+            <a:ln w="38100">
+              <a:solidFill>
+                <a:srgbClr val="C00000"/>
+              </a:solidFill>
+              <a:miter lim="800000"/>
+              <a:headEnd type="none" w="lg" len="med"/>
+              <a:tailEnd type="none" w="lg" len="med"/>
+            </a:ln>
+            <a:effectLst/>
+          </p:spPr>
+          <p:txBody>
+            <a:bodyPr rtlCol="0" anchor="ctr">
+              <a:spAutoFit/>
+            </a:bodyPr>
+            <a:lstStyle/>
+            <a:p>
+              <a:pPr algn="l"/>
+              <a:endParaRPr lang="en-US" dirty="0"/>
+            </a:p>
+          </p:txBody>
+        </p:sp>
+        <p:sp>
+          <p:nvSpPr>
+            <p:cNvPr id="65" name="Oval 64">
+              <a:extLst>
+                <a:ext uri="{FF2B5EF4-FFF2-40B4-BE49-F238E27FC236}">
+                  <a16:creationId xmlns:a16="http://schemas.microsoft.com/office/drawing/2014/main" id="{10B2FD88-31AA-4DC2-8DC5-8C012AE17CE4}"/>
+                </a:ext>
+              </a:extLst>
+            </p:cNvPr>
+            <p:cNvSpPr/>
+            <p:nvPr/>
+          </p:nvSpPr>
+          <p:spPr bwMode="auto">
+            <a:xfrm rot="1504706">
+              <a:off x="4967986" y="3651526"/>
+              <a:ext cx="1338513" cy="364529"/>
+            </a:xfrm>
+            <a:prstGeom prst="ellipse">
+              <a:avLst/>
+            </a:prstGeom>
+            <a:noFill/>
+            <a:ln w="38100">
+              <a:solidFill>
+                <a:srgbClr val="C00000"/>
+              </a:solidFill>
+              <a:miter lim="800000"/>
+              <a:headEnd type="none" w="lg" len="med"/>
+              <a:tailEnd type="none" w="lg" len="med"/>
+            </a:ln>
+            <a:effectLst/>
+          </p:spPr>
+          <p:txBody>
+            <a:bodyPr rtlCol="0" anchor="ctr">
+              <a:spAutoFit/>
+            </a:bodyPr>
+            <a:lstStyle/>
+            <a:p>
+              <a:pPr algn="l"/>
+              <a:endParaRPr lang="en-US" dirty="0"/>
+            </a:p>
+          </p:txBody>
+        </p:sp>
+        <p:sp>
+          <p:nvSpPr>
+            <p:cNvPr id="66" name="TextBox 65">
+              <a:extLst>
+                <a:ext uri="{FF2B5EF4-FFF2-40B4-BE49-F238E27FC236}">
+                  <a16:creationId xmlns:a16="http://schemas.microsoft.com/office/drawing/2014/main" id="{1C802827-7A0C-4E0D-8CC3-479252CC1B5A}"/>
+                </a:ext>
+              </a:extLst>
+            </p:cNvPr>
+            <p:cNvSpPr txBox="1"/>
+            <p:nvPr/>
+          </p:nvSpPr>
+          <p:spPr>
+            <a:xfrm rot="19848837">
+              <a:off x="1754364" y="3671105"/>
+              <a:ext cx="4336572" cy="523220"/>
+            </a:xfrm>
+            <a:prstGeom prst="rect">
+              <a:avLst/>
+            </a:prstGeom>
+            <a:noFill/>
+          </p:spPr>
+          <p:txBody>
+            <a:bodyPr wrap="none" rtlCol="0">
+              <a:spAutoFit/>
+            </a:bodyPr>
+            <a:lstStyle/>
+            <a:p>
+              <a:r>
+                <a:rPr lang="en-US" sz="2800" b="1" dirty="0"/>
+                <a:t>Bottom Baffles, underwater</a:t>
+              </a:r>
+            </a:p>
+          </p:txBody>
+        </p:sp>
+        <p:cxnSp>
+          <p:nvCxnSpPr>
+            <p:cNvPr id="68" name="Straight Arrow Connector 67">
+              <a:extLst>
+                <a:ext uri="{FF2B5EF4-FFF2-40B4-BE49-F238E27FC236}">
+                  <a16:creationId xmlns:a16="http://schemas.microsoft.com/office/drawing/2014/main" id="{E5C7AC75-8E3E-4C9F-8EF3-C791479FCFDE}"/>
+                </a:ext>
+              </a:extLst>
+            </p:cNvPr>
+            <p:cNvCxnSpPr>
+              <a:cxnSpLocks/>
+              <a:stCxn id="63" idx="2"/>
+              <a:endCxn id="60" idx="1"/>
+            </p:cNvCxnSpPr>
+            <p:nvPr/>
+          </p:nvCxnSpPr>
+          <p:spPr>
+            <a:xfrm flipH="1">
+              <a:off x="6985273" y="3938750"/>
+              <a:ext cx="82097" cy="480529"/>
+            </a:xfrm>
+            <a:prstGeom prst="straightConnector1">
+              <a:avLst/>
+            </a:prstGeom>
+            <a:ln w="57150">
+              <a:solidFill>
+                <a:srgbClr val="C00000"/>
+              </a:solidFill>
+              <a:tailEnd type="triangle"/>
+            </a:ln>
+          </p:spPr>
+          <p:style>
+            <a:lnRef idx="1">
+              <a:schemeClr val="accent1"/>
+            </a:lnRef>
+            <a:fillRef idx="0">
+              <a:schemeClr val="accent1"/>
+            </a:fillRef>
+            <a:effectRef idx="0">
+              <a:schemeClr val="accent1"/>
+            </a:effectRef>
+            <a:fontRef idx="minor">
+              <a:schemeClr val="tx1"/>
+            </a:fontRef>
+          </p:style>
+        </p:cxnSp>
+        <p:cxnSp>
+          <p:nvCxnSpPr>
+            <p:cNvPr id="69" name="Straight Arrow Connector 68">
+              <a:extLst>
+                <a:ext uri="{FF2B5EF4-FFF2-40B4-BE49-F238E27FC236}">
+                  <a16:creationId xmlns:a16="http://schemas.microsoft.com/office/drawing/2014/main" id="{3534BE31-8EBB-4972-996A-EBBF88D77915}"/>
+                </a:ext>
+              </a:extLst>
+            </p:cNvPr>
+            <p:cNvCxnSpPr>
+              <a:cxnSpLocks/>
+              <a:stCxn id="63" idx="2"/>
+              <a:endCxn id="62" idx="3"/>
+            </p:cNvCxnSpPr>
+            <p:nvPr/>
+          </p:nvCxnSpPr>
+          <p:spPr>
+            <a:xfrm flipV="1">
+              <a:off x="7067370" y="3693848"/>
+              <a:ext cx="655822" cy="244902"/>
+            </a:xfrm>
+            <a:prstGeom prst="straightConnector1">
+              <a:avLst/>
+            </a:prstGeom>
+            <a:ln w="57150">
+              <a:solidFill>
+                <a:srgbClr val="C00000"/>
+              </a:solidFill>
+              <a:tailEnd type="triangle"/>
+            </a:ln>
+          </p:spPr>
+          <p:style>
+            <a:lnRef idx="1">
+              <a:schemeClr val="accent1"/>
+            </a:lnRef>
+            <a:fillRef idx="0">
+              <a:schemeClr val="accent1"/>
+            </a:fillRef>
+            <a:effectRef idx="0">
+              <a:schemeClr val="accent1"/>
+            </a:effectRef>
+            <a:fontRef idx="minor">
+              <a:schemeClr val="tx1"/>
+            </a:fontRef>
+          </p:style>
+        </p:cxnSp>
+        <p:cxnSp>
+          <p:nvCxnSpPr>
+            <p:cNvPr id="72" name="Straight Arrow Connector 71">
+              <a:extLst>
+                <a:ext uri="{FF2B5EF4-FFF2-40B4-BE49-F238E27FC236}">
+                  <a16:creationId xmlns:a16="http://schemas.microsoft.com/office/drawing/2014/main" id="{CD24C322-D307-4A2F-A805-A99B6FAE4ECE}"/>
+                </a:ext>
+              </a:extLst>
+            </p:cNvPr>
+            <p:cNvCxnSpPr>
+              <a:cxnSpLocks/>
+              <a:stCxn id="66" idx="2"/>
+            </p:cNvCxnSpPr>
+            <p:nvPr/>
+          </p:nvCxnSpPr>
+          <p:spPr>
+            <a:xfrm flipH="1">
+              <a:off x="3494493" y="4161111"/>
+              <a:ext cx="555730" cy="537628"/>
+            </a:xfrm>
+            <a:prstGeom prst="straightConnector1">
+              <a:avLst/>
+            </a:prstGeom>
+            <a:ln w="57150">
+              <a:solidFill>
+                <a:srgbClr val="C00000"/>
+              </a:solidFill>
+              <a:tailEnd type="triangle"/>
+            </a:ln>
+          </p:spPr>
+          <p:style>
+            <a:lnRef idx="1">
+              <a:schemeClr val="accent1"/>
+            </a:lnRef>
+            <a:fillRef idx="0">
+              <a:schemeClr val="accent1"/>
+            </a:fillRef>
+            <a:effectRef idx="0">
+              <a:schemeClr val="accent1"/>
+            </a:effectRef>
+            <a:fontRef idx="minor">
+              <a:schemeClr val="tx1"/>
+            </a:fontRef>
+          </p:style>
+        </p:cxnSp>
+        <p:cxnSp>
+          <p:nvCxnSpPr>
+            <p:cNvPr id="75" name="Straight Arrow Connector 74">
+              <a:extLst>
+                <a:ext uri="{FF2B5EF4-FFF2-40B4-BE49-F238E27FC236}">
+                  <a16:creationId xmlns:a16="http://schemas.microsoft.com/office/drawing/2014/main" id="{9CDC0CAD-69EB-4A0E-9103-901018AF7921}"/>
+                </a:ext>
+              </a:extLst>
+            </p:cNvPr>
+            <p:cNvCxnSpPr>
+              <a:cxnSpLocks/>
+              <a:stCxn id="66" idx="2"/>
+              <a:endCxn id="65" idx="3"/>
+            </p:cNvCxnSpPr>
+            <p:nvPr/>
+          </p:nvCxnSpPr>
+          <p:spPr>
+            <a:xfrm flipV="1">
+              <a:off x="4050223" y="3749936"/>
+              <a:ext cx="1103770" cy="411175"/>
+            </a:xfrm>
+            <a:prstGeom prst="straightConnector1">
+              <a:avLst/>
+            </a:prstGeom>
+            <a:ln w="57150">
+              <a:solidFill>
+                <a:srgbClr val="C00000"/>
+              </a:solidFill>
+              <a:tailEnd type="triangle"/>
+            </a:ln>
+          </p:spPr>
+          <p:style>
+            <a:lnRef idx="1">
+              <a:schemeClr val="accent1"/>
+            </a:lnRef>
+            <a:fillRef idx="0">
+              <a:schemeClr val="accent1"/>
+            </a:fillRef>
+            <a:effectRef idx="0">
+              <a:schemeClr val="accent1"/>
+            </a:effectRef>
+            <a:fontRef idx="minor">
+              <a:schemeClr val="tx1"/>
+            </a:fontRef>
+          </p:style>
+        </p:cxnSp>
+      </p:grpSp>
+    </p:spTree>
+    <p:extLst>
+      <p:ext uri="{BB962C8B-B14F-4D97-AF65-F5344CB8AC3E}">
+        <p14:creationId xmlns:p14="http://schemas.microsoft.com/office/powerpoint/2010/main" val="1882347730"/>
+      </p:ext>
+    </p:extLst>
+  </p:cSld>
+  <p:clrMapOvr>
+    <a:masterClrMapping/>
+  </p:clrMapOvr>
+</p:sld>
+</file>
+
+<file path=ppt/slides/slide20.xml><?xml version="1.0" encoding="utf-8"?>
 <p:sld xmlns:a="http://schemas.openxmlformats.org/drawingml/2006/main" xmlns:r="http://schemas.openxmlformats.org/officeDocument/2006/relationships" xmlns:p="http://schemas.openxmlformats.org/presentationml/2006/main">
   <p:cSld>
     <p:spTree>
@@ -21274,814 +22387,7 @@
 </p:sld>
 </file>
 
-<file path=ppt/slides/slide2.xml><?xml version="1.0" encoding="utf-8"?>
-<p:sld xmlns:a="http://schemas.openxmlformats.org/drawingml/2006/main" xmlns:r="http://schemas.openxmlformats.org/officeDocument/2006/relationships" xmlns:p="http://schemas.openxmlformats.org/presentationml/2006/main">
-  <p:cSld>
-    <p:spTree>
-      <p:nvGrpSpPr>
-        <p:cNvPr id="1" name=""/>
-        <p:cNvGrpSpPr/>
-        <p:nvPr/>
-      </p:nvGrpSpPr>
-      <p:grpSpPr>
-        <a:xfrm>
-          <a:off x="0" y="0"/>
-          <a:ext cx="0" cy="0"/>
-          <a:chOff x="0" y="0"/>
-          <a:chExt cx="0" cy="0"/>
-        </a:xfrm>
-      </p:grpSpPr>
-      <p:grpSp>
-        <p:nvGrpSpPr>
-          <p:cNvPr id="80" name="Group 79">
-            <a:extLst>
-              <a:ext uri="{FF2B5EF4-FFF2-40B4-BE49-F238E27FC236}">
-                <a16:creationId xmlns:a16="http://schemas.microsoft.com/office/drawing/2014/main" id="{464EB1CA-A808-408B-8325-EBBD3418DD57}"/>
-              </a:ext>
-            </a:extLst>
-          </p:cNvPr>
-          <p:cNvGrpSpPr/>
-          <p:nvPr/>
-        </p:nvGrpSpPr>
-        <p:grpSpPr>
-          <a:xfrm>
-            <a:off x="1815829" y="0"/>
-            <a:ext cx="9144001" cy="6858000"/>
-            <a:chOff x="1523999" y="0"/>
-            <a:chExt cx="9144001" cy="6858000"/>
-          </a:xfrm>
-        </p:grpSpPr>
-        <p:pic>
-          <p:nvPicPr>
-            <p:cNvPr id="18" name="Picture 17">
-              <a:extLst>
-                <a:ext uri="{FF2B5EF4-FFF2-40B4-BE49-F238E27FC236}">
-                  <a16:creationId xmlns:a16="http://schemas.microsoft.com/office/drawing/2014/main" id="{D2F6A2D1-F978-474D-B0B4-405BCF316025}"/>
-                </a:ext>
-              </a:extLst>
-            </p:cNvPr>
-            <p:cNvPicPr>
-              <a:picLocks noChangeAspect="1"/>
-            </p:cNvPicPr>
-            <p:nvPr/>
-          </p:nvPicPr>
-          <p:blipFill>
-            <a:blip r:embed="rId2">
-              <a:extLst>
-                <a:ext uri="{28A0092B-C50C-407E-A947-70E740481C1C}">
-                  <a14:useLocalDpi xmlns:a14="http://schemas.microsoft.com/office/drawing/2010/main" val="0"/>
-                </a:ext>
-              </a:extLst>
-            </a:blip>
-            <a:stretch>
-              <a:fillRect/>
-            </a:stretch>
-          </p:blipFill>
-          <p:spPr>
-            <a:xfrm>
-              <a:off x="1524000" y="0"/>
-              <a:ext cx="9144000" cy="6858000"/>
-            </a:xfrm>
-            <a:prstGeom prst="rect">
-              <a:avLst/>
-            </a:prstGeom>
-          </p:spPr>
-        </p:pic>
-        <p:cxnSp>
-          <p:nvCxnSpPr>
-            <p:cNvPr id="20" name="Straight Connector 19">
-              <a:extLst>
-                <a:ext uri="{FF2B5EF4-FFF2-40B4-BE49-F238E27FC236}">
-                  <a16:creationId xmlns:a16="http://schemas.microsoft.com/office/drawing/2014/main" id="{F04E1353-DA68-4BBD-924B-774567660A3D}"/>
-                </a:ext>
-              </a:extLst>
-            </p:cNvPr>
-            <p:cNvCxnSpPr>
-              <a:cxnSpLocks/>
-            </p:cNvCxnSpPr>
-            <p:nvPr/>
-          </p:nvCxnSpPr>
-          <p:spPr>
-            <a:xfrm flipV="1">
-              <a:off x="1524000" y="1732085"/>
-              <a:ext cx="4059115" cy="1059753"/>
-            </a:xfrm>
-            <a:prstGeom prst="line">
-              <a:avLst/>
-            </a:prstGeom>
-            <a:ln w="57150">
-              <a:solidFill>
-                <a:srgbClr val="FFFF00"/>
-              </a:solidFill>
-            </a:ln>
-          </p:spPr>
-          <p:style>
-            <a:lnRef idx="1">
-              <a:schemeClr val="accent1"/>
-            </a:lnRef>
-            <a:fillRef idx="0">
-              <a:schemeClr val="accent1"/>
-            </a:fillRef>
-            <a:effectRef idx="0">
-              <a:schemeClr val="accent1"/>
-            </a:effectRef>
-            <a:fontRef idx="minor">
-              <a:schemeClr val="tx1"/>
-            </a:fontRef>
-          </p:style>
-        </p:cxnSp>
-        <p:cxnSp>
-          <p:nvCxnSpPr>
-            <p:cNvPr id="53" name="Straight Connector 52">
-              <a:extLst>
-                <a:ext uri="{FF2B5EF4-FFF2-40B4-BE49-F238E27FC236}">
-                  <a16:creationId xmlns:a16="http://schemas.microsoft.com/office/drawing/2014/main" id="{6B198857-35CA-4AC3-ABB9-CEAD855FC617}"/>
-                </a:ext>
-              </a:extLst>
-            </p:cNvPr>
-            <p:cNvCxnSpPr>
-              <a:cxnSpLocks/>
-            </p:cNvCxnSpPr>
-            <p:nvPr/>
-          </p:nvCxnSpPr>
-          <p:spPr>
-            <a:xfrm flipH="1" flipV="1">
-              <a:off x="5583115" y="1732085"/>
-              <a:ext cx="4756639" cy="202223"/>
-            </a:xfrm>
-            <a:prstGeom prst="line">
-              <a:avLst/>
-            </a:prstGeom>
-            <a:ln w="57150">
-              <a:solidFill>
-                <a:srgbClr val="FFFF00"/>
-              </a:solidFill>
-            </a:ln>
-          </p:spPr>
-          <p:style>
-            <a:lnRef idx="1">
-              <a:schemeClr val="accent1"/>
-            </a:lnRef>
-            <a:fillRef idx="0">
-              <a:schemeClr val="accent1"/>
-            </a:fillRef>
-            <a:effectRef idx="0">
-              <a:schemeClr val="accent1"/>
-            </a:effectRef>
-            <a:fontRef idx="minor">
-              <a:schemeClr val="tx1"/>
-            </a:fontRef>
-          </p:style>
-        </p:cxnSp>
-        <p:cxnSp>
-          <p:nvCxnSpPr>
-            <p:cNvPr id="55" name="Straight Connector 54">
-              <a:extLst>
-                <a:ext uri="{FF2B5EF4-FFF2-40B4-BE49-F238E27FC236}">
-                  <a16:creationId xmlns:a16="http://schemas.microsoft.com/office/drawing/2014/main" id="{12AA29EC-1465-4E49-914B-F27FED21FDCE}"/>
-                </a:ext>
-              </a:extLst>
-            </p:cNvPr>
-            <p:cNvCxnSpPr>
-              <a:cxnSpLocks/>
-              <a:stCxn id="18" idx="3"/>
-            </p:cNvCxnSpPr>
-            <p:nvPr/>
-          </p:nvCxnSpPr>
-          <p:spPr>
-            <a:xfrm flipH="1" flipV="1">
-              <a:off x="10339756" y="1934310"/>
-              <a:ext cx="328244" cy="1494690"/>
-            </a:xfrm>
-            <a:prstGeom prst="line">
-              <a:avLst/>
-            </a:prstGeom>
-            <a:ln w="57150">
-              <a:solidFill>
-                <a:srgbClr val="FFFF00"/>
-              </a:solidFill>
-            </a:ln>
-          </p:spPr>
-          <p:style>
-            <a:lnRef idx="1">
-              <a:schemeClr val="accent1"/>
-            </a:lnRef>
-            <a:fillRef idx="0">
-              <a:schemeClr val="accent1"/>
-            </a:fillRef>
-            <a:effectRef idx="0">
-              <a:schemeClr val="accent1"/>
-            </a:effectRef>
-            <a:fontRef idx="minor">
-              <a:schemeClr val="tx1"/>
-            </a:fontRef>
-          </p:style>
-        </p:cxnSp>
-        <p:cxnSp>
-          <p:nvCxnSpPr>
-            <p:cNvPr id="56" name="Straight Connector 55">
-              <a:extLst>
-                <a:ext uri="{FF2B5EF4-FFF2-40B4-BE49-F238E27FC236}">
-                  <a16:creationId xmlns:a16="http://schemas.microsoft.com/office/drawing/2014/main" id="{34E67F11-B9BD-4F42-AA51-9FD974C7E622}"/>
-                </a:ext>
-              </a:extLst>
-            </p:cNvPr>
-            <p:cNvCxnSpPr>
-              <a:cxnSpLocks/>
-              <a:endCxn id="18" idx="3"/>
-            </p:cNvCxnSpPr>
-            <p:nvPr/>
-          </p:nvCxnSpPr>
-          <p:spPr>
-            <a:xfrm flipV="1">
-              <a:off x="10668000" y="3429000"/>
-              <a:ext cx="0" cy="3429000"/>
-            </a:xfrm>
-            <a:prstGeom prst="line">
-              <a:avLst/>
-            </a:prstGeom>
-            <a:ln w="57150">
-              <a:solidFill>
-                <a:srgbClr val="FFFF00"/>
-              </a:solidFill>
-            </a:ln>
-          </p:spPr>
-          <p:style>
-            <a:lnRef idx="1">
-              <a:schemeClr val="accent1"/>
-            </a:lnRef>
-            <a:fillRef idx="0">
-              <a:schemeClr val="accent1"/>
-            </a:fillRef>
-            <a:effectRef idx="0">
-              <a:schemeClr val="accent1"/>
-            </a:effectRef>
-            <a:fontRef idx="minor">
-              <a:schemeClr val="tx1"/>
-            </a:fontRef>
-          </p:style>
-        </p:cxnSp>
-        <p:cxnSp>
-          <p:nvCxnSpPr>
-            <p:cNvPr id="57" name="Straight Connector 56">
-              <a:extLst>
-                <a:ext uri="{FF2B5EF4-FFF2-40B4-BE49-F238E27FC236}">
-                  <a16:creationId xmlns:a16="http://schemas.microsoft.com/office/drawing/2014/main" id="{35405777-F13F-4931-9383-20997A03AC4D}"/>
-                </a:ext>
-              </a:extLst>
-            </p:cNvPr>
-            <p:cNvCxnSpPr>
-              <a:cxnSpLocks/>
-            </p:cNvCxnSpPr>
-            <p:nvPr/>
-          </p:nvCxnSpPr>
-          <p:spPr>
-            <a:xfrm flipV="1">
-              <a:off x="1523999" y="2791838"/>
-              <a:ext cx="1" cy="4066162"/>
-            </a:xfrm>
-            <a:prstGeom prst="line">
-              <a:avLst/>
-            </a:prstGeom>
-            <a:ln w="57150">
-              <a:solidFill>
-                <a:srgbClr val="FFFF00"/>
-              </a:solidFill>
-            </a:ln>
-          </p:spPr>
-          <p:style>
-            <a:lnRef idx="1">
-              <a:schemeClr val="accent1"/>
-            </a:lnRef>
-            <a:fillRef idx="0">
-              <a:schemeClr val="accent1"/>
-            </a:fillRef>
-            <a:effectRef idx="0">
-              <a:schemeClr val="accent1"/>
-            </a:effectRef>
-            <a:fontRef idx="minor">
-              <a:schemeClr val="tx1"/>
-            </a:fontRef>
-          </p:style>
-        </p:cxnSp>
-        <p:cxnSp>
-          <p:nvCxnSpPr>
-            <p:cNvPr id="58" name="Straight Connector 57">
-              <a:extLst>
-                <a:ext uri="{FF2B5EF4-FFF2-40B4-BE49-F238E27FC236}">
-                  <a16:creationId xmlns:a16="http://schemas.microsoft.com/office/drawing/2014/main" id="{BF284521-6633-4E6B-88D9-1951DF65A623}"/>
-                </a:ext>
-              </a:extLst>
-            </p:cNvPr>
-            <p:cNvCxnSpPr>
-              <a:cxnSpLocks/>
-            </p:cNvCxnSpPr>
-            <p:nvPr/>
-          </p:nvCxnSpPr>
-          <p:spPr>
-            <a:xfrm>
-              <a:off x="1523999" y="6858000"/>
-              <a:ext cx="9144001" cy="0"/>
-            </a:xfrm>
-            <a:prstGeom prst="line">
-              <a:avLst/>
-            </a:prstGeom>
-            <a:ln w="57150">
-              <a:solidFill>
-                <a:srgbClr val="FFFF00"/>
-              </a:solidFill>
-            </a:ln>
-          </p:spPr>
-          <p:style>
-            <a:lnRef idx="1">
-              <a:schemeClr val="accent1"/>
-            </a:lnRef>
-            <a:fillRef idx="0">
-              <a:schemeClr val="accent1"/>
-            </a:fillRef>
-            <a:effectRef idx="0">
-              <a:schemeClr val="accent1"/>
-            </a:effectRef>
-            <a:fontRef idx="minor">
-              <a:schemeClr val="tx1"/>
-            </a:fontRef>
-          </p:style>
-        </p:cxnSp>
-        <p:sp>
-          <p:nvSpPr>
-            <p:cNvPr id="59" name="TextBox 58">
-              <a:extLst>
-                <a:ext uri="{FF2B5EF4-FFF2-40B4-BE49-F238E27FC236}">
-                  <a16:creationId xmlns:a16="http://schemas.microsoft.com/office/drawing/2014/main" id="{3C07175D-75DB-48E9-8ED5-E724F9B9A6D9}"/>
-                </a:ext>
-              </a:extLst>
-            </p:cNvPr>
-            <p:cNvSpPr txBox="1"/>
-            <p:nvPr/>
-          </p:nvSpPr>
-          <p:spPr>
-            <a:xfrm rot="157074">
-              <a:off x="6220497" y="1263826"/>
-              <a:ext cx="4111831" cy="615553"/>
-            </a:xfrm>
-            <a:prstGeom prst="rect">
-              <a:avLst/>
-            </a:prstGeom>
-            <a:noFill/>
-          </p:spPr>
-          <p:txBody>
-            <a:bodyPr wrap="none" rtlCol="0">
-              <a:spAutoFit/>
-            </a:bodyPr>
-            <a:lstStyle/>
-            <a:p>
-              <a:r>
-                <a:rPr lang="en-US" sz="3400" b="1" dirty="0" err="1"/>
-                <a:t>AguaClara</a:t>
-              </a:r>
-              <a:r>
-                <a:rPr lang="en-US" sz="3400" b="1" dirty="0"/>
-                <a:t> Flocculator</a:t>
-              </a:r>
-            </a:p>
-          </p:txBody>
-        </p:sp>
-        <p:sp>
-          <p:nvSpPr>
-            <p:cNvPr id="60" name="Oval 59">
-              <a:extLst>
-                <a:ext uri="{FF2B5EF4-FFF2-40B4-BE49-F238E27FC236}">
-                  <a16:creationId xmlns:a16="http://schemas.microsoft.com/office/drawing/2014/main" id="{43404AAB-3EE6-460E-87B9-3C152C7557E2}"/>
-                </a:ext>
-              </a:extLst>
-            </p:cNvPr>
-            <p:cNvSpPr/>
-            <p:nvPr/>
-          </p:nvSpPr>
-          <p:spPr bwMode="auto">
-            <a:xfrm rot="668944">
-              <a:off x="6339157" y="4565774"/>
-              <a:ext cx="3874513" cy="773137"/>
-            </a:xfrm>
-            <a:prstGeom prst="ellipse">
-              <a:avLst/>
-            </a:prstGeom>
-            <a:noFill/>
-            <a:ln w="38100">
-              <a:solidFill>
-                <a:srgbClr val="C00000"/>
-              </a:solidFill>
-              <a:miter lim="800000"/>
-              <a:headEnd type="none" w="lg" len="med"/>
-              <a:tailEnd type="none" w="lg" len="med"/>
-            </a:ln>
-            <a:effectLst/>
-          </p:spPr>
-          <p:txBody>
-            <a:bodyPr rtlCol="0" anchor="ctr">
-              <a:spAutoFit/>
-            </a:bodyPr>
-            <a:lstStyle/>
-            <a:p>
-              <a:pPr algn="l"/>
-              <a:endParaRPr lang="en-US" dirty="0"/>
-            </a:p>
-          </p:txBody>
-        </p:sp>
-        <p:sp>
-          <p:nvSpPr>
-            <p:cNvPr id="62" name="Oval 61">
-              <a:extLst>
-                <a:ext uri="{FF2B5EF4-FFF2-40B4-BE49-F238E27FC236}">
-                  <a16:creationId xmlns:a16="http://schemas.microsoft.com/office/drawing/2014/main" id="{F20D069C-8B0D-4D65-A120-B3331FC3C0A0}"/>
-                </a:ext>
-              </a:extLst>
-            </p:cNvPr>
-            <p:cNvSpPr/>
-            <p:nvPr/>
-          </p:nvSpPr>
-          <p:spPr bwMode="auto">
-            <a:xfrm rot="355084">
-              <a:off x="7318193" y="3412658"/>
-              <a:ext cx="2841407" cy="451783"/>
-            </a:xfrm>
-            <a:prstGeom prst="ellipse">
-              <a:avLst/>
-            </a:prstGeom>
-            <a:noFill/>
-            <a:ln w="38100">
-              <a:solidFill>
-                <a:srgbClr val="C00000"/>
-              </a:solidFill>
-              <a:miter lim="800000"/>
-              <a:headEnd type="none" w="lg" len="med"/>
-              <a:tailEnd type="none" w="lg" len="med"/>
-            </a:ln>
-            <a:effectLst/>
-          </p:spPr>
-          <p:txBody>
-            <a:bodyPr rtlCol="0" anchor="ctr">
-              <a:spAutoFit/>
-            </a:bodyPr>
-            <a:lstStyle/>
-            <a:p>
-              <a:pPr algn="l"/>
-              <a:endParaRPr lang="en-US" dirty="0"/>
-            </a:p>
-          </p:txBody>
-        </p:sp>
-        <p:sp>
-          <p:nvSpPr>
-            <p:cNvPr id="63" name="TextBox 62">
-              <a:extLst>
-                <a:ext uri="{FF2B5EF4-FFF2-40B4-BE49-F238E27FC236}">
-                  <a16:creationId xmlns:a16="http://schemas.microsoft.com/office/drawing/2014/main" id="{243FEAA9-4E74-461B-BCD6-1E0B9410256B}"/>
-                </a:ext>
-              </a:extLst>
-            </p:cNvPr>
-            <p:cNvSpPr txBox="1"/>
-            <p:nvPr/>
-          </p:nvSpPr>
-          <p:spPr>
-            <a:xfrm rot="18636225">
-              <a:off x="5960935" y="3506878"/>
-              <a:ext cx="1815625" cy="523220"/>
-            </a:xfrm>
-            <a:prstGeom prst="rect">
-              <a:avLst/>
-            </a:prstGeom>
-            <a:noFill/>
-          </p:spPr>
-          <p:txBody>
-            <a:bodyPr wrap="none" rtlCol="0">
-              <a:spAutoFit/>
-            </a:bodyPr>
-            <a:lstStyle/>
-            <a:p>
-              <a:r>
-                <a:rPr lang="en-US" sz="2800" b="1" dirty="0"/>
-                <a:t>Top Baffles</a:t>
-              </a:r>
-            </a:p>
-          </p:txBody>
-        </p:sp>
-        <p:sp>
-          <p:nvSpPr>
-            <p:cNvPr id="64" name="Oval 63">
-              <a:extLst>
-                <a:ext uri="{FF2B5EF4-FFF2-40B4-BE49-F238E27FC236}">
-                  <a16:creationId xmlns:a16="http://schemas.microsoft.com/office/drawing/2014/main" id="{0207D88D-7674-4D84-831B-CA127B551A4C}"/>
-                </a:ext>
-              </a:extLst>
-            </p:cNvPr>
-            <p:cNvSpPr/>
-            <p:nvPr/>
-          </p:nvSpPr>
-          <p:spPr bwMode="auto">
-            <a:xfrm rot="1246941">
-              <a:off x="2781751" y="4817233"/>
-              <a:ext cx="1894047" cy="706857"/>
-            </a:xfrm>
-            <a:prstGeom prst="ellipse">
-              <a:avLst/>
-            </a:prstGeom>
-            <a:noFill/>
-            <a:ln w="38100">
-              <a:solidFill>
-                <a:srgbClr val="C00000"/>
-              </a:solidFill>
-              <a:miter lim="800000"/>
-              <a:headEnd type="none" w="lg" len="med"/>
-              <a:tailEnd type="none" w="lg" len="med"/>
-            </a:ln>
-            <a:effectLst/>
-          </p:spPr>
-          <p:txBody>
-            <a:bodyPr rtlCol="0" anchor="ctr">
-              <a:spAutoFit/>
-            </a:bodyPr>
-            <a:lstStyle/>
-            <a:p>
-              <a:pPr algn="l"/>
-              <a:endParaRPr lang="en-US" dirty="0"/>
-            </a:p>
-          </p:txBody>
-        </p:sp>
-        <p:sp>
-          <p:nvSpPr>
-            <p:cNvPr id="65" name="Oval 64">
-              <a:extLst>
-                <a:ext uri="{FF2B5EF4-FFF2-40B4-BE49-F238E27FC236}">
-                  <a16:creationId xmlns:a16="http://schemas.microsoft.com/office/drawing/2014/main" id="{10B2FD88-31AA-4DC2-8DC5-8C012AE17CE4}"/>
-                </a:ext>
-              </a:extLst>
-            </p:cNvPr>
-            <p:cNvSpPr/>
-            <p:nvPr/>
-          </p:nvSpPr>
-          <p:spPr bwMode="auto">
-            <a:xfrm rot="1504706">
-              <a:off x="4967986" y="3651526"/>
-              <a:ext cx="1338513" cy="364529"/>
-            </a:xfrm>
-            <a:prstGeom prst="ellipse">
-              <a:avLst/>
-            </a:prstGeom>
-            <a:noFill/>
-            <a:ln w="38100">
-              <a:solidFill>
-                <a:srgbClr val="C00000"/>
-              </a:solidFill>
-              <a:miter lim="800000"/>
-              <a:headEnd type="none" w="lg" len="med"/>
-              <a:tailEnd type="none" w="lg" len="med"/>
-            </a:ln>
-            <a:effectLst/>
-          </p:spPr>
-          <p:txBody>
-            <a:bodyPr rtlCol="0" anchor="ctr">
-              <a:spAutoFit/>
-            </a:bodyPr>
-            <a:lstStyle/>
-            <a:p>
-              <a:pPr algn="l"/>
-              <a:endParaRPr lang="en-US" dirty="0"/>
-            </a:p>
-          </p:txBody>
-        </p:sp>
-        <p:sp>
-          <p:nvSpPr>
-            <p:cNvPr id="66" name="TextBox 65">
-              <a:extLst>
-                <a:ext uri="{FF2B5EF4-FFF2-40B4-BE49-F238E27FC236}">
-                  <a16:creationId xmlns:a16="http://schemas.microsoft.com/office/drawing/2014/main" id="{1C802827-7A0C-4E0D-8CC3-479252CC1B5A}"/>
-                </a:ext>
-              </a:extLst>
-            </p:cNvPr>
-            <p:cNvSpPr txBox="1"/>
-            <p:nvPr/>
-          </p:nvSpPr>
-          <p:spPr>
-            <a:xfrm rot="19848837">
-              <a:off x="1754364" y="3671105"/>
-              <a:ext cx="4336572" cy="523220"/>
-            </a:xfrm>
-            <a:prstGeom prst="rect">
-              <a:avLst/>
-            </a:prstGeom>
-            <a:noFill/>
-          </p:spPr>
-          <p:txBody>
-            <a:bodyPr wrap="none" rtlCol="0">
-              <a:spAutoFit/>
-            </a:bodyPr>
-            <a:lstStyle/>
-            <a:p>
-              <a:r>
-                <a:rPr lang="en-US" sz="2800" b="1" dirty="0"/>
-                <a:t>Bottom Baffles, underwater</a:t>
-              </a:r>
-            </a:p>
-          </p:txBody>
-        </p:sp>
-        <p:cxnSp>
-          <p:nvCxnSpPr>
-            <p:cNvPr id="68" name="Straight Arrow Connector 67">
-              <a:extLst>
-                <a:ext uri="{FF2B5EF4-FFF2-40B4-BE49-F238E27FC236}">
-                  <a16:creationId xmlns:a16="http://schemas.microsoft.com/office/drawing/2014/main" id="{E5C7AC75-8E3E-4C9F-8EF3-C791479FCFDE}"/>
-                </a:ext>
-              </a:extLst>
-            </p:cNvPr>
-            <p:cNvCxnSpPr>
-              <a:cxnSpLocks/>
-              <a:stCxn id="63" idx="2"/>
-              <a:endCxn id="60" idx="1"/>
-            </p:cNvCxnSpPr>
-            <p:nvPr/>
-          </p:nvCxnSpPr>
-          <p:spPr>
-            <a:xfrm flipH="1">
-              <a:off x="6985273" y="3938750"/>
-              <a:ext cx="82097" cy="480529"/>
-            </a:xfrm>
-            <a:prstGeom prst="straightConnector1">
-              <a:avLst/>
-            </a:prstGeom>
-            <a:ln w="57150">
-              <a:solidFill>
-                <a:srgbClr val="C00000"/>
-              </a:solidFill>
-              <a:tailEnd type="triangle"/>
-            </a:ln>
-          </p:spPr>
-          <p:style>
-            <a:lnRef idx="1">
-              <a:schemeClr val="accent1"/>
-            </a:lnRef>
-            <a:fillRef idx="0">
-              <a:schemeClr val="accent1"/>
-            </a:fillRef>
-            <a:effectRef idx="0">
-              <a:schemeClr val="accent1"/>
-            </a:effectRef>
-            <a:fontRef idx="minor">
-              <a:schemeClr val="tx1"/>
-            </a:fontRef>
-          </p:style>
-        </p:cxnSp>
-        <p:cxnSp>
-          <p:nvCxnSpPr>
-            <p:cNvPr id="69" name="Straight Arrow Connector 68">
-              <a:extLst>
-                <a:ext uri="{FF2B5EF4-FFF2-40B4-BE49-F238E27FC236}">
-                  <a16:creationId xmlns:a16="http://schemas.microsoft.com/office/drawing/2014/main" id="{3534BE31-8EBB-4972-996A-EBBF88D77915}"/>
-                </a:ext>
-              </a:extLst>
-            </p:cNvPr>
-            <p:cNvCxnSpPr>
-              <a:cxnSpLocks/>
-              <a:stCxn id="63" idx="2"/>
-              <a:endCxn id="62" idx="3"/>
-            </p:cNvCxnSpPr>
-            <p:nvPr/>
-          </p:nvCxnSpPr>
-          <p:spPr>
-            <a:xfrm flipV="1">
-              <a:off x="7067370" y="3693848"/>
-              <a:ext cx="655822" cy="244902"/>
-            </a:xfrm>
-            <a:prstGeom prst="straightConnector1">
-              <a:avLst/>
-            </a:prstGeom>
-            <a:ln w="57150">
-              <a:solidFill>
-                <a:srgbClr val="C00000"/>
-              </a:solidFill>
-              <a:tailEnd type="triangle"/>
-            </a:ln>
-          </p:spPr>
-          <p:style>
-            <a:lnRef idx="1">
-              <a:schemeClr val="accent1"/>
-            </a:lnRef>
-            <a:fillRef idx="0">
-              <a:schemeClr val="accent1"/>
-            </a:fillRef>
-            <a:effectRef idx="0">
-              <a:schemeClr val="accent1"/>
-            </a:effectRef>
-            <a:fontRef idx="minor">
-              <a:schemeClr val="tx1"/>
-            </a:fontRef>
-          </p:style>
-        </p:cxnSp>
-        <p:cxnSp>
-          <p:nvCxnSpPr>
-            <p:cNvPr id="72" name="Straight Arrow Connector 71">
-              <a:extLst>
-                <a:ext uri="{FF2B5EF4-FFF2-40B4-BE49-F238E27FC236}">
-                  <a16:creationId xmlns:a16="http://schemas.microsoft.com/office/drawing/2014/main" id="{CD24C322-D307-4A2F-A805-A99B6FAE4ECE}"/>
-                </a:ext>
-              </a:extLst>
-            </p:cNvPr>
-            <p:cNvCxnSpPr>
-              <a:cxnSpLocks/>
-              <a:stCxn id="66" idx="2"/>
-            </p:cNvCxnSpPr>
-            <p:nvPr/>
-          </p:nvCxnSpPr>
-          <p:spPr>
-            <a:xfrm flipH="1">
-              <a:off x="3494493" y="4161111"/>
-              <a:ext cx="555730" cy="537628"/>
-            </a:xfrm>
-            <a:prstGeom prst="straightConnector1">
-              <a:avLst/>
-            </a:prstGeom>
-            <a:ln w="57150">
-              <a:solidFill>
-                <a:srgbClr val="C00000"/>
-              </a:solidFill>
-              <a:tailEnd type="triangle"/>
-            </a:ln>
-          </p:spPr>
-          <p:style>
-            <a:lnRef idx="1">
-              <a:schemeClr val="accent1"/>
-            </a:lnRef>
-            <a:fillRef idx="0">
-              <a:schemeClr val="accent1"/>
-            </a:fillRef>
-            <a:effectRef idx="0">
-              <a:schemeClr val="accent1"/>
-            </a:effectRef>
-            <a:fontRef idx="minor">
-              <a:schemeClr val="tx1"/>
-            </a:fontRef>
-          </p:style>
-        </p:cxnSp>
-        <p:cxnSp>
-          <p:nvCxnSpPr>
-            <p:cNvPr id="75" name="Straight Arrow Connector 74">
-              <a:extLst>
-                <a:ext uri="{FF2B5EF4-FFF2-40B4-BE49-F238E27FC236}">
-                  <a16:creationId xmlns:a16="http://schemas.microsoft.com/office/drawing/2014/main" id="{9CDC0CAD-69EB-4A0E-9103-901018AF7921}"/>
-                </a:ext>
-              </a:extLst>
-            </p:cNvPr>
-            <p:cNvCxnSpPr>
-              <a:cxnSpLocks/>
-              <a:stCxn id="66" idx="2"/>
-              <a:endCxn id="65" idx="3"/>
-            </p:cNvCxnSpPr>
-            <p:nvPr/>
-          </p:nvCxnSpPr>
-          <p:spPr>
-            <a:xfrm flipV="1">
-              <a:off x="4050223" y="3749936"/>
-              <a:ext cx="1103770" cy="411175"/>
-            </a:xfrm>
-            <a:prstGeom prst="straightConnector1">
-              <a:avLst/>
-            </a:prstGeom>
-            <a:ln w="57150">
-              <a:solidFill>
-                <a:srgbClr val="C00000"/>
-              </a:solidFill>
-              <a:tailEnd type="triangle"/>
-            </a:ln>
-          </p:spPr>
-          <p:style>
-            <a:lnRef idx="1">
-              <a:schemeClr val="accent1"/>
-            </a:lnRef>
-            <a:fillRef idx="0">
-              <a:schemeClr val="accent1"/>
-            </a:fillRef>
-            <a:effectRef idx="0">
-              <a:schemeClr val="accent1"/>
-            </a:effectRef>
-            <a:fontRef idx="minor">
-              <a:schemeClr val="tx1"/>
-            </a:fontRef>
-          </p:style>
-        </p:cxnSp>
-      </p:grpSp>
-    </p:spTree>
-    <p:extLst>
-      <p:ext uri="{BB962C8B-B14F-4D97-AF65-F5344CB8AC3E}">
-        <p14:creationId xmlns:p14="http://schemas.microsoft.com/office/powerpoint/2010/main" val="1882347730"/>
-      </p:ext>
-    </p:extLst>
-  </p:cSld>
-  <p:clrMapOvr>
-    <a:masterClrMapping/>
-  </p:clrMapOvr>
-</p:sld>
-</file>
-
-<file path=ppt/slides/slide20.xml><?xml version="1.0" encoding="utf-8"?>
+<file path=ppt/slides/slide21.xml><?xml version="1.0" encoding="utf-8"?>
 <p:sld xmlns:a="http://schemas.openxmlformats.org/drawingml/2006/main" xmlns:r="http://schemas.openxmlformats.org/officeDocument/2006/relationships" xmlns:p="http://schemas.openxmlformats.org/presentationml/2006/main">
   <p:cSld>
     <p:spTree>
@@ -25251,7 +25557,7 @@
 </p:sld>
 </file>
 
-<file path=ppt/slides/slide21.xml><?xml version="1.0" encoding="utf-8"?>
+<file path=ppt/slides/slide22.xml><?xml version="1.0" encoding="utf-8"?>
 <p:sld xmlns:a="http://schemas.openxmlformats.org/drawingml/2006/main" xmlns:r="http://schemas.openxmlformats.org/officeDocument/2006/relationships" xmlns:p="http://schemas.openxmlformats.org/presentationml/2006/main">
   <p:cSld>
     <p:spTree>
@@ -26901,7 +27207,7 @@
 </p:sld>
 </file>
 
-<file path=ppt/slides/slide22.xml><?xml version="1.0" encoding="utf-8"?>
+<file path=ppt/slides/slide23.xml><?xml version="1.0" encoding="utf-8"?>
 <p:sld xmlns:a="http://schemas.openxmlformats.org/drawingml/2006/main" xmlns:r="http://schemas.openxmlformats.org/officeDocument/2006/relationships" xmlns:p="http://schemas.openxmlformats.org/presentationml/2006/main">
   <p:cSld>
     <p:spTree>
@@ -27442,7 +27748,7 @@
 </p:sld>
 </file>
 
-<file path=ppt/slides/slide23.xml><?xml version="1.0" encoding="utf-8"?>
+<file path=ppt/slides/slide24.xml><?xml version="1.0" encoding="utf-8"?>
 <p:sld xmlns:a="http://schemas.openxmlformats.org/drawingml/2006/main" xmlns:r="http://schemas.openxmlformats.org/officeDocument/2006/relationships" xmlns:p="http://schemas.openxmlformats.org/presentationml/2006/main">
   <p:cSld>
     <p:spTree>
@@ -28017,7 +28323,7 @@
 </p:sld>
 </file>
 
-<file path=ppt/slides/slide24.xml><?xml version="1.0" encoding="utf-8"?>
+<file path=ppt/slides/slide25.xml><?xml version="1.0" encoding="utf-8"?>
 <p:sld xmlns:a="http://schemas.openxmlformats.org/drawingml/2006/main" xmlns:r="http://schemas.openxmlformats.org/officeDocument/2006/relationships" xmlns:p="http://schemas.openxmlformats.org/presentationml/2006/main">
   <p:cSld>
     <p:spTree>
@@ -29610,7 +29916,7 @@
 </p:sld>
 </file>
 
-<file path=ppt/slides/slide25.xml><?xml version="1.0" encoding="utf-8"?>
+<file path=ppt/slides/slide26.xml><?xml version="1.0" encoding="utf-8"?>
 <p:sld xmlns:a="http://schemas.openxmlformats.org/drawingml/2006/main" xmlns:r="http://schemas.openxmlformats.org/officeDocument/2006/relationships" xmlns:p="http://schemas.openxmlformats.org/presentationml/2006/main">
   <p:cSld>
     <p:spTree>
@@ -29857,7 +30163,7 @@
 </p:sld>
 </file>
 
-<file path=ppt/slides/slide26.xml><?xml version="1.0" encoding="utf-8"?>
+<file path=ppt/slides/slide27.xml><?xml version="1.0" encoding="utf-8"?>
 <p:sld xmlns:a="http://schemas.openxmlformats.org/drawingml/2006/main" xmlns:r="http://schemas.openxmlformats.org/officeDocument/2006/relationships" xmlns:p="http://schemas.openxmlformats.org/presentationml/2006/main">
   <p:cSld>
     <p:spTree>
@@ -41569,10 +41875,10 @@
       </p:grpSpPr>
       <p:grpSp>
         <p:nvGrpSpPr>
-          <p:cNvPr id="4" name="Group 3">
+          <p:cNvPr id="107" name="Group 106">
             <a:extLst>
               <a:ext uri="{FF2B5EF4-FFF2-40B4-BE49-F238E27FC236}">
-                <a16:creationId xmlns:a16="http://schemas.microsoft.com/office/drawing/2014/main" id="{3ED40A79-3426-4FDF-B57E-DE503E1351AF}"/>
+                <a16:creationId xmlns:a16="http://schemas.microsoft.com/office/drawing/2014/main" id="{69FF0166-8B93-4725-87E0-4D1C26CDD08A}"/>
               </a:ext>
             </a:extLst>
           </p:cNvPr>
@@ -41581,10 +41887,10 @@
         </p:nvGrpSpPr>
         <p:grpSpPr>
           <a:xfrm>
-            <a:off x="-2058194" y="885217"/>
-            <a:ext cx="16074026" cy="5866052"/>
-            <a:chOff x="-2058194" y="885217"/>
-            <a:chExt cx="16074026" cy="5866052"/>
+            <a:off x="-1941013" y="-3147001"/>
+            <a:ext cx="16157462" cy="12282655"/>
+            <a:chOff x="-1941013" y="-3147001"/>
+            <a:chExt cx="16157462" cy="12282655"/>
           </a:xfrm>
         </p:grpSpPr>
         <p:pic>
@@ -41615,7 +41921,7 @@
           </p:blipFill>
           <p:spPr>
             <a:xfrm>
-              <a:off x="6276318" y="897091"/>
+              <a:off x="6393499" y="3281476"/>
               <a:ext cx="7739514" cy="5804635"/>
             </a:xfrm>
             <a:prstGeom prst="rect">
@@ -41639,7 +41945,7 @@
           </p:nvCxnSpPr>
           <p:spPr>
             <a:xfrm flipV="1">
-              <a:off x="6276318" y="2363134"/>
+              <a:off x="6393499" y="4747519"/>
               <a:ext cx="3435649" cy="896979"/>
             </a:xfrm>
             <a:prstGeom prst="line">
@@ -41682,7 +41988,7 @@
           </p:nvCxnSpPr>
           <p:spPr>
             <a:xfrm flipH="1" flipV="1">
-              <a:off x="9711967" y="2363134"/>
+              <a:off x="9829148" y="4747519"/>
               <a:ext cx="4026036" cy="171162"/>
             </a:xfrm>
             <a:prstGeom prst="line">
@@ -41726,7 +42032,7 @@
           </p:nvCxnSpPr>
           <p:spPr>
             <a:xfrm flipH="1" flipV="1">
-              <a:off x="13738005" y="2534298"/>
+              <a:off x="13855186" y="4918683"/>
               <a:ext cx="277827" cy="1265111"/>
             </a:xfrm>
             <a:prstGeom prst="line">
@@ -41770,7 +42076,7 @@
           </p:nvCxnSpPr>
           <p:spPr>
             <a:xfrm flipV="1">
-              <a:off x="14015832" y="3799409"/>
+              <a:off x="14133013" y="6183794"/>
               <a:ext cx="0" cy="2902318"/>
             </a:xfrm>
             <a:prstGeom prst="line">
@@ -41813,7 +42119,7 @@
           </p:nvCxnSpPr>
           <p:spPr>
             <a:xfrm flipV="1">
-              <a:off x="6276317" y="3260112"/>
+              <a:off x="6393498" y="5644497"/>
               <a:ext cx="1" cy="3441614"/>
             </a:xfrm>
             <a:prstGeom prst="line">
@@ -41856,7 +42162,7 @@
           </p:nvCxnSpPr>
           <p:spPr>
             <a:xfrm>
-              <a:off x="6276317" y="6701726"/>
+              <a:off x="6393498" y="9086111"/>
               <a:ext cx="7739515" cy="0"/>
             </a:xfrm>
             <a:prstGeom prst="line">
@@ -41897,8 +42203,8 @@
           </p:nvSpPr>
           <p:spPr>
             <a:xfrm rot="157074">
-              <a:off x="10514160" y="1996467"/>
-              <a:ext cx="2954848" cy="461665"/>
+              <a:off x="10972251" y="4212469"/>
+              <a:ext cx="1968231" cy="615553"/>
             </a:xfrm>
             <a:prstGeom prst="rect">
               <a:avLst/>
@@ -41912,12 +42218,8 @@
             <a:lstStyle/>
             <a:p>
               <a:r>
-                <a:rPr lang="en-US" sz="2400" b="1" dirty="0" err="1"/>
-                <a:t>AguaClara</a:t>
-              </a:r>
-              <a:r>
-                <a:rPr lang="en-US" sz="2400" b="1" dirty="0"/>
-                <a:t> Flocculator</a:t>
+                <a:rPr lang="en-US" sz="3400" b="1" dirty="0"/>
+                <a:t>Flow Path</a:t>
               </a:r>
             </a:p>
           </p:txBody>
@@ -41936,7 +42238,7 @@
           </p:nvSpPr>
           <p:spPr bwMode="auto">
             <a:xfrm rot="1173513">
-              <a:off x="12057229" y="2866116"/>
+              <a:off x="12174410" y="5250501"/>
               <a:ext cx="487760" cy="3865486"/>
             </a:xfrm>
             <a:prstGeom prst="upArrow">
@@ -41983,7 +42285,7 @@
           </p:nvSpPr>
           <p:spPr bwMode="auto">
             <a:xfrm rot="4143411" flipH="1">
-              <a:off x="8490897" y="1272043"/>
+              <a:off x="8608078" y="3656428"/>
               <a:ext cx="265364" cy="4227057"/>
             </a:xfrm>
             <a:prstGeom prst="upArrow">
@@ -42030,7 +42332,7 @@
           </p:nvSpPr>
           <p:spPr bwMode="auto">
             <a:xfrm rot="13879713">
-              <a:off x="9603827" y="2279695"/>
+              <a:off x="9721008" y="4664080"/>
               <a:ext cx="404072" cy="3822434"/>
             </a:xfrm>
             <a:prstGeom prst="upArrow">
@@ -42077,7 +42379,7 @@
           </p:nvSpPr>
           <p:spPr bwMode="auto">
             <a:xfrm rot="15245230">
-              <a:off x="8309880" y="1501652"/>
+              <a:off x="8427061" y="3886037"/>
               <a:ext cx="203001" cy="2831493"/>
             </a:xfrm>
             <a:prstGeom prst="upArrow">
@@ -42124,7 +42426,7 @@
           </p:nvSpPr>
           <p:spPr bwMode="auto">
             <a:xfrm rot="16372935">
-              <a:off x="12091857" y="2050273"/>
+              <a:off x="12209038" y="4434658"/>
               <a:ext cx="359702" cy="1333605"/>
             </a:xfrm>
             <a:prstGeom prst="upArrow">
@@ -42171,7 +42473,7 @@
           </p:nvSpPr>
           <p:spPr bwMode="auto">
             <a:xfrm rot="18332287">
-              <a:off x="7070913" y="4003455"/>
+              <a:off x="7188094" y="6387840"/>
               <a:ext cx="384801" cy="1899042"/>
             </a:xfrm>
             <a:prstGeom prst="upArrow">
@@ -42218,7 +42520,7 @@
           </p:nvSpPr>
           <p:spPr bwMode="auto">
             <a:xfrm rot="16800517">
-              <a:off x="10142827" y="2045730"/>
+              <a:off x="10260008" y="4430115"/>
               <a:ext cx="145993" cy="906799"/>
             </a:xfrm>
             <a:prstGeom prst="upArrow">
@@ -42279,7 +42581,7 @@
           </p:blipFill>
           <p:spPr>
             <a:xfrm>
-              <a:off x="-2058192" y="885217"/>
+              <a:off x="-1941011" y="3269602"/>
               <a:ext cx="7821402" cy="5866052"/>
             </a:xfrm>
             <a:prstGeom prst="rect">
@@ -42303,7 +42605,7 @@
           </p:nvCxnSpPr>
           <p:spPr>
             <a:xfrm flipV="1">
-              <a:off x="-2058192" y="2366772"/>
+              <a:off x="-1941011" y="4751157"/>
               <a:ext cx="3472001" cy="906469"/>
             </a:xfrm>
             <a:prstGeom prst="line">
@@ -42346,7 +42648,7 @@
           </p:nvCxnSpPr>
           <p:spPr>
             <a:xfrm flipH="1" flipV="1">
-              <a:off x="1413807" y="2366772"/>
+              <a:off x="1530988" y="4751157"/>
               <a:ext cx="4068634" cy="172973"/>
             </a:xfrm>
             <a:prstGeom prst="line">
@@ -42390,7 +42692,7 @@
           </p:nvCxnSpPr>
           <p:spPr>
             <a:xfrm flipH="1" flipV="1">
-              <a:off x="5482443" y="2539746"/>
+              <a:off x="5599624" y="4924131"/>
               <a:ext cx="280767" cy="1278497"/>
             </a:xfrm>
             <a:prstGeom prst="line">
@@ -42434,7 +42736,7 @@
           </p:nvCxnSpPr>
           <p:spPr>
             <a:xfrm flipV="1">
-              <a:off x="5763210" y="3818243"/>
+              <a:off x="5880391" y="6202628"/>
               <a:ext cx="0" cy="2933026"/>
             </a:xfrm>
             <a:prstGeom prst="line">
@@ -42477,7 +42779,7 @@
           </p:nvCxnSpPr>
           <p:spPr>
             <a:xfrm flipV="1">
-              <a:off x="-2058194" y="3273241"/>
+              <a:off x="-1941013" y="5657626"/>
               <a:ext cx="2" cy="3478028"/>
             </a:xfrm>
             <a:prstGeom prst="line">
@@ -42520,7 +42822,7 @@
           </p:nvCxnSpPr>
           <p:spPr>
             <a:xfrm>
-              <a:off x="-2058194" y="6751269"/>
+              <a:off x="-1941013" y="9135654"/>
               <a:ext cx="7821404" cy="0"/>
             </a:xfrm>
             <a:prstGeom prst="line">
@@ -42561,8 +42863,8 @@
           </p:nvSpPr>
           <p:spPr>
             <a:xfrm rot="157074">
-              <a:off x="2240120" y="1998669"/>
-              <a:ext cx="2954848" cy="461665"/>
+              <a:off x="1718616" y="4214671"/>
+              <a:ext cx="3927422" cy="615553"/>
             </a:xfrm>
             <a:prstGeom prst="rect">
               <a:avLst/>
@@ -42576,22 +42878,684 @@
             <a:lstStyle/>
             <a:p>
               <a:r>
-                <a:rPr lang="en-US" sz="2400" b="1" dirty="0" err="1"/>
+                <a:rPr lang="en-US" sz="3400" b="1" dirty="0"/>
+                <a:t>Flocculator Channels</a:t>
+              </a:r>
+            </a:p>
+          </p:txBody>
+        </p:sp>
+        <p:pic>
+          <p:nvPicPr>
+            <p:cNvPr id="47" name="Picture 46">
+              <a:extLst>
+                <a:ext uri="{FF2B5EF4-FFF2-40B4-BE49-F238E27FC236}">
+                  <a16:creationId xmlns:a16="http://schemas.microsoft.com/office/drawing/2014/main" id="{4DE1A0F1-45F0-4089-A466-9E9A0664B661}"/>
+                </a:ext>
+              </a:extLst>
+            </p:cNvPr>
+            <p:cNvPicPr>
+              <a:picLocks noChangeAspect="1"/>
+            </p:cNvPicPr>
+            <p:nvPr/>
+          </p:nvPicPr>
+          <p:blipFill>
+            <a:blip r:embed="rId2">
+              <a:extLst>
+                <a:ext uri="{28A0092B-C50C-407E-A947-70E740481C1C}">
+                  <a14:useLocalDpi xmlns:a14="http://schemas.microsoft.com/office/drawing/2010/main" val="0"/>
+                </a:ext>
+              </a:extLst>
+            </a:blip>
+            <a:stretch>
+              <a:fillRect/>
+            </a:stretch>
+          </p:blipFill>
+          <p:spPr>
+            <a:xfrm>
+              <a:off x="-1859123" y="-3093080"/>
+              <a:ext cx="7739514" cy="5804635"/>
+            </a:xfrm>
+            <a:prstGeom prst="rect">
+              <a:avLst/>
+            </a:prstGeom>
+          </p:spPr>
+        </p:pic>
+        <p:cxnSp>
+          <p:nvCxnSpPr>
+            <p:cNvPr id="48" name="Straight Connector 47">
+              <a:extLst>
+                <a:ext uri="{FF2B5EF4-FFF2-40B4-BE49-F238E27FC236}">
+                  <a16:creationId xmlns:a16="http://schemas.microsoft.com/office/drawing/2014/main" id="{3210D562-C6B4-4B58-A735-7505C1F3D1BA}"/>
+                </a:ext>
+              </a:extLst>
+            </p:cNvPr>
+            <p:cNvCxnSpPr>
+              <a:cxnSpLocks/>
+            </p:cNvCxnSpPr>
+            <p:nvPr/>
+          </p:nvCxnSpPr>
+          <p:spPr>
+            <a:xfrm flipV="1">
+              <a:off x="-1859123" y="-1627037"/>
+              <a:ext cx="3435649" cy="896979"/>
+            </a:xfrm>
+            <a:prstGeom prst="line">
+              <a:avLst/>
+            </a:prstGeom>
+            <a:ln w="57150">
+              <a:solidFill>
+                <a:srgbClr val="FFFF00"/>
+              </a:solidFill>
+            </a:ln>
+          </p:spPr>
+          <p:style>
+            <a:lnRef idx="1">
+              <a:schemeClr val="accent1"/>
+            </a:lnRef>
+            <a:fillRef idx="0">
+              <a:schemeClr val="accent1"/>
+            </a:fillRef>
+            <a:effectRef idx="0">
+              <a:schemeClr val="accent1"/>
+            </a:effectRef>
+            <a:fontRef idx="minor">
+              <a:schemeClr val="tx1"/>
+            </a:fontRef>
+          </p:style>
+        </p:cxnSp>
+        <p:cxnSp>
+          <p:nvCxnSpPr>
+            <p:cNvPr id="49" name="Straight Connector 48">
+              <a:extLst>
+                <a:ext uri="{FF2B5EF4-FFF2-40B4-BE49-F238E27FC236}">
+                  <a16:creationId xmlns:a16="http://schemas.microsoft.com/office/drawing/2014/main" id="{A8DA216C-CA43-487B-B5FB-3B598553F26B}"/>
+                </a:ext>
+              </a:extLst>
+            </p:cNvPr>
+            <p:cNvCxnSpPr>
+              <a:cxnSpLocks/>
+            </p:cNvCxnSpPr>
+            <p:nvPr/>
+          </p:nvCxnSpPr>
+          <p:spPr>
+            <a:xfrm flipH="1" flipV="1">
+              <a:off x="1576526" y="-1627037"/>
+              <a:ext cx="4026036" cy="171162"/>
+            </a:xfrm>
+            <a:prstGeom prst="line">
+              <a:avLst/>
+            </a:prstGeom>
+            <a:ln w="57150">
+              <a:solidFill>
+                <a:srgbClr val="FFFF00"/>
+              </a:solidFill>
+            </a:ln>
+          </p:spPr>
+          <p:style>
+            <a:lnRef idx="1">
+              <a:schemeClr val="accent1"/>
+            </a:lnRef>
+            <a:fillRef idx="0">
+              <a:schemeClr val="accent1"/>
+            </a:fillRef>
+            <a:effectRef idx="0">
+              <a:schemeClr val="accent1"/>
+            </a:effectRef>
+            <a:fontRef idx="minor">
+              <a:schemeClr val="tx1"/>
+            </a:fontRef>
+          </p:style>
+        </p:cxnSp>
+        <p:cxnSp>
+          <p:nvCxnSpPr>
+            <p:cNvPr id="50" name="Straight Connector 49">
+              <a:extLst>
+                <a:ext uri="{FF2B5EF4-FFF2-40B4-BE49-F238E27FC236}">
+                  <a16:creationId xmlns:a16="http://schemas.microsoft.com/office/drawing/2014/main" id="{BBD97985-8DB0-4BF5-993B-232F8A6874CD}"/>
+                </a:ext>
+              </a:extLst>
+            </p:cNvPr>
+            <p:cNvCxnSpPr>
+              <a:cxnSpLocks/>
+              <a:stCxn id="47" idx="3"/>
+            </p:cNvCxnSpPr>
+            <p:nvPr/>
+          </p:nvCxnSpPr>
+          <p:spPr>
+            <a:xfrm flipH="1" flipV="1">
+              <a:off x="5602564" y="-1455873"/>
+              <a:ext cx="277827" cy="1265111"/>
+            </a:xfrm>
+            <a:prstGeom prst="line">
+              <a:avLst/>
+            </a:prstGeom>
+            <a:ln w="57150">
+              <a:solidFill>
+                <a:srgbClr val="FFFF00"/>
+              </a:solidFill>
+            </a:ln>
+          </p:spPr>
+          <p:style>
+            <a:lnRef idx="1">
+              <a:schemeClr val="accent1"/>
+            </a:lnRef>
+            <a:fillRef idx="0">
+              <a:schemeClr val="accent1"/>
+            </a:fillRef>
+            <a:effectRef idx="0">
+              <a:schemeClr val="accent1"/>
+            </a:effectRef>
+            <a:fontRef idx="minor">
+              <a:schemeClr val="tx1"/>
+            </a:fontRef>
+          </p:style>
+        </p:cxnSp>
+        <p:cxnSp>
+          <p:nvCxnSpPr>
+            <p:cNvPr id="51" name="Straight Connector 50">
+              <a:extLst>
+                <a:ext uri="{FF2B5EF4-FFF2-40B4-BE49-F238E27FC236}">
+                  <a16:creationId xmlns:a16="http://schemas.microsoft.com/office/drawing/2014/main" id="{5CA93299-3241-4943-9154-BEF54B38D568}"/>
+                </a:ext>
+              </a:extLst>
+            </p:cNvPr>
+            <p:cNvCxnSpPr>
+              <a:cxnSpLocks/>
+              <a:endCxn id="47" idx="3"/>
+            </p:cNvCxnSpPr>
+            <p:nvPr/>
+          </p:nvCxnSpPr>
+          <p:spPr>
+            <a:xfrm flipV="1">
+              <a:off x="5880391" y="-190762"/>
+              <a:ext cx="0" cy="2902318"/>
+            </a:xfrm>
+            <a:prstGeom prst="line">
+              <a:avLst/>
+            </a:prstGeom>
+            <a:ln w="57150">
+              <a:solidFill>
+                <a:srgbClr val="FFFF00"/>
+              </a:solidFill>
+            </a:ln>
+          </p:spPr>
+          <p:style>
+            <a:lnRef idx="1">
+              <a:schemeClr val="accent1"/>
+            </a:lnRef>
+            <a:fillRef idx="0">
+              <a:schemeClr val="accent1"/>
+            </a:fillRef>
+            <a:effectRef idx="0">
+              <a:schemeClr val="accent1"/>
+            </a:effectRef>
+            <a:fontRef idx="minor">
+              <a:schemeClr val="tx1"/>
+            </a:fontRef>
+          </p:style>
+        </p:cxnSp>
+        <p:cxnSp>
+          <p:nvCxnSpPr>
+            <p:cNvPr id="52" name="Straight Connector 51">
+              <a:extLst>
+                <a:ext uri="{FF2B5EF4-FFF2-40B4-BE49-F238E27FC236}">
+                  <a16:creationId xmlns:a16="http://schemas.microsoft.com/office/drawing/2014/main" id="{BB1347D3-DD37-4A93-813F-8109D80A103A}"/>
+                </a:ext>
+              </a:extLst>
+            </p:cNvPr>
+            <p:cNvCxnSpPr>
+              <a:cxnSpLocks/>
+            </p:cNvCxnSpPr>
+            <p:nvPr/>
+          </p:nvCxnSpPr>
+          <p:spPr>
+            <a:xfrm flipV="1">
+              <a:off x="-1859124" y="-730059"/>
+              <a:ext cx="1" cy="3441614"/>
+            </a:xfrm>
+            <a:prstGeom prst="line">
+              <a:avLst/>
+            </a:prstGeom>
+            <a:ln w="57150">
+              <a:solidFill>
+                <a:srgbClr val="FFFF00"/>
+              </a:solidFill>
+            </a:ln>
+          </p:spPr>
+          <p:style>
+            <a:lnRef idx="1">
+              <a:schemeClr val="accent1"/>
+            </a:lnRef>
+            <a:fillRef idx="0">
+              <a:schemeClr val="accent1"/>
+            </a:fillRef>
+            <a:effectRef idx="0">
+              <a:schemeClr val="accent1"/>
+            </a:effectRef>
+            <a:fontRef idx="minor">
+              <a:schemeClr val="tx1"/>
+            </a:fontRef>
+          </p:style>
+        </p:cxnSp>
+        <p:cxnSp>
+          <p:nvCxnSpPr>
+            <p:cNvPr id="54" name="Straight Connector 53">
+              <a:extLst>
+                <a:ext uri="{FF2B5EF4-FFF2-40B4-BE49-F238E27FC236}">
+                  <a16:creationId xmlns:a16="http://schemas.microsoft.com/office/drawing/2014/main" id="{71DB82EE-4CDB-420F-91A0-B1FDEEC66F05}"/>
+                </a:ext>
+              </a:extLst>
+            </p:cNvPr>
+            <p:cNvCxnSpPr>
+              <a:cxnSpLocks/>
+            </p:cNvCxnSpPr>
+            <p:nvPr/>
+          </p:nvCxnSpPr>
+          <p:spPr>
+            <a:xfrm>
+              <a:off x="-1859124" y="2711555"/>
+              <a:ext cx="7739515" cy="0"/>
+            </a:xfrm>
+            <a:prstGeom prst="line">
+              <a:avLst/>
+            </a:prstGeom>
+            <a:ln w="57150">
+              <a:solidFill>
+                <a:srgbClr val="FFFF00"/>
+              </a:solidFill>
+            </a:ln>
+          </p:spPr>
+          <p:style>
+            <a:lnRef idx="1">
+              <a:schemeClr val="accent1"/>
+            </a:lnRef>
+            <a:fillRef idx="0">
+              <a:schemeClr val="accent1"/>
+            </a:fillRef>
+            <a:effectRef idx="0">
+              <a:schemeClr val="accent1"/>
+            </a:effectRef>
+            <a:fontRef idx="minor">
+              <a:schemeClr val="tx1"/>
+            </a:fontRef>
+          </p:style>
+        </p:cxnSp>
+        <p:sp>
+          <p:nvSpPr>
+            <p:cNvPr id="60" name="TextBox 59">
+              <a:extLst>
+                <a:ext uri="{FF2B5EF4-FFF2-40B4-BE49-F238E27FC236}">
+                  <a16:creationId xmlns:a16="http://schemas.microsoft.com/office/drawing/2014/main" id="{E6E6E002-7350-41C4-852D-5AC97F684834}"/>
+                </a:ext>
+              </a:extLst>
+            </p:cNvPr>
+            <p:cNvSpPr txBox="1"/>
+            <p:nvPr/>
+          </p:nvSpPr>
+          <p:spPr>
+            <a:xfrm rot="157074">
+              <a:off x="1647828" y="-2162087"/>
+              <a:ext cx="4111831" cy="615553"/>
+            </a:xfrm>
+            <a:prstGeom prst="rect">
+              <a:avLst/>
+            </a:prstGeom>
+            <a:noFill/>
+          </p:spPr>
+          <p:txBody>
+            <a:bodyPr wrap="none" rtlCol="0">
+              <a:spAutoFit/>
+            </a:bodyPr>
+            <a:lstStyle/>
+            <a:p>
+              <a:r>
+                <a:rPr lang="en-US" sz="3400" b="1" dirty="0" err="1"/>
                 <a:t>AguaClara</a:t>
               </a:r>
               <a:r>
-                <a:rPr lang="en-US" sz="2400" b="1" dirty="0"/>
+                <a:rPr lang="en-US" sz="3400" b="1" dirty="0"/>
                 <a:t> Flocculator</a:t>
+              </a:r>
+            </a:p>
+          </p:txBody>
+        </p:sp>
+        <p:pic>
+          <p:nvPicPr>
+            <p:cNvPr id="68" name="Picture 67">
+              <a:extLst>
+                <a:ext uri="{FF2B5EF4-FFF2-40B4-BE49-F238E27FC236}">
+                  <a16:creationId xmlns:a16="http://schemas.microsoft.com/office/drawing/2014/main" id="{0228E9FD-F1A6-4C32-99BB-CF008EB7FB91}"/>
+                </a:ext>
+              </a:extLst>
+            </p:cNvPr>
+            <p:cNvPicPr>
+              <a:picLocks noChangeAspect="1"/>
+            </p:cNvPicPr>
+            <p:nvPr/>
+          </p:nvPicPr>
+          <p:blipFill>
+            <a:blip r:embed="rId2">
+              <a:extLst>
+                <a:ext uri="{28A0092B-C50C-407E-A947-70E740481C1C}">
+                  <a14:useLocalDpi xmlns:a14="http://schemas.microsoft.com/office/drawing/2010/main" val="0"/>
+                </a:ext>
+              </a:extLst>
+            </a:blip>
+            <a:stretch>
+              <a:fillRect/>
+            </a:stretch>
+          </p:blipFill>
+          <p:spPr>
+            <a:xfrm>
+              <a:off x="6393500" y="-3147001"/>
+              <a:ext cx="7821402" cy="5866052"/>
+            </a:xfrm>
+            <a:prstGeom prst="rect">
+              <a:avLst/>
+            </a:prstGeom>
+          </p:spPr>
+        </p:pic>
+        <p:cxnSp>
+          <p:nvCxnSpPr>
+            <p:cNvPr id="69" name="Straight Connector 68">
+              <a:extLst>
+                <a:ext uri="{FF2B5EF4-FFF2-40B4-BE49-F238E27FC236}">
+                  <a16:creationId xmlns:a16="http://schemas.microsoft.com/office/drawing/2014/main" id="{51755CC7-6735-4092-A732-EBDEADC8C75C}"/>
+                </a:ext>
+              </a:extLst>
+            </p:cNvPr>
+            <p:cNvCxnSpPr>
+              <a:cxnSpLocks/>
+            </p:cNvCxnSpPr>
+            <p:nvPr/>
+          </p:nvCxnSpPr>
+          <p:spPr>
+            <a:xfrm flipV="1">
+              <a:off x="6393500" y="-1665446"/>
+              <a:ext cx="3472001" cy="906469"/>
+            </a:xfrm>
+            <a:prstGeom prst="line">
+              <a:avLst/>
+            </a:prstGeom>
+            <a:ln w="57150">
+              <a:solidFill>
+                <a:srgbClr val="FFFF00"/>
+              </a:solidFill>
+            </a:ln>
+          </p:spPr>
+          <p:style>
+            <a:lnRef idx="1">
+              <a:schemeClr val="accent1"/>
+            </a:lnRef>
+            <a:fillRef idx="0">
+              <a:schemeClr val="accent1"/>
+            </a:fillRef>
+            <a:effectRef idx="0">
+              <a:schemeClr val="accent1"/>
+            </a:effectRef>
+            <a:fontRef idx="minor">
+              <a:schemeClr val="tx1"/>
+            </a:fontRef>
+          </p:style>
+        </p:cxnSp>
+        <p:cxnSp>
+          <p:nvCxnSpPr>
+            <p:cNvPr id="70" name="Straight Connector 69">
+              <a:extLst>
+                <a:ext uri="{FF2B5EF4-FFF2-40B4-BE49-F238E27FC236}">
+                  <a16:creationId xmlns:a16="http://schemas.microsoft.com/office/drawing/2014/main" id="{71A23DCF-4BC1-45FC-89F2-46EA6BCFECC9}"/>
+                </a:ext>
+              </a:extLst>
+            </p:cNvPr>
+            <p:cNvCxnSpPr>
+              <a:cxnSpLocks/>
+            </p:cNvCxnSpPr>
+            <p:nvPr/>
+          </p:nvCxnSpPr>
+          <p:spPr>
+            <a:xfrm flipH="1" flipV="1">
+              <a:off x="9865499" y="-1665446"/>
+              <a:ext cx="4068634" cy="172973"/>
+            </a:xfrm>
+            <a:prstGeom prst="line">
+              <a:avLst/>
+            </a:prstGeom>
+            <a:ln w="57150">
+              <a:solidFill>
+                <a:srgbClr val="FFFF00"/>
+              </a:solidFill>
+            </a:ln>
+          </p:spPr>
+          <p:style>
+            <a:lnRef idx="1">
+              <a:schemeClr val="accent1"/>
+            </a:lnRef>
+            <a:fillRef idx="0">
+              <a:schemeClr val="accent1"/>
+            </a:fillRef>
+            <a:effectRef idx="0">
+              <a:schemeClr val="accent1"/>
+            </a:effectRef>
+            <a:fontRef idx="minor">
+              <a:schemeClr val="tx1"/>
+            </a:fontRef>
+          </p:style>
+        </p:cxnSp>
+        <p:cxnSp>
+          <p:nvCxnSpPr>
+            <p:cNvPr id="71" name="Straight Connector 70">
+              <a:extLst>
+                <a:ext uri="{FF2B5EF4-FFF2-40B4-BE49-F238E27FC236}">
+                  <a16:creationId xmlns:a16="http://schemas.microsoft.com/office/drawing/2014/main" id="{3F4DFE82-1543-4649-A79B-95E0A00B21CF}"/>
+                </a:ext>
+              </a:extLst>
+            </p:cNvPr>
+            <p:cNvCxnSpPr>
+              <a:cxnSpLocks/>
+              <a:stCxn id="68" idx="3"/>
+            </p:cNvCxnSpPr>
+            <p:nvPr/>
+          </p:nvCxnSpPr>
+          <p:spPr>
+            <a:xfrm flipH="1" flipV="1">
+              <a:off x="13934135" y="-1492472"/>
+              <a:ext cx="280767" cy="1278497"/>
+            </a:xfrm>
+            <a:prstGeom prst="line">
+              <a:avLst/>
+            </a:prstGeom>
+            <a:ln w="57150">
+              <a:solidFill>
+                <a:srgbClr val="FFFF00"/>
+              </a:solidFill>
+            </a:ln>
+          </p:spPr>
+          <p:style>
+            <a:lnRef idx="1">
+              <a:schemeClr val="accent1"/>
+            </a:lnRef>
+            <a:fillRef idx="0">
+              <a:schemeClr val="accent1"/>
+            </a:fillRef>
+            <a:effectRef idx="0">
+              <a:schemeClr val="accent1"/>
+            </a:effectRef>
+            <a:fontRef idx="minor">
+              <a:schemeClr val="tx1"/>
+            </a:fontRef>
+          </p:style>
+        </p:cxnSp>
+        <p:cxnSp>
+          <p:nvCxnSpPr>
+            <p:cNvPr id="72" name="Straight Connector 71">
+              <a:extLst>
+                <a:ext uri="{FF2B5EF4-FFF2-40B4-BE49-F238E27FC236}">
+                  <a16:creationId xmlns:a16="http://schemas.microsoft.com/office/drawing/2014/main" id="{38DC84B6-1A27-4DE8-AD9F-83D900CB4BE8}"/>
+                </a:ext>
+              </a:extLst>
+            </p:cNvPr>
+            <p:cNvCxnSpPr>
+              <a:cxnSpLocks/>
+              <a:endCxn id="68" idx="3"/>
+            </p:cNvCxnSpPr>
+            <p:nvPr/>
+          </p:nvCxnSpPr>
+          <p:spPr>
+            <a:xfrm flipV="1">
+              <a:off x="14214902" y="-213975"/>
+              <a:ext cx="0" cy="2933026"/>
+            </a:xfrm>
+            <a:prstGeom prst="line">
+              <a:avLst/>
+            </a:prstGeom>
+            <a:ln w="57150">
+              <a:solidFill>
+                <a:srgbClr val="FFFF00"/>
+              </a:solidFill>
+            </a:ln>
+          </p:spPr>
+          <p:style>
+            <a:lnRef idx="1">
+              <a:schemeClr val="accent1"/>
+            </a:lnRef>
+            <a:fillRef idx="0">
+              <a:schemeClr val="accent1"/>
+            </a:fillRef>
+            <a:effectRef idx="0">
+              <a:schemeClr val="accent1"/>
+            </a:effectRef>
+            <a:fontRef idx="minor">
+              <a:schemeClr val="tx1"/>
+            </a:fontRef>
+          </p:style>
+        </p:cxnSp>
+        <p:cxnSp>
+          <p:nvCxnSpPr>
+            <p:cNvPr id="73" name="Straight Connector 72">
+              <a:extLst>
+                <a:ext uri="{FF2B5EF4-FFF2-40B4-BE49-F238E27FC236}">
+                  <a16:creationId xmlns:a16="http://schemas.microsoft.com/office/drawing/2014/main" id="{13AFEB0C-12B0-4C60-B5F2-B4C715DDDFCD}"/>
+                </a:ext>
+              </a:extLst>
+            </p:cNvPr>
+            <p:cNvCxnSpPr>
+              <a:cxnSpLocks/>
+            </p:cNvCxnSpPr>
+            <p:nvPr/>
+          </p:nvCxnSpPr>
+          <p:spPr>
+            <a:xfrm flipV="1">
+              <a:off x="6393498" y="-758977"/>
+              <a:ext cx="2" cy="3478028"/>
+            </a:xfrm>
+            <a:prstGeom prst="line">
+              <a:avLst/>
+            </a:prstGeom>
+            <a:ln w="57150">
+              <a:solidFill>
+                <a:srgbClr val="FFFF00"/>
+              </a:solidFill>
+            </a:ln>
+          </p:spPr>
+          <p:style>
+            <a:lnRef idx="1">
+              <a:schemeClr val="accent1"/>
+            </a:lnRef>
+            <a:fillRef idx="0">
+              <a:schemeClr val="accent1"/>
+            </a:fillRef>
+            <a:effectRef idx="0">
+              <a:schemeClr val="accent1"/>
+            </a:effectRef>
+            <a:fontRef idx="minor">
+              <a:schemeClr val="tx1"/>
+            </a:fontRef>
+          </p:style>
+        </p:cxnSp>
+        <p:cxnSp>
+          <p:nvCxnSpPr>
+            <p:cNvPr id="74" name="Straight Connector 73">
+              <a:extLst>
+                <a:ext uri="{FF2B5EF4-FFF2-40B4-BE49-F238E27FC236}">
+                  <a16:creationId xmlns:a16="http://schemas.microsoft.com/office/drawing/2014/main" id="{C719C589-7D4F-4290-9C60-965F855B5C0E}"/>
+                </a:ext>
+              </a:extLst>
+            </p:cNvPr>
+            <p:cNvCxnSpPr>
+              <a:cxnSpLocks/>
+            </p:cNvCxnSpPr>
+            <p:nvPr/>
+          </p:nvCxnSpPr>
+          <p:spPr>
+            <a:xfrm>
+              <a:off x="6393498" y="2719051"/>
+              <a:ext cx="7821404" cy="0"/>
+            </a:xfrm>
+            <a:prstGeom prst="line">
+              <a:avLst/>
+            </a:prstGeom>
+            <a:ln w="57150">
+              <a:solidFill>
+                <a:srgbClr val="FFFF00"/>
+              </a:solidFill>
+            </a:ln>
+          </p:spPr>
+          <p:style>
+            <a:lnRef idx="1">
+              <a:schemeClr val="accent1"/>
+            </a:lnRef>
+            <a:fillRef idx="0">
+              <a:schemeClr val="accent1"/>
+            </a:fillRef>
+            <a:effectRef idx="0">
+              <a:schemeClr val="accent1"/>
+            </a:effectRef>
+            <a:fontRef idx="minor">
+              <a:schemeClr val="tx1"/>
+            </a:fontRef>
+          </p:style>
+        </p:cxnSp>
+        <p:sp>
+          <p:nvSpPr>
+            <p:cNvPr id="75" name="TextBox 74">
+              <a:extLst>
+                <a:ext uri="{FF2B5EF4-FFF2-40B4-BE49-F238E27FC236}">
+                  <a16:creationId xmlns:a16="http://schemas.microsoft.com/office/drawing/2014/main" id="{78865973-2426-4FB0-B2D3-E78C5562F9E2}"/>
+                </a:ext>
+              </a:extLst>
+            </p:cNvPr>
+            <p:cNvSpPr txBox="1"/>
+            <p:nvPr/>
+          </p:nvSpPr>
+          <p:spPr>
+            <a:xfrm rot="157074">
+              <a:off x="9817231" y="-2201932"/>
+              <a:ext cx="4399218" cy="615553"/>
+            </a:xfrm>
+            <a:prstGeom prst="rect">
+              <a:avLst/>
+            </a:prstGeom>
+            <a:noFill/>
+          </p:spPr>
+          <p:txBody>
+            <a:bodyPr wrap="none" rtlCol="0">
+              <a:spAutoFit/>
+            </a:bodyPr>
+            <a:lstStyle/>
+            <a:p>
+              <a:r>
+                <a:rPr lang="en-US" sz="3400" b="1" dirty="0"/>
+                <a:t>Top and Bottom Baffles</a:t>
               </a:r>
             </a:p>
           </p:txBody>
         </p:sp>
         <p:sp>
           <p:nvSpPr>
-            <p:cNvPr id="29" name="Oval 28">
+            <p:cNvPr id="76" name="Oval 75">
               <a:extLst>
                 <a:ext uri="{FF2B5EF4-FFF2-40B4-BE49-F238E27FC236}">
-                  <a16:creationId xmlns:a16="http://schemas.microsoft.com/office/drawing/2014/main" id="{C0FB9055-AE29-4F91-9127-730C89AD3800}"/>
+                  <a16:creationId xmlns:a16="http://schemas.microsoft.com/office/drawing/2014/main" id="{86470C66-BDDD-4ED9-90E9-AD060044FF8D}"/>
                 </a:ext>
               </a:extLst>
             </p:cNvPr>
@@ -42600,7 +43564,7 @@
           </p:nvSpPr>
           <p:spPr bwMode="auto">
             <a:xfrm rot="668944">
-              <a:off x="2060495" y="4790593"/>
+              <a:off x="10512187" y="758375"/>
               <a:ext cx="3314100" cy="661310"/>
             </a:xfrm>
             <a:prstGeom prst="ellipse">
@@ -42630,10 +43594,10 @@
         </p:sp>
         <p:sp>
           <p:nvSpPr>
-            <p:cNvPr id="30" name="Oval 29">
+            <p:cNvPr id="77" name="Oval 76">
               <a:extLst>
                 <a:ext uri="{FF2B5EF4-FFF2-40B4-BE49-F238E27FC236}">
-                  <a16:creationId xmlns:a16="http://schemas.microsoft.com/office/drawing/2014/main" id="{E76BA74A-EF42-4D48-BF98-C6965FE171DC}"/>
+                  <a16:creationId xmlns:a16="http://schemas.microsoft.com/office/drawing/2014/main" id="{E44D57EF-548A-4059-BAC8-2D6435EB1FE3}"/>
                 </a:ext>
               </a:extLst>
             </p:cNvPr>
@@ -42642,7 +43606,7 @@
           </p:nvSpPr>
           <p:spPr bwMode="auto">
             <a:xfrm rot="355084">
-              <a:off x="2897922" y="3804265"/>
+              <a:off x="11349614" y="-227953"/>
               <a:ext cx="2430424" cy="386437"/>
             </a:xfrm>
             <a:prstGeom prst="ellipse">
@@ -42672,10 +43636,10 @@
         </p:sp>
         <p:sp>
           <p:nvSpPr>
-            <p:cNvPr id="31" name="TextBox 30">
+            <p:cNvPr id="78" name="TextBox 77">
               <a:extLst>
                 <a:ext uri="{FF2B5EF4-FFF2-40B4-BE49-F238E27FC236}">
-                  <a16:creationId xmlns:a16="http://schemas.microsoft.com/office/drawing/2014/main" id="{7DD3E661-1A38-4695-BB2D-BB46617B0C5D}"/>
+                  <a16:creationId xmlns:a16="http://schemas.microsoft.com/office/drawing/2014/main" id="{8EA7D92E-3FE6-4978-9659-CA2FF1FF07C3}"/>
                 </a:ext>
               </a:extLst>
             </p:cNvPr>
@@ -42684,7 +43648,7 @@
           </p:nvSpPr>
           <p:spPr>
             <a:xfrm rot="18636225">
-              <a:off x="1780079" y="3893184"/>
+              <a:off x="10231771" y="-139034"/>
               <a:ext cx="1466812" cy="430887"/>
             </a:xfrm>
             <a:prstGeom prst="rect">
@@ -42707,10 +43671,10 @@
         </p:sp>
         <p:sp>
           <p:nvSpPr>
-            <p:cNvPr id="32" name="Oval 31">
+            <p:cNvPr id="79" name="Oval 78">
               <a:extLst>
                 <a:ext uri="{FF2B5EF4-FFF2-40B4-BE49-F238E27FC236}">
-                  <a16:creationId xmlns:a16="http://schemas.microsoft.com/office/drawing/2014/main" id="{6114A371-9836-41A7-8BF2-072B39EF8534}"/>
+                  <a16:creationId xmlns:a16="http://schemas.microsoft.com/office/drawing/2014/main" id="{7BC5AAD6-DD4F-4D71-8385-30EDA83E4E89}"/>
                 </a:ext>
               </a:extLst>
             </p:cNvPr>
@@ -42719,7 +43683,7 @@
           </p:nvSpPr>
           <p:spPr bwMode="auto">
             <a:xfrm rot="1246941">
-              <a:off x="-982365" y="5005680"/>
+              <a:off x="7469327" y="973462"/>
               <a:ext cx="1620090" cy="604617"/>
             </a:xfrm>
             <a:prstGeom prst="ellipse">
@@ -42749,10 +43713,10 @@
         </p:sp>
         <p:sp>
           <p:nvSpPr>
-            <p:cNvPr id="33" name="Oval 32">
+            <p:cNvPr id="80" name="Oval 79">
               <a:extLst>
                 <a:ext uri="{FF2B5EF4-FFF2-40B4-BE49-F238E27FC236}">
-                  <a16:creationId xmlns:a16="http://schemas.microsoft.com/office/drawing/2014/main" id="{470E94D9-A3FF-47F1-AA2C-E5A8557DCDF9}"/>
+                  <a16:creationId xmlns:a16="http://schemas.microsoft.com/office/drawing/2014/main" id="{96486B75-397A-4E43-9F3E-F9A948317C0C}"/>
                 </a:ext>
               </a:extLst>
             </p:cNvPr>
@@ -42761,7 +43725,7 @@
           </p:nvSpPr>
           <p:spPr bwMode="auto">
             <a:xfrm rot="1504706">
-              <a:off x="887652" y="4008582"/>
+              <a:off x="9339344" y="-23636"/>
               <a:ext cx="1144909" cy="311803"/>
             </a:xfrm>
             <a:prstGeom prst="ellipse">
@@ -42791,10 +43755,10 @@
         </p:sp>
         <p:sp>
           <p:nvSpPr>
-            <p:cNvPr id="34" name="TextBox 33">
+            <p:cNvPr id="81" name="TextBox 80">
               <a:extLst>
                 <a:ext uri="{FF2B5EF4-FFF2-40B4-BE49-F238E27FC236}">
-                  <a16:creationId xmlns:a16="http://schemas.microsoft.com/office/drawing/2014/main" id="{06DFF7EE-C197-48BB-B315-A2140C6A188B}"/>
+                  <a16:creationId xmlns:a16="http://schemas.microsoft.com/office/drawing/2014/main" id="{82CBFF0C-F1F3-4B5D-926B-AEAD1F4F9843}"/>
                 </a:ext>
               </a:extLst>
             </p:cNvPr>
@@ -42803,7 +43767,7 @@
           </p:nvSpPr>
           <p:spPr>
             <a:xfrm rot="19848837">
-              <a:off x="-1729553" y="4033656"/>
+              <a:off x="6722139" y="1438"/>
               <a:ext cx="3446136" cy="430887"/>
             </a:xfrm>
             <a:prstGeom prst="rect">
@@ -42826,23 +43790,23 @@
         </p:sp>
         <p:cxnSp>
           <p:nvCxnSpPr>
-            <p:cNvPr id="35" name="Straight Arrow Connector 34">
+            <p:cNvPr id="82" name="Straight Arrow Connector 81">
               <a:extLst>
                 <a:ext uri="{FF2B5EF4-FFF2-40B4-BE49-F238E27FC236}">
-                  <a16:creationId xmlns:a16="http://schemas.microsoft.com/office/drawing/2014/main" id="{4395BE0C-0D83-473E-BEF0-14CB26DC0016}"/>
+                  <a16:creationId xmlns:a16="http://schemas.microsoft.com/office/drawing/2014/main" id="{8354016E-CD20-4647-B04F-F269438E5F5B}"/>
                 </a:ext>
               </a:extLst>
             </p:cNvPr>
             <p:cNvCxnSpPr>
               <a:cxnSpLocks/>
-              <a:stCxn id="31" idx="2"/>
-              <a:endCxn id="29" idx="1"/>
+              <a:stCxn id="78" idx="2"/>
+              <a:endCxn id="76" idx="1"/>
             </p:cNvCxnSpPr>
             <p:nvPr/>
           </p:nvCxnSpPr>
           <p:spPr>
             <a:xfrm flipH="1">
-              <a:off x="2613157" y="4248843"/>
+              <a:off x="11064849" y="216625"/>
               <a:ext cx="63899" cy="416445"/>
             </a:xfrm>
             <a:prstGeom prst="straightConnector1">
@@ -42872,23 +43836,23 @@
         </p:cxnSp>
         <p:cxnSp>
           <p:nvCxnSpPr>
-            <p:cNvPr id="36" name="Straight Arrow Connector 35">
+            <p:cNvPr id="83" name="Straight Arrow Connector 82">
               <a:extLst>
                 <a:ext uri="{FF2B5EF4-FFF2-40B4-BE49-F238E27FC236}">
-                  <a16:creationId xmlns:a16="http://schemas.microsoft.com/office/drawing/2014/main" id="{326E6133-1AF1-4FEC-AD7D-467F54987BCA}"/>
+                  <a16:creationId xmlns:a16="http://schemas.microsoft.com/office/drawing/2014/main" id="{CCB94A55-D806-4162-99C3-F5E71CE10D94}"/>
                 </a:ext>
               </a:extLst>
             </p:cNvPr>
             <p:cNvCxnSpPr>
               <a:cxnSpLocks/>
-              <a:stCxn id="31" idx="2"/>
-              <a:endCxn id="30" idx="3"/>
+              <a:stCxn id="78" idx="2"/>
+              <a:endCxn id="77" idx="3"/>
             </p:cNvCxnSpPr>
             <p:nvPr/>
           </p:nvCxnSpPr>
           <p:spPr>
             <a:xfrm flipV="1">
-              <a:off x="2677056" y="4044784"/>
+              <a:off x="11128748" y="12566"/>
               <a:ext cx="567286" cy="204059"/>
             </a:xfrm>
             <a:prstGeom prst="straightConnector1">
@@ -42918,22 +43882,22 @@
         </p:cxnSp>
         <p:cxnSp>
           <p:nvCxnSpPr>
-            <p:cNvPr id="37" name="Straight Arrow Connector 36">
+            <p:cNvPr id="84" name="Straight Arrow Connector 83">
               <a:extLst>
                 <a:ext uri="{FF2B5EF4-FFF2-40B4-BE49-F238E27FC236}">
-                  <a16:creationId xmlns:a16="http://schemas.microsoft.com/office/drawing/2014/main" id="{F52222E1-CD1F-42B7-8F3C-B9592A535911}"/>
+                  <a16:creationId xmlns:a16="http://schemas.microsoft.com/office/drawing/2014/main" id="{5C953AA5-3F9D-4AE2-8EC3-DEF0BDA9CAD8}"/>
                 </a:ext>
               </a:extLst>
             </p:cNvPr>
             <p:cNvCxnSpPr>
               <a:cxnSpLocks/>
-              <a:stCxn id="34" idx="2"/>
+              <a:stCxn id="81" idx="2"/>
             </p:cNvCxnSpPr>
             <p:nvPr/>
           </p:nvCxnSpPr>
           <p:spPr>
             <a:xfrm flipH="1">
-              <a:off x="-372713" y="4437190"/>
+              <a:off x="8078979" y="404972"/>
               <a:ext cx="471288" cy="467135"/>
             </a:xfrm>
             <a:prstGeom prst="straightConnector1">
@@ -42963,23 +43927,23 @@
         </p:cxnSp>
         <p:cxnSp>
           <p:nvCxnSpPr>
-            <p:cNvPr id="38" name="Straight Arrow Connector 37">
+            <p:cNvPr id="85" name="Straight Arrow Connector 84">
               <a:extLst>
                 <a:ext uri="{FF2B5EF4-FFF2-40B4-BE49-F238E27FC236}">
-                  <a16:creationId xmlns:a16="http://schemas.microsoft.com/office/drawing/2014/main" id="{1E38C5F0-CCAE-4AC1-BC71-0589B1A76E17}"/>
+                  <a16:creationId xmlns:a16="http://schemas.microsoft.com/office/drawing/2014/main" id="{D162CAE9-DEBB-4950-9EB1-0586817AAE0C}"/>
                 </a:ext>
               </a:extLst>
             </p:cNvPr>
             <p:cNvCxnSpPr>
               <a:cxnSpLocks/>
-              <a:stCxn id="34" idx="2"/>
-              <a:endCxn id="33" idx="3"/>
+              <a:stCxn id="81" idx="2"/>
+              <a:endCxn id="80" idx="3"/>
             </p:cNvCxnSpPr>
             <p:nvPr/>
           </p:nvCxnSpPr>
           <p:spPr>
             <a:xfrm flipV="1">
-              <a:off x="98575" y="4092758"/>
+              <a:off x="8550267" y="60540"/>
               <a:ext cx="948179" cy="344432"/>
             </a:xfrm>
             <a:prstGeom prst="straightConnector1">
@@ -42990,6 +43954,434 @@
                 <a:srgbClr val="C00000"/>
               </a:solidFill>
               <a:tailEnd type="triangle"/>
+            </a:ln>
+          </p:spPr>
+          <p:style>
+            <a:lnRef idx="1">
+              <a:schemeClr val="accent1"/>
+            </a:lnRef>
+            <a:fillRef idx="0">
+              <a:schemeClr val="accent1"/>
+            </a:fillRef>
+            <a:effectRef idx="0">
+              <a:schemeClr val="accent1"/>
+            </a:effectRef>
+            <a:fontRef idx="minor">
+              <a:schemeClr val="tx1"/>
+            </a:fontRef>
+          </p:style>
+        </p:cxnSp>
+        <p:cxnSp>
+          <p:nvCxnSpPr>
+            <p:cNvPr id="7" name="Straight Connector 6">
+              <a:extLst>
+                <a:ext uri="{FF2B5EF4-FFF2-40B4-BE49-F238E27FC236}">
+                  <a16:creationId xmlns:a16="http://schemas.microsoft.com/office/drawing/2014/main" id="{82F09CAE-9AB6-4F21-8F13-BAA29468D3C5}"/>
+                </a:ext>
+              </a:extLst>
+            </p:cNvPr>
+            <p:cNvCxnSpPr/>
+            <p:nvPr/>
+          </p:nvCxnSpPr>
+          <p:spPr>
+            <a:xfrm>
+              <a:off x="889341" y="9075169"/>
+              <a:ext cx="4318000" cy="0"/>
+            </a:xfrm>
+            <a:prstGeom prst="line">
+              <a:avLst/>
+            </a:prstGeom>
+            <a:ln w="57150">
+              <a:solidFill>
+                <a:srgbClr val="C00000"/>
+              </a:solidFill>
+            </a:ln>
+          </p:spPr>
+          <p:style>
+            <a:lnRef idx="1">
+              <a:schemeClr val="accent1"/>
+            </a:lnRef>
+            <a:fillRef idx="0">
+              <a:schemeClr val="accent1"/>
+            </a:fillRef>
+            <a:effectRef idx="0">
+              <a:schemeClr val="accent1"/>
+            </a:effectRef>
+            <a:fontRef idx="minor">
+              <a:schemeClr val="tx1"/>
+            </a:fontRef>
+          </p:style>
+        </p:cxnSp>
+        <p:cxnSp>
+          <p:nvCxnSpPr>
+            <p:cNvPr id="88" name="Straight Connector 87">
+              <a:extLst>
+                <a:ext uri="{FF2B5EF4-FFF2-40B4-BE49-F238E27FC236}">
+                  <a16:creationId xmlns:a16="http://schemas.microsoft.com/office/drawing/2014/main" id="{BD02F60D-95DD-49D3-8AC0-B4479BE67F0E}"/>
+                </a:ext>
+              </a:extLst>
+            </p:cNvPr>
+            <p:cNvCxnSpPr>
+              <a:cxnSpLocks/>
+            </p:cNvCxnSpPr>
+            <p:nvPr/>
+          </p:nvCxnSpPr>
+          <p:spPr>
+            <a:xfrm flipV="1">
+              <a:off x="5207341" y="4918681"/>
+              <a:ext cx="113810" cy="4167430"/>
+            </a:xfrm>
+            <a:prstGeom prst="line">
+              <a:avLst/>
+            </a:prstGeom>
+            <a:ln w="57150">
+              <a:solidFill>
+                <a:srgbClr val="C00000"/>
+              </a:solidFill>
+            </a:ln>
+          </p:spPr>
+          <p:style>
+            <a:lnRef idx="1">
+              <a:schemeClr val="accent1"/>
+            </a:lnRef>
+            <a:fillRef idx="0">
+              <a:schemeClr val="accent1"/>
+            </a:fillRef>
+            <a:effectRef idx="0">
+              <a:schemeClr val="accent1"/>
+            </a:effectRef>
+            <a:fontRef idx="minor">
+              <a:schemeClr val="tx1"/>
+            </a:fontRef>
+          </p:style>
+        </p:cxnSp>
+        <p:cxnSp>
+          <p:nvCxnSpPr>
+            <p:cNvPr id="89" name="Straight Connector 88">
+              <a:extLst>
+                <a:ext uri="{FF2B5EF4-FFF2-40B4-BE49-F238E27FC236}">
+                  <a16:creationId xmlns:a16="http://schemas.microsoft.com/office/drawing/2014/main" id="{7DFDB558-AD24-4A70-BB61-9A258F6DB4FB}"/>
+                </a:ext>
+              </a:extLst>
+            </p:cNvPr>
+            <p:cNvCxnSpPr>
+              <a:cxnSpLocks/>
+            </p:cNvCxnSpPr>
+            <p:nvPr/>
+          </p:nvCxnSpPr>
+          <p:spPr>
+            <a:xfrm flipH="1" flipV="1">
+              <a:off x="4408765" y="4909759"/>
+              <a:ext cx="926547" cy="52385"/>
+            </a:xfrm>
+            <a:prstGeom prst="line">
+              <a:avLst/>
+            </a:prstGeom>
+            <a:ln w="57150">
+              <a:solidFill>
+                <a:srgbClr val="C00000"/>
+              </a:solidFill>
+            </a:ln>
+          </p:spPr>
+          <p:style>
+            <a:lnRef idx="1">
+              <a:schemeClr val="accent1"/>
+            </a:lnRef>
+            <a:fillRef idx="0">
+              <a:schemeClr val="accent1"/>
+            </a:fillRef>
+            <a:effectRef idx="0">
+              <a:schemeClr val="accent1"/>
+            </a:effectRef>
+            <a:fontRef idx="minor">
+              <a:schemeClr val="tx1"/>
+            </a:fontRef>
+          </p:style>
+        </p:cxnSp>
+        <p:cxnSp>
+          <p:nvCxnSpPr>
+            <p:cNvPr id="90" name="Straight Connector 89">
+              <a:extLst>
+                <a:ext uri="{FF2B5EF4-FFF2-40B4-BE49-F238E27FC236}">
+                  <a16:creationId xmlns:a16="http://schemas.microsoft.com/office/drawing/2014/main" id="{7213B535-9AA9-47D7-AEB8-48208514258B}"/>
+                </a:ext>
+              </a:extLst>
+            </p:cNvPr>
+            <p:cNvCxnSpPr>
+              <a:cxnSpLocks/>
+            </p:cNvCxnSpPr>
+            <p:nvPr/>
+          </p:nvCxnSpPr>
+          <p:spPr>
+            <a:xfrm flipV="1">
+              <a:off x="889341" y="4918681"/>
+              <a:ext cx="3519424" cy="4156487"/>
+            </a:xfrm>
+            <a:prstGeom prst="line">
+              <a:avLst/>
+            </a:prstGeom>
+            <a:ln w="57150">
+              <a:solidFill>
+                <a:srgbClr val="C00000"/>
+              </a:solidFill>
+            </a:ln>
+          </p:spPr>
+          <p:style>
+            <a:lnRef idx="1">
+              <a:schemeClr val="accent1"/>
+            </a:lnRef>
+            <a:fillRef idx="0">
+              <a:schemeClr val="accent1"/>
+            </a:fillRef>
+            <a:effectRef idx="0">
+              <a:schemeClr val="accent1"/>
+            </a:effectRef>
+            <a:fontRef idx="minor">
+              <a:schemeClr val="tx1"/>
+            </a:fontRef>
+          </p:style>
+        </p:cxnSp>
+        <p:cxnSp>
+          <p:nvCxnSpPr>
+            <p:cNvPr id="91" name="Straight Connector 90">
+              <a:extLst>
+                <a:ext uri="{FF2B5EF4-FFF2-40B4-BE49-F238E27FC236}">
+                  <a16:creationId xmlns:a16="http://schemas.microsoft.com/office/drawing/2014/main" id="{86CABF18-220E-46E2-ACDA-CEC9B6216BE6}"/>
+                </a:ext>
+              </a:extLst>
+            </p:cNvPr>
+            <p:cNvCxnSpPr>
+              <a:cxnSpLocks/>
+            </p:cNvCxnSpPr>
+            <p:nvPr/>
+          </p:nvCxnSpPr>
+          <p:spPr>
+            <a:xfrm flipH="1" flipV="1">
+              <a:off x="3272317" y="4878583"/>
+              <a:ext cx="893351" cy="26192"/>
+            </a:xfrm>
+            <a:prstGeom prst="line">
+              <a:avLst/>
+            </a:prstGeom>
+            <a:ln w="57150">
+              <a:solidFill>
+                <a:srgbClr val="C00000"/>
+              </a:solidFill>
+            </a:ln>
+          </p:spPr>
+          <p:style>
+            <a:lnRef idx="1">
+              <a:schemeClr val="accent1"/>
+            </a:lnRef>
+            <a:fillRef idx="0">
+              <a:schemeClr val="accent1"/>
+            </a:fillRef>
+            <a:effectRef idx="0">
+              <a:schemeClr val="accent1"/>
+            </a:effectRef>
+            <a:fontRef idx="minor">
+              <a:schemeClr val="tx1"/>
+            </a:fontRef>
+          </p:style>
+        </p:cxnSp>
+        <p:cxnSp>
+          <p:nvCxnSpPr>
+            <p:cNvPr id="92" name="Straight Connector 91">
+              <a:extLst>
+                <a:ext uri="{FF2B5EF4-FFF2-40B4-BE49-F238E27FC236}">
+                  <a16:creationId xmlns:a16="http://schemas.microsoft.com/office/drawing/2014/main" id="{43A6730E-893D-4A54-8510-247CB898E026}"/>
+                </a:ext>
+              </a:extLst>
+            </p:cNvPr>
+            <p:cNvCxnSpPr>
+              <a:cxnSpLocks/>
+            </p:cNvCxnSpPr>
+            <p:nvPr/>
+          </p:nvCxnSpPr>
+          <p:spPr>
+            <a:xfrm flipV="1">
+              <a:off x="-1913659" y="4878583"/>
+              <a:ext cx="5198321" cy="2704841"/>
+            </a:xfrm>
+            <a:prstGeom prst="line">
+              <a:avLst/>
+            </a:prstGeom>
+            <a:ln w="57150">
+              <a:solidFill>
+                <a:srgbClr val="C00000"/>
+              </a:solidFill>
+            </a:ln>
+          </p:spPr>
+          <p:style>
+            <a:lnRef idx="1">
+              <a:schemeClr val="accent1"/>
+            </a:lnRef>
+            <a:fillRef idx="0">
+              <a:schemeClr val="accent1"/>
+            </a:fillRef>
+            <a:effectRef idx="0">
+              <a:schemeClr val="accent1"/>
+            </a:effectRef>
+            <a:fontRef idx="minor">
+              <a:schemeClr val="tx1"/>
+            </a:fontRef>
+          </p:style>
+        </p:cxnSp>
+        <p:cxnSp>
+          <p:nvCxnSpPr>
+            <p:cNvPr id="93" name="Straight Connector 92">
+              <a:extLst>
+                <a:ext uri="{FF2B5EF4-FFF2-40B4-BE49-F238E27FC236}">
+                  <a16:creationId xmlns:a16="http://schemas.microsoft.com/office/drawing/2014/main" id="{4222AA37-8D0C-4726-801B-9D6DFF711C90}"/>
+                </a:ext>
+              </a:extLst>
+            </p:cNvPr>
+            <p:cNvCxnSpPr>
+              <a:cxnSpLocks/>
+            </p:cNvCxnSpPr>
+            <p:nvPr/>
+          </p:nvCxnSpPr>
+          <p:spPr>
+            <a:xfrm flipH="1">
+              <a:off x="-1913661" y="7583424"/>
+              <a:ext cx="12303" cy="1146048"/>
+            </a:xfrm>
+            <a:prstGeom prst="line">
+              <a:avLst/>
+            </a:prstGeom>
+            <a:ln w="57150">
+              <a:solidFill>
+                <a:srgbClr val="C00000"/>
+              </a:solidFill>
+            </a:ln>
+          </p:spPr>
+          <p:style>
+            <a:lnRef idx="1">
+              <a:schemeClr val="accent1"/>
+            </a:lnRef>
+            <a:fillRef idx="0">
+              <a:schemeClr val="accent1"/>
+            </a:fillRef>
+            <a:effectRef idx="0">
+              <a:schemeClr val="accent1"/>
+            </a:effectRef>
+            <a:fontRef idx="minor">
+              <a:schemeClr val="tx1"/>
+            </a:fontRef>
+          </p:style>
+        </p:cxnSp>
+        <p:cxnSp>
+          <p:nvCxnSpPr>
+            <p:cNvPr id="95" name="Straight Connector 94">
+              <a:extLst>
+                <a:ext uri="{FF2B5EF4-FFF2-40B4-BE49-F238E27FC236}">
+                  <a16:creationId xmlns:a16="http://schemas.microsoft.com/office/drawing/2014/main" id="{9188ED93-B961-4C41-BEE1-4461B2359F03}"/>
+                </a:ext>
+              </a:extLst>
+            </p:cNvPr>
+            <p:cNvCxnSpPr>
+              <a:cxnSpLocks/>
+            </p:cNvCxnSpPr>
+            <p:nvPr/>
+          </p:nvCxnSpPr>
+          <p:spPr>
+            <a:xfrm flipH="1">
+              <a:off x="-615166" y="4888307"/>
+              <a:ext cx="4780834" cy="4235177"/>
+            </a:xfrm>
+            <a:prstGeom prst="line">
+              <a:avLst/>
+            </a:prstGeom>
+            <a:ln w="57150">
+              <a:solidFill>
+                <a:srgbClr val="C00000"/>
+              </a:solidFill>
+            </a:ln>
+          </p:spPr>
+          <p:style>
+            <a:lnRef idx="1">
+              <a:schemeClr val="accent1"/>
+            </a:lnRef>
+            <a:fillRef idx="0">
+              <a:schemeClr val="accent1"/>
+            </a:fillRef>
+            <a:effectRef idx="0">
+              <a:schemeClr val="accent1"/>
+            </a:effectRef>
+            <a:fontRef idx="minor">
+              <a:schemeClr val="tx1"/>
+            </a:fontRef>
+          </p:style>
+        </p:cxnSp>
+        <p:cxnSp>
+          <p:nvCxnSpPr>
+            <p:cNvPr id="98" name="Straight Connector 97">
+              <a:extLst>
+                <a:ext uri="{FF2B5EF4-FFF2-40B4-BE49-F238E27FC236}">
+                  <a16:creationId xmlns:a16="http://schemas.microsoft.com/office/drawing/2014/main" id="{8E74173A-3F7F-49C0-B6BD-5A46FCCD229F}"/>
+                </a:ext>
+              </a:extLst>
+            </p:cNvPr>
+            <p:cNvCxnSpPr>
+              <a:cxnSpLocks/>
+            </p:cNvCxnSpPr>
+            <p:nvPr/>
+          </p:nvCxnSpPr>
+          <p:spPr>
+            <a:xfrm>
+              <a:off x="-858263" y="9120598"/>
+              <a:ext cx="303527" cy="0"/>
+            </a:xfrm>
+            <a:prstGeom prst="line">
+              <a:avLst/>
+            </a:prstGeom>
+            <a:ln w="57150">
+              <a:solidFill>
+                <a:srgbClr val="C00000"/>
+              </a:solidFill>
+            </a:ln>
+          </p:spPr>
+          <p:style>
+            <a:lnRef idx="1">
+              <a:schemeClr val="accent1"/>
+            </a:lnRef>
+            <a:fillRef idx="0">
+              <a:schemeClr val="accent1"/>
+            </a:fillRef>
+            <a:effectRef idx="0">
+              <a:schemeClr val="accent1"/>
+            </a:effectRef>
+            <a:fontRef idx="minor">
+              <a:schemeClr val="tx1"/>
+            </a:fontRef>
+          </p:style>
+        </p:cxnSp>
+        <p:cxnSp>
+          <p:nvCxnSpPr>
+            <p:cNvPr id="103" name="Straight Connector 102">
+              <a:extLst>
+                <a:ext uri="{FF2B5EF4-FFF2-40B4-BE49-F238E27FC236}">
+                  <a16:creationId xmlns:a16="http://schemas.microsoft.com/office/drawing/2014/main" id="{4649D809-F8D2-44E8-B87C-78578353C6FD}"/>
+                </a:ext>
+              </a:extLst>
+            </p:cNvPr>
+            <p:cNvCxnSpPr>
+              <a:cxnSpLocks/>
+            </p:cNvCxnSpPr>
+            <p:nvPr/>
+          </p:nvCxnSpPr>
+          <p:spPr>
+            <a:xfrm flipH="1" flipV="1">
+              <a:off x="-1913661" y="8729472"/>
+              <a:ext cx="1098613" cy="391126"/>
+            </a:xfrm>
+            <a:prstGeom prst="line">
+              <a:avLst/>
+            </a:prstGeom>
+            <a:ln w="57150">
+              <a:solidFill>
+                <a:srgbClr val="C00000"/>
+              </a:solidFill>
             </a:ln>
           </p:spPr>
           <p:style>
@@ -43022,6 +44414,36 @@
 </file>
 
 <file path=ppt/slides/slide5.xml><?xml version="1.0" encoding="utf-8"?>
+<p:sld xmlns:a="http://schemas.openxmlformats.org/drawingml/2006/main" xmlns:r="http://schemas.openxmlformats.org/officeDocument/2006/relationships" xmlns:p="http://schemas.openxmlformats.org/presentationml/2006/main">
+  <p:cSld>
+    <p:spTree>
+      <p:nvGrpSpPr>
+        <p:cNvPr id="1" name=""/>
+        <p:cNvGrpSpPr/>
+        <p:nvPr/>
+      </p:nvGrpSpPr>
+      <p:grpSpPr>
+        <a:xfrm>
+          <a:off x="0" y="0"/>
+          <a:ext cx="0" cy="0"/>
+          <a:chOff x="0" y="0"/>
+          <a:chExt cx="0" cy="0"/>
+        </a:xfrm>
+      </p:grpSpPr>
+    </p:spTree>
+    <p:extLst>
+      <p:ext uri="{BB962C8B-B14F-4D97-AF65-F5344CB8AC3E}">
+        <p14:creationId xmlns:p14="http://schemas.microsoft.com/office/powerpoint/2010/main" val="410310983"/>
+      </p:ext>
+    </p:extLst>
+  </p:cSld>
+  <p:clrMapOvr>
+    <a:masterClrMapping/>
+  </p:clrMapOvr>
+</p:sld>
+</file>
+
+<file path=ppt/slides/slide6.xml><?xml version="1.0" encoding="utf-8"?>
 <p:sld xmlns:a="http://schemas.openxmlformats.org/drawingml/2006/main" xmlns:r="http://schemas.openxmlformats.org/officeDocument/2006/relationships" xmlns:p="http://schemas.openxmlformats.org/presentationml/2006/main">
   <p:cSld>
     <p:spTree>
@@ -43293,7 +44715,7 @@
 </p:sld>
 </file>
 
-<file path=ppt/slides/slide6.xml><?xml version="1.0" encoding="utf-8"?>
+<file path=ppt/slides/slide7.xml><?xml version="1.0" encoding="utf-8"?>
 <p:sld xmlns:a="http://schemas.openxmlformats.org/drawingml/2006/main" xmlns:r="http://schemas.openxmlformats.org/officeDocument/2006/relationships" xmlns:p="http://schemas.openxmlformats.org/presentationml/2006/main">
   <p:cSld>
     <p:spTree>
@@ -44248,7 +45670,7 @@
 </p:sld>
 </file>
 
-<file path=ppt/slides/slide7.xml><?xml version="1.0" encoding="utf-8"?>
+<file path=ppt/slides/slide8.xml><?xml version="1.0" encoding="utf-8"?>
 <p:sld xmlns:a="http://schemas.openxmlformats.org/drawingml/2006/main" xmlns:r="http://schemas.openxmlformats.org/officeDocument/2006/relationships" xmlns:p="http://schemas.openxmlformats.org/presentationml/2006/main">
   <p:cSld>
     <p:spTree>
@@ -48177,7 +49599,7 @@
 </p:sld>
 </file>
 
-<file path=ppt/slides/slide8.xml><?xml version="1.0" encoding="utf-8"?>
+<file path=ppt/slides/slide9.xml><?xml version="1.0" encoding="utf-8"?>
 <p:sld xmlns:a="http://schemas.openxmlformats.org/drawingml/2006/main" xmlns:r="http://schemas.openxmlformats.org/officeDocument/2006/relationships" xmlns:p="http://schemas.openxmlformats.org/presentationml/2006/main">
   <p:cSld>
     <p:spTree>
@@ -48977,311 +50399,6 @@
     <p:extLst>
       <p:ext uri="{BB962C8B-B14F-4D97-AF65-F5344CB8AC3E}">
         <p14:creationId xmlns:p14="http://schemas.microsoft.com/office/powerpoint/2010/main" val="1888378921"/>
-      </p:ext>
-    </p:extLst>
-  </p:cSld>
-  <p:clrMapOvr>
-    <a:masterClrMapping/>
-  </p:clrMapOvr>
-</p:sld>
-</file>
-
-<file path=ppt/slides/slide9.xml><?xml version="1.0" encoding="utf-8"?>
-<p:sld xmlns:a="http://schemas.openxmlformats.org/drawingml/2006/main" xmlns:r="http://schemas.openxmlformats.org/officeDocument/2006/relationships" xmlns:p="http://schemas.openxmlformats.org/presentationml/2006/main">
-  <p:cSld>
-    <p:spTree>
-      <p:nvGrpSpPr>
-        <p:cNvPr id="1" name=""/>
-        <p:cNvGrpSpPr/>
-        <p:nvPr/>
-      </p:nvGrpSpPr>
-      <p:grpSpPr>
-        <a:xfrm>
-          <a:off x="0" y="0"/>
-          <a:ext cx="0" cy="0"/>
-          <a:chOff x="0" y="0"/>
-          <a:chExt cx="0" cy="0"/>
-        </a:xfrm>
-      </p:grpSpPr>
-      <p:grpSp>
-        <p:nvGrpSpPr>
-          <p:cNvPr id="2" name="Group 1">
-            <a:extLst>
-              <a:ext uri="{FF2B5EF4-FFF2-40B4-BE49-F238E27FC236}">
-                <a16:creationId xmlns:a16="http://schemas.microsoft.com/office/drawing/2014/main" id="{51B2798E-6D79-4BE4-8DAC-D3229AE96453}"/>
-              </a:ext>
-            </a:extLst>
-          </p:cNvPr>
-          <p:cNvGrpSpPr/>
-          <p:nvPr/>
-        </p:nvGrpSpPr>
-        <p:grpSpPr>
-          <a:xfrm>
-            <a:off x="767460" y="1216917"/>
-            <a:ext cx="9167651" cy="3055763"/>
-            <a:chOff x="767460" y="1216917"/>
-            <a:chExt cx="9167651" cy="3055763"/>
-          </a:xfrm>
-        </p:grpSpPr>
-        <p:pic>
-          <p:nvPicPr>
-            <p:cNvPr id="146" name="Picture 32">
-              <a:extLst>
-                <a:ext uri="{FF2B5EF4-FFF2-40B4-BE49-F238E27FC236}">
-                  <a16:creationId xmlns:a16="http://schemas.microsoft.com/office/drawing/2014/main" id="{0981C400-ADFE-404F-B1F5-89D756505300}"/>
-                </a:ext>
-              </a:extLst>
-            </p:cNvPr>
-            <p:cNvPicPr>
-              <a:picLocks noChangeAspect="1" noChangeArrowheads="1"/>
-            </p:cNvPicPr>
-            <p:nvPr/>
-          </p:nvPicPr>
-          <p:blipFill>
-            <a:blip r:embed="rId4" cstate="print"/>
-            <a:srcRect/>
-            <a:stretch>
-              <a:fillRect/>
-            </a:stretch>
-          </p:blipFill>
-          <p:spPr bwMode="auto">
-            <a:xfrm>
-              <a:off x="767460" y="1216917"/>
-              <a:ext cx="4114800" cy="3055763"/>
-            </a:xfrm>
-            <a:prstGeom prst="rect">
-              <a:avLst/>
-            </a:prstGeom>
-            <a:noFill/>
-            <a:ln w="9525">
-              <a:noFill/>
-              <a:miter lim="800000"/>
-              <a:headEnd/>
-              <a:tailEnd/>
-            </a:ln>
-            <a:effectLst/>
-          </p:spPr>
-        </p:pic>
-        <p:pic>
-          <p:nvPicPr>
-            <p:cNvPr id="147" name="Picture 34">
-              <a:extLst>
-                <a:ext uri="{FF2B5EF4-FFF2-40B4-BE49-F238E27FC236}">
-                  <a16:creationId xmlns:a16="http://schemas.microsoft.com/office/drawing/2014/main" id="{DE2502DD-E510-4A24-855C-0DDDD70A779B}"/>
-                </a:ext>
-              </a:extLst>
-            </p:cNvPr>
-            <p:cNvPicPr>
-              <a:picLocks noChangeAspect="1" noChangeArrowheads="1"/>
-            </p:cNvPicPr>
-            <p:nvPr/>
-          </p:nvPicPr>
-          <p:blipFill>
-            <a:blip r:embed="rId5" cstate="print"/>
-            <a:srcRect/>
-            <a:stretch>
-              <a:fillRect/>
-            </a:stretch>
-          </p:blipFill>
-          <p:spPr bwMode="auto">
-            <a:xfrm>
-              <a:off x="7777005" y="2895950"/>
-              <a:ext cx="1519947" cy="1257510"/>
-            </a:xfrm>
-            <a:prstGeom prst="rect">
-              <a:avLst/>
-            </a:prstGeom>
-            <a:noFill/>
-            <a:ln w="9525">
-              <a:noFill/>
-              <a:miter lim="800000"/>
-              <a:headEnd/>
-              <a:tailEnd/>
-            </a:ln>
-            <a:effectLst/>
-          </p:spPr>
-        </p:pic>
-        <p:pic>
-          <p:nvPicPr>
-            <p:cNvPr id="7" name="Picture 6">
-              <a:extLst>
-                <a:ext uri="{FF2B5EF4-FFF2-40B4-BE49-F238E27FC236}">
-                  <a16:creationId xmlns:a16="http://schemas.microsoft.com/office/drawing/2014/main" id="{1F2E9FE1-0871-451D-866F-C95DF7B0B53E}"/>
-                </a:ext>
-              </a:extLst>
-            </p:cNvPr>
-            <p:cNvPicPr>
-              <a:picLocks noChangeAspect="1"/>
-            </p:cNvPicPr>
-            <p:nvPr>
-              <p:custDataLst>
-                <p:tags r:id="rId1"/>
-              </p:custDataLst>
-            </p:nvPr>
-          </p:nvPicPr>
-          <p:blipFill>
-            <a:blip r:embed="rId6">
-              <a:extLst>
-                <a:ext uri="{28A0092B-C50C-407E-A947-70E740481C1C}">
-                  <a14:useLocalDpi xmlns:a14="http://schemas.microsoft.com/office/drawing/2010/main" val="0"/>
-                </a:ext>
-              </a:extLst>
-            </a:blip>
-            <a:stretch>
-              <a:fillRect/>
-            </a:stretch>
-          </p:blipFill>
-          <p:spPr>
-            <a:xfrm>
-              <a:off x="4754335" y="2335940"/>
-              <a:ext cx="5180776" cy="560010"/>
-            </a:xfrm>
-            <a:prstGeom prst="rect">
-              <a:avLst/>
-            </a:prstGeom>
-          </p:spPr>
-        </p:pic>
-        <p:pic>
-          <p:nvPicPr>
-            <p:cNvPr id="9" name="Picture 8">
-              <a:extLst>
-                <a:ext uri="{FF2B5EF4-FFF2-40B4-BE49-F238E27FC236}">
-                  <a16:creationId xmlns:a16="http://schemas.microsoft.com/office/drawing/2014/main" id="{74B806D9-6DFE-4D75-A720-F40406F2C396}"/>
-                </a:ext>
-              </a:extLst>
-            </p:cNvPr>
-            <p:cNvPicPr>
-              <a:picLocks noChangeAspect="1"/>
-            </p:cNvPicPr>
-            <p:nvPr>
-              <p:custDataLst>
-                <p:tags r:id="rId2"/>
-              </p:custDataLst>
-            </p:nvPr>
-          </p:nvPicPr>
-          <p:blipFill>
-            <a:blip r:embed="rId7">
-              <a:extLst>
-                <a:ext uri="{28A0092B-C50C-407E-A947-70E740481C1C}">
-                  <a14:useLocalDpi xmlns:a14="http://schemas.microsoft.com/office/drawing/2010/main" val="0"/>
-                </a:ext>
-              </a:extLst>
-            </a:blip>
-            <a:stretch>
-              <a:fillRect/>
-            </a:stretch>
-          </p:blipFill>
-          <p:spPr>
-            <a:xfrm>
-              <a:off x="4754334" y="1405950"/>
-              <a:ext cx="4421133" cy="560010"/>
-            </a:xfrm>
-            <a:prstGeom prst="rect">
-              <a:avLst/>
-            </a:prstGeom>
-          </p:spPr>
-        </p:pic>
-        <p:sp>
-          <p:nvSpPr>
-            <p:cNvPr id="11" name="Oval 10">
-              <a:extLst>
-                <a:ext uri="{FF2B5EF4-FFF2-40B4-BE49-F238E27FC236}">
-                  <a16:creationId xmlns:a16="http://schemas.microsoft.com/office/drawing/2014/main" id="{79035506-7E3C-47BE-97D2-8275C7ABCA14}"/>
-                </a:ext>
-              </a:extLst>
-            </p:cNvPr>
-            <p:cNvSpPr/>
-            <p:nvPr/>
-          </p:nvSpPr>
-          <p:spPr bwMode="auto">
-            <a:xfrm>
-              <a:off x="7777005" y="3361942"/>
-              <a:ext cx="733815" cy="342900"/>
-            </a:xfrm>
-            <a:prstGeom prst="ellipse">
-              <a:avLst/>
-            </a:prstGeom>
-            <a:noFill/>
-            <a:ln w="38100">
-              <a:solidFill>
-                <a:schemeClr val="tx1"/>
-              </a:solidFill>
-              <a:miter lim="800000"/>
-              <a:headEnd type="none" w="lg" len="med"/>
-              <a:tailEnd type="none" w="lg" len="med"/>
-            </a:ln>
-            <a:effectLst/>
-          </p:spPr>
-          <p:txBody>
-            <a:bodyPr rtlCol="0" anchor="ctr">
-              <a:spAutoFit/>
-            </a:bodyPr>
-            <a:lstStyle/>
-            <a:p>
-              <a:pPr algn="l"/>
-              <a:endParaRPr lang="en-US" dirty="0"/>
-            </a:p>
-          </p:txBody>
-        </p:sp>
-        <p:sp>
-          <p:nvSpPr>
-            <p:cNvPr id="12" name="Arc 11">
-              <a:extLst>
-                <a:ext uri="{FF2B5EF4-FFF2-40B4-BE49-F238E27FC236}">
-                  <a16:creationId xmlns:a16="http://schemas.microsoft.com/office/drawing/2014/main" id="{8B8264D7-08A8-4334-8440-E9E002FD4DAC}"/>
-                </a:ext>
-              </a:extLst>
-            </p:cNvPr>
-            <p:cNvSpPr/>
-            <p:nvPr/>
-          </p:nvSpPr>
-          <p:spPr>
-            <a:xfrm>
-              <a:off x="7777005" y="2491610"/>
-              <a:ext cx="580293" cy="1028700"/>
-            </a:xfrm>
-            <a:prstGeom prst="arc">
-              <a:avLst>
-                <a:gd name="adj1" fmla="val 16200000"/>
-                <a:gd name="adj2" fmla="val 3602783"/>
-              </a:avLst>
-            </a:prstGeom>
-            <a:ln w="28575">
-              <a:solidFill>
-                <a:schemeClr val="tx1"/>
-              </a:solidFill>
-              <a:headEnd type="triangle"/>
-              <a:tailEnd type="none"/>
-            </a:ln>
-          </p:spPr>
-          <p:style>
-            <a:lnRef idx="1">
-              <a:schemeClr val="accent1"/>
-            </a:lnRef>
-            <a:fillRef idx="0">
-              <a:schemeClr val="accent1"/>
-            </a:fillRef>
-            <a:effectRef idx="0">
-              <a:schemeClr val="accent1"/>
-            </a:effectRef>
-            <a:fontRef idx="minor">
-              <a:schemeClr val="tx1"/>
-            </a:fontRef>
-          </p:style>
-          <p:txBody>
-            <a:bodyPr rtlCol="0" anchor="ctr"/>
-            <a:lstStyle/>
-            <a:p>
-              <a:pPr algn="ctr"/>
-              <a:endParaRPr lang="en-US"/>
-            </a:p>
-          </p:txBody>
-        </p:sp>
-      </p:grpSp>
-    </p:spTree>
-    <p:extLst>
-      <p:ext uri="{BB962C8B-B14F-4D97-AF65-F5344CB8AC3E}">
-        <p14:creationId xmlns:p14="http://schemas.microsoft.com/office/powerpoint/2010/main" val="4146178590"/>
       </p:ext>
     </p:extLst>
   </p:cSld>
